--- a/Vorlesung/0 Organisatorisches.pptx
+++ b/Vorlesung/0 Organisatorisches.pptx
@@ -7874,7 +7874,6 @@
               <a:rPr lang="nl-NL" sz="1000" dirty="0" smtClean="0"/>
               <a:t> </a:t>
             </a:r>
-            <a:endParaRPr lang="nl-NL" sz="1000" dirty="0" smtClean="0"/>
           </a:p>
         </p:txBody>
       </p:sp>
@@ -11655,7 +11654,7 @@
           <a:graphicData uri="http://schemas.openxmlformats.org/presentationml/2006/ole">
             <mc:AlternateContent xmlns:mc="http://schemas.openxmlformats.org/markup-compatibility/2006">
               <mc:Choice xmlns:v="urn:schemas-microsoft-com:vml" Requires="v">
-                <p:oleObj spid="_x0000_s27654" r:id="rId3" imgW="1038370" imgH="980952" progId="PBrush">
+                <p:oleObj spid="_x0000_s27665" r:id="rId3" imgW="1038370" imgH="980952" progId="PBrush">
                   <p:embed/>
                 </p:oleObj>
               </mc:Choice>
@@ -14649,7 +14648,7 @@
           <a:graphicData uri="http://schemas.openxmlformats.org/presentationml/2006/ole">
             <mc:AlternateContent xmlns:mc="http://schemas.openxmlformats.org/markup-compatibility/2006">
               <mc:Choice xmlns:v="urn:schemas-microsoft-com:vml" Requires="v">
-                <p:oleObj spid="_x0000_s1041" r:id="rId16" imgW="1038370" imgH="980952" progId="">
+                <p:oleObj spid="_x0000_s1052" r:id="rId16" imgW="1038370" imgH="980952" progId="">
                   <p:embed/>
                 </p:oleObj>
               </mc:Choice>
@@ -16595,7 +16594,7 @@
           <a:graphicData uri="http://schemas.openxmlformats.org/presentationml/2006/ole">
             <mc:AlternateContent xmlns:mc="http://schemas.openxmlformats.org/markup-compatibility/2006">
               <mc:Choice xmlns:v="urn:schemas-microsoft-com:vml" Requires="v">
-                <p:oleObj spid="_x0000_s2064" r:id="rId6" imgW="1038370" imgH="980952" progId="PBrush">
+                <p:oleObj spid="_x0000_s2075" r:id="rId6" imgW="1038370" imgH="980952" progId="PBrush">
                   <p:embed/>
                 </p:oleObj>
               </mc:Choice>
@@ -18238,8 +18237,24 @@
               <a:buNone/>
             </a:pPr>
             <a:r>
-              <a:rPr lang="de-DE" altLang="de-DE" sz="1800"/>
-              <a:t>GitHub (# of projects)</a:t>
+              <a:rPr lang="de-DE" altLang="de-DE" sz="1800" dirty="0"/>
+              <a:t>GitHub (# </a:t>
+            </a:r>
+            <a:r>
+              <a:rPr lang="de-DE" altLang="de-DE" sz="1800" dirty="0" err="1"/>
+              <a:t>of</a:t>
+            </a:r>
+            <a:r>
+              <a:rPr lang="de-DE" altLang="de-DE" sz="1800" dirty="0"/>
+              <a:t> </a:t>
+            </a:r>
+            <a:r>
+              <a:rPr lang="de-DE" altLang="de-DE" sz="1800" dirty="0" err="1"/>
+              <a:t>projects</a:t>
+            </a:r>
+            <a:r>
+              <a:rPr lang="de-DE" altLang="de-DE" sz="1800" dirty="0"/>
+              <a:t>)</a:t>
             </a:r>
           </a:p>
         </p:txBody>
@@ -19632,8 +19647,24 @@
             </a:pPr>
             <a:r>
               <a:rPr lang="de-DE" dirty="0" smtClean="0"/>
-              <a:t>09:00 – 12:00:  Frontalunterricht im Hörsaal</a:t>
-            </a:r>
+              <a:t>09:00 – </a:t>
+            </a:r>
+            <a:r>
+              <a:rPr lang="de-DE" dirty="0" smtClean="0"/>
+              <a:t>11:30</a:t>
+            </a:r>
+            <a:r>
+              <a:rPr lang="de-DE" dirty="0" smtClean="0"/>
+              <a:t>:  Frontalunterricht im </a:t>
+            </a:r>
+            <a:r>
+              <a:rPr lang="de-DE" dirty="0" smtClean="0"/>
+              <a:t>Hörsaal</a:t>
+            </a:r>
+            <a:br>
+              <a:rPr lang="de-DE" dirty="0" smtClean="0"/>
+            </a:br>
+            <a:endParaRPr lang="de-DE" dirty="0" smtClean="0"/>
           </a:p>
           <a:p>
             <a:pPr marL="180975" lvl="1" indent="0" eaLnBrk="1" hangingPunct="1">
@@ -19702,15 +19733,7 @@
             </a:pPr>
             <a:r>
               <a:rPr lang="de-DE" dirty="0" smtClean="0"/>
-              <a:t>Roland Kluge</a:t>
-            </a:r>
-            <a:r>
-              <a:rPr lang="de-DE" dirty="0" smtClean="0"/>
-              <a:t>,</a:t>
-            </a:r>
-            <a:r>
-              <a:rPr lang="de-DE" dirty="0" smtClean="0"/>
-              <a:t/>
+              <a:t>Roland Kluge,</a:t>
             </a:r>
             <a:br>
               <a:rPr lang="de-DE" dirty="0" smtClean="0"/>
@@ -19719,74 +19742,12 @@
               <a:rPr lang="de-DE" dirty="0" smtClean="0"/>
               <a:t>Eugen Lutz, Matthias TODO</a:t>
             </a:r>
-            <a:endParaRPr lang="de-DE" dirty="0" smtClean="0"/>
           </a:p>
           <a:p>
             <a:pPr lvl="1" eaLnBrk="1" hangingPunct="1">
               <a:defRPr/>
             </a:pPr>
             <a:endParaRPr lang="de-DE" dirty="0" smtClean="0"/>
-          </a:p>
-        </p:txBody>
-      </p:sp>
-      <p:sp>
-        <p:nvSpPr>
-          <p:cNvPr id="4" name="Abgerundete rechteckige Legende 3"/>
-          <p:cNvSpPr/>
-          <p:nvPr/>
-        </p:nvSpPr>
-        <p:spPr>
-          <a:xfrm>
-            <a:off x="5292725" y="1485900"/>
-            <a:ext cx="3671888" cy="1008063"/>
-          </a:xfrm>
-          <a:prstGeom prst="wedgeRoundRectCallout">
-            <a:avLst>
-              <a:gd name="adj1" fmla="val -57300"/>
-              <a:gd name="adj2" fmla="val 35794"/>
-              <a:gd name="adj3" fmla="val 16667"/>
-            </a:avLst>
-          </a:prstGeom>
-          <a:solidFill>
-            <a:schemeClr val="bg1"/>
-          </a:solidFill>
-          <a:ln>
-            <a:solidFill>
-              <a:schemeClr val="tx1"/>
-            </a:solidFill>
-          </a:ln>
-        </p:spPr>
-        <p:style>
-          <a:lnRef idx="2">
-            <a:schemeClr val="accent1">
-              <a:shade val="50000"/>
-            </a:schemeClr>
-          </a:lnRef>
-          <a:fillRef idx="1">
-            <a:schemeClr val="accent1"/>
-          </a:fillRef>
-          <a:effectRef idx="0">
-            <a:schemeClr val="accent1"/>
-          </a:effectRef>
-          <a:fontRef idx="minor">
-            <a:schemeClr val="lt1"/>
-          </a:fontRef>
-        </p:style>
-        <p:txBody>
-          <a:bodyPr anchor="ctr"/>
-          <a:lstStyle/>
-          <a:p>
-            <a:pPr>
-              <a:defRPr/>
-            </a:pPr>
-            <a:r>
-              <a:rPr lang="de-DE" dirty="0">
-                <a:solidFill>
-                  <a:schemeClr val="tx1"/>
-                </a:solidFill>
-              </a:rPr>
-              <a:t>Je nach Bedarf wechseln wir schon um 10:30/11:00 zur Übung</a:t>
-            </a:r>
           </a:p>
         </p:txBody>
       </p:sp>
@@ -19859,7 +19820,7 @@
         </p:nvSpPr>
         <p:spPr>
           <a:xfrm>
-            <a:off x="5219700" y="2852738"/>
+            <a:off x="5388768" y="3001963"/>
             <a:ext cx="2759075" cy="688975"/>
           </a:xfrm>
           <a:prstGeom prst="wedgeRoundRectCallout">
@@ -19967,7 +19928,7 @@
                                           </p:stCondLst>
                                         </p:cTn>
                                         <p:tgtEl>
-                                          <p:spTgt spid="4"/>
+                                          <p:spTgt spid="6"/>
                                         </p:tgtEl>
                                         <p:attrNameLst>
                                           <p:attrName>style.visibility</p:attrName>
@@ -19981,7 +19942,7 @@
                                       <p:cBhvr>
                                         <p:cTn id="7" dur="500"/>
                                         <p:tgtEl>
-                                          <p:spTgt spid="4"/>
+                                          <p:spTgt spid="6"/>
                                         </p:tgtEl>
                                       </p:cBhvr>
                                     </p:animEffect>
@@ -20020,7 +19981,7 @@
                                           </p:stCondLst>
                                         </p:cTn>
                                         <p:tgtEl>
-                                          <p:spTgt spid="6"/>
+                                          <p:spTgt spid="5"/>
                                         </p:tgtEl>
                                         <p:attrNameLst>
                                           <p:attrName>style.visibility</p:attrName>
@@ -20033,59 +19994,6 @@
                                     <p:animEffect transition="in" filter="fade">
                                       <p:cBhvr>
                                         <p:cTn id="12" dur="500"/>
-                                        <p:tgtEl>
-                                          <p:spTgt spid="6"/>
-                                        </p:tgtEl>
-                                      </p:cBhvr>
-                                    </p:animEffect>
-                                  </p:childTnLst>
-                                </p:cTn>
-                              </p:par>
-                            </p:childTnLst>
-                          </p:cTn>
-                        </p:par>
-                      </p:childTnLst>
-                    </p:cTn>
-                  </p:par>
-                  <p:par>
-                    <p:cTn id="13" fill="hold" nodeType="clickPar">
-                      <p:stCondLst>
-                        <p:cond delay="indefinite"/>
-                      </p:stCondLst>
-                      <p:childTnLst>
-                        <p:par>
-                          <p:cTn id="14" fill="hold" nodeType="withGroup">
-                            <p:stCondLst>
-                              <p:cond delay="0"/>
-                            </p:stCondLst>
-                            <p:childTnLst>
-                              <p:par>
-                                <p:cTn id="15" presetID="10" presetClass="entr" presetSubtype="0" fill="hold" grpId="0" nodeType="clickEffect">
-                                  <p:stCondLst>
-                                    <p:cond delay="0"/>
-                                  </p:stCondLst>
-                                  <p:childTnLst>
-                                    <p:set>
-                                      <p:cBhvr>
-                                        <p:cTn id="16" dur="1" fill="hold">
-                                          <p:stCondLst>
-                                            <p:cond delay="0"/>
-                                          </p:stCondLst>
-                                        </p:cTn>
-                                        <p:tgtEl>
-                                          <p:spTgt spid="5"/>
-                                        </p:tgtEl>
-                                        <p:attrNameLst>
-                                          <p:attrName>style.visibility</p:attrName>
-                                        </p:attrNameLst>
-                                      </p:cBhvr>
-                                      <p:to>
-                                        <p:strVal val="visible"/>
-                                      </p:to>
-                                    </p:set>
-                                    <p:animEffect transition="in" filter="fade">
-                                      <p:cBhvr>
-                                        <p:cTn id="17" dur="500"/>
                                         <p:tgtEl>
                                           <p:spTgt spid="5"/>
                                         </p:tgtEl>
@@ -20122,7 +20030,6 @@
       </p:par>
     </p:tnLst>
     <p:bldLst>
-      <p:bldP spid="4" grpId="0" animBg="1"/>
       <p:bldP spid="5" grpId="0" animBg="1"/>
       <p:bldP spid="6" grpId="0" animBg="1"/>
     </p:bldLst>
@@ -20195,9 +20102,27 @@
               <a:buNone/>
             </a:pPr>
             <a:r>
-              <a:rPr lang="de-DE" altLang="de-DE" smtClean="0"/>
+              <a:rPr lang="de-DE" altLang="de-DE" dirty="0" smtClean="0"/>
               <a:t>Termin</a:t>
             </a:r>
+          </a:p>
+          <a:p>
+            <a:pPr marL="180975" lvl="1" indent="0" eaLnBrk="1" hangingPunct="1">
+              <a:buNone/>
+            </a:pPr>
+            <a:r>
+              <a:rPr lang="de-DE" altLang="de-DE" dirty="0" smtClean="0"/>
+              <a:t>Datum:	</a:t>
+            </a:r>
+            <a:r>
+              <a:rPr lang="de-DE" altLang="de-DE" dirty="0"/>
+              <a:t> </a:t>
+            </a:r>
+            <a:r>
+              <a:rPr lang="de-DE" altLang="de-DE" dirty="0" smtClean="0"/>
+              <a:t>Dienstag, 14.10.2014</a:t>
+            </a:r>
+            <a:endParaRPr lang="de-DE" altLang="de-DE" dirty="0" smtClean="0"/>
           </a:p>
           <a:p>
             <a:pPr marL="180975" lvl="1" indent="0" eaLnBrk="1" hangingPunct="1">
@@ -20205,8 +20130,8 @@
               <a:buNone/>
             </a:pPr>
             <a:r>
-              <a:rPr lang="de-DE" altLang="de-DE" smtClean="0"/>
-              <a:t>Datum:	14.10.2014 (Dienstag)</a:t>
+              <a:rPr lang="de-DE" altLang="de-DE" dirty="0" smtClean="0"/>
+              <a:t>Uhrzeit:	16:15 – 18:15 (Bearbeitungszeit: 90 Minuten)</a:t>
             </a:r>
           </a:p>
           <a:p>
@@ -20215,8 +20140,28 @@
               <a:buNone/>
             </a:pPr>
             <a:r>
-              <a:rPr lang="de-DE" altLang="de-DE" smtClean="0"/>
-              <a:t>Uhrzeit:	16:15 – 18:15 (Bearbeitungszeit: 90 Minuten)</a:t>
+              <a:rPr lang="de-DE" altLang="de-DE" dirty="0" smtClean="0"/>
+              <a:t>Raum:	</a:t>
+            </a:r>
+            <a:r>
+              <a:rPr lang="de-DE" altLang="de-DE" b="1" dirty="0" smtClean="0">
+                <a:solidFill>
+                  <a:srgbClr val="FF0000"/>
+                </a:solidFill>
+              </a:rPr>
+              <a:t> </a:t>
+            </a:r>
+            <a:r>
+              <a:rPr lang="de-DE" altLang="de-DE" dirty="0" smtClean="0">
+                <a:solidFill>
+                  <a:srgbClr val="FF0000"/>
+                </a:solidFill>
+              </a:rPr>
+              <a:t>	</a:t>
+            </a:r>
+            <a:r>
+              <a:rPr lang="de-DE" altLang="de-DE" dirty="0" smtClean="0"/>
+              <a:t>S1|01 A01</a:t>
             </a:r>
           </a:p>
           <a:p>
@@ -20224,29 +20169,16 @@
               <a:buFont typeface="Wingdings" pitchFamily="2" charset="2"/>
               <a:buNone/>
             </a:pPr>
-            <a:r>
-              <a:rPr lang="de-DE" altLang="de-DE" smtClean="0"/>
-              <a:t>Raum:	</a:t>
-            </a:r>
-            <a:r>
-              <a:rPr lang="de-DE" altLang="de-DE" b="1" smtClean="0">
-                <a:solidFill>
-                  <a:srgbClr val="FF0000"/>
-                </a:solidFill>
-              </a:rPr>
-              <a:t> </a:t>
-            </a:r>
-            <a:r>
-              <a:rPr lang="de-DE" altLang="de-DE" smtClean="0">
-                <a:solidFill>
-                  <a:srgbClr val="FF0000"/>
-                </a:solidFill>
-              </a:rPr>
-              <a:t>	</a:t>
-            </a:r>
-            <a:r>
-              <a:rPr lang="de-DE" altLang="de-DE" smtClean="0"/>
-              <a:t>S1|01 A01</a:t>
+            <a:endParaRPr lang="de-DE" altLang="de-DE" dirty="0" smtClean="0"/>
+          </a:p>
+          <a:p>
+            <a:pPr marL="0" indent="0" eaLnBrk="1" hangingPunct="1">
+              <a:buFont typeface="Wingdings" pitchFamily="2" charset="2"/>
+              <a:buNone/>
+            </a:pPr>
+            <a:r>
+              <a:rPr lang="de-DE" altLang="de-DE" dirty="0" smtClean="0"/>
+              <a:t>Inhalt</a:t>
             </a:r>
           </a:p>
           <a:p>
@@ -20254,16 +20186,53 @@
               <a:buFont typeface="Wingdings" pitchFamily="2" charset="2"/>
               <a:buNone/>
             </a:pPr>
-            <a:endParaRPr lang="de-DE" altLang="de-DE" smtClean="0"/>
+            <a:r>
+              <a:rPr lang="de-DE" altLang="de-DE" dirty="0" smtClean="0"/>
+              <a:t>Tag 1 bis Tag 4</a:t>
+            </a:r>
+          </a:p>
+          <a:p>
+            <a:pPr marL="180975" lvl="1" indent="0" eaLnBrk="1" hangingPunct="1">
+              <a:buFont typeface="Wingdings" pitchFamily="2" charset="2"/>
+              <a:buNone/>
+            </a:pPr>
+            <a:r>
+              <a:rPr lang="de-DE" altLang="de-DE" dirty="0" smtClean="0"/>
+              <a:t>(Tag </a:t>
+            </a:r>
+            <a:r>
+              <a:rPr lang="de-DE" altLang="de-DE" dirty="0" smtClean="0"/>
+              <a:t>5 und Tag </a:t>
+            </a:r>
+            <a:r>
+              <a:rPr lang="de-DE" altLang="de-DE" dirty="0" smtClean="0"/>
+              <a:t>6 sind </a:t>
+            </a:r>
+            <a:r>
+              <a:rPr lang="de-DE" altLang="de-DE" b="1" dirty="0" smtClean="0"/>
+              <a:t>nicht</a:t>
+            </a:r>
+            <a:r>
+              <a:rPr lang="de-DE" altLang="de-DE" dirty="0" smtClean="0"/>
+              <a:t> klausurrelevant)</a:t>
+            </a:r>
+            <a:endParaRPr lang="de-DE" altLang="de-DE" dirty="0" smtClean="0"/>
           </a:p>
           <a:p>
             <a:pPr marL="0" indent="0" eaLnBrk="1" hangingPunct="1">
               <a:buFont typeface="Wingdings" pitchFamily="2" charset="2"/>
               <a:buNone/>
             </a:pPr>
-            <a:r>
-              <a:rPr lang="de-DE" altLang="de-DE" smtClean="0"/>
-              <a:t>Inhalt</a:t>
+            <a:endParaRPr lang="de-DE" altLang="de-DE" dirty="0" smtClean="0"/>
+          </a:p>
+          <a:p>
+            <a:pPr marL="0" indent="0" eaLnBrk="1" hangingPunct="1">
+              <a:buFont typeface="Wingdings" pitchFamily="2" charset="2"/>
+              <a:buNone/>
+            </a:pPr>
+            <a:r>
+              <a:rPr lang="de-DE" altLang="de-DE" dirty="0" smtClean="0"/>
+              <a:t>Vorbereitung</a:t>
             </a:r>
           </a:p>
           <a:p>
@@ -20272,8 +20241,25 @@
               <a:buNone/>
             </a:pPr>
             <a:r>
-              <a:rPr lang="de-DE" altLang="de-DE" smtClean="0"/>
-              <a:t>Tag 1 bis Tag 4</a:t>
+              <a:rPr lang="de-DE" altLang="de-DE" dirty="0" smtClean="0"/>
+              <a:t>Übungen aus dem Praktikum selbstständig lösen</a:t>
+            </a:r>
+          </a:p>
+          <a:p>
+            <a:pPr marL="0" indent="0" eaLnBrk="1" hangingPunct="1">
+              <a:buFont typeface="Wingdings" pitchFamily="2" charset="2"/>
+              <a:buNone/>
+            </a:pPr>
+            <a:endParaRPr lang="de-DE" altLang="de-DE" dirty="0" smtClean="0"/>
+          </a:p>
+          <a:p>
+            <a:pPr marL="0" indent="0" eaLnBrk="1" hangingPunct="1">
+              <a:buFont typeface="Wingdings" pitchFamily="2" charset="2"/>
+              <a:buNone/>
+            </a:pPr>
+            <a:r>
+              <a:rPr lang="de-DE" altLang="de-DE" dirty="0" smtClean="0"/>
+              <a:t>Zur Teilnahme erforderlich</a:t>
             </a:r>
           </a:p>
           <a:p>
@@ -20282,69 +20268,19 @@
               <a:buNone/>
             </a:pPr>
             <a:r>
-              <a:rPr lang="de-DE" altLang="de-DE" smtClean="0"/>
-              <a:t>(nicht klausurrelevant: Tag 5 und Tag 6)</a:t>
-            </a:r>
-          </a:p>
-          <a:p>
-            <a:pPr marL="0" indent="0" eaLnBrk="1" hangingPunct="1">
-              <a:buFont typeface="Wingdings" pitchFamily="2" charset="2"/>
-              <a:buNone/>
-            </a:pPr>
-            <a:endParaRPr lang="de-DE" altLang="de-DE" smtClean="0"/>
-          </a:p>
-          <a:p>
-            <a:pPr marL="0" indent="0" eaLnBrk="1" hangingPunct="1">
-              <a:buFont typeface="Wingdings" pitchFamily="2" charset="2"/>
-              <a:buNone/>
-            </a:pPr>
-            <a:r>
-              <a:rPr lang="de-DE" altLang="de-DE" smtClean="0"/>
-              <a:t>Vorbereitung</a:t>
-            </a:r>
-          </a:p>
-          <a:p>
-            <a:pPr marL="180975" lvl="1" indent="0" eaLnBrk="1" hangingPunct="1">
-              <a:buFont typeface="Wingdings" pitchFamily="2" charset="2"/>
-              <a:buNone/>
-            </a:pPr>
-            <a:r>
-              <a:rPr lang="de-DE" altLang="de-DE" smtClean="0"/>
-              <a:t>Übungen aus dem Praktikum selbstständig lösen</a:t>
-            </a:r>
-          </a:p>
-          <a:p>
-            <a:pPr marL="0" indent="0" eaLnBrk="1" hangingPunct="1">
-              <a:buFont typeface="Wingdings" pitchFamily="2" charset="2"/>
-              <a:buNone/>
-            </a:pPr>
-            <a:endParaRPr lang="de-DE" altLang="de-DE" smtClean="0"/>
-          </a:p>
-          <a:p>
-            <a:pPr marL="0" indent="0" eaLnBrk="1" hangingPunct="1">
-              <a:buFont typeface="Wingdings" pitchFamily="2" charset="2"/>
-              <a:buNone/>
-            </a:pPr>
-            <a:r>
-              <a:rPr lang="de-DE" altLang="de-DE" smtClean="0"/>
-              <a:t>Zur Teilnahme erforderlich</a:t>
-            </a:r>
-          </a:p>
-          <a:p>
-            <a:pPr marL="180975" lvl="1" indent="0" eaLnBrk="1" hangingPunct="1">
-              <a:buFont typeface="Wingdings" pitchFamily="2" charset="2"/>
-              <a:buNone/>
-            </a:pPr>
-            <a:r>
-              <a:rPr lang="de-DE" altLang="de-DE" smtClean="0"/>
-              <a:t>Amtlicher Lichtbildausweis, Studienausweis, Klausuranmeldung (</a:t>
-            </a:r>
-            <a:r>
-              <a:rPr lang="de-DE" altLang="de-DE" b="1" smtClean="0"/>
+              <a:rPr lang="de-DE" altLang="de-DE" dirty="0" smtClean="0"/>
+              <a:t>amtlicher Lichtbildausweis, </a:t>
+            </a:r>
+            <a:r>
+              <a:rPr lang="de-DE" altLang="de-DE" dirty="0" smtClean="0"/>
+              <a:t>Klausuranmeldung (</a:t>
+            </a:r>
+            <a:r>
+              <a:rPr lang="de-DE" altLang="de-DE" b="1" dirty="0" smtClean="0"/>
               <a:t>TUCaN!</a:t>
             </a:r>
             <a:r>
-              <a:rPr lang="de-DE" altLang="de-DE" smtClean="0"/>
+              <a:rPr lang="de-DE" altLang="de-DE" dirty="0" smtClean="0"/>
               <a:t>)</a:t>
             </a:r>
           </a:p>
@@ -20435,7 +20371,7 @@
         </p:nvSpPr>
         <p:spPr>
           <a:xfrm>
-            <a:off x="5076825" y="4149725"/>
+            <a:off x="2627313" y="4221088"/>
             <a:ext cx="2951163" cy="720725"/>
           </a:xfrm>
           <a:prstGeom prst="wedgeRoundRectCallout">
@@ -20485,6 +20421,72 @@
               </a:rPr>
               <a:t>Programmierung mit C für eingebettete Systeme</a:t>
             </a:r>
+          </a:p>
+        </p:txBody>
+      </p:sp>
+      <p:sp>
+        <p:nvSpPr>
+          <p:cNvPr id="6" name="Abgerundete rechteckige Legende 5"/>
+          <p:cNvSpPr/>
+          <p:nvPr/>
+        </p:nvSpPr>
+        <p:spPr>
+          <a:xfrm>
+            <a:off x="5940153" y="5157192"/>
+            <a:ext cx="2088232" cy="720725"/>
+          </a:xfrm>
+          <a:prstGeom prst="wedgeRoundRectCallout">
+            <a:avLst>
+              <a:gd name="adj1" fmla="val -39089"/>
+              <a:gd name="adj2" fmla="val 81032"/>
+              <a:gd name="adj3" fmla="val 16667"/>
+            </a:avLst>
+          </a:prstGeom>
+          <a:solidFill>
+            <a:schemeClr val="bg1"/>
+          </a:solidFill>
+          <a:ln>
+            <a:solidFill>
+              <a:schemeClr val="tx1"/>
+            </a:solidFill>
+          </a:ln>
+        </p:spPr>
+        <p:style>
+          <a:lnRef idx="2">
+            <a:schemeClr val="accent1">
+              <a:shade val="50000"/>
+            </a:schemeClr>
+          </a:lnRef>
+          <a:fillRef idx="1">
+            <a:schemeClr val="accent1"/>
+          </a:fillRef>
+          <a:effectRef idx="0">
+            <a:schemeClr val="accent1"/>
+          </a:effectRef>
+          <a:fontRef idx="minor">
+            <a:schemeClr val="lt1"/>
+          </a:fontRef>
+        </p:style>
+        <p:txBody>
+          <a:bodyPr anchor="ctr"/>
+          <a:lstStyle/>
+          <a:p>
+            <a:pPr>
+              <a:defRPr/>
+            </a:pPr>
+            <a:r>
+              <a:rPr lang="de-DE" dirty="0" smtClean="0">
+                <a:solidFill>
+                  <a:schemeClr val="tx1"/>
+                </a:solidFill>
+              </a:rPr>
+              <a:t>Sollte bereits geschehen sein!</a:t>
+            </a:r>
+            <a:endParaRPr lang="de-DE" dirty="0">
+              <a:solidFill>
+                <a:schemeClr val="tx1"/>
+              </a:solidFill>
+            </a:endParaRPr>
           </a:p>
         </p:txBody>
       </p:sp>
@@ -20607,6 +20609,51 @@
                       </p:childTnLst>
                     </p:cTn>
                   </p:par>
+                  <p:par>
+                    <p:cTn id="13" fill="hold">
+                      <p:stCondLst>
+                        <p:cond delay="indefinite"/>
+                      </p:stCondLst>
+                      <p:childTnLst>
+                        <p:par>
+                          <p:cTn id="14" fill="hold">
+                            <p:stCondLst>
+                              <p:cond delay="0"/>
+                            </p:stCondLst>
+                            <p:childTnLst>
+                              <p:par>
+                                <p:cTn id="15" presetID="1" presetClass="entr" presetSubtype="0" fill="hold" grpId="0" nodeType="clickEffect">
+                                  <p:stCondLst>
+                                    <p:cond delay="0"/>
+                                  </p:stCondLst>
+                                  <p:childTnLst>
+                                    <p:set>
+                                      <p:cBhvr>
+                                        <p:cTn id="16" dur="1" fill="hold">
+                                          <p:stCondLst>
+                                            <p:cond delay="0"/>
+                                          </p:stCondLst>
+                                        </p:cTn>
+                                        <p:tgtEl>
+                                          <p:spTgt spid="6"/>
+                                        </p:tgtEl>
+                                        <p:attrNameLst>
+                                          <p:attrName>style.visibility</p:attrName>
+                                        </p:attrNameLst>
+                                      </p:cBhvr>
+                                      <p:to>
+                                        <p:strVal val="visible"/>
+                                      </p:to>
+                                    </p:set>
+                                  </p:childTnLst>
+                                </p:cTn>
+                              </p:par>
+                            </p:childTnLst>
+                          </p:cTn>
+                        </p:par>
+                      </p:childTnLst>
+                    </p:cTn>
+                  </p:par>
                 </p:childTnLst>
               </p:cTn>
               <p:prevCondLst>
@@ -20631,6 +20678,7 @@
     <p:bldLst>
       <p:bldP spid="4" grpId="0" animBg="1"/>
       <p:bldP spid="7" grpId="0" animBg="1"/>
+      <p:bldP spid="6" grpId="0" animBg="1"/>
     </p:bldLst>
   </p:timing>
 </p:sld>
@@ -20703,8 +20751,13 @@
             </a:pPr>
             <a:r>
               <a:rPr lang="de-DE" dirty="0" smtClean="0"/>
-              <a:t>Alle Studenten arbeiten im Raum 67</a:t>
-            </a:r>
+              <a:t>Alle Studenten arbeiten im Raum </a:t>
+            </a:r>
+            <a:r>
+              <a:rPr lang="de-DE" dirty="0" smtClean="0"/>
+              <a:t>67 TODO</a:t>
+            </a:r>
+            <a:endParaRPr lang="de-DE" dirty="0" smtClean="0"/>
           </a:p>
           <a:p>
             <a:pPr marL="0" indent="0" eaLnBrk="1" hangingPunct="1">
@@ -20842,6 +20895,11 @@
               <a:rPr lang="de-DE" dirty="0" smtClean="0"/>
               <a:t> </a:t>
             </a:r>
+            <a:r>
+              <a:rPr lang="de-DE" dirty="0" smtClean="0"/>
+              <a:t>(Git oder SVN)</a:t>
+            </a:r>
+            <a:endParaRPr lang="de-DE" dirty="0" smtClean="0"/>
           </a:p>
           <a:p>
             <a:pPr marL="169862" lvl="1" indent="0" eaLnBrk="1" hangingPunct="1">
@@ -20865,6 +20923,14 @@
               <a:rPr lang="de-DE" dirty="0" smtClean="0"/>
               <a:t> </a:t>
             </a:r>
+            <a:r>
+              <a:rPr lang="de-DE" dirty="0" smtClean="0"/>
+              <a:t>(Git)</a:t>
+            </a:r>
+            <a:r>
+              <a:rPr lang="de-DE" dirty="0" smtClean="0"/>
+              <a:t/>
+            </a:r>
             <a:br>
               <a:rPr lang="de-DE" dirty="0" smtClean="0"/>
             </a:br>
@@ -20877,9 +20943,10 @@
               <a:defRPr/>
             </a:pPr>
             <a:r>
-              <a:rPr lang="de-DE" dirty="0" smtClean="0"/>
-              <a:t>Forum</a:t>
-            </a:r>
+              <a:rPr lang="de-DE" smtClean="0"/>
+              <a:t>Forum TODO</a:t>
+            </a:r>
+            <a:endParaRPr lang="de-DE" dirty="0" smtClean="0"/>
           </a:p>
           <a:p>
             <a:pPr marL="169862" lvl="1" indent="0" eaLnBrk="1" hangingPunct="1">
@@ -21097,8 +21164,12 @@
           <a:lstStyle/>
           <a:p>
             <a:r>
-              <a:rPr lang="de-DE" altLang="de-DE" smtClean="0"/>
-              <a:t>Literaturvorschläge</a:t>
+              <a:rPr lang="de-DE" altLang="de-DE" dirty="0" smtClean="0"/>
+              <a:t>Literatur</a:t>
+            </a:r>
+            <a:r>
+              <a:rPr lang="de-DE" altLang="de-DE" u="sng" dirty="0" smtClean="0"/>
+              <a:t>vorschläge</a:t>
             </a:r>
           </a:p>
         </p:txBody>
@@ -21196,7 +21267,7 @@
 </file>
 
 <file path=ppt/slides/slide7.xml><?xml version="1.0" encoding="utf-8"?>
-<p:sld xmlns:a="http://schemas.openxmlformats.org/drawingml/2006/main" xmlns:r="http://schemas.openxmlformats.org/officeDocument/2006/relationships" xmlns:p="http://schemas.openxmlformats.org/presentationml/2006/main">
+<p:sld xmlns:a="http://schemas.openxmlformats.org/drawingml/2006/main" xmlns:r="http://schemas.openxmlformats.org/officeDocument/2006/relationships" xmlns:p="http://schemas.openxmlformats.org/presentationml/2006/main" show="0">
   <p:cSld>
     <p:spTree>
       <p:nvGrpSpPr>
@@ -21392,7 +21463,27 @@
                 <a:latin typeface="Arial" pitchFamily="34" charset="0"/>
                 <a:ea typeface="+mn-ea"/>
               </a:rPr>
-              <a:t>	ca. 1 Tag(e) pro Woche [ + Vorlesungsfreie Zeit]</a:t>
+              <a:t>	ca. 1 Tag(e) pro Woche [ + </a:t>
+            </a:r>
+            <a:r>
+              <a:rPr lang="de-DE" sz="1200" dirty="0" smtClean="0">
+                <a:solidFill>
+                  <a:srgbClr val="000000"/>
+                </a:solidFill>
+                <a:latin typeface="Arial" pitchFamily="34" charset="0"/>
+                <a:ea typeface="+mn-ea"/>
+              </a:rPr>
+              <a:t>vorlesungsfreie </a:t>
+            </a:r>
+            <a:r>
+              <a:rPr lang="de-DE" sz="1200" dirty="0">
+                <a:solidFill>
+                  <a:srgbClr val="000000"/>
+                </a:solidFill>
+                <a:latin typeface="Arial" pitchFamily="34" charset="0"/>
+                <a:ea typeface="+mn-ea"/>
+              </a:rPr>
+              <a:t>Zeit]</a:t>
             </a:r>
           </a:p>
           <a:p>
@@ -22713,7 +22804,7 @@
 </file>
 
 <file path=ppt/slides/slide8.xml><?xml version="1.0" encoding="utf-8"?>
-<p:sld xmlns:a="http://schemas.openxmlformats.org/drawingml/2006/main" xmlns:r="http://schemas.openxmlformats.org/officeDocument/2006/relationships" xmlns:p="http://schemas.openxmlformats.org/presentationml/2006/main">
+<p:sld xmlns:a="http://schemas.openxmlformats.org/drawingml/2006/main" xmlns:r="http://schemas.openxmlformats.org/officeDocument/2006/relationships" xmlns:p="http://schemas.openxmlformats.org/presentationml/2006/main" show="0">
   <p:cSld>
     <p:spTree>
       <p:nvGrpSpPr>
@@ -22846,7 +22937,27 @@
                 <a:latin typeface="Arial" pitchFamily="34" charset="0"/>
                 <a:ea typeface="+mn-ea"/>
               </a:rPr>
-              <a:t>	1 bis 2 Tag(e) pro Woche [ + Vorlesungsfreie Zeit]</a:t>
+              <a:t>	1 bis 2 Tag(e) pro Woche [ + </a:t>
+            </a:r>
+            <a:r>
+              <a:rPr lang="de-DE" sz="1200" dirty="0" smtClean="0">
+                <a:solidFill>
+                  <a:srgbClr val="000000"/>
+                </a:solidFill>
+                <a:latin typeface="Arial" pitchFamily="34" charset="0"/>
+                <a:ea typeface="+mn-ea"/>
+              </a:rPr>
+              <a:t>vorlesungsfreie </a:t>
+            </a:r>
+            <a:r>
+              <a:rPr lang="de-DE" sz="1200" dirty="0">
+                <a:solidFill>
+                  <a:srgbClr val="000000"/>
+                </a:solidFill>
+                <a:latin typeface="Arial" pitchFamily="34" charset="0"/>
+                <a:ea typeface="+mn-ea"/>
+              </a:rPr>
+              <a:t>Zeit]</a:t>
             </a:r>
           </a:p>
           <a:p>

--- a/Vorlesung/0 Organisatorisches.pptx
+++ b/Vorlesung/0 Organisatorisches.pptx
@@ -6,10 +6,10 @@
     <p:sldMasterId id="2147483988" r:id="rId2"/>
   </p:sldMasterIdLst>
   <p:notesMasterIdLst>
-    <p:notesMasterId r:id="rId13"/>
+    <p:notesMasterId r:id="rId15"/>
   </p:notesMasterIdLst>
   <p:handoutMasterIdLst>
-    <p:handoutMasterId r:id="rId14"/>
+    <p:handoutMasterId r:id="rId16"/>
   </p:handoutMasterIdLst>
   <p:sldIdLst>
     <p:sldId id="256" r:id="rId3"/>
@@ -17,11 +17,13 @@
     <p:sldId id="265" r:id="rId5"/>
     <p:sldId id="259" r:id="rId6"/>
     <p:sldId id="267" r:id="rId7"/>
-    <p:sldId id="268" r:id="rId8"/>
-    <p:sldId id="269" r:id="rId9"/>
-    <p:sldId id="270" r:id="rId10"/>
-    <p:sldId id="271" r:id="rId11"/>
-    <p:sldId id="272" r:id="rId12"/>
+    <p:sldId id="275" r:id="rId8"/>
+    <p:sldId id="268" r:id="rId9"/>
+    <p:sldId id="273" r:id="rId10"/>
+    <p:sldId id="270" r:id="rId11"/>
+    <p:sldId id="274" r:id="rId12"/>
+    <p:sldId id="271" r:id="rId13"/>
+    <p:sldId id="272" r:id="rId14"/>
   </p:sldIdLst>
   <p:sldSz cx="9144000" cy="6858000" type="screen4x3"/>
   <p:notesSz cx="7099300" cy="10234613"/>
@@ -5043,21 +5045,19 @@
       </p:grpSpPr>
       <p:sp>
         <p:nvSpPr>
-          <p:cNvPr id="21506" name="Folienbildplatzhalter 1"/>
+          <p:cNvPr id="2" name="Folienbildplatzhalter 1"/>
           <p:cNvSpPr>
-            <a:spLocks noGrp="1" noRot="1" noChangeAspect="1" noTextEdit="1"/>
+            <a:spLocks noGrp="1" noRot="1" noChangeAspect="1"/>
           </p:cNvSpPr>
           <p:nvPr>
             <p:ph type="sldImg"/>
           </p:nvPr>
         </p:nvSpPr>
-        <p:spPr>
-          <a:ln/>
-        </p:spPr>
+        <p:spPr/>
       </p:sp>
       <p:sp>
         <p:nvSpPr>
-          <p:cNvPr id="21507" name="Notizenplatzhalter 2"/>
+          <p:cNvPr id="3" name="Notizenplatzhalter 2"/>
           <p:cNvSpPr>
             <a:spLocks noGrp="1"/>
           </p:cNvSpPr>
@@ -5065,751 +5065,104 @@
             <p:ph type="body" idx="1"/>
           </p:nvPr>
         </p:nvSpPr>
-        <p:spPr>
-          <a:noFill/>
-          <a:extLst>
-            <a:ext uri="{909E8E84-426E-40DD-AFC4-6F175D3DCCD1}">
-              <a14:hiddenFill xmlns:a14="http://schemas.microsoft.com/office/drawing/2010/main">
-                <a:solidFill>
-                  <a:srgbClr val="FFFFFF"/>
-                </a:solidFill>
-              </a14:hiddenFill>
-            </a:ext>
-            <a:ext uri="{91240B29-F687-4F45-9708-019B960494DF}">
-              <a14:hiddenLine xmlns:a14="http://schemas.microsoft.com/office/drawing/2010/main" w="9525">
-                <a:solidFill>
-                  <a:srgbClr val="000000"/>
-                </a:solidFill>
-                <a:miter lim="800000"/>
-                <a:headEnd/>
-                <a:tailEnd/>
-              </a14:hiddenLine>
-            </a:ext>
-          </a:extLst>
-        </p:spPr>
+        <p:spPr/>
         <p:txBody>
           <a:bodyPr/>
           <a:lstStyle/>
           <a:p>
-            <a:endParaRPr lang="de-DE" altLang="de-DE" smtClean="0">
-              <a:latin typeface="Times New Roman" pitchFamily="16" charset="0"/>
-            </a:endParaRPr>
+            <a:endParaRPr lang="de-DE" baseline="0" dirty="0" smtClean="0"/>
           </a:p>
         </p:txBody>
       </p:sp>
       <p:sp>
         <p:nvSpPr>
-          <p:cNvPr id="21508" name="Datumsplatzhalter 3"/>
+          <p:cNvPr id="4" name="Datumsplatzhalter 3"/>
           <p:cNvSpPr>
             <a:spLocks noGrp="1"/>
           </p:cNvSpPr>
           <p:nvPr>
-            <p:ph type="dt" sz="quarter"/>
+            <p:ph type="dt" idx="10"/>
           </p:nvPr>
         </p:nvSpPr>
-        <p:spPr>
-          <a:noFill/>
-          <a:extLst>
-            <a:ext uri="{909E8E84-426E-40DD-AFC4-6F175D3DCCD1}">
-              <a14:hiddenFill xmlns:a14="http://schemas.microsoft.com/office/drawing/2010/main">
-                <a:solidFill>
-                  <a:srgbClr val="FFFFFF"/>
-                </a:solidFill>
-              </a14:hiddenFill>
-            </a:ext>
-            <a:ext uri="{91240B29-F687-4F45-9708-019B960494DF}">
-              <a14:hiddenLine xmlns:a14="http://schemas.microsoft.com/office/drawing/2010/main" w="9525">
-                <a:solidFill>
-                  <a:srgbClr val="000000"/>
-                </a:solidFill>
-                <a:miter lim="800000"/>
-                <a:headEnd/>
-                <a:tailEnd/>
-              </a14:hiddenLine>
-            </a:ext>
-          </a:extLst>
-        </p:spPr>
+        <p:spPr/>
         <p:txBody>
           <a:bodyPr/>
-          <a:lstStyle>
-            <a:lvl1pPr algn="l" defTabSz="463550" eaLnBrk="0" hangingPunct="0">
-              <a:spcBef>
-                <a:spcPct val="30000"/>
-              </a:spcBef>
-              <a:buFont typeface="Times New Roman" pitchFamily="16" charset="0"/>
-              <a:tabLst>
-                <a:tab pos="746125" algn="l"/>
-                <a:tab pos="1492250" algn="l"/>
-              </a:tabLst>
-              <a:defRPr sz="1200">
-                <a:solidFill>
-                  <a:srgbClr val="000000"/>
-                </a:solidFill>
-                <a:latin typeface="Times New Roman" pitchFamily="16" charset="0"/>
-              </a:defRPr>
-            </a:lvl1pPr>
-            <a:lvl2pPr marL="742950" indent="-285750" algn="l" defTabSz="463550" eaLnBrk="0" hangingPunct="0">
-              <a:spcBef>
-                <a:spcPct val="30000"/>
-              </a:spcBef>
-              <a:buFont typeface="Times New Roman" pitchFamily="16" charset="0"/>
-              <a:tabLst>
-                <a:tab pos="746125" algn="l"/>
-                <a:tab pos="1492250" algn="l"/>
-              </a:tabLst>
-              <a:defRPr sz="1200">
-                <a:solidFill>
-                  <a:srgbClr val="000000"/>
-                </a:solidFill>
-                <a:latin typeface="Times New Roman" pitchFamily="16" charset="0"/>
-              </a:defRPr>
-            </a:lvl2pPr>
-            <a:lvl3pPr marL="1143000" indent="-228600" algn="l" defTabSz="463550" eaLnBrk="0" hangingPunct="0">
-              <a:spcBef>
-                <a:spcPct val="30000"/>
-              </a:spcBef>
-              <a:buFont typeface="Times New Roman" pitchFamily="16" charset="0"/>
-              <a:tabLst>
-                <a:tab pos="746125" algn="l"/>
-                <a:tab pos="1492250" algn="l"/>
-              </a:tabLst>
-              <a:defRPr sz="1200">
-                <a:solidFill>
-                  <a:srgbClr val="000000"/>
-                </a:solidFill>
-                <a:latin typeface="Times New Roman" pitchFamily="16" charset="0"/>
-              </a:defRPr>
-            </a:lvl3pPr>
-            <a:lvl4pPr marL="1600200" indent="-228600" algn="l" defTabSz="463550" eaLnBrk="0" hangingPunct="0">
-              <a:spcBef>
-                <a:spcPct val="30000"/>
-              </a:spcBef>
-              <a:buFont typeface="Times New Roman" pitchFamily="16" charset="0"/>
-              <a:tabLst>
-                <a:tab pos="746125" algn="l"/>
-                <a:tab pos="1492250" algn="l"/>
-              </a:tabLst>
-              <a:defRPr sz="1200">
-                <a:solidFill>
-                  <a:srgbClr val="000000"/>
-                </a:solidFill>
-                <a:latin typeface="Times New Roman" pitchFamily="16" charset="0"/>
-              </a:defRPr>
-            </a:lvl4pPr>
-            <a:lvl5pPr marL="2057400" indent="-228600" algn="l" defTabSz="463550" eaLnBrk="0" hangingPunct="0">
-              <a:spcBef>
-                <a:spcPct val="30000"/>
-              </a:spcBef>
-              <a:buFont typeface="Times New Roman" pitchFamily="16" charset="0"/>
-              <a:tabLst>
-                <a:tab pos="746125" algn="l"/>
-                <a:tab pos="1492250" algn="l"/>
-              </a:tabLst>
-              <a:defRPr sz="1200">
-                <a:solidFill>
-                  <a:srgbClr val="000000"/>
-                </a:solidFill>
-                <a:latin typeface="Times New Roman" pitchFamily="16" charset="0"/>
-              </a:defRPr>
-            </a:lvl5pPr>
-            <a:lvl6pPr marL="2514600" indent="-228600" defTabSz="463550" eaLnBrk="0" fontAlgn="base" hangingPunct="0">
-              <a:spcBef>
-                <a:spcPct val="30000"/>
-              </a:spcBef>
-              <a:spcAft>
-                <a:spcPct val="0"/>
-              </a:spcAft>
-              <a:buClr>
-                <a:srgbClr val="000000"/>
-              </a:buClr>
-              <a:buSzPct val="100000"/>
-              <a:buFont typeface="Times New Roman" pitchFamily="16" charset="0"/>
-              <a:tabLst>
-                <a:tab pos="746125" algn="l"/>
-                <a:tab pos="1492250" algn="l"/>
-              </a:tabLst>
-              <a:defRPr sz="1200">
-                <a:solidFill>
-                  <a:srgbClr val="000000"/>
-                </a:solidFill>
-                <a:latin typeface="Times New Roman" pitchFamily="16" charset="0"/>
-              </a:defRPr>
-            </a:lvl6pPr>
-            <a:lvl7pPr marL="2971800" indent="-228600" defTabSz="463550" eaLnBrk="0" fontAlgn="base" hangingPunct="0">
-              <a:spcBef>
-                <a:spcPct val="30000"/>
-              </a:spcBef>
-              <a:spcAft>
-                <a:spcPct val="0"/>
-              </a:spcAft>
-              <a:buClr>
-                <a:srgbClr val="000000"/>
-              </a:buClr>
-              <a:buSzPct val="100000"/>
-              <a:buFont typeface="Times New Roman" pitchFamily="16" charset="0"/>
-              <a:tabLst>
-                <a:tab pos="746125" algn="l"/>
-                <a:tab pos="1492250" algn="l"/>
-              </a:tabLst>
-              <a:defRPr sz="1200">
-                <a:solidFill>
-                  <a:srgbClr val="000000"/>
-                </a:solidFill>
-                <a:latin typeface="Times New Roman" pitchFamily="16" charset="0"/>
-              </a:defRPr>
-            </a:lvl7pPr>
-            <a:lvl8pPr marL="3429000" indent="-228600" defTabSz="463550" eaLnBrk="0" fontAlgn="base" hangingPunct="0">
-              <a:spcBef>
-                <a:spcPct val="30000"/>
-              </a:spcBef>
-              <a:spcAft>
-                <a:spcPct val="0"/>
-              </a:spcAft>
-              <a:buClr>
-                <a:srgbClr val="000000"/>
-              </a:buClr>
-              <a:buSzPct val="100000"/>
-              <a:buFont typeface="Times New Roman" pitchFamily="16" charset="0"/>
-              <a:tabLst>
-                <a:tab pos="746125" algn="l"/>
-                <a:tab pos="1492250" algn="l"/>
-              </a:tabLst>
-              <a:defRPr sz="1200">
-                <a:solidFill>
-                  <a:srgbClr val="000000"/>
-                </a:solidFill>
-                <a:latin typeface="Times New Roman" pitchFamily="16" charset="0"/>
-              </a:defRPr>
-            </a:lvl8pPr>
-            <a:lvl9pPr marL="3886200" indent="-228600" defTabSz="463550" eaLnBrk="0" fontAlgn="base" hangingPunct="0">
-              <a:spcBef>
-                <a:spcPct val="30000"/>
-              </a:spcBef>
-              <a:spcAft>
-                <a:spcPct val="0"/>
-              </a:spcAft>
-              <a:buClr>
-                <a:srgbClr val="000000"/>
-              </a:buClr>
-              <a:buSzPct val="100000"/>
-              <a:buFont typeface="Times New Roman" pitchFamily="16" charset="0"/>
-              <a:tabLst>
-                <a:tab pos="746125" algn="l"/>
-                <a:tab pos="1492250" algn="l"/>
-              </a:tabLst>
-              <a:defRPr sz="1200">
-                <a:solidFill>
-                  <a:srgbClr val="000000"/>
-                </a:solidFill>
-                <a:latin typeface="Times New Roman" pitchFamily="16" charset="0"/>
-              </a:defRPr>
-            </a:lvl9pPr>
-          </a:lstStyle>
-          <a:p>
-            <a:pPr eaLnBrk="1" hangingPunct="1">
-              <a:spcBef>
-                <a:spcPct val="0"/>
-              </a:spcBef>
-              <a:buFont typeface="Stafford" pitchFamily="2" charset="0"/>
-              <a:buNone/>
+          <a:lstStyle/>
+          <a:p>
+            <a:pPr>
+              <a:defRPr/>
             </a:pPr>
             <a:r>
-              <a:rPr lang="en-US" altLang="de-DE" sz="1100" smtClean="0">
-                <a:latin typeface="Stafford" pitchFamily="2" charset="0"/>
-              </a:rPr>
+              <a:rPr lang="en-US" dirty="0" smtClean="0"/>
               <a:t>November 19, 2007</a:t>
             </a:r>
+            <a:endParaRPr lang="en-US" dirty="0"/>
           </a:p>
         </p:txBody>
       </p:sp>
       <p:sp>
         <p:nvSpPr>
-          <p:cNvPr id="21509" name="Fußzeilenplatzhalter 4"/>
+          <p:cNvPr id="5" name="Fußzeilenplatzhalter 4"/>
           <p:cNvSpPr>
             <a:spLocks noGrp="1"/>
           </p:cNvSpPr>
           <p:nvPr>
-            <p:ph type="ftr" sz="quarter"/>
+            <p:ph type="ftr" idx="11"/>
           </p:nvPr>
         </p:nvSpPr>
-        <p:spPr>
-          <a:noFill/>
-          <a:extLst>
-            <a:ext uri="{909E8E84-426E-40DD-AFC4-6F175D3DCCD1}">
-              <a14:hiddenFill xmlns:a14="http://schemas.microsoft.com/office/drawing/2010/main">
-                <a:solidFill>
-                  <a:srgbClr val="FFFFFF"/>
-                </a:solidFill>
-              </a14:hiddenFill>
-            </a:ext>
-            <a:ext uri="{91240B29-F687-4F45-9708-019B960494DF}">
-              <a14:hiddenLine xmlns:a14="http://schemas.microsoft.com/office/drawing/2010/main" w="9525">
-                <a:solidFill>
-                  <a:srgbClr val="000000"/>
-                </a:solidFill>
-                <a:miter lim="800000"/>
-                <a:headEnd/>
-                <a:tailEnd/>
-              </a14:hiddenLine>
-            </a:ext>
-          </a:extLst>
-        </p:spPr>
+        <p:spPr/>
         <p:txBody>
           <a:bodyPr/>
-          <a:lstStyle>
-            <a:lvl1pPr algn="l" defTabSz="463550" eaLnBrk="0" hangingPunct="0">
-              <a:spcBef>
-                <a:spcPct val="30000"/>
-              </a:spcBef>
-              <a:buFont typeface="Times New Roman" pitchFamily="16" charset="0"/>
-              <a:tabLst>
-                <a:tab pos="746125" algn="l"/>
-                <a:tab pos="1492250" algn="l"/>
-                <a:tab pos="2238375" algn="l"/>
-                <a:tab pos="2986088" algn="l"/>
-                <a:tab pos="3732213" algn="l"/>
-              </a:tabLst>
-              <a:defRPr sz="1200">
-                <a:solidFill>
-                  <a:srgbClr val="000000"/>
-                </a:solidFill>
-                <a:latin typeface="Times New Roman" pitchFamily="16" charset="0"/>
-              </a:defRPr>
-            </a:lvl1pPr>
-            <a:lvl2pPr marL="742950" indent="-285750" algn="l" defTabSz="463550" eaLnBrk="0" hangingPunct="0">
-              <a:spcBef>
-                <a:spcPct val="30000"/>
-              </a:spcBef>
-              <a:buFont typeface="Times New Roman" pitchFamily="16" charset="0"/>
-              <a:tabLst>
-                <a:tab pos="746125" algn="l"/>
-                <a:tab pos="1492250" algn="l"/>
-                <a:tab pos="2238375" algn="l"/>
-                <a:tab pos="2986088" algn="l"/>
-                <a:tab pos="3732213" algn="l"/>
-              </a:tabLst>
-              <a:defRPr sz="1200">
-                <a:solidFill>
-                  <a:srgbClr val="000000"/>
-                </a:solidFill>
-                <a:latin typeface="Times New Roman" pitchFamily="16" charset="0"/>
-              </a:defRPr>
-            </a:lvl2pPr>
-            <a:lvl3pPr marL="1143000" indent="-228600" algn="l" defTabSz="463550" eaLnBrk="0" hangingPunct="0">
-              <a:spcBef>
-                <a:spcPct val="30000"/>
-              </a:spcBef>
-              <a:buFont typeface="Times New Roman" pitchFamily="16" charset="0"/>
-              <a:tabLst>
-                <a:tab pos="746125" algn="l"/>
-                <a:tab pos="1492250" algn="l"/>
-                <a:tab pos="2238375" algn="l"/>
-                <a:tab pos="2986088" algn="l"/>
-                <a:tab pos="3732213" algn="l"/>
-              </a:tabLst>
-              <a:defRPr sz="1200">
-                <a:solidFill>
-                  <a:srgbClr val="000000"/>
-                </a:solidFill>
-                <a:latin typeface="Times New Roman" pitchFamily="16" charset="0"/>
-              </a:defRPr>
-            </a:lvl3pPr>
-            <a:lvl4pPr marL="1600200" indent="-228600" algn="l" defTabSz="463550" eaLnBrk="0" hangingPunct="0">
-              <a:spcBef>
-                <a:spcPct val="30000"/>
-              </a:spcBef>
-              <a:buFont typeface="Times New Roman" pitchFamily="16" charset="0"/>
-              <a:tabLst>
-                <a:tab pos="746125" algn="l"/>
-                <a:tab pos="1492250" algn="l"/>
-                <a:tab pos="2238375" algn="l"/>
-                <a:tab pos="2986088" algn="l"/>
-                <a:tab pos="3732213" algn="l"/>
-              </a:tabLst>
-              <a:defRPr sz="1200">
-                <a:solidFill>
-                  <a:srgbClr val="000000"/>
-                </a:solidFill>
-                <a:latin typeface="Times New Roman" pitchFamily="16" charset="0"/>
-              </a:defRPr>
-            </a:lvl4pPr>
-            <a:lvl5pPr marL="2057400" indent="-228600" algn="l" defTabSz="463550" eaLnBrk="0" hangingPunct="0">
-              <a:spcBef>
-                <a:spcPct val="30000"/>
-              </a:spcBef>
-              <a:buFont typeface="Times New Roman" pitchFamily="16" charset="0"/>
-              <a:tabLst>
-                <a:tab pos="746125" algn="l"/>
-                <a:tab pos="1492250" algn="l"/>
-                <a:tab pos="2238375" algn="l"/>
-                <a:tab pos="2986088" algn="l"/>
-                <a:tab pos="3732213" algn="l"/>
-              </a:tabLst>
-              <a:defRPr sz="1200">
-                <a:solidFill>
-                  <a:srgbClr val="000000"/>
-                </a:solidFill>
-                <a:latin typeface="Times New Roman" pitchFamily="16" charset="0"/>
-              </a:defRPr>
-            </a:lvl5pPr>
-            <a:lvl6pPr marL="2514600" indent="-228600" defTabSz="463550" eaLnBrk="0" fontAlgn="base" hangingPunct="0">
-              <a:spcBef>
-                <a:spcPct val="30000"/>
-              </a:spcBef>
-              <a:spcAft>
-                <a:spcPct val="0"/>
-              </a:spcAft>
-              <a:buClr>
-                <a:srgbClr val="000000"/>
-              </a:buClr>
-              <a:buSzPct val="100000"/>
-              <a:buFont typeface="Times New Roman" pitchFamily="16" charset="0"/>
-              <a:tabLst>
-                <a:tab pos="746125" algn="l"/>
-                <a:tab pos="1492250" algn="l"/>
-                <a:tab pos="2238375" algn="l"/>
-                <a:tab pos="2986088" algn="l"/>
-                <a:tab pos="3732213" algn="l"/>
-              </a:tabLst>
-              <a:defRPr sz="1200">
-                <a:solidFill>
-                  <a:srgbClr val="000000"/>
-                </a:solidFill>
-                <a:latin typeface="Times New Roman" pitchFamily="16" charset="0"/>
-              </a:defRPr>
-            </a:lvl6pPr>
-            <a:lvl7pPr marL="2971800" indent="-228600" defTabSz="463550" eaLnBrk="0" fontAlgn="base" hangingPunct="0">
-              <a:spcBef>
-                <a:spcPct val="30000"/>
-              </a:spcBef>
-              <a:spcAft>
-                <a:spcPct val="0"/>
-              </a:spcAft>
-              <a:buClr>
-                <a:srgbClr val="000000"/>
-              </a:buClr>
-              <a:buSzPct val="100000"/>
-              <a:buFont typeface="Times New Roman" pitchFamily="16" charset="0"/>
-              <a:tabLst>
-                <a:tab pos="746125" algn="l"/>
-                <a:tab pos="1492250" algn="l"/>
-                <a:tab pos="2238375" algn="l"/>
-                <a:tab pos="2986088" algn="l"/>
-                <a:tab pos="3732213" algn="l"/>
-              </a:tabLst>
-              <a:defRPr sz="1200">
-                <a:solidFill>
-                  <a:srgbClr val="000000"/>
-                </a:solidFill>
-                <a:latin typeface="Times New Roman" pitchFamily="16" charset="0"/>
-              </a:defRPr>
-            </a:lvl7pPr>
-            <a:lvl8pPr marL="3429000" indent="-228600" defTabSz="463550" eaLnBrk="0" fontAlgn="base" hangingPunct="0">
-              <a:spcBef>
-                <a:spcPct val="30000"/>
-              </a:spcBef>
-              <a:spcAft>
-                <a:spcPct val="0"/>
-              </a:spcAft>
-              <a:buClr>
-                <a:srgbClr val="000000"/>
-              </a:buClr>
-              <a:buSzPct val="100000"/>
-              <a:buFont typeface="Times New Roman" pitchFamily="16" charset="0"/>
-              <a:tabLst>
-                <a:tab pos="746125" algn="l"/>
-                <a:tab pos="1492250" algn="l"/>
-                <a:tab pos="2238375" algn="l"/>
-                <a:tab pos="2986088" algn="l"/>
-                <a:tab pos="3732213" algn="l"/>
-              </a:tabLst>
-              <a:defRPr sz="1200">
-                <a:solidFill>
-                  <a:srgbClr val="000000"/>
-                </a:solidFill>
-                <a:latin typeface="Times New Roman" pitchFamily="16" charset="0"/>
-              </a:defRPr>
-            </a:lvl8pPr>
-            <a:lvl9pPr marL="3886200" indent="-228600" defTabSz="463550" eaLnBrk="0" fontAlgn="base" hangingPunct="0">
-              <a:spcBef>
-                <a:spcPct val="30000"/>
-              </a:spcBef>
-              <a:spcAft>
-                <a:spcPct val="0"/>
-              </a:spcAft>
-              <a:buClr>
-                <a:srgbClr val="000000"/>
-              </a:buClr>
-              <a:buSzPct val="100000"/>
-              <a:buFont typeface="Times New Roman" pitchFamily="16" charset="0"/>
-              <a:tabLst>
-                <a:tab pos="746125" algn="l"/>
-                <a:tab pos="1492250" algn="l"/>
-                <a:tab pos="2238375" algn="l"/>
-                <a:tab pos="2986088" algn="l"/>
-                <a:tab pos="3732213" algn="l"/>
-              </a:tabLst>
-              <a:defRPr sz="1200">
-                <a:solidFill>
-                  <a:srgbClr val="000000"/>
-                </a:solidFill>
-                <a:latin typeface="Times New Roman" pitchFamily="16" charset="0"/>
-              </a:defRPr>
-            </a:lvl9pPr>
-          </a:lstStyle>
-          <a:p>
-            <a:pPr eaLnBrk="1" hangingPunct="1">
-              <a:spcBef>
-                <a:spcPct val="0"/>
-              </a:spcBef>
-              <a:buFont typeface="Stafford" pitchFamily="2" charset="0"/>
-              <a:buNone/>
+          <a:lstStyle/>
+          <a:p>
+            <a:pPr>
+              <a:defRPr/>
             </a:pPr>
             <a:r>
-              <a:rPr lang="en-US" altLang="de-DE" sz="1100" smtClean="0">
-                <a:latin typeface="Stafford" pitchFamily="2" charset="0"/>
-              </a:rPr>
+              <a:rPr lang="en-US" dirty="0" smtClean="0"/>
               <a:t>|  </a:t>
             </a:r>
+            <a:endParaRPr lang="en-US" dirty="0"/>
           </a:p>
         </p:txBody>
       </p:sp>
       <p:sp>
         <p:nvSpPr>
-          <p:cNvPr id="21510" name="Foliennummernplatzhalter 5"/>
+          <p:cNvPr id="6" name="Foliennummernplatzhalter 5"/>
           <p:cNvSpPr>
             <a:spLocks noGrp="1"/>
           </p:cNvSpPr>
           <p:nvPr>
-            <p:ph type="sldNum" sz="quarter"/>
+            <p:ph type="sldNum" idx="12"/>
           </p:nvPr>
         </p:nvSpPr>
-        <p:spPr>
-          <a:noFill/>
-          <a:extLst>
-            <a:ext uri="{909E8E84-426E-40DD-AFC4-6F175D3DCCD1}">
-              <a14:hiddenFill xmlns:a14="http://schemas.microsoft.com/office/drawing/2010/main">
-                <a:solidFill>
-                  <a:srgbClr val="FFFFFF"/>
-                </a:solidFill>
-              </a14:hiddenFill>
-            </a:ext>
-            <a:ext uri="{91240B29-F687-4F45-9708-019B960494DF}">
-              <a14:hiddenLine xmlns:a14="http://schemas.microsoft.com/office/drawing/2010/main" w="9525">
-                <a:solidFill>
-                  <a:srgbClr val="000000"/>
-                </a:solidFill>
-                <a:miter lim="800000"/>
-                <a:headEnd/>
-                <a:tailEnd/>
-              </a14:hiddenLine>
-            </a:ext>
-          </a:extLst>
-        </p:spPr>
+        <p:spPr/>
         <p:txBody>
           <a:bodyPr/>
-          <a:lstStyle>
-            <a:lvl1pPr algn="l" defTabSz="463550" eaLnBrk="0" hangingPunct="0">
-              <a:spcBef>
-                <a:spcPct val="30000"/>
-              </a:spcBef>
-              <a:buFont typeface="Times New Roman" pitchFamily="16" charset="0"/>
-              <a:tabLst>
-                <a:tab pos="746125" algn="l"/>
-              </a:tabLst>
-              <a:defRPr sz="1200">
-                <a:solidFill>
-                  <a:srgbClr val="000000"/>
-                </a:solidFill>
-                <a:latin typeface="Times New Roman" pitchFamily="16" charset="0"/>
-              </a:defRPr>
-            </a:lvl1pPr>
-            <a:lvl2pPr marL="742950" indent="-285750" algn="l" defTabSz="463550" eaLnBrk="0" hangingPunct="0">
-              <a:spcBef>
-                <a:spcPct val="30000"/>
-              </a:spcBef>
-              <a:buFont typeface="Times New Roman" pitchFamily="16" charset="0"/>
-              <a:tabLst>
-                <a:tab pos="746125" algn="l"/>
-              </a:tabLst>
-              <a:defRPr sz="1200">
-                <a:solidFill>
-                  <a:srgbClr val="000000"/>
-                </a:solidFill>
-                <a:latin typeface="Times New Roman" pitchFamily="16" charset="0"/>
-              </a:defRPr>
-            </a:lvl2pPr>
-            <a:lvl3pPr marL="1143000" indent="-228600" algn="l" defTabSz="463550" eaLnBrk="0" hangingPunct="0">
-              <a:spcBef>
-                <a:spcPct val="30000"/>
-              </a:spcBef>
-              <a:buFont typeface="Times New Roman" pitchFamily="16" charset="0"/>
-              <a:tabLst>
-                <a:tab pos="746125" algn="l"/>
-              </a:tabLst>
-              <a:defRPr sz="1200">
-                <a:solidFill>
-                  <a:srgbClr val="000000"/>
-                </a:solidFill>
-                <a:latin typeface="Times New Roman" pitchFamily="16" charset="0"/>
-              </a:defRPr>
-            </a:lvl3pPr>
-            <a:lvl4pPr marL="1600200" indent="-228600" algn="l" defTabSz="463550" eaLnBrk="0" hangingPunct="0">
-              <a:spcBef>
-                <a:spcPct val="30000"/>
-              </a:spcBef>
-              <a:buFont typeface="Times New Roman" pitchFamily="16" charset="0"/>
-              <a:tabLst>
-                <a:tab pos="746125" algn="l"/>
-              </a:tabLst>
-              <a:defRPr sz="1200">
-                <a:solidFill>
-                  <a:srgbClr val="000000"/>
-                </a:solidFill>
-                <a:latin typeface="Times New Roman" pitchFamily="16" charset="0"/>
-              </a:defRPr>
-            </a:lvl4pPr>
-            <a:lvl5pPr marL="2057400" indent="-228600" algn="l" defTabSz="463550" eaLnBrk="0" hangingPunct="0">
-              <a:spcBef>
-                <a:spcPct val="30000"/>
-              </a:spcBef>
-              <a:buFont typeface="Times New Roman" pitchFamily="16" charset="0"/>
-              <a:tabLst>
-                <a:tab pos="746125" algn="l"/>
-              </a:tabLst>
-              <a:defRPr sz="1200">
-                <a:solidFill>
-                  <a:srgbClr val="000000"/>
-                </a:solidFill>
-                <a:latin typeface="Times New Roman" pitchFamily="16" charset="0"/>
-              </a:defRPr>
-            </a:lvl5pPr>
-            <a:lvl6pPr marL="2514600" indent="-228600" defTabSz="463550" eaLnBrk="0" fontAlgn="base" hangingPunct="0">
-              <a:spcBef>
-                <a:spcPct val="30000"/>
-              </a:spcBef>
-              <a:spcAft>
-                <a:spcPct val="0"/>
-              </a:spcAft>
-              <a:buClr>
-                <a:srgbClr val="000000"/>
-              </a:buClr>
-              <a:buSzPct val="100000"/>
-              <a:buFont typeface="Times New Roman" pitchFamily="16" charset="0"/>
-              <a:tabLst>
-                <a:tab pos="746125" algn="l"/>
-              </a:tabLst>
-              <a:defRPr sz="1200">
-                <a:solidFill>
-                  <a:srgbClr val="000000"/>
-                </a:solidFill>
-                <a:latin typeface="Times New Roman" pitchFamily="16" charset="0"/>
-              </a:defRPr>
-            </a:lvl6pPr>
-            <a:lvl7pPr marL="2971800" indent="-228600" defTabSz="463550" eaLnBrk="0" fontAlgn="base" hangingPunct="0">
-              <a:spcBef>
-                <a:spcPct val="30000"/>
-              </a:spcBef>
-              <a:spcAft>
-                <a:spcPct val="0"/>
-              </a:spcAft>
-              <a:buClr>
-                <a:srgbClr val="000000"/>
-              </a:buClr>
-              <a:buSzPct val="100000"/>
-              <a:buFont typeface="Times New Roman" pitchFamily="16" charset="0"/>
-              <a:tabLst>
-                <a:tab pos="746125" algn="l"/>
-              </a:tabLst>
-              <a:defRPr sz="1200">
-                <a:solidFill>
-                  <a:srgbClr val="000000"/>
-                </a:solidFill>
-                <a:latin typeface="Times New Roman" pitchFamily="16" charset="0"/>
-              </a:defRPr>
-            </a:lvl7pPr>
-            <a:lvl8pPr marL="3429000" indent="-228600" defTabSz="463550" eaLnBrk="0" fontAlgn="base" hangingPunct="0">
-              <a:spcBef>
-                <a:spcPct val="30000"/>
-              </a:spcBef>
-              <a:spcAft>
-                <a:spcPct val="0"/>
-              </a:spcAft>
-              <a:buClr>
-                <a:srgbClr val="000000"/>
-              </a:buClr>
-              <a:buSzPct val="100000"/>
-              <a:buFont typeface="Times New Roman" pitchFamily="16" charset="0"/>
-              <a:tabLst>
-                <a:tab pos="746125" algn="l"/>
-              </a:tabLst>
-              <a:defRPr sz="1200">
-                <a:solidFill>
-                  <a:srgbClr val="000000"/>
-                </a:solidFill>
-                <a:latin typeface="Times New Roman" pitchFamily="16" charset="0"/>
-              </a:defRPr>
-            </a:lvl8pPr>
-            <a:lvl9pPr marL="3886200" indent="-228600" defTabSz="463550" eaLnBrk="0" fontAlgn="base" hangingPunct="0">
-              <a:spcBef>
-                <a:spcPct val="30000"/>
-              </a:spcBef>
-              <a:spcAft>
-                <a:spcPct val="0"/>
-              </a:spcAft>
-              <a:buClr>
-                <a:srgbClr val="000000"/>
-              </a:buClr>
-              <a:buSzPct val="100000"/>
-              <a:buFont typeface="Times New Roman" pitchFamily="16" charset="0"/>
-              <a:tabLst>
-                <a:tab pos="746125" algn="l"/>
-              </a:tabLst>
-              <a:defRPr sz="1200">
-                <a:solidFill>
-                  <a:srgbClr val="000000"/>
-                </a:solidFill>
-                <a:latin typeface="Times New Roman" pitchFamily="16" charset="0"/>
-              </a:defRPr>
-            </a:lvl9pPr>
-          </a:lstStyle>
-          <a:p>
-            <a:pPr algn="r" eaLnBrk="1" hangingPunct="1">
-              <a:spcBef>
-                <a:spcPct val="0"/>
-              </a:spcBef>
-              <a:buFont typeface="Stafford" pitchFamily="2" charset="0"/>
-              <a:buNone/>
+          <a:lstStyle/>
+          <a:p>
+            <a:pPr>
+              <a:defRPr/>
             </a:pPr>
             <a:r>
-              <a:rPr lang="en-US" altLang="de-DE" sz="1100" smtClean="0">
-                <a:latin typeface="Stafford" pitchFamily="2" charset="0"/>
-              </a:rPr>
+              <a:rPr lang="en-US" dirty="0" smtClean="0"/>
               <a:t>|  </a:t>
             </a:r>
-            <a:fld id="{F7464C70-19D9-408B-AE85-9F1F28F25825}" type="slidenum">
-              <a:rPr lang="en-US" altLang="de-DE" sz="1100" smtClean="0">
-                <a:latin typeface="Stafford" pitchFamily="2" charset="0"/>
-              </a:rPr>
-              <a:pPr algn="r" eaLnBrk="1" hangingPunct="1">
-                <a:spcBef>
-                  <a:spcPct val="0"/>
-                </a:spcBef>
-                <a:buFont typeface="Stafford" pitchFamily="2" charset="0"/>
-                <a:buNone/>
+            <a:fld id="{28E94DD0-FCBD-4017-91AA-9AA1E95020C8}" type="slidenum">
+              <a:rPr lang="en-US" smtClean="0"/>
+              <a:pPr>
+                <a:defRPr/>
               </a:pPr>
-              <a:t>7</a:t>
+              <a:t>8</a:t>
             </a:fld>
-            <a:endParaRPr lang="en-US" altLang="de-DE" sz="1100" smtClean="0">
-              <a:latin typeface="Stafford" pitchFamily="2" charset="0"/>
-            </a:endParaRPr>
+            <a:endParaRPr lang="en-US" dirty="0"/>
           </a:p>
         </p:txBody>
       </p:sp>
     </p:spTree>
     <p:extLst>
       <p:ext uri="{BB962C8B-B14F-4D97-AF65-F5344CB8AC3E}">
-        <p14:creationId xmlns:p14="http://schemas.microsoft.com/office/powerpoint/2010/main" val="1161686241"/>
+        <p14:creationId xmlns:p14="http://schemas.microsoft.com/office/powerpoint/2010/main" val="3687089436"/>
       </p:ext>
     </p:extLst>
   </p:cSld>
@@ -6593,7 +5946,7 @@
                 <a:buFont typeface="Stafford" pitchFamily="2" charset="0"/>
                 <a:buNone/>
               </a:pPr>
-              <a:t>8</a:t>
+              <a:t>9</a:t>
             </a:fld>
             <a:endParaRPr lang="en-US" altLang="de-DE" sz="1100" smtClean="0">
               <a:latin typeface="Stafford" pitchFamily="2" charset="0"/>
@@ -11654,7 +11007,7 @@
           <a:graphicData uri="http://schemas.openxmlformats.org/presentationml/2006/ole">
             <mc:AlternateContent xmlns:mc="http://schemas.openxmlformats.org/markup-compatibility/2006">
               <mc:Choice xmlns:v="urn:schemas-microsoft-com:vml" Requires="v">
-                <p:oleObj spid="_x0000_s27665" r:id="rId3" imgW="1038370" imgH="980952" progId="PBrush">
+                <p:oleObj spid="_x0000_s27713" r:id="rId3" imgW="1038370" imgH="980952" progId="PBrush">
                   <p:embed/>
                 </p:oleObj>
               </mc:Choice>
@@ -14648,7 +14001,7 @@
           <a:graphicData uri="http://schemas.openxmlformats.org/presentationml/2006/ole">
             <mc:AlternateContent xmlns:mc="http://schemas.openxmlformats.org/markup-compatibility/2006">
               <mc:Choice xmlns:v="urn:schemas-microsoft-com:vml" Requires="v">
-                <p:oleObj spid="_x0000_s1052" r:id="rId16" imgW="1038370" imgH="980952" progId="">
+                <p:oleObj spid="_x0000_s1100" r:id="rId16" imgW="1038370" imgH="980952" progId="">
                   <p:embed/>
                 </p:oleObj>
               </mc:Choice>
@@ -15086,7 +14439,7 @@
                 </a:lnSpc>
                 <a:defRPr/>
               </a:pPr>
-              <a:t>05.08.2014</a:t>
+              <a:t>13.08.2014</a:t>
             </a:fld>
             <a:r>
               <a:rPr lang="en-GB" altLang="de-DE" sz="1000" smtClean="0">
@@ -16594,7 +15947,7 @@
           <a:graphicData uri="http://schemas.openxmlformats.org/presentationml/2006/ole">
             <mc:AlternateContent xmlns:mc="http://schemas.openxmlformats.org/markup-compatibility/2006">
               <mc:Choice xmlns:v="urn:schemas-microsoft-com:vml" Requires="v">
-                <p:oleObj spid="_x0000_s2075" r:id="rId6" imgW="1038370" imgH="980952" progId="PBrush">
+                <p:oleObj spid="_x0000_s2123" r:id="rId6" imgW="1038370" imgH="980952" progId="PBrush">
                   <p:embed/>
                 </p:oleObj>
               </mc:Choice>
@@ -17502,8 +16855,12 @@
           <a:p>
             <a:pPr eaLnBrk="1" hangingPunct="1"/>
             <a:r>
+              <a:rPr lang="en-US" altLang="de-DE" dirty="0" err="1" smtClean="0"/>
+              <a:t>Programmierpraktikum</a:t>
+            </a:r>
+            <a:r>
               <a:rPr lang="en-US" altLang="de-DE" smtClean="0"/>
-              <a:t>Programmierpraktikum C und C++</a:t>
+              <a:t> C und C++</a:t>
             </a:r>
           </a:p>
         </p:txBody>
@@ -17570,6 +16927,2472 @@
       </p:grpSpPr>
       <p:sp>
         <p:nvSpPr>
+          <p:cNvPr id="14339" name="Titel 1"/>
+          <p:cNvSpPr>
+            <a:spLocks noGrp="1"/>
+          </p:cNvSpPr>
+          <p:nvPr>
+            <p:ph type="title"/>
+          </p:nvPr>
+        </p:nvSpPr>
+        <p:spPr/>
+        <p:txBody>
+          <a:bodyPr/>
+          <a:lstStyle/>
+          <a:p>
+            <a:r>
+              <a:rPr lang="de-DE" altLang="de-DE" dirty="0" smtClean="0">
+                <a:ea typeface="ＭＳ Ｐゴシック" pitchFamily="34" charset="-128"/>
+              </a:rPr>
+              <a:t>Eine Kurze Geschichte von…</a:t>
+            </a:r>
+            <a:endParaRPr lang="de-DE" altLang="de-DE" dirty="0" smtClean="0">
+              <a:ea typeface="ＭＳ Ｐゴシック" pitchFamily="34" charset="-128"/>
+            </a:endParaRPr>
+          </a:p>
+        </p:txBody>
+      </p:sp>
+      <p:sp>
+        <p:nvSpPr>
+          <p:cNvPr id="14340" name="Rectangle 45"/>
+          <p:cNvSpPr>
+            <a:spLocks noChangeArrowheads="1"/>
+          </p:cNvSpPr>
+          <p:nvPr/>
+        </p:nvSpPr>
+        <p:spPr bwMode="auto">
+          <a:xfrm>
+            <a:off x="2001838" y="1419225"/>
+            <a:ext cx="9144000" cy="0"/>
+          </a:xfrm>
+          <a:prstGeom prst="rect">
+            <a:avLst/>
+          </a:prstGeom>
+          <a:noFill/>
+          <a:ln>
+            <a:noFill/>
+          </a:ln>
+          <a:effectLst/>
+          <a:extLst>
+            <a:ext uri="{909E8E84-426E-40DD-AFC4-6F175D3DCCD1}">
+              <a14:hiddenFill xmlns:a14="http://schemas.microsoft.com/office/drawing/2010/main">
+                <a:solidFill>
+                  <a:schemeClr val="accent1"/>
+                </a:solidFill>
+              </a14:hiddenFill>
+            </a:ext>
+            <a:ext uri="{91240B29-F687-4F45-9708-019B960494DF}">
+              <a14:hiddenLine xmlns:a14="http://schemas.microsoft.com/office/drawing/2010/main" w="9525" algn="ctr">
+                <a:solidFill>
+                  <a:schemeClr val="tx1"/>
+                </a:solidFill>
+                <a:miter lim="800000"/>
+                <a:headEnd/>
+                <a:tailEnd/>
+              </a14:hiddenLine>
+            </a:ext>
+            <a:ext uri="{AF507438-7753-43E0-B8FC-AC1667EBCBE1}">
+              <a14:hiddenEffects xmlns:a14="http://schemas.microsoft.com/office/drawing/2010/main">
+                <a:effectLst>
+                  <a:outerShdw dist="35921" dir="2700000" algn="ctr" rotWithShape="0">
+                    <a:schemeClr val="bg2"/>
+                  </a:outerShdw>
+                </a:effectLst>
+              </a14:hiddenEffects>
+            </a:ext>
+          </a:extLst>
+        </p:spPr>
+        <p:txBody>
+          <a:bodyPr wrap="none" anchor="ctr">
+            <a:spAutoFit/>
+          </a:bodyPr>
+          <a:lstStyle>
+            <a:lvl1pPr algn="l" eaLnBrk="0" hangingPunct="0">
+              <a:spcBef>
+                <a:spcPct val="20000"/>
+              </a:spcBef>
+              <a:buFont typeface="Wingdings" pitchFamily="2" charset="2"/>
+              <a:defRPr sz="2000">
+                <a:solidFill>
+                  <a:schemeClr val="tx1"/>
+                </a:solidFill>
+                <a:latin typeface="Arial" charset="0"/>
+                <a:ea typeface="ＭＳ Ｐゴシック" pitchFamily="34" charset="-128"/>
+              </a:defRPr>
+            </a:lvl1pPr>
+            <a:lvl2pPr marL="742950" indent="-285750" algn="l" eaLnBrk="0" hangingPunct="0">
+              <a:spcBef>
+                <a:spcPct val="20000"/>
+              </a:spcBef>
+              <a:buFont typeface="Wingdings" pitchFamily="2" charset="2"/>
+              <a:buChar char="§"/>
+              <a:defRPr>
+                <a:solidFill>
+                  <a:schemeClr val="tx1"/>
+                </a:solidFill>
+                <a:latin typeface="Arial" charset="0"/>
+                <a:ea typeface="ＭＳ Ｐゴシック" pitchFamily="34" charset="-128"/>
+              </a:defRPr>
+            </a:lvl2pPr>
+            <a:lvl3pPr marL="1143000" indent="-228600" algn="l" eaLnBrk="0" hangingPunct="0">
+              <a:spcBef>
+                <a:spcPct val="20000"/>
+              </a:spcBef>
+              <a:buFont typeface="Wingdings" pitchFamily="2" charset="2"/>
+              <a:buChar char="§"/>
+              <a:defRPr>
+                <a:solidFill>
+                  <a:schemeClr val="tx1"/>
+                </a:solidFill>
+                <a:latin typeface="Arial" charset="0"/>
+                <a:ea typeface="ＭＳ Ｐゴシック" pitchFamily="34" charset="-128"/>
+              </a:defRPr>
+            </a:lvl3pPr>
+            <a:lvl4pPr marL="1600200" indent="-228600" algn="l" eaLnBrk="0" hangingPunct="0">
+              <a:spcBef>
+                <a:spcPct val="20000"/>
+              </a:spcBef>
+              <a:buFont typeface="Wingdings" pitchFamily="2" charset="2"/>
+              <a:buChar char="§"/>
+              <a:defRPr sz="1600">
+                <a:solidFill>
+                  <a:schemeClr val="tx1"/>
+                </a:solidFill>
+                <a:latin typeface="Arial" charset="0"/>
+                <a:ea typeface="ＭＳ Ｐゴシック" pitchFamily="34" charset="-128"/>
+              </a:defRPr>
+            </a:lvl4pPr>
+            <a:lvl5pPr marL="2057400" indent="-228600" algn="l" eaLnBrk="0" hangingPunct="0">
+              <a:spcBef>
+                <a:spcPct val="20000"/>
+              </a:spcBef>
+              <a:buFont typeface="Wingdings" pitchFamily="2" charset="2"/>
+              <a:buChar char="§"/>
+              <a:defRPr sz="1600">
+                <a:solidFill>
+                  <a:schemeClr val="tx1"/>
+                </a:solidFill>
+                <a:latin typeface="Arial" charset="0"/>
+                <a:ea typeface="ＭＳ Ｐゴシック" pitchFamily="34" charset="-128"/>
+              </a:defRPr>
+            </a:lvl5pPr>
+            <a:lvl6pPr marL="2514600" indent="-228600" defTabSz="449263" eaLnBrk="0" fontAlgn="base" hangingPunct="0">
+              <a:spcBef>
+                <a:spcPct val="20000"/>
+              </a:spcBef>
+              <a:spcAft>
+                <a:spcPct val="0"/>
+              </a:spcAft>
+              <a:buFont typeface="Wingdings" pitchFamily="2" charset="2"/>
+              <a:buChar char="§"/>
+              <a:defRPr sz="1600">
+                <a:solidFill>
+                  <a:schemeClr val="tx1"/>
+                </a:solidFill>
+                <a:latin typeface="Arial" charset="0"/>
+                <a:ea typeface="ＭＳ Ｐゴシック" pitchFamily="34" charset="-128"/>
+              </a:defRPr>
+            </a:lvl6pPr>
+            <a:lvl7pPr marL="2971800" indent="-228600" defTabSz="449263" eaLnBrk="0" fontAlgn="base" hangingPunct="0">
+              <a:spcBef>
+                <a:spcPct val="20000"/>
+              </a:spcBef>
+              <a:spcAft>
+                <a:spcPct val="0"/>
+              </a:spcAft>
+              <a:buFont typeface="Wingdings" pitchFamily="2" charset="2"/>
+              <a:buChar char="§"/>
+              <a:defRPr sz="1600">
+                <a:solidFill>
+                  <a:schemeClr val="tx1"/>
+                </a:solidFill>
+                <a:latin typeface="Arial" charset="0"/>
+                <a:ea typeface="ＭＳ Ｐゴシック" pitchFamily="34" charset="-128"/>
+              </a:defRPr>
+            </a:lvl7pPr>
+            <a:lvl8pPr marL="3429000" indent="-228600" defTabSz="449263" eaLnBrk="0" fontAlgn="base" hangingPunct="0">
+              <a:spcBef>
+                <a:spcPct val="20000"/>
+              </a:spcBef>
+              <a:spcAft>
+                <a:spcPct val="0"/>
+              </a:spcAft>
+              <a:buFont typeface="Wingdings" pitchFamily="2" charset="2"/>
+              <a:buChar char="§"/>
+              <a:defRPr sz="1600">
+                <a:solidFill>
+                  <a:schemeClr val="tx1"/>
+                </a:solidFill>
+                <a:latin typeface="Arial" charset="0"/>
+                <a:ea typeface="ＭＳ Ｐゴシック" pitchFamily="34" charset="-128"/>
+              </a:defRPr>
+            </a:lvl8pPr>
+            <a:lvl9pPr marL="3886200" indent="-228600" defTabSz="449263" eaLnBrk="0" fontAlgn="base" hangingPunct="0">
+              <a:spcBef>
+                <a:spcPct val="20000"/>
+              </a:spcBef>
+              <a:spcAft>
+                <a:spcPct val="0"/>
+              </a:spcAft>
+              <a:buFont typeface="Wingdings" pitchFamily="2" charset="2"/>
+              <a:buChar char="§"/>
+              <a:defRPr sz="1600">
+                <a:solidFill>
+                  <a:schemeClr val="tx1"/>
+                </a:solidFill>
+                <a:latin typeface="Arial" charset="0"/>
+                <a:ea typeface="ＭＳ Ｐゴシック" pitchFamily="34" charset="-128"/>
+              </a:defRPr>
+            </a:lvl9pPr>
+          </a:lstStyle>
+          <a:p>
+            <a:pPr algn="ctr">
+              <a:spcBef>
+                <a:spcPct val="0"/>
+              </a:spcBef>
+              <a:buSzTx/>
+              <a:buFont typeface="Arial" charset="0"/>
+              <a:buNone/>
+            </a:pPr>
+            <a:r>
+              <a:rPr lang="en-US" altLang="de-DE" sz="1800"/>
+              <a:t/>
+            </a:r>
+            <a:br>
+              <a:rPr lang="en-US" altLang="de-DE" sz="1800"/>
+            </a:br>
+            <a:endParaRPr lang="en-US" altLang="de-DE" sz="1800"/>
+          </a:p>
+        </p:txBody>
+      </p:sp>
+      <p:sp>
+        <p:nvSpPr>
+          <p:cNvPr id="2" name="Textfeld 1"/>
+          <p:cNvSpPr txBox="1"/>
+          <p:nvPr/>
+        </p:nvSpPr>
+        <p:spPr>
+          <a:xfrm>
+            <a:off x="3925874" y="3738326"/>
+            <a:ext cx="864096" cy="607602"/>
+          </a:xfrm>
+          <a:prstGeom prst="rect">
+            <a:avLst/>
+          </a:prstGeom>
+          <a:noFill/>
+        </p:spPr>
+        <p:txBody>
+          <a:bodyPr wrap="square" rtlCol="0">
+            <a:spAutoFit/>
+          </a:bodyPr>
+          <a:lstStyle/>
+          <a:p>
+            <a:r>
+              <a:rPr lang="de-DE" b="1" dirty="0" smtClean="0"/>
+              <a:t>C</a:t>
+            </a:r>
+            <a:br>
+              <a:rPr lang="de-DE" b="1" dirty="0" smtClean="0"/>
+            </a:br>
+            <a:r>
+              <a:rPr lang="de-DE" b="1" dirty="0" smtClean="0"/>
+              <a:t>1972</a:t>
+            </a:r>
+            <a:endParaRPr lang="en-US" b="1" dirty="0"/>
+          </a:p>
+        </p:txBody>
+      </p:sp>
+      <p:sp>
+        <p:nvSpPr>
+          <p:cNvPr id="9" name="Textfeld 8"/>
+          <p:cNvSpPr txBox="1"/>
+          <p:nvPr/>
+        </p:nvSpPr>
+        <p:spPr>
+          <a:xfrm>
+            <a:off x="5187961" y="5302766"/>
+            <a:ext cx="1071736" cy="607602"/>
+          </a:xfrm>
+          <a:prstGeom prst="rect">
+            <a:avLst/>
+          </a:prstGeom>
+          <a:noFill/>
+        </p:spPr>
+        <p:txBody>
+          <a:bodyPr wrap="square" rtlCol="0">
+            <a:spAutoFit/>
+          </a:bodyPr>
+          <a:lstStyle/>
+          <a:p>
+            <a:r>
+              <a:rPr lang="de-DE" b="1" dirty="0" smtClean="0"/>
+              <a:t>ANSI C</a:t>
+            </a:r>
+          </a:p>
+          <a:p>
+            <a:r>
+              <a:rPr lang="de-DE" b="1" dirty="0" smtClean="0"/>
+              <a:t>1989</a:t>
+            </a:r>
+            <a:endParaRPr lang="en-US" b="1" dirty="0"/>
+          </a:p>
+        </p:txBody>
+      </p:sp>
+      <p:sp>
+        <p:nvSpPr>
+          <p:cNvPr id="10" name="Textfeld 9"/>
+          <p:cNvSpPr txBox="1"/>
+          <p:nvPr/>
+        </p:nvSpPr>
+        <p:spPr>
+          <a:xfrm>
+            <a:off x="3851919" y="4832493"/>
+            <a:ext cx="1012005" cy="607602"/>
+          </a:xfrm>
+          <a:prstGeom prst="rect">
+            <a:avLst/>
+          </a:prstGeom>
+          <a:noFill/>
+        </p:spPr>
+        <p:txBody>
+          <a:bodyPr wrap="square" rtlCol="0">
+            <a:spAutoFit/>
+          </a:bodyPr>
+          <a:lstStyle/>
+          <a:p>
+            <a:r>
+              <a:rPr lang="de-DE" b="1" dirty="0" smtClean="0"/>
+              <a:t>C++</a:t>
+            </a:r>
+            <a:br>
+              <a:rPr lang="de-DE" b="1" dirty="0" smtClean="0"/>
+            </a:br>
+            <a:r>
+              <a:rPr lang="de-DE" b="1" dirty="0" smtClean="0"/>
+              <a:t>1980/85</a:t>
+            </a:r>
+            <a:endParaRPr lang="en-US" b="1" dirty="0"/>
+          </a:p>
+        </p:txBody>
+      </p:sp>
+      <p:cxnSp>
+        <p:nvCxnSpPr>
+          <p:cNvPr id="4" name="Gerade Verbindung mit Pfeil 3"/>
+          <p:cNvCxnSpPr>
+            <a:stCxn id="2" idx="2"/>
+            <a:endCxn id="10" idx="0"/>
+          </p:cNvCxnSpPr>
+          <p:nvPr/>
+        </p:nvCxnSpPr>
+        <p:spPr bwMode="auto">
+          <a:xfrm>
+            <a:off x="4357922" y="4345928"/>
+            <a:ext cx="0" cy="486565"/>
+          </a:xfrm>
+          <a:prstGeom prst="straightConnector1">
+            <a:avLst/>
+          </a:prstGeom>
+          <a:solidFill>
+            <a:schemeClr val="accent1"/>
+          </a:solidFill>
+          <a:ln w="9525" cap="flat" cmpd="sng" algn="ctr">
+            <a:solidFill>
+              <a:schemeClr val="tx1"/>
+            </a:solidFill>
+            <a:prstDash val="solid"/>
+            <a:round/>
+            <a:headEnd type="none" w="med" len="med"/>
+            <a:tailEnd type="triangle"/>
+          </a:ln>
+          <a:effectLst/>
+        </p:spPr>
+      </p:cxnSp>
+      <p:cxnSp>
+        <p:nvCxnSpPr>
+          <p:cNvPr id="15" name="Gerade Verbindung mit Pfeil 14"/>
+          <p:cNvCxnSpPr>
+            <a:stCxn id="2" idx="2"/>
+            <a:endCxn id="9" idx="0"/>
+          </p:cNvCxnSpPr>
+          <p:nvPr/>
+        </p:nvCxnSpPr>
+        <p:spPr bwMode="auto">
+          <a:xfrm>
+            <a:off x="4357922" y="4345928"/>
+            <a:ext cx="1365907" cy="956838"/>
+          </a:xfrm>
+          <a:prstGeom prst="straightConnector1">
+            <a:avLst/>
+          </a:prstGeom>
+          <a:solidFill>
+            <a:schemeClr val="accent1"/>
+          </a:solidFill>
+          <a:ln w="9525" cap="flat" cmpd="sng" algn="ctr">
+            <a:solidFill>
+              <a:schemeClr val="tx1"/>
+            </a:solidFill>
+            <a:prstDash val="solid"/>
+            <a:round/>
+            <a:headEnd type="none" w="med" len="med"/>
+            <a:tailEnd type="triangle"/>
+          </a:ln>
+          <a:effectLst/>
+        </p:spPr>
+      </p:cxnSp>
+      <p:cxnSp>
+        <p:nvCxnSpPr>
+          <p:cNvPr id="19" name="Gerade Verbindung mit Pfeil 18"/>
+          <p:cNvCxnSpPr>
+            <a:stCxn id="10" idx="2"/>
+            <a:endCxn id="22" idx="0"/>
+          </p:cNvCxnSpPr>
+          <p:nvPr/>
+        </p:nvCxnSpPr>
+        <p:spPr bwMode="auto">
+          <a:xfrm>
+            <a:off x="4357922" y="5440095"/>
+            <a:ext cx="4300" cy="355097"/>
+          </a:xfrm>
+          <a:prstGeom prst="straightConnector1">
+            <a:avLst/>
+          </a:prstGeom>
+          <a:solidFill>
+            <a:schemeClr val="accent1"/>
+          </a:solidFill>
+          <a:ln w="9525" cap="flat" cmpd="sng" algn="ctr">
+            <a:solidFill>
+              <a:schemeClr val="tx1"/>
+            </a:solidFill>
+            <a:prstDash val="solid"/>
+            <a:round/>
+            <a:headEnd type="none" w="med" len="med"/>
+            <a:tailEnd type="triangle"/>
+          </a:ln>
+          <a:effectLst/>
+        </p:spPr>
+      </p:cxnSp>
+      <p:sp>
+        <p:nvSpPr>
+          <p:cNvPr id="22" name="Textfeld 21"/>
+          <p:cNvSpPr txBox="1"/>
+          <p:nvPr/>
+        </p:nvSpPr>
+        <p:spPr>
+          <a:xfrm>
+            <a:off x="3894170" y="5795192"/>
+            <a:ext cx="936104" cy="607602"/>
+          </a:xfrm>
+          <a:prstGeom prst="rect">
+            <a:avLst/>
+          </a:prstGeom>
+          <a:noFill/>
+        </p:spPr>
+        <p:txBody>
+          <a:bodyPr wrap="square" rtlCol="0">
+            <a:spAutoFit/>
+          </a:bodyPr>
+          <a:lstStyle/>
+          <a:p>
+            <a:r>
+              <a:rPr lang="de-DE" b="1" dirty="0" smtClean="0"/>
+              <a:t>Java 1995</a:t>
+            </a:r>
+            <a:endParaRPr lang="en-US" b="1" dirty="0"/>
+          </a:p>
+        </p:txBody>
+      </p:sp>
+      <p:cxnSp>
+        <p:nvCxnSpPr>
+          <p:cNvPr id="32" name="Gerade Verbindung mit Pfeil 31"/>
+          <p:cNvCxnSpPr>
+            <a:stCxn id="10" idx="3"/>
+            <a:endCxn id="9" idx="0"/>
+          </p:cNvCxnSpPr>
+          <p:nvPr/>
+        </p:nvCxnSpPr>
+        <p:spPr bwMode="auto">
+          <a:xfrm>
+            <a:off x="4863924" y="5136294"/>
+            <a:ext cx="859905" cy="166472"/>
+          </a:xfrm>
+          <a:prstGeom prst="straightConnector1">
+            <a:avLst/>
+          </a:prstGeom>
+          <a:solidFill>
+            <a:schemeClr val="accent1"/>
+          </a:solidFill>
+          <a:ln w="9525" cap="flat" cmpd="sng" algn="ctr">
+            <a:solidFill>
+              <a:schemeClr val="tx1"/>
+            </a:solidFill>
+            <a:prstDash val="solid"/>
+            <a:round/>
+            <a:headEnd type="none" w="med" len="med"/>
+            <a:tailEnd type="triangle"/>
+          </a:ln>
+          <a:effectLst/>
+        </p:spPr>
+      </p:cxnSp>
+      <p:sp>
+        <p:nvSpPr>
+          <p:cNvPr id="37" name="Textfeld 36"/>
+          <p:cNvSpPr txBox="1"/>
+          <p:nvPr/>
+        </p:nvSpPr>
+        <p:spPr>
+          <a:xfrm>
+            <a:off x="3925874" y="2828208"/>
+            <a:ext cx="864096" cy="607602"/>
+          </a:xfrm>
+          <a:prstGeom prst="rect">
+            <a:avLst/>
+          </a:prstGeom>
+          <a:noFill/>
+        </p:spPr>
+        <p:txBody>
+          <a:bodyPr wrap="square" rtlCol="0">
+            <a:spAutoFit/>
+          </a:bodyPr>
+          <a:lstStyle/>
+          <a:p>
+            <a:r>
+              <a:rPr lang="de-DE" b="1" dirty="0"/>
+              <a:t>B</a:t>
+            </a:r>
+            <a:r>
+              <a:rPr lang="de-DE" b="1" dirty="0" smtClean="0"/>
+              <a:t/>
+            </a:r>
+            <a:br>
+              <a:rPr lang="de-DE" b="1" dirty="0" smtClean="0"/>
+            </a:br>
+            <a:r>
+              <a:rPr lang="de-DE" b="1" dirty="0" smtClean="0"/>
+              <a:t>1969</a:t>
+            </a:r>
+            <a:endParaRPr lang="en-US" b="1" dirty="0"/>
+          </a:p>
+        </p:txBody>
+      </p:sp>
+      <p:cxnSp>
+        <p:nvCxnSpPr>
+          <p:cNvPr id="31" name="Gerade Verbindung mit Pfeil 30"/>
+          <p:cNvCxnSpPr>
+            <a:stCxn id="37" idx="2"/>
+            <a:endCxn id="2" idx="0"/>
+          </p:cNvCxnSpPr>
+          <p:nvPr/>
+        </p:nvCxnSpPr>
+        <p:spPr bwMode="auto">
+          <a:xfrm>
+            <a:off x="4357922" y="3435810"/>
+            <a:ext cx="0" cy="302516"/>
+          </a:xfrm>
+          <a:prstGeom prst="straightConnector1">
+            <a:avLst/>
+          </a:prstGeom>
+          <a:solidFill>
+            <a:schemeClr val="accent1"/>
+          </a:solidFill>
+          <a:ln w="9525" cap="flat" cmpd="sng" algn="ctr">
+            <a:solidFill>
+              <a:schemeClr val="tx1"/>
+            </a:solidFill>
+            <a:prstDash val="solid"/>
+            <a:round/>
+            <a:headEnd type="none" w="med" len="med"/>
+            <a:tailEnd type="triangle"/>
+          </a:ln>
+          <a:effectLst/>
+        </p:spPr>
+      </p:cxnSp>
+      <p:sp>
+        <p:nvSpPr>
+          <p:cNvPr id="41" name="Textfeld 40"/>
+          <p:cNvSpPr txBox="1"/>
+          <p:nvPr/>
+        </p:nvSpPr>
+        <p:spPr>
+          <a:xfrm>
+            <a:off x="2541898" y="2418844"/>
+            <a:ext cx="1080120" cy="607602"/>
+          </a:xfrm>
+          <a:prstGeom prst="rect">
+            <a:avLst/>
+          </a:prstGeom>
+          <a:noFill/>
+        </p:spPr>
+        <p:txBody>
+          <a:bodyPr wrap="square" rtlCol="0">
+            <a:spAutoFit/>
+          </a:bodyPr>
+          <a:lstStyle/>
+          <a:p>
+            <a:r>
+              <a:rPr lang="de-DE" b="1" dirty="0" smtClean="0"/>
+              <a:t>Algol 58/60/68</a:t>
+            </a:r>
+            <a:endParaRPr lang="en-US" b="1" dirty="0"/>
+          </a:p>
+        </p:txBody>
+      </p:sp>
+      <p:cxnSp>
+        <p:nvCxnSpPr>
+          <p:cNvPr id="42" name="Gerade Verbindung mit Pfeil 41"/>
+          <p:cNvCxnSpPr>
+            <a:stCxn id="41" idx="2"/>
+            <a:endCxn id="2" idx="0"/>
+          </p:cNvCxnSpPr>
+          <p:nvPr/>
+        </p:nvCxnSpPr>
+        <p:spPr bwMode="auto">
+          <a:xfrm>
+            <a:off x="3081958" y="3026446"/>
+            <a:ext cx="1275964" cy="711880"/>
+          </a:xfrm>
+          <a:prstGeom prst="straightConnector1">
+            <a:avLst/>
+          </a:prstGeom>
+          <a:solidFill>
+            <a:schemeClr val="accent1"/>
+          </a:solidFill>
+          <a:ln w="9525" cap="flat" cmpd="sng" algn="ctr">
+            <a:solidFill>
+              <a:schemeClr val="tx1"/>
+            </a:solidFill>
+            <a:prstDash val="solid"/>
+            <a:round/>
+            <a:headEnd type="none" w="med" len="med"/>
+            <a:tailEnd type="triangle"/>
+          </a:ln>
+          <a:effectLst/>
+        </p:spPr>
+      </p:cxnSp>
+      <p:sp>
+        <p:nvSpPr>
+          <p:cNvPr id="47" name="Textfeld 46"/>
+          <p:cNvSpPr txBox="1"/>
+          <p:nvPr/>
+        </p:nvSpPr>
+        <p:spPr>
+          <a:xfrm>
+            <a:off x="755576" y="1675518"/>
+            <a:ext cx="1526046" cy="607602"/>
+          </a:xfrm>
+          <a:prstGeom prst="rect">
+            <a:avLst/>
+          </a:prstGeom>
+          <a:noFill/>
+        </p:spPr>
+        <p:txBody>
+          <a:bodyPr wrap="square" rtlCol="0">
+            <a:spAutoFit/>
+          </a:bodyPr>
+          <a:lstStyle/>
+          <a:p>
+            <a:r>
+              <a:rPr lang="de-DE" b="1" dirty="0" smtClean="0"/>
+              <a:t>FORTRAN I</a:t>
+            </a:r>
+            <a:br>
+              <a:rPr lang="de-DE" b="1" dirty="0" smtClean="0"/>
+            </a:br>
+            <a:r>
+              <a:rPr lang="de-DE" b="1" dirty="0" smtClean="0"/>
+              <a:t>1957</a:t>
+            </a:r>
+            <a:endParaRPr lang="en-US" b="1" dirty="0"/>
+          </a:p>
+        </p:txBody>
+      </p:sp>
+      <p:cxnSp>
+        <p:nvCxnSpPr>
+          <p:cNvPr id="44" name="Gerade Verbindung mit Pfeil 43"/>
+          <p:cNvCxnSpPr>
+            <a:stCxn id="47" idx="2"/>
+            <a:endCxn id="41" idx="1"/>
+          </p:cNvCxnSpPr>
+          <p:nvPr/>
+        </p:nvCxnSpPr>
+        <p:spPr bwMode="auto">
+          <a:xfrm>
+            <a:off x="1518599" y="2283120"/>
+            <a:ext cx="1023299" cy="439525"/>
+          </a:xfrm>
+          <a:prstGeom prst="straightConnector1">
+            <a:avLst/>
+          </a:prstGeom>
+          <a:solidFill>
+            <a:schemeClr val="accent1"/>
+          </a:solidFill>
+          <a:ln w="9525" cap="flat" cmpd="sng" algn="ctr">
+            <a:solidFill>
+              <a:schemeClr val="tx1"/>
+            </a:solidFill>
+            <a:prstDash val="solid"/>
+            <a:round/>
+            <a:headEnd type="none" w="med" len="med"/>
+            <a:tailEnd type="triangle"/>
+          </a:ln>
+          <a:effectLst/>
+        </p:spPr>
+      </p:cxnSp>
+      <p:sp>
+        <p:nvSpPr>
+          <p:cNvPr id="53" name="Textfeld 52"/>
+          <p:cNvSpPr txBox="1"/>
+          <p:nvPr/>
+        </p:nvSpPr>
+        <p:spPr>
+          <a:xfrm>
+            <a:off x="3925874" y="2005747"/>
+            <a:ext cx="864096" cy="607602"/>
+          </a:xfrm>
+          <a:prstGeom prst="rect">
+            <a:avLst/>
+          </a:prstGeom>
+          <a:noFill/>
+        </p:spPr>
+        <p:txBody>
+          <a:bodyPr wrap="square" rtlCol="0">
+            <a:spAutoFit/>
+          </a:bodyPr>
+          <a:lstStyle/>
+          <a:p>
+            <a:r>
+              <a:rPr lang="de-DE" b="1" dirty="0" smtClean="0"/>
+              <a:t>BCPL</a:t>
+            </a:r>
+            <a:br>
+              <a:rPr lang="de-DE" b="1" dirty="0" smtClean="0"/>
+            </a:br>
+            <a:r>
+              <a:rPr lang="de-DE" b="1" dirty="0" smtClean="0"/>
+              <a:t>1967</a:t>
+            </a:r>
+            <a:endParaRPr lang="en-US" b="1" dirty="0"/>
+          </a:p>
+        </p:txBody>
+      </p:sp>
+      <p:sp>
+        <p:nvSpPr>
+          <p:cNvPr id="54" name="Textfeld 53"/>
+          <p:cNvSpPr txBox="1"/>
+          <p:nvPr/>
+        </p:nvSpPr>
+        <p:spPr>
+          <a:xfrm>
+            <a:off x="3925874" y="1208537"/>
+            <a:ext cx="864096" cy="607602"/>
+          </a:xfrm>
+          <a:prstGeom prst="rect">
+            <a:avLst/>
+          </a:prstGeom>
+          <a:solidFill>
+            <a:schemeClr val="bg1"/>
+          </a:solidFill>
+        </p:spPr>
+        <p:txBody>
+          <a:bodyPr wrap="square" rtlCol="0">
+            <a:spAutoFit/>
+          </a:bodyPr>
+          <a:lstStyle/>
+          <a:p>
+            <a:r>
+              <a:rPr lang="de-DE" b="1" dirty="0" smtClean="0"/>
+              <a:t>CPL</a:t>
+            </a:r>
+            <a:br>
+              <a:rPr lang="de-DE" b="1" dirty="0" smtClean="0"/>
+            </a:br>
+            <a:r>
+              <a:rPr lang="de-DE" b="1" dirty="0" smtClean="0"/>
+              <a:t>1963</a:t>
+            </a:r>
+            <a:endParaRPr lang="en-US" b="1" dirty="0"/>
+          </a:p>
+        </p:txBody>
+      </p:sp>
+      <p:cxnSp>
+        <p:nvCxnSpPr>
+          <p:cNvPr id="59" name="Gerade Verbindung mit Pfeil 58"/>
+          <p:cNvCxnSpPr>
+            <a:stCxn id="53" idx="2"/>
+            <a:endCxn id="37" idx="0"/>
+          </p:cNvCxnSpPr>
+          <p:nvPr/>
+        </p:nvCxnSpPr>
+        <p:spPr bwMode="auto">
+          <a:xfrm>
+            <a:off x="4357922" y="2613349"/>
+            <a:ext cx="0" cy="214859"/>
+          </a:xfrm>
+          <a:prstGeom prst="straightConnector1">
+            <a:avLst/>
+          </a:prstGeom>
+          <a:solidFill>
+            <a:schemeClr val="accent1"/>
+          </a:solidFill>
+          <a:ln w="9525" cap="flat" cmpd="sng" algn="ctr">
+            <a:solidFill>
+              <a:schemeClr val="tx1"/>
+            </a:solidFill>
+            <a:prstDash val="solid"/>
+            <a:round/>
+            <a:headEnd type="none" w="med" len="med"/>
+            <a:tailEnd type="triangle"/>
+          </a:ln>
+          <a:effectLst/>
+        </p:spPr>
+      </p:cxnSp>
+      <p:cxnSp>
+        <p:nvCxnSpPr>
+          <p:cNvPr id="64" name="Gerade Verbindung mit Pfeil 63"/>
+          <p:cNvCxnSpPr>
+            <a:stCxn id="54" idx="2"/>
+            <a:endCxn id="53" idx="0"/>
+          </p:cNvCxnSpPr>
+          <p:nvPr/>
+        </p:nvCxnSpPr>
+        <p:spPr bwMode="auto">
+          <a:xfrm>
+            <a:off x="4357922" y="1816139"/>
+            <a:ext cx="0" cy="189608"/>
+          </a:xfrm>
+          <a:prstGeom prst="straightConnector1">
+            <a:avLst/>
+          </a:prstGeom>
+          <a:solidFill>
+            <a:schemeClr val="accent1"/>
+          </a:solidFill>
+          <a:ln w="9525" cap="flat" cmpd="sng" algn="ctr">
+            <a:solidFill>
+              <a:schemeClr val="tx1"/>
+            </a:solidFill>
+            <a:prstDash val="solid"/>
+            <a:round/>
+            <a:headEnd type="none" w="med" len="med"/>
+            <a:tailEnd type="triangle"/>
+          </a:ln>
+          <a:effectLst/>
+        </p:spPr>
+      </p:cxnSp>
+      <p:pic>
+        <p:nvPicPr>
+          <p:cNvPr id="28676" name="Picture 4" descr="http://upload.wikimedia.org/wikipedia/commons/thumb/9/95/The_C_Programming_Language%2C_First_Edition_Cover_%282%29.svg/546px-The_C_Programming_Language%2C_First_Edition_Cover_%282%29.svg.png"/>
+          <p:cNvPicPr>
+            <a:picLocks noChangeAspect="1" noChangeArrowheads="1"/>
+          </p:cNvPicPr>
+          <p:nvPr/>
+        </p:nvPicPr>
+        <p:blipFill>
+          <a:blip r:embed="rId2" cstate="print">
+            <a:extLst>
+              <a:ext uri="{28A0092B-C50C-407E-A947-70E740481C1C}">
+                <a14:useLocalDpi xmlns:a14="http://schemas.microsoft.com/office/drawing/2010/main" val="0"/>
+              </a:ext>
+            </a:extLst>
+          </a:blip>
+          <a:srcRect/>
+          <a:stretch>
+            <a:fillRect/>
+          </a:stretch>
+        </p:blipFill>
+        <p:spPr bwMode="auto">
+          <a:xfrm>
+            <a:off x="5026647" y="3211741"/>
+            <a:ext cx="1059168" cy="1487879"/>
+          </a:xfrm>
+          <a:prstGeom prst="rect">
+            <a:avLst/>
+          </a:prstGeom>
+          <a:noFill/>
+          <a:extLst>
+            <a:ext uri="{909E8E84-426E-40DD-AFC4-6F175D3DCCD1}">
+              <a14:hiddenFill xmlns:a14="http://schemas.microsoft.com/office/drawing/2010/main">
+                <a:solidFill>
+                  <a:srgbClr val="FFFFFF"/>
+                </a:solidFill>
+              </a14:hiddenFill>
+            </a:ext>
+          </a:extLst>
+        </p:spPr>
+      </p:pic>
+      <p:sp>
+        <p:nvSpPr>
+          <p:cNvPr id="71" name="Abgerundete rechteckige Legende 70"/>
+          <p:cNvSpPr/>
+          <p:nvPr/>
+        </p:nvSpPr>
+        <p:spPr>
+          <a:xfrm>
+            <a:off x="6573838" y="3321469"/>
+            <a:ext cx="2448272" cy="539579"/>
+          </a:xfrm>
+          <a:prstGeom prst="wedgeRoundRectCallout">
+            <a:avLst>
+              <a:gd name="adj1" fmla="val -67727"/>
+              <a:gd name="adj2" fmla="val -29444"/>
+              <a:gd name="adj3" fmla="val 16667"/>
+            </a:avLst>
+          </a:prstGeom>
+          <a:solidFill>
+            <a:schemeClr val="tx1"/>
+          </a:solidFill>
+          <a:ln>
+            <a:solidFill>
+              <a:schemeClr val="tx1"/>
+            </a:solidFill>
+          </a:ln>
+        </p:spPr>
+        <p:style>
+          <a:lnRef idx="1">
+            <a:schemeClr val="dk1"/>
+          </a:lnRef>
+          <a:fillRef idx="3">
+            <a:schemeClr val="dk1"/>
+          </a:fillRef>
+          <a:effectRef idx="2">
+            <a:schemeClr val="dk1"/>
+          </a:effectRef>
+          <a:fontRef idx="minor">
+            <a:schemeClr val="lt1"/>
+          </a:fontRef>
+        </p:style>
+        <p:txBody>
+          <a:bodyPr anchor="ctr"/>
+          <a:lstStyle/>
+          <a:p>
+            <a:pPr>
+              <a:defRPr/>
+            </a:pPr>
+            <a:r>
+              <a:rPr lang="de-DE" sz="1600" i="1" dirty="0" smtClean="0">
+                <a:solidFill>
+                  <a:schemeClr val="bg1"/>
+                </a:solidFill>
+              </a:rPr>
+              <a:t>The White Book</a:t>
+            </a:r>
+            <a:r>
+              <a:rPr lang="de-DE" sz="1600" dirty="0" smtClean="0">
+                <a:solidFill>
+                  <a:schemeClr val="bg1"/>
+                </a:solidFill>
+              </a:rPr>
+              <a:t> von </a:t>
+            </a:r>
+            <a:r>
+              <a:rPr lang="de-DE" sz="1600" dirty="0" err="1" smtClean="0">
+                <a:solidFill>
+                  <a:schemeClr val="bg1"/>
+                </a:solidFill>
+              </a:rPr>
+              <a:t>Kernighan</a:t>
+            </a:r>
+            <a:r>
+              <a:rPr lang="de-DE" sz="1600" dirty="0" smtClean="0">
+                <a:solidFill>
+                  <a:schemeClr val="bg1"/>
+                </a:solidFill>
+              </a:rPr>
+              <a:t> &amp; </a:t>
+            </a:r>
+            <a:r>
+              <a:rPr lang="de-DE" sz="1600" dirty="0" err="1" smtClean="0">
+                <a:solidFill>
+                  <a:schemeClr val="bg1"/>
+                </a:solidFill>
+              </a:rPr>
+              <a:t>Ritchie</a:t>
+            </a:r>
+            <a:endParaRPr lang="de-DE" sz="1600" i="1" dirty="0">
+              <a:solidFill>
+                <a:schemeClr val="bg1"/>
+              </a:solidFill>
+            </a:endParaRPr>
+          </a:p>
+        </p:txBody>
+      </p:sp>
+      <p:sp>
+        <p:nvSpPr>
+          <p:cNvPr id="72" name="Abgerundete rechteckige Legende 71"/>
+          <p:cNvSpPr/>
+          <p:nvPr/>
+        </p:nvSpPr>
+        <p:spPr>
+          <a:xfrm>
+            <a:off x="5222018" y="2671052"/>
+            <a:ext cx="2169895" cy="355394"/>
+          </a:xfrm>
+          <a:prstGeom prst="wedgeRoundRectCallout">
+            <a:avLst>
+              <a:gd name="adj1" fmla="val -85521"/>
+              <a:gd name="adj2" fmla="val 37256"/>
+              <a:gd name="adj3" fmla="val 16667"/>
+            </a:avLst>
+          </a:prstGeom>
+          <a:solidFill>
+            <a:schemeClr val="tx1"/>
+          </a:solidFill>
+          <a:ln>
+            <a:solidFill>
+              <a:schemeClr val="tx1"/>
+            </a:solidFill>
+          </a:ln>
+        </p:spPr>
+        <p:style>
+          <a:lnRef idx="1">
+            <a:schemeClr val="dk1"/>
+          </a:lnRef>
+          <a:fillRef idx="3">
+            <a:schemeClr val="dk1"/>
+          </a:fillRef>
+          <a:effectRef idx="2">
+            <a:schemeClr val="dk1"/>
+          </a:effectRef>
+          <a:fontRef idx="minor">
+            <a:schemeClr val="lt1"/>
+          </a:fontRef>
+        </p:style>
+        <p:txBody>
+          <a:bodyPr anchor="ctr"/>
+          <a:lstStyle/>
+          <a:p>
+            <a:pPr>
+              <a:defRPr/>
+            </a:pPr>
+            <a:r>
+              <a:rPr lang="de-DE" sz="1600" dirty="0" smtClean="0">
+                <a:solidFill>
+                  <a:schemeClr val="bg1"/>
+                </a:solidFill>
+              </a:rPr>
+              <a:t>Ken Thompson; Unix</a:t>
+            </a:r>
+            <a:endParaRPr lang="de-DE" sz="1600" dirty="0">
+              <a:solidFill>
+                <a:schemeClr val="bg1"/>
+              </a:solidFill>
+            </a:endParaRPr>
+          </a:p>
+        </p:txBody>
+      </p:sp>
+      <p:pic>
+        <p:nvPicPr>
+          <p:cNvPr id="28678" name="Picture 6" descr="http://www.cs.uah.edu/%7Ercoleman/Common/History/Images/CPPHistory07.jpg"/>
+          <p:cNvPicPr>
+            <a:picLocks noChangeAspect="1" noChangeArrowheads="1"/>
+          </p:cNvPicPr>
+          <p:nvPr/>
+        </p:nvPicPr>
+        <p:blipFill rotWithShape="1">
+          <a:blip r:embed="rId3" cstate="print">
+            <a:extLst>
+              <a:ext uri="{28A0092B-C50C-407E-A947-70E740481C1C}">
+                <a14:useLocalDpi xmlns:a14="http://schemas.microsoft.com/office/drawing/2010/main" val="0"/>
+              </a:ext>
+            </a:extLst>
+          </a:blip>
+          <a:srcRect b="8972"/>
+          <a:stretch/>
+        </p:blipFill>
+        <p:spPr bwMode="auto">
+          <a:xfrm>
+            <a:off x="3115109" y="4472638"/>
+            <a:ext cx="825546" cy="1167111"/>
+          </a:xfrm>
+          <a:prstGeom prst="rect">
+            <a:avLst/>
+          </a:prstGeom>
+          <a:noFill/>
+          <a:extLst>
+            <a:ext uri="{909E8E84-426E-40DD-AFC4-6F175D3DCCD1}">
+              <a14:hiddenFill xmlns:a14="http://schemas.microsoft.com/office/drawing/2010/main">
+                <a:solidFill>
+                  <a:srgbClr val="FFFFFF"/>
+                </a:solidFill>
+              </a14:hiddenFill>
+            </a:ext>
+          </a:extLst>
+        </p:spPr>
+      </p:pic>
+      <p:sp>
+        <p:nvSpPr>
+          <p:cNvPr id="74" name="Abgerundete rechteckige Legende 73"/>
+          <p:cNvSpPr/>
+          <p:nvPr/>
+        </p:nvSpPr>
+        <p:spPr>
+          <a:xfrm>
+            <a:off x="360910" y="4467903"/>
+            <a:ext cx="2392213" cy="769899"/>
+          </a:xfrm>
+          <a:prstGeom prst="wedgeRoundRectCallout">
+            <a:avLst>
+              <a:gd name="adj1" fmla="val 64189"/>
+              <a:gd name="adj2" fmla="val -21157"/>
+              <a:gd name="adj3" fmla="val 16667"/>
+            </a:avLst>
+          </a:prstGeom>
+          <a:solidFill>
+            <a:schemeClr val="tx1"/>
+          </a:solidFill>
+          <a:ln>
+            <a:solidFill>
+              <a:schemeClr val="tx1"/>
+            </a:solidFill>
+          </a:ln>
+        </p:spPr>
+        <p:style>
+          <a:lnRef idx="1">
+            <a:schemeClr val="dk1"/>
+          </a:lnRef>
+          <a:fillRef idx="3">
+            <a:schemeClr val="dk1"/>
+          </a:fillRef>
+          <a:effectRef idx="2">
+            <a:schemeClr val="dk1"/>
+          </a:effectRef>
+          <a:fontRef idx="minor">
+            <a:schemeClr val="lt1"/>
+          </a:fontRef>
+        </p:style>
+        <p:txBody>
+          <a:bodyPr anchor="ctr"/>
+          <a:lstStyle/>
+          <a:p>
+            <a:pPr>
+              <a:defRPr/>
+            </a:pPr>
+            <a:r>
+              <a:rPr lang="de-DE" sz="1600" i="1" dirty="0" smtClean="0">
+                <a:solidFill>
+                  <a:schemeClr val="bg1"/>
+                </a:solidFill>
+              </a:rPr>
+              <a:t>The C++ </a:t>
+            </a:r>
+            <a:r>
+              <a:rPr lang="de-DE" sz="1600" i="1" dirty="0" err="1" smtClean="0">
+                <a:solidFill>
+                  <a:schemeClr val="bg1"/>
+                </a:solidFill>
+              </a:rPr>
+              <a:t>Programming</a:t>
+            </a:r>
+            <a:r>
+              <a:rPr lang="de-DE" sz="1600" i="1" dirty="0" smtClean="0">
+                <a:solidFill>
+                  <a:schemeClr val="bg1"/>
+                </a:solidFill>
+              </a:rPr>
+              <a:t> Language</a:t>
+            </a:r>
+            <a:r>
+              <a:rPr lang="de-DE" sz="1600" dirty="0" smtClean="0">
+                <a:solidFill>
+                  <a:schemeClr val="bg1"/>
+                </a:solidFill>
+              </a:rPr>
+              <a:t> von Bjarne </a:t>
+            </a:r>
+            <a:r>
+              <a:rPr lang="de-DE" sz="1600" dirty="0" err="1" smtClean="0">
+                <a:solidFill>
+                  <a:schemeClr val="bg1"/>
+                </a:solidFill>
+              </a:rPr>
+              <a:t>Stroustroup</a:t>
+            </a:r>
+            <a:endParaRPr lang="de-DE" sz="1600" i="1" dirty="0">
+              <a:solidFill>
+                <a:schemeClr val="bg1"/>
+              </a:solidFill>
+            </a:endParaRPr>
+          </a:p>
+        </p:txBody>
+      </p:sp>
+      <p:sp>
+        <p:nvSpPr>
+          <p:cNvPr id="81" name="Abgerundete rechteckige Legende 80"/>
+          <p:cNvSpPr/>
+          <p:nvPr/>
+        </p:nvSpPr>
+        <p:spPr>
+          <a:xfrm>
+            <a:off x="96535" y="2897613"/>
+            <a:ext cx="2208685" cy="658589"/>
+          </a:xfrm>
+          <a:prstGeom prst="wedgeRoundRectCallout">
+            <a:avLst>
+              <a:gd name="adj1" fmla="val -5283"/>
+              <a:gd name="adj2" fmla="val -189661"/>
+              <a:gd name="adj3" fmla="val 16667"/>
+            </a:avLst>
+          </a:prstGeom>
+          <a:solidFill>
+            <a:schemeClr val="tx1"/>
+          </a:solidFill>
+          <a:ln>
+            <a:solidFill>
+              <a:schemeClr val="tx1"/>
+            </a:solidFill>
+          </a:ln>
+        </p:spPr>
+        <p:style>
+          <a:lnRef idx="1">
+            <a:schemeClr val="dk1"/>
+          </a:lnRef>
+          <a:fillRef idx="3">
+            <a:schemeClr val="dk1"/>
+          </a:fillRef>
+          <a:effectRef idx="2">
+            <a:schemeClr val="dk1"/>
+          </a:effectRef>
+          <a:fontRef idx="minor">
+            <a:schemeClr val="lt1"/>
+          </a:fontRef>
+        </p:style>
+        <p:txBody>
+          <a:bodyPr anchor="ctr"/>
+          <a:lstStyle/>
+          <a:p>
+            <a:pPr>
+              <a:defRPr/>
+            </a:pPr>
+            <a:r>
+              <a:rPr lang="de-DE" sz="1600" dirty="0" smtClean="0">
+                <a:solidFill>
+                  <a:schemeClr val="bg1"/>
+                </a:solidFill>
+              </a:rPr>
+              <a:t>Erste höhere Programmiersprache – lebt bis heute!</a:t>
+            </a:r>
+            <a:endParaRPr lang="de-DE" sz="1600" dirty="0">
+              <a:solidFill>
+                <a:schemeClr val="bg1"/>
+              </a:solidFill>
+            </a:endParaRPr>
+          </a:p>
+        </p:txBody>
+      </p:sp>
+      <p:sp>
+        <p:nvSpPr>
+          <p:cNvPr id="82" name="Abgerundete rechteckige Legende 81"/>
+          <p:cNvSpPr/>
+          <p:nvPr/>
+        </p:nvSpPr>
+        <p:spPr>
+          <a:xfrm>
+            <a:off x="0" y="5967378"/>
+            <a:ext cx="3661154" cy="399787"/>
+          </a:xfrm>
+          <a:prstGeom prst="wedgeRoundRectCallout">
+            <a:avLst>
+              <a:gd name="adj1" fmla="val 61838"/>
+              <a:gd name="adj2" fmla="val -23136"/>
+              <a:gd name="adj3" fmla="val 16667"/>
+            </a:avLst>
+          </a:prstGeom>
+          <a:solidFill>
+            <a:schemeClr val="tx1"/>
+          </a:solidFill>
+          <a:ln>
+            <a:solidFill>
+              <a:schemeClr val="tx1"/>
+            </a:solidFill>
+          </a:ln>
+        </p:spPr>
+        <p:style>
+          <a:lnRef idx="1">
+            <a:schemeClr val="dk1"/>
+          </a:lnRef>
+          <a:fillRef idx="3">
+            <a:schemeClr val="dk1"/>
+          </a:fillRef>
+          <a:effectRef idx="2">
+            <a:schemeClr val="dk1"/>
+          </a:effectRef>
+          <a:fontRef idx="minor">
+            <a:schemeClr val="lt1"/>
+          </a:fontRef>
+        </p:style>
+        <p:txBody>
+          <a:bodyPr anchor="ctr"/>
+          <a:lstStyle/>
+          <a:p>
+            <a:pPr>
+              <a:defRPr/>
+            </a:pPr>
+            <a:r>
+              <a:rPr lang="de-DE" sz="1600" dirty="0" smtClean="0">
+                <a:solidFill>
+                  <a:schemeClr val="bg1"/>
+                </a:solidFill>
+              </a:rPr>
+              <a:t>James </a:t>
+            </a:r>
+            <a:r>
+              <a:rPr lang="de-DE" sz="1600" dirty="0" err="1" smtClean="0">
+                <a:solidFill>
+                  <a:schemeClr val="bg1"/>
+                </a:solidFill>
+              </a:rPr>
+              <a:t>Gosling</a:t>
+            </a:r>
+            <a:r>
+              <a:rPr lang="de-DE" sz="1600" dirty="0" smtClean="0">
+                <a:solidFill>
+                  <a:schemeClr val="bg1"/>
+                </a:solidFill>
+              </a:rPr>
+              <a:t>, Bill Joy et al. @ SUN</a:t>
+            </a:r>
+            <a:endParaRPr lang="de-DE" sz="1600" dirty="0">
+              <a:solidFill>
+                <a:schemeClr val="bg1"/>
+              </a:solidFill>
+            </a:endParaRPr>
+          </a:p>
+        </p:txBody>
+      </p:sp>
+    </p:spTree>
+    <p:extLst>
+      <p:ext uri="{BB962C8B-B14F-4D97-AF65-F5344CB8AC3E}">
+        <p14:creationId xmlns:p14="http://schemas.microsoft.com/office/powerpoint/2010/main" val="1220814694"/>
+      </p:ext>
+    </p:extLst>
+  </p:cSld>
+  <p:clrMapOvr>
+    <a:masterClrMapping/>
+  </p:clrMapOvr>
+  <p:transition/>
+  <p:timing>
+    <p:tnLst>
+      <p:par>
+        <p:cTn id="1" dur="indefinite" restart="never" nodeType="tmRoot">
+          <p:childTnLst>
+            <p:seq concurrent="1" nextAc="seek">
+              <p:cTn id="2" dur="indefinite" nodeType="mainSeq">
+                <p:childTnLst>
+                  <p:par>
+                    <p:cTn id="3" fill="hold">
+                      <p:stCondLst>
+                        <p:cond delay="indefinite"/>
+                      </p:stCondLst>
+                      <p:childTnLst>
+                        <p:par>
+                          <p:cTn id="4" fill="hold">
+                            <p:stCondLst>
+                              <p:cond delay="0"/>
+                            </p:stCondLst>
+                            <p:childTnLst>
+                              <p:par>
+                                <p:cTn id="5" presetID="10" presetClass="entr" presetSubtype="0" fill="hold" grpId="0" nodeType="clickEffect">
+                                  <p:stCondLst>
+                                    <p:cond delay="0"/>
+                                  </p:stCondLst>
+                                  <p:childTnLst>
+                                    <p:set>
+                                      <p:cBhvr>
+                                        <p:cTn id="6" dur="1" fill="hold">
+                                          <p:stCondLst>
+                                            <p:cond delay="0"/>
+                                          </p:stCondLst>
+                                        </p:cTn>
+                                        <p:tgtEl>
+                                          <p:spTgt spid="71"/>
+                                        </p:tgtEl>
+                                        <p:attrNameLst>
+                                          <p:attrName>style.visibility</p:attrName>
+                                        </p:attrNameLst>
+                                      </p:cBhvr>
+                                      <p:to>
+                                        <p:strVal val="visible"/>
+                                      </p:to>
+                                    </p:set>
+                                    <p:animEffect transition="in" filter="fade">
+                                      <p:cBhvr>
+                                        <p:cTn id="7" dur="500"/>
+                                        <p:tgtEl>
+                                          <p:spTgt spid="71"/>
+                                        </p:tgtEl>
+                                      </p:cBhvr>
+                                    </p:animEffect>
+                                  </p:childTnLst>
+                                </p:cTn>
+                              </p:par>
+                            </p:childTnLst>
+                          </p:cTn>
+                        </p:par>
+                      </p:childTnLst>
+                    </p:cTn>
+                  </p:par>
+                  <p:par>
+                    <p:cTn id="8" fill="hold">
+                      <p:stCondLst>
+                        <p:cond delay="indefinite"/>
+                      </p:stCondLst>
+                      <p:childTnLst>
+                        <p:par>
+                          <p:cTn id="9" fill="hold">
+                            <p:stCondLst>
+                              <p:cond delay="0"/>
+                            </p:stCondLst>
+                            <p:childTnLst>
+                              <p:par>
+                                <p:cTn id="10" presetID="10" presetClass="entr" presetSubtype="0" fill="hold" grpId="0" nodeType="clickEffect">
+                                  <p:stCondLst>
+                                    <p:cond delay="0"/>
+                                  </p:stCondLst>
+                                  <p:childTnLst>
+                                    <p:set>
+                                      <p:cBhvr>
+                                        <p:cTn id="11" dur="1" fill="hold">
+                                          <p:stCondLst>
+                                            <p:cond delay="0"/>
+                                          </p:stCondLst>
+                                        </p:cTn>
+                                        <p:tgtEl>
+                                          <p:spTgt spid="72"/>
+                                        </p:tgtEl>
+                                        <p:attrNameLst>
+                                          <p:attrName>style.visibility</p:attrName>
+                                        </p:attrNameLst>
+                                      </p:cBhvr>
+                                      <p:to>
+                                        <p:strVal val="visible"/>
+                                      </p:to>
+                                    </p:set>
+                                    <p:animEffect transition="in" filter="fade">
+                                      <p:cBhvr>
+                                        <p:cTn id="12" dur="500"/>
+                                        <p:tgtEl>
+                                          <p:spTgt spid="72"/>
+                                        </p:tgtEl>
+                                      </p:cBhvr>
+                                    </p:animEffect>
+                                  </p:childTnLst>
+                                </p:cTn>
+                              </p:par>
+                            </p:childTnLst>
+                          </p:cTn>
+                        </p:par>
+                      </p:childTnLst>
+                    </p:cTn>
+                  </p:par>
+                  <p:par>
+                    <p:cTn id="13" fill="hold">
+                      <p:stCondLst>
+                        <p:cond delay="indefinite"/>
+                      </p:stCondLst>
+                      <p:childTnLst>
+                        <p:par>
+                          <p:cTn id="14" fill="hold">
+                            <p:stCondLst>
+                              <p:cond delay="0"/>
+                            </p:stCondLst>
+                            <p:childTnLst>
+                              <p:par>
+                                <p:cTn id="15" presetID="10" presetClass="entr" presetSubtype="0" fill="hold" grpId="0" nodeType="clickEffect">
+                                  <p:stCondLst>
+                                    <p:cond delay="0"/>
+                                  </p:stCondLst>
+                                  <p:childTnLst>
+                                    <p:set>
+                                      <p:cBhvr>
+                                        <p:cTn id="16" dur="1" fill="hold">
+                                          <p:stCondLst>
+                                            <p:cond delay="0"/>
+                                          </p:stCondLst>
+                                        </p:cTn>
+                                        <p:tgtEl>
+                                          <p:spTgt spid="74"/>
+                                        </p:tgtEl>
+                                        <p:attrNameLst>
+                                          <p:attrName>style.visibility</p:attrName>
+                                        </p:attrNameLst>
+                                      </p:cBhvr>
+                                      <p:to>
+                                        <p:strVal val="visible"/>
+                                      </p:to>
+                                    </p:set>
+                                    <p:animEffect transition="in" filter="fade">
+                                      <p:cBhvr>
+                                        <p:cTn id="17" dur="500"/>
+                                        <p:tgtEl>
+                                          <p:spTgt spid="74"/>
+                                        </p:tgtEl>
+                                      </p:cBhvr>
+                                    </p:animEffect>
+                                  </p:childTnLst>
+                                </p:cTn>
+                              </p:par>
+                            </p:childTnLst>
+                          </p:cTn>
+                        </p:par>
+                      </p:childTnLst>
+                    </p:cTn>
+                  </p:par>
+                  <p:par>
+                    <p:cTn id="18" fill="hold">
+                      <p:stCondLst>
+                        <p:cond delay="indefinite"/>
+                      </p:stCondLst>
+                      <p:childTnLst>
+                        <p:par>
+                          <p:cTn id="19" fill="hold">
+                            <p:stCondLst>
+                              <p:cond delay="0"/>
+                            </p:stCondLst>
+                            <p:childTnLst>
+                              <p:par>
+                                <p:cTn id="20" presetID="10" presetClass="entr" presetSubtype="0" fill="hold" grpId="0" nodeType="clickEffect">
+                                  <p:stCondLst>
+                                    <p:cond delay="0"/>
+                                  </p:stCondLst>
+                                  <p:childTnLst>
+                                    <p:set>
+                                      <p:cBhvr>
+                                        <p:cTn id="21" dur="1" fill="hold">
+                                          <p:stCondLst>
+                                            <p:cond delay="0"/>
+                                          </p:stCondLst>
+                                        </p:cTn>
+                                        <p:tgtEl>
+                                          <p:spTgt spid="81"/>
+                                        </p:tgtEl>
+                                        <p:attrNameLst>
+                                          <p:attrName>style.visibility</p:attrName>
+                                        </p:attrNameLst>
+                                      </p:cBhvr>
+                                      <p:to>
+                                        <p:strVal val="visible"/>
+                                      </p:to>
+                                    </p:set>
+                                    <p:animEffect transition="in" filter="fade">
+                                      <p:cBhvr>
+                                        <p:cTn id="22" dur="500"/>
+                                        <p:tgtEl>
+                                          <p:spTgt spid="81"/>
+                                        </p:tgtEl>
+                                      </p:cBhvr>
+                                    </p:animEffect>
+                                  </p:childTnLst>
+                                </p:cTn>
+                              </p:par>
+                            </p:childTnLst>
+                          </p:cTn>
+                        </p:par>
+                      </p:childTnLst>
+                    </p:cTn>
+                  </p:par>
+                  <p:par>
+                    <p:cTn id="23" fill="hold">
+                      <p:stCondLst>
+                        <p:cond delay="indefinite"/>
+                      </p:stCondLst>
+                      <p:childTnLst>
+                        <p:par>
+                          <p:cTn id="24" fill="hold">
+                            <p:stCondLst>
+                              <p:cond delay="0"/>
+                            </p:stCondLst>
+                            <p:childTnLst>
+                              <p:par>
+                                <p:cTn id="25" presetID="10" presetClass="entr" presetSubtype="0" fill="hold" grpId="0" nodeType="clickEffect">
+                                  <p:stCondLst>
+                                    <p:cond delay="0"/>
+                                  </p:stCondLst>
+                                  <p:childTnLst>
+                                    <p:set>
+                                      <p:cBhvr>
+                                        <p:cTn id="26" dur="1" fill="hold">
+                                          <p:stCondLst>
+                                            <p:cond delay="0"/>
+                                          </p:stCondLst>
+                                        </p:cTn>
+                                        <p:tgtEl>
+                                          <p:spTgt spid="82"/>
+                                        </p:tgtEl>
+                                        <p:attrNameLst>
+                                          <p:attrName>style.visibility</p:attrName>
+                                        </p:attrNameLst>
+                                      </p:cBhvr>
+                                      <p:to>
+                                        <p:strVal val="visible"/>
+                                      </p:to>
+                                    </p:set>
+                                    <p:animEffect transition="in" filter="fade">
+                                      <p:cBhvr>
+                                        <p:cTn id="27" dur="500"/>
+                                        <p:tgtEl>
+                                          <p:spTgt spid="82"/>
+                                        </p:tgtEl>
+                                      </p:cBhvr>
+                                    </p:animEffect>
+                                  </p:childTnLst>
+                                </p:cTn>
+                              </p:par>
+                            </p:childTnLst>
+                          </p:cTn>
+                        </p:par>
+                      </p:childTnLst>
+                    </p:cTn>
+                  </p:par>
+                </p:childTnLst>
+              </p:cTn>
+              <p:prevCondLst>
+                <p:cond evt="onPrev" delay="0">
+                  <p:tgtEl>
+                    <p:sldTgt/>
+                  </p:tgtEl>
+                </p:cond>
+              </p:prevCondLst>
+              <p:nextCondLst>
+                <p:cond evt="onNext" delay="0">
+                  <p:tgtEl>
+                    <p:sldTgt/>
+                  </p:tgtEl>
+                </p:cond>
+              </p:nextCondLst>
+            </p:seq>
+          </p:childTnLst>
+        </p:cTn>
+      </p:par>
+    </p:tnLst>
+    <p:bldLst>
+      <p:bldP spid="71" grpId="0" animBg="1"/>
+      <p:bldP spid="72" grpId="0" animBg="1"/>
+      <p:bldP spid="74" grpId="0" animBg="1"/>
+      <p:bldP spid="81" grpId="0" animBg="1"/>
+      <p:bldP spid="82" grpId="0" animBg="1"/>
+    </p:bldLst>
+  </p:timing>
+</p:sld>
+</file>
+
+<file path=ppt/slides/slide11.xml><?xml version="1.0" encoding="utf-8"?>
+<p:sld xmlns:a="http://schemas.openxmlformats.org/drawingml/2006/main" xmlns:r="http://schemas.openxmlformats.org/officeDocument/2006/relationships" xmlns:p="http://schemas.openxmlformats.org/presentationml/2006/main">
+  <p:cSld>
+    <p:spTree>
+      <p:nvGrpSpPr>
+        <p:cNvPr id="1" name=""/>
+        <p:cNvGrpSpPr/>
+        <p:nvPr/>
+      </p:nvGrpSpPr>
+      <p:grpSpPr>
+        <a:xfrm>
+          <a:off x="0" y="0"/>
+          <a:ext cx="0" cy="0"/>
+          <a:chOff x="0" y="0"/>
+          <a:chExt cx="0" cy="0"/>
+        </a:xfrm>
+      </p:grpSpPr>
+      <p:pic>
+        <p:nvPicPr>
+          <p:cNvPr id="14338" name="Picture 8"/>
+          <p:cNvPicPr>
+            <a:picLocks noChangeAspect="1" noChangeArrowheads="1"/>
+          </p:cNvPicPr>
+          <p:nvPr/>
+        </p:nvPicPr>
+        <p:blipFill>
+          <a:blip r:embed="rId2">
+            <a:extLst>
+              <a:ext uri="{28A0092B-C50C-407E-A947-70E740481C1C}">
+                <a14:useLocalDpi xmlns:a14="http://schemas.microsoft.com/office/drawing/2010/main" val="0"/>
+              </a:ext>
+            </a:extLst>
+          </a:blip>
+          <a:srcRect/>
+          <a:stretch>
+            <a:fillRect/>
+          </a:stretch>
+        </p:blipFill>
+        <p:spPr bwMode="auto">
+          <a:xfrm>
+            <a:off x="225425" y="1557338"/>
+            <a:ext cx="7524750" cy="4624387"/>
+          </a:xfrm>
+          <a:prstGeom prst="rect">
+            <a:avLst/>
+          </a:prstGeom>
+          <a:noFill/>
+          <a:ln>
+            <a:noFill/>
+          </a:ln>
+          <a:extLst>
+            <a:ext uri="{909E8E84-426E-40DD-AFC4-6F175D3DCCD1}">
+              <a14:hiddenFill xmlns:a14="http://schemas.microsoft.com/office/drawing/2010/main">
+                <a:solidFill>
+                  <a:schemeClr val="accent1"/>
+                </a:solidFill>
+              </a14:hiddenFill>
+            </a:ext>
+            <a:ext uri="{91240B29-F687-4F45-9708-019B960494DF}">
+              <a14:hiddenLine xmlns:a14="http://schemas.microsoft.com/office/drawing/2010/main" w="9525" algn="ctr">
+                <a:solidFill>
+                  <a:schemeClr val="tx1"/>
+                </a:solidFill>
+                <a:miter lim="800000"/>
+                <a:headEnd/>
+                <a:tailEnd/>
+              </a14:hiddenLine>
+            </a:ext>
+          </a:extLst>
+        </p:spPr>
+      </p:pic>
+      <p:sp>
+        <p:nvSpPr>
+          <p:cNvPr id="14339" name="Titel 1"/>
+          <p:cNvSpPr>
+            <a:spLocks noGrp="1"/>
+          </p:cNvSpPr>
+          <p:nvPr>
+            <p:ph type="title"/>
+          </p:nvPr>
+        </p:nvSpPr>
+        <p:spPr/>
+        <p:txBody>
+          <a:bodyPr/>
+          <a:lstStyle/>
+          <a:p>
+            <a:r>
+              <a:rPr lang="de-DE" altLang="de-DE" smtClean="0">
+                <a:ea typeface="ＭＳ Ｐゴシック" pitchFamily="34" charset="-128"/>
+              </a:rPr>
+              <a:t>Wie wichtig sind C/C++?</a:t>
+            </a:r>
+          </a:p>
+        </p:txBody>
+      </p:sp>
+      <p:sp>
+        <p:nvSpPr>
+          <p:cNvPr id="14340" name="Rectangle 45"/>
+          <p:cNvSpPr>
+            <a:spLocks noChangeArrowheads="1"/>
+          </p:cNvSpPr>
+          <p:nvPr/>
+        </p:nvSpPr>
+        <p:spPr bwMode="auto">
+          <a:xfrm>
+            <a:off x="2001838" y="1419225"/>
+            <a:ext cx="9144000" cy="0"/>
+          </a:xfrm>
+          <a:prstGeom prst="rect">
+            <a:avLst/>
+          </a:prstGeom>
+          <a:noFill/>
+          <a:ln>
+            <a:noFill/>
+          </a:ln>
+          <a:effectLst/>
+          <a:extLst>
+            <a:ext uri="{909E8E84-426E-40DD-AFC4-6F175D3DCCD1}">
+              <a14:hiddenFill xmlns:a14="http://schemas.microsoft.com/office/drawing/2010/main">
+                <a:solidFill>
+                  <a:schemeClr val="accent1"/>
+                </a:solidFill>
+              </a14:hiddenFill>
+            </a:ext>
+            <a:ext uri="{91240B29-F687-4F45-9708-019B960494DF}">
+              <a14:hiddenLine xmlns:a14="http://schemas.microsoft.com/office/drawing/2010/main" w="9525" algn="ctr">
+                <a:solidFill>
+                  <a:schemeClr val="tx1"/>
+                </a:solidFill>
+                <a:miter lim="800000"/>
+                <a:headEnd/>
+                <a:tailEnd/>
+              </a14:hiddenLine>
+            </a:ext>
+            <a:ext uri="{AF507438-7753-43E0-B8FC-AC1667EBCBE1}">
+              <a14:hiddenEffects xmlns:a14="http://schemas.microsoft.com/office/drawing/2010/main">
+                <a:effectLst>
+                  <a:outerShdw dist="35921" dir="2700000" algn="ctr" rotWithShape="0">
+                    <a:schemeClr val="bg2"/>
+                  </a:outerShdw>
+                </a:effectLst>
+              </a14:hiddenEffects>
+            </a:ext>
+          </a:extLst>
+        </p:spPr>
+        <p:txBody>
+          <a:bodyPr wrap="none" anchor="ctr">
+            <a:spAutoFit/>
+          </a:bodyPr>
+          <a:lstStyle>
+            <a:lvl1pPr algn="l" eaLnBrk="0" hangingPunct="0">
+              <a:spcBef>
+                <a:spcPct val="20000"/>
+              </a:spcBef>
+              <a:buFont typeface="Wingdings" pitchFamily="2" charset="2"/>
+              <a:defRPr sz="2000">
+                <a:solidFill>
+                  <a:schemeClr val="tx1"/>
+                </a:solidFill>
+                <a:latin typeface="Arial" charset="0"/>
+                <a:ea typeface="ＭＳ Ｐゴシック" pitchFamily="34" charset="-128"/>
+              </a:defRPr>
+            </a:lvl1pPr>
+            <a:lvl2pPr marL="742950" indent="-285750" algn="l" eaLnBrk="0" hangingPunct="0">
+              <a:spcBef>
+                <a:spcPct val="20000"/>
+              </a:spcBef>
+              <a:buFont typeface="Wingdings" pitchFamily="2" charset="2"/>
+              <a:buChar char="§"/>
+              <a:defRPr>
+                <a:solidFill>
+                  <a:schemeClr val="tx1"/>
+                </a:solidFill>
+                <a:latin typeface="Arial" charset="0"/>
+                <a:ea typeface="ＭＳ Ｐゴシック" pitchFamily="34" charset="-128"/>
+              </a:defRPr>
+            </a:lvl2pPr>
+            <a:lvl3pPr marL="1143000" indent="-228600" algn="l" eaLnBrk="0" hangingPunct="0">
+              <a:spcBef>
+                <a:spcPct val="20000"/>
+              </a:spcBef>
+              <a:buFont typeface="Wingdings" pitchFamily="2" charset="2"/>
+              <a:buChar char="§"/>
+              <a:defRPr>
+                <a:solidFill>
+                  <a:schemeClr val="tx1"/>
+                </a:solidFill>
+                <a:latin typeface="Arial" charset="0"/>
+                <a:ea typeface="ＭＳ Ｐゴシック" pitchFamily="34" charset="-128"/>
+              </a:defRPr>
+            </a:lvl3pPr>
+            <a:lvl4pPr marL="1600200" indent="-228600" algn="l" eaLnBrk="0" hangingPunct="0">
+              <a:spcBef>
+                <a:spcPct val="20000"/>
+              </a:spcBef>
+              <a:buFont typeface="Wingdings" pitchFamily="2" charset="2"/>
+              <a:buChar char="§"/>
+              <a:defRPr sz="1600">
+                <a:solidFill>
+                  <a:schemeClr val="tx1"/>
+                </a:solidFill>
+                <a:latin typeface="Arial" charset="0"/>
+                <a:ea typeface="ＭＳ Ｐゴシック" pitchFamily="34" charset="-128"/>
+              </a:defRPr>
+            </a:lvl4pPr>
+            <a:lvl5pPr marL="2057400" indent="-228600" algn="l" eaLnBrk="0" hangingPunct="0">
+              <a:spcBef>
+                <a:spcPct val="20000"/>
+              </a:spcBef>
+              <a:buFont typeface="Wingdings" pitchFamily="2" charset="2"/>
+              <a:buChar char="§"/>
+              <a:defRPr sz="1600">
+                <a:solidFill>
+                  <a:schemeClr val="tx1"/>
+                </a:solidFill>
+                <a:latin typeface="Arial" charset="0"/>
+                <a:ea typeface="ＭＳ Ｐゴシック" pitchFamily="34" charset="-128"/>
+              </a:defRPr>
+            </a:lvl5pPr>
+            <a:lvl6pPr marL="2514600" indent="-228600" defTabSz="449263" eaLnBrk="0" fontAlgn="base" hangingPunct="0">
+              <a:spcBef>
+                <a:spcPct val="20000"/>
+              </a:spcBef>
+              <a:spcAft>
+                <a:spcPct val="0"/>
+              </a:spcAft>
+              <a:buFont typeface="Wingdings" pitchFamily="2" charset="2"/>
+              <a:buChar char="§"/>
+              <a:defRPr sz="1600">
+                <a:solidFill>
+                  <a:schemeClr val="tx1"/>
+                </a:solidFill>
+                <a:latin typeface="Arial" charset="0"/>
+                <a:ea typeface="ＭＳ Ｐゴシック" pitchFamily="34" charset="-128"/>
+              </a:defRPr>
+            </a:lvl6pPr>
+            <a:lvl7pPr marL="2971800" indent="-228600" defTabSz="449263" eaLnBrk="0" fontAlgn="base" hangingPunct="0">
+              <a:spcBef>
+                <a:spcPct val="20000"/>
+              </a:spcBef>
+              <a:spcAft>
+                <a:spcPct val="0"/>
+              </a:spcAft>
+              <a:buFont typeface="Wingdings" pitchFamily="2" charset="2"/>
+              <a:buChar char="§"/>
+              <a:defRPr sz="1600">
+                <a:solidFill>
+                  <a:schemeClr val="tx1"/>
+                </a:solidFill>
+                <a:latin typeface="Arial" charset="0"/>
+                <a:ea typeface="ＭＳ Ｐゴシック" pitchFamily="34" charset="-128"/>
+              </a:defRPr>
+            </a:lvl7pPr>
+            <a:lvl8pPr marL="3429000" indent="-228600" defTabSz="449263" eaLnBrk="0" fontAlgn="base" hangingPunct="0">
+              <a:spcBef>
+                <a:spcPct val="20000"/>
+              </a:spcBef>
+              <a:spcAft>
+                <a:spcPct val="0"/>
+              </a:spcAft>
+              <a:buFont typeface="Wingdings" pitchFamily="2" charset="2"/>
+              <a:buChar char="§"/>
+              <a:defRPr sz="1600">
+                <a:solidFill>
+                  <a:schemeClr val="tx1"/>
+                </a:solidFill>
+                <a:latin typeface="Arial" charset="0"/>
+                <a:ea typeface="ＭＳ Ｐゴシック" pitchFamily="34" charset="-128"/>
+              </a:defRPr>
+            </a:lvl8pPr>
+            <a:lvl9pPr marL="3886200" indent="-228600" defTabSz="449263" eaLnBrk="0" fontAlgn="base" hangingPunct="0">
+              <a:spcBef>
+                <a:spcPct val="20000"/>
+              </a:spcBef>
+              <a:spcAft>
+                <a:spcPct val="0"/>
+              </a:spcAft>
+              <a:buFont typeface="Wingdings" pitchFamily="2" charset="2"/>
+              <a:buChar char="§"/>
+              <a:defRPr sz="1600">
+                <a:solidFill>
+                  <a:schemeClr val="tx1"/>
+                </a:solidFill>
+                <a:latin typeface="Arial" charset="0"/>
+                <a:ea typeface="ＭＳ Ｐゴシック" pitchFamily="34" charset="-128"/>
+              </a:defRPr>
+            </a:lvl9pPr>
+          </a:lstStyle>
+          <a:p>
+            <a:pPr algn="ctr">
+              <a:spcBef>
+                <a:spcPct val="0"/>
+              </a:spcBef>
+              <a:buSzTx/>
+              <a:buFont typeface="Arial" charset="0"/>
+              <a:buNone/>
+            </a:pPr>
+            <a:r>
+              <a:rPr lang="en-US" altLang="de-DE" sz="1800"/>
+              <a:t/>
+            </a:r>
+            <a:br>
+              <a:rPr lang="en-US" altLang="de-DE" sz="1800"/>
+            </a:br>
+            <a:endParaRPr lang="en-US" altLang="de-DE" sz="1800"/>
+          </a:p>
+        </p:txBody>
+      </p:sp>
+      <p:sp>
+        <p:nvSpPr>
+          <p:cNvPr id="50" name="Abgerundete rechteckige Legende 49"/>
+          <p:cNvSpPr/>
+          <p:nvPr/>
+        </p:nvSpPr>
+        <p:spPr>
+          <a:xfrm>
+            <a:off x="5940425" y="1989138"/>
+            <a:ext cx="2016125" cy="720725"/>
+          </a:xfrm>
+          <a:prstGeom prst="wedgeRoundRectCallout">
+            <a:avLst>
+              <a:gd name="adj1" fmla="val -82398"/>
+              <a:gd name="adj2" fmla="val 171812"/>
+              <a:gd name="adj3" fmla="val 16667"/>
+            </a:avLst>
+          </a:prstGeom>
+          <a:solidFill>
+            <a:schemeClr val="tx1"/>
+          </a:solidFill>
+          <a:ln/>
+        </p:spPr>
+        <p:style>
+          <a:lnRef idx="1">
+            <a:schemeClr val="dk1"/>
+          </a:lnRef>
+          <a:fillRef idx="3">
+            <a:schemeClr val="dk1"/>
+          </a:fillRef>
+          <a:effectRef idx="2">
+            <a:schemeClr val="dk1"/>
+          </a:effectRef>
+          <a:fontRef idx="minor">
+            <a:schemeClr val="lt1"/>
+          </a:fontRef>
+        </p:style>
+        <p:txBody>
+          <a:bodyPr anchor="ctr"/>
+          <a:lstStyle/>
+          <a:p>
+            <a:pPr>
+              <a:defRPr/>
+            </a:pPr>
+            <a:r>
+              <a:rPr lang="de-DE" dirty="0">
+                <a:solidFill>
+                  <a:schemeClr val="bg1"/>
+                </a:solidFill>
+              </a:rPr>
+              <a:t>C war und ist sehr beliebt.</a:t>
+            </a:r>
+          </a:p>
+        </p:txBody>
+      </p:sp>
+      <p:sp>
+        <p:nvSpPr>
+          <p:cNvPr id="14342" name="Rechteck 4"/>
+          <p:cNvSpPr>
+            <a:spLocks noChangeArrowheads="1"/>
+          </p:cNvSpPr>
+          <p:nvPr/>
+        </p:nvSpPr>
+        <p:spPr bwMode="auto">
+          <a:xfrm>
+            <a:off x="4067175" y="6219825"/>
+            <a:ext cx="4572000" cy="234950"/>
+          </a:xfrm>
+          <a:prstGeom prst="rect">
+            <a:avLst/>
+          </a:prstGeom>
+          <a:noFill/>
+          <a:ln>
+            <a:noFill/>
+          </a:ln>
+          <a:extLst>
+            <a:ext uri="{909E8E84-426E-40DD-AFC4-6F175D3DCCD1}">
+              <a14:hiddenFill xmlns:a14="http://schemas.microsoft.com/office/drawing/2010/main">
+                <a:solidFill>
+                  <a:srgbClr val="FFFFFF"/>
+                </a:solidFill>
+              </a14:hiddenFill>
+            </a:ext>
+            <a:ext uri="{91240B29-F687-4F45-9708-019B960494DF}">
+              <a14:hiddenLine xmlns:a14="http://schemas.microsoft.com/office/drawing/2010/main" w="9525">
+                <a:solidFill>
+                  <a:srgbClr val="000000"/>
+                </a:solidFill>
+                <a:miter lim="800000"/>
+                <a:headEnd/>
+                <a:tailEnd/>
+              </a14:hiddenLine>
+            </a:ext>
+          </a:extLst>
+        </p:spPr>
+        <p:txBody>
+          <a:bodyPr>
+            <a:spAutoFit/>
+          </a:bodyPr>
+          <a:lstStyle>
+            <a:lvl1pPr algn="l" eaLnBrk="0" hangingPunct="0">
+              <a:spcBef>
+                <a:spcPct val="20000"/>
+              </a:spcBef>
+              <a:buFont typeface="Wingdings" pitchFamily="2" charset="2"/>
+              <a:defRPr sz="2000">
+                <a:solidFill>
+                  <a:schemeClr val="tx1"/>
+                </a:solidFill>
+                <a:latin typeface="Arial" charset="0"/>
+                <a:ea typeface="ＭＳ Ｐゴシック" pitchFamily="34" charset="-128"/>
+              </a:defRPr>
+            </a:lvl1pPr>
+            <a:lvl2pPr marL="742950" indent="-285750" algn="l" eaLnBrk="0" hangingPunct="0">
+              <a:spcBef>
+                <a:spcPct val="20000"/>
+              </a:spcBef>
+              <a:buFont typeface="Wingdings" pitchFamily="2" charset="2"/>
+              <a:buChar char="§"/>
+              <a:defRPr>
+                <a:solidFill>
+                  <a:schemeClr val="tx1"/>
+                </a:solidFill>
+                <a:latin typeface="Arial" charset="0"/>
+                <a:ea typeface="ＭＳ Ｐゴシック" pitchFamily="34" charset="-128"/>
+              </a:defRPr>
+            </a:lvl2pPr>
+            <a:lvl3pPr marL="1143000" indent="-228600" algn="l" eaLnBrk="0" hangingPunct="0">
+              <a:spcBef>
+                <a:spcPct val="20000"/>
+              </a:spcBef>
+              <a:buFont typeface="Wingdings" pitchFamily="2" charset="2"/>
+              <a:buChar char="§"/>
+              <a:defRPr>
+                <a:solidFill>
+                  <a:schemeClr val="tx1"/>
+                </a:solidFill>
+                <a:latin typeface="Arial" charset="0"/>
+                <a:ea typeface="ＭＳ Ｐゴシック" pitchFamily="34" charset="-128"/>
+              </a:defRPr>
+            </a:lvl3pPr>
+            <a:lvl4pPr marL="1600200" indent="-228600" algn="l" eaLnBrk="0" hangingPunct="0">
+              <a:spcBef>
+                <a:spcPct val="20000"/>
+              </a:spcBef>
+              <a:buFont typeface="Wingdings" pitchFamily="2" charset="2"/>
+              <a:buChar char="§"/>
+              <a:defRPr sz="1600">
+                <a:solidFill>
+                  <a:schemeClr val="tx1"/>
+                </a:solidFill>
+                <a:latin typeface="Arial" charset="0"/>
+                <a:ea typeface="ＭＳ Ｐゴシック" pitchFamily="34" charset="-128"/>
+              </a:defRPr>
+            </a:lvl4pPr>
+            <a:lvl5pPr marL="2057400" indent="-228600" algn="l" eaLnBrk="0" hangingPunct="0">
+              <a:spcBef>
+                <a:spcPct val="20000"/>
+              </a:spcBef>
+              <a:buFont typeface="Wingdings" pitchFamily="2" charset="2"/>
+              <a:buChar char="§"/>
+              <a:defRPr sz="1600">
+                <a:solidFill>
+                  <a:schemeClr val="tx1"/>
+                </a:solidFill>
+                <a:latin typeface="Arial" charset="0"/>
+                <a:ea typeface="ＭＳ Ｐゴシック" pitchFamily="34" charset="-128"/>
+              </a:defRPr>
+            </a:lvl5pPr>
+            <a:lvl6pPr marL="2514600" indent="-228600" defTabSz="449263" eaLnBrk="0" fontAlgn="base" hangingPunct="0">
+              <a:spcBef>
+                <a:spcPct val="20000"/>
+              </a:spcBef>
+              <a:spcAft>
+                <a:spcPct val="0"/>
+              </a:spcAft>
+              <a:buFont typeface="Wingdings" pitchFamily="2" charset="2"/>
+              <a:buChar char="§"/>
+              <a:defRPr sz="1600">
+                <a:solidFill>
+                  <a:schemeClr val="tx1"/>
+                </a:solidFill>
+                <a:latin typeface="Arial" charset="0"/>
+                <a:ea typeface="ＭＳ Ｐゴシック" pitchFamily="34" charset="-128"/>
+              </a:defRPr>
+            </a:lvl6pPr>
+            <a:lvl7pPr marL="2971800" indent="-228600" defTabSz="449263" eaLnBrk="0" fontAlgn="base" hangingPunct="0">
+              <a:spcBef>
+                <a:spcPct val="20000"/>
+              </a:spcBef>
+              <a:spcAft>
+                <a:spcPct val="0"/>
+              </a:spcAft>
+              <a:buFont typeface="Wingdings" pitchFamily="2" charset="2"/>
+              <a:buChar char="§"/>
+              <a:defRPr sz="1600">
+                <a:solidFill>
+                  <a:schemeClr val="tx1"/>
+                </a:solidFill>
+                <a:latin typeface="Arial" charset="0"/>
+                <a:ea typeface="ＭＳ Ｐゴシック" pitchFamily="34" charset="-128"/>
+              </a:defRPr>
+            </a:lvl7pPr>
+            <a:lvl8pPr marL="3429000" indent="-228600" defTabSz="449263" eaLnBrk="0" fontAlgn="base" hangingPunct="0">
+              <a:spcBef>
+                <a:spcPct val="20000"/>
+              </a:spcBef>
+              <a:spcAft>
+                <a:spcPct val="0"/>
+              </a:spcAft>
+              <a:buFont typeface="Wingdings" pitchFamily="2" charset="2"/>
+              <a:buChar char="§"/>
+              <a:defRPr sz="1600">
+                <a:solidFill>
+                  <a:schemeClr val="tx1"/>
+                </a:solidFill>
+                <a:latin typeface="Arial" charset="0"/>
+                <a:ea typeface="ＭＳ Ｐゴシック" pitchFamily="34" charset="-128"/>
+              </a:defRPr>
+            </a:lvl8pPr>
+            <a:lvl9pPr marL="3886200" indent="-228600" defTabSz="449263" eaLnBrk="0" fontAlgn="base" hangingPunct="0">
+              <a:spcBef>
+                <a:spcPct val="20000"/>
+              </a:spcBef>
+              <a:spcAft>
+                <a:spcPct val="0"/>
+              </a:spcAft>
+              <a:buFont typeface="Wingdings" pitchFamily="2" charset="2"/>
+              <a:buChar char="§"/>
+              <a:defRPr sz="1600">
+                <a:solidFill>
+                  <a:schemeClr val="tx1"/>
+                </a:solidFill>
+                <a:latin typeface="Arial" charset="0"/>
+                <a:ea typeface="ＭＳ Ｐゴシック" pitchFamily="34" charset="-128"/>
+              </a:defRPr>
+            </a:lvl9pPr>
+          </a:lstStyle>
+          <a:p>
+            <a:pPr algn="ctr" eaLnBrk="1" hangingPunct="1">
+              <a:spcBef>
+                <a:spcPct val="0"/>
+              </a:spcBef>
+              <a:buSzTx/>
+              <a:buFont typeface="Arial" charset="0"/>
+              <a:buNone/>
+            </a:pPr>
+            <a:r>
+              <a:rPr lang="de-DE" altLang="de-DE" sz="1000">
+                <a:hlinkClick r:id="rId3"/>
+              </a:rPr>
+              <a:t>http://www.tiobe.com/index.php/content/paperinfo/tpci/index.html</a:t>
+            </a:r>
+            <a:endParaRPr lang="de-DE" altLang="de-DE" sz="1000"/>
+          </a:p>
+        </p:txBody>
+      </p:sp>
+      <p:sp>
+        <p:nvSpPr>
+          <p:cNvPr id="52" name="Abgerundete rechteckige Legende 51"/>
+          <p:cNvSpPr/>
+          <p:nvPr/>
+        </p:nvSpPr>
+        <p:spPr>
+          <a:xfrm>
+            <a:off x="6107113" y="5229225"/>
+            <a:ext cx="2635250" cy="720725"/>
+          </a:xfrm>
+          <a:prstGeom prst="wedgeRoundRectCallout">
+            <a:avLst>
+              <a:gd name="adj1" fmla="val -61137"/>
+              <a:gd name="adj2" fmla="val -81932"/>
+              <a:gd name="adj3" fmla="val 16667"/>
+            </a:avLst>
+          </a:prstGeom>
+          <a:solidFill>
+            <a:schemeClr val="tx1"/>
+          </a:solidFill>
+          <a:ln/>
+        </p:spPr>
+        <p:style>
+          <a:lnRef idx="1">
+            <a:schemeClr val="dk1"/>
+          </a:lnRef>
+          <a:fillRef idx="3">
+            <a:schemeClr val="dk1"/>
+          </a:fillRef>
+          <a:effectRef idx="2">
+            <a:schemeClr val="dk1"/>
+          </a:effectRef>
+          <a:fontRef idx="minor">
+            <a:schemeClr val="lt1"/>
+          </a:fontRef>
+        </p:style>
+        <p:txBody>
+          <a:bodyPr anchor="ctr"/>
+          <a:lstStyle/>
+          <a:p>
+            <a:pPr>
+              <a:defRPr/>
+            </a:pPr>
+            <a:r>
+              <a:rPr lang="de-DE" dirty="0">
+                <a:solidFill>
+                  <a:schemeClr val="bg1"/>
+                </a:solidFill>
+              </a:rPr>
+              <a:t>C++ = „C </a:t>
+            </a:r>
+            <a:r>
+              <a:rPr lang="de-DE" dirty="0" err="1">
+                <a:solidFill>
+                  <a:schemeClr val="bg1"/>
+                </a:solidFill>
+              </a:rPr>
+              <a:t>with</a:t>
+            </a:r>
+            <a:r>
+              <a:rPr lang="de-DE" dirty="0">
+                <a:solidFill>
+                  <a:schemeClr val="bg1"/>
+                </a:solidFill>
+              </a:rPr>
+              <a:t> </a:t>
+            </a:r>
+            <a:r>
+              <a:rPr lang="de-DE" dirty="0" err="1">
+                <a:solidFill>
+                  <a:schemeClr val="bg1"/>
+                </a:solidFill>
+              </a:rPr>
+              <a:t>objects</a:t>
+            </a:r>
+            <a:r>
+              <a:rPr lang="de-DE" dirty="0">
+                <a:solidFill>
+                  <a:schemeClr val="bg1"/>
+                </a:solidFill>
+              </a:rPr>
+              <a:t>“</a:t>
+            </a:r>
+          </a:p>
+        </p:txBody>
+      </p:sp>
+    </p:spTree>
+  </p:cSld>
+  <p:clrMapOvr>
+    <a:masterClrMapping/>
+  </p:clrMapOvr>
+  <p:transition/>
+  <p:timing>
+    <p:tnLst>
+      <p:par>
+        <p:cTn id="1" dur="indefinite" restart="never" nodeType="tmRoot">
+          <p:childTnLst>
+            <p:seq concurrent="1" nextAc="seek">
+              <p:cTn id="2" dur="indefinite" nodeType="mainSeq">
+                <p:childTnLst>
+                  <p:par>
+                    <p:cTn id="3" fill="hold" nodeType="clickPar">
+                      <p:stCondLst>
+                        <p:cond delay="indefinite"/>
+                      </p:stCondLst>
+                      <p:childTnLst>
+                        <p:par>
+                          <p:cTn id="4" fill="hold" nodeType="withGroup">
+                            <p:stCondLst>
+                              <p:cond delay="0"/>
+                            </p:stCondLst>
+                            <p:childTnLst>
+                              <p:par>
+                                <p:cTn id="5" presetID="10" presetClass="entr" presetSubtype="0" fill="hold" grpId="0" nodeType="clickEffect">
+                                  <p:stCondLst>
+                                    <p:cond delay="0"/>
+                                  </p:stCondLst>
+                                  <p:childTnLst>
+                                    <p:set>
+                                      <p:cBhvr>
+                                        <p:cTn id="6" dur="1" fill="hold">
+                                          <p:stCondLst>
+                                            <p:cond delay="0"/>
+                                          </p:stCondLst>
+                                        </p:cTn>
+                                        <p:tgtEl>
+                                          <p:spTgt spid="50"/>
+                                        </p:tgtEl>
+                                        <p:attrNameLst>
+                                          <p:attrName>style.visibility</p:attrName>
+                                        </p:attrNameLst>
+                                      </p:cBhvr>
+                                      <p:to>
+                                        <p:strVal val="visible"/>
+                                      </p:to>
+                                    </p:set>
+                                    <p:animEffect transition="in" filter="fade">
+                                      <p:cBhvr>
+                                        <p:cTn id="7" dur="500"/>
+                                        <p:tgtEl>
+                                          <p:spTgt spid="50"/>
+                                        </p:tgtEl>
+                                      </p:cBhvr>
+                                    </p:animEffect>
+                                  </p:childTnLst>
+                                </p:cTn>
+                              </p:par>
+                            </p:childTnLst>
+                          </p:cTn>
+                        </p:par>
+                      </p:childTnLst>
+                    </p:cTn>
+                  </p:par>
+                  <p:par>
+                    <p:cTn id="8" fill="hold" nodeType="clickPar">
+                      <p:stCondLst>
+                        <p:cond delay="indefinite"/>
+                      </p:stCondLst>
+                      <p:childTnLst>
+                        <p:par>
+                          <p:cTn id="9" fill="hold" nodeType="withGroup">
+                            <p:stCondLst>
+                              <p:cond delay="0"/>
+                            </p:stCondLst>
+                            <p:childTnLst>
+                              <p:par>
+                                <p:cTn id="10" presetID="10" presetClass="entr" presetSubtype="0" fill="hold" grpId="0" nodeType="clickEffect">
+                                  <p:stCondLst>
+                                    <p:cond delay="0"/>
+                                  </p:stCondLst>
+                                  <p:childTnLst>
+                                    <p:set>
+                                      <p:cBhvr>
+                                        <p:cTn id="11" dur="1" fill="hold">
+                                          <p:stCondLst>
+                                            <p:cond delay="0"/>
+                                          </p:stCondLst>
+                                        </p:cTn>
+                                        <p:tgtEl>
+                                          <p:spTgt spid="52"/>
+                                        </p:tgtEl>
+                                        <p:attrNameLst>
+                                          <p:attrName>style.visibility</p:attrName>
+                                        </p:attrNameLst>
+                                      </p:cBhvr>
+                                      <p:to>
+                                        <p:strVal val="visible"/>
+                                      </p:to>
+                                    </p:set>
+                                    <p:animEffect transition="in" filter="fade">
+                                      <p:cBhvr>
+                                        <p:cTn id="12" dur="500"/>
+                                        <p:tgtEl>
+                                          <p:spTgt spid="52"/>
+                                        </p:tgtEl>
+                                      </p:cBhvr>
+                                    </p:animEffect>
+                                  </p:childTnLst>
+                                </p:cTn>
+                              </p:par>
+                            </p:childTnLst>
+                          </p:cTn>
+                        </p:par>
+                      </p:childTnLst>
+                    </p:cTn>
+                  </p:par>
+                </p:childTnLst>
+              </p:cTn>
+              <p:prevCondLst>
+                <p:cond evt="onPrev" delay="0">
+                  <p:tgtEl>
+                    <p:sldTgt/>
+                  </p:tgtEl>
+                </p:cond>
+              </p:prevCondLst>
+              <p:nextCondLst>
+                <p:cond evt="onNext" delay="0">
+                  <p:tgtEl>
+                    <p:sldTgt/>
+                  </p:tgtEl>
+                </p:cond>
+              </p:nextCondLst>
+            </p:seq>
+          </p:childTnLst>
+        </p:cTn>
+      </p:par>
+    </p:tnLst>
+    <p:bldLst>
+      <p:bldP spid="50" grpId="0" animBg="1"/>
+      <p:bldP spid="52" grpId="0" animBg="1"/>
+    </p:bldLst>
+  </p:timing>
+</p:sld>
+</file>
+
+<file path=ppt/slides/slide12.xml><?xml version="1.0" encoding="utf-8"?>
+<p:sld xmlns:a="http://schemas.openxmlformats.org/drawingml/2006/main" xmlns:r="http://schemas.openxmlformats.org/officeDocument/2006/relationships" xmlns:p="http://schemas.openxmlformats.org/presentationml/2006/main">
+  <p:cSld>
+    <p:spTree>
+      <p:nvGrpSpPr>
+        <p:cNvPr id="1" name=""/>
+        <p:cNvGrpSpPr/>
+        <p:nvPr/>
+      </p:nvGrpSpPr>
+      <p:grpSpPr>
+        <a:xfrm>
+          <a:off x="0" y="0"/>
+          <a:ext cx="0" cy="0"/>
+          <a:chOff x="0" y="0"/>
+          <a:chExt cx="0" cy="0"/>
+        </a:xfrm>
+      </p:grpSpPr>
+      <p:sp>
+        <p:nvSpPr>
           <p:cNvPr id="15362" name="Titel 1"/>
           <p:cNvSpPr>
             <a:spLocks noGrp="1"/>
@@ -17584,7 +19407,7 @@
           <a:lstStyle/>
           <a:p>
             <a:r>
-              <a:rPr lang="de-DE" altLang="de-DE" smtClean="0">
+              <a:rPr lang="de-DE" altLang="de-DE" dirty="0" smtClean="0">
                 <a:ea typeface="ＭＳ Ｐゴシック" pitchFamily="34" charset="-128"/>
               </a:rPr>
               <a:t>Wie wichtig sind C/C++?</a:t>
@@ -17839,7 +19662,7 @@
               <a:buNone/>
             </a:pPr>
             <a:r>
-              <a:rPr lang="en-US" altLang="de-DE" sz="1800"/>
+              <a:rPr lang="en-US" altLang="de-DE" sz="1800" dirty="0"/>
               <a:t>The RedMonk Programming Language Rankings: June 2013</a:t>
             </a:r>
           </a:p>
@@ -18038,8 +19861,16 @@
               <a:buNone/>
             </a:pPr>
             <a:r>
-              <a:rPr lang="de-DE" altLang="de-DE" sz="1800"/>
-              <a:t>Stack Overflow (# of tags)</a:t>
+              <a:rPr lang="de-DE" altLang="de-DE" sz="1800" dirty="0"/>
+              <a:t>Stack Overflow (# </a:t>
+            </a:r>
+            <a:r>
+              <a:rPr lang="de-DE" altLang="de-DE" sz="1800" dirty="0" err="1"/>
+              <a:t>of</a:t>
+            </a:r>
+            <a:r>
+              <a:rPr lang="de-DE" altLang="de-DE" sz="1800" dirty="0"/>
+              <a:t> tags)</a:t>
             </a:r>
           </a:p>
         </p:txBody>
@@ -18469,13 +20300,20 @@
             </a:avLst>
           </a:prstGeom>
           <a:solidFill>
-            <a:schemeClr val="bg1"/>
+            <a:schemeClr val="tx1"/>
           </a:solidFill>
           <a:ln>
             <a:solidFill>
               <a:schemeClr val="tx1"/>
             </a:solidFill>
           </a:ln>
+          <a:effectLst>
+            <a:outerShdw blurRad="50800" dist="38100" dir="5400000" algn="t" rotWithShape="0">
+              <a:prstClr val="black">
+                <a:alpha val="40000"/>
+              </a:prstClr>
+            </a:outerShdw>
+          </a:effectLst>
         </p:spPr>
         <p:style>
           <a:lnRef idx="2">
@@ -18503,7 +20341,7 @@
             <a:r>
               <a:rPr lang="de-DE" dirty="0">
                 <a:solidFill>
-                  <a:schemeClr val="tx1"/>
+                  <a:schemeClr val="bg1"/>
                 </a:solidFill>
               </a:rPr>
               <a:t>Ähnliche Ergebnisse auch bei sehr unterschiedlichem Index</a:t>
@@ -18530,13 +20368,20 @@
             </a:avLst>
           </a:prstGeom>
           <a:solidFill>
-            <a:schemeClr val="bg1"/>
+            <a:schemeClr val="tx1"/>
           </a:solidFill>
           <a:ln>
             <a:solidFill>
               <a:schemeClr val="tx1"/>
             </a:solidFill>
           </a:ln>
+          <a:effectLst>
+            <a:outerShdw blurRad="50800" dist="38100" dir="5400000" algn="t" rotWithShape="0">
+              <a:prstClr val="black">
+                <a:alpha val="40000"/>
+              </a:prstClr>
+            </a:outerShdw>
+          </a:effectLst>
         </p:spPr>
         <p:style>
           <a:lnRef idx="2">
@@ -18564,7 +20409,7 @@
             <a:r>
               <a:rPr lang="de-DE" dirty="0">
                 <a:solidFill>
-                  <a:schemeClr val="tx1"/>
+                  <a:schemeClr val="bg1"/>
                 </a:solidFill>
               </a:rPr>
               <a:t>Rankings sind weder wirklich wissenschaftlich noch branchenspezifisch</a:t>
@@ -19136,26 +20981,17 @@
               <a:gd name="adj3" fmla="val 16667"/>
             </a:avLst>
           </a:prstGeom>
-          <a:solidFill>
-            <a:schemeClr val="bg1"/>
-          </a:solidFill>
-          <a:ln>
-            <a:solidFill>
-              <a:schemeClr val="tx1"/>
-            </a:solidFill>
-          </a:ln>
+          <a:ln/>
         </p:spPr>
         <p:style>
-          <a:lnRef idx="2">
-            <a:schemeClr val="accent1">
-              <a:shade val="50000"/>
-            </a:schemeClr>
+          <a:lnRef idx="1">
+            <a:schemeClr val="dk1"/>
           </a:lnRef>
-          <a:fillRef idx="1">
-            <a:schemeClr val="accent1"/>
+          <a:fillRef idx="3">
+            <a:schemeClr val="dk1"/>
           </a:fillRef>
-          <a:effectRef idx="0">
-            <a:schemeClr val="accent1"/>
+          <a:effectRef idx="2">
+            <a:schemeClr val="dk1"/>
           </a:effectRef>
           <a:fontRef idx="minor">
             <a:schemeClr val="lt1"/>
@@ -19171,7 +21007,7 @@
             <a:r>
               <a:rPr lang="de-DE" dirty="0">
                 <a:solidFill>
-                  <a:schemeClr val="tx1"/>
+                  <a:schemeClr val="bg1"/>
                 </a:solidFill>
               </a:rPr>
               <a:t>Polymorphie, Vererbung, Objekte, Klassen, Methoden</a:t>
@@ -19197,26 +21033,17 @@
               <a:gd name="adj3" fmla="val 16667"/>
             </a:avLst>
           </a:prstGeom>
-          <a:solidFill>
-            <a:schemeClr val="bg1"/>
-          </a:solidFill>
-          <a:ln>
-            <a:solidFill>
-              <a:schemeClr val="tx1"/>
-            </a:solidFill>
-          </a:ln>
+          <a:ln/>
         </p:spPr>
         <p:style>
-          <a:lnRef idx="2">
-            <a:schemeClr val="accent1">
-              <a:shade val="50000"/>
-            </a:schemeClr>
+          <a:lnRef idx="1">
+            <a:schemeClr val="dk1"/>
           </a:lnRef>
-          <a:fillRef idx="1">
-            <a:schemeClr val="accent1"/>
+          <a:fillRef idx="3">
+            <a:schemeClr val="dk1"/>
           </a:fillRef>
-          <a:effectRef idx="0">
-            <a:schemeClr val="accent1"/>
+          <a:effectRef idx="2">
+            <a:schemeClr val="dk1"/>
           </a:effectRef>
           <a:fontRef idx="minor">
             <a:schemeClr val="lt1"/>
@@ -19232,7 +21059,7 @@
             <a:r>
               <a:rPr lang="de-DE" dirty="0" err="1">
                 <a:solidFill>
-                  <a:schemeClr val="tx1"/>
+                  <a:schemeClr val="bg1"/>
                 </a:solidFill>
               </a:rPr>
               <a:t>Garbage</a:t>
@@ -19240,7 +21067,7 @@
             <a:r>
               <a:rPr lang="de-DE" dirty="0">
                 <a:solidFill>
-                  <a:schemeClr val="tx1"/>
+                  <a:schemeClr val="bg1"/>
                 </a:solidFill>
               </a:rPr>
               <a:t> </a:t>
@@ -19248,7 +21075,7 @@
             <a:r>
               <a:rPr lang="de-DE" dirty="0" err="1">
                 <a:solidFill>
-                  <a:schemeClr val="tx1"/>
+                  <a:schemeClr val="bg1"/>
                 </a:solidFill>
               </a:rPr>
               <a:t>Collector</a:t>
@@ -19256,7 +21083,7 @@
             <a:r>
               <a:rPr lang="de-DE" dirty="0">
                 <a:solidFill>
-                  <a:schemeClr val="tx1"/>
+                  <a:schemeClr val="bg1"/>
                 </a:solidFill>
               </a:rPr>
               <a:t>, Referenzen, generische Typparameter (</a:t>
@@ -19264,7 +21091,7 @@
             <a:r>
               <a:rPr lang="de-DE" dirty="0" err="1">
                 <a:solidFill>
-                  <a:schemeClr val="tx1"/>
+                  <a:schemeClr val="bg1"/>
                 </a:solidFill>
               </a:rPr>
               <a:t>Generics</a:t>
@@ -19272,7 +21099,7 @@
             <a:r>
               <a:rPr lang="de-DE" dirty="0">
                 <a:solidFill>
-                  <a:schemeClr val="tx1"/>
+                  <a:schemeClr val="bg1"/>
                 </a:solidFill>
               </a:rPr>
               <a:t>), </a:t>
@@ -19280,14 +21107,14 @@
             <a:r>
               <a:rPr lang="de-DE" dirty="0" err="1">
                 <a:solidFill>
-                  <a:schemeClr val="tx1"/>
+                  <a:schemeClr val="bg1"/>
                 </a:solidFill>
               </a:rPr>
               <a:t>Collections</a:t>
             </a:r>
             <a:endParaRPr lang="de-DE" dirty="0">
               <a:solidFill>
-                <a:schemeClr val="tx1"/>
+                <a:schemeClr val="bg1"/>
               </a:solidFill>
             </a:endParaRPr>
           </a:p>
@@ -19311,26 +21138,17 @@
               <a:gd name="adj3" fmla="val 16667"/>
             </a:avLst>
           </a:prstGeom>
-          <a:solidFill>
-            <a:schemeClr val="bg1"/>
-          </a:solidFill>
-          <a:ln>
-            <a:solidFill>
-              <a:schemeClr val="tx1"/>
-            </a:solidFill>
-          </a:ln>
+          <a:ln/>
         </p:spPr>
         <p:style>
-          <a:lnRef idx="2">
-            <a:schemeClr val="accent1">
-              <a:shade val="50000"/>
-            </a:schemeClr>
+          <a:lnRef idx="1">
+            <a:schemeClr val="dk1"/>
           </a:lnRef>
-          <a:fillRef idx="1">
-            <a:schemeClr val="accent1"/>
+          <a:fillRef idx="3">
+            <a:schemeClr val="dk1"/>
           </a:fillRef>
-          <a:effectRef idx="0">
-            <a:schemeClr val="accent1"/>
+          <a:effectRef idx="2">
+            <a:schemeClr val="dk1"/>
           </a:effectRef>
           <a:fontRef idx="minor">
             <a:schemeClr val="lt1"/>
@@ -19346,14 +21164,14 @@
             <a:r>
               <a:rPr lang="de-DE" dirty="0" smtClean="0">
                 <a:solidFill>
-                  <a:schemeClr val="tx1"/>
+                  <a:schemeClr val="bg1"/>
                 </a:solidFill>
               </a:rPr>
               <a:t>Datenstrukturen, Algorithmen,…</a:t>
             </a:r>
             <a:endParaRPr lang="de-DE" dirty="0">
               <a:solidFill>
-                <a:schemeClr val="tx1"/>
+                <a:schemeClr val="bg1"/>
               </a:solidFill>
             </a:endParaRPr>
           </a:p>
@@ -19647,19 +21465,7 @@
             </a:pPr>
             <a:r>
               <a:rPr lang="de-DE" dirty="0" smtClean="0"/>
-              <a:t>09:00 – </a:t>
-            </a:r>
-            <a:r>
-              <a:rPr lang="de-DE" dirty="0" smtClean="0"/>
-              <a:t>11:30</a:t>
-            </a:r>
-            <a:r>
-              <a:rPr lang="de-DE" dirty="0" smtClean="0"/>
-              <a:t>:  Frontalunterricht im </a:t>
-            </a:r>
-            <a:r>
-              <a:rPr lang="de-DE" dirty="0" smtClean="0"/>
-              <a:t>Hörsaal</a:t>
+              <a:t>09:00 – 11:30:  Frontalunterricht im Hörsaal</a:t>
             </a:r>
             <a:br>
               <a:rPr lang="de-DE" dirty="0" smtClean="0"/>
@@ -19727,7 +21533,6 @@
           </a:p>
           <a:p>
             <a:pPr marL="180975" lvl="1" indent="0" eaLnBrk="1" hangingPunct="1">
-              <a:buFont typeface="Wingdings" pitchFamily="2" charset="2"/>
               <a:buNone/>
               <a:defRPr/>
             </a:pPr>
@@ -19740,8 +21545,13 @@
             </a:br>
             <a:r>
               <a:rPr lang="de-DE" dirty="0" smtClean="0"/>
-              <a:t>Eugen Lutz, Matthias TODO</a:t>
-            </a:r>
+              <a:t>Eugen Lutz, Matthias </a:t>
+            </a:r>
+            <a:r>
+              <a:rPr lang="de-DE" dirty="0" err="1"/>
+              <a:t>Gazzari</a:t>
+            </a:r>
+            <a:endParaRPr lang="de-DE" dirty="0" smtClean="0"/>
           </a:p>
           <a:p>
             <a:pPr lvl="1" eaLnBrk="1" hangingPunct="1">
@@ -19759,7 +21569,7 @@
         </p:nvSpPr>
         <p:spPr>
           <a:xfrm>
-            <a:off x="4932363" y="4149725"/>
+            <a:off x="4932361" y="4437112"/>
             <a:ext cx="3671887" cy="1008063"/>
           </a:xfrm>
           <a:prstGeom prst="wedgeRoundRectCallout">
@@ -19769,26 +21579,17 @@
               <a:gd name="adj3" fmla="val 16667"/>
             </a:avLst>
           </a:prstGeom>
-          <a:solidFill>
-            <a:schemeClr val="bg1"/>
-          </a:solidFill>
-          <a:ln>
-            <a:solidFill>
-              <a:schemeClr val="tx1"/>
-            </a:solidFill>
-          </a:ln>
+          <a:ln/>
         </p:spPr>
         <p:style>
-          <a:lnRef idx="2">
-            <a:schemeClr val="accent1">
-              <a:shade val="50000"/>
-            </a:schemeClr>
+          <a:lnRef idx="1">
+            <a:schemeClr val="dk1"/>
           </a:lnRef>
-          <a:fillRef idx="1">
-            <a:schemeClr val="accent1"/>
+          <a:fillRef idx="3">
+            <a:schemeClr val="dk1"/>
           </a:fillRef>
-          <a:effectRef idx="0">
-            <a:schemeClr val="accent1"/>
+          <a:effectRef idx="2">
+            <a:schemeClr val="dk1"/>
           </a:effectRef>
           <a:fontRef idx="minor">
             <a:schemeClr val="lt1"/>
@@ -19802,13 +21603,74 @@
               <a:defRPr/>
             </a:pPr>
             <a:r>
+              <a:rPr lang="de-DE" dirty="0" smtClean="0">
+                <a:solidFill>
+                  <a:schemeClr val="bg1"/>
+                </a:solidFill>
+              </a:rPr>
+              <a:t>Wer mehr </a:t>
+            </a:r>
+            <a:r>
               <a:rPr lang="de-DE" dirty="0">
                 <a:solidFill>
-                  <a:schemeClr val="tx1"/>
+                  <a:schemeClr val="bg1"/>
                 </a:solidFill>
               </a:rPr>
-              <a:t>Wenn man insgesamt mehr als 1 Tag fehlt (egal wieso), darf man an der Klausur nicht teilnehmen</a:t>
-            </a:r>
+              <a:t>als </a:t>
+            </a:r>
+            <a:r>
+              <a:rPr lang="de-DE" b="1" dirty="0">
+                <a:solidFill>
+                  <a:schemeClr val="bg1"/>
+                </a:solidFill>
+              </a:rPr>
+              <a:t>1 Tag </a:t>
+            </a:r>
+            <a:r>
+              <a:rPr lang="de-DE" dirty="0">
+                <a:solidFill>
+                  <a:schemeClr val="bg1"/>
+                </a:solidFill>
+              </a:rPr>
+              <a:t>fehlt (egal wieso), darf </a:t>
+            </a:r>
+            <a:r>
+              <a:rPr lang="de-DE" b="1" dirty="0">
+                <a:solidFill>
+                  <a:schemeClr val="bg1"/>
+                </a:solidFill>
+              </a:rPr>
+              <a:t>nicht </a:t>
+            </a:r>
+            <a:r>
+              <a:rPr lang="de-DE" dirty="0" smtClean="0">
+                <a:solidFill>
+                  <a:schemeClr val="bg1"/>
+                </a:solidFill>
+              </a:rPr>
+              <a:t>an </a:t>
+            </a:r>
+            <a:r>
+              <a:rPr lang="de-DE" dirty="0">
+                <a:solidFill>
+                  <a:schemeClr val="bg1"/>
+                </a:solidFill>
+              </a:rPr>
+              <a:t>der Klausur </a:t>
+            </a:r>
+            <a:r>
+              <a:rPr lang="de-DE" dirty="0" smtClean="0">
+                <a:solidFill>
+                  <a:schemeClr val="bg1"/>
+                </a:solidFill>
+              </a:rPr>
+              <a:t>teilnehmen!</a:t>
+            </a:r>
+            <a:endParaRPr lang="de-DE" dirty="0">
+              <a:solidFill>
+                <a:schemeClr val="bg1"/>
+              </a:solidFill>
+            </a:endParaRPr>
           </a:p>
         </p:txBody>
       </p:sp>
@@ -19830,26 +21692,17 @@
               <a:gd name="adj3" fmla="val 16667"/>
             </a:avLst>
           </a:prstGeom>
-          <a:solidFill>
-            <a:schemeClr val="bg1"/>
-          </a:solidFill>
-          <a:ln>
-            <a:solidFill>
-              <a:schemeClr val="tx1"/>
-            </a:solidFill>
-          </a:ln>
+          <a:ln/>
         </p:spPr>
         <p:style>
-          <a:lnRef idx="2">
-            <a:schemeClr val="accent1">
-              <a:shade val="50000"/>
-            </a:schemeClr>
+          <a:lnRef idx="1">
+            <a:schemeClr val="dk1"/>
           </a:lnRef>
-          <a:fillRef idx="1">
-            <a:schemeClr val="accent1"/>
+          <a:fillRef idx="3">
+            <a:schemeClr val="dk1"/>
           </a:fillRef>
-          <a:effectRef idx="0">
-            <a:schemeClr val="accent1"/>
+          <a:effectRef idx="2">
+            <a:schemeClr val="dk1"/>
           </a:effectRef>
           <a:fontRef idx="minor">
             <a:schemeClr val="lt1"/>
@@ -19865,7 +21718,7 @@
             <a:r>
               <a:rPr lang="de-DE" dirty="0">
                 <a:solidFill>
-                  <a:schemeClr val="tx1"/>
+                  <a:schemeClr val="bg1"/>
                 </a:solidFill>
               </a:rPr>
               <a:t>Bitte </a:t>
@@ -19873,7 +21726,7 @@
             <a:r>
               <a:rPr lang="de-DE" b="1" dirty="0">
                 <a:solidFill>
-                  <a:schemeClr val="tx1"/>
+                  <a:schemeClr val="bg1"/>
                 </a:solidFill>
               </a:rPr>
               <a:t>aktiv</a:t>
@@ -19881,7 +21734,7 @@
             <a:r>
               <a:rPr lang="de-DE" dirty="0">
                 <a:solidFill>
-                  <a:schemeClr val="tx1"/>
+                  <a:schemeClr val="bg1"/>
                 </a:solidFill>
               </a:rPr>
               <a:t> Hilfe fordern während der Übung!</a:t>
@@ -20122,7 +21975,6 @@
               <a:rPr lang="de-DE" altLang="de-DE" dirty="0" smtClean="0"/>
               <a:t>Dienstag, 14.10.2014</a:t>
             </a:r>
-            <a:endParaRPr lang="de-DE" altLang="de-DE" dirty="0" smtClean="0"/>
           </a:p>
           <a:p>
             <a:pPr marL="180975" lvl="1" indent="0" eaLnBrk="1" hangingPunct="1">
@@ -20198,15 +22050,7 @@
             </a:pPr>
             <a:r>
               <a:rPr lang="de-DE" altLang="de-DE" dirty="0" smtClean="0"/>
-              <a:t>(Tag </a:t>
-            </a:r>
-            <a:r>
-              <a:rPr lang="de-DE" altLang="de-DE" dirty="0" smtClean="0"/>
-              <a:t>5 und Tag </a:t>
-            </a:r>
-            <a:r>
-              <a:rPr lang="de-DE" altLang="de-DE" dirty="0" smtClean="0"/>
-              <a:t>6 sind </a:t>
+              <a:t>(Tag 5 und Tag 6 sind </a:t>
             </a:r>
             <a:r>
               <a:rPr lang="de-DE" altLang="de-DE" b="1" dirty="0" smtClean="0"/>
@@ -20216,7 +22060,6 @@
               <a:rPr lang="de-DE" altLang="de-DE" dirty="0" smtClean="0"/>
               <a:t> klausurrelevant)</a:t>
             </a:r>
-            <a:endParaRPr lang="de-DE" altLang="de-DE" dirty="0" smtClean="0"/>
           </a:p>
           <a:p>
             <a:pPr marL="0" indent="0" eaLnBrk="1" hangingPunct="1">
@@ -20269,11 +22112,7 @@
             </a:pPr>
             <a:r>
               <a:rPr lang="de-DE" altLang="de-DE" dirty="0" smtClean="0"/>
-              <a:t>amtlicher Lichtbildausweis, </a:t>
-            </a:r>
-            <a:r>
-              <a:rPr lang="de-DE" altLang="de-DE" dirty="0" smtClean="0"/>
-              <a:t>Klausuranmeldung (</a:t>
+              <a:t>amtlicher Lichtbildausweis, Klausuranmeldung (</a:t>
             </a:r>
             <a:r>
               <a:rPr lang="de-DE" altLang="de-DE" b="1" dirty="0" smtClean="0"/>
@@ -20304,26 +22143,17 @@
               <a:gd name="adj3" fmla="val 16667"/>
             </a:avLst>
           </a:prstGeom>
-          <a:solidFill>
-            <a:schemeClr val="bg1"/>
-          </a:solidFill>
-          <a:ln>
-            <a:solidFill>
-              <a:schemeClr val="tx1"/>
-            </a:solidFill>
-          </a:ln>
+          <a:ln/>
         </p:spPr>
         <p:style>
-          <a:lnRef idx="2">
-            <a:schemeClr val="accent1">
-              <a:shade val="50000"/>
-            </a:schemeClr>
+          <a:lnRef idx="1">
+            <a:schemeClr val="dk1"/>
           </a:lnRef>
-          <a:fillRef idx="1">
-            <a:schemeClr val="accent1"/>
+          <a:fillRef idx="3">
+            <a:schemeClr val="dk1"/>
           </a:fillRef>
-          <a:effectRef idx="0">
-            <a:schemeClr val="accent1"/>
+          <a:effectRef idx="2">
+            <a:schemeClr val="dk1"/>
           </a:effectRef>
           <a:fontRef idx="minor">
             <a:schemeClr val="lt1"/>
@@ -20339,7 +22169,7 @@
             <a:r>
               <a:rPr lang="de-DE" dirty="0">
                 <a:solidFill>
-                  <a:schemeClr val="tx1"/>
+                  <a:schemeClr val="bg1"/>
                 </a:solidFill>
               </a:rPr>
               <a:t>Programmierung mit C++ (</a:t>
@@ -20347,7 +22177,7 @@
             <a:r>
               <a:rPr lang="de-DE" dirty="0" err="1">
                 <a:solidFill>
-                  <a:schemeClr val="tx1"/>
+                  <a:schemeClr val="bg1"/>
                 </a:solidFill>
               </a:rPr>
               <a:t>Eclipse</a:t>
@@ -20355,7 +22185,7 @@
             <a:r>
               <a:rPr lang="de-DE" dirty="0">
                 <a:solidFill>
-                  <a:schemeClr val="tx1"/>
+                  <a:schemeClr val="bg1"/>
                 </a:solidFill>
               </a:rPr>
               <a:t> CDT)</a:t>
@@ -20381,26 +22211,17 @@
               <a:gd name="adj3" fmla="val 16667"/>
             </a:avLst>
           </a:prstGeom>
-          <a:solidFill>
-            <a:schemeClr val="bg1"/>
-          </a:solidFill>
-          <a:ln>
-            <a:solidFill>
-              <a:schemeClr val="tx1"/>
-            </a:solidFill>
-          </a:ln>
+          <a:ln/>
         </p:spPr>
         <p:style>
-          <a:lnRef idx="2">
-            <a:schemeClr val="accent1">
-              <a:shade val="50000"/>
-            </a:schemeClr>
+          <a:lnRef idx="1">
+            <a:schemeClr val="dk1"/>
           </a:lnRef>
-          <a:fillRef idx="1">
-            <a:schemeClr val="accent1"/>
+          <a:fillRef idx="3">
+            <a:schemeClr val="dk1"/>
           </a:fillRef>
-          <a:effectRef idx="0">
-            <a:schemeClr val="accent1"/>
+          <a:effectRef idx="2">
+            <a:schemeClr val="dk1"/>
           </a:effectRef>
           <a:fontRef idx="minor">
             <a:schemeClr val="lt1"/>
@@ -20416,7 +22237,7 @@
             <a:r>
               <a:rPr lang="de-DE" dirty="0">
                 <a:solidFill>
-                  <a:schemeClr val="tx1"/>
+                  <a:schemeClr val="bg1"/>
                 </a:solidFill>
               </a:rPr>
               <a:t>Programmierung mit C für eingebettete Systeme</a:t>
@@ -20442,26 +22263,17 @@
               <a:gd name="adj3" fmla="val 16667"/>
             </a:avLst>
           </a:prstGeom>
-          <a:solidFill>
-            <a:schemeClr val="bg1"/>
-          </a:solidFill>
-          <a:ln>
-            <a:solidFill>
-              <a:schemeClr val="tx1"/>
-            </a:solidFill>
-          </a:ln>
+          <a:ln/>
         </p:spPr>
         <p:style>
-          <a:lnRef idx="2">
-            <a:schemeClr val="accent1">
-              <a:shade val="50000"/>
-            </a:schemeClr>
+          <a:lnRef idx="1">
+            <a:schemeClr val="dk1"/>
           </a:lnRef>
-          <a:fillRef idx="1">
-            <a:schemeClr val="accent1"/>
+          <a:fillRef idx="3">
+            <a:schemeClr val="dk1"/>
           </a:fillRef>
-          <a:effectRef idx="0">
-            <a:schemeClr val="accent1"/>
+          <a:effectRef idx="2">
+            <a:schemeClr val="dk1"/>
           </a:effectRef>
           <a:fontRef idx="minor">
             <a:schemeClr val="lt1"/>
@@ -20477,14 +22289,14 @@
             <a:r>
               <a:rPr lang="de-DE" dirty="0" smtClean="0">
                 <a:solidFill>
-                  <a:schemeClr val="tx1"/>
+                  <a:schemeClr val="bg1"/>
                 </a:solidFill>
               </a:rPr>
               <a:t>Sollte bereits geschehen sein!</a:t>
             </a:r>
             <a:endParaRPr lang="de-DE" dirty="0">
               <a:solidFill>
-                <a:schemeClr val="tx1"/>
+                <a:schemeClr val="bg1"/>
               </a:solidFill>
             </a:endParaRPr>
           </a:p>
@@ -20751,13 +22563,8 @@
             </a:pPr>
             <a:r>
               <a:rPr lang="de-DE" dirty="0" smtClean="0"/>
-              <a:t>Alle Studenten arbeiten im Raum </a:t>
-            </a:r>
-            <a:r>
-              <a:rPr lang="de-DE" dirty="0" smtClean="0"/>
-              <a:t>67 TODO</a:t>
-            </a:r>
-            <a:endParaRPr lang="de-DE" dirty="0" smtClean="0"/>
+              <a:t>Alle Studenten arbeiten im Raum 67 TODO</a:t>
+            </a:r>
           </a:p>
           <a:p>
             <a:pPr marL="0" indent="0" eaLnBrk="1" hangingPunct="1">
@@ -20893,13 +22700,8 @@
             </a:r>
             <a:r>
               <a:rPr lang="de-DE" dirty="0" smtClean="0"/>
-              <a:t> </a:t>
-            </a:r>
-            <a:r>
-              <a:rPr lang="de-DE" dirty="0" smtClean="0"/>
-              <a:t>(Git oder SVN)</a:t>
-            </a:r>
-            <a:endParaRPr lang="de-DE" dirty="0" smtClean="0"/>
+              <a:t> (Git oder SVN)</a:t>
+            </a:r>
           </a:p>
           <a:p>
             <a:pPr marL="169862" lvl="1" indent="0" eaLnBrk="1" hangingPunct="1">
@@ -20921,15 +22723,7 @@
             </a:r>
             <a:r>
               <a:rPr lang="de-DE" dirty="0" smtClean="0"/>
-              <a:t> </a:t>
-            </a:r>
-            <a:r>
-              <a:rPr lang="de-DE" dirty="0" smtClean="0"/>
-              <a:t>(Git)</a:t>
-            </a:r>
-            <a:r>
-              <a:rPr lang="de-DE" dirty="0" smtClean="0"/>
-              <a:t/>
+              <a:t> (Git)</a:t>
             </a:r>
             <a:br>
               <a:rPr lang="de-DE" dirty="0" smtClean="0"/>
@@ -20943,10 +22737,9 @@
               <a:defRPr/>
             </a:pPr>
             <a:r>
-              <a:rPr lang="de-DE" smtClean="0"/>
-              <a:t>Forum TODO</a:t>
-            </a:r>
-            <a:endParaRPr lang="de-DE" dirty="0" smtClean="0"/>
+              <a:rPr lang="de-DE" dirty="0" smtClean="0"/>
+              <a:t>Forum via Moodle</a:t>
+            </a:r>
           </a:p>
           <a:p>
             <a:pPr marL="169862" lvl="1" indent="0" eaLnBrk="1" hangingPunct="1">
@@ -20955,12 +22748,9 @@
               <a:defRPr/>
             </a:pPr>
             <a:r>
-              <a:rPr lang="de-DE" dirty="0">
-                <a:hlinkClick r:id="rId6"/>
-              </a:rPr>
-              <a:t>https://www.fs-ist.de/forum/index.php?board=68.0</a:t>
-            </a:r>
-            <a:endParaRPr lang="de-DE" dirty="0" smtClean="0"/>
+              <a:rPr lang="de-DE" dirty="0" smtClean="0"/>
+              <a:t>https://moodle.tu-darmstadt.de/</a:t>
+            </a:r>
           </a:p>
           <a:p>
             <a:pPr lvl="1" eaLnBrk="1" hangingPunct="1">
@@ -20994,26 +22784,17 @@
               <a:gd name="adj3" fmla="val 16667"/>
             </a:avLst>
           </a:prstGeom>
-          <a:solidFill>
-            <a:schemeClr val="bg1"/>
-          </a:solidFill>
-          <a:ln>
-            <a:solidFill>
-              <a:schemeClr val="tx1"/>
-            </a:solidFill>
-          </a:ln>
+          <a:ln/>
         </p:spPr>
         <p:style>
-          <a:lnRef idx="2">
-            <a:schemeClr val="accent1">
-              <a:shade val="50000"/>
-            </a:schemeClr>
+          <a:lnRef idx="1">
+            <a:schemeClr val="dk1"/>
           </a:lnRef>
-          <a:fillRef idx="1">
-            <a:schemeClr val="accent1"/>
+          <a:fillRef idx="3">
+            <a:schemeClr val="dk1"/>
           </a:fillRef>
-          <a:effectRef idx="0">
-            <a:schemeClr val="accent1"/>
+          <a:effectRef idx="2">
+            <a:schemeClr val="dk1"/>
           </a:effectRef>
           <a:fontRef idx="minor">
             <a:schemeClr val="lt1"/>
@@ -21029,7 +22810,7 @@
             <a:r>
               <a:rPr lang="de-DE" dirty="0">
                 <a:solidFill>
-                  <a:schemeClr val="tx1"/>
+                  <a:schemeClr val="bg1"/>
                 </a:solidFill>
               </a:rPr>
               <a:t>Am besten regelmäßig aktualisieren</a:t>
@@ -21171,6 +22952,11 @@
               <a:rPr lang="de-DE" altLang="de-DE" u="sng" dirty="0" smtClean="0"/>
               <a:t>vorschläge</a:t>
             </a:r>
+            <a:r>
+              <a:rPr lang="de-DE" altLang="de-DE" dirty="0" smtClean="0"/>
+              <a:t> I </a:t>
+            </a:r>
+            <a:endParaRPr lang="de-DE" altLang="de-DE" dirty="0" smtClean="0"/>
           </a:p>
         </p:txBody>
       </p:sp>
@@ -21189,12 +22975,62 @@
           <a:bodyPr/>
           <a:lstStyle/>
           <a:p>
-            <a:endParaRPr lang="de-DE" altLang="de-DE" smtClean="0"/>
-          </a:p>
-          <a:p>
-            <a:r>
-              <a:rPr lang="de-DE" altLang="de-DE" smtClean="0"/>
-              <a:t>Bruce Eckel: Thinking in C++, Volumes One and Two </a:t>
+            <a:pPr marL="0" indent="0">
+              <a:buNone/>
+            </a:pPr>
+            <a:r>
+              <a:rPr lang="de-DE" altLang="de-DE" dirty="0" smtClean="0"/>
+              <a:t>Bücher:</a:t>
+            </a:r>
+            <a:br>
+              <a:rPr lang="de-DE" altLang="de-DE" dirty="0" smtClean="0"/>
+            </a:br>
+            <a:endParaRPr lang="de-DE" altLang="de-DE" dirty="0" smtClean="0"/>
+          </a:p>
+          <a:p>
+            <a:r>
+              <a:rPr lang="de-DE" altLang="de-DE" dirty="0" smtClean="0"/>
+              <a:t>Bruce Eckel: </a:t>
+            </a:r>
+            <a:r>
+              <a:rPr lang="de-DE" altLang="de-DE" dirty="0" err="1" smtClean="0"/>
+              <a:t>Thinking</a:t>
+            </a:r>
+            <a:r>
+              <a:rPr lang="de-DE" altLang="de-DE" dirty="0" smtClean="0"/>
+              <a:t> in C++, </a:t>
+            </a:r>
+            <a:r>
+              <a:rPr lang="de-DE" altLang="de-DE" dirty="0" err="1" smtClean="0"/>
+              <a:t>Volumes</a:t>
+            </a:r>
+            <a:r>
+              <a:rPr lang="de-DE" altLang="de-DE" dirty="0" smtClean="0"/>
+              <a:t> </a:t>
+            </a:r>
+            <a:r>
+              <a:rPr lang="de-DE" altLang="de-DE" dirty="0" err="1" smtClean="0"/>
+              <a:t>One</a:t>
+            </a:r>
+            <a:r>
+              <a:rPr lang="de-DE" altLang="de-DE" dirty="0" smtClean="0"/>
+              <a:t> </a:t>
+            </a:r>
+            <a:r>
+              <a:rPr lang="de-DE" altLang="de-DE" dirty="0" err="1" smtClean="0"/>
+              <a:t>and</a:t>
+            </a:r>
+            <a:r>
+              <a:rPr lang="de-DE" altLang="de-DE" dirty="0" smtClean="0"/>
+              <a:t> </a:t>
+            </a:r>
+            <a:r>
+              <a:rPr lang="de-DE" altLang="de-DE" dirty="0" err="1" smtClean="0"/>
+              <a:t>Two</a:t>
+            </a:r>
+            <a:r>
+              <a:rPr lang="de-DE" altLang="de-DE" dirty="0" smtClean="0"/>
+              <a:t> </a:t>
             </a:r>
           </a:p>
           <a:p>
@@ -21203,17 +23039,17 @@
               <a:buNone/>
             </a:pPr>
             <a:r>
-              <a:rPr lang="de-DE" altLang="de-DE" smtClean="0"/>
+              <a:rPr lang="de-DE" altLang="de-DE" dirty="0" smtClean="0"/>
               <a:t>(frei verfügbar online </a:t>
             </a:r>
             <a:r>
-              <a:rPr lang="de-DE" altLang="de-DE" smtClean="0">
+              <a:rPr lang="de-DE" altLang="de-DE" dirty="0" smtClean="0">
                 <a:hlinkClick r:id="rId2"/>
               </a:rPr>
               <a:t>http://mindview.net/Books/TICPP/ThinkingInCPP2e.html</a:t>
             </a:r>
             <a:r>
-              <a:rPr lang="de-DE" altLang="de-DE" smtClean="0"/>
+              <a:rPr lang="de-DE" altLang="de-DE" dirty="0" smtClean="0"/>
               <a:t>)</a:t>
             </a:r>
           </a:p>
@@ -21222,36 +23058,122 @@
               <a:buFont typeface="Wingdings" pitchFamily="2" charset="2"/>
               <a:buNone/>
             </a:pPr>
-            <a:endParaRPr lang="de-DE" altLang="de-DE" smtClean="0"/>
-          </a:p>
-          <a:p>
-            <a:r>
-              <a:rPr lang="de-DE" altLang="de-DE" smtClean="0"/>
-              <a:t>Scott Meyers: Effective C++</a:t>
+            <a:endParaRPr lang="de-DE" altLang="de-DE" dirty="0" smtClean="0"/>
+          </a:p>
+          <a:p>
+            <a:r>
+              <a:rPr lang="de-DE" altLang="de-DE" dirty="0" smtClean="0"/>
+              <a:t>Scott Meyers: </a:t>
+            </a:r>
+            <a:r>
+              <a:rPr lang="de-DE" altLang="de-DE" dirty="0" err="1" smtClean="0"/>
+              <a:t>Effective</a:t>
+            </a:r>
+            <a:r>
+              <a:rPr lang="de-DE" altLang="de-DE" dirty="0" smtClean="0"/>
+              <a:t> C++</a:t>
             </a:r>
             <a:br>
-              <a:rPr lang="de-DE" altLang="de-DE" smtClean="0"/>
+              <a:rPr lang="de-DE" altLang="de-DE" dirty="0" smtClean="0"/>
             </a:br>
-            <a:endParaRPr lang="de-DE" altLang="de-DE" smtClean="0"/>
-          </a:p>
-          <a:p>
-            <a:r>
-              <a:rPr lang="de-DE" altLang="de-DE" smtClean="0"/>
-              <a:t>Scott Meyers: More Effective C++</a:t>
-            </a:r>
-          </a:p>
-          <a:p>
-            <a:endParaRPr lang="de-DE" altLang="de-DE" smtClean="0"/>
-          </a:p>
-          <a:p>
-            <a:r>
-              <a:rPr lang="de-DE" altLang="de-DE" smtClean="0"/>
-              <a:t>Bjarne Stroustrup: Einführung in die Programmierung mit C++</a:t>
-            </a:r>
+            <a:endParaRPr lang="de-DE" altLang="de-DE" dirty="0" smtClean="0"/>
+          </a:p>
+          <a:p>
+            <a:r>
+              <a:rPr lang="de-DE" altLang="de-DE" dirty="0" smtClean="0"/>
+              <a:t>Scott Meyers: More </a:t>
+            </a:r>
+            <a:r>
+              <a:rPr lang="de-DE" altLang="de-DE" dirty="0" err="1" smtClean="0"/>
+              <a:t>Effective</a:t>
+            </a:r>
+            <a:r>
+              <a:rPr lang="de-DE" altLang="de-DE" dirty="0" smtClean="0"/>
+              <a:t> C++</a:t>
+            </a:r>
+          </a:p>
+          <a:p>
+            <a:endParaRPr lang="de-DE" altLang="de-DE" dirty="0" smtClean="0"/>
+          </a:p>
+          <a:p>
+            <a:r>
+              <a:rPr lang="de-DE" altLang="de-DE" dirty="0" smtClean="0"/>
+              <a:t>Bjarne </a:t>
+            </a:r>
+            <a:r>
+              <a:rPr lang="de-DE" altLang="de-DE" dirty="0" err="1" smtClean="0"/>
+              <a:t>Stroustrup</a:t>
+            </a:r>
+            <a:r>
+              <a:rPr lang="de-DE" altLang="de-DE" dirty="0" smtClean="0"/>
+              <a:t>: Einführung in die Programmierung mit C++</a:t>
+            </a:r>
+          </a:p>
+        </p:txBody>
+      </p:sp>
+      <p:sp>
+        <p:nvSpPr>
+          <p:cNvPr id="4" name="Abgerundete rechteckige Legende 3"/>
+          <p:cNvSpPr/>
+          <p:nvPr/>
+        </p:nvSpPr>
+        <p:spPr>
+          <a:xfrm>
+            <a:off x="3816854" y="767361"/>
+            <a:ext cx="3347434" cy="559789"/>
+          </a:xfrm>
+          <a:prstGeom prst="wedgeRoundRectCallout">
+            <a:avLst>
+              <a:gd name="adj1" fmla="val -67727"/>
+              <a:gd name="adj2" fmla="val 3226"/>
+              <a:gd name="adj3" fmla="val 16667"/>
+            </a:avLst>
+          </a:prstGeom>
+          <a:ln/>
+        </p:spPr>
+        <p:style>
+          <a:lnRef idx="1">
+            <a:schemeClr val="dk1"/>
+          </a:lnRef>
+          <a:fillRef idx="3">
+            <a:schemeClr val="dk1"/>
+          </a:fillRef>
+          <a:effectRef idx="2">
+            <a:schemeClr val="dk1"/>
+          </a:effectRef>
+          <a:fontRef idx="minor">
+            <a:schemeClr val="lt1"/>
+          </a:fontRef>
+        </p:style>
+        <p:txBody>
+          <a:bodyPr anchor="ctr"/>
+          <a:lstStyle/>
+          <a:p>
+            <a:pPr>
+              <a:defRPr/>
+            </a:pPr>
+            <a:r>
+              <a:rPr lang="de-DE" dirty="0" smtClean="0">
+                <a:solidFill>
+                  <a:schemeClr val="bg1"/>
+                </a:solidFill>
+              </a:rPr>
+              <a:t>Alles Klausurrelevante wird während der 6 Tage vermittelt.</a:t>
+            </a:r>
+            <a:endParaRPr lang="de-DE" dirty="0">
+              <a:solidFill>
+                <a:schemeClr val="bg1"/>
+              </a:solidFill>
+            </a:endParaRPr>
           </a:p>
         </p:txBody>
       </p:sp>
     </p:spTree>
+    <p:extLst>
+      <p:ext uri="{BB962C8B-B14F-4D97-AF65-F5344CB8AC3E}">
+        <p14:creationId xmlns:p14="http://schemas.microsoft.com/office/powerpoint/2010/main" val="3757117654"/>
+      </p:ext>
+    </p:extLst>
   </p:cSld>
   <p:clrMapOvr>
     <a:masterClrMapping/>
@@ -21259,15 +23181,94 @@
   <p:timing>
     <p:tnLst>
       <p:par>
-        <p:cTn id="1" dur="indefinite" restart="never" nodeType="tmRoot"/>
+        <p:cTn id="1" dur="indefinite" restart="never" nodeType="tmRoot">
+          <p:childTnLst>
+            <p:seq concurrent="1" nextAc="seek">
+              <p:cTn id="2" dur="indefinite" nodeType="mainSeq">
+                <p:childTnLst>
+                  <p:par>
+                    <p:cTn id="3" fill="hold">
+                      <p:stCondLst>
+                        <p:cond delay="indefinite"/>
+                      </p:stCondLst>
+                      <p:childTnLst>
+                        <p:par>
+                          <p:cTn id="4" fill="hold">
+                            <p:stCondLst>
+                              <p:cond delay="0"/>
+                            </p:stCondLst>
+                            <p:childTnLst>
+                              <p:par>
+                                <p:cTn id="5" presetID="10" presetClass="entr" presetSubtype="0" fill="hold" grpId="0" nodeType="clickEffect">
+                                  <p:stCondLst>
+                                    <p:cond delay="0"/>
+                                  </p:stCondLst>
+                                  <p:childTnLst>
+                                    <p:set>
+                                      <p:cBhvr>
+                                        <p:cTn id="6" dur="1" fill="hold">
+                                          <p:stCondLst>
+                                            <p:cond delay="0"/>
+                                          </p:stCondLst>
+                                        </p:cTn>
+                                        <p:tgtEl>
+                                          <p:spTgt spid="4"/>
+                                        </p:tgtEl>
+                                        <p:attrNameLst>
+                                          <p:attrName>style.visibility</p:attrName>
+                                        </p:attrNameLst>
+                                      </p:cBhvr>
+                                      <p:to>
+                                        <p:strVal val="visible"/>
+                                      </p:to>
+                                    </p:set>
+                                    <p:animEffect transition="in" filter="fade">
+                                      <p:cBhvr>
+                                        <p:cTn id="7" dur="500"/>
+                                        <p:tgtEl>
+                                          <p:spTgt spid="4"/>
+                                        </p:tgtEl>
+                                      </p:cBhvr>
+                                    </p:animEffect>
+                                  </p:childTnLst>
+                                </p:cTn>
+                              </p:par>
+                            </p:childTnLst>
+                          </p:cTn>
+                        </p:par>
+                      </p:childTnLst>
+                    </p:cTn>
+                  </p:par>
+                </p:childTnLst>
+              </p:cTn>
+              <p:prevCondLst>
+                <p:cond evt="onPrev" delay="0">
+                  <p:tgtEl>
+                    <p:sldTgt/>
+                  </p:tgtEl>
+                </p:cond>
+              </p:prevCondLst>
+              <p:nextCondLst>
+                <p:cond evt="onNext" delay="0">
+                  <p:tgtEl>
+                    <p:sldTgt/>
+                  </p:tgtEl>
+                </p:cond>
+              </p:nextCondLst>
+            </p:seq>
+          </p:childTnLst>
+        </p:cTn>
       </p:par>
     </p:tnLst>
+    <p:bldLst>
+      <p:bldP spid="4" grpId="0" animBg="1"/>
+    </p:bldLst>
   </p:timing>
 </p:sld>
 </file>
 
 <file path=ppt/slides/slide7.xml><?xml version="1.0" encoding="utf-8"?>
-<p:sld xmlns:a="http://schemas.openxmlformats.org/drawingml/2006/main" xmlns:r="http://schemas.openxmlformats.org/officeDocument/2006/relationships" xmlns:p="http://schemas.openxmlformats.org/presentationml/2006/main" show="0">
+<p:sld xmlns:a="http://schemas.openxmlformats.org/drawingml/2006/main" xmlns:r="http://schemas.openxmlformats.org/officeDocument/2006/relationships" xmlns:p="http://schemas.openxmlformats.org/presentationml/2006/main">
   <p:cSld>
     <p:spTree>
       <p:nvGrpSpPr>
@@ -21285,7 +23286,7 @@
       </p:grpSpPr>
       <p:sp>
         <p:nvSpPr>
-          <p:cNvPr id="12290" name="Titel 1"/>
+          <p:cNvPr id="11266" name="Titel 1"/>
           <p:cNvSpPr>
             <a:spLocks noGrp="1"/>
           </p:cNvSpPr>
@@ -21298,58 +23299,527 @@
           <a:bodyPr/>
           <a:lstStyle/>
           <a:p>
-            <a:pPr eaLnBrk="1" hangingPunct="1"/>
-            <a:r>
-              <a:rPr lang="en-US" altLang="de-DE" smtClean="0">
-                <a:ea typeface="ＭＳ Ｐゴシック" pitchFamily="34" charset="-128"/>
-                <a:cs typeface="Arial" charset="0"/>
+            <a:r>
+              <a:rPr lang="de-DE" altLang="de-DE" dirty="0" smtClean="0"/>
+              <a:t>Literatur</a:t>
+            </a:r>
+            <a:r>
+              <a:rPr lang="de-DE" altLang="de-DE" u="sng" dirty="0" smtClean="0"/>
+              <a:t>vorschläge</a:t>
+            </a:r>
+            <a:r>
+              <a:rPr lang="de-DE" altLang="de-DE" dirty="0" smtClean="0"/>
+              <a:t> II</a:t>
+            </a:r>
+            <a:endParaRPr lang="de-DE" altLang="de-DE" dirty="0" smtClean="0"/>
+          </a:p>
+        </p:txBody>
+      </p:sp>
+      <p:sp>
+        <p:nvSpPr>
+          <p:cNvPr id="11267" name="Inhaltsplatzhalter 2"/>
+          <p:cNvSpPr>
+            <a:spLocks noGrp="1"/>
+          </p:cNvSpPr>
+          <p:nvPr>
+            <p:ph idx="1"/>
+          </p:nvPr>
+        </p:nvSpPr>
+        <p:spPr/>
+        <p:txBody>
+          <a:bodyPr/>
+          <a:lstStyle/>
+          <a:p>
+            <a:pPr marL="0" indent="0">
+              <a:buNone/>
+            </a:pPr>
+            <a:r>
+              <a:rPr lang="de-DE" altLang="de-DE" dirty="0" smtClean="0"/>
+              <a:t>Material anderer C++-Einführungsveranstaltungen:</a:t>
+            </a:r>
+            <a:br>
+              <a:rPr lang="de-DE" altLang="de-DE" dirty="0" smtClean="0"/>
+            </a:br>
+            <a:endParaRPr lang="de-DE" altLang="de-DE" dirty="0" smtClean="0"/>
+          </a:p>
+          <a:p>
+            <a:r>
+              <a:rPr lang="de-DE" altLang="de-DE" dirty="0" smtClean="0"/>
+              <a:t>Grundkurs C/C++ @ </a:t>
+            </a:r>
+            <a:r>
+              <a:rPr lang="de-DE" altLang="de-DE" dirty="0"/>
+              <a:t>TU München</a:t>
+            </a:r>
+            <a:br>
+              <a:rPr lang="de-DE" altLang="de-DE" dirty="0"/>
+            </a:br>
+            <a:r>
+              <a:rPr lang="de-DE" altLang="de-DE" sz="1200" dirty="0">
+                <a:hlinkClick r:id="rId2"/>
+              </a:rPr>
+              <a:t>http://www.ldv.ei.tum.de/lehre/programmierpraktikum-c</a:t>
+            </a:r>
+            <a:r>
+              <a:rPr lang="de-DE" altLang="de-DE" sz="1200" dirty="0" smtClean="0">
+                <a:hlinkClick r:id="rId2"/>
+              </a:rPr>
+              <a:t>/</a:t>
+            </a:r>
+            <a:r>
+              <a:rPr lang="de-DE" altLang="de-DE" sz="1200" dirty="0" smtClean="0"/>
+              <a:t>, </a:t>
+            </a:r>
+            <a:r>
+              <a:rPr lang="de-DE" altLang="de-DE" sz="1200" dirty="0" smtClean="0">
+                <a:hlinkClick r:id="rId3"/>
+              </a:rPr>
+              <a:t>http</a:t>
+            </a:r>
+            <a:r>
+              <a:rPr lang="de-DE" altLang="de-DE" sz="1200" dirty="0">
+                <a:hlinkClick r:id="rId3"/>
+              </a:rPr>
+              <a:t>://www.ldv.ei.tum.de/lehre/grundkurs-c</a:t>
+            </a:r>
+            <a:r>
+              <a:rPr lang="de-DE" altLang="de-DE" sz="1200" dirty="0" smtClean="0">
+                <a:hlinkClick r:id="rId3"/>
+              </a:rPr>
+              <a:t>/</a:t>
+            </a:r>
+            <a:r>
+              <a:rPr lang="de-DE" altLang="de-DE" sz="1200" dirty="0" smtClean="0"/>
+              <a:t> </a:t>
+            </a:r>
+            <a:endParaRPr lang="de-DE" altLang="de-DE" sz="1200" dirty="0" smtClean="0"/>
+          </a:p>
+          <a:p>
+            <a:pPr marL="180975" lvl="1" indent="0">
+              <a:buFont typeface="Wingdings" pitchFamily="2" charset="2"/>
+              <a:buNone/>
+            </a:pPr>
+            <a:endParaRPr lang="de-DE" altLang="de-DE" dirty="0" smtClean="0"/>
+          </a:p>
+          <a:p>
+            <a:r>
+              <a:rPr lang="de-DE" altLang="de-DE" dirty="0" smtClean="0"/>
+              <a:t>Programmieren 1 @ </a:t>
+            </a:r>
+            <a:r>
+              <a:rPr lang="de-DE" altLang="de-DE" dirty="0"/>
+              <a:t>FH Regensburg</a:t>
+            </a:r>
+            <a:br>
+              <a:rPr lang="de-DE" altLang="de-DE" dirty="0"/>
+            </a:br>
+            <a:r>
+              <a:rPr lang="de-DE" altLang="de-DE" sz="1200" dirty="0">
+                <a:hlinkClick r:id="rId4"/>
+              </a:rPr>
+              <a:t>http://fbim.fh-regensburg.de/~</a:t>
+            </a:r>
+            <a:r>
+              <a:rPr lang="de-DE" altLang="de-DE" sz="1200" dirty="0" smtClean="0">
+                <a:hlinkClick r:id="rId4"/>
+              </a:rPr>
+              <a:t>sce39014/pg1/pg1-skript.pdf</a:t>
+            </a:r>
+            <a:r>
+              <a:rPr lang="de-DE" altLang="de-DE" sz="1200" dirty="0" smtClean="0"/>
+              <a:t/>
+            </a:r>
+            <a:br>
+              <a:rPr lang="de-DE" altLang="de-DE" sz="1200" dirty="0" smtClean="0"/>
+            </a:br>
+            <a:endParaRPr lang="de-DE" altLang="de-DE" sz="1200" dirty="0" smtClean="0"/>
+          </a:p>
+          <a:p>
+            <a:r>
+              <a:rPr lang="en-US" dirty="0"/>
+              <a:t>Heinz </a:t>
+            </a:r>
+            <a:r>
+              <a:rPr lang="en-US" dirty="0" err="1" smtClean="0"/>
+              <a:t>Tschabitscher</a:t>
+            </a:r>
+            <a:r>
+              <a:rPr lang="en-US" dirty="0" smtClean="0"/>
+              <a:t>, </a:t>
+            </a:r>
+            <a:r>
+              <a:rPr lang="en-US" dirty="0" err="1" smtClean="0"/>
+              <a:t>Einführung</a:t>
+            </a:r>
+            <a:r>
+              <a:rPr lang="en-US" dirty="0"/>
+              <a:t> in C++</a:t>
+            </a:r>
+            <a:br>
+              <a:rPr lang="en-US" dirty="0"/>
+            </a:br>
+            <a:r>
+              <a:rPr lang="en-US" sz="1200" dirty="0">
+                <a:hlinkClick r:id="rId5"/>
+              </a:rPr>
+              <a:t>http://</a:t>
+            </a:r>
+            <a:r>
+              <a:rPr lang="en-US" sz="1200" dirty="0" smtClean="0">
+                <a:hlinkClick r:id="rId5"/>
+              </a:rPr>
+              <a:t>ladedu.com/cpp/zum_mitnehmen/cpp_einf.pdf</a:t>
+            </a:r>
+            <a:r>
+              <a:rPr lang="en-US" sz="1200" dirty="0" smtClean="0"/>
+              <a:t> </a:t>
+            </a:r>
+            <a:br>
+              <a:rPr lang="en-US" sz="1200" dirty="0" smtClean="0"/>
+            </a:br>
+            <a:endParaRPr lang="de-DE" altLang="de-DE" sz="1200" dirty="0" smtClean="0"/>
+          </a:p>
+          <a:p>
+            <a:r>
+              <a:rPr lang="de-DE" altLang="de-DE" dirty="0" smtClean="0"/>
+              <a:t>u.v</a:t>
+            </a:r>
+            <a:r>
+              <a:rPr lang="de-DE" altLang="de-DE" dirty="0" smtClean="0"/>
+              <a:t>.m.</a:t>
+            </a:r>
+            <a:endParaRPr lang="de-DE" altLang="de-DE" dirty="0" smtClean="0"/>
+          </a:p>
+        </p:txBody>
+      </p:sp>
+      <p:sp>
+        <p:nvSpPr>
+          <p:cNvPr id="4" name="Abgerundete rechteckige Legende 3"/>
+          <p:cNvSpPr/>
+          <p:nvPr/>
+        </p:nvSpPr>
+        <p:spPr>
+          <a:xfrm>
+            <a:off x="5527887" y="3140968"/>
+            <a:ext cx="3347434" cy="559789"/>
+          </a:xfrm>
+          <a:prstGeom prst="wedgeRoundRectCallout">
+            <a:avLst>
+              <a:gd name="adj1" fmla="val -67727"/>
+              <a:gd name="adj2" fmla="val -29444"/>
+              <a:gd name="adj3" fmla="val 16667"/>
+            </a:avLst>
+          </a:prstGeom>
+          <a:ln/>
+        </p:spPr>
+        <p:style>
+          <a:lnRef idx="1">
+            <a:schemeClr val="dk1"/>
+          </a:lnRef>
+          <a:fillRef idx="3">
+            <a:schemeClr val="dk1"/>
+          </a:fillRef>
+          <a:effectRef idx="2">
+            <a:schemeClr val="dk1"/>
+          </a:effectRef>
+          <a:fontRef idx="minor">
+            <a:schemeClr val="lt1"/>
+          </a:fontRef>
+        </p:style>
+        <p:txBody>
+          <a:bodyPr anchor="ctr"/>
+          <a:lstStyle/>
+          <a:p>
+            <a:pPr>
+              <a:defRPr/>
+            </a:pPr>
+            <a:r>
+              <a:rPr lang="de-DE" dirty="0" smtClean="0">
+                <a:solidFill>
+                  <a:schemeClr val="bg1"/>
+                </a:solidFill>
+              </a:rPr>
+              <a:t>Viel sehr Grundlegendes (Schleifen, etc.)</a:t>
+            </a:r>
+            <a:endParaRPr lang="de-DE" dirty="0">
+              <a:solidFill>
+                <a:schemeClr val="bg1"/>
+              </a:solidFill>
+            </a:endParaRPr>
+          </a:p>
+        </p:txBody>
+      </p:sp>
+      <p:sp>
+        <p:nvSpPr>
+          <p:cNvPr id="5" name="Abgerundete rechteckige Legende 4"/>
+          <p:cNvSpPr/>
+          <p:nvPr/>
+        </p:nvSpPr>
+        <p:spPr>
+          <a:xfrm>
+            <a:off x="5576933" y="1863682"/>
+            <a:ext cx="3347434" cy="559789"/>
+          </a:xfrm>
+          <a:prstGeom prst="wedgeRoundRectCallout">
+            <a:avLst>
+              <a:gd name="adj1" fmla="val -76516"/>
+              <a:gd name="adj2" fmla="val 38736"/>
+              <a:gd name="adj3" fmla="val 16667"/>
+            </a:avLst>
+          </a:prstGeom>
+          <a:ln/>
+        </p:spPr>
+        <p:style>
+          <a:lnRef idx="1">
+            <a:schemeClr val="dk1"/>
+          </a:lnRef>
+          <a:fillRef idx="3">
+            <a:schemeClr val="dk1"/>
+          </a:fillRef>
+          <a:effectRef idx="2">
+            <a:schemeClr val="dk1"/>
+          </a:effectRef>
+          <a:fontRef idx="minor">
+            <a:schemeClr val="lt1"/>
+          </a:fontRef>
+        </p:style>
+        <p:txBody>
+          <a:bodyPr anchor="ctr"/>
+          <a:lstStyle/>
+          <a:p>
+            <a:pPr>
+              <a:defRPr/>
+            </a:pPr>
+            <a:r>
+              <a:rPr lang="de-DE" dirty="0" smtClean="0">
+                <a:solidFill>
+                  <a:schemeClr val="bg1"/>
+                </a:solidFill>
+              </a:rPr>
+              <a:t>Sehr umfangreiches Material</a:t>
+            </a:r>
+            <a:endParaRPr lang="de-DE" dirty="0">
+              <a:solidFill>
+                <a:schemeClr val="bg1"/>
+              </a:solidFill>
+            </a:endParaRPr>
+          </a:p>
+        </p:txBody>
+      </p:sp>
+    </p:spTree>
+  </p:cSld>
+  <p:clrMapOvr>
+    <a:masterClrMapping/>
+  </p:clrMapOvr>
+  <p:timing>
+    <p:tnLst>
+      <p:par>
+        <p:cTn id="1" dur="indefinite" restart="never" nodeType="tmRoot">
+          <p:childTnLst>
+            <p:seq concurrent="1" nextAc="seek">
+              <p:cTn id="2" dur="indefinite" nodeType="mainSeq">
+                <p:childTnLst>
+                  <p:par>
+                    <p:cTn id="3" fill="hold">
+                      <p:stCondLst>
+                        <p:cond delay="indefinite"/>
+                      </p:stCondLst>
+                      <p:childTnLst>
+                        <p:par>
+                          <p:cTn id="4" fill="hold">
+                            <p:stCondLst>
+                              <p:cond delay="0"/>
+                            </p:stCondLst>
+                            <p:childTnLst>
+                              <p:par>
+                                <p:cTn id="5" presetID="10" presetClass="entr" presetSubtype="0" fill="hold" grpId="0" nodeType="clickEffect">
+                                  <p:stCondLst>
+                                    <p:cond delay="0"/>
+                                  </p:stCondLst>
+                                  <p:childTnLst>
+                                    <p:set>
+                                      <p:cBhvr>
+                                        <p:cTn id="6" dur="1" fill="hold">
+                                          <p:stCondLst>
+                                            <p:cond delay="0"/>
+                                          </p:stCondLst>
+                                        </p:cTn>
+                                        <p:tgtEl>
+                                          <p:spTgt spid="5"/>
+                                        </p:tgtEl>
+                                        <p:attrNameLst>
+                                          <p:attrName>style.visibility</p:attrName>
+                                        </p:attrNameLst>
+                                      </p:cBhvr>
+                                      <p:to>
+                                        <p:strVal val="visible"/>
+                                      </p:to>
+                                    </p:set>
+                                    <p:animEffect transition="in" filter="fade">
+                                      <p:cBhvr>
+                                        <p:cTn id="7" dur="500"/>
+                                        <p:tgtEl>
+                                          <p:spTgt spid="5"/>
+                                        </p:tgtEl>
+                                      </p:cBhvr>
+                                    </p:animEffect>
+                                  </p:childTnLst>
+                                </p:cTn>
+                              </p:par>
+                            </p:childTnLst>
+                          </p:cTn>
+                        </p:par>
+                      </p:childTnLst>
+                    </p:cTn>
+                  </p:par>
+                  <p:par>
+                    <p:cTn id="8" fill="hold">
+                      <p:stCondLst>
+                        <p:cond delay="indefinite"/>
+                      </p:stCondLst>
+                      <p:childTnLst>
+                        <p:par>
+                          <p:cTn id="9" fill="hold">
+                            <p:stCondLst>
+                              <p:cond delay="0"/>
+                            </p:stCondLst>
+                            <p:childTnLst>
+                              <p:par>
+                                <p:cTn id="10" presetID="10" presetClass="entr" presetSubtype="0" fill="hold" grpId="0" nodeType="clickEffect">
+                                  <p:stCondLst>
+                                    <p:cond delay="0"/>
+                                  </p:stCondLst>
+                                  <p:childTnLst>
+                                    <p:set>
+                                      <p:cBhvr>
+                                        <p:cTn id="11" dur="1" fill="hold">
+                                          <p:stCondLst>
+                                            <p:cond delay="0"/>
+                                          </p:stCondLst>
+                                        </p:cTn>
+                                        <p:tgtEl>
+                                          <p:spTgt spid="4"/>
+                                        </p:tgtEl>
+                                        <p:attrNameLst>
+                                          <p:attrName>style.visibility</p:attrName>
+                                        </p:attrNameLst>
+                                      </p:cBhvr>
+                                      <p:to>
+                                        <p:strVal val="visible"/>
+                                      </p:to>
+                                    </p:set>
+                                    <p:animEffect transition="in" filter="fade">
+                                      <p:cBhvr>
+                                        <p:cTn id="12" dur="500"/>
+                                        <p:tgtEl>
+                                          <p:spTgt spid="4"/>
+                                        </p:tgtEl>
+                                      </p:cBhvr>
+                                    </p:animEffect>
+                                  </p:childTnLst>
+                                </p:cTn>
+                              </p:par>
+                            </p:childTnLst>
+                          </p:cTn>
+                        </p:par>
+                      </p:childTnLst>
+                    </p:cTn>
+                  </p:par>
+                </p:childTnLst>
+              </p:cTn>
+              <p:prevCondLst>
+                <p:cond evt="onPrev" delay="0">
+                  <p:tgtEl>
+                    <p:sldTgt/>
+                  </p:tgtEl>
+                </p:cond>
+              </p:prevCondLst>
+              <p:nextCondLst>
+                <p:cond evt="onNext" delay="0">
+                  <p:tgtEl>
+                    <p:sldTgt/>
+                  </p:tgtEl>
+                </p:cond>
+              </p:nextCondLst>
+            </p:seq>
+          </p:childTnLst>
+        </p:cTn>
+      </p:par>
+    </p:tnLst>
+    <p:bldLst>
+      <p:bldP spid="4" grpId="0" animBg="1"/>
+      <p:bldP spid="5" grpId="0" animBg="1"/>
+    </p:bldLst>
+  </p:timing>
+</p:sld>
+</file>
+
+<file path=ppt/slides/slide8.xml><?xml version="1.0" encoding="utf-8"?>
+<p:sld xmlns:a="http://schemas.openxmlformats.org/drawingml/2006/main" xmlns:r="http://schemas.openxmlformats.org/officeDocument/2006/relationships" xmlns:p="http://schemas.openxmlformats.org/presentationml/2006/main">
+  <p:cSld>
+    <p:spTree>
+      <p:nvGrpSpPr>
+        <p:cNvPr id="1" name=""/>
+        <p:cNvGrpSpPr/>
+        <p:nvPr/>
+      </p:nvGrpSpPr>
+      <p:grpSpPr>
+        <a:xfrm>
+          <a:off x="0" y="0"/>
+          <a:ext cx="0" cy="0"/>
+          <a:chOff x="0" y="0"/>
+          <a:chExt cx="0" cy="0"/>
+        </a:xfrm>
+      </p:grpSpPr>
+      <p:sp>
+        <p:nvSpPr>
+          <p:cNvPr id="2" name="Titel 1"/>
+          <p:cNvSpPr>
+            <a:spLocks noGrp="1"/>
+          </p:cNvSpPr>
+          <p:nvPr>
+            <p:ph type="title"/>
+          </p:nvPr>
+        </p:nvSpPr>
+        <p:spPr/>
+        <p:txBody>
+          <a:bodyPr/>
+          <a:lstStyle/>
+          <a:p>
+            <a:r>
+              <a:rPr lang="en-US" dirty="0" smtClean="0">
+                <a:latin typeface="Arial" pitchFamily="34" charset="0"/>
+                <a:cs typeface="Arial" pitchFamily="34" charset="0"/>
               </a:rPr>
               <a:t>Projektseminar Echtzeitsysteme</a:t>
             </a:r>
             <a:br>
-              <a:rPr lang="en-US" altLang="de-DE" smtClean="0">
-                <a:ea typeface="ＭＳ Ｐゴシック" pitchFamily="34" charset="-128"/>
-                <a:cs typeface="Arial" charset="0"/>
+              <a:rPr lang="en-US" dirty="0" smtClean="0">
+                <a:latin typeface="Arial" pitchFamily="34" charset="0"/>
+                <a:cs typeface="Arial" pitchFamily="34" charset="0"/>
               </a:rPr>
             </a:br>
             <a:r>
-              <a:rPr lang="en-US" altLang="de-DE" smtClean="0">
-                <a:ea typeface="ＭＳ Ｐゴシック" pitchFamily="34" charset="-128"/>
-                <a:cs typeface="Arial" charset="0"/>
+              <a:rPr lang="en-US" dirty="0" smtClean="0">
+                <a:latin typeface="Arial" pitchFamily="34" charset="0"/>
+                <a:cs typeface="Arial" pitchFamily="34" charset="0"/>
               </a:rPr>
-              <a:t>WS 2013/14 </a:t>
-            </a:r>
-            <a:r>
-              <a:rPr lang="de-DE" altLang="de-DE" smtClean="0">
-                <a:solidFill>
-                  <a:srgbClr val="000000"/>
-                </a:solidFill>
-                <a:ea typeface="ＭＳ Ｐゴシック" pitchFamily="34" charset="-128"/>
-              </a:rPr>
-              <a:t>TODO</a:t>
-            </a:r>
-            <a:endParaRPr lang="de-DE" altLang="de-DE" smtClean="0">
-              <a:ea typeface="ＭＳ Ｐゴシック" pitchFamily="34" charset="-128"/>
-            </a:endParaRPr>
+              <a:t>WS 2014/15</a:t>
+            </a:r>
+            <a:endParaRPr lang="de-DE" dirty="0"/>
           </a:p>
         </p:txBody>
       </p:sp>
       <p:pic>
         <p:nvPicPr>
-          <p:cNvPr id="12291" name="Picture 1"/>
+          <p:cNvPr id="15" name="Picture 1"/>
           <p:cNvPicPr>
             <a:picLocks noChangeAspect="1" noChangeArrowheads="1"/>
           </p:cNvPicPr>
           <p:nvPr/>
         </p:nvPicPr>
         <p:blipFill>
-          <a:blip r:embed="rId3">
-            <a:extLst>
-              <a:ext uri="{28A0092B-C50C-407E-A947-70E740481C1C}">
-                <a14:useLocalDpi xmlns:a14="http://schemas.microsoft.com/office/drawing/2010/main" val="0"/>
-              </a:ext>
-            </a:extLst>
-          </a:blip>
+          <a:blip r:embed="rId3"/>
           <a:srcRect/>
           <a:stretch>
             <a:fillRect/>
@@ -21357,35 +23827,19 @@
         </p:blipFill>
         <p:spPr bwMode="auto">
           <a:xfrm>
-            <a:off x="-60325" y="3941763"/>
-            <a:ext cx="4068763" cy="2647950"/>
+            <a:off x="6059817" y="378115"/>
+            <a:ext cx="3253941" cy="2305671"/>
           </a:xfrm>
           <a:prstGeom prst="rect">
             <a:avLst/>
           </a:prstGeom>
           <a:noFill/>
-          <a:ln>
+          <a:ln w="12700">
             <a:noFill/>
+            <a:miter lim="800000"/>
+            <a:headEnd/>
+            <a:tailEnd/>
           </a:ln>
-          <a:extLst>
-            <a:ext uri="{909E8E84-426E-40DD-AFC4-6F175D3DCCD1}">
-              <a14:hiddenFill xmlns:a14="http://schemas.microsoft.com/office/drawing/2010/main">
-                <a:solidFill>
-                  <a:srgbClr val="FFFFFF"/>
-                </a:solidFill>
-              </a14:hiddenFill>
-            </a:ext>
-            <a:ext uri="{91240B29-F687-4F45-9708-019B960494DF}">
-              <a14:hiddenLine xmlns:a14="http://schemas.microsoft.com/office/drawing/2010/main" w="12700">
-                <a:solidFill>
-                  <a:srgbClr val="000000"/>
-                </a:solidFill>
-                <a:miter lim="800000"/>
-                <a:headEnd/>
-                <a:tailEnd/>
-              </a14:hiddenLine>
-            </a:ext>
-          </a:extLst>
         </p:spPr>
       </p:pic>
       <p:sp>
@@ -21396,8 +23850,8 @@
         </p:nvSpPr>
         <p:spPr>
           <a:xfrm>
-            <a:off x="250825" y="1558925"/>
-            <a:ext cx="3978275" cy="1570038"/>
+            <a:off x="251520" y="1558533"/>
+            <a:ext cx="4097340" cy="1637756"/>
           </a:xfrm>
           <a:prstGeom prst="rect">
             <a:avLst/>
@@ -21405,257 +23859,120 @@
           <a:noFill/>
         </p:spPr>
         <p:txBody>
-          <a:bodyPr wrap="none">
+          <a:bodyPr wrap="none" rtlCol="0">
             <a:spAutoFit/>
           </a:bodyPr>
           <a:lstStyle/>
           <a:p>
+            <a:pPr algn="l"/>
+            <a:r>
+              <a:rPr lang="de-DE" sz="1200" b="1" dirty="0"/>
+              <a:t>6</a:t>
+            </a:r>
+            <a:r>
+              <a:rPr lang="de-DE" sz="1200" b="1" dirty="0" smtClean="0"/>
+              <a:t>CPs</a:t>
+            </a:r>
+            <a:r>
+              <a:rPr lang="de-DE" sz="1200" dirty="0" smtClean="0"/>
+              <a:t> </a:t>
+            </a:r>
+            <a:r>
+              <a:rPr lang="de-DE" sz="1200" dirty="0"/>
+              <a:t>= </a:t>
+            </a:r>
+            <a:r>
+              <a:rPr lang="de-DE" sz="1200" dirty="0" smtClean="0"/>
+              <a:t>[160 - 200] </a:t>
+            </a:r>
+            <a:r>
+              <a:rPr lang="de-DE" sz="1200" dirty="0"/>
+              <a:t>Stunden im Semester</a:t>
+            </a:r>
+          </a:p>
+          <a:p>
             <a:pPr algn="l">
-              <a:lnSpc>
-                <a:spcPct val="100000"/>
-              </a:lnSpc>
-              <a:buClrTx/>
-              <a:buSzTx/>
-              <a:buFontTx/>
-              <a:buNone/>
-              <a:defRPr/>
-            </a:pPr>
-            <a:r>
-              <a:rPr lang="de-DE" sz="1200" b="1" dirty="0">
-                <a:solidFill>
-                  <a:srgbClr val="000000"/>
-                </a:solidFill>
-                <a:latin typeface="Arial" pitchFamily="34" charset="0"/>
-                <a:ea typeface="+mn-ea"/>
-              </a:rPr>
-              <a:t>6CPs</a:t>
-            </a:r>
-            <a:r>
-              <a:rPr lang="de-DE" sz="1200" dirty="0">
-                <a:solidFill>
-                  <a:srgbClr val="000000"/>
-                </a:solidFill>
-                <a:latin typeface="Arial" pitchFamily="34" charset="0"/>
-                <a:ea typeface="+mn-ea"/>
-              </a:rPr>
-              <a:t> = [150 - 180] Stunden im Semester</a:t>
-            </a:r>
-          </a:p>
-          <a:p>
-            <a:pPr algn="l">
-              <a:lnSpc>
-                <a:spcPct val="100000"/>
-              </a:lnSpc>
-              <a:buClrTx/>
-              <a:buSzTx/>
-              <a:buFontTx/>
-              <a:buNone/>
               <a:tabLst>
                 <a:tab pos="534988" algn="l"/>
               </a:tabLst>
-              <a:defRPr/>
             </a:pPr>
             <a:r>
-              <a:rPr lang="de-DE" sz="1200" dirty="0">
-                <a:solidFill>
-                  <a:srgbClr val="000000"/>
-                </a:solidFill>
-                <a:latin typeface="Arial" pitchFamily="34" charset="0"/>
-                <a:ea typeface="+mn-ea"/>
-              </a:rPr>
-              <a:t>	ca. 1 Tag(e) pro Woche [ + </a:t>
-            </a:r>
+              <a:rPr lang="de-DE" sz="1200" dirty="0" smtClean="0"/>
+              <a:t>	1 </a:t>
+            </a:r>
+            <a:r>
+              <a:rPr lang="de-DE" sz="1200" dirty="0"/>
+              <a:t>bis 2 Tag(e) pro Woche [ + Vorlesungsfreie </a:t>
+            </a:r>
+            <a:r>
+              <a:rPr lang="de-DE" sz="1200" dirty="0" smtClean="0"/>
+              <a:t>Zeit]</a:t>
+            </a:r>
+          </a:p>
+          <a:p>
+            <a:pPr algn="l"/>
+            <a:endParaRPr lang="de-DE" sz="1200" dirty="0" smtClean="0"/>
+          </a:p>
+          <a:p>
+            <a:pPr algn="l"/>
+            <a:r>
+              <a:rPr lang="de-DE" sz="1200" b="1" dirty="0" smtClean="0"/>
+              <a:t/>
+            </a:r>
+            <a:br>
+              <a:rPr lang="de-DE" sz="1200" b="1" dirty="0" smtClean="0"/>
+            </a:br>
+            <a:r>
+              <a:rPr lang="de-DE" sz="1200" b="1" dirty="0" smtClean="0"/>
+              <a:t/>
+            </a:r>
+            <a:br>
+              <a:rPr lang="de-DE" sz="1200" b="1" dirty="0" smtClean="0"/>
+            </a:br>
+            <a:r>
+              <a:rPr lang="de-DE" sz="1200" b="1" dirty="0" smtClean="0"/>
+              <a:t>Anmeldung:</a:t>
+            </a:r>
+          </a:p>
+          <a:p>
+            <a:pPr algn="l"/>
             <a:r>
               <a:rPr lang="de-DE" sz="1200" dirty="0" smtClean="0">
-                <a:solidFill>
-                  <a:srgbClr val="000000"/>
-                </a:solidFill>
-                <a:latin typeface="Arial" pitchFamily="34" charset="0"/>
-                <a:ea typeface="+mn-ea"/>
-              </a:rPr>
-              <a:t>vorlesungsfreie </a:t>
-            </a:r>
-            <a:r>
-              <a:rPr lang="de-DE" sz="1200" dirty="0">
-                <a:solidFill>
-                  <a:srgbClr val="000000"/>
-                </a:solidFill>
-                <a:latin typeface="Arial" pitchFamily="34" charset="0"/>
-                <a:ea typeface="+mn-ea"/>
-              </a:rPr>
-              <a:t>Zeit]</a:t>
-            </a:r>
-          </a:p>
-          <a:p>
-            <a:pPr algn="l">
-              <a:lnSpc>
-                <a:spcPct val="100000"/>
-              </a:lnSpc>
-              <a:buClrTx/>
-              <a:buSzTx/>
-              <a:buFontTx/>
-              <a:buNone/>
-              <a:defRPr/>
-            </a:pPr>
-            <a:endParaRPr lang="de-DE" sz="1200" dirty="0">
-              <a:solidFill>
-                <a:srgbClr val="000000"/>
-              </a:solidFill>
-              <a:latin typeface="Arial" pitchFamily="34" charset="0"/>
-              <a:ea typeface="+mn-ea"/>
-            </a:endParaRPr>
-          </a:p>
-          <a:p>
-            <a:pPr algn="l">
-              <a:lnSpc>
-                <a:spcPct val="100000"/>
-              </a:lnSpc>
-              <a:buClrTx/>
-              <a:buSzTx/>
-              <a:buFontTx/>
-              <a:buNone/>
-              <a:defRPr/>
-            </a:pPr>
-            <a:endParaRPr lang="de-DE" sz="1200" dirty="0">
-              <a:solidFill>
-                <a:srgbClr val="000000"/>
-              </a:solidFill>
-              <a:latin typeface="Arial" pitchFamily="34" charset="0"/>
-              <a:ea typeface="+mn-ea"/>
-            </a:endParaRPr>
-          </a:p>
-          <a:p>
-            <a:pPr algn="l">
-              <a:lnSpc>
-                <a:spcPct val="100000"/>
-              </a:lnSpc>
-              <a:buClrTx/>
-              <a:buSzTx/>
-              <a:buFontTx/>
-              <a:buNone/>
-              <a:defRPr/>
-            </a:pPr>
-            <a:r>
-              <a:rPr lang="de-DE" sz="1200" b="1" dirty="0">
-                <a:solidFill>
-                  <a:srgbClr val="000000"/>
-                </a:solidFill>
-                <a:latin typeface="Arial" pitchFamily="34" charset="0"/>
-                <a:ea typeface="+mn-ea"/>
-              </a:rPr>
-              <a:t>Anmeldung:</a:t>
-            </a:r>
-          </a:p>
-          <a:p>
-            <a:pPr algn="l">
-              <a:lnSpc>
-                <a:spcPct val="100000"/>
-              </a:lnSpc>
-              <a:buClrTx/>
-              <a:buSzTx/>
-              <a:buFontTx/>
-              <a:buNone/>
-              <a:defRPr/>
-            </a:pPr>
-            <a:r>
-              <a:rPr lang="de-DE" sz="1200" dirty="0">
-                <a:solidFill>
-                  <a:srgbClr val="000000"/>
-                </a:solidFill>
-                <a:latin typeface="Arial" pitchFamily="34" charset="0"/>
-                <a:ea typeface="+mn-ea"/>
                 <a:hlinkClick r:id="rId4"/>
               </a:rPr>
-              <a:t>www.es.tu-darmstadt.de</a:t>
-            </a:r>
-            <a:r>
-              <a:rPr lang="de-DE" sz="1200" dirty="0">
-                <a:solidFill>
-                  <a:srgbClr val="000000"/>
-                </a:solidFill>
-                <a:latin typeface="Arial" pitchFamily="34" charset="0"/>
-                <a:ea typeface="+mn-ea"/>
+              <a:t>http://www.es.tu-darmstadt.de</a:t>
+            </a:r>
+            <a:r>
+              <a:rPr lang="de-DE" sz="1200" dirty="0" smtClean="0"/>
+              <a:t> </a:t>
+            </a:r>
+          </a:p>
+          <a:p>
+            <a:pPr algn="l"/>
+            <a:r>
+              <a:rPr lang="de-DE" sz="1200" b="1" dirty="0" smtClean="0">
+                <a:solidFill>
+                  <a:srgbClr val="FF0000"/>
+                </a:solidFill>
+              </a:rPr>
+              <a:t>und</a:t>
+            </a:r>
+            <a:r>
+              <a:rPr lang="de-DE" sz="1200" dirty="0" smtClean="0">
+                <a:solidFill>
+                  <a:srgbClr val="FF0000"/>
+                </a:solidFill>
               </a:rPr>
               <a:t> </a:t>
             </a:r>
-            <a:r>
-              <a:rPr lang="de-DE" sz="1200" b="1" dirty="0">
-                <a:solidFill>
-                  <a:srgbClr val="FF0000"/>
-                </a:solidFill>
-                <a:latin typeface="Arial" pitchFamily="34" charset="0"/>
-                <a:ea typeface="+mn-ea"/>
-              </a:rPr>
-              <a:t>und</a:t>
-            </a:r>
-            <a:r>
-              <a:rPr lang="de-DE" sz="1200" dirty="0">
-                <a:solidFill>
-                  <a:srgbClr val="FF0000"/>
-                </a:solidFill>
-                <a:latin typeface="Arial" pitchFamily="34" charset="0"/>
-                <a:ea typeface="+mn-ea"/>
-              </a:rPr>
-              <a:t> </a:t>
-            </a:r>
-            <a:r>
-              <a:rPr lang="de-DE" sz="1200" dirty="0" err="1">
-                <a:solidFill>
-                  <a:srgbClr val="000000"/>
-                </a:solidFill>
-                <a:latin typeface="Arial" pitchFamily="34" charset="0"/>
-                <a:ea typeface="+mn-ea"/>
-              </a:rPr>
+          </a:p>
+          <a:p>
+            <a:pPr algn="l"/>
+            <a:r>
+              <a:rPr lang="de-DE" sz="1200" dirty="0" smtClean="0"/>
               <a:t>TUCaN</a:t>
             </a:r>
-            <a:endParaRPr lang="de-DE" sz="1200" dirty="0">
-              <a:solidFill>
-                <a:srgbClr val="000000"/>
-              </a:solidFill>
-              <a:latin typeface="Arial" pitchFamily="34" charset="0"/>
-              <a:ea typeface="+mn-ea"/>
-            </a:endParaRPr>
-          </a:p>
-          <a:p>
-            <a:pPr algn="l">
-              <a:lnSpc>
-                <a:spcPct val="100000"/>
-              </a:lnSpc>
-              <a:buClrTx/>
-              <a:buSzTx/>
-              <a:buFontTx/>
-              <a:buNone/>
-              <a:defRPr/>
-            </a:pPr>
-            <a:endParaRPr lang="de-DE" sz="1200" dirty="0">
-              <a:solidFill>
-                <a:srgbClr val="000000"/>
-              </a:solidFill>
-              <a:latin typeface="Arial" pitchFamily="34" charset="0"/>
-              <a:ea typeface="+mn-ea"/>
-            </a:endParaRPr>
-          </a:p>
-          <a:p>
-            <a:pPr algn="l">
-              <a:lnSpc>
-                <a:spcPct val="100000"/>
-              </a:lnSpc>
-              <a:buClrTx/>
-              <a:buSzTx/>
-              <a:buFontTx/>
-              <a:buNone/>
-              <a:defRPr/>
-            </a:pPr>
-            <a:r>
-              <a:rPr lang="de-DE" sz="1200" b="1" dirty="0">
-                <a:solidFill>
-                  <a:srgbClr val="000000"/>
-                </a:solidFill>
-                <a:latin typeface="Arial" pitchFamily="34" charset="0"/>
-                <a:ea typeface="+mn-ea"/>
-              </a:rPr>
-              <a:t>Anmeldeschluss: 20.09.2013</a:t>
-            </a:r>
+            <a:endParaRPr lang="de-DE" sz="1200" dirty="0"/>
           </a:p>
         </p:txBody>
       </p:sp>
@@ -21676,7 +23993,7 @@
         </p:blipFill>
         <p:spPr bwMode="auto">
           <a:xfrm rot="21372910">
-            <a:off x="7032159" y="1607291"/>
+            <a:off x="3132395" y="4865031"/>
             <a:ext cx="1807455" cy="1203907"/>
           </a:xfrm>
           <a:prstGeom prst="rect">
@@ -21695,36 +24012,28 @@
       </p:pic>
       <p:grpSp>
         <p:nvGrpSpPr>
-          <p:cNvPr id="12294" name="Gruppieren 17"/>
-          <p:cNvGrpSpPr>
-            <a:grpSpLocks/>
-          </p:cNvGrpSpPr>
+          <p:cNvPr id="18" name="Gruppieren 17"/>
+          <p:cNvGrpSpPr/>
           <p:nvPr/>
         </p:nvGrpSpPr>
-        <p:grpSpPr bwMode="auto">
+        <p:grpSpPr>
           <a:xfrm>
-            <a:off x="3565525" y="1738313"/>
-            <a:ext cx="2560638" cy="2114550"/>
+            <a:off x="6556003" y="4300626"/>
+            <a:ext cx="2261567" cy="1867640"/>
             <a:chOff x="5430636" y="3114346"/>
             <a:chExt cx="2561234" cy="2115110"/>
           </a:xfrm>
         </p:grpSpPr>
         <p:pic>
           <p:nvPicPr>
-            <p:cNvPr id="12312" name="Picture 6" descr="\\fg\es\public\Dokumente\04_Grafiken\Cliparts\iStockphoto\iStock_000012535816XSmall.jpg"/>
+            <p:cNvPr id="19" name="Picture 6" descr="\\fg\es\public\Dokumente\04_Grafiken\Cliparts\iStockphoto\iStock_000012535816XSmall.jpg"/>
             <p:cNvPicPr>
               <a:picLocks noChangeAspect="1" noChangeArrowheads="1"/>
             </p:cNvPicPr>
             <p:nvPr/>
           </p:nvPicPr>
           <p:blipFill>
-            <a:blip r:embed="rId6">
-              <a:extLst>
-                <a:ext uri="{28A0092B-C50C-407E-A947-70E740481C1C}">
-                  <a14:useLocalDpi xmlns:a14="http://schemas.microsoft.com/office/drawing/2010/main" val="0"/>
-                </a:ext>
-              </a:extLst>
-            </a:blip>
+            <a:blip r:embed="rId6"/>
             <a:srcRect/>
             <a:stretch>
               <a:fillRect/>
@@ -21739,33 +24048,11 @@
               <a:avLst/>
             </a:prstGeom>
             <a:noFill/>
-            <a:ln>
-              <a:noFill/>
-            </a:ln>
-            <a:extLst>
-              <a:ext uri="{909E8E84-426E-40DD-AFC4-6F175D3DCCD1}">
-                <a14:hiddenFill xmlns:a14="http://schemas.microsoft.com/office/drawing/2010/main">
-                  <a:solidFill>
-                    <a:srgbClr val="FFFFFF"/>
-                  </a:solidFill>
-                </a14:hiddenFill>
-              </a:ext>
-              <a:ext uri="{91240B29-F687-4F45-9708-019B960494DF}">
-                <a14:hiddenLine xmlns:a14="http://schemas.microsoft.com/office/drawing/2010/main" w="9525">
-                  <a:solidFill>
-                    <a:srgbClr val="000000"/>
-                  </a:solidFill>
-                  <a:miter lim="800000"/>
-                  <a:headEnd/>
-                  <a:tailEnd/>
-                </a14:hiddenLine>
-              </a:ext>
-            </a:extLst>
           </p:spPr>
         </p:pic>
         <p:pic>
           <p:nvPicPr>
-            <p:cNvPr id="12313" name="Picture 2" descr="Z:\public\Dokumente\04_Grafiken\Cliparts\iStockphoto\iStock_000010348424XSmall.jpg"/>
+            <p:cNvPr id="20" name="Picture 2" descr="Z:\public\Dokumente\04_Grafiken\Cliparts\iStockphoto\iStock_000010348424XSmall.jpg"/>
             <p:cNvPicPr>
               <a:picLocks noChangeAspect="1" noChangeArrowheads="1"/>
             </p:cNvPicPr>
@@ -21803,9 +24090,6 @@
               <a:avLst/>
             </a:prstGeom>
             <a:noFill/>
-            <a:ln>
-              <a:noFill/>
-            </a:ln>
             <a:extLst>
               <a:ext uri="{909E8E84-426E-40DD-AFC4-6F175D3DCCD1}">
                 <a14:hiddenFill xmlns:a14="http://schemas.microsoft.com/office/drawing/2010/main">
@@ -21814,52 +24098,34 @@
                   </a:solidFill>
                 </a14:hiddenFill>
               </a:ext>
-              <a:ext uri="{91240B29-F687-4F45-9708-019B960494DF}">
-                <a14:hiddenLine xmlns:a14="http://schemas.microsoft.com/office/drawing/2010/main" w="9525">
-                  <a:solidFill>
-                    <a:srgbClr val="000000"/>
-                  </a:solidFill>
-                  <a:miter lim="800000"/>
-                  <a:headEnd/>
-                  <a:tailEnd/>
-                </a14:hiddenLine>
-              </a:ext>
             </a:extLst>
           </p:spPr>
         </p:pic>
       </p:grpSp>
       <p:grpSp>
         <p:nvGrpSpPr>
-          <p:cNvPr id="12295" name="Gruppieren 21"/>
-          <p:cNvGrpSpPr>
-            <a:grpSpLocks/>
-          </p:cNvGrpSpPr>
+          <p:cNvPr id="22" name="Gruppieren 21"/>
+          <p:cNvGrpSpPr/>
           <p:nvPr/>
         </p:nvGrpSpPr>
-        <p:grpSpPr bwMode="auto">
+        <p:grpSpPr>
           <a:xfrm>
-            <a:off x="3937000" y="2476500"/>
-            <a:ext cx="5043488" cy="3860800"/>
+            <a:off x="3060726" y="1074728"/>
+            <a:ext cx="5043248" cy="3861836"/>
             <a:chOff x="1918719" y="2181025"/>
             <a:chExt cx="5043248" cy="3861836"/>
           </a:xfrm>
         </p:grpSpPr>
         <p:pic>
           <p:nvPicPr>
-            <p:cNvPr id="12298" name="Picture 13" descr="\\fg\es\public\Dokumente\04_Grafiken\Cliparts\iStockphoto\iStock_000007760041XSmall.jpg"/>
+            <p:cNvPr id="23" name="Picture 13" descr="\\fg\es\public\Dokumente\04_Grafiken\Cliparts\iStockphoto\iStock_000007760041XSmall.jpg"/>
             <p:cNvPicPr>
               <a:picLocks noChangeAspect="1" noChangeArrowheads="1"/>
             </p:cNvPicPr>
             <p:nvPr/>
           </p:nvPicPr>
           <p:blipFill>
-            <a:blip r:embed="rId8">
-              <a:extLst>
-                <a:ext uri="{28A0092B-C50C-407E-A947-70E740481C1C}">
-                  <a14:useLocalDpi xmlns:a14="http://schemas.microsoft.com/office/drawing/2010/main" val="0"/>
-                </a:ext>
-              </a:extLst>
-            </a:blip>
+            <a:blip r:embed="rId8"/>
             <a:srcRect/>
             <a:stretch>
               <a:fillRect/>
@@ -21874,46 +24140,18 @@
               <a:avLst/>
             </a:prstGeom>
             <a:noFill/>
-            <a:ln>
-              <a:noFill/>
-            </a:ln>
-            <a:extLst>
-              <a:ext uri="{909E8E84-426E-40DD-AFC4-6F175D3DCCD1}">
-                <a14:hiddenFill xmlns:a14="http://schemas.microsoft.com/office/drawing/2010/main">
-                  <a:solidFill>
-                    <a:srgbClr val="FFFFFF"/>
-                  </a:solidFill>
-                </a14:hiddenFill>
-              </a:ext>
-              <a:ext uri="{91240B29-F687-4F45-9708-019B960494DF}">
-                <a14:hiddenLine xmlns:a14="http://schemas.microsoft.com/office/drawing/2010/main" w="9525">
-                  <a:solidFill>
-                    <a:srgbClr val="000000"/>
-                  </a:solidFill>
-                  <a:miter lim="800000"/>
-                  <a:headEnd/>
-                  <a:tailEnd/>
-                </a14:hiddenLine>
-              </a:ext>
-            </a:extLst>
           </p:spPr>
         </p:pic>
         <p:pic>
           <p:nvPicPr>
-            <p:cNvPr id="12299" name="Picture 5"/>
+            <p:cNvPr id="24" name="Picture 5"/>
             <p:cNvPicPr>
               <a:picLocks noChangeAspect="1" noChangeArrowheads="1"/>
             </p:cNvPicPr>
             <p:nvPr/>
           </p:nvPicPr>
           <p:blipFill>
-            <a:blip r:embed="rId9">
-              <a:extLst>
-                <a:ext uri="{28A0092B-C50C-407E-A947-70E740481C1C}">
-                  <a14:useLocalDpi xmlns:a14="http://schemas.microsoft.com/office/drawing/2010/main" val="0"/>
-                </a:ext>
-              </a:extLst>
-            </a:blip>
+            <a:blip r:embed="rId9"/>
             <a:srcRect/>
             <a:stretch>
               <a:fillRect/>
@@ -21928,28 +24166,12 @@
               <a:avLst/>
             </a:prstGeom>
             <a:noFill/>
-            <a:ln>
+            <a:ln w="12700">
               <a:noFill/>
+              <a:miter lim="800000"/>
+              <a:headEnd/>
+              <a:tailEnd/>
             </a:ln>
-            <a:extLst>
-              <a:ext uri="{909E8E84-426E-40DD-AFC4-6F175D3DCCD1}">
-                <a14:hiddenFill xmlns:a14="http://schemas.microsoft.com/office/drawing/2010/main">
-                  <a:solidFill>
-                    <a:srgbClr val="FFFFFF"/>
-                  </a:solidFill>
-                </a14:hiddenFill>
-              </a:ext>
-              <a:ext uri="{91240B29-F687-4F45-9708-019B960494DF}">
-                <a14:hiddenLine xmlns:a14="http://schemas.microsoft.com/office/drawing/2010/main" w="12700">
-                  <a:solidFill>
-                    <a:srgbClr val="000000"/>
-                  </a:solidFill>
-                  <a:miter lim="800000"/>
-                  <a:headEnd/>
-                  <a:tailEnd/>
-                </a14:hiddenLine>
-              </a:ext>
-            </a:extLst>
           </p:spPr>
         </p:pic>
         <p:sp>
@@ -21962,8 +24184,8 @@
           </p:nvSpPr>
           <p:spPr bwMode="auto">
             <a:xfrm>
-              <a:off x="1918719" y="4558151"/>
-              <a:ext cx="1438207" cy="585944"/>
+              <a:off x="1918719" y="4558725"/>
+              <a:ext cx="1438214" cy="584775"/>
             </a:xfrm>
             <a:prstGeom prst="rect">
               <a:avLst/>
@@ -21982,48 +24204,23 @@
             </a:bodyPr>
             <a:lstStyle/>
             <a:p>
-              <a:pPr>
-                <a:lnSpc>
-                  <a:spcPct val="100000"/>
-                </a:lnSpc>
-                <a:buClrTx/>
-                <a:buSzTx/>
-                <a:buFontTx/>
-                <a:buNone/>
-                <a:defRPr/>
-              </a:pPr>
+              <a:pPr algn="ctr"/>
               <a:r>
-                <a:rPr lang="de-DE" sz="1600" b="1" dirty="0">
-                  <a:solidFill>
-                    <a:srgbClr val="000000"/>
-                  </a:solidFill>
-                  <a:latin typeface="Arial" pitchFamily="34" charset="0"/>
-                  <a:ea typeface="+mn-ea"/>
-                </a:rPr>
+                <a:rPr lang="de-DE" sz="1600" b="1" dirty="0" smtClean="0"/>
                 <a:t>Release-</a:t>
               </a:r>
             </a:p>
             <a:p>
-              <a:pPr>
-                <a:lnSpc>
-                  <a:spcPct val="100000"/>
-                </a:lnSpc>
-                <a:buClrTx/>
-                <a:buSzTx/>
-                <a:buFontTx/>
-                <a:buNone/>
-                <a:defRPr/>
-              </a:pPr>
+              <a:pPr algn="ctr"/>
               <a:r>
-                <a:rPr lang="de-DE" sz="1600" b="1" dirty="0">
-                  <a:solidFill>
-                    <a:srgbClr val="000000"/>
-                  </a:solidFill>
-                  <a:latin typeface="Arial" pitchFamily="34" charset="0"/>
-                  <a:ea typeface="+mn-ea"/>
-                </a:rPr>
-                <a:t>Management</a:t>
+                <a:rPr lang="de-DE" sz="1600" b="1" dirty="0"/>
+                <a:t>M</a:t>
               </a:r>
+              <a:r>
+                <a:rPr lang="de-DE" sz="1600" b="1" dirty="0" smtClean="0"/>
+                <a:t>anagement</a:t>
+              </a:r>
+              <a:endParaRPr lang="de-DE" sz="1600" b="1" dirty="0"/>
             </a:p>
           </p:txBody>
         </p:sp>
@@ -22037,8 +24234,8 @@
           </p:nvSpPr>
           <p:spPr bwMode="auto">
             <a:xfrm>
-              <a:off x="5723776" y="4648662"/>
-              <a:ext cx="1238191" cy="306470"/>
+              <a:off x="5724128" y="4647877"/>
+              <a:ext cx="1237839" cy="307777"/>
             </a:xfrm>
             <a:prstGeom prst="rect">
               <a:avLst/>
@@ -22057,26 +24254,11 @@
             </a:bodyPr>
             <a:lstStyle/>
             <a:p>
-              <a:pPr algn="l">
-                <a:lnSpc>
-                  <a:spcPct val="100000"/>
-                </a:lnSpc>
-                <a:buClrTx/>
-                <a:buSzTx/>
-                <a:buFontTx/>
-                <a:buNone/>
-                <a:defRPr/>
-              </a:pPr>
               <a:r>
-                <a:rPr lang="de-DE" sz="1400" b="1" dirty="0">
-                  <a:solidFill>
-                    <a:srgbClr val="000000"/>
-                  </a:solidFill>
-                  <a:latin typeface="Arial" pitchFamily="34" charset="0"/>
-                  <a:ea typeface="+mn-ea"/>
-                </a:rPr>
+                <a:rPr lang="de-DE" sz="1400" b="1" dirty="0" smtClean="0"/>
                 <a:t>Entwicklung</a:t>
               </a:r>
+              <a:endParaRPr lang="de-DE" sz="1400" b="1" dirty="0"/>
             </a:p>
           </p:txBody>
         </p:sp>
@@ -22090,8 +24272,8 @@
           </p:nvSpPr>
           <p:spPr bwMode="auto">
             <a:xfrm>
-              <a:off x="4150638" y="2759030"/>
-              <a:ext cx="830223" cy="339816"/>
+              <a:off x="4150318" y="2759661"/>
+              <a:ext cx="829843" cy="338554"/>
             </a:xfrm>
             <a:prstGeom prst="rect">
               <a:avLst/>
@@ -22110,24 +24292,8 @@
             </a:bodyPr>
             <a:lstStyle/>
             <a:p>
-              <a:pPr algn="l">
-                <a:lnSpc>
-                  <a:spcPct val="100000"/>
-                </a:lnSpc>
-                <a:buClrTx/>
-                <a:buSzTx/>
-                <a:buFontTx/>
-                <a:buNone/>
-                <a:defRPr/>
-              </a:pPr>
               <a:r>
-                <a:rPr lang="de-DE" sz="1600" b="1" dirty="0">
-                  <a:solidFill>
-                    <a:srgbClr val="000000"/>
-                  </a:solidFill>
-                  <a:latin typeface="Arial" pitchFamily="34" charset="0"/>
-                  <a:ea typeface="+mn-ea"/>
-                </a:rPr>
+                <a:rPr lang="de-DE" sz="1600" b="1" dirty="0"/>
                 <a:t>Testen</a:t>
               </a:r>
             </a:p>
@@ -22169,13 +24335,11 @@
         </p:pic>
         <p:grpSp>
           <p:nvGrpSpPr>
-            <p:cNvPr id="12304" name="Gruppieren 28"/>
-            <p:cNvGrpSpPr>
-              <a:grpSpLocks/>
-            </p:cNvGrpSpPr>
+            <p:cNvPr id="29" name="Gruppieren 28"/>
+            <p:cNvGrpSpPr/>
             <p:nvPr/>
           </p:nvGrpSpPr>
-          <p:grpSpPr bwMode="auto">
+          <p:grpSpPr>
             <a:xfrm>
               <a:off x="4260674" y="2181025"/>
               <a:ext cx="622647" cy="578636"/>
@@ -22185,14 +24349,14 @@
           </p:grpSpPr>
           <p:pic>
             <p:nvPicPr>
-              <p:cNvPr id="12309" name="Picture 14" descr="\\fg\es\public\Dokumente\04_Grafiken\Cliparts\iStockphoto\iStock_000004107449XSmall.jpg"/>
+              <p:cNvPr id="34" name="Picture 14" descr="\\fg\es\public\Dokumente\04_Grafiken\Cliparts\iStockphoto\iStock_000004107449XSmall.jpg"/>
               <p:cNvPicPr>
                 <a:picLocks noChangeAspect="1" noChangeArrowheads="1"/>
               </p:cNvPicPr>
               <p:nvPr/>
             </p:nvPicPr>
             <p:blipFill>
-              <a:blip r:embed="rId11" cstate="print">
+              <a:blip r:embed="rId11">
                 <a:clrChange>
                   <a:clrFrom>
                     <a:srgbClr val="FFFFFF"/>
@@ -22203,11 +24367,6 @@
                     </a:srgbClr>
                   </a:clrTo>
                 </a:clrChange>
-                <a:extLst>
-                  <a:ext uri="{28A0092B-C50C-407E-A947-70E740481C1C}">
-                    <a14:useLocalDpi xmlns:a14="http://schemas.microsoft.com/office/drawing/2010/main" val="0"/>
-                  </a:ext>
-                </a:extLst>
               </a:blip>
               <a:srcRect/>
               <a:stretch>
@@ -22223,40 +24382,18 @@
                 <a:avLst/>
               </a:prstGeom>
               <a:noFill/>
-              <a:ln>
-                <a:noFill/>
-              </a:ln>
-              <a:extLst>
-                <a:ext uri="{909E8E84-426E-40DD-AFC4-6F175D3DCCD1}">
-                  <a14:hiddenFill xmlns:a14="http://schemas.microsoft.com/office/drawing/2010/main">
-                    <a:solidFill>
-                      <a:srgbClr val="FFFFFF"/>
-                    </a:solidFill>
-                  </a14:hiddenFill>
-                </a:ext>
-                <a:ext uri="{91240B29-F687-4F45-9708-019B960494DF}">
-                  <a14:hiddenLine xmlns:a14="http://schemas.microsoft.com/office/drawing/2010/main" w="9525">
-                    <a:solidFill>
-                      <a:srgbClr val="000000"/>
-                    </a:solidFill>
-                    <a:miter lim="800000"/>
-                    <a:headEnd/>
-                    <a:tailEnd/>
-                  </a14:hiddenLine>
-                </a:ext>
-              </a:extLst>
             </p:spPr>
           </p:pic>
           <p:pic>
             <p:nvPicPr>
-              <p:cNvPr id="12310" name="Picture 14" descr="\\fg\es\public\Dokumente\04_Grafiken\Cliparts\iStockphoto\iStock_000004107449XSmall.jpg"/>
+              <p:cNvPr id="35" name="Picture 14" descr="\\fg\es\public\Dokumente\04_Grafiken\Cliparts\iStockphoto\iStock_000004107449XSmall.jpg"/>
               <p:cNvPicPr>
                 <a:picLocks noChangeAspect="1" noChangeArrowheads="1"/>
               </p:cNvPicPr>
               <p:nvPr/>
             </p:nvPicPr>
             <p:blipFill>
-              <a:blip r:embed="rId11" cstate="print">
+              <a:blip r:embed="rId11">
                 <a:clrChange>
                   <a:clrFrom>
                     <a:srgbClr val="FFFFFF"/>
@@ -22267,11 +24404,6 @@
                     </a:srgbClr>
                   </a:clrTo>
                 </a:clrChange>
-                <a:extLst>
-                  <a:ext uri="{28A0092B-C50C-407E-A947-70E740481C1C}">
-                    <a14:useLocalDpi xmlns:a14="http://schemas.microsoft.com/office/drawing/2010/main" val="0"/>
-                  </a:ext>
-                </a:extLst>
               </a:blip>
               <a:srcRect/>
               <a:stretch>
@@ -22287,40 +24419,18 @@
                 <a:avLst/>
               </a:prstGeom>
               <a:noFill/>
-              <a:ln>
-                <a:noFill/>
-              </a:ln>
-              <a:extLst>
-                <a:ext uri="{909E8E84-426E-40DD-AFC4-6F175D3DCCD1}">
-                  <a14:hiddenFill xmlns:a14="http://schemas.microsoft.com/office/drawing/2010/main">
-                    <a:solidFill>
-                      <a:srgbClr val="FFFFFF"/>
-                    </a:solidFill>
-                  </a14:hiddenFill>
-                </a:ext>
-                <a:ext uri="{91240B29-F687-4F45-9708-019B960494DF}">
-                  <a14:hiddenLine xmlns:a14="http://schemas.microsoft.com/office/drawing/2010/main" w="9525">
-                    <a:solidFill>
-                      <a:srgbClr val="000000"/>
-                    </a:solidFill>
-                    <a:miter lim="800000"/>
-                    <a:headEnd/>
-                    <a:tailEnd/>
-                  </a14:hiddenLine>
-                </a:ext>
-              </a:extLst>
             </p:spPr>
           </p:pic>
           <p:pic>
             <p:nvPicPr>
-              <p:cNvPr id="12311" name="Picture 14" descr="\\fg\es\public\Dokumente\04_Grafiken\Cliparts\iStockphoto\iStock_000004107449XSmall.jpg"/>
+              <p:cNvPr id="36" name="Picture 14" descr="\\fg\es\public\Dokumente\04_Grafiken\Cliparts\iStockphoto\iStock_000004107449XSmall.jpg"/>
               <p:cNvPicPr>
                 <a:picLocks noChangeAspect="1" noChangeArrowheads="1"/>
               </p:cNvPicPr>
               <p:nvPr/>
             </p:nvPicPr>
             <p:blipFill>
-              <a:blip r:embed="rId12">
+              <a:blip r:embed="rId11">
                 <a:clrChange>
                   <a:clrFrom>
                     <a:srgbClr val="FFFFFF"/>
@@ -22331,11 +24441,6 @@
                     </a:srgbClr>
                   </a:clrTo>
                 </a:clrChange>
-                <a:extLst>
-                  <a:ext uri="{28A0092B-C50C-407E-A947-70E740481C1C}">
-                    <a14:useLocalDpi xmlns:a14="http://schemas.microsoft.com/office/drawing/2010/main" val="0"/>
-                  </a:ext>
-                </a:extLst>
               </a:blip>
               <a:srcRect/>
               <a:stretch>
@@ -22351,47 +24456,19 @@
                 <a:avLst/>
               </a:prstGeom>
               <a:noFill/>
-              <a:ln>
-                <a:noFill/>
-              </a:ln>
-              <a:extLst>
-                <a:ext uri="{909E8E84-426E-40DD-AFC4-6F175D3DCCD1}">
-                  <a14:hiddenFill xmlns:a14="http://schemas.microsoft.com/office/drawing/2010/main">
-                    <a:solidFill>
-                      <a:srgbClr val="FFFFFF"/>
-                    </a:solidFill>
-                  </a14:hiddenFill>
-                </a:ext>
-                <a:ext uri="{91240B29-F687-4F45-9708-019B960494DF}">
-                  <a14:hiddenLine xmlns:a14="http://schemas.microsoft.com/office/drawing/2010/main" w="9525">
-                    <a:solidFill>
-                      <a:srgbClr val="000000"/>
-                    </a:solidFill>
-                    <a:miter lim="800000"/>
-                    <a:headEnd/>
-                    <a:tailEnd/>
-                  </a14:hiddenLine>
-                </a:ext>
-              </a:extLst>
             </p:spPr>
           </p:pic>
         </p:grpSp>
         <p:pic>
           <p:nvPicPr>
-            <p:cNvPr id="12305" name="Picture 15" descr="\\fg\es\public\Dokumente\04_Grafiken\Cliparts\iStockphoto\iStock_000003814755XSmall.jpg"/>
+            <p:cNvPr id="30" name="Picture 15" descr="\\fg\es\public\Dokumente\04_Grafiken\Cliparts\iStockphoto\iStock_000003814755XSmall.jpg"/>
             <p:cNvPicPr>
               <a:picLocks noChangeAspect="1" noChangeArrowheads="1"/>
             </p:cNvPicPr>
             <p:nvPr/>
           </p:nvPicPr>
           <p:blipFill>
-            <a:blip r:embed="rId13">
-              <a:extLst>
-                <a:ext uri="{28A0092B-C50C-407E-A947-70E740481C1C}">
-                  <a14:useLocalDpi xmlns:a14="http://schemas.microsoft.com/office/drawing/2010/main" val="0"/>
-                </a:ext>
-              </a:extLst>
-            </a:blip>
+            <a:blip r:embed="rId12"/>
             <a:srcRect/>
             <a:stretch>
               <a:fillRect/>
@@ -22406,46 +24483,18 @@
               <a:avLst/>
             </a:prstGeom>
             <a:noFill/>
-            <a:ln>
-              <a:noFill/>
-            </a:ln>
-            <a:extLst>
-              <a:ext uri="{909E8E84-426E-40DD-AFC4-6F175D3DCCD1}">
-                <a14:hiddenFill xmlns:a14="http://schemas.microsoft.com/office/drawing/2010/main">
-                  <a:solidFill>
-                    <a:srgbClr val="FFFFFF"/>
-                  </a:solidFill>
-                </a14:hiddenFill>
-              </a:ext>
-              <a:ext uri="{91240B29-F687-4F45-9708-019B960494DF}">
-                <a14:hiddenLine xmlns:a14="http://schemas.microsoft.com/office/drawing/2010/main" w="9525">
-                  <a:solidFill>
-                    <a:srgbClr val="000000"/>
-                  </a:solidFill>
-                  <a:miter lim="800000"/>
-                  <a:headEnd/>
-                  <a:tailEnd/>
-                </a14:hiddenLine>
-              </a:ext>
-            </a:extLst>
           </p:spPr>
         </p:pic>
         <p:pic>
           <p:nvPicPr>
-            <p:cNvPr id="12306" name="Picture 16" descr="\\fg\es\public\Dokumente\04_Grafiken\Cliparts\iStockphoto\iStock_000005031630XSmall.jpg"/>
+            <p:cNvPr id="31" name="Picture 16" descr="\\fg\es\public\Dokumente\04_Grafiken\Cliparts\iStockphoto\iStock_000005031630XSmall.jpg"/>
             <p:cNvPicPr>
               <a:picLocks noChangeAspect="1" noChangeArrowheads="1"/>
             </p:cNvPicPr>
             <p:nvPr/>
           </p:nvPicPr>
           <p:blipFill>
-            <a:blip r:embed="rId14">
-              <a:extLst>
-                <a:ext uri="{28A0092B-C50C-407E-A947-70E740481C1C}">
-                  <a14:useLocalDpi xmlns:a14="http://schemas.microsoft.com/office/drawing/2010/main" val="0"/>
-                </a:ext>
-              </a:extLst>
-            </a:blip>
+            <a:blip r:embed="rId13"/>
             <a:srcRect/>
             <a:stretch>
               <a:fillRect/>
@@ -22460,28 +24509,6 @@
               <a:avLst/>
             </a:prstGeom>
             <a:noFill/>
-            <a:ln>
-              <a:noFill/>
-            </a:ln>
-            <a:extLst>
-              <a:ext uri="{909E8E84-426E-40DD-AFC4-6F175D3DCCD1}">
-                <a14:hiddenFill xmlns:a14="http://schemas.microsoft.com/office/drawing/2010/main">
-                  <a:solidFill>
-                    <a:srgbClr val="FFFFFF"/>
-                  </a:solidFill>
-                </a14:hiddenFill>
-              </a:ext>
-              <a:ext uri="{91240B29-F687-4F45-9708-019B960494DF}">
-                <a14:hiddenLine xmlns:a14="http://schemas.microsoft.com/office/drawing/2010/main" w="9525">
-                  <a:solidFill>
-                    <a:srgbClr val="000000"/>
-                  </a:solidFill>
-                  <a:miter lim="800000"/>
-                  <a:headEnd/>
-                  <a:tailEnd/>
-                </a14:hiddenLine>
-              </a:ext>
-            </a:extLst>
           </p:spPr>
         </p:pic>
         <p:sp>
@@ -22494,8 +24521,8 @@
           </p:nvSpPr>
           <p:spPr bwMode="auto">
             <a:xfrm>
-              <a:off x="3974434" y="5734803"/>
-              <a:ext cx="1195330" cy="308058"/>
+              <a:off x="3973918" y="5735084"/>
+              <a:ext cx="1196161" cy="307777"/>
             </a:xfrm>
             <a:prstGeom prst="rect">
               <a:avLst/>
@@ -22514,39 +24541,24 @@
             </a:bodyPr>
             <a:lstStyle/>
             <a:p>
-              <a:pPr algn="l">
-                <a:lnSpc>
-                  <a:spcPct val="100000"/>
-                </a:lnSpc>
-                <a:buClrTx/>
-                <a:buSzTx/>
-                <a:buFontTx/>
-                <a:buNone/>
-                <a:defRPr/>
-              </a:pPr>
               <a:r>
-                <a:rPr lang="de-DE" sz="1400" b="1" dirty="0">
-                  <a:solidFill>
-                    <a:srgbClr val="000000"/>
-                  </a:solidFill>
-                  <a:latin typeface="Arial" pitchFamily="34" charset="0"/>
-                  <a:ea typeface="+mn-ea"/>
-                </a:rPr>
+                <a:rPr lang="de-DE" sz="1400" b="1" dirty="0" smtClean="0"/>
                 <a:t>Zeitplanung</a:t>
               </a:r>
+              <a:endParaRPr lang="de-DE" sz="1400" b="1" dirty="0"/>
             </a:p>
           </p:txBody>
         </p:sp>
         <p:pic>
           <p:nvPicPr>
-            <p:cNvPr id="12308" name="Picture 10" descr="\\fg\es\public\Dokumente\04_Grafiken\Cliparts\iStockphoto\iStock_000006916783XSmall.jpg"/>
+            <p:cNvPr id="33" name="Picture 10" descr="\\fg\es\public\Dokumente\04_Grafiken\Cliparts\iStockphoto\iStock_000006916783XSmall.jpg"/>
             <p:cNvPicPr>
               <a:picLocks noChangeAspect="1" noChangeArrowheads="1"/>
             </p:cNvPicPr>
             <p:nvPr/>
           </p:nvPicPr>
           <p:blipFill>
-            <a:blip r:embed="rId15">
+            <a:blip r:embed="rId14">
               <a:clrChange>
                 <a:clrFrom>
                   <a:srgbClr val="FFFFFF"/>
@@ -22557,11 +24569,6 @@
                   </a:srgbClr>
                 </a:clrTo>
               </a:clrChange>
-              <a:extLst>
-                <a:ext uri="{28A0092B-C50C-407E-A947-70E740481C1C}">
-                  <a14:useLocalDpi xmlns:a14="http://schemas.microsoft.com/office/drawing/2010/main" val="0"/>
-                </a:ext>
-              </a:extLst>
             </a:blip>
             <a:srcRect/>
             <a:stretch>
@@ -22577,114 +24584,71 @@
               <a:avLst/>
             </a:prstGeom>
             <a:noFill/>
-            <a:ln>
-              <a:noFill/>
-            </a:ln>
-            <a:extLst>
-              <a:ext uri="{909E8E84-426E-40DD-AFC4-6F175D3DCCD1}">
-                <a14:hiddenFill xmlns:a14="http://schemas.microsoft.com/office/drawing/2010/main">
-                  <a:solidFill>
-                    <a:srgbClr val="FFFFFF"/>
-                  </a:solidFill>
-                </a14:hiddenFill>
-              </a:ext>
-              <a:ext uri="{91240B29-F687-4F45-9708-019B960494DF}">
-                <a14:hiddenLine xmlns:a14="http://schemas.microsoft.com/office/drawing/2010/main" w="9525">
-                  <a:solidFill>
-                    <a:srgbClr val="000000"/>
-                  </a:solidFill>
-                  <a:miter lim="800000"/>
-                  <a:headEnd/>
-                  <a:tailEnd/>
-                </a14:hiddenLine>
-              </a:ext>
-            </a:extLst>
           </p:spPr>
         </p:pic>
       </p:grpSp>
-      <p:sp>
-        <p:nvSpPr>
-          <p:cNvPr id="5" name="Textfeld 4"/>
-          <p:cNvSpPr txBox="1"/>
+      <p:pic>
+        <p:nvPicPr>
+          <p:cNvPr id="4" name="Grafik 3"/>
+          <p:cNvPicPr>
+            <a:picLocks noChangeAspect="1"/>
+          </p:cNvPicPr>
           <p:nvPr/>
-        </p:nvSpPr>
+        </p:nvPicPr>
+        <p:blipFill>
+          <a:blip r:embed="rId15">
+            <a:extLst>
+              <a:ext uri="{28A0092B-C50C-407E-A947-70E740481C1C}">
+                <a14:useLocalDpi xmlns:a14="http://schemas.microsoft.com/office/drawing/2010/main" val="0"/>
+              </a:ext>
+            </a:extLst>
+          </a:blip>
+          <a:stretch>
+            <a:fillRect/>
+          </a:stretch>
+        </p:blipFill>
         <p:spPr>
           <a:xfrm>
-            <a:off x="1217613" y="3684588"/>
-            <a:ext cx="2078037" cy="338137"/>
+            <a:off x="54994" y="3472792"/>
+            <a:ext cx="2821819" cy="2821819"/>
           </a:xfrm>
           <a:prstGeom prst="rect">
             <a:avLst/>
           </a:prstGeom>
-          <a:noFill/>
         </p:spPr>
-        <p:txBody>
-          <a:bodyPr wrap="none">
-            <a:spAutoFit/>
-          </a:bodyPr>
-          <a:lstStyle/>
-          <a:p>
-            <a:pPr algn="l">
-              <a:lnSpc>
-                <a:spcPct val="100000"/>
-              </a:lnSpc>
-              <a:buClrTx/>
-              <a:buSzTx/>
-              <a:buFontTx/>
-              <a:buNone/>
-              <a:defRPr/>
-            </a:pPr>
-            <a:r>
-              <a:rPr lang="de-DE" sz="1600" b="1" dirty="0">
-                <a:solidFill>
-                  <a:srgbClr val="000000"/>
-                </a:solidFill>
-                <a:latin typeface="Arial" pitchFamily="34" charset="0"/>
-                <a:ea typeface="+mn-ea"/>
-              </a:rPr>
-              <a:t>Fujitsu Student Car</a:t>
-            </a:r>
-          </a:p>
-        </p:txBody>
-      </p:sp>
+      </p:pic>
       <p:sp>
         <p:nvSpPr>
-          <p:cNvPr id="29" name="Abgerundete rechteckige Legende 28"/>
+          <p:cNvPr id="37" name="Abgerundete rechteckige Legende 36"/>
           <p:cNvSpPr/>
           <p:nvPr/>
         </p:nvSpPr>
         <p:spPr>
           <a:xfrm>
-            <a:off x="5508625" y="4221163"/>
-            <a:ext cx="2951163" cy="720725"/>
+            <a:off x="5180674" y="304455"/>
+            <a:ext cx="2341281" cy="478663"/>
           </a:xfrm>
           <a:prstGeom prst="wedgeRoundRectCallout">
             <a:avLst>
-              <a:gd name="adj1" fmla="val -56333"/>
-              <a:gd name="adj2" fmla="val -45840"/>
+              <a:gd name="adj1" fmla="val 34107"/>
+              <a:gd name="adj2" fmla="val 77807"/>
               <a:gd name="adj3" fmla="val 16667"/>
             </a:avLst>
           </a:prstGeom>
           <a:solidFill>
-            <a:schemeClr val="bg1"/>
+            <a:schemeClr val="tx1"/>
           </a:solidFill>
-          <a:ln>
-            <a:solidFill>
-              <a:schemeClr val="tx1"/>
-            </a:solidFill>
-          </a:ln>
+          <a:ln/>
         </p:spPr>
         <p:style>
-          <a:lnRef idx="2">
-            <a:schemeClr val="accent1">
-              <a:shade val="50000"/>
-            </a:schemeClr>
+          <a:lnRef idx="1">
+            <a:schemeClr val="dk1"/>
           </a:lnRef>
-          <a:fillRef idx="1">
-            <a:schemeClr val="accent1"/>
+          <a:fillRef idx="3">
+            <a:schemeClr val="dk1"/>
           </a:fillRef>
-          <a:effectRef idx="0">
-            <a:schemeClr val="accent1"/>
+          <a:effectRef idx="2">
+            <a:schemeClr val="dk1"/>
           </a:effectRef>
           <a:fontRef idx="minor">
             <a:schemeClr val="lt1"/>
@@ -22698,22 +24662,31 @@
               <a:defRPr/>
             </a:pPr>
             <a:r>
-              <a:rPr lang="de-DE" dirty="0">
-                <a:solidFill>
-                  <a:schemeClr val="tx1"/>
+              <a:rPr lang="de-DE" dirty="0" smtClean="0">
+                <a:solidFill>
+                  <a:schemeClr val="bg1"/>
                 </a:solidFill>
               </a:rPr>
-              <a:t>Programmierung mit C für eingebettete Systeme</a:t>
-            </a:r>
+              <a:t>Fujitsu Student Car</a:t>
+            </a:r>
+            <a:endParaRPr lang="de-DE" dirty="0">
+              <a:solidFill>
+                <a:schemeClr val="bg1"/>
+              </a:solidFill>
+            </a:endParaRPr>
           </a:p>
         </p:txBody>
       </p:sp>
     </p:spTree>
+    <p:extLst>
+      <p:ext uri="{BB962C8B-B14F-4D97-AF65-F5344CB8AC3E}">
+        <p14:creationId xmlns:p14="http://schemas.microsoft.com/office/powerpoint/2010/main" val="1563338378"/>
+      </p:ext>
+    </p:extLst>
   </p:cSld>
   <p:clrMapOvr>
     <a:masterClrMapping/>
   </p:clrMapOvr>
-  <p:transition/>
   <p:timing>
     <p:tnLst>
       <p:par>
@@ -22723,19 +24696,19 @@
               <p:cTn id="2" dur="indefinite" nodeType="mainSeq">
                 <p:childTnLst>
                   <p:par>
-                    <p:cTn id="3" fill="hold" nodeType="clickPar">
+                    <p:cTn id="3" fill="hold">
                       <p:stCondLst>
                         <p:cond delay="indefinite"/>
                       </p:stCondLst>
                       <p:childTnLst>
                         <p:par>
-                          <p:cTn id="4" fill="hold" nodeType="withGroup">
+                          <p:cTn id="4" fill="hold">
                             <p:stCondLst>
                               <p:cond delay="0"/>
                             </p:stCondLst>
                             <p:childTnLst>
                               <p:par>
-                                <p:cTn id="5" presetID="10" presetClass="entr" presetSubtype="0" fill="hold" grpId="0" nodeType="clickEffect">
+                                <p:cTn id="5" presetID="1" presetClass="entr" presetSubtype="0" fill="hold" grpId="0" nodeType="clickEffect">
                                   <p:stCondLst>
                                     <p:cond delay="0"/>
                                   </p:stCondLst>
@@ -22748,7 +24721,7 @@
                                           </p:stCondLst>
                                         </p:cTn>
                                         <p:tgtEl>
-                                          <p:spTgt spid="29"/>
+                                          <p:spTgt spid="37"/>
                                         </p:tgtEl>
                                         <p:attrNameLst>
                                           <p:attrName>style.visibility</p:attrName>
@@ -22758,14 +24731,6 @@
                                         <p:strVal val="visible"/>
                                       </p:to>
                                     </p:set>
-                                    <p:animEffect transition="in" filter="fade">
-                                      <p:cBhvr>
-                                        <p:cTn id="7" dur="500"/>
-                                        <p:tgtEl>
-                                          <p:spTgt spid="29"/>
-                                        </p:tgtEl>
-                                      </p:cBhvr>
-                                    </p:animEffect>
                                   </p:childTnLst>
                                 </p:cTn>
                               </p:par>
@@ -22797,13 +24762,13 @@
       </p:par>
     </p:tnLst>
     <p:bldLst>
-      <p:bldP spid="29" grpId="0" animBg="1"/>
+      <p:bldP spid="37" grpId="0" animBg="1"/>
     </p:bldLst>
   </p:timing>
 </p:sld>
 </file>
 
-<file path=ppt/slides/slide8.xml><?xml version="1.0" encoding="utf-8"?>
+<file path=ppt/slides/slide9.xml><?xml version="1.0" encoding="utf-8"?>
 <p:sld xmlns:a="http://schemas.openxmlformats.org/drawingml/2006/main" xmlns:r="http://schemas.openxmlformats.org/officeDocument/2006/relationships" xmlns:p="http://schemas.openxmlformats.org/presentationml/2006/main" show="0">
   <p:cSld>
     <p:spTree>
@@ -23599,819 +25564,6 @@
     </p:tnLst>
     <p:bldLst>
       <p:bldP spid="37" grpId="0" animBg="1"/>
-    </p:bldLst>
-  </p:timing>
-</p:sld>
-</file>
-
-<file path=ppt/slides/slide9.xml><?xml version="1.0" encoding="utf-8"?>
-<p:sld xmlns:a="http://schemas.openxmlformats.org/drawingml/2006/main" xmlns:r="http://schemas.openxmlformats.org/officeDocument/2006/relationships" xmlns:p="http://schemas.openxmlformats.org/presentationml/2006/main">
-  <p:cSld>
-    <p:spTree>
-      <p:nvGrpSpPr>
-        <p:cNvPr id="1" name=""/>
-        <p:cNvGrpSpPr/>
-        <p:nvPr/>
-      </p:nvGrpSpPr>
-      <p:grpSpPr>
-        <a:xfrm>
-          <a:off x="0" y="0"/>
-          <a:ext cx="0" cy="0"/>
-          <a:chOff x="0" y="0"/>
-          <a:chExt cx="0" cy="0"/>
-        </a:xfrm>
-      </p:grpSpPr>
-      <p:pic>
-        <p:nvPicPr>
-          <p:cNvPr id="14338" name="Picture 8"/>
-          <p:cNvPicPr>
-            <a:picLocks noChangeAspect="1" noChangeArrowheads="1"/>
-          </p:cNvPicPr>
-          <p:nvPr/>
-        </p:nvPicPr>
-        <p:blipFill>
-          <a:blip r:embed="rId2">
-            <a:extLst>
-              <a:ext uri="{28A0092B-C50C-407E-A947-70E740481C1C}">
-                <a14:useLocalDpi xmlns:a14="http://schemas.microsoft.com/office/drawing/2010/main" val="0"/>
-              </a:ext>
-            </a:extLst>
-          </a:blip>
-          <a:srcRect/>
-          <a:stretch>
-            <a:fillRect/>
-          </a:stretch>
-        </p:blipFill>
-        <p:spPr bwMode="auto">
-          <a:xfrm>
-            <a:off x="225425" y="1557338"/>
-            <a:ext cx="7524750" cy="4624387"/>
-          </a:xfrm>
-          <a:prstGeom prst="rect">
-            <a:avLst/>
-          </a:prstGeom>
-          <a:noFill/>
-          <a:ln>
-            <a:noFill/>
-          </a:ln>
-          <a:extLst>
-            <a:ext uri="{909E8E84-426E-40DD-AFC4-6F175D3DCCD1}">
-              <a14:hiddenFill xmlns:a14="http://schemas.microsoft.com/office/drawing/2010/main">
-                <a:solidFill>
-                  <a:schemeClr val="accent1"/>
-                </a:solidFill>
-              </a14:hiddenFill>
-            </a:ext>
-            <a:ext uri="{91240B29-F687-4F45-9708-019B960494DF}">
-              <a14:hiddenLine xmlns:a14="http://schemas.microsoft.com/office/drawing/2010/main" w="9525" algn="ctr">
-                <a:solidFill>
-                  <a:schemeClr val="tx1"/>
-                </a:solidFill>
-                <a:miter lim="800000"/>
-                <a:headEnd/>
-                <a:tailEnd/>
-              </a14:hiddenLine>
-            </a:ext>
-          </a:extLst>
-        </p:spPr>
-      </p:pic>
-      <p:sp>
-        <p:nvSpPr>
-          <p:cNvPr id="14339" name="Titel 1"/>
-          <p:cNvSpPr>
-            <a:spLocks noGrp="1"/>
-          </p:cNvSpPr>
-          <p:nvPr>
-            <p:ph type="title"/>
-          </p:nvPr>
-        </p:nvSpPr>
-        <p:spPr/>
-        <p:txBody>
-          <a:bodyPr/>
-          <a:lstStyle/>
-          <a:p>
-            <a:r>
-              <a:rPr lang="de-DE" altLang="de-DE" smtClean="0">
-                <a:ea typeface="ＭＳ Ｐゴシック" pitchFamily="34" charset="-128"/>
-              </a:rPr>
-              <a:t>Wie wichtig sind C/C++?</a:t>
-            </a:r>
-          </a:p>
-        </p:txBody>
-      </p:sp>
-      <p:sp>
-        <p:nvSpPr>
-          <p:cNvPr id="14340" name="Rectangle 45"/>
-          <p:cNvSpPr>
-            <a:spLocks noChangeArrowheads="1"/>
-          </p:cNvSpPr>
-          <p:nvPr/>
-        </p:nvSpPr>
-        <p:spPr bwMode="auto">
-          <a:xfrm>
-            <a:off x="2001838" y="1419225"/>
-            <a:ext cx="9144000" cy="0"/>
-          </a:xfrm>
-          <a:prstGeom prst="rect">
-            <a:avLst/>
-          </a:prstGeom>
-          <a:noFill/>
-          <a:ln>
-            <a:noFill/>
-          </a:ln>
-          <a:effectLst/>
-          <a:extLst>
-            <a:ext uri="{909E8E84-426E-40DD-AFC4-6F175D3DCCD1}">
-              <a14:hiddenFill xmlns:a14="http://schemas.microsoft.com/office/drawing/2010/main">
-                <a:solidFill>
-                  <a:schemeClr val="accent1"/>
-                </a:solidFill>
-              </a14:hiddenFill>
-            </a:ext>
-            <a:ext uri="{91240B29-F687-4F45-9708-019B960494DF}">
-              <a14:hiddenLine xmlns:a14="http://schemas.microsoft.com/office/drawing/2010/main" w="9525" algn="ctr">
-                <a:solidFill>
-                  <a:schemeClr val="tx1"/>
-                </a:solidFill>
-                <a:miter lim="800000"/>
-                <a:headEnd/>
-                <a:tailEnd/>
-              </a14:hiddenLine>
-            </a:ext>
-            <a:ext uri="{AF507438-7753-43E0-B8FC-AC1667EBCBE1}">
-              <a14:hiddenEffects xmlns:a14="http://schemas.microsoft.com/office/drawing/2010/main">
-                <a:effectLst>
-                  <a:outerShdw dist="35921" dir="2700000" algn="ctr" rotWithShape="0">
-                    <a:schemeClr val="bg2"/>
-                  </a:outerShdw>
-                </a:effectLst>
-              </a14:hiddenEffects>
-            </a:ext>
-          </a:extLst>
-        </p:spPr>
-        <p:txBody>
-          <a:bodyPr wrap="none" anchor="ctr">
-            <a:spAutoFit/>
-          </a:bodyPr>
-          <a:lstStyle>
-            <a:lvl1pPr algn="l" eaLnBrk="0" hangingPunct="0">
-              <a:spcBef>
-                <a:spcPct val="20000"/>
-              </a:spcBef>
-              <a:buFont typeface="Wingdings" pitchFamily="2" charset="2"/>
-              <a:defRPr sz="2000">
-                <a:solidFill>
-                  <a:schemeClr val="tx1"/>
-                </a:solidFill>
-                <a:latin typeface="Arial" charset="0"/>
-                <a:ea typeface="ＭＳ Ｐゴシック" pitchFamily="34" charset="-128"/>
-              </a:defRPr>
-            </a:lvl1pPr>
-            <a:lvl2pPr marL="742950" indent="-285750" algn="l" eaLnBrk="0" hangingPunct="0">
-              <a:spcBef>
-                <a:spcPct val="20000"/>
-              </a:spcBef>
-              <a:buFont typeface="Wingdings" pitchFamily="2" charset="2"/>
-              <a:buChar char="§"/>
-              <a:defRPr>
-                <a:solidFill>
-                  <a:schemeClr val="tx1"/>
-                </a:solidFill>
-                <a:latin typeface="Arial" charset="0"/>
-                <a:ea typeface="ＭＳ Ｐゴシック" pitchFamily="34" charset="-128"/>
-              </a:defRPr>
-            </a:lvl2pPr>
-            <a:lvl3pPr marL="1143000" indent="-228600" algn="l" eaLnBrk="0" hangingPunct="0">
-              <a:spcBef>
-                <a:spcPct val="20000"/>
-              </a:spcBef>
-              <a:buFont typeface="Wingdings" pitchFamily="2" charset="2"/>
-              <a:buChar char="§"/>
-              <a:defRPr>
-                <a:solidFill>
-                  <a:schemeClr val="tx1"/>
-                </a:solidFill>
-                <a:latin typeface="Arial" charset="0"/>
-                <a:ea typeface="ＭＳ Ｐゴシック" pitchFamily="34" charset="-128"/>
-              </a:defRPr>
-            </a:lvl3pPr>
-            <a:lvl4pPr marL="1600200" indent="-228600" algn="l" eaLnBrk="0" hangingPunct="0">
-              <a:spcBef>
-                <a:spcPct val="20000"/>
-              </a:spcBef>
-              <a:buFont typeface="Wingdings" pitchFamily="2" charset="2"/>
-              <a:buChar char="§"/>
-              <a:defRPr sz="1600">
-                <a:solidFill>
-                  <a:schemeClr val="tx1"/>
-                </a:solidFill>
-                <a:latin typeface="Arial" charset="0"/>
-                <a:ea typeface="ＭＳ Ｐゴシック" pitchFamily="34" charset="-128"/>
-              </a:defRPr>
-            </a:lvl4pPr>
-            <a:lvl5pPr marL="2057400" indent="-228600" algn="l" eaLnBrk="0" hangingPunct="0">
-              <a:spcBef>
-                <a:spcPct val="20000"/>
-              </a:spcBef>
-              <a:buFont typeface="Wingdings" pitchFamily="2" charset="2"/>
-              <a:buChar char="§"/>
-              <a:defRPr sz="1600">
-                <a:solidFill>
-                  <a:schemeClr val="tx1"/>
-                </a:solidFill>
-                <a:latin typeface="Arial" charset="0"/>
-                <a:ea typeface="ＭＳ Ｐゴシック" pitchFamily="34" charset="-128"/>
-              </a:defRPr>
-            </a:lvl5pPr>
-            <a:lvl6pPr marL="2514600" indent="-228600" defTabSz="449263" eaLnBrk="0" fontAlgn="base" hangingPunct="0">
-              <a:spcBef>
-                <a:spcPct val="20000"/>
-              </a:spcBef>
-              <a:spcAft>
-                <a:spcPct val="0"/>
-              </a:spcAft>
-              <a:buFont typeface="Wingdings" pitchFamily="2" charset="2"/>
-              <a:buChar char="§"/>
-              <a:defRPr sz="1600">
-                <a:solidFill>
-                  <a:schemeClr val="tx1"/>
-                </a:solidFill>
-                <a:latin typeface="Arial" charset="0"/>
-                <a:ea typeface="ＭＳ Ｐゴシック" pitchFamily="34" charset="-128"/>
-              </a:defRPr>
-            </a:lvl6pPr>
-            <a:lvl7pPr marL="2971800" indent="-228600" defTabSz="449263" eaLnBrk="0" fontAlgn="base" hangingPunct="0">
-              <a:spcBef>
-                <a:spcPct val="20000"/>
-              </a:spcBef>
-              <a:spcAft>
-                <a:spcPct val="0"/>
-              </a:spcAft>
-              <a:buFont typeface="Wingdings" pitchFamily="2" charset="2"/>
-              <a:buChar char="§"/>
-              <a:defRPr sz="1600">
-                <a:solidFill>
-                  <a:schemeClr val="tx1"/>
-                </a:solidFill>
-                <a:latin typeface="Arial" charset="0"/>
-                <a:ea typeface="ＭＳ Ｐゴシック" pitchFamily="34" charset="-128"/>
-              </a:defRPr>
-            </a:lvl7pPr>
-            <a:lvl8pPr marL="3429000" indent="-228600" defTabSz="449263" eaLnBrk="0" fontAlgn="base" hangingPunct="0">
-              <a:spcBef>
-                <a:spcPct val="20000"/>
-              </a:spcBef>
-              <a:spcAft>
-                <a:spcPct val="0"/>
-              </a:spcAft>
-              <a:buFont typeface="Wingdings" pitchFamily="2" charset="2"/>
-              <a:buChar char="§"/>
-              <a:defRPr sz="1600">
-                <a:solidFill>
-                  <a:schemeClr val="tx1"/>
-                </a:solidFill>
-                <a:latin typeface="Arial" charset="0"/>
-                <a:ea typeface="ＭＳ Ｐゴシック" pitchFamily="34" charset="-128"/>
-              </a:defRPr>
-            </a:lvl8pPr>
-            <a:lvl9pPr marL="3886200" indent="-228600" defTabSz="449263" eaLnBrk="0" fontAlgn="base" hangingPunct="0">
-              <a:spcBef>
-                <a:spcPct val="20000"/>
-              </a:spcBef>
-              <a:spcAft>
-                <a:spcPct val="0"/>
-              </a:spcAft>
-              <a:buFont typeface="Wingdings" pitchFamily="2" charset="2"/>
-              <a:buChar char="§"/>
-              <a:defRPr sz="1600">
-                <a:solidFill>
-                  <a:schemeClr val="tx1"/>
-                </a:solidFill>
-                <a:latin typeface="Arial" charset="0"/>
-                <a:ea typeface="ＭＳ Ｐゴシック" pitchFamily="34" charset="-128"/>
-              </a:defRPr>
-            </a:lvl9pPr>
-          </a:lstStyle>
-          <a:p>
-            <a:pPr algn="ctr">
-              <a:spcBef>
-                <a:spcPct val="0"/>
-              </a:spcBef>
-              <a:buSzTx/>
-              <a:buFont typeface="Arial" charset="0"/>
-              <a:buNone/>
-            </a:pPr>
-            <a:r>
-              <a:rPr lang="en-US" altLang="de-DE" sz="1800"/>
-              <a:t/>
-            </a:r>
-            <a:br>
-              <a:rPr lang="en-US" altLang="de-DE" sz="1800"/>
-            </a:br>
-            <a:endParaRPr lang="en-US" altLang="de-DE" sz="1800"/>
-          </a:p>
-        </p:txBody>
-      </p:sp>
-      <p:sp>
-        <p:nvSpPr>
-          <p:cNvPr id="50" name="Abgerundete rechteckige Legende 49"/>
-          <p:cNvSpPr/>
-          <p:nvPr/>
-        </p:nvSpPr>
-        <p:spPr>
-          <a:xfrm>
-            <a:off x="5940425" y="1989138"/>
-            <a:ext cx="2016125" cy="720725"/>
-          </a:xfrm>
-          <a:prstGeom prst="wedgeRoundRectCallout">
-            <a:avLst>
-              <a:gd name="adj1" fmla="val -82398"/>
-              <a:gd name="adj2" fmla="val 171812"/>
-              <a:gd name="adj3" fmla="val 16667"/>
-            </a:avLst>
-          </a:prstGeom>
-          <a:solidFill>
-            <a:schemeClr val="bg1"/>
-          </a:solidFill>
-          <a:ln>
-            <a:solidFill>
-              <a:schemeClr val="tx1"/>
-            </a:solidFill>
-          </a:ln>
-        </p:spPr>
-        <p:style>
-          <a:lnRef idx="2">
-            <a:schemeClr val="accent1">
-              <a:shade val="50000"/>
-            </a:schemeClr>
-          </a:lnRef>
-          <a:fillRef idx="1">
-            <a:schemeClr val="accent1"/>
-          </a:fillRef>
-          <a:effectRef idx="0">
-            <a:schemeClr val="accent1"/>
-          </a:effectRef>
-          <a:fontRef idx="minor">
-            <a:schemeClr val="lt1"/>
-          </a:fontRef>
-        </p:style>
-        <p:txBody>
-          <a:bodyPr anchor="ctr"/>
-          <a:lstStyle/>
-          <a:p>
-            <a:pPr>
-              <a:defRPr/>
-            </a:pPr>
-            <a:r>
-              <a:rPr lang="de-DE" dirty="0">
-                <a:solidFill>
-                  <a:schemeClr val="tx1"/>
-                </a:solidFill>
-              </a:rPr>
-              <a:t>C war und ist sehr beliebt.</a:t>
-            </a:r>
-          </a:p>
-        </p:txBody>
-      </p:sp>
-      <p:sp>
-        <p:nvSpPr>
-          <p:cNvPr id="14342" name="Rechteck 4"/>
-          <p:cNvSpPr>
-            <a:spLocks noChangeArrowheads="1"/>
-          </p:cNvSpPr>
-          <p:nvPr/>
-        </p:nvSpPr>
-        <p:spPr bwMode="auto">
-          <a:xfrm>
-            <a:off x="4067175" y="6219825"/>
-            <a:ext cx="4572000" cy="234950"/>
-          </a:xfrm>
-          <a:prstGeom prst="rect">
-            <a:avLst/>
-          </a:prstGeom>
-          <a:noFill/>
-          <a:ln>
-            <a:noFill/>
-          </a:ln>
-          <a:extLst>
-            <a:ext uri="{909E8E84-426E-40DD-AFC4-6F175D3DCCD1}">
-              <a14:hiddenFill xmlns:a14="http://schemas.microsoft.com/office/drawing/2010/main">
-                <a:solidFill>
-                  <a:srgbClr val="FFFFFF"/>
-                </a:solidFill>
-              </a14:hiddenFill>
-            </a:ext>
-            <a:ext uri="{91240B29-F687-4F45-9708-019B960494DF}">
-              <a14:hiddenLine xmlns:a14="http://schemas.microsoft.com/office/drawing/2010/main" w="9525">
-                <a:solidFill>
-                  <a:srgbClr val="000000"/>
-                </a:solidFill>
-                <a:miter lim="800000"/>
-                <a:headEnd/>
-                <a:tailEnd/>
-              </a14:hiddenLine>
-            </a:ext>
-          </a:extLst>
-        </p:spPr>
-        <p:txBody>
-          <a:bodyPr>
-            <a:spAutoFit/>
-          </a:bodyPr>
-          <a:lstStyle>
-            <a:lvl1pPr algn="l" eaLnBrk="0" hangingPunct="0">
-              <a:spcBef>
-                <a:spcPct val="20000"/>
-              </a:spcBef>
-              <a:buFont typeface="Wingdings" pitchFamily="2" charset="2"/>
-              <a:defRPr sz="2000">
-                <a:solidFill>
-                  <a:schemeClr val="tx1"/>
-                </a:solidFill>
-                <a:latin typeface="Arial" charset="0"/>
-                <a:ea typeface="ＭＳ Ｐゴシック" pitchFamily="34" charset="-128"/>
-              </a:defRPr>
-            </a:lvl1pPr>
-            <a:lvl2pPr marL="742950" indent="-285750" algn="l" eaLnBrk="0" hangingPunct="0">
-              <a:spcBef>
-                <a:spcPct val="20000"/>
-              </a:spcBef>
-              <a:buFont typeface="Wingdings" pitchFamily="2" charset="2"/>
-              <a:buChar char="§"/>
-              <a:defRPr>
-                <a:solidFill>
-                  <a:schemeClr val="tx1"/>
-                </a:solidFill>
-                <a:latin typeface="Arial" charset="0"/>
-                <a:ea typeface="ＭＳ Ｐゴシック" pitchFamily="34" charset="-128"/>
-              </a:defRPr>
-            </a:lvl2pPr>
-            <a:lvl3pPr marL="1143000" indent="-228600" algn="l" eaLnBrk="0" hangingPunct="0">
-              <a:spcBef>
-                <a:spcPct val="20000"/>
-              </a:spcBef>
-              <a:buFont typeface="Wingdings" pitchFamily="2" charset="2"/>
-              <a:buChar char="§"/>
-              <a:defRPr>
-                <a:solidFill>
-                  <a:schemeClr val="tx1"/>
-                </a:solidFill>
-                <a:latin typeface="Arial" charset="0"/>
-                <a:ea typeface="ＭＳ Ｐゴシック" pitchFamily="34" charset="-128"/>
-              </a:defRPr>
-            </a:lvl3pPr>
-            <a:lvl4pPr marL="1600200" indent="-228600" algn="l" eaLnBrk="0" hangingPunct="0">
-              <a:spcBef>
-                <a:spcPct val="20000"/>
-              </a:spcBef>
-              <a:buFont typeface="Wingdings" pitchFamily="2" charset="2"/>
-              <a:buChar char="§"/>
-              <a:defRPr sz="1600">
-                <a:solidFill>
-                  <a:schemeClr val="tx1"/>
-                </a:solidFill>
-                <a:latin typeface="Arial" charset="0"/>
-                <a:ea typeface="ＭＳ Ｐゴシック" pitchFamily="34" charset="-128"/>
-              </a:defRPr>
-            </a:lvl4pPr>
-            <a:lvl5pPr marL="2057400" indent="-228600" algn="l" eaLnBrk="0" hangingPunct="0">
-              <a:spcBef>
-                <a:spcPct val="20000"/>
-              </a:spcBef>
-              <a:buFont typeface="Wingdings" pitchFamily="2" charset="2"/>
-              <a:buChar char="§"/>
-              <a:defRPr sz="1600">
-                <a:solidFill>
-                  <a:schemeClr val="tx1"/>
-                </a:solidFill>
-                <a:latin typeface="Arial" charset="0"/>
-                <a:ea typeface="ＭＳ Ｐゴシック" pitchFamily="34" charset="-128"/>
-              </a:defRPr>
-            </a:lvl5pPr>
-            <a:lvl6pPr marL="2514600" indent="-228600" defTabSz="449263" eaLnBrk="0" fontAlgn="base" hangingPunct="0">
-              <a:spcBef>
-                <a:spcPct val="20000"/>
-              </a:spcBef>
-              <a:spcAft>
-                <a:spcPct val="0"/>
-              </a:spcAft>
-              <a:buFont typeface="Wingdings" pitchFamily="2" charset="2"/>
-              <a:buChar char="§"/>
-              <a:defRPr sz="1600">
-                <a:solidFill>
-                  <a:schemeClr val="tx1"/>
-                </a:solidFill>
-                <a:latin typeface="Arial" charset="0"/>
-                <a:ea typeface="ＭＳ Ｐゴシック" pitchFamily="34" charset="-128"/>
-              </a:defRPr>
-            </a:lvl6pPr>
-            <a:lvl7pPr marL="2971800" indent="-228600" defTabSz="449263" eaLnBrk="0" fontAlgn="base" hangingPunct="0">
-              <a:spcBef>
-                <a:spcPct val="20000"/>
-              </a:spcBef>
-              <a:spcAft>
-                <a:spcPct val="0"/>
-              </a:spcAft>
-              <a:buFont typeface="Wingdings" pitchFamily="2" charset="2"/>
-              <a:buChar char="§"/>
-              <a:defRPr sz="1600">
-                <a:solidFill>
-                  <a:schemeClr val="tx1"/>
-                </a:solidFill>
-                <a:latin typeface="Arial" charset="0"/>
-                <a:ea typeface="ＭＳ Ｐゴシック" pitchFamily="34" charset="-128"/>
-              </a:defRPr>
-            </a:lvl7pPr>
-            <a:lvl8pPr marL="3429000" indent="-228600" defTabSz="449263" eaLnBrk="0" fontAlgn="base" hangingPunct="0">
-              <a:spcBef>
-                <a:spcPct val="20000"/>
-              </a:spcBef>
-              <a:spcAft>
-                <a:spcPct val="0"/>
-              </a:spcAft>
-              <a:buFont typeface="Wingdings" pitchFamily="2" charset="2"/>
-              <a:buChar char="§"/>
-              <a:defRPr sz="1600">
-                <a:solidFill>
-                  <a:schemeClr val="tx1"/>
-                </a:solidFill>
-                <a:latin typeface="Arial" charset="0"/>
-                <a:ea typeface="ＭＳ Ｐゴシック" pitchFamily="34" charset="-128"/>
-              </a:defRPr>
-            </a:lvl8pPr>
-            <a:lvl9pPr marL="3886200" indent="-228600" defTabSz="449263" eaLnBrk="0" fontAlgn="base" hangingPunct="0">
-              <a:spcBef>
-                <a:spcPct val="20000"/>
-              </a:spcBef>
-              <a:spcAft>
-                <a:spcPct val="0"/>
-              </a:spcAft>
-              <a:buFont typeface="Wingdings" pitchFamily="2" charset="2"/>
-              <a:buChar char="§"/>
-              <a:defRPr sz="1600">
-                <a:solidFill>
-                  <a:schemeClr val="tx1"/>
-                </a:solidFill>
-                <a:latin typeface="Arial" charset="0"/>
-                <a:ea typeface="ＭＳ Ｐゴシック" pitchFamily="34" charset="-128"/>
-              </a:defRPr>
-            </a:lvl9pPr>
-          </a:lstStyle>
-          <a:p>
-            <a:pPr algn="ctr" eaLnBrk="1" hangingPunct="1">
-              <a:spcBef>
-                <a:spcPct val="0"/>
-              </a:spcBef>
-              <a:buSzTx/>
-              <a:buFont typeface="Arial" charset="0"/>
-              <a:buNone/>
-            </a:pPr>
-            <a:r>
-              <a:rPr lang="de-DE" altLang="de-DE" sz="1000">
-                <a:hlinkClick r:id="rId3"/>
-              </a:rPr>
-              <a:t>http://www.tiobe.com/index.php/content/paperinfo/tpci/index.html</a:t>
-            </a:r>
-            <a:endParaRPr lang="de-DE" altLang="de-DE" sz="1000"/>
-          </a:p>
-        </p:txBody>
-      </p:sp>
-      <p:sp>
-        <p:nvSpPr>
-          <p:cNvPr id="52" name="Abgerundete rechteckige Legende 51"/>
-          <p:cNvSpPr/>
-          <p:nvPr/>
-        </p:nvSpPr>
-        <p:spPr>
-          <a:xfrm>
-            <a:off x="6107113" y="5229225"/>
-            <a:ext cx="2635250" cy="720725"/>
-          </a:xfrm>
-          <a:prstGeom prst="wedgeRoundRectCallout">
-            <a:avLst>
-              <a:gd name="adj1" fmla="val -61137"/>
-              <a:gd name="adj2" fmla="val -81932"/>
-              <a:gd name="adj3" fmla="val 16667"/>
-            </a:avLst>
-          </a:prstGeom>
-          <a:solidFill>
-            <a:schemeClr val="bg1"/>
-          </a:solidFill>
-          <a:ln>
-            <a:solidFill>
-              <a:schemeClr val="tx1"/>
-            </a:solidFill>
-          </a:ln>
-        </p:spPr>
-        <p:style>
-          <a:lnRef idx="2">
-            <a:schemeClr val="accent1">
-              <a:shade val="50000"/>
-            </a:schemeClr>
-          </a:lnRef>
-          <a:fillRef idx="1">
-            <a:schemeClr val="accent1"/>
-          </a:fillRef>
-          <a:effectRef idx="0">
-            <a:schemeClr val="accent1"/>
-          </a:effectRef>
-          <a:fontRef idx="minor">
-            <a:schemeClr val="lt1"/>
-          </a:fontRef>
-        </p:style>
-        <p:txBody>
-          <a:bodyPr anchor="ctr"/>
-          <a:lstStyle/>
-          <a:p>
-            <a:pPr>
-              <a:defRPr/>
-            </a:pPr>
-            <a:r>
-              <a:rPr lang="de-DE" dirty="0">
-                <a:solidFill>
-                  <a:schemeClr val="tx1"/>
-                </a:solidFill>
-              </a:rPr>
-              <a:t>C++ = „C </a:t>
-            </a:r>
-            <a:r>
-              <a:rPr lang="de-DE" dirty="0" err="1">
-                <a:solidFill>
-                  <a:schemeClr val="tx1"/>
-                </a:solidFill>
-              </a:rPr>
-              <a:t>with</a:t>
-            </a:r>
-            <a:r>
-              <a:rPr lang="de-DE" dirty="0">
-                <a:solidFill>
-                  <a:schemeClr val="tx1"/>
-                </a:solidFill>
-              </a:rPr>
-              <a:t> </a:t>
-            </a:r>
-            <a:r>
-              <a:rPr lang="de-DE" dirty="0" err="1">
-                <a:solidFill>
-                  <a:schemeClr val="tx1"/>
-                </a:solidFill>
-              </a:rPr>
-              <a:t>objects</a:t>
-            </a:r>
-            <a:r>
-              <a:rPr lang="de-DE" dirty="0">
-                <a:solidFill>
-                  <a:schemeClr val="tx1"/>
-                </a:solidFill>
-              </a:rPr>
-              <a:t>“</a:t>
-            </a:r>
-          </a:p>
-        </p:txBody>
-      </p:sp>
-    </p:spTree>
-  </p:cSld>
-  <p:clrMapOvr>
-    <a:masterClrMapping/>
-  </p:clrMapOvr>
-  <p:transition/>
-  <p:timing>
-    <p:tnLst>
-      <p:par>
-        <p:cTn id="1" dur="indefinite" restart="never" nodeType="tmRoot">
-          <p:childTnLst>
-            <p:seq concurrent="1" nextAc="seek">
-              <p:cTn id="2" dur="indefinite" nodeType="mainSeq">
-                <p:childTnLst>
-                  <p:par>
-                    <p:cTn id="3" fill="hold" nodeType="clickPar">
-                      <p:stCondLst>
-                        <p:cond delay="indefinite"/>
-                      </p:stCondLst>
-                      <p:childTnLst>
-                        <p:par>
-                          <p:cTn id="4" fill="hold" nodeType="withGroup">
-                            <p:stCondLst>
-                              <p:cond delay="0"/>
-                            </p:stCondLst>
-                            <p:childTnLst>
-                              <p:par>
-                                <p:cTn id="5" presetID="10" presetClass="entr" presetSubtype="0" fill="hold" grpId="0" nodeType="clickEffect">
-                                  <p:stCondLst>
-                                    <p:cond delay="0"/>
-                                  </p:stCondLst>
-                                  <p:childTnLst>
-                                    <p:set>
-                                      <p:cBhvr>
-                                        <p:cTn id="6" dur="1" fill="hold">
-                                          <p:stCondLst>
-                                            <p:cond delay="0"/>
-                                          </p:stCondLst>
-                                        </p:cTn>
-                                        <p:tgtEl>
-                                          <p:spTgt spid="50"/>
-                                        </p:tgtEl>
-                                        <p:attrNameLst>
-                                          <p:attrName>style.visibility</p:attrName>
-                                        </p:attrNameLst>
-                                      </p:cBhvr>
-                                      <p:to>
-                                        <p:strVal val="visible"/>
-                                      </p:to>
-                                    </p:set>
-                                    <p:animEffect transition="in" filter="fade">
-                                      <p:cBhvr>
-                                        <p:cTn id="7" dur="500"/>
-                                        <p:tgtEl>
-                                          <p:spTgt spid="50"/>
-                                        </p:tgtEl>
-                                      </p:cBhvr>
-                                    </p:animEffect>
-                                  </p:childTnLst>
-                                </p:cTn>
-                              </p:par>
-                            </p:childTnLst>
-                          </p:cTn>
-                        </p:par>
-                      </p:childTnLst>
-                    </p:cTn>
-                  </p:par>
-                  <p:par>
-                    <p:cTn id="8" fill="hold" nodeType="clickPar">
-                      <p:stCondLst>
-                        <p:cond delay="indefinite"/>
-                      </p:stCondLst>
-                      <p:childTnLst>
-                        <p:par>
-                          <p:cTn id="9" fill="hold" nodeType="withGroup">
-                            <p:stCondLst>
-                              <p:cond delay="0"/>
-                            </p:stCondLst>
-                            <p:childTnLst>
-                              <p:par>
-                                <p:cTn id="10" presetID="10" presetClass="entr" presetSubtype="0" fill="hold" grpId="0" nodeType="clickEffect">
-                                  <p:stCondLst>
-                                    <p:cond delay="0"/>
-                                  </p:stCondLst>
-                                  <p:childTnLst>
-                                    <p:set>
-                                      <p:cBhvr>
-                                        <p:cTn id="11" dur="1" fill="hold">
-                                          <p:stCondLst>
-                                            <p:cond delay="0"/>
-                                          </p:stCondLst>
-                                        </p:cTn>
-                                        <p:tgtEl>
-                                          <p:spTgt spid="52"/>
-                                        </p:tgtEl>
-                                        <p:attrNameLst>
-                                          <p:attrName>style.visibility</p:attrName>
-                                        </p:attrNameLst>
-                                      </p:cBhvr>
-                                      <p:to>
-                                        <p:strVal val="visible"/>
-                                      </p:to>
-                                    </p:set>
-                                    <p:animEffect transition="in" filter="fade">
-                                      <p:cBhvr>
-                                        <p:cTn id="12" dur="500"/>
-                                        <p:tgtEl>
-                                          <p:spTgt spid="52"/>
-                                        </p:tgtEl>
-                                      </p:cBhvr>
-                                    </p:animEffect>
-                                  </p:childTnLst>
-                                </p:cTn>
-                              </p:par>
-                            </p:childTnLst>
-                          </p:cTn>
-                        </p:par>
-                      </p:childTnLst>
-                    </p:cTn>
-                  </p:par>
-                </p:childTnLst>
-              </p:cTn>
-              <p:prevCondLst>
-                <p:cond evt="onPrev" delay="0">
-                  <p:tgtEl>
-                    <p:sldTgt/>
-                  </p:tgtEl>
-                </p:cond>
-              </p:prevCondLst>
-              <p:nextCondLst>
-                <p:cond evt="onNext" delay="0">
-                  <p:tgtEl>
-                    <p:sldTgt/>
-                  </p:tgtEl>
-                </p:cond>
-              </p:nextCondLst>
-            </p:seq>
-          </p:childTnLst>
-        </p:cTn>
-      </p:par>
-    </p:tnLst>
-    <p:bldLst>
-      <p:bldP spid="50" grpId="0" animBg="1"/>
-      <p:bldP spid="52" grpId="0" animBg="1"/>
     </p:bldLst>
   </p:timing>
 </p:sld>

--- a/Vorlesung/0 Organisatorisches.pptx
+++ b/Vorlesung/0 Organisatorisches.pptx
@@ -5967,6 +5967,698 @@
 </p:notes>
 </file>
 
+<file path=ppt/notesSlides/notesSlide7.xml><?xml version="1.0" encoding="utf-8"?>
+<p:notes xmlns:a="http://schemas.openxmlformats.org/drawingml/2006/main" xmlns:r="http://schemas.openxmlformats.org/officeDocument/2006/relationships" xmlns:p="http://schemas.openxmlformats.org/presentationml/2006/main">
+  <p:cSld>
+    <p:spTree>
+      <p:nvGrpSpPr>
+        <p:cNvPr id="1" name=""/>
+        <p:cNvGrpSpPr/>
+        <p:nvPr/>
+      </p:nvGrpSpPr>
+      <p:grpSpPr>
+        <a:xfrm>
+          <a:off x="0" y="0"/>
+          <a:ext cx="0" cy="0"/>
+          <a:chOff x="0" y="0"/>
+          <a:chExt cx="0" cy="0"/>
+        </a:xfrm>
+      </p:grpSpPr>
+      <p:sp>
+        <p:nvSpPr>
+          <p:cNvPr id="2" name="Folienbildplatzhalter 1"/>
+          <p:cNvSpPr>
+            <a:spLocks noGrp="1" noRot="1" noChangeAspect="1"/>
+          </p:cNvSpPr>
+          <p:nvPr>
+            <p:ph type="sldImg"/>
+          </p:nvPr>
+        </p:nvSpPr>
+        <p:spPr/>
+      </p:sp>
+      <p:sp>
+        <p:nvSpPr>
+          <p:cNvPr id="3" name="Notizenplatzhalter 2"/>
+          <p:cNvSpPr>
+            <a:spLocks noGrp="1"/>
+          </p:cNvSpPr>
+          <p:nvPr>
+            <p:ph type="body" idx="1"/>
+          </p:nvPr>
+        </p:nvSpPr>
+        <p:spPr/>
+        <p:txBody>
+          <a:bodyPr/>
+          <a:lstStyle/>
+          <a:p>
+            <a:r>
+              <a:rPr lang="de-DE" dirty="0" smtClean="0"/>
+              <a:t>Links:</a:t>
+            </a:r>
+          </a:p>
+          <a:p>
+            <a:pPr marL="171450" indent="-171450">
+              <a:buFont typeface="Arial" panose="020B0604020202020204" pitchFamily="34" charset="0"/>
+              <a:buChar char="•"/>
+            </a:pPr>
+            <a:r>
+              <a:rPr lang="de-DE" dirty="0" smtClean="0"/>
+              <a:t>http://de.wikipedia.org/wiki/Geschichte_der_Programmiersprachen</a:t>
+            </a:r>
+          </a:p>
+          <a:p>
+            <a:pPr marL="171450" indent="-171450">
+              <a:buFont typeface="Arial" panose="020B0604020202020204" pitchFamily="34" charset="0"/>
+              <a:buChar char="•"/>
+            </a:pPr>
+            <a:r>
+              <a:rPr lang="de-DE" dirty="0" smtClean="0"/>
+              <a:t>Erstes Programm: 1842, Ada Lovelace für Analytical</a:t>
+            </a:r>
+            <a:r>
+              <a:rPr lang="de-DE" baseline="0" dirty="0" smtClean="0"/>
+              <a:t> Engine von Charles Babbage</a:t>
+            </a:r>
+            <a:endParaRPr lang="de-DE" dirty="0" smtClean="0"/>
+          </a:p>
+          <a:p>
+            <a:pPr marL="171450" indent="-171450">
+              <a:buFont typeface="Arial" panose="020B0604020202020204" pitchFamily="34" charset="0"/>
+              <a:buChar char="•"/>
+            </a:pPr>
+            <a:r>
+              <a:rPr lang="de-DE" dirty="0" err="1" smtClean="0"/>
+              <a:t>Simula</a:t>
+            </a:r>
+            <a:r>
+              <a:rPr lang="de-DE" dirty="0" smtClean="0"/>
+              <a:t> 67</a:t>
+            </a:r>
+          </a:p>
+          <a:p>
+            <a:pPr marL="914400" lvl="1" indent="-171450">
+              <a:buFont typeface="Arial" panose="020B0604020202020204" pitchFamily="34" charset="0"/>
+              <a:buChar char="•"/>
+            </a:pPr>
+            <a:r>
+              <a:rPr lang="de-DE" dirty="0" smtClean="0"/>
+              <a:t>Klassenkonzept</a:t>
+            </a:r>
+            <a:r>
+              <a:rPr lang="de-DE" baseline="0" dirty="0" smtClean="0"/>
+              <a:t>, um Parameterdschungel zu entgehen</a:t>
+            </a:r>
+            <a:endParaRPr lang="de-DE" dirty="0" smtClean="0"/>
+          </a:p>
+          <a:p>
+            <a:pPr marL="171450" indent="-171450">
+              <a:buFont typeface="Arial" panose="020B0604020202020204" pitchFamily="34" charset="0"/>
+              <a:buChar char="•"/>
+            </a:pPr>
+            <a:r>
+              <a:rPr lang="de-DE" dirty="0" smtClean="0"/>
+              <a:t>BCPL</a:t>
+            </a:r>
+          </a:p>
+          <a:p>
+            <a:pPr marL="914400" lvl="1" indent="-171450">
+              <a:buFont typeface="Arial" panose="020B0604020202020204" pitchFamily="34" charset="0"/>
+              <a:buChar char="•"/>
+            </a:pPr>
+            <a:r>
+              <a:rPr lang="de-DE" dirty="0" smtClean="0"/>
+              <a:t>1967, MIT, Martin Richards, einfach zu erlernende Sprache/Pioniersprache</a:t>
+            </a:r>
+          </a:p>
+          <a:p>
+            <a:pPr marL="914400" lvl="1" indent="-171450">
+              <a:buFont typeface="Arial" panose="020B0604020202020204" pitchFamily="34" charset="0"/>
+              <a:buChar char="•"/>
+            </a:pPr>
+            <a:r>
+              <a:rPr lang="de-DE" dirty="0" smtClean="0"/>
+              <a:t>nur ein Typ: Wort -&gt;</a:t>
+            </a:r>
+            <a:r>
+              <a:rPr lang="de-DE" baseline="0" dirty="0" smtClean="0"/>
+              <a:t> muss interpretiert werden</a:t>
+            </a:r>
+          </a:p>
+          <a:p>
+            <a:pPr marL="914400" lvl="1" indent="-171450">
+              <a:buFont typeface="Arial" panose="020B0604020202020204" pitchFamily="34" charset="0"/>
+              <a:buChar char="•"/>
+            </a:pPr>
+            <a:r>
+              <a:rPr lang="de-DE" baseline="0" dirty="0" smtClean="0"/>
+              <a:t>neue Idee: Zwischen-/Objektcode</a:t>
+            </a:r>
+          </a:p>
+          <a:p>
+            <a:pPr marL="914400" lvl="1" indent="-171450">
+              <a:buFont typeface="Arial" panose="020B0604020202020204" pitchFamily="34" charset="0"/>
+              <a:buChar char="•"/>
+            </a:pPr>
+            <a:r>
+              <a:rPr lang="de-DE" baseline="0" dirty="0" smtClean="0"/>
+              <a:t>eingesetzt zur Implementierung von </a:t>
+            </a:r>
+            <a:r>
+              <a:rPr lang="de-DE" baseline="0" dirty="0" err="1" smtClean="0"/>
+              <a:t>AmigaOS</a:t>
+            </a:r>
+            <a:endParaRPr lang="de-DE" baseline="0" dirty="0" smtClean="0"/>
+          </a:p>
+          <a:p>
+            <a:pPr marL="171450" lvl="0" indent="-171450">
+              <a:buFont typeface="Arial" panose="020B0604020202020204" pitchFamily="34" charset="0"/>
+              <a:buChar char="•"/>
+            </a:pPr>
+            <a:r>
+              <a:rPr lang="de-DE" baseline="0" dirty="0" smtClean="0"/>
+              <a:t>B</a:t>
+            </a:r>
+          </a:p>
+          <a:p>
+            <a:pPr marL="914400" lvl="1" indent="-171450">
+              <a:buFont typeface="Arial" panose="020B0604020202020204" pitchFamily="34" charset="0"/>
+              <a:buChar char="•"/>
+            </a:pPr>
+            <a:r>
+              <a:rPr lang="de-DE" baseline="0" dirty="0" smtClean="0"/>
+              <a:t>1969, Ken Thompson, Dennis </a:t>
+            </a:r>
+            <a:r>
+              <a:rPr lang="de-DE" baseline="0" dirty="0" err="1" smtClean="0"/>
+              <a:t>Ritchie</a:t>
+            </a:r>
+            <a:endParaRPr lang="de-DE" baseline="0" dirty="0" smtClean="0"/>
+          </a:p>
+          <a:p>
+            <a:pPr marL="914400" lvl="1" indent="-171450">
+              <a:buFont typeface="Arial" panose="020B0604020202020204" pitchFamily="34" charset="0"/>
+              <a:buChar char="•"/>
+            </a:pPr>
+            <a:r>
+              <a:rPr lang="de-DE" baseline="0" dirty="0" smtClean="0"/>
+              <a:t>interpretierter Zwischencode</a:t>
+            </a:r>
+          </a:p>
+          <a:p>
+            <a:pPr marL="914400" lvl="1" indent="-171450">
+              <a:buFont typeface="Arial" panose="020B0604020202020204" pitchFamily="34" charset="0"/>
+              <a:buChar char="•"/>
+            </a:pPr>
+            <a:r>
+              <a:rPr lang="de-DE" baseline="0" dirty="0" smtClean="0"/>
+              <a:t>manche Programme lassen sich tatsächlich mit C-Compiler übersetzen</a:t>
+            </a:r>
+            <a:endParaRPr lang="de-DE" dirty="0" smtClean="0"/>
+          </a:p>
+          <a:p>
+            <a:pPr marL="171450" indent="-171450">
+              <a:buFont typeface="Arial" panose="020B0604020202020204" pitchFamily="34" charset="0"/>
+              <a:buChar char="•"/>
+            </a:pPr>
+            <a:r>
+              <a:rPr lang="de-DE" dirty="0" smtClean="0"/>
+              <a:t>C</a:t>
+            </a:r>
+          </a:p>
+          <a:p>
+            <a:pPr marL="914400" lvl="1" indent="-171450">
+              <a:buFont typeface="Arial" panose="020B0604020202020204" pitchFamily="34" charset="0"/>
+              <a:buChar char="•"/>
+            </a:pPr>
+            <a:r>
+              <a:rPr lang="de-DE" dirty="0" smtClean="0"/>
+              <a:t>Standards: C89/C90, C95, C99, C11</a:t>
+            </a:r>
+          </a:p>
+          <a:p>
+            <a:pPr marL="914400" lvl="1" indent="-171450">
+              <a:buFont typeface="Arial" panose="020B0604020202020204" pitchFamily="34" charset="0"/>
+              <a:buChar char="•"/>
+            </a:pPr>
+            <a:r>
+              <a:rPr lang="de-DE" dirty="0" smtClean="0"/>
+              <a:t>1969-1973: Dennis </a:t>
+            </a:r>
+            <a:r>
+              <a:rPr lang="de-DE" dirty="0" err="1" smtClean="0"/>
+              <a:t>Ritchie</a:t>
+            </a:r>
+            <a:r>
+              <a:rPr lang="de-DE" dirty="0" smtClean="0"/>
+              <a:t>, Entwicklung von Unix (neu</a:t>
+            </a:r>
+            <a:r>
+              <a:rPr lang="de-DE" baseline="0" dirty="0" smtClean="0"/>
+              <a:t> implementiert in C im Jahr 1973)</a:t>
+            </a:r>
+          </a:p>
+          <a:p>
+            <a:pPr marL="914400" lvl="1" indent="-171450">
+              <a:buFont typeface="Arial" panose="020B0604020202020204" pitchFamily="34" charset="0"/>
+              <a:buChar char="•"/>
+            </a:pPr>
+            <a:r>
+              <a:rPr lang="de-DE" baseline="0" dirty="0" smtClean="0"/>
+              <a:t>1978: </a:t>
+            </a:r>
+            <a:r>
+              <a:rPr lang="de-DE" baseline="0" dirty="0" err="1" smtClean="0"/>
+              <a:t>Kernighan</a:t>
+            </a:r>
+            <a:r>
+              <a:rPr lang="de-DE" baseline="0" dirty="0" smtClean="0"/>
+              <a:t> </a:t>
+            </a:r>
+            <a:r>
+              <a:rPr lang="de-DE" baseline="0" dirty="0" err="1" smtClean="0"/>
+              <a:t>and</a:t>
+            </a:r>
+            <a:r>
+              <a:rPr lang="de-DE" baseline="0" dirty="0" smtClean="0"/>
+              <a:t> </a:t>
+            </a:r>
+            <a:r>
+              <a:rPr lang="de-DE" baseline="0" dirty="0" err="1" smtClean="0"/>
+              <a:t>Ritchie</a:t>
+            </a:r>
+            <a:r>
+              <a:rPr lang="de-DE" baseline="0" dirty="0" smtClean="0"/>
+              <a:t> (</a:t>
+            </a:r>
+            <a:r>
+              <a:rPr lang="de-DE" baseline="0" dirty="0" err="1" smtClean="0"/>
+              <a:t>unsigned</a:t>
+            </a:r>
+            <a:r>
+              <a:rPr lang="de-DE" baseline="0" dirty="0" smtClean="0"/>
+              <a:t> </a:t>
+            </a:r>
+            <a:r>
+              <a:rPr lang="de-DE" baseline="0" dirty="0" err="1" smtClean="0"/>
+              <a:t>long</a:t>
+            </a:r>
+            <a:r>
+              <a:rPr lang="de-DE" baseline="0" dirty="0" smtClean="0"/>
+              <a:t>/</a:t>
+            </a:r>
+            <a:r>
+              <a:rPr lang="de-DE" baseline="0" dirty="0" err="1" smtClean="0"/>
+              <a:t>int</a:t>
+            </a:r>
+            <a:r>
+              <a:rPr lang="de-DE" baseline="0" dirty="0" smtClean="0"/>
+              <a:t>, &lt;</a:t>
+            </a:r>
+            <a:r>
+              <a:rPr lang="de-DE" baseline="0" dirty="0" err="1" smtClean="0"/>
+              <a:t>stdio.h</a:t>
+            </a:r>
+            <a:r>
+              <a:rPr lang="de-DE" baseline="0" dirty="0" smtClean="0"/>
+              <a:t>&gt;)</a:t>
+            </a:r>
+          </a:p>
+          <a:p>
+            <a:pPr marL="914400" lvl="1" indent="-171450">
+              <a:buFont typeface="Arial" panose="020B0604020202020204" pitchFamily="34" charset="0"/>
+              <a:buChar char="•"/>
+            </a:pPr>
+            <a:r>
+              <a:rPr lang="de-DE" baseline="0" dirty="0" smtClean="0"/>
+              <a:t>1983-1989: Standardisierung durch ANSI; 1990: ISO</a:t>
+            </a:r>
+          </a:p>
+          <a:p>
+            <a:pPr marL="171450" lvl="0" indent="-171450">
+              <a:buFont typeface="Arial" panose="020B0604020202020204" pitchFamily="34" charset="0"/>
+              <a:buChar char="•"/>
+            </a:pPr>
+            <a:r>
+              <a:rPr lang="de-DE" baseline="0" dirty="0" smtClean="0"/>
+              <a:t>C++ </a:t>
+            </a:r>
+          </a:p>
+          <a:p>
+            <a:pPr marL="914400" lvl="1" indent="-171450">
+              <a:buFont typeface="Arial" panose="020B0604020202020204" pitchFamily="34" charset="0"/>
+              <a:buChar char="•"/>
+            </a:pPr>
+            <a:r>
+              <a:rPr lang="de-DE" baseline="0" dirty="0" smtClean="0"/>
+              <a:t>Bjarne </a:t>
+            </a:r>
+            <a:r>
+              <a:rPr lang="de-DE" baseline="0" dirty="0" err="1" smtClean="0"/>
+              <a:t>Stroustroup</a:t>
+            </a:r>
+            <a:r>
+              <a:rPr lang="de-DE" baseline="0" dirty="0" smtClean="0"/>
+              <a:t>: </a:t>
+            </a:r>
+          </a:p>
+          <a:p>
+            <a:pPr marL="1314450" lvl="2" indent="-171450">
+              <a:buFont typeface="Arial" panose="020B0604020202020204" pitchFamily="34" charset="0"/>
+              <a:buChar char="•"/>
+            </a:pPr>
+            <a:r>
+              <a:rPr lang="de-DE" baseline="0" dirty="0" err="1" smtClean="0"/>
+              <a:t>Simula</a:t>
+            </a:r>
+            <a:r>
+              <a:rPr lang="de-DE" baseline="0" dirty="0" smtClean="0"/>
+              <a:t> 2 gut zu programmieren, jedoch nicht für hocheffizienten Code geeignet</a:t>
+            </a:r>
+          </a:p>
+          <a:p>
+            <a:pPr marL="1314450" lvl="2" indent="-171450">
+              <a:buFont typeface="Arial" panose="020B0604020202020204" pitchFamily="34" charset="0"/>
+              <a:buChar char="•"/>
+            </a:pPr>
+            <a:r>
+              <a:rPr lang="de-DE" baseline="0" dirty="0" smtClean="0"/>
+              <a:t>BCPL: effizient, jedoch nicht für größere Projekte geeignet</a:t>
+            </a:r>
+          </a:p>
+          <a:p>
+            <a:pPr marL="1314450" lvl="2" indent="-171450">
+              <a:buFont typeface="Arial" panose="020B0604020202020204" pitchFamily="34" charset="0"/>
+              <a:buChar char="•"/>
+            </a:pPr>
+            <a:r>
+              <a:rPr lang="de-DE" baseline="0" dirty="0" smtClean="0"/>
+              <a:t>C: weit verbreitet</a:t>
+            </a:r>
+          </a:p>
+          <a:p>
+            <a:pPr marL="914400" lvl="1" indent="-171450">
+              <a:buFont typeface="Arial" panose="020B0604020202020204" pitchFamily="34" charset="0"/>
+              <a:buChar char="•"/>
+            </a:pPr>
+            <a:r>
+              <a:rPr lang="de-DE" baseline="0" dirty="0" err="1" smtClean="0"/>
+              <a:t>Erweiterugen</a:t>
+            </a:r>
+            <a:r>
+              <a:rPr lang="de-DE" baseline="0" dirty="0" smtClean="0"/>
+              <a:t>:</a:t>
+            </a:r>
+          </a:p>
+          <a:p>
+            <a:pPr marL="1314450" lvl="2" indent="-171450">
+              <a:buFont typeface="Arial" panose="020B0604020202020204" pitchFamily="34" charset="0"/>
+              <a:buChar char="•"/>
+            </a:pPr>
+            <a:r>
+              <a:rPr lang="de-DE" baseline="0" dirty="0" smtClean="0"/>
+              <a:t>Klassenkonzept (Simula-67) -&gt; </a:t>
+            </a:r>
+            <a:r>
+              <a:rPr lang="de-DE" i="1" baseline="0" dirty="0" smtClean="0"/>
+              <a:t>C </a:t>
+            </a:r>
+            <a:r>
+              <a:rPr lang="de-DE" i="1" baseline="0" dirty="0" err="1" smtClean="0"/>
+              <a:t>with</a:t>
+            </a:r>
+            <a:r>
+              <a:rPr lang="de-DE" i="1" baseline="0" dirty="0" smtClean="0"/>
+              <a:t> </a:t>
+            </a:r>
+            <a:r>
+              <a:rPr lang="de-DE" i="1" baseline="0" dirty="0" err="1" smtClean="0"/>
+              <a:t>Classes</a:t>
+            </a:r>
+            <a:r>
+              <a:rPr lang="de-DE" i="0" baseline="0" dirty="0" smtClean="0"/>
+              <a:t> (ab 1983: </a:t>
+            </a:r>
+            <a:r>
+              <a:rPr lang="de-DE" i="1" baseline="0" dirty="0" smtClean="0"/>
+              <a:t>C++</a:t>
+            </a:r>
+            <a:r>
+              <a:rPr lang="de-DE" i="0" baseline="0" dirty="0" smtClean="0"/>
+              <a:t>)</a:t>
+            </a:r>
+          </a:p>
+          <a:p>
+            <a:pPr marL="1314450" lvl="2" indent="-171450">
+              <a:buFont typeface="Arial" panose="020B0604020202020204" pitchFamily="34" charset="0"/>
+              <a:buChar char="•"/>
+            </a:pPr>
+            <a:r>
+              <a:rPr lang="de-DE" i="0" baseline="0" dirty="0" smtClean="0"/>
+              <a:t>1983: Überladen von Funktionen und Operatoren, Referenzen, Konstanten</a:t>
+            </a:r>
+          </a:p>
+          <a:p>
+            <a:pPr marL="1314450" lvl="2" indent="-171450">
+              <a:buFont typeface="Arial" panose="020B0604020202020204" pitchFamily="34" charset="0"/>
+              <a:buChar char="•"/>
+            </a:pPr>
+            <a:r>
+              <a:rPr lang="de-DE" i="0" baseline="0" dirty="0" smtClean="0"/>
+              <a:t>1985: Mehrfachvererbung, abstrakte Klassen, statische/konstante Funktionen, </a:t>
+            </a:r>
+            <a:r>
+              <a:rPr lang="de-DE" i="1" baseline="0" dirty="0" err="1" smtClean="0"/>
+              <a:t>protected</a:t>
+            </a:r>
+            <a:endParaRPr lang="de-DE" baseline="0" dirty="0" smtClean="0"/>
+          </a:p>
+          <a:p>
+            <a:pPr marL="914400" lvl="1" indent="-171450">
+              <a:buFont typeface="Arial" panose="020B0604020202020204" pitchFamily="34" charset="0"/>
+              <a:buChar char="•"/>
+            </a:pPr>
+            <a:r>
+              <a:rPr lang="de-DE" baseline="0" dirty="0" smtClean="0"/>
+              <a:t>Erster Compiler: </a:t>
+            </a:r>
+            <a:r>
+              <a:rPr lang="de-DE" i="1" baseline="0" dirty="0" err="1" smtClean="0"/>
+              <a:t>cfront</a:t>
+            </a:r>
+            <a:r>
+              <a:rPr lang="de-DE" i="0" baseline="0" dirty="0" smtClean="0"/>
+              <a:t> generiert C++-Code</a:t>
+            </a:r>
+          </a:p>
+          <a:p>
+            <a:pPr marL="914400" lvl="1" indent="-171450">
+              <a:buFont typeface="Arial" panose="020B0604020202020204" pitchFamily="34" charset="0"/>
+              <a:buChar char="•"/>
+            </a:pPr>
+            <a:r>
+              <a:rPr lang="de-DE" i="0" baseline="0" dirty="0" smtClean="0"/>
+              <a:t>Seit C++11: </a:t>
+            </a:r>
+            <a:r>
+              <a:rPr lang="de-DE" i="0" baseline="0" dirty="0" err="1" smtClean="0"/>
+              <a:t>foreach</a:t>
+            </a:r>
+            <a:r>
+              <a:rPr lang="de-DE" i="0" baseline="0" dirty="0" smtClean="0"/>
+              <a:t>, automatische Typableitung (</a:t>
+            </a:r>
+            <a:r>
+              <a:rPr lang="de-DE" i="1" baseline="0" dirty="0" err="1" smtClean="0"/>
+              <a:t>auto</a:t>
+            </a:r>
+            <a:r>
+              <a:rPr lang="de-DE" i="0" baseline="0" dirty="0" smtClean="0"/>
+              <a:t>), </a:t>
+            </a:r>
+            <a:r>
+              <a:rPr lang="de-DE" i="0" baseline="0" dirty="0" err="1" smtClean="0"/>
+              <a:t>Compilezeitchecks</a:t>
+            </a:r>
+            <a:r>
+              <a:rPr lang="de-DE" i="0" baseline="0" dirty="0" smtClean="0"/>
+              <a:t> (</a:t>
+            </a:r>
+            <a:r>
+              <a:rPr lang="de-DE" i="1" baseline="0" dirty="0" err="1" smtClean="0"/>
+              <a:t>static</a:t>
+            </a:r>
+            <a:r>
+              <a:rPr lang="de-DE" i="1" baseline="0" dirty="0" smtClean="0"/>
+              <a:t> </a:t>
+            </a:r>
+            <a:r>
+              <a:rPr lang="de-DE" i="1" baseline="0" dirty="0" err="1" smtClean="0"/>
+              <a:t>asserts</a:t>
+            </a:r>
+            <a:r>
+              <a:rPr lang="de-DE" i="0" baseline="0" dirty="0" smtClean="0"/>
+              <a:t>)</a:t>
+            </a:r>
+          </a:p>
+          <a:p>
+            <a:pPr marL="171450" lvl="0" indent="-171450">
+              <a:buFont typeface="Arial" panose="020B0604020202020204" pitchFamily="34" charset="0"/>
+              <a:buChar char="•"/>
+            </a:pPr>
+            <a:r>
+              <a:rPr lang="de-DE" dirty="0" smtClean="0"/>
+              <a:t>Java</a:t>
+            </a:r>
+          </a:p>
+          <a:p>
+            <a:pPr marL="914400" lvl="1" indent="-171450">
+              <a:buFont typeface="Arial" panose="020B0604020202020204" pitchFamily="34" charset="0"/>
+              <a:buChar char="•"/>
+            </a:pPr>
+            <a:r>
+              <a:rPr lang="de-DE" dirty="0" smtClean="0"/>
+              <a:t>1991/1992,</a:t>
+            </a:r>
+            <a:r>
+              <a:rPr lang="de-DE" baseline="0" dirty="0" smtClean="0"/>
+              <a:t> SUN, James </a:t>
+            </a:r>
+            <a:r>
+              <a:rPr lang="de-DE" baseline="0" dirty="0" err="1" smtClean="0"/>
+              <a:t>Gosling</a:t>
+            </a:r>
+            <a:r>
+              <a:rPr lang="de-DE" baseline="0" dirty="0" smtClean="0"/>
+              <a:t> et al.</a:t>
+            </a:r>
+          </a:p>
+          <a:p>
+            <a:pPr marL="914400" lvl="1" indent="-171450">
+              <a:buFont typeface="Arial" panose="020B0604020202020204" pitchFamily="34" charset="0"/>
+              <a:buChar char="•"/>
+            </a:pPr>
+            <a:r>
+              <a:rPr lang="de-DE" baseline="0" dirty="0" smtClean="0"/>
+              <a:t>Ursprünglicher Name: </a:t>
+            </a:r>
+            <a:r>
+              <a:rPr lang="de-DE" baseline="0" dirty="0" err="1" smtClean="0"/>
+              <a:t>Oak</a:t>
+            </a:r>
+            <a:r>
+              <a:rPr lang="de-DE" baseline="0" dirty="0" smtClean="0"/>
+              <a:t> (Eiche vor </a:t>
+            </a:r>
+            <a:r>
+              <a:rPr lang="de-DE" baseline="0" dirty="0" err="1" smtClean="0"/>
+              <a:t>Goslings</a:t>
+            </a:r>
+            <a:r>
+              <a:rPr lang="de-DE" baseline="0" dirty="0" smtClean="0"/>
+              <a:t> Fenster)</a:t>
+            </a:r>
+            <a:endParaRPr lang="en-US" dirty="0"/>
+          </a:p>
+        </p:txBody>
+      </p:sp>
+      <p:sp>
+        <p:nvSpPr>
+          <p:cNvPr id="4" name="Datumsplatzhalter 3"/>
+          <p:cNvSpPr>
+            <a:spLocks noGrp="1"/>
+          </p:cNvSpPr>
+          <p:nvPr>
+            <p:ph type="dt" idx="10"/>
+          </p:nvPr>
+        </p:nvSpPr>
+        <p:spPr/>
+        <p:txBody>
+          <a:bodyPr/>
+          <a:lstStyle/>
+          <a:p>
+            <a:pPr>
+              <a:defRPr/>
+            </a:pPr>
+            <a:r>
+              <a:rPr lang="en-US" smtClean="0"/>
+              <a:t>November 19, 2007</a:t>
+            </a:r>
+            <a:endParaRPr lang="en-US"/>
+          </a:p>
+        </p:txBody>
+      </p:sp>
+      <p:sp>
+        <p:nvSpPr>
+          <p:cNvPr id="5" name="Fußzeilenplatzhalter 4"/>
+          <p:cNvSpPr>
+            <a:spLocks noGrp="1"/>
+          </p:cNvSpPr>
+          <p:nvPr>
+            <p:ph type="ftr" idx="11"/>
+          </p:nvPr>
+        </p:nvSpPr>
+        <p:spPr/>
+        <p:txBody>
+          <a:bodyPr/>
+          <a:lstStyle/>
+          <a:p>
+            <a:pPr>
+              <a:defRPr/>
+            </a:pPr>
+            <a:r>
+              <a:rPr lang="en-US" smtClean="0"/>
+              <a:t>|  </a:t>
+            </a:r>
+            <a:endParaRPr lang="en-US"/>
+          </a:p>
+        </p:txBody>
+      </p:sp>
+      <p:sp>
+        <p:nvSpPr>
+          <p:cNvPr id="6" name="Foliennummernplatzhalter 5"/>
+          <p:cNvSpPr>
+            <a:spLocks noGrp="1"/>
+          </p:cNvSpPr>
+          <p:nvPr>
+            <p:ph type="sldNum" idx="12"/>
+          </p:nvPr>
+        </p:nvSpPr>
+        <p:spPr/>
+        <p:txBody>
+          <a:bodyPr/>
+          <a:lstStyle/>
+          <a:p>
+            <a:pPr>
+              <a:defRPr/>
+            </a:pPr>
+            <a:r>
+              <a:rPr lang="en-US" smtClean="0"/>
+              <a:t>|  </a:t>
+            </a:r>
+            <a:fld id="{1AC4CB2F-BC5A-454C-A55C-75DB3FC15FD2}" type="slidenum">
+              <a:rPr lang="en-US" smtClean="0"/>
+              <a:pPr>
+                <a:defRPr/>
+              </a:pPr>
+              <a:t>10</a:t>
+            </a:fld>
+            <a:endParaRPr lang="en-US"/>
+          </a:p>
+        </p:txBody>
+      </p:sp>
+    </p:spTree>
+    <p:extLst>
+      <p:ext uri="{BB962C8B-B14F-4D97-AF65-F5344CB8AC3E}">
+        <p14:creationId xmlns:p14="http://schemas.microsoft.com/office/powerpoint/2010/main" val="3702675617"/>
+      </p:ext>
+    </p:extLst>
+  </p:cSld>
+  <p:clrMapOvr>
+    <a:masterClrMapping/>
+  </p:clrMapOvr>
+</p:notes>
+</file>
+
 <file path=ppt/slideLayouts/slideLayout1.xml><?xml version="1.0" encoding="utf-8"?>
 <p:sldLayout xmlns:a="http://schemas.openxmlformats.org/drawingml/2006/main" xmlns:r="http://schemas.openxmlformats.org/officeDocument/2006/relationships" xmlns:p="http://schemas.openxmlformats.org/presentationml/2006/main" showMasterSp="0" type="title" preserve="1">
   <p:cSld name="Titelfolie">
@@ -6954,7 +7646,7 @@
             </a:pPr>
             <a:r>
               <a:rPr lang="en-US" sz="800" dirty="0" smtClean="0"/>
-              <a:t>© author(s) of these slides 2013 including research results of the research network ES  and TU Darmstadt otherwise as specified at the respective slide</a:t>
+              <a:t>© author(s) of these slides 2014 including research results of the research network ES  and TU Darmstadt otherwise as specified at the respective slide</a:t>
             </a:r>
             <a:endParaRPr lang="en-US" sz="1200" dirty="0" smtClean="0"/>
           </a:p>
@@ -11007,7 +11699,7 @@
           <a:graphicData uri="http://schemas.openxmlformats.org/presentationml/2006/ole">
             <mc:AlternateContent xmlns:mc="http://schemas.openxmlformats.org/markup-compatibility/2006">
               <mc:Choice xmlns:v="urn:schemas-microsoft-com:vml" Requires="v">
-                <p:oleObj spid="_x0000_s27713" r:id="rId3" imgW="1038370" imgH="980952" progId="PBrush">
+                <p:oleObj spid="_x0000_s27740" r:id="rId3" imgW="1038370" imgH="980952" progId="PBrush">
                   <p:embed/>
                 </p:oleObj>
               </mc:Choice>
@@ -14001,7 +14693,7 @@
           <a:graphicData uri="http://schemas.openxmlformats.org/presentationml/2006/ole">
             <mc:AlternateContent xmlns:mc="http://schemas.openxmlformats.org/markup-compatibility/2006">
               <mc:Choice xmlns:v="urn:schemas-microsoft-com:vml" Requires="v">
-                <p:oleObj spid="_x0000_s1100" r:id="rId16" imgW="1038370" imgH="980952" progId="">
+                <p:oleObj spid="_x0000_s1127" r:id="rId16" imgW="1038370" imgH="980952" progId="">
                   <p:embed/>
                 </p:oleObj>
               </mc:Choice>
@@ -14439,7 +15131,7 @@
                 </a:lnSpc>
                 <a:defRPr/>
               </a:pPr>
-              <a:t>13.08.2014</a:t>
+              <a:t>27.08.2014</a:t>
             </a:fld>
             <a:r>
               <a:rPr lang="en-GB" altLang="de-DE" sz="1000" smtClean="0">
@@ -15947,7 +16639,7 @@
           <a:graphicData uri="http://schemas.openxmlformats.org/presentationml/2006/ole">
             <mc:AlternateContent xmlns:mc="http://schemas.openxmlformats.org/markup-compatibility/2006">
               <mc:Choice xmlns:v="urn:schemas-microsoft-com:vml" Requires="v">
-                <p:oleObj spid="_x0000_s2123" r:id="rId6" imgW="1038370" imgH="980952" progId="PBrush">
+                <p:oleObj spid="_x0000_s2150" r:id="rId6" imgW="1038370" imgH="980952" progId="PBrush">
                   <p:embed/>
                 </p:oleObj>
               </mc:Choice>
@@ -16946,9 +17638,6 @@
               </a:rPr>
               <a:t>Eine Kurze Geschichte von…</a:t>
             </a:r>
-            <a:endParaRPr lang="de-DE" altLang="de-DE" dirty="0" smtClean="0">
-              <a:ea typeface="ＭＳ Ｐゴシック" pitchFamily="34" charset="-128"/>
-            </a:endParaRPr>
           </a:p>
         </p:txBody>
       </p:sp>
@@ -17351,7 +18040,7 @@
         <p:spPr bwMode="auto">
           <a:xfrm>
             <a:off x="4357922" y="5440095"/>
-            <a:ext cx="4300" cy="355097"/>
+            <a:ext cx="2403" cy="471443"/>
           </a:xfrm>
           <a:prstGeom prst="straightConnector1">
             <a:avLst/>
@@ -17379,7 +18068,7 @@
         </p:nvSpPr>
         <p:spPr>
           <a:xfrm>
-            <a:off x="3894170" y="5795192"/>
+            <a:off x="3892273" y="5911538"/>
             <a:ext cx="936104" cy="607602"/>
           </a:xfrm>
           <a:prstGeom prst="rect">
@@ -17786,7 +18475,7 @@
           <p:nvPr/>
         </p:nvPicPr>
         <p:blipFill>
-          <a:blip r:embed="rId2" cstate="print">
+          <a:blip r:embed="rId3" cstate="print">
             <a:extLst>
               <a:ext uri="{28A0092B-C50C-407E-A947-70E740481C1C}">
                 <a14:useLocalDpi xmlns:a14="http://schemas.microsoft.com/office/drawing/2010/main" val="0"/>
@@ -17800,8 +18489,8 @@
         </p:blipFill>
         <p:spPr bwMode="auto">
           <a:xfrm>
-            <a:off x="5026647" y="3211741"/>
-            <a:ext cx="1059168" cy="1487879"/>
+            <a:off x="4743022" y="3590098"/>
+            <a:ext cx="675483" cy="948893"/>
           </a:xfrm>
           <a:prstGeom prst="rect">
             <a:avLst/>
@@ -17987,7 +18676,7 @@
           <p:nvPr/>
         </p:nvPicPr>
         <p:blipFill rotWithShape="1">
-          <a:blip r:embed="rId3" cstate="print">
+          <a:blip r:embed="rId4" cstate="print">
             <a:extLst>
               <a:ext uri="{28A0092B-C50C-407E-A947-70E740481C1C}">
                 <a14:useLocalDpi xmlns:a14="http://schemas.microsoft.com/office/drawing/2010/main" val="0"/>
@@ -17999,8 +18688,8 @@
         </p:blipFill>
         <p:spPr bwMode="auto">
           <a:xfrm>
-            <a:off x="3115109" y="4472638"/>
-            <a:ext cx="825546" cy="1167111"/>
+            <a:off x="3258889" y="4617293"/>
+            <a:ext cx="659373" cy="932185"/>
           </a:xfrm>
           <a:prstGeom prst="rect">
             <a:avLst/>
@@ -18025,13 +18714,13 @@
         </p:nvSpPr>
         <p:spPr>
           <a:xfrm>
-            <a:off x="360910" y="4467903"/>
+            <a:off x="370624" y="4596909"/>
             <a:ext cx="2392213" cy="769899"/>
           </a:xfrm>
           <a:prstGeom prst="wedgeRoundRectCallout">
             <a:avLst>
-              <a:gd name="adj1" fmla="val 64189"/>
-              <a:gd name="adj2" fmla="val -21157"/>
+              <a:gd name="adj1" fmla="val 68510"/>
+              <a:gd name="adj2" fmla="val -15993"/>
               <a:gd name="adj3" fmla="val 16667"/>
             </a:avLst>
           </a:prstGeom>
@@ -18185,13 +18874,13 @@
         </p:nvSpPr>
         <p:spPr>
           <a:xfrm>
-            <a:off x="0" y="5967378"/>
+            <a:off x="5360956" y="5991936"/>
             <a:ext cx="3661154" cy="399787"/>
           </a:xfrm>
           <a:prstGeom prst="wedgeRoundRectCallout">
             <a:avLst>
-              <a:gd name="adj1" fmla="val 61838"/>
-              <a:gd name="adj2" fmla="val -23136"/>
+              <a:gd name="adj1" fmla="val -54571"/>
+              <a:gd name="adj2" fmla="val -33080"/>
               <a:gd name="adj3" fmla="val 16667"/>
             </a:avLst>
           </a:prstGeom>
@@ -18257,6 +18946,219 @@
           </a:p>
         </p:txBody>
       </p:sp>
+      <p:sp>
+        <p:nvSpPr>
+          <p:cNvPr id="29" name="Textfeld 28"/>
+          <p:cNvSpPr txBox="1"/>
+          <p:nvPr/>
+        </p:nvSpPr>
+        <p:spPr>
+          <a:xfrm>
+            <a:off x="2583415" y="3984161"/>
+            <a:ext cx="1080120" cy="607602"/>
+          </a:xfrm>
+          <a:prstGeom prst="rect">
+            <a:avLst/>
+          </a:prstGeom>
+          <a:noFill/>
+        </p:spPr>
+        <p:txBody>
+          <a:bodyPr wrap="square" rtlCol="0">
+            <a:spAutoFit/>
+          </a:bodyPr>
+          <a:lstStyle/>
+          <a:p>
+            <a:r>
+              <a:rPr lang="de-DE" b="1" dirty="0" err="1" smtClean="0"/>
+              <a:t>Simula</a:t>
+            </a:r>
+            <a:r>
+              <a:rPr lang="de-DE" b="1" dirty="0" smtClean="0"/>
+              <a:t> 67</a:t>
+            </a:r>
+            <a:endParaRPr lang="en-US" b="1" dirty="0"/>
+          </a:p>
+        </p:txBody>
+      </p:sp>
+      <p:cxnSp>
+        <p:nvCxnSpPr>
+          <p:cNvPr id="30" name="Gerade Verbindung mit Pfeil 29"/>
+          <p:cNvCxnSpPr>
+            <a:stCxn id="29" idx="3"/>
+          </p:cNvCxnSpPr>
+          <p:nvPr/>
+        </p:nvCxnSpPr>
+        <p:spPr bwMode="auto">
+          <a:xfrm>
+            <a:off x="3663535" y="4287962"/>
+            <a:ext cx="548425" cy="536385"/>
+          </a:xfrm>
+          <a:prstGeom prst="straightConnector1">
+            <a:avLst/>
+          </a:prstGeom>
+          <a:solidFill>
+            <a:schemeClr val="accent1"/>
+          </a:solidFill>
+          <a:ln w="9525" cap="flat" cmpd="sng" algn="ctr">
+            <a:solidFill>
+              <a:schemeClr val="tx1"/>
+            </a:solidFill>
+            <a:prstDash val="solid"/>
+            <a:round/>
+            <a:headEnd type="none" w="med" len="med"/>
+            <a:tailEnd type="triangle"/>
+          </a:ln>
+          <a:effectLst/>
+        </p:spPr>
+      </p:cxnSp>
+      <p:sp>
+        <p:nvSpPr>
+          <p:cNvPr id="33" name="Textfeld 32"/>
+          <p:cNvSpPr txBox="1"/>
+          <p:nvPr/>
+        </p:nvSpPr>
+        <p:spPr>
+          <a:xfrm>
+            <a:off x="2374390" y="5549478"/>
+            <a:ext cx="1226082" cy="607602"/>
+          </a:xfrm>
+          <a:prstGeom prst="rect">
+            <a:avLst/>
+          </a:prstGeom>
+          <a:noFill/>
+        </p:spPr>
+        <p:txBody>
+          <a:bodyPr wrap="square" rtlCol="0">
+            <a:spAutoFit/>
+          </a:bodyPr>
+          <a:lstStyle/>
+          <a:p>
+            <a:r>
+              <a:rPr lang="de-DE" b="1" dirty="0" smtClean="0"/>
+              <a:t>Smalltalk</a:t>
+            </a:r>
+            <a:br>
+              <a:rPr lang="de-DE" b="1" dirty="0" smtClean="0"/>
+            </a:br>
+            <a:r>
+              <a:rPr lang="de-DE" b="1" dirty="0" smtClean="0"/>
+              <a:t>1972</a:t>
+            </a:r>
+            <a:endParaRPr lang="en-US" b="1" dirty="0"/>
+          </a:p>
+        </p:txBody>
+      </p:sp>
+      <p:cxnSp>
+        <p:nvCxnSpPr>
+          <p:cNvPr id="34" name="Gerade Verbindung mit Pfeil 33"/>
+          <p:cNvCxnSpPr>
+            <a:stCxn id="33" idx="3"/>
+          </p:cNvCxnSpPr>
+          <p:nvPr/>
+        </p:nvCxnSpPr>
+        <p:spPr bwMode="auto">
+          <a:xfrm>
+            <a:off x="3600472" y="5853279"/>
+            <a:ext cx="439660" cy="57089"/>
+          </a:xfrm>
+          <a:prstGeom prst="straightConnector1">
+            <a:avLst/>
+          </a:prstGeom>
+          <a:solidFill>
+            <a:schemeClr val="accent1"/>
+          </a:solidFill>
+          <a:ln w="9525" cap="flat" cmpd="sng" algn="ctr">
+            <a:solidFill>
+              <a:schemeClr val="tx1"/>
+            </a:solidFill>
+            <a:prstDash val="solid"/>
+            <a:round/>
+            <a:headEnd type="none" w="med" len="med"/>
+            <a:tailEnd type="triangle"/>
+          </a:ln>
+          <a:effectLst/>
+        </p:spPr>
+      </p:cxnSp>
+      <p:pic>
+        <p:nvPicPr>
+          <p:cNvPr id="28674" name="Picture 2" descr="http://upload.wikimedia.org/wikipedia/de/thumb/e/e1/Java-Logo.svg/100px-Java-Logo.svg.png"/>
+          <p:cNvPicPr>
+            <a:picLocks noChangeAspect="1" noChangeArrowheads="1"/>
+          </p:cNvPicPr>
+          <p:nvPr/>
+        </p:nvPicPr>
+        <p:blipFill rotWithShape="1">
+          <a:blip r:embed="rId5">
+            <a:extLst>
+              <a:ext uri="{28A0092B-C50C-407E-A947-70E740481C1C}">
+                <a14:useLocalDpi xmlns:a14="http://schemas.microsoft.com/office/drawing/2010/main" val="0"/>
+              </a:ext>
+            </a:extLst>
+          </a:blip>
+          <a:srcRect b="32926"/>
+          <a:stretch/>
+        </p:blipFill>
+        <p:spPr bwMode="auto">
+          <a:xfrm>
+            <a:off x="4678621" y="5853279"/>
+            <a:ext cx="439154" cy="579353"/>
+          </a:xfrm>
+          <a:prstGeom prst="rect">
+            <a:avLst/>
+          </a:prstGeom>
+          <a:noFill/>
+          <a:extLst>
+            <a:ext uri="{909E8E84-426E-40DD-AFC4-6F175D3DCCD1}">
+              <a14:hiddenFill xmlns:a14="http://schemas.microsoft.com/office/drawing/2010/main">
+                <a:solidFill>
+                  <a:srgbClr val="FFFFFF"/>
+                </a:solidFill>
+              </a14:hiddenFill>
+            </a:ext>
+          </a:extLst>
+        </p:spPr>
+      </p:pic>
+      <p:pic>
+        <p:nvPicPr>
+          <p:cNvPr id="11" name="Picture 4" descr="http://upload.wikimedia.org/wikipedia/de/2/28/Smalltalk-powered.gif"/>
+          <p:cNvPicPr>
+            <a:picLocks noChangeAspect="1" noChangeArrowheads="1"/>
+          </p:cNvPicPr>
+          <p:nvPr/>
+        </p:nvPicPr>
+        <p:blipFill>
+          <a:blip r:embed="rId6">
+            <a:extLst>
+              <a:ext uri="{28A0092B-C50C-407E-A947-70E740481C1C}">
+                <a14:useLocalDpi xmlns:a14="http://schemas.microsoft.com/office/drawing/2010/main" val="0"/>
+              </a:ext>
+            </a:extLst>
+          </a:blip>
+          <a:srcRect/>
+          <a:stretch>
+            <a:fillRect/>
+          </a:stretch>
+        </p:blipFill>
+        <p:spPr bwMode="auto">
+          <a:xfrm>
+            <a:off x="961881" y="5590305"/>
+            <a:ext cx="1476375" cy="533400"/>
+          </a:xfrm>
+          <a:prstGeom prst="rect">
+            <a:avLst/>
+          </a:prstGeom>
+          <a:noFill/>
+          <a:extLst>
+            <a:ext uri="{909E8E84-426E-40DD-AFC4-6F175D3DCCD1}">
+              <a14:hiddenFill xmlns:a14="http://schemas.microsoft.com/office/drawing/2010/main">
+                <a:solidFill>
+                  <a:srgbClr val="FFFFFF"/>
+                </a:solidFill>
+              </a14:hiddenFill>
+            </a:ext>
+          </a:extLst>
+        </p:spPr>
+      </p:pic>
     </p:spTree>
     <p:extLst>
       <p:ext uri="{BB962C8B-B14F-4D97-AF65-F5344CB8AC3E}">
@@ -22563,7 +23465,7 @@
             </a:pPr>
             <a:r>
               <a:rPr lang="de-DE" dirty="0" smtClean="0"/>
-              <a:t>Alle Studenten arbeiten im Raum 67 TODO</a:t>
+              <a:t>Der praktische Teil findet statt im Raum 67</a:t>
             </a:r>
           </a:p>
           <a:p>
@@ -22582,39 +23484,45 @@
             </a:pPr>
             <a:r>
               <a:rPr lang="de-DE" dirty="0" smtClean="0"/>
-              <a:t>IDE-Installer für das eigene Notebook </a:t>
-            </a:r>
-            <a:r>
-              <a:rPr lang="de-DE" dirty="0">
-                <a:solidFill>
-                  <a:srgbClr val="000000"/>
-                </a:solidFill>
-              </a:rPr>
-              <a:t>TODO</a:t>
+              <a:t>IDE-Installer für das </a:t>
+            </a:r>
+            <a:r>
+              <a:rPr lang="de-DE" smtClean="0"/>
+              <a:t>eigene Notebook</a:t>
             </a:r>
             <a:endParaRPr lang="de-DE" dirty="0" smtClean="0"/>
           </a:p>
           <a:p>
             <a:pPr marL="180975" lvl="1" indent="0" eaLnBrk="1" hangingPunct="1">
-              <a:buFont typeface="Wingdings" pitchFamily="2" charset="2"/>
               <a:buNone/>
               <a:defRPr/>
             </a:pPr>
             <a:r>
-              <a:rPr lang="de-DE" dirty="0" smtClean="0">
+              <a:rPr lang="en-US" sz="1600" u="sng" dirty="0" smtClean="0">
                 <a:hlinkClick r:id="rId2"/>
               </a:rPr>
-              <a:t>http://130.83.199.65/download/cplusplus/Eclipse-CPPP.exe</a:t>
-            </a:r>
-            <a:endParaRPr lang="de-DE" dirty="0" smtClean="0"/>
-          </a:p>
-          <a:p>
-            <a:pPr marL="0" indent="0" eaLnBrk="1" hangingPunct="1">
-              <a:buFont typeface="Wingdings" pitchFamily="2" charset="2"/>
-              <a:buNone/>
-              <a:defRPr/>
-            </a:pPr>
-            <a:endParaRPr lang="de-DE" dirty="0" smtClean="0"/>
+              <a:t>https</a:t>
+            </a:r>
+            <a:r>
+              <a:rPr lang="en-US" sz="1600" u="sng" dirty="0">
+                <a:hlinkClick r:id="rId2"/>
+              </a:rPr>
+              <a:t>://</a:t>
+            </a:r>
+            <a:r>
+              <a:rPr lang="en-US" sz="1600" u="sng" dirty="0" smtClean="0">
+                <a:hlinkClick r:id="rId2"/>
+              </a:rPr>
+              <a:t>www.dropbox.com/sh/rn714n1ugt6t3ke/AAB2rCt7FCHstSCp_NbnLekya?dl=0</a:t>
+            </a:r>
+            <a:r>
+              <a:rPr lang="en-US" sz="1600" u="sng" dirty="0" smtClean="0"/>
+              <a:t/>
+            </a:r>
+            <a:br>
+              <a:rPr lang="en-US" sz="1600" u="sng" dirty="0" smtClean="0"/>
+            </a:br>
+            <a:endParaRPr lang="de-DE" sz="1600" dirty="0" smtClean="0"/>
           </a:p>
           <a:p>
             <a:pPr marL="0" indent="0" eaLnBrk="1" hangingPunct="1">
@@ -22743,20 +23651,25 @@
           </a:p>
           <a:p>
             <a:pPr marL="169862" lvl="1" indent="0" eaLnBrk="1" hangingPunct="1">
-              <a:buFont typeface="Wingdings" pitchFamily="2" charset="2"/>
               <a:buNone/>
               <a:defRPr/>
             </a:pPr>
             <a:r>
+              <a:rPr lang="de-DE" dirty="0">
+                <a:hlinkClick r:id="rId6"/>
+              </a:rPr>
+              <a:t>https://</a:t>
+            </a:r>
+            <a:r>
+              <a:rPr lang="de-DE" dirty="0" smtClean="0">
+                <a:hlinkClick r:id="rId6"/>
+              </a:rPr>
+              <a:t>moodle.tu-darmstadt.de/mod/forum/view.php?id=98263</a:t>
+            </a:r>
+            <a:r>
               <a:rPr lang="de-DE" dirty="0" smtClean="0"/>
-              <a:t>https://moodle.tu-darmstadt.de/</a:t>
-            </a:r>
-          </a:p>
-          <a:p>
-            <a:pPr lvl="1" eaLnBrk="1" hangingPunct="1">
-              <a:defRPr/>
-            </a:pPr>
-            <a:endParaRPr lang="de-DE" dirty="0" smtClean="0"/>
+              <a:t> </a:t>
+            </a:r>
           </a:p>
           <a:p>
             <a:pPr lvl="1" eaLnBrk="1" hangingPunct="1">
@@ -22956,7 +23869,6 @@
               <a:rPr lang="de-DE" altLang="de-DE" dirty="0" smtClean="0"/>
               <a:t> I </a:t>
             </a:r>
-            <a:endParaRPr lang="de-DE" altLang="de-DE" dirty="0" smtClean="0"/>
           </a:p>
         </p:txBody>
       </p:sp>
@@ -23311,7 +24223,6 @@
               <a:rPr lang="de-DE" altLang="de-DE" dirty="0" smtClean="0"/>
               <a:t> II</a:t>
             </a:r>
-            <a:endParaRPr lang="de-DE" altLang="de-DE" dirty="0" smtClean="0"/>
           </a:p>
         </p:txBody>
       </p:sp>
@@ -23392,7 +24303,6 @@
               <a:rPr lang="de-DE" altLang="de-DE" sz="1200" dirty="0" smtClean="0"/>
               <a:t> </a:t>
             </a:r>
-            <a:endParaRPr lang="de-DE" altLang="de-DE" sz="1200" dirty="0" smtClean="0"/>
           </a:p>
           <a:p>
             <a:pPr marL="180975" lvl="1" indent="0">
@@ -23482,13 +24392,8 @@
           <a:p>
             <a:r>
               <a:rPr lang="de-DE" altLang="de-DE" dirty="0" smtClean="0"/>
-              <a:t>u.v</a:t>
-            </a:r>
-            <a:r>
-              <a:rPr lang="de-DE" altLang="de-DE" dirty="0" smtClean="0"/>
-              <a:t>.m.</a:t>
-            </a:r>
-            <a:endParaRPr lang="de-DE" altLang="de-DE" dirty="0" smtClean="0"/>
+              <a:t>u.v.m.</a:t>
+            </a:r>
           </a:p>
         </p:txBody>
       </p:sp>
@@ -24785,6 +25690,35 @@
           <a:chExt cx="0" cy="0"/>
         </a:xfrm>
       </p:grpSpPr>
+      <p:pic>
+        <p:nvPicPr>
+          <p:cNvPr id="2" name="Grafik 1"/>
+          <p:cNvPicPr>
+            <a:picLocks noChangeAspect="1"/>
+          </p:cNvPicPr>
+          <p:nvPr/>
+        </p:nvPicPr>
+        <p:blipFill rotWithShape="1">
+          <a:blip r:embed="rId3">
+            <a:extLst>
+              <a:ext uri="{28A0092B-C50C-407E-A947-70E740481C1C}">
+                <a14:useLocalDpi xmlns:a14="http://schemas.microsoft.com/office/drawing/2010/main" val="0"/>
+              </a:ext>
+            </a:extLst>
+          </a:blip>
+          <a:srcRect l="7411" t="7591" r="5927" b="7591"/>
+          <a:stretch/>
+        </p:blipFill>
+        <p:spPr>
+          <a:xfrm>
+            <a:off x="250825" y="3623151"/>
+            <a:ext cx="2574780" cy="2520000"/>
+          </a:xfrm>
+          <a:prstGeom prst="rect">
+            <a:avLst/>
+          </a:prstGeom>
+        </p:spPr>
+      </p:pic>
       <p:sp>
         <p:nvSpPr>
           <p:cNvPr id="13314" name="Titel 1"/>
@@ -24802,26 +25736,47 @@
           <a:p>
             <a:pPr eaLnBrk="1" hangingPunct="1"/>
             <a:r>
-              <a:rPr lang="en-US" altLang="de-DE" smtClean="0">
+              <a:rPr lang="en-US" altLang="de-DE" dirty="0" err="1" smtClean="0">
                 <a:ea typeface="ＭＳ Ｐゴシック" pitchFamily="34" charset="-128"/>
                 <a:cs typeface="Arial" charset="0"/>
               </a:rPr>
-              <a:t>Projektseminar Softwaresysteme</a:t>
+              <a:t>Projektseminar</a:t>
+            </a:r>
+            <a:r>
+              <a:rPr lang="en-US" altLang="de-DE" dirty="0" smtClean="0">
+                <a:ea typeface="ＭＳ Ｐゴシック" pitchFamily="34" charset="-128"/>
+                <a:cs typeface="Arial" charset="0"/>
+              </a:rPr>
+              <a:t> </a:t>
+            </a:r>
+            <a:r>
+              <a:rPr lang="en-US" altLang="de-DE" dirty="0" err="1" smtClean="0">
+                <a:ea typeface="ＭＳ Ｐゴシック" pitchFamily="34" charset="-128"/>
+                <a:cs typeface="Arial" charset="0"/>
+              </a:rPr>
+              <a:t>Softwaresysteme</a:t>
+            </a:r>
+            <a:r>
+              <a:rPr lang="en-US" altLang="de-DE" dirty="0" smtClean="0">
+                <a:ea typeface="ＭＳ Ｐゴシック" pitchFamily="34" charset="-128"/>
+                <a:cs typeface="Arial" charset="0"/>
+              </a:rPr>
+              <a:t/>
             </a:r>
             <a:br>
-              <a:rPr lang="en-US" altLang="de-DE" smtClean="0">
+              <a:rPr lang="en-US" altLang="de-DE" dirty="0" smtClean="0">
                 <a:ea typeface="ＭＳ Ｐゴシック" pitchFamily="34" charset="-128"/>
                 <a:cs typeface="Arial" charset="0"/>
               </a:rPr>
             </a:br>
             <a:r>
-              <a:rPr lang="en-US" altLang="de-DE" smtClean="0">
+              <a:rPr lang="en-US" altLang="de-DE" dirty="0" smtClean="0">
                 <a:ea typeface="ＭＳ Ｐゴシック" pitchFamily="34" charset="-128"/>
                 <a:cs typeface="Arial" charset="0"/>
               </a:rPr>
-              <a:t>WS 2013/14 TODO</a:t>
-            </a:r>
-            <a:endParaRPr lang="de-DE" altLang="de-DE" smtClean="0">
+              <a:t>WS 2013/14</a:t>
+            </a:r>
+            <a:endParaRPr lang="de-DE" altLang="de-DE" dirty="0" smtClean="0">
               <a:ea typeface="ＭＳ Ｐゴシック" pitchFamily="34" charset="-128"/>
             </a:endParaRPr>
           </a:p>
@@ -24836,7 +25791,7 @@
         <p:spPr>
           <a:xfrm>
             <a:off x="250825" y="1558925"/>
-            <a:ext cx="4097338" cy="1384300"/>
+            <a:ext cx="5578322" cy="1569660"/>
           </a:xfrm>
           <a:prstGeom prst="rect">
             <a:avLst/>
@@ -24997,7 +25952,7 @@
               <a:defRPr/>
             </a:pPr>
             <a:r>
-              <a:rPr lang="de-DE" sz="1200" dirty="0" err="1">
+              <a:rPr lang="de-DE" sz="1200" dirty="0" smtClean="0">
                 <a:solidFill>
                   <a:srgbClr val="000000"/>
                 </a:solidFill>
@@ -25006,7 +25961,26 @@
               </a:rPr>
               <a:t>TUCaN</a:t>
             </a:r>
-            <a:endParaRPr lang="de-DE" sz="1200" dirty="0">
+            <a:br>
+              <a:rPr lang="de-DE" sz="1200" dirty="0" smtClean="0">
+                <a:solidFill>
+                  <a:srgbClr val="000000"/>
+                </a:solidFill>
+                <a:latin typeface="Arial" pitchFamily="34" charset="0"/>
+                <a:ea typeface="+mn-ea"/>
+              </a:rPr>
+            </a:br>
+            <a:r>
+              <a:rPr lang="de-DE" sz="1200" b="1" dirty="0" smtClean="0">
+                <a:solidFill>
+                  <a:srgbClr val="000000"/>
+                </a:solidFill>
+                <a:latin typeface="Arial" pitchFamily="34" charset="0"/>
+                <a:ea typeface="+mn-ea"/>
+              </a:rPr>
+              <a:t>Weitere Infos:</a:t>
+            </a:r>
+            <a:endParaRPr lang="de-DE" sz="1200" b="1" dirty="0">
               <a:solidFill>
                 <a:srgbClr val="000000"/>
               </a:solidFill>
@@ -25025,13 +25999,16 @@
               <a:buNone/>
               <a:defRPr/>
             </a:pPr>
-            <a:endParaRPr lang="de-DE" sz="1200" dirty="0">
-              <a:solidFill>
-                <a:srgbClr val="000000"/>
-              </a:solidFill>
-              <a:latin typeface="Arial" pitchFamily="34" charset="0"/>
-              <a:ea typeface="+mn-ea"/>
-            </a:endParaRPr>
+            <a:r>
+              <a:rPr lang="de-DE" sz="1200" dirty="0">
+                <a:solidFill>
+                  <a:srgbClr val="000000"/>
+                </a:solidFill>
+                <a:latin typeface="Arial" pitchFamily="34" charset="0"/>
+                <a:ea typeface="+mn-ea"/>
+              </a:rPr>
+              <a:t>http://www.es.tu-darmstadt.de/lehre/projektseminar-softwaresysteme-wisesose/</a:t>
+            </a:r>
           </a:p>
         </p:txBody>
       </p:sp>
@@ -25044,7 +26021,7 @@
           <p:nvPr/>
         </p:nvPicPr>
         <p:blipFill>
-          <a:blip r:embed="rId3">
+          <a:blip r:embed="rId4">
             <a:extLst>
               <a:ext uri="{28A0092B-C50C-407E-A947-70E740481C1C}">
                 <a14:useLocalDpi xmlns:a14="http://schemas.microsoft.com/office/drawing/2010/main" val="0"/>
@@ -25058,7 +26035,7 @@
         </p:blipFill>
         <p:spPr bwMode="auto">
           <a:xfrm>
-            <a:off x="1168400" y="3716338"/>
+            <a:off x="3621480" y="3682263"/>
             <a:ext cx="2179638" cy="1092200"/>
           </a:xfrm>
           <a:prstGeom prst="rect">
@@ -25109,7 +26086,7 @@
         </p:nvGrpSpPr>
         <p:grpSpPr bwMode="auto">
           <a:xfrm>
-            <a:off x="3779838" y="4581525"/>
+            <a:off x="5778238" y="4775347"/>
             <a:ext cx="1631950" cy="1655763"/>
             <a:chOff x="7308304" y="3068960"/>
             <a:chExt cx="1632521" cy="1656184"/>
@@ -25124,7 +26101,7 @@
             <p:nvPr/>
           </p:nvPicPr>
           <p:blipFill>
-            <a:blip r:embed="rId4">
+            <a:blip r:embed="rId5">
               <a:extLst>
                 <a:ext uri="{28A0092B-C50C-407E-A947-70E740481C1C}">
                   <a14:useLocalDpi xmlns:a14="http://schemas.microsoft.com/office/drawing/2010/main" val="0"/>
@@ -25178,7 +26155,7 @@
             <p:nvPr/>
           </p:nvPicPr>
           <p:blipFill>
-            <a:blip r:embed="rId5" cstate="print">
+            <a:blip r:embed="rId6" cstate="print">
               <a:extLst>
                 <a:ext uri="{28A0092B-C50C-407E-A947-70E740481C1C}">
                   <a14:useLocalDpi xmlns:a14="http://schemas.microsoft.com/office/drawing/2010/main" val="0"/>
@@ -25421,7 +26398,7 @@
         </p:nvSpPr>
         <p:spPr>
           <a:xfrm>
-            <a:off x="4859338" y="2852738"/>
+            <a:off x="5801118" y="2646607"/>
             <a:ext cx="3313112" cy="1296987"/>
           </a:xfrm>
           <a:prstGeom prst="wedgeRoundRectCallout">
@@ -25432,25 +26409,19 @@
             </a:avLst>
           </a:prstGeom>
           <a:solidFill>
-            <a:schemeClr val="bg1"/>
+            <a:schemeClr val="tx1"/>
           </a:solidFill>
-          <a:ln>
-            <a:solidFill>
-              <a:schemeClr val="tx1"/>
-            </a:solidFill>
-          </a:ln>
+          <a:ln/>
         </p:spPr>
         <p:style>
-          <a:lnRef idx="2">
-            <a:schemeClr val="accent1">
-              <a:shade val="50000"/>
-            </a:schemeClr>
+          <a:lnRef idx="1">
+            <a:schemeClr val="dk1"/>
           </a:lnRef>
-          <a:fillRef idx="1">
-            <a:schemeClr val="accent1"/>
+          <a:fillRef idx="3">
+            <a:schemeClr val="dk1"/>
           </a:fillRef>
-          <a:effectRef idx="0">
-            <a:schemeClr val="accent1"/>
+          <a:effectRef idx="2">
+            <a:schemeClr val="dk1"/>
           </a:effectRef>
           <a:fontRef idx="minor">
             <a:schemeClr val="lt1"/>
@@ -25466,7 +26437,7 @@
             <a:r>
               <a:rPr lang="de-DE" dirty="0">
                 <a:solidFill>
-                  <a:schemeClr val="tx1"/>
+                  <a:schemeClr val="bg1"/>
                 </a:solidFill>
               </a:rPr>
               <a:t>Sehr flexible Themen aus unterschiedlichen Bereichen (Software Engineering)</a:t>

--- a/Vorlesung/0 Organisatorisches.pptx
+++ b/Vorlesung/0 Organisatorisches.pptx
@@ -13,7 +13,7 @@
   </p:handoutMasterIdLst>
   <p:sldIdLst>
     <p:sldId id="256" r:id="rId3"/>
-    <p:sldId id="257" r:id="rId4"/>
+    <p:sldId id="276" r:id="rId4"/>
     <p:sldId id="265" r:id="rId5"/>
     <p:sldId id="259" r:id="rId6"/>
     <p:sldId id="267" r:id="rId7"/>
@@ -3426,7 +3426,7 @@
     </p:spTree>
     <p:extLst>
       <p:ext uri="{BB962C8B-B14F-4D97-AF65-F5344CB8AC3E}">
-        <p14:creationId xmlns:p14="http://schemas.microsoft.com/office/powerpoint/2010/main" val="1687716301"/>
+        <p14:creationId xmlns:p14="http://schemas.microsoft.com/office/powerpoint/2010/main" val="1826765242"/>
       </p:ext>
     </p:extLst>
   </p:cSld>
@@ -11699,7 +11699,7 @@
           <a:graphicData uri="http://schemas.openxmlformats.org/presentationml/2006/ole">
             <mc:AlternateContent xmlns:mc="http://schemas.openxmlformats.org/markup-compatibility/2006">
               <mc:Choice xmlns:v="urn:schemas-microsoft-com:vml" Requires="v">
-                <p:oleObj spid="_x0000_s27740" r:id="rId3" imgW="1038370" imgH="980952" progId="PBrush">
+                <p:oleObj spid="_x0000_s27759" r:id="rId3" imgW="1038370" imgH="980952" progId="PBrush">
                   <p:embed/>
                 </p:oleObj>
               </mc:Choice>
@@ -14693,7 +14693,7 @@
           <a:graphicData uri="http://schemas.openxmlformats.org/presentationml/2006/ole">
             <mc:AlternateContent xmlns:mc="http://schemas.openxmlformats.org/markup-compatibility/2006">
               <mc:Choice xmlns:v="urn:schemas-microsoft-com:vml" Requires="v">
-                <p:oleObj spid="_x0000_s1127" r:id="rId16" imgW="1038370" imgH="980952" progId="">
+                <p:oleObj spid="_x0000_s1146" r:id="rId16" imgW="1038370" imgH="980952" progId="">
                   <p:embed/>
                 </p:oleObj>
               </mc:Choice>
@@ -15131,7 +15131,7 @@
                 </a:lnSpc>
                 <a:defRPr/>
               </a:pPr>
-              <a:t>27.08.2014</a:t>
+              <a:t>03.09.2014</a:t>
             </a:fld>
             <a:r>
               <a:rPr lang="en-GB" altLang="de-DE" sz="1000" smtClean="0">
@@ -16639,7 +16639,7 @@
           <a:graphicData uri="http://schemas.openxmlformats.org/presentationml/2006/ole">
             <mc:AlternateContent xmlns:mc="http://schemas.openxmlformats.org/markup-compatibility/2006">
               <mc:Choice xmlns:v="urn:schemas-microsoft-com:vml" Requires="v">
-                <p:oleObj spid="_x0000_s2150" r:id="rId6" imgW="1038370" imgH="980952" progId="PBrush">
+                <p:oleObj spid="_x0000_s2169" r:id="rId6" imgW="1038370" imgH="980952" progId="PBrush">
                   <p:embed/>
                 </p:oleObj>
               </mc:Choice>
@@ -17619,6 +17619,207 @@
       </p:grpSpPr>
       <p:sp>
         <p:nvSpPr>
+          <p:cNvPr id="36" name="Rechteck 35"/>
+          <p:cNvSpPr/>
+          <p:nvPr/>
+        </p:nvSpPr>
+        <p:spPr bwMode="auto">
+          <a:xfrm>
+            <a:off x="3930491" y="4848874"/>
+            <a:ext cx="897886" cy="607602"/>
+          </a:xfrm>
+          <a:prstGeom prst="rect">
+            <a:avLst/>
+          </a:prstGeom>
+          <a:solidFill>
+            <a:schemeClr val="accent1"/>
+          </a:solidFill>
+          <a:ln w="9525" cap="flat" cmpd="sng" algn="ctr">
+            <a:noFill/>
+            <a:prstDash val="solid"/>
+            <a:round/>
+            <a:headEnd type="none" w="med" len="med"/>
+            <a:tailEnd type="none" w="med" len="med"/>
+          </a:ln>
+          <a:effectLst/>
+        </p:spPr>
+        <p:txBody>
+          <a:bodyPr vert="horz" wrap="none" lIns="91440" tIns="45720" rIns="91440" bIns="45720" numCol="1" rtlCol="0" anchor="ctr" anchorCtr="0" compatLnSpc="1">
+            <a:prstTxWarp prst="textNoShape">
+              <a:avLst/>
+            </a:prstTxWarp>
+          </a:bodyPr>
+          <a:lstStyle/>
+          <a:p>
+            <a:pPr marL="0" marR="0" indent="0" algn="ctr" defTabSz="449263" rtl="0" eaLnBrk="1" fontAlgn="base" latinLnBrk="0" hangingPunct="1">
+              <a:lnSpc>
+                <a:spcPct val="93000"/>
+              </a:lnSpc>
+              <a:spcBef>
+                <a:spcPct val="0"/>
+              </a:spcBef>
+              <a:spcAft>
+                <a:spcPct val="0"/>
+              </a:spcAft>
+              <a:buClr>
+                <a:srgbClr val="000000"/>
+              </a:buClr>
+              <a:buSzPct val="100000"/>
+              <a:buFont typeface="Arial" pitchFamily="-65" charset="0"/>
+              <a:buNone/>
+              <a:tabLst/>
+            </a:pPr>
+            <a:endParaRPr kumimoji="0" lang="en-US" sz="1800" b="0" i="0" u="none" strike="noStrike" cap="none" normalizeH="0" baseline="0">
+              <a:ln>
+                <a:noFill/>
+              </a:ln>
+              <a:solidFill>
+                <a:schemeClr val="tx1"/>
+              </a:solidFill>
+              <a:effectLst/>
+              <a:latin typeface="Arial" pitchFamily="-65" charset="0"/>
+              <a:ea typeface="Lucida Sans Unicode" pitchFamily="-65" charset="-52"/>
+              <a:cs typeface="Lucida Sans Unicode" pitchFamily="-65" charset="-52"/>
+            </a:endParaRPr>
+          </a:p>
+        </p:txBody>
+      </p:sp>
+      <p:sp>
+        <p:nvSpPr>
+          <p:cNvPr id="38" name="Rechteck 37"/>
+          <p:cNvSpPr/>
+          <p:nvPr/>
+        </p:nvSpPr>
+        <p:spPr bwMode="auto">
+          <a:xfrm>
+            <a:off x="4052081" y="5883289"/>
+            <a:ext cx="1135879" cy="607602"/>
+          </a:xfrm>
+          <a:prstGeom prst="rect">
+            <a:avLst/>
+          </a:prstGeom>
+          <a:solidFill>
+            <a:schemeClr val="accent1"/>
+          </a:solidFill>
+          <a:ln w="9525" cap="flat" cmpd="sng" algn="ctr">
+            <a:noFill/>
+            <a:prstDash val="solid"/>
+            <a:round/>
+            <a:headEnd type="none" w="med" len="med"/>
+            <a:tailEnd type="none" w="med" len="med"/>
+          </a:ln>
+          <a:effectLst/>
+        </p:spPr>
+        <p:txBody>
+          <a:bodyPr vert="horz" wrap="none" lIns="91440" tIns="45720" rIns="91440" bIns="45720" numCol="1" rtlCol="0" anchor="ctr" anchorCtr="0" compatLnSpc="1">
+            <a:prstTxWarp prst="textNoShape">
+              <a:avLst/>
+            </a:prstTxWarp>
+          </a:bodyPr>
+          <a:lstStyle/>
+          <a:p>
+            <a:pPr marL="0" marR="0" indent="0" algn="ctr" defTabSz="449263" rtl="0" eaLnBrk="1" fontAlgn="base" latinLnBrk="0" hangingPunct="1">
+              <a:lnSpc>
+                <a:spcPct val="93000"/>
+              </a:lnSpc>
+              <a:spcBef>
+                <a:spcPct val="0"/>
+              </a:spcBef>
+              <a:spcAft>
+                <a:spcPct val="0"/>
+              </a:spcAft>
+              <a:buClr>
+                <a:srgbClr val="000000"/>
+              </a:buClr>
+              <a:buSzPct val="100000"/>
+              <a:buFont typeface="Arial" pitchFamily="-65" charset="0"/>
+              <a:buNone/>
+              <a:tabLst/>
+            </a:pPr>
+            <a:endParaRPr kumimoji="0" lang="en-US" sz="1800" b="0" i="0" u="none" strike="noStrike" cap="none" normalizeH="0" baseline="0">
+              <a:ln>
+                <a:noFill/>
+              </a:ln>
+              <a:solidFill>
+                <a:schemeClr val="tx1"/>
+              </a:solidFill>
+              <a:effectLst/>
+              <a:latin typeface="Arial" pitchFamily="-65" charset="0"/>
+              <a:ea typeface="Lucida Sans Unicode" pitchFamily="-65" charset="-52"/>
+              <a:cs typeface="Lucida Sans Unicode" pitchFamily="-65" charset="-52"/>
+            </a:endParaRPr>
+          </a:p>
+        </p:txBody>
+      </p:sp>
+      <p:sp>
+        <p:nvSpPr>
+          <p:cNvPr id="3" name="Rechteck 2"/>
+          <p:cNvSpPr/>
+          <p:nvPr/>
+        </p:nvSpPr>
+        <p:spPr bwMode="auto">
+          <a:xfrm>
+            <a:off x="4040132" y="3738326"/>
+            <a:ext cx="638489" cy="607602"/>
+          </a:xfrm>
+          <a:prstGeom prst="rect">
+            <a:avLst/>
+          </a:prstGeom>
+          <a:solidFill>
+            <a:schemeClr val="accent1"/>
+          </a:solidFill>
+          <a:ln w="9525" cap="flat" cmpd="sng" algn="ctr">
+            <a:noFill/>
+            <a:prstDash val="solid"/>
+            <a:round/>
+            <a:headEnd type="none" w="med" len="med"/>
+            <a:tailEnd type="none" w="med" len="med"/>
+          </a:ln>
+          <a:effectLst/>
+        </p:spPr>
+        <p:txBody>
+          <a:bodyPr vert="horz" wrap="none" lIns="91440" tIns="45720" rIns="91440" bIns="45720" numCol="1" rtlCol="0" anchor="ctr" anchorCtr="0" compatLnSpc="1">
+            <a:prstTxWarp prst="textNoShape">
+              <a:avLst/>
+            </a:prstTxWarp>
+          </a:bodyPr>
+          <a:lstStyle/>
+          <a:p>
+            <a:pPr marL="0" marR="0" indent="0" algn="ctr" defTabSz="449263" rtl="0" eaLnBrk="1" fontAlgn="base" latinLnBrk="0" hangingPunct="1">
+              <a:lnSpc>
+                <a:spcPct val="93000"/>
+              </a:lnSpc>
+              <a:spcBef>
+                <a:spcPct val="0"/>
+              </a:spcBef>
+              <a:spcAft>
+                <a:spcPct val="0"/>
+              </a:spcAft>
+              <a:buClr>
+                <a:srgbClr val="000000"/>
+              </a:buClr>
+              <a:buSzPct val="100000"/>
+              <a:buFont typeface="Arial" pitchFamily="-65" charset="0"/>
+              <a:buNone/>
+              <a:tabLst/>
+            </a:pPr>
+            <a:endParaRPr kumimoji="0" lang="en-US" sz="1800" b="0" i="0" u="none" strike="noStrike" cap="none" normalizeH="0" baseline="0">
+              <a:ln>
+                <a:noFill/>
+              </a:ln>
+              <a:solidFill>
+                <a:schemeClr val="tx1"/>
+              </a:solidFill>
+              <a:effectLst/>
+              <a:latin typeface="Arial" pitchFamily="-65" charset="0"/>
+              <a:ea typeface="Lucida Sans Unicode" pitchFamily="-65" charset="-52"/>
+              <a:cs typeface="Lucida Sans Unicode" pitchFamily="-65" charset="-52"/>
+            </a:endParaRPr>
+          </a:p>
+        </p:txBody>
+      </p:sp>
+      <p:sp>
+        <p:nvSpPr>
           <p:cNvPr id="14339" name="Titel 1"/>
           <p:cNvSpPr>
             <a:spLocks noGrp="1"/>
@@ -17636,7 +17837,19 @@
               <a:rPr lang="de-DE" altLang="de-DE" dirty="0" smtClean="0">
                 <a:ea typeface="ＭＳ Ｐゴシック" pitchFamily="34" charset="-128"/>
               </a:rPr>
-              <a:t>Eine Kurze Geschichte von…</a:t>
+              <a:t>Eine </a:t>
+            </a:r>
+            <a:r>
+              <a:rPr lang="de-DE" altLang="de-DE" dirty="0" smtClean="0">
+                <a:ea typeface="ＭＳ Ｐゴシック" pitchFamily="34" charset="-128"/>
+              </a:rPr>
+              <a:t>kurze </a:t>
+            </a:r>
+            <a:r>
+              <a:rPr lang="de-DE" altLang="de-DE" dirty="0" smtClean="0">
+                <a:ea typeface="ＭＳ Ｐゴシック" pitchFamily="34" charset="-128"/>
+              </a:rPr>
+              <a:t>Geschichte von…</a:t>
             </a:r>
           </a:p>
         </p:txBody>
@@ -18515,7 +18728,7 @@
         </p:nvSpPr>
         <p:spPr>
           <a:xfrm>
-            <a:off x="6573838" y="3321469"/>
+            <a:off x="5889714" y="3825343"/>
             <a:ext cx="2448272" cy="539579"/>
           </a:xfrm>
           <a:prstGeom prst="wedgeRoundRectCallout">
@@ -18611,13 +18824,13 @@
         </p:nvSpPr>
         <p:spPr>
           <a:xfrm>
-            <a:off x="5222018" y="2671052"/>
-            <a:ext cx="2169895" cy="355394"/>
+            <a:off x="5222018" y="2671051"/>
+            <a:ext cx="2374318" cy="430057"/>
           </a:xfrm>
           <a:prstGeom prst="wedgeRoundRectCallout">
             <a:avLst>
-              <a:gd name="adj1" fmla="val -85521"/>
-              <a:gd name="adj2" fmla="val 37256"/>
+              <a:gd name="adj1" fmla="val -79828"/>
+              <a:gd name="adj2" fmla="val 28012"/>
               <a:gd name="adj3" fmla="val 16667"/>
             </a:avLst>
           </a:prstGeom>
@@ -18657,7 +18870,15 @@
                   <a:schemeClr val="bg1"/>
                 </a:solidFill>
               </a:rPr>
-              <a:t>Ken Thompson; Unix</a:t>
+              <a:t>Ken Thompson; </a:t>
+            </a:r>
+            <a:r>
+              <a:rPr lang="de-DE" sz="1600" dirty="0" smtClean="0">
+                <a:solidFill>
+                  <a:schemeClr val="bg1"/>
+                </a:solidFill>
+              </a:rPr>
+              <a:t>erste Fassung von Unix</a:t>
             </a:r>
             <a:endParaRPr lang="de-DE" sz="1600" dirty="0">
               <a:solidFill>
@@ -20031,12 +20252,12 @@
               <a:buNone/>
             </a:pPr>
             <a:r>
-              <a:rPr lang="de-DE" altLang="de-DE" sz="1000">
+              <a:rPr lang="de-DE" altLang="de-DE" sz="1000" dirty="0">
                 <a:hlinkClick r:id="rId3"/>
               </a:rPr>
               <a:t>http://www.tiobe.com/index.php/content/paperinfo/tpci/index.html</a:t>
             </a:r>
-            <a:endParaRPr lang="de-DE" altLang="de-DE" sz="1000"/>
+            <a:endParaRPr lang="de-DE" altLang="de-DE" sz="1000" dirty="0"/>
           </a:p>
         </p:txBody>
       </p:sp>
@@ -21553,7 +21774,11 @@
           <a:p>
             <a:pPr eaLnBrk="1" hangingPunct="1"/>
             <a:r>
-              <a:rPr lang="de-DE" altLang="de-DE" sz="9600" b="1"/>
+              <a:rPr lang="de-DE" altLang="de-DE" sz="9600" b="1" dirty="0">
+                <a:solidFill>
+                  <a:srgbClr val="005AA9"/>
+                </a:solidFill>
+              </a:rPr>
               <a:t>!</a:t>
             </a:r>
           </a:p>
@@ -21762,9 +21987,10 @@
           <a:p>
             <a:pPr eaLnBrk="1" hangingPunct="1"/>
             <a:r>
-              <a:rPr lang="de-DE" altLang="de-DE" smtClean="0"/>
-              <a:t>Voraussetzung</a:t>
-            </a:r>
+              <a:rPr lang="de-DE" altLang="de-DE" dirty="0" smtClean="0"/>
+              <a:t>Zielsetzung</a:t>
+            </a:r>
+            <a:endParaRPr lang="de-DE" altLang="de-DE" dirty="0" smtClean="0"/>
           </a:p>
         </p:txBody>
       </p:sp>
@@ -21791,95 +22017,119 @@
             <a:endParaRPr lang="de-DE" sz="2200" dirty="0" smtClean="0"/>
           </a:p>
           <a:p>
-            <a:pPr marL="523875" lvl="1" indent="-342900" eaLnBrk="1" hangingPunct="1">
-              <a:buFont typeface="+mj-lt"/>
-              <a:buAutoNum type="arabicPeriod"/>
-              <a:defRPr/>
-            </a:pPr>
-            <a:r>
-              <a:rPr lang="de-DE" sz="2200" dirty="0" smtClean="0"/>
-              <a:t>Allgemeine Programmiererfahrung</a:t>
-            </a:r>
-          </a:p>
-          <a:p>
-            <a:pPr marL="638175" lvl="1" indent="-457200" eaLnBrk="1" hangingPunct="1">
-              <a:buFont typeface="+mj-lt"/>
-              <a:buAutoNum type="arabicPeriod"/>
-              <a:defRPr/>
-            </a:pPr>
-            <a:endParaRPr lang="de-DE" sz="2200" dirty="0" smtClean="0"/>
-          </a:p>
-          <a:p>
-            <a:pPr marL="638175" lvl="1" indent="-457200" eaLnBrk="1" hangingPunct="1">
-              <a:buFont typeface="+mj-lt"/>
-              <a:buAutoNum type="arabicPeriod"/>
-              <a:defRPr/>
-            </a:pPr>
-            <a:endParaRPr lang="de-DE" sz="2200" dirty="0" smtClean="0"/>
-          </a:p>
-          <a:p>
-            <a:pPr marL="523875" lvl="1" indent="-342900" eaLnBrk="1" hangingPunct="1">
-              <a:buFont typeface="+mj-lt"/>
-              <a:buAutoNum type="arabicPeriod"/>
-              <a:defRPr/>
-            </a:pPr>
-            <a:r>
-              <a:rPr lang="de-DE" sz="2200" dirty="0" smtClean="0"/>
-              <a:t>Prinzipien der objektorientierten Programmierung</a:t>
-            </a:r>
-          </a:p>
-          <a:p>
-            <a:pPr marL="638175" lvl="1" indent="-457200" eaLnBrk="1" hangingPunct="1">
-              <a:buFont typeface="+mj-lt"/>
-              <a:buAutoNum type="arabicPeriod"/>
-              <a:defRPr/>
-            </a:pPr>
-            <a:endParaRPr lang="de-DE" sz="2200" dirty="0"/>
-          </a:p>
-          <a:p>
-            <a:pPr marL="638175" lvl="1" indent="-457200" eaLnBrk="1" hangingPunct="1">
-              <a:buFont typeface="+mj-lt"/>
-              <a:buAutoNum type="arabicPeriod"/>
-              <a:defRPr/>
-            </a:pPr>
-            <a:endParaRPr lang="de-DE" sz="2200" dirty="0" smtClean="0"/>
-          </a:p>
-          <a:p>
-            <a:pPr marL="523875" lvl="1" indent="-342900" eaLnBrk="1" hangingPunct="1">
-              <a:buFont typeface="+mj-lt"/>
-              <a:buAutoNum type="arabicPeriod"/>
-              <a:defRPr/>
-            </a:pPr>
-            <a:r>
-              <a:rPr lang="de-DE" sz="2200" dirty="0" smtClean="0"/>
-              <a:t>Sprachmittel aus Java bekannt</a:t>
-            </a:r>
-          </a:p>
-          <a:p>
             <a:pPr marL="180975" lvl="1" indent="0" eaLnBrk="1" hangingPunct="1">
-              <a:buFont typeface="Wingdings" pitchFamily="2" charset="2"/>
               <a:buNone/>
               <a:defRPr/>
             </a:pPr>
-            <a:endParaRPr lang="de-DE" sz="2200" dirty="0" smtClean="0"/>
+            <a:r>
+              <a:rPr lang="de-DE" sz="2200" dirty="0" smtClean="0"/>
+              <a:t>In diesem Praktikum wollen wir </a:t>
+            </a:r>
+            <a:r>
+              <a:rPr lang="de-DE" sz="2200" strike="sngStrike" dirty="0" smtClean="0"/>
+              <a:t>die</a:t>
+            </a:r>
+            <a:r>
+              <a:rPr lang="de-DE" sz="2200" dirty="0" smtClean="0"/>
+              <a:t> einige </a:t>
+            </a:r>
+            <a:r>
+              <a:rPr lang="de-DE" sz="2200" b="1" dirty="0" smtClean="0"/>
+              <a:t>Besonderheiten der Sprachen C++ und C (für </a:t>
+            </a:r>
+            <a:r>
+              <a:rPr lang="de-DE" sz="2200" b="1" dirty="0" err="1" smtClean="0"/>
+              <a:t>Microcontroller</a:t>
+            </a:r>
+            <a:r>
+              <a:rPr lang="de-DE" sz="2200" b="1" dirty="0" smtClean="0"/>
+              <a:t>)</a:t>
+            </a:r>
+            <a:r>
+              <a:rPr lang="de-DE" sz="2200" dirty="0" smtClean="0"/>
+              <a:t> kennenlernen.</a:t>
+            </a:r>
+            <a:br>
+              <a:rPr lang="de-DE" sz="2200" dirty="0" smtClean="0"/>
+            </a:br>
+            <a:r>
+              <a:rPr lang="de-DE" sz="2200" dirty="0" smtClean="0"/>
+              <a:t/>
+            </a:r>
+            <a:br>
+              <a:rPr lang="de-DE" sz="2200" dirty="0" smtClean="0"/>
+            </a:br>
+            <a:r>
+              <a:rPr lang="de-DE" sz="2200" dirty="0" smtClean="0"/>
+              <a:t/>
+            </a:r>
+            <a:br>
+              <a:rPr lang="de-DE" sz="2200" dirty="0" smtClean="0"/>
+            </a:br>
+            <a:endParaRPr lang="de-DE" sz="2200" dirty="0"/>
+          </a:p>
+          <a:p>
+            <a:pPr marL="180975" lvl="1" indent="0" eaLnBrk="1" hangingPunct="1">
+              <a:buNone/>
+              <a:defRPr/>
+            </a:pPr>
+            <a:r>
+              <a:rPr lang="de-DE" sz="2200" dirty="0" smtClean="0"/>
+              <a:t>Das wird </a:t>
+            </a:r>
+            <a:r>
+              <a:rPr lang="de-DE" sz="2200" b="1" dirty="0" smtClean="0"/>
+              <a:t>nicht behandelt</a:t>
+            </a:r>
+            <a:r>
+              <a:rPr lang="de-DE" sz="2200" dirty="0" smtClean="0"/>
+              <a:t>:</a:t>
+            </a:r>
+          </a:p>
+          <a:p>
+            <a:pPr lvl="1" eaLnBrk="1" hangingPunct="1">
+              <a:defRPr/>
+            </a:pPr>
+            <a:r>
+              <a:rPr lang="de-DE" sz="2200" dirty="0" smtClean="0"/>
+              <a:t>programmiertechnische Grundlagen (Schleifen, Rekursion, …)</a:t>
+            </a:r>
+          </a:p>
+          <a:p>
+            <a:pPr lvl="1" eaLnBrk="1" hangingPunct="1">
+              <a:defRPr/>
+            </a:pPr>
+            <a:r>
+              <a:rPr lang="de-DE" sz="2200" dirty="0" smtClean="0"/>
+              <a:t>grundlegende Datenstrukturen und Algorithmen</a:t>
+            </a:r>
+          </a:p>
+          <a:p>
+            <a:pPr lvl="1" eaLnBrk="1" hangingPunct="1">
+              <a:defRPr/>
+            </a:pPr>
+            <a:r>
+              <a:rPr lang="de-DE" sz="2200" dirty="0" smtClean="0"/>
+              <a:t>Grundlagen der Objektorientierung</a:t>
+            </a:r>
           </a:p>
         </p:txBody>
       </p:sp>
       <p:sp>
         <p:nvSpPr>
-          <p:cNvPr id="4" name="Abgerundete rechteckige Legende 3"/>
+          <p:cNvPr id="7" name="Abgerundete rechteckige Legende 6"/>
           <p:cNvSpPr/>
           <p:nvPr/>
         </p:nvSpPr>
         <p:spPr>
           <a:xfrm>
-            <a:off x="5292725" y="3644900"/>
-            <a:ext cx="3240088" cy="1008063"/>
+            <a:off x="5852323" y="5013176"/>
+            <a:ext cx="3024336" cy="1309143"/>
           </a:xfrm>
           <a:prstGeom prst="wedgeRoundRectCallout">
             <a:avLst>
-              <a:gd name="adj1" fmla="val -35284"/>
-              <a:gd name="adj2" fmla="val -70749"/>
+              <a:gd name="adj1" fmla="val -74444"/>
+              <a:gd name="adj2" fmla="val -46967"/>
               <a:gd name="adj3" fmla="val 16667"/>
             </a:avLst>
           </a:prstGeom>
@@ -21907,112 +22157,44 @@
               <a:defRPr/>
             </a:pPr>
             <a:r>
-              <a:rPr lang="de-DE" dirty="0">
+              <a:rPr lang="de-DE" dirty="0" smtClean="0">
                 <a:solidFill>
                   <a:schemeClr val="bg1"/>
                 </a:solidFill>
               </a:rPr>
-              <a:t>Polymorphie, Vererbung, Objekte, Klassen, Methoden</a:t>
-            </a:r>
-          </a:p>
-        </p:txBody>
-      </p:sp>
-      <p:sp>
-        <p:nvSpPr>
-          <p:cNvPr id="5" name="Abgerundete rechteckige Legende 4"/>
-          <p:cNvSpPr/>
-          <p:nvPr/>
-        </p:nvSpPr>
-        <p:spPr>
-          <a:xfrm>
-            <a:off x="2051050" y="4868863"/>
-            <a:ext cx="3600450" cy="1008062"/>
-          </a:xfrm>
-          <a:prstGeom prst="wedgeRoundRectCallout">
-            <a:avLst>
-              <a:gd name="adj1" fmla="val -8792"/>
-              <a:gd name="adj2" fmla="val -66688"/>
-              <a:gd name="adj3" fmla="val 16667"/>
-            </a:avLst>
-          </a:prstGeom>
-          <a:ln/>
-        </p:spPr>
-        <p:style>
-          <a:lnRef idx="1">
-            <a:schemeClr val="dk1"/>
-          </a:lnRef>
-          <a:fillRef idx="3">
-            <a:schemeClr val="dk1"/>
-          </a:fillRef>
-          <a:effectRef idx="2">
-            <a:schemeClr val="dk1"/>
-          </a:effectRef>
-          <a:fontRef idx="minor">
-            <a:schemeClr val="lt1"/>
-          </a:fontRef>
-        </p:style>
-        <p:txBody>
-          <a:bodyPr anchor="ctr"/>
-          <a:lstStyle/>
-          <a:p>
-            <a:pPr>
-              <a:defRPr/>
-            </a:pPr>
-            <a:r>
-              <a:rPr lang="de-DE" dirty="0" err="1">
+              <a:t>Allgemeine </a:t>
+            </a:r>
+            <a:r>
+              <a:rPr lang="de-DE" b="1" dirty="0" smtClean="0">
                 <a:solidFill>
                   <a:schemeClr val="bg1"/>
                 </a:solidFill>
               </a:rPr>
-              <a:t>Garbage</a:t>
-            </a:r>
-            <a:r>
-              <a:rPr lang="de-DE" dirty="0">
+              <a:t>Programmiererfahrung</a:t>
+            </a:r>
+            <a:r>
+              <a:rPr lang="de-DE" dirty="0" smtClean="0">
                 <a:solidFill>
                   <a:schemeClr val="bg1"/>
                 </a:solidFill>
               </a:rPr>
-              <a:t> </a:t>
-            </a:r>
-            <a:r>
-              <a:rPr lang="de-DE" dirty="0" err="1">
+              <a:t> und </a:t>
+            </a:r>
+            <a:r>
+              <a:rPr lang="de-DE" b="1" dirty="0" smtClean="0">
                 <a:solidFill>
                   <a:schemeClr val="bg1"/>
                 </a:solidFill>
               </a:rPr>
-              <a:t>Collector</a:t>
-            </a:r>
-            <a:r>
-              <a:rPr lang="de-DE" dirty="0">
+              <a:t>Kenntnisse in Java </a:t>
+            </a:r>
+            <a:r>
+              <a:rPr lang="de-DE" dirty="0" smtClean="0">
                 <a:solidFill>
                   <a:schemeClr val="bg1"/>
                 </a:solidFill>
               </a:rPr>
-              <a:t>, Referenzen, generische Typparameter (</a:t>
-            </a:r>
-            <a:r>
-              <a:rPr lang="de-DE" dirty="0" err="1">
-                <a:solidFill>
-                  <a:schemeClr val="bg1"/>
-                </a:solidFill>
-              </a:rPr>
-              <a:t>Generics</a:t>
-            </a:r>
-            <a:r>
-              <a:rPr lang="de-DE" dirty="0">
-                <a:solidFill>
-                  <a:schemeClr val="bg1"/>
-                </a:solidFill>
-              </a:rPr>
-              <a:t>), </a:t>
-            </a:r>
-            <a:r>
-              <a:rPr lang="de-DE" dirty="0" err="1">
-                <a:solidFill>
-                  <a:schemeClr val="bg1"/>
-                </a:solidFill>
-              </a:rPr>
-              <a:t>Collections</a:t>
+              <a:t>werden vorausgesetzt!</a:t>
             </a:r>
             <a:endParaRPr lang="de-DE" dirty="0">
               <a:solidFill>
@@ -22022,64 +22204,12 @@
           </a:p>
         </p:txBody>
       </p:sp>
-      <p:sp>
-        <p:nvSpPr>
-          <p:cNvPr id="6" name="Abgerundete rechteckige Legende 5"/>
-          <p:cNvSpPr/>
-          <p:nvPr/>
-        </p:nvSpPr>
-        <p:spPr>
-          <a:xfrm>
-            <a:off x="5400675" y="1773238"/>
-            <a:ext cx="2195661" cy="1008062"/>
-          </a:xfrm>
-          <a:prstGeom prst="wedgeRoundRectCallout">
-            <a:avLst>
-              <a:gd name="adj1" fmla="val -56829"/>
-              <a:gd name="adj2" fmla="val -16598"/>
-              <a:gd name="adj3" fmla="val 16667"/>
-            </a:avLst>
-          </a:prstGeom>
-          <a:ln/>
-        </p:spPr>
-        <p:style>
-          <a:lnRef idx="1">
-            <a:schemeClr val="dk1"/>
-          </a:lnRef>
-          <a:fillRef idx="3">
-            <a:schemeClr val="dk1"/>
-          </a:fillRef>
-          <a:effectRef idx="2">
-            <a:schemeClr val="dk1"/>
-          </a:effectRef>
-          <a:fontRef idx="minor">
-            <a:schemeClr val="lt1"/>
-          </a:fontRef>
-        </p:style>
-        <p:txBody>
-          <a:bodyPr anchor="ctr"/>
-          <a:lstStyle/>
-          <a:p>
-            <a:pPr>
-              <a:defRPr/>
-            </a:pPr>
-            <a:r>
-              <a:rPr lang="de-DE" dirty="0" smtClean="0">
-                <a:solidFill>
-                  <a:schemeClr val="bg1"/>
-                </a:solidFill>
-              </a:rPr>
-              <a:t>Datenstrukturen, Algorithmen,…</a:t>
-            </a:r>
-            <a:endParaRPr lang="de-DE" dirty="0">
-              <a:solidFill>
-                <a:schemeClr val="bg1"/>
-              </a:solidFill>
-            </a:endParaRPr>
-          </a:p>
-        </p:txBody>
-      </p:sp>
     </p:spTree>
+    <p:extLst>
+      <p:ext uri="{BB962C8B-B14F-4D97-AF65-F5344CB8AC3E}">
+        <p14:creationId xmlns:p14="http://schemas.microsoft.com/office/powerpoint/2010/main" val="4209557053"/>
+      </p:ext>
+    </p:extLst>
   </p:cSld>
   <p:clrMapOvr>
     <a:masterClrMapping/>
@@ -22093,19 +22223,19 @@
               <p:cTn id="2" dur="indefinite" nodeType="mainSeq">
                 <p:childTnLst>
                   <p:par>
-                    <p:cTn id="3" fill="hold" nodeType="clickPar">
+                    <p:cTn id="3" fill="hold">
                       <p:stCondLst>
                         <p:cond delay="indefinite"/>
                       </p:stCondLst>
                       <p:childTnLst>
                         <p:par>
-                          <p:cTn id="4" fill="hold" nodeType="withGroup">
+                          <p:cTn id="4" fill="hold">
                             <p:stCondLst>
                               <p:cond delay="0"/>
                             </p:stCondLst>
                             <p:childTnLst>
                               <p:par>
-                                <p:cTn id="5" presetID="10" presetClass="entr" presetSubtype="0" fill="hold" grpId="0" nodeType="clickEffect">
+                                <p:cTn id="5" presetID="10" presetClass="entr" presetSubtype="0" fill="hold" nodeType="clickEffect">
                                   <p:stCondLst>
                                     <p:cond delay="0"/>
                                   </p:stCondLst>
@@ -22118,7 +22248,11 @@
                                           </p:stCondLst>
                                         </p:cTn>
                                         <p:tgtEl>
-                                          <p:spTgt spid="6"/>
+                                          <p:spTgt spid="4099">
+                                            <p:txEl>
+                                              <p:pRg st="2" end="2"/>
+                                            </p:txEl>
+                                          </p:spTgt>
                                         </p:tgtEl>
                                         <p:attrNameLst>
                                           <p:attrName>style.visibility</p:attrName>
@@ -22132,7 +22266,140 @@
                                       <p:cBhvr>
                                         <p:cTn id="7" dur="500"/>
                                         <p:tgtEl>
-                                          <p:spTgt spid="6"/>
+                                          <p:spTgt spid="4099">
+                                            <p:txEl>
+                                              <p:pRg st="2" end="2"/>
+                                            </p:txEl>
+                                          </p:spTgt>
+                                        </p:tgtEl>
+                                      </p:cBhvr>
+                                    </p:animEffect>
+                                  </p:childTnLst>
+                                </p:cTn>
+                              </p:par>
+                              <p:par>
+                                <p:cTn id="8" presetID="10" presetClass="entr" presetSubtype="0" fill="hold" nodeType="withEffect">
+                                  <p:stCondLst>
+                                    <p:cond delay="0"/>
+                                  </p:stCondLst>
+                                  <p:childTnLst>
+                                    <p:set>
+                                      <p:cBhvr>
+                                        <p:cTn id="9" dur="1" fill="hold">
+                                          <p:stCondLst>
+                                            <p:cond delay="0"/>
+                                          </p:stCondLst>
+                                        </p:cTn>
+                                        <p:tgtEl>
+                                          <p:spTgt spid="4099">
+                                            <p:txEl>
+                                              <p:pRg st="3" end="3"/>
+                                            </p:txEl>
+                                          </p:spTgt>
+                                        </p:tgtEl>
+                                        <p:attrNameLst>
+                                          <p:attrName>style.visibility</p:attrName>
+                                        </p:attrNameLst>
+                                      </p:cBhvr>
+                                      <p:to>
+                                        <p:strVal val="visible"/>
+                                      </p:to>
+                                    </p:set>
+                                    <p:animEffect transition="in" filter="fade">
+                                      <p:cBhvr>
+                                        <p:cTn id="10" dur="500"/>
+                                        <p:tgtEl>
+                                          <p:spTgt spid="4099">
+                                            <p:txEl>
+                                              <p:pRg st="3" end="3"/>
+                                            </p:txEl>
+                                          </p:spTgt>
+                                        </p:tgtEl>
+                                      </p:cBhvr>
+                                    </p:animEffect>
+                                  </p:childTnLst>
+                                </p:cTn>
+                              </p:par>
+                              <p:par>
+                                <p:cTn id="11" presetID="10" presetClass="entr" presetSubtype="0" fill="hold" nodeType="withEffect">
+                                  <p:stCondLst>
+                                    <p:cond delay="0"/>
+                                  </p:stCondLst>
+                                  <p:childTnLst>
+                                    <p:set>
+                                      <p:cBhvr>
+                                        <p:cTn id="12" dur="1" fill="hold">
+                                          <p:stCondLst>
+                                            <p:cond delay="0"/>
+                                          </p:stCondLst>
+                                        </p:cTn>
+                                        <p:tgtEl>
+                                          <p:spTgt spid="4099">
+                                            <p:txEl>
+                                              <p:pRg st="4" end="4"/>
+                                            </p:txEl>
+                                          </p:spTgt>
+                                        </p:tgtEl>
+                                        <p:attrNameLst>
+                                          <p:attrName>style.visibility</p:attrName>
+                                        </p:attrNameLst>
+                                      </p:cBhvr>
+                                      <p:to>
+                                        <p:strVal val="visible"/>
+                                      </p:to>
+                                    </p:set>
+                                    <p:animEffect transition="in" filter="fade">
+                                      <p:cBhvr>
+                                        <p:cTn id="13" dur="500"/>
+                                        <p:tgtEl>
+                                          <p:spTgt spid="4099">
+                                            <p:txEl>
+                                              <p:pRg st="4" end="4"/>
+                                            </p:txEl>
+                                          </p:spTgt>
+                                        </p:tgtEl>
+                                      </p:cBhvr>
+                                    </p:animEffect>
+                                  </p:childTnLst>
+                                </p:cTn>
+                              </p:par>
+                              <p:par>
+                                <p:cTn id="14" presetID="10" presetClass="entr" presetSubtype="0" fill="hold" nodeType="withEffect">
+                                  <p:stCondLst>
+                                    <p:cond delay="0"/>
+                                  </p:stCondLst>
+                                  <p:childTnLst>
+                                    <p:set>
+                                      <p:cBhvr>
+                                        <p:cTn id="15" dur="1" fill="hold">
+                                          <p:stCondLst>
+                                            <p:cond delay="0"/>
+                                          </p:stCondLst>
+                                        </p:cTn>
+                                        <p:tgtEl>
+                                          <p:spTgt spid="4099">
+                                            <p:txEl>
+                                              <p:pRg st="5" end="5"/>
+                                            </p:txEl>
+                                          </p:spTgt>
+                                        </p:tgtEl>
+                                        <p:attrNameLst>
+                                          <p:attrName>style.visibility</p:attrName>
+                                        </p:attrNameLst>
+                                      </p:cBhvr>
+                                      <p:to>
+                                        <p:strVal val="visible"/>
+                                      </p:to>
+                                    </p:set>
+                                    <p:animEffect transition="in" filter="fade">
+                                      <p:cBhvr>
+                                        <p:cTn id="16" dur="500"/>
+                                        <p:tgtEl>
+                                          <p:spTgt spid="4099">
+                                            <p:txEl>
+                                              <p:pRg st="5" end="5"/>
+                                            </p:txEl>
+                                          </p:spTgt>
                                         </p:tgtEl>
                                       </p:cBhvr>
                                     </p:animEffect>
@@ -22146,32 +22413,32 @@
                     </p:cTn>
                   </p:par>
                   <p:par>
-                    <p:cTn id="8" fill="hold" nodeType="clickPar">
+                    <p:cTn id="17" fill="hold">
                       <p:stCondLst>
                         <p:cond delay="indefinite"/>
                       </p:stCondLst>
                       <p:childTnLst>
                         <p:par>
-                          <p:cTn id="9" fill="hold" nodeType="withGroup">
+                          <p:cTn id="18" fill="hold">
                             <p:stCondLst>
                               <p:cond delay="0"/>
                             </p:stCondLst>
                             <p:childTnLst>
                               <p:par>
-                                <p:cTn id="10" presetID="10" presetClass="entr" presetSubtype="0" fill="hold" grpId="0" nodeType="clickEffect">
+                                <p:cTn id="19" presetID="10" presetClass="entr" presetSubtype="0" fill="hold" grpId="0" nodeType="clickEffect">
                                   <p:stCondLst>
                                     <p:cond delay="0"/>
                                   </p:stCondLst>
                                   <p:childTnLst>
                                     <p:set>
                                       <p:cBhvr>
-                                        <p:cTn id="11" dur="1" fill="hold">
+                                        <p:cTn id="20" dur="1" fill="hold">
                                           <p:stCondLst>
                                             <p:cond delay="0"/>
                                           </p:stCondLst>
                                         </p:cTn>
                                         <p:tgtEl>
-                                          <p:spTgt spid="4"/>
+                                          <p:spTgt spid="7"/>
                                         </p:tgtEl>
                                         <p:attrNameLst>
                                           <p:attrName>style.visibility</p:attrName>
@@ -22183,62 +22450,9 @@
                                     </p:set>
                                     <p:animEffect transition="in" filter="fade">
                                       <p:cBhvr>
-                                        <p:cTn id="12" dur="500"/>
+                                        <p:cTn id="21" dur="500"/>
                                         <p:tgtEl>
-                                          <p:spTgt spid="4"/>
-                                        </p:tgtEl>
-                                      </p:cBhvr>
-                                    </p:animEffect>
-                                  </p:childTnLst>
-                                </p:cTn>
-                              </p:par>
-                            </p:childTnLst>
-                          </p:cTn>
-                        </p:par>
-                      </p:childTnLst>
-                    </p:cTn>
-                  </p:par>
-                  <p:par>
-                    <p:cTn id="13" fill="hold" nodeType="clickPar">
-                      <p:stCondLst>
-                        <p:cond delay="indefinite"/>
-                      </p:stCondLst>
-                      <p:childTnLst>
-                        <p:par>
-                          <p:cTn id="14" fill="hold" nodeType="withGroup">
-                            <p:stCondLst>
-                              <p:cond delay="0"/>
-                            </p:stCondLst>
-                            <p:childTnLst>
-                              <p:par>
-                                <p:cTn id="15" presetID="10" presetClass="entr" presetSubtype="0" fill="hold" grpId="0" nodeType="clickEffect">
-                                  <p:stCondLst>
-                                    <p:cond delay="0"/>
-                                  </p:stCondLst>
-                                  <p:childTnLst>
-                                    <p:set>
-                                      <p:cBhvr>
-                                        <p:cTn id="16" dur="1" fill="hold">
-                                          <p:stCondLst>
-                                            <p:cond delay="0"/>
-                                          </p:stCondLst>
-                                        </p:cTn>
-                                        <p:tgtEl>
-                                          <p:spTgt spid="5"/>
-                                        </p:tgtEl>
-                                        <p:attrNameLst>
-                                          <p:attrName>style.visibility</p:attrName>
-                                        </p:attrNameLst>
-                                      </p:cBhvr>
-                                      <p:to>
-                                        <p:strVal val="visible"/>
-                                      </p:to>
-                                    </p:set>
-                                    <p:animEffect transition="in" filter="fade">
-                                      <p:cBhvr>
-                                        <p:cTn id="17" dur="500"/>
-                                        <p:tgtEl>
-                                          <p:spTgt spid="5"/>
+                                          <p:spTgt spid="7"/>
                                         </p:tgtEl>
                                       </p:cBhvr>
                                     </p:animEffect>
@@ -22273,9 +22487,7 @@
       </p:par>
     </p:tnLst>
     <p:bldLst>
-      <p:bldP spid="4" grpId="0" animBg="1"/>
-      <p:bldP spid="5" grpId="0" animBg="1"/>
-      <p:bldP spid="6" grpId="0" animBg="1"/>
+      <p:bldP spid="7" grpId="0" animBg="1"/>
     </p:bldLst>
   </p:timing>
 </p:sld>
@@ -22367,7 +22579,15 @@
             </a:pPr>
             <a:r>
               <a:rPr lang="de-DE" dirty="0" smtClean="0"/>
-              <a:t>09:00 – 11:30:  Frontalunterricht im Hörsaal</a:t>
+              <a:t>09:00 – 11:30:  Frontalunterricht im </a:t>
+            </a:r>
+            <a:r>
+              <a:rPr lang="de-DE" dirty="0" smtClean="0"/>
+              <a:t>Hörsaal</a:t>
+            </a:r>
+            <a:r>
+              <a:rPr lang="de-DE" dirty="0" smtClean="0"/>
+              <a:t/>
             </a:r>
             <a:br>
               <a:rPr lang="de-DE" dirty="0" smtClean="0"/>
@@ -22382,7 +22602,15 @@
             </a:pPr>
             <a:r>
               <a:rPr lang="de-DE" dirty="0" smtClean="0"/>
-              <a:t>13:00 – 16:00:  Praktische Übungen im Pool</a:t>
+              <a:t>13:00 – 16:00:  </a:t>
+            </a:r>
+            <a:r>
+              <a:rPr lang="de-DE" dirty="0" smtClean="0"/>
+              <a:t>praktische </a:t>
+            </a:r>
+            <a:r>
+              <a:rPr lang="de-DE" dirty="0" smtClean="0"/>
+              <a:t>Übungen im Pool</a:t>
             </a:r>
             <a:endParaRPr lang="de-DE" dirty="0"/>
           </a:p>
@@ -22417,9 +22645,24 @@
             </a:r>
           </a:p>
           <a:p>
-            <a:pPr lvl="1" eaLnBrk="1" hangingPunct="1">
+            <a:pPr marL="180975" lvl="1" indent="0" eaLnBrk="1" hangingPunct="1">
+              <a:buNone/>
               <a:defRPr/>
             </a:pPr>
+            <a:r>
+              <a:rPr lang="de-DE" dirty="0" smtClean="0"/>
+              <a:t/>
+            </a:r>
+            <a:br>
+              <a:rPr lang="de-DE" dirty="0" smtClean="0"/>
+            </a:br>
+            <a:r>
+              <a:rPr lang="de-DE" dirty="0" smtClean="0"/>
+              <a:t/>
+            </a:r>
+            <a:br>
+              <a:rPr lang="de-DE" dirty="0" smtClean="0"/>
+            </a:br>
             <a:endParaRPr lang="de-DE" dirty="0" smtClean="0"/>
           </a:p>
           <a:p>
@@ -22440,7 +22683,23 @@
             </a:pPr>
             <a:r>
               <a:rPr lang="de-DE" dirty="0" smtClean="0"/>
-              <a:t>Roland Kluge,</a:t>
+              <a:t>Roland </a:t>
+            </a:r>
+            <a:r>
+              <a:rPr lang="de-DE" dirty="0" smtClean="0"/>
+              <a:t>Kluge (</a:t>
+            </a:r>
+            <a:r>
+              <a:rPr lang="de-DE" dirty="0" err="1" smtClean="0"/>
+              <a:t>roland.kluge@es.tu</a:t>
+            </a:r>
+            <a:r>
+              <a:rPr lang="de-DE" dirty="0" smtClean="0"/>
+              <a:t>...),</a:t>
+            </a:r>
+            <a:r>
+              <a:rPr lang="de-DE" dirty="0" smtClean="0"/>
+              <a:t/>
             </a:r>
             <a:br>
               <a:rPr lang="de-DE" dirty="0" smtClean="0"/>
@@ -22471,8 +22730,8 @@
         </p:nvSpPr>
         <p:spPr>
           <a:xfrm>
-            <a:off x="4932361" y="4437112"/>
-            <a:ext cx="3671887" cy="1008063"/>
+            <a:off x="4644008" y="4437113"/>
+            <a:ext cx="3960241" cy="936104"/>
           </a:xfrm>
           <a:prstGeom prst="wedgeRoundRectCallout">
             <a:avLst>
@@ -22526,7 +22785,15 @@
                   <a:schemeClr val="bg1"/>
                 </a:solidFill>
               </a:rPr>
-              <a:t>1 Tag </a:t>
+              <a:t>1 </a:t>
+            </a:r>
+            <a:r>
+              <a:rPr lang="de-DE" b="1" dirty="0" smtClean="0">
+                <a:solidFill>
+                  <a:schemeClr val="bg1"/>
+                </a:solidFill>
+              </a:rPr>
+              <a:t>Tag (=2 Kontrollen) </a:t>
             </a:r>
             <a:r>
               <a:rPr lang="de-DE" dirty="0">
@@ -23484,13 +23751,8 @@
             </a:pPr>
             <a:r>
               <a:rPr lang="de-DE" dirty="0" smtClean="0"/>
-              <a:t>IDE-Installer für das </a:t>
-            </a:r>
-            <a:r>
-              <a:rPr lang="de-DE" smtClean="0"/>
-              <a:t>eigene Notebook</a:t>
-            </a:r>
-            <a:endParaRPr lang="de-DE" dirty="0" smtClean="0"/>
+              <a:t>IDE-Installer für das eigene Notebook</a:t>
+            </a:r>
           </a:p>
           <a:p>
             <a:pPr marL="180975" lvl="1" indent="0" eaLnBrk="1" hangingPunct="1">
@@ -23542,18 +23804,18 @@
               <a:defRPr/>
             </a:pPr>
             <a:r>
-              <a:rPr lang="de-DE" dirty="0" smtClean="0">
+              <a:rPr lang="de-DE" sz="1600" dirty="0" smtClean="0">
                 <a:hlinkClick r:id="rId3"/>
               </a:rPr>
               <a:t>https</a:t>
             </a:r>
             <a:r>
-              <a:rPr lang="de-DE" dirty="0">
+              <a:rPr lang="de-DE" sz="1600" dirty="0">
                 <a:hlinkClick r:id="rId3"/>
               </a:rPr>
               <a:t>://code.google.com/p/tud-cpp-praktikum/</a:t>
             </a:r>
-            <a:endParaRPr lang="de-DE" dirty="0" smtClean="0"/>
+            <a:endParaRPr lang="de-DE" sz="1600" dirty="0" smtClean="0"/>
           </a:p>
           <a:p>
             <a:pPr marL="180975" lvl="1" indent="0" eaLnBrk="1" hangingPunct="1">
@@ -23565,17 +23827,12 @@
           </a:p>
           <a:p>
             <a:pPr marL="0" indent="0" eaLnBrk="1" hangingPunct="1">
-              <a:buFont typeface="Wingdings" pitchFamily="2" charset="2"/>
               <a:buNone/>
               <a:defRPr/>
             </a:pPr>
             <a:r>
               <a:rPr lang="de-DE" dirty="0" smtClean="0"/>
-              <a:t>Eigenes Projekt erstellen mit SVN/</a:t>
-            </a:r>
-            <a:r>
-              <a:rPr lang="de-DE" dirty="0" err="1" smtClean="0"/>
-              <a:t>Git</a:t>
+              <a:t>Eigenes Projekt erstellen mit SVN/Git</a:t>
             </a:r>
             <a:r>
               <a:rPr lang="de-DE" dirty="0" smtClean="0"/>
@@ -23583,60 +23840,110 @@
             </a:r>
           </a:p>
           <a:p>
-            <a:pPr marL="169862" lvl="1" indent="0" eaLnBrk="1" hangingPunct="1">
-              <a:buFont typeface="Wingdings" pitchFamily="2" charset="2"/>
+            <a:pPr marL="0" indent="0" eaLnBrk="1" hangingPunct="1">
               <a:buNone/>
               <a:defRPr/>
             </a:pPr>
             <a:r>
-              <a:rPr lang="de-DE" dirty="0" smtClean="0">
+              <a:rPr lang="de-DE" dirty="0" smtClean="0"/>
+              <a:t>  </a:t>
+            </a:r>
+            <a:r>
+              <a:rPr lang="de-DE" sz="1600" b="0" dirty="0" smtClean="0">
                 <a:hlinkClick r:id="rId4"/>
               </a:rPr>
-              <a:t>https</a:t>
-            </a:r>
-            <a:r>
-              <a:rPr lang="de-DE" dirty="0">
+              <a:t>http</a:t>
+            </a:r>
+            <a:r>
+              <a:rPr lang="de-DE" sz="1600" b="0" dirty="0">
                 <a:hlinkClick r:id="rId4"/>
               </a:rPr>
-              <a:t>://code.google.com</a:t>
-            </a:r>
-            <a:r>
-              <a:rPr lang="de-DE" dirty="0" smtClean="0">
+              <a:t>://</a:t>
+            </a:r>
+            <a:r>
+              <a:rPr lang="de-DE" sz="1600" b="0" dirty="0" smtClean="0">
                 <a:hlinkClick r:id="rId4"/>
               </a:rPr>
-              <a:t>/</a:t>
-            </a:r>
-            <a:r>
-              <a:rPr lang="de-DE" dirty="0" smtClean="0"/>
-              <a:t> (Git oder SVN)</a:t>
-            </a:r>
-          </a:p>
-          <a:p>
-            <a:pPr marL="169862" lvl="1" indent="0" eaLnBrk="1" hangingPunct="1">
-              <a:buFont typeface="Wingdings" pitchFamily="2" charset="2"/>
-              <a:buNone/>
-              <a:defRPr/>
-            </a:pPr>
-            <a:r>
-              <a:rPr lang="de-DE" dirty="0">
+              <a:t>svnbook.red-bean.com/index.de.html</a:t>
+            </a:r>
+            <a:r>
+              <a:rPr lang="de-DE" sz="1600" b="0" dirty="0"/>
+              <a:t/>
+            </a:r>
+            <a:br>
+              <a:rPr lang="de-DE" sz="1600" b="0" dirty="0"/>
+            </a:br>
+            <a:r>
+              <a:rPr lang="de-DE" sz="1600" b="0" dirty="0"/>
+              <a:t>  </a:t>
+            </a:r>
+            <a:r>
+              <a:rPr lang="de-DE" sz="1600" b="0" dirty="0">
                 <a:hlinkClick r:id="rId5"/>
               </a:rPr>
-              <a:t>https://github.com</a:t>
-            </a:r>
-            <a:r>
-              <a:rPr lang="de-DE" dirty="0" smtClean="0">
+              <a:t>http://</a:t>
+            </a:r>
+            <a:r>
+              <a:rPr lang="de-DE" sz="1600" b="0" dirty="0" smtClean="0">
                 <a:hlinkClick r:id="rId5"/>
               </a:rPr>
+              <a:t>git-scm.com/book/de</a:t>
+            </a:r>
+            <a:r>
+              <a:rPr lang="de-DE" sz="1600" b="0" dirty="0" smtClean="0"/>
+              <a:t> </a:t>
+            </a:r>
+            <a:br>
+              <a:rPr lang="de-DE" sz="1600" b="0" dirty="0" smtClean="0"/>
+            </a:br>
+            <a:r>
+              <a:rPr lang="de-DE" sz="1600" b="0" dirty="0" smtClean="0"/>
+              <a:t>  </a:t>
+            </a:r>
+            <a:r>
+              <a:rPr lang="de-DE" sz="1600" b="0" dirty="0" smtClean="0">
+                <a:hlinkClick r:id="rId6"/>
+              </a:rPr>
+              <a:t>https://code.google.com/</a:t>
+            </a:r>
+            <a:r>
+              <a:rPr lang="de-DE" sz="1600" b="0" dirty="0" smtClean="0"/>
+              <a:t> (Git oder SVN)</a:t>
+            </a:r>
+            <a:br>
+              <a:rPr lang="de-DE" sz="1600" b="0" dirty="0" smtClean="0"/>
+            </a:br>
+            <a:r>
+              <a:rPr lang="de-DE" sz="1600" b="0" dirty="0" smtClean="0"/>
+              <a:t>  </a:t>
+            </a:r>
+            <a:r>
+              <a:rPr lang="de-DE" sz="1600" b="0" dirty="0" smtClean="0">
+                <a:hlinkClick r:id="rId7"/>
+              </a:rPr>
+              <a:t>https</a:t>
+            </a:r>
+            <a:r>
+              <a:rPr lang="de-DE" sz="1600" b="0" dirty="0">
+                <a:hlinkClick r:id="rId7"/>
+              </a:rPr>
+              <a:t>://github.com</a:t>
+            </a:r>
+            <a:r>
+              <a:rPr lang="de-DE" sz="1600" b="0" dirty="0" smtClean="0">
+                <a:hlinkClick r:id="rId7"/>
+              </a:rPr>
               <a:t>/</a:t>
             </a:r>
             <a:r>
-              <a:rPr lang="de-DE" dirty="0" smtClean="0"/>
-              <a:t> (Git)</a:t>
-            </a:r>
-            <a:br>
-              <a:rPr lang="de-DE" dirty="0" smtClean="0"/>
-            </a:br>
-            <a:endParaRPr lang="de-DE" dirty="0" smtClean="0"/>
+              <a:rPr lang="de-DE" sz="1600" b="0" dirty="0" smtClean="0"/>
+              <a:t> (Git</a:t>
+            </a:r>
+            <a:r>
+              <a:rPr lang="de-DE" sz="1600" b="0" dirty="0" smtClean="0"/>
+              <a:t>)</a:t>
+            </a:r>
+            <a:endParaRPr lang="de-DE" sz="1600" dirty="0" smtClean="0"/>
           </a:p>
           <a:p>
             <a:pPr marL="0" indent="0" eaLnBrk="1" hangingPunct="1">
@@ -23656,13 +23963,13 @@
             </a:pPr>
             <a:r>
               <a:rPr lang="de-DE" dirty="0">
-                <a:hlinkClick r:id="rId6"/>
+                <a:hlinkClick r:id="rId8"/>
               </a:rPr>
               <a:t>https://</a:t>
             </a:r>
             <a:r>
               <a:rPr lang="de-DE" dirty="0" smtClean="0">
-                <a:hlinkClick r:id="rId6"/>
+                <a:hlinkClick r:id="rId8"/>
               </a:rPr>
               <a:t>moodle.tu-darmstadt.de/mod/forum/view.php?id=98263</a:t>
             </a:r>
@@ -23728,6 +24035,63 @@
               </a:rPr>
               <a:t>Am besten regelmäßig aktualisieren</a:t>
             </a:r>
+          </a:p>
+        </p:txBody>
+      </p:sp>
+      <p:sp>
+        <p:nvSpPr>
+          <p:cNvPr id="5" name="Abgerundete rechteckige Legende 4"/>
+          <p:cNvSpPr/>
+          <p:nvPr/>
+        </p:nvSpPr>
+        <p:spPr>
+          <a:xfrm>
+            <a:off x="6444208" y="5099051"/>
+            <a:ext cx="2088232" cy="720725"/>
+          </a:xfrm>
+          <a:prstGeom prst="wedgeRoundRectCallout">
+            <a:avLst>
+              <a:gd name="adj1" fmla="val -39089"/>
+              <a:gd name="adj2" fmla="val 81032"/>
+              <a:gd name="adj3" fmla="val 16667"/>
+            </a:avLst>
+          </a:prstGeom>
+          <a:ln/>
+        </p:spPr>
+        <p:style>
+          <a:lnRef idx="1">
+            <a:schemeClr val="dk1"/>
+          </a:lnRef>
+          <a:fillRef idx="3">
+            <a:schemeClr val="dk1"/>
+          </a:fillRef>
+          <a:effectRef idx="2">
+            <a:schemeClr val="dk1"/>
+          </a:effectRef>
+          <a:fontRef idx="minor">
+            <a:schemeClr val="lt1"/>
+          </a:fontRef>
+        </p:style>
+        <p:txBody>
+          <a:bodyPr anchor="ctr"/>
+          <a:lstStyle/>
+          <a:p>
+            <a:pPr>
+              <a:defRPr/>
+            </a:pPr>
+            <a:r>
+              <a:rPr lang="de-DE" dirty="0" smtClean="0">
+                <a:solidFill>
+                  <a:schemeClr val="bg1"/>
+                </a:solidFill>
+              </a:rPr>
+              <a:t>Fragen lieber hier als via Mail!</a:t>
+            </a:r>
+            <a:endParaRPr lang="de-DE" dirty="0">
+              <a:solidFill>
+                <a:schemeClr val="bg1"/>
+              </a:solidFill>
+            </a:endParaRPr>
           </a:p>
         </p:txBody>
       </p:sp>
@@ -23797,6 +24161,51 @@
                       </p:childTnLst>
                     </p:cTn>
                   </p:par>
+                  <p:par>
+                    <p:cTn id="8" fill="hold">
+                      <p:stCondLst>
+                        <p:cond delay="indefinite"/>
+                      </p:stCondLst>
+                      <p:childTnLst>
+                        <p:par>
+                          <p:cTn id="9" fill="hold">
+                            <p:stCondLst>
+                              <p:cond delay="0"/>
+                            </p:stCondLst>
+                            <p:childTnLst>
+                              <p:par>
+                                <p:cTn id="10" presetID="1" presetClass="entr" presetSubtype="0" fill="hold" grpId="0" nodeType="clickEffect">
+                                  <p:stCondLst>
+                                    <p:cond delay="0"/>
+                                  </p:stCondLst>
+                                  <p:childTnLst>
+                                    <p:set>
+                                      <p:cBhvr>
+                                        <p:cTn id="11" dur="1" fill="hold">
+                                          <p:stCondLst>
+                                            <p:cond delay="0"/>
+                                          </p:stCondLst>
+                                        </p:cTn>
+                                        <p:tgtEl>
+                                          <p:spTgt spid="5"/>
+                                        </p:tgtEl>
+                                        <p:attrNameLst>
+                                          <p:attrName>style.visibility</p:attrName>
+                                        </p:attrNameLst>
+                                      </p:cBhvr>
+                                      <p:to>
+                                        <p:strVal val="visible"/>
+                                      </p:to>
+                                    </p:set>
+                                  </p:childTnLst>
+                                </p:cTn>
+                              </p:par>
+                            </p:childTnLst>
+                          </p:cTn>
+                        </p:par>
+                      </p:childTnLst>
+                    </p:cTn>
+                  </p:par>
                 </p:childTnLst>
               </p:cTn>
               <p:prevCondLst>
@@ -23820,6 +24229,7 @@
     </p:tnLst>
     <p:bldLst>
       <p:bldP spid="4" grpId="0" animBg="1"/>
+      <p:bldP spid="5" grpId="0" animBg="1"/>
     </p:bldLst>
   </p:timing>
 </p:sld>
@@ -24444,7 +24854,23 @@
                   <a:schemeClr val="bg1"/>
                 </a:solidFill>
               </a:rPr>
-              <a:t>Viel sehr Grundlegendes (Schleifen, etc.)</a:t>
+              <a:t>Hauptsächlich </a:t>
+            </a:r>
+            <a:r>
+              <a:rPr lang="de-DE" dirty="0" smtClean="0">
+                <a:solidFill>
+                  <a:schemeClr val="bg1"/>
+                </a:solidFill>
+              </a:rPr>
+              <a:t>Grundlegendes </a:t>
+            </a:r>
+            <a:r>
+              <a:rPr lang="de-DE" dirty="0" smtClean="0">
+                <a:solidFill>
+                  <a:schemeClr val="bg1"/>
+                </a:solidFill>
+              </a:rPr>
+              <a:t>(Schleifen, etc.)</a:t>
             </a:r>
             <a:endParaRPr lang="de-DE" dirty="0">
               <a:solidFill>
@@ -25674,7 +26100,7 @@
 </file>
 
 <file path=ppt/slides/slide9.xml><?xml version="1.0" encoding="utf-8"?>
-<p:sld xmlns:a="http://schemas.openxmlformats.org/drawingml/2006/main" xmlns:r="http://schemas.openxmlformats.org/officeDocument/2006/relationships" xmlns:p="http://schemas.openxmlformats.org/presentationml/2006/main" show="0">
+<p:sld xmlns:a="http://schemas.openxmlformats.org/drawingml/2006/main" xmlns:r="http://schemas.openxmlformats.org/officeDocument/2006/relationships" xmlns:p="http://schemas.openxmlformats.org/presentationml/2006/main">
   <p:cSld>
     <p:spTree>
       <p:nvGrpSpPr>
@@ -25791,7 +26217,7 @@
         <p:spPr>
           <a:xfrm>
             <a:off x="250825" y="1558925"/>
-            <a:ext cx="5578322" cy="1569660"/>
+            <a:ext cx="5578322" cy="1754326"/>
           </a:xfrm>
           <a:prstGeom prst="rect">
             <a:avLst/>
@@ -25960,6 +26386,25 @@
                 <a:ea typeface="+mn-ea"/>
               </a:rPr>
               <a:t>TUCaN</a:t>
+            </a:r>
+            <a:br>
+              <a:rPr lang="de-DE" sz="1200" dirty="0" smtClean="0">
+                <a:solidFill>
+                  <a:srgbClr val="000000"/>
+                </a:solidFill>
+                <a:latin typeface="Arial" pitchFamily="34" charset="0"/>
+                <a:ea typeface="+mn-ea"/>
+              </a:rPr>
+            </a:br>
+            <a:r>
+              <a:rPr lang="de-DE" sz="1200" dirty="0" smtClean="0">
+                <a:solidFill>
+                  <a:srgbClr val="000000"/>
+                </a:solidFill>
+                <a:latin typeface="Arial" pitchFamily="34" charset="0"/>
+                <a:ea typeface="+mn-ea"/>
+              </a:rPr>
+              <a:t/>
             </a:r>
             <a:br>
               <a:rPr lang="de-DE" sz="1200" dirty="0" smtClean="0">

--- a/Vorlesung/0 Organisatorisches.pptx
+++ b/Vorlesung/0 Organisatorisches.pptx
@@ -6,24 +6,22 @@
     <p:sldMasterId id="2147483988" r:id="rId2"/>
   </p:sldMasterIdLst>
   <p:notesMasterIdLst>
-    <p:notesMasterId r:id="rId15"/>
+    <p:notesMasterId r:id="rId13"/>
   </p:notesMasterIdLst>
   <p:handoutMasterIdLst>
-    <p:handoutMasterId r:id="rId16"/>
+    <p:handoutMasterId r:id="rId14"/>
   </p:handoutMasterIdLst>
   <p:sldIdLst>
-    <p:sldId id="256" r:id="rId3"/>
+    <p:sldId id="277" r:id="rId3"/>
     <p:sldId id="276" r:id="rId4"/>
     <p:sldId id="265" r:id="rId5"/>
     <p:sldId id="259" r:id="rId6"/>
     <p:sldId id="267" r:id="rId7"/>
     <p:sldId id="275" r:id="rId8"/>
     <p:sldId id="268" r:id="rId9"/>
-    <p:sldId id="273" r:id="rId10"/>
-    <p:sldId id="270" r:id="rId11"/>
-    <p:sldId id="274" r:id="rId12"/>
-    <p:sldId id="271" r:id="rId13"/>
-    <p:sldId id="272" r:id="rId14"/>
+    <p:sldId id="274" r:id="rId10"/>
+    <p:sldId id="271" r:id="rId11"/>
+    <p:sldId id="272" r:id="rId12"/>
   </p:sldIdLst>
   <p:sldSz cx="9144000" cy="6858000" type="screen4x3"/>
   <p:notesSz cx="7099300" cy="10234613"/>
@@ -1865,7 +1863,7 @@
       </p:grpSpPr>
       <p:sp>
         <p:nvSpPr>
-          <p:cNvPr id="17410" name="Rectangle 3"/>
+          <p:cNvPr id="26626" name="Rectangle 3"/>
           <p:cNvSpPr>
             <a:spLocks noGrp="1" noChangeArrowheads="1"/>
           </p:cNvSpPr>
@@ -2090,7 +2088,7 @@
       </p:sp>
       <p:sp>
         <p:nvSpPr>
-          <p:cNvPr id="17411" name="Rectangle 6"/>
+          <p:cNvPr id="26627" name="Rectangle 6"/>
           <p:cNvSpPr>
             <a:spLocks noGrp="1" noChangeArrowheads="1"/>
           </p:cNvSpPr>
@@ -2342,7 +2340,7 @@
       </p:sp>
       <p:sp>
         <p:nvSpPr>
-          <p:cNvPr id="17412" name="Rectangle 7"/>
+          <p:cNvPr id="26628" name="Rectangle 7"/>
           <p:cNvSpPr>
             <a:spLocks noGrp="1" noChangeArrowheads="1"/>
           </p:cNvSpPr>
@@ -2553,7 +2551,7 @@
               </a:rPr>
               <a:t>|  </a:t>
             </a:r>
-            <a:fld id="{BAC0AB0F-6905-4260-85BE-696E26F64A04}" type="slidenum">
+            <a:fld id="{9A557B9B-627D-4455-B6A5-D16F373E10AB}" type="slidenum">
               <a:rPr lang="en-US" altLang="de-DE" sz="1100" smtClean="0">
                 <a:latin typeface="Stafford" pitchFamily="2" charset="0"/>
               </a:rPr>
@@ -2574,7 +2572,7 @@
       </p:sp>
       <p:sp>
         <p:nvSpPr>
-          <p:cNvPr id="17413" name="Rectangle 2"/>
+          <p:cNvPr id="26629" name="Rectangle 2"/>
           <p:cNvSpPr>
             <a:spLocks noGrp="1" noRot="1" noChangeAspect="1" noChangeArrowheads="1" noTextEdit="1"/>
           </p:cNvSpPr>
@@ -2588,7 +2586,7 @@
       </p:sp>
       <p:sp>
         <p:nvSpPr>
-          <p:cNvPr id="17414" name="Rectangle 3"/>
+          <p:cNvPr id="26630" name="Rectangle 3"/>
           <p:cNvSpPr>
             <a:spLocks noGrp="1" noChangeArrowheads="1"/>
           </p:cNvSpPr>
@@ -2631,7 +2629,7 @@
     </p:spTree>
     <p:extLst>
       <p:ext uri="{BB962C8B-B14F-4D97-AF65-F5344CB8AC3E}">
-        <p14:creationId xmlns:p14="http://schemas.microsoft.com/office/powerpoint/2010/main" val="2460261281"/>
+        <p14:creationId xmlns:p14="http://schemas.microsoft.com/office/powerpoint/2010/main" val="1897850688"/>
       </p:ext>
     </p:extLst>
   </p:cSld>
@@ -5070,7 +5068,553 @@
           <a:bodyPr/>
           <a:lstStyle/>
           <a:p>
+            <a:r>
+              <a:rPr lang="de-DE" dirty="0" smtClean="0"/>
+              <a:t>Links:</a:t>
+            </a:r>
+          </a:p>
+          <a:p>
+            <a:pPr marL="171450" indent="-171450">
+              <a:buFont typeface="Arial" panose="020B0604020202020204" pitchFamily="34" charset="0"/>
+              <a:buChar char="•"/>
+            </a:pPr>
+            <a:r>
+              <a:rPr lang="de-DE" dirty="0" smtClean="0"/>
+              <a:t>http://de.wikipedia.org/wiki/Geschichte_der_Programmiersprachen</a:t>
+            </a:r>
+          </a:p>
+          <a:p>
+            <a:pPr marL="171450" indent="-171450">
+              <a:buFont typeface="Arial" panose="020B0604020202020204" pitchFamily="34" charset="0"/>
+              <a:buChar char="•"/>
+            </a:pPr>
+            <a:r>
+              <a:rPr lang="de-DE" dirty="0" smtClean="0"/>
+              <a:t>Erstes Programm: 1842, Ada Lovelace für Analytical</a:t>
+            </a:r>
+            <a:r>
+              <a:rPr lang="de-DE" baseline="0" dirty="0" smtClean="0"/>
+              <a:t> Engine von Charles Babbage</a:t>
+            </a:r>
+            <a:endParaRPr lang="de-DE" dirty="0" smtClean="0"/>
+          </a:p>
+          <a:p>
+            <a:pPr marL="171450" indent="-171450">
+              <a:buFont typeface="Arial" panose="020B0604020202020204" pitchFamily="34" charset="0"/>
+              <a:buChar char="•"/>
+            </a:pPr>
+            <a:r>
+              <a:rPr lang="de-DE" dirty="0" err="1" smtClean="0"/>
+              <a:t>Simula</a:t>
+            </a:r>
+            <a:r>
+              <a:rPr lang="de-DE" dirty="0" smtClean="0"/>
+              <a:t> 67</a:t>
+            </a:r>
+          </a:p>
+          <a:p>
+            <a:pPr marL="914400" lvl="1" indent="-171450">
+              <a:buFont typeface="Arial" panose="020B0604020202020204" pitchFamily="34" charset="0"/>
+              <a:buChar char="•"/>
+            </a:pPr>
+            <a:r>
+              <a:rPr lang="de-DE" dirty="0" smtClean="0"/>
+              <a:t>Klassenkonzept</a:t>
+            </a:r>
+            <a:r>
+              <a:rPr lang="de-DE" baseline="0" dirty="0" smtClean="0"/>
+              <a:t>, um Parameterdschungel zu entgehen</a:t>
+            </a:r>
+            <a:endParaRPr lang="de-DE" dirty="0" smtClean="0"/>
+          </a:p>
+          <a:p>
+            <a:pPr marL="171450" indent="-171450">
+              <a:buFont typeface="Arial" panose="020B0604020202020204" pitchFamily="34" charset="0"/>
+              <a:buChar char="•"/>
+            </a:pPr>
+            <a:r>
+              <a:rPr lang="de-DE" dirty="0" smtClean="0"/>
+              <a:t>BCPL</a:t>
+            </a:r>
+          </a:p>
+          <a:p>
+            <a:pPr marL="914400" lvl="1" indent="-171450">
+              <a:buFont typeface="Arial" panose="020B0604020202020204" pitchFamily="34" charset="0"/>
+              <a:buChar char="•"/>
+            </a:pPr>
+            <a:r>
+              <a:rPr lang="de-DE" dirty="0" smtClean="0"/>
+              <a:t>1967, MIT, Martin Richards, einfach zu erlernende Sprache/Pioniersprache</a:t>
+            </a:r>
+          </a:p>
+          <a:p>
+            <a:pPr marL="914400" lvl="1" indent="-171450">
+              <a:buFont typeface="Arial" panose="020B0604020202020204" pitchFamily="34" charset="0"/>
+              <a:buChar char="•"/>
+            </a:pPr>
+            <a:r>
+              <a:rPr lang="de-DE" dirty="0" smtClean="0"/>
+              <a:t>nur ein Typ: Wort -&gt;</a:t>
+            </a:r>
+            <a:r>
+              <a:rPr lang="de-DE" baseline="0" dirty="0" smtClean="0"/>
+              <a:t> muss interpretiert werden</a:t>
+            </a:r>
+          </a:p>
+          <a:p>
+            <a:pPr marL="914400" lvl="1" indent="-171450">
+              <a:buFont typeface="Arial" panose="020B0604020202020204" pitchFamily="34" charset="0"/>
+              <a:buChar char="•"/>
+            </a:pPr>
+            <a:r>
+              <a:rPr lang="de-DE" baseline="0" dirty="0" smtClean="0"/>
+              <a:t>neue Idee: Zwischen-/Objektcode</a:t>
+            </a:r>
+          </a:p>
+          <a:p>
+            <a:pPr marL="914400" lvl="1" indent="-171450">
+              <a:buFont typeface="Arial" panose="020B0604020202020204" pitchFamily="34" charset="0"/>
+              <a:buChar char="•"/>
+            </a:pPr>
+            <a:r>
+              <a:rPr lang="de-DE" baseline="0" dirty="0" smtClean="0"/>
+              <a:t>eingesetzt zur Implementierung von </a:t>
+            </a:r>
+            <a:r>
+              <a:rPr lang="de-DE" baseline="0" dirty="0" err="1" smtClean="0"/>
+              <a:t>AmigaOS</a:t>
+            </a:r>
             <a:endParaRPr lang="de-DE" baseline="0" dirty="0" smtClean="0"/>
+          </a:p>
+          <a:p>
+            <a:pPr marL="171450" lvl="0" indent="-171450">
+              <a:buFont typeface="Arial" panose="020B0604020202020204" pitchFamily="34" charset="0"/>
+              <a:buChar char="•"/>
+            </a:pPr>
+            <a:r>
+              <a:rPr lang="de-DE" baseline="0" dirty="0" smtClean="0"/>
+              <a:t>B</a:t>
+            </a:r>
+          </a:p>
+          <a:p>
+            <a:pPr marL="914400" lvl="1" indent="-171450">
+              <a:buFont typeface="Arial" panose="020B0604020202020204" pitchFamily="34" charset="0"/>
+              <a:buChar char="•"/>
+            </a:pPr>
+            <a:r>
+              <a:rPr lang="de-DE" baseline="0" dirty="0" smtClean="0"/>
+              <a:t>1969, Ken Thompson, Dennis </a:t>
+            </a:r>
+            <a:r>
+              <a:rPr lang="de-DE" baseline="0" dirty="0" err="1" smtClean="0"/>
+              <a:t>Ritchie</a:t>
+            </a:r>
+            <a:endParaRPr lang="de-DE" baseline="0" dirty="0" smtClean="0"/>
+          </a:p>
+          <a:p>
+            <a:pPr marL="914400" lvl="1" indent="-171450">
+              <a:buFont typeface="Arial" panose="020B0604020202020204" pitchFamily="34" charset="0"/>
+              <a:buChar char="•"/>
+            </a:pPr>
+            <a:r>
+              <a:rPr lang="de-DE" baseline="0" dirty="0" smtClean="0"/>
+              <a:t>interpretierter Zwischencode</a:t>
+            </a:r>
+          </a:p>
+          <a:p>
+            <a:pPr marL="914400" lvl="1" indent="-171450">
+              <a:buFont typeface="Arial" panose="020B0604020202020204" pitchFamily="34" charset="0"/>
+              <a:buChar char="•"/>
+            </a:pPr>
+            <a:r>
+              <a:rPr lang="de-DE" baseline="0" dirty="0" smtClean="0"/>
+              <a:t>manche Programme lassen sich tatsächlich mit C-Compiler übersetzen</a:t>
+            </a:r>
+            <a:endParaRPr lang="de-DE" dirty="0" smtClean="0"/>
+          </a:p>
+          <a:p>
+            <a:pPr marL="171450" indent="-171450">
+              <a:buFont typeface="Arial" panose="020B0604020202020204" pitchFamily="34" charset="0"/>
+              <a:buChar char="•"/>
+            </a:pPr>
+            <a:r>
+              <a:rPr lang="de-DE" dirty="0" smtClean="0"/>
+              <a:t>C</a:t>
+            </a:r>
+          </a:p>
+          <a:p>
+            <a:pPr marL="914400" lvl="1" indent="-171450">
+              <a:buFont typeface="Arial" panose="020B0604020202020204" pitchFamily="34" charset="0"/>
+              <a:buChar char="•"/>
+            </a:pPr>
+            <a:r>
+              <a:rPr lang="de-DE" dirty="0" smtClean="0"/>
+              <a:t>Standards: C89/C90, C95, C99, C11</a:t>
+            </a:r>
+          </a:p>
+          <a:p>
+            <a:pPr marL="914400" lvl="1" indent="-171450">
+              <a:buFont typeface="Arial" panose="020B0604020202020204" pitchFamily="34" charset="0"/>
+              <a:buChar char="•"/>
+            </a:pPr>
+            <a:r>
+              <a:rPr lang="de-DE" dirty="0" smtClean="0"/>
+              <a:t>1969-1973: Dennis </a:t>
+            </a:r>
+            <a:r>
+              <a:rPr lang="de-DE" dirty="0" err="1" smtClean="0"/>
+              <a:t>Ritchie</a:t>
+            </a:r>
+            <a:r>
+              <a:rPr lang="de-DE" dirty="0" smtClean="0"/>
+              <a:t>, Entwicklung von Unix (neu</a:t>
+            </a:r>
+            <a:r>
+              <a:rPr lang="de-DE" baseline="0" dirty="0" smtClean="0"/>
+              <a:t> implementiert in C im Jahr 1973)</a:t>
+            </a:r>
+          </a:p>
+          <a:p>
+            <a:pPr marL="914400" lvl="1" indent="-171450">
+              <a:buFont typeface="Arial" panose="020B0604020202020204" pitchFamily="34" charset="0"/>
+              <a:buChar char="•"/>
+            </a:pPr>
+            <a:r>
+              <a:rPr lang="de-DE" baseline="0" dirty="0" smtClean="0"/>
+              <a:t>1978: </a:t>
+            </a:r>
+            <a:r>
+              <a:rPr lang="de-DE" baseline="0" dirty="0" err="1" smtClean="0"/>
+              <a:t>Kernighan</a:t>
+            </a:r>
+            <a:r>
+              <a:rPr lang="de-DE" baseline="0" dirty="0" smtClean="0"/>
+              <a:t> </a:t>
+            </a:r>
+            <a:r>
+              <a:rPr lang="de-DE" baseline="0" dirty="0" err="1" smtClean="0"/>
+              <a:t>and</a:t>
+            </a:r>
+            <a:r>
+              <a:rPr lang="de-DE" baseline="0" dirty="0" smtClean="0"/>
+              <a:t> </a:t>
+            </a:r>
+            <a:r>
+              <a:rPr lang="de-DE" baseline="0" dirty="0" err="1" smtClean="0"/>
+              <a:t>Ritchie</a:t>
+            </a:r>
+            <a:r>
+              <a:rPr lang="de-DE" baseline="0" dirty="0" smtClean="0"/>
+              <a:t> (</a:t>
+            </a:r>
+            <a:r>
+              <a:rPr lang="de-DE" baseline="0" dirty="0" err="1" smtClean="0"/>
+              <a:t>unsigned</a:t>
+            </a:r>
+            <a:r>
+              <a:rPr lang="de-DE" baseline="0" dirty="0" smtClean="0"/>
+              <a:t> </a:t>
+            </a:r>
+            <a:r>
+              <a:rPr lang="de-DE" baseline="0" dirty="0" err="1" smtClean="0"/>
+              <a:t>long</a:t>
+            </a:r>
+            <a:r>
+              <a:rPr lang="de-DE" baseline="0" dirty="0" smtClean="0"/>
+              <a:t>/</a:t>
+            </a:r>
+            <a:r>
+              <a:rPr lang="de-DE" baseline="0" dirty="0" err="1" smtClean="0"/>
+              <a:t>int</a:t>
+            </a:r>
+            <a:r>
+              <a:rPr lang="de-DE" baseline="0" dirty="0" smtClean="0"/>
+              <a:t>, &lt;</a:t>
+            </a:r>
+            <a:r>
+              <a:rPr lang="de-DE" baseline="0" dirty="0" err="1" smtClean="0"/>
+              <a:t>stdio.h</a:t>
+            </a:r>
+            <a:r>
+              <a:rPr lang="de-DE" baseline="0" dirty="0" smtClean="0"/>
+              <a:t>&gt;)</a:t>
+            </a:r>
+          </a:p>
+          <a:p>
+            <a:pPr marL="914400" lvl="1" indent="-171450">
+              <a:buFont typeface="Arial" panose="020B0604020202020204" pitchFamily="34" charset="0"/>
+              <a:buChar char="•"/>
+            </a:pPr>
+            <a:r>
+              <a:rPr lang="de-DE" baseline="0" dirty="0" smtClean="0"/>
+              <a:t>1983-1989: Standardisierung durch ANSI; 1990: ISO</a:t>
+            </a:r>
+          </a:p>
+          <a:p>
+            <a:pPr marL="171450" lvl="0" indent="-171450">
+              <a:buFont typeface="Arial" panose="020B0604020202020204" pitchFamily="34" charset="0"/>
+              <a:buChar char="•"/>
+            </a:pPr>
+            <a:r>
+              <a:rPr lang="de-DE" baseline="0" dirty="0" smtClean="0"/>
+              <a:t>C++ </a:t>
+            </a:r>
+          </a:p>
+          <a:p>
+            <a:pPr marL="914400" lvl="1" indent="-171450">
+              <a:buFont typeface="Arial" panose="020B0604020202020204" pitchFamily="34" charset="0"/>
+              <a:buChar char="•"/>
+            </a:pPr>
+            <a:r>
+              <a:rPr lang="de-DE" baseline="0" dirty="0" smtClean="0"/>
+              <a:t>Bjarne </a:t>
+            </a:r>
+            <a:r>
+              <a:rPr lang="de-DE" baseline="0" dirty="0" err="1" smtClean="0"/>
+              <a:t>Stroustroup</a:t>
+            </a:r>
+            <a:r>
+              <a:rPr lang="de-DE" baseline="0" dirty="0" smtClean="0"/>
+              <a:t>: </a:t>
+            </a:r>
+          </a:p>
+          <a:p>
+            <a:pPr marL="1314450" lvl="2" indent="-171450">
+              <a:buFont typeface="Arial" panose="020B0604020202020204" pitchFamily="34" charset="0"/>
+              <a:buChar char="•"/>
+            </a:pPr>
+            <a:r>
+              <a:rPr lang="de-DE" baseline="0" dirty="0" err="1" smtClean="0"/>
+              <a:t>Simula</a:t>
+            </a:r>
+            <a:r>
+              <a:rPr lang="de-DE" baseline="0" dirty="0" smtClean="0"/>
+              <a:t> 2 gut zu programmieren, jedoch nicht für hocheffizienten Code geeignet</a:t>
+            </a:r>
+          </a:p>
+          <a:p>
+            <a:pPr marL="1314450" lvl="2" indent="-171450">
+              <a:buFont typeface="Arial" panose="020B0604020202020204" pitchFamily="34" charset="0"/>
+              <a:buChar char="•"/>
+            </a:pPr>
+            <a:r>
+              <a:rPr lang="de-DE" baseline="0" dirty="0" smtClean="0"/>
+              <a:t>BCPL: effizient, jedoch nicht für größere Projekte geeignet</a:t>
+            </a:r>
+          </a:p>
+          <a:p>
+            <a:pPr marL="1314450" lvl="2" indent="-171450">
+              <a:buFont typeface="Arial" panose="020B0604020202020204" pitchFamily="34" charset="0"/>
+              <a:buChar char="•"/>
+            </a:pPr>
+            <a:r>
+              <a:rPr lang="de-DE" baseline="0" dirty="0" smtClean="0"/>
+              <a:t>C: weit verbreitet</a:t>
+            </a:r>
+          </a:p>
+          <a:p>
+            <a:pPr marL="914400" lvl="1" indent="-171450">
+              <a:buFont typeface="Arial" panose="020B0604020202020204" pitchFamily="34" charset="0"/>
+              <a:buChar char="•"/>
+            </a:pPr>
+            <a:r>
+              <a:rPr lang="de-DE" baseline="0" dirty="0" err="1" smtClean="0"/>
+              <a:t>Erweiterugen</a:t>
+            </a:r>
+            <a:r>
+              <a:rPr lang="de-DE" baseline="0" dirty="0" smtClean="0"/>
+              <a:t>:</a:t>
+            </a:r>
+          </a:p>
+          <a:p>
+            <a:pPr marL="1314450" lvl="2" indent="-171450">
+              <a:buFont typeface="Arial" panose="020B0604020202020204" pitchFamily="34" charset="0"/>
+              <a:buChar char="•"/>
+            </a:pPr>
+            <a:r>
+              <a:rPr lang="de-DE" baseline="0" dirty="0" smtClean="0"/>
+              <a:t>Klassenkonzept (Simula-67) -&gt; </a:t>
+            </a:r>
+            <a:r>
+              <a:rPr lang="de-DE" i="1" baseline="0" dirty="0" smtClean="0"/>
+              <a:t>C </a:t>
+            </a:r>
+            <a:r>
+              <a:rPr lang="de-DE" i="1" baseline="0" dirty="0" err="1" smtClean="0"/>
+              <a:t>with</a:t>
+            </a:r>
+            <a:r>
+              <a:rPr lang="de-DE" i="1" baseline="0" dirty="0" smtClean="0"/>
+              <a:t> </a:t>
+            </a:r>
+            <a:r>
+              <a:rPr lang="de-DE" i="1" baseline="0" dirty="0" err="1" smtClean="0"/>
+              <a:t>Classes</a:t>
+            </a:r>
+            <a:r>
+              <a:rPr lang="de-DE" i="0" baseline="0" dirty="0" smtClean="0"/>
+              <a:t> (ab 1983: </a:t>
+            </a:r>
+            <a:r>
+              <a:rPr lang="de-DE" i="1" baseline="0" dirty="0" smtClean="0"/>
+              <a:t>C++</a:t>
+            </a:r>
+            <a:r>
+              <a:rPr lang="de-DE" i="0" baseline="0" dirty="0" smtClean="0"/>
+              <a:t>)</a:t>
+            </a:r>
+          </a:p>
+          <a:p>
+            <a:pPr marL="1314450" lvl="2" indent="-171450">
+              <a:buFont typeface="Arial" panose="020B0604020202020204" pitchFamily="34" charset="0"/>
+              <a:buChar char="•"/>
+            </a:pPr>
+            <a:r>
+              <a:rPr lang="de-DE" i="0" baseline="0" dirty="0" smtClean="0"/>
+              <a:t>1983: Überladen von Funktionen und Operatoren, Referenzen, Konstanten</a:t>
+            </a:r>
+          </a:p>
+          <a:p>
+            <a:pPr marL="1314450" lvl="2" indent="-171450">
+              <a:buFont typeface="Arial" panose="020B0604020202020204" pitchFamily="34" charset="0"/>
+              <a:buChar char="•"/>
+            </a:pPr>
+            <a:r>
+              <a:rPr lang="de-DE" i="0" baseline="0" dirty="0" smtClean="0"/>
+              <a:t>1985: Mehrfachvererbung, abstrakte Klassen, statische/konstante Funktionen, </a:t>
+            </a:r>
+            <a:r>
+              <a:rPr lang="de-DE" i="1" baseline="0" dirty="0" err="1" smtClean="0"/>
+              <a:t>protected</a:t>
+            </a:r>
+            <a:endParaRPr lang="de-DE" baseline="0" dirty="0" smtClean="0"/>
+          </a:p>
+          <a:p>
+            <a:pPr marL="914400" lvl="1" indent="-171450">
+              <a:buFont typeface="Arial" panose="020B0604020202020204" pitchFamily="34" charset="0"/>
+              <a:buChar char="•"/>
+            </a:pPr>
+            <a:r>
+              <a:rPr lang="de-DE" baseline="0" dirty="0" smtClean="0"/>
+              <a:t>Erster Compiler: </a:t>
+            </a:r>
+            <a:r>
+              <a:rPr lang="de-DE" i="1" baseline="0" dirty="0" err="1" smtClean="0"/>
+              <a:t>cfront</a:t>
+            </a:r>
+            <a:r>
+              <a:rPr lang="de-DE" i="0" baseline="0" dirty="0" smtClean="0"/>
+              <a:t> generiert C++-Code</a:t>
+            </a:r>
+          </a:p>
+          <a:p>
+            <a:pPr marL="914400" lvl="1" indent="-171450">
+              <a:buFont typeface="Arial" panose="020B0604020202020204" pitchFamily="34" charset="0"/>
+              <a:buChar char="•"/>
+            </a:pPr>
+            <a:r>
+              <a:rPr lang="de-DE" i="0" baseline="0" dirty="0" smtClean="0"/>
+              <a:t>Seit C++11: </a:t>
+            </a:r>
+            <a:r>
+              <a:rPr lang="de-DE" i="0" baseline="0" dirty="0" err="1" smtClean="0"/>
+              <a:t>foreach</a:t>
+            </a:r>
+            <a:r>
+              <a:rPr lang="de-DE" i="0" baseline="0" dirty="0" smtClean="0"/>
+              <a:t>, automatische Typableitung (</a:t>
+            </a:r>
+            <a:r>
+              <a:rPr lang="de-DE" i="1" baseline="0" dirty="0" err="1" smtClean="0"/>
+              <a:t>auto</a:t>
+            </a:r>
+            <a:r>
+              <a:rPr lang="de-DE" i="0" baseline="0" dirty="0" smtClean="0"/>
+              <a:t>), </a:t>
+            </a:r>
+            <a:r>
+              <a:rPr lang="de-DE" i="0" baseline="0" dirty="0" err="1" smtClean="0"/>
+              <a:t>Compilezeitchecks</a:t>
+            </a:r>
+            <a:r>
+              <a:rPr lang="de-DE" i="0" baseline="0" dirty="0" smtClean="0"/>
+              <a:t> (</a:t>
+            </a:r>
+            <a:r>
+              <a:rPr lang="de-DE" i="1" baseline="0" dirty="0" err="1" smtClean="0"/>
+              <a:t>static</a:t>
+            </a:r>
+            <a:r>
+              <a:rPr lang="de-DE" i="1" baseline="0" dirty="0" smtClean="0"/>
+              <a:t> </a:t>
+            </a:r>
+            <a:r>
+              <a:rPr lang="de-DE" i="1" baseline="0" dirty="0" err="1" smtClean="0"/>
+              <a:t>asserts</a:t>
+            </a:r>
+            <a:r>
+              <a:rPr lang="de-DE" i="0" baseline="0" dirty="0" smtClean="0"/>
+              <a:t>)</a:t>
+            </a:r>
+          </a:p>
+          <a:p>
+            <a:pPr marL="171450" lvl="0" indent="-171450">
+              <a:buFont typeface="Arial" panose="020B0604020202020204" pitchFamily="34" charset="0"/>
+              <a:buChar char="•"/>
+            </a:pPr>
+            <a:r>
+              <a:rPr lang="de-DE" dirty="0" smtClean="0"/>
+              <a:t>Java</a:t>
+            </a:r>
+          </a:p>
+          <a:p>
+            <a:pPr marL="914400" lvl="1" indent="-171450">
+              <a:buFont typeface="Arial" panose="020B0604020202020204" pitchFamily="34" charset="0"/>
+              <a:buChar char="•"/>
+            </a:pPr>
+            <a:r>
+              <a:rPr lang="de-DE" dirty="0" smtClean="0"/>
+              <a:t>1991/1992,</a:t>
+            </a:r>
+            <a:r>
+              <a:rPr lang="de-DE" baseline="0" dirty="0" smtClean="0"/>
+              <a:t> SUN, James </a:t>
+            </a:r>
+            <a:r>
+              <a:rPr lang="de-DE" baseline="0" dirty="0" err="1" smtClean="0"/>
+              <a:t>Gosling</a:t>
+            </a:r>
+            <a:r>
+              <a:rPr lang="de-DE" baseline="0" dirty="0" smtClean="0"/>
+              <a:t> et al.</a:t>
+            </a:r>
+          </a:p>
+          <a:p>
+            <a:pPr marL="914400" lvl="1" indent="-171450">
+              <a:buFont typeface="Arial" panose="020B0604020202020204" pitchFamily="34" charset="0"/>
+              <a:buChar char="•"/>
+            </a:pPr>
+            <a:r>
+              <a:rPr lang="de-DE" baseline="0" dirty="0" smtClean="0"/>
+              <a:t>Ursprünglicher Name: </a:t>
+            </a:r>
+            <a:r>
+              <a:rPr lang="de-DE" baseline="0" dirty="0" err="1" smtClean="0"/>
+              <a:t>Oak</a:t>
+            </a:r>
+            <a:r>
+              <a:rPr lang="de-DE" baseline="0" dirty="0" smtClean="0"/>
+              <a:t> (Eiche vor </a:t>
+            </a:r>
+            <a:r>
+              <a:rPr lang="de-DE" baseline="0" dirty="0" err="1" smtClean="0"/>
+              <a:t>Goslings</a:t>
+            </a:r>
+            <a:r>
+              <a:rPr lang="de-DE" baseline="0" dirty="0" smtClean="0"/>
+              <a:t> Fenster)</a:t>
+            </a:r>
+            <a:endParaRPr lang="en-US" dirty="0"/>
           </a:p>
         </p:txBody>
       </p:sp>
@@ -5093,10 +5637,10 @@
               <a:defRPr/>
             </a:pPr>
             <a:r>
-              <a:rPr lang="en-US" dirty="0" smtClean="0"/>
+              <a:rPr lang="en-US" smtClean="0"/>
               <a:t>November 19, 2007</a:t>
             </a:r>
-            <a:endParaRPr lang="en-US" dirty="0"/>
+            <a:endParaRPr lang="en-US"/>
           </a:p>
         </p:txBody>
       </p:sp>
@@ -5119,10 +5663,10 @@
               <a:defRPr/>
             </a:pPr>
             <a:r>
-              <a:rPr lang="en-US" dirty="0" smtClean="0"/>
+              <a:rPr lang="en-US" smtClean="0"/>
               <a:t>|  </a:t>
             </a:r>
-            <a:endParaRPr lang="en-US" dirty="0"/>
+            <a:endParaRPr lang="en-US"/>
           </a:p>
         </p:txBody>
       </p:sp>
@@ -5145,1502 +5689,15 @@
               <a:defRPr/>
             </a:pPr>
             <a:r>
-              <a:rPr lang="en-US" dirty="0" smtClean="0"/>
+              <a:rPr lang="en-US" smtClean="0"/>
               <a:t>|  </a:t>
             </a:r>
-            <a:fld id="{28E94DD0-FCBD-4017-91AA-9AA1E95020C8}" type="slidenum">
+            <a:fld id="{1AC4CB2F-BC5A-454C-A55C-75DB3FC15FD2}" type="slidenum">
               <a:rPr lang="en-US" smtClean="0"/>
               <a:pPr>
                 <a:defRPr/>
               </a:pPr>
               <a:t>8</a:t>
-            </a:fld>
-            <a:endParaRPr lang="en-US" dirty="0"/>
-          </a:p>
-        </p:txBody>
-      </p:sp>
-    </p:spTree>
-    <p:extLst>
-      <p:ext uri="{BB962C8B-B14F-4D97-AF65-F5344CB8AC3E}">
-        <p14:creationId xmlns:p14="http://schemas.microsoft.com/office/powerpoint/2010/main" val="3687089436"/>
-      </p:ext>
-    </p:extLst>
-  </p:cSld>
-  <p:clrMapOvr>
-    <a:masterClrMapping/>
-  </p:clrMapOvr>
-</p:notes>
-</file>
-
-<file path=ppt/notesSlides/notesSlide6.xml><?xml version="1.0" encoding="utf-8"?>
-<p:notes xmlns:a="http://schemas.openxmlformats.org/drawingml/2006/main" xmlns:r="http://schemas.openxmlformats.org/officeDocument/2006/relationships" xmlns:p="http://schemas.openxmlformats.org/presentationml/2006/main">
-  <p:cSld>
-    <p:spTree>
-      <p:nvGrpSpPr>
-        <p:cNvPr id="1" name=""/>
-        <p:cNvGrpSpPr/>
-        <p:nvPr/>
-      </p:nvGrpSpPr>
-      <p:grpSpPr>
-        <a:xfrm>
-          <a:off x="0" y="0"/>
-          <a:ext cx="0" cy="0"/>
-          <a:chOff x="0" y="0"/>
-          <a:chExt cx="0" cy="0"/>
-        </a:xfrm>
-      </p:grpSpPr>
-      <p:sp>
-        <p:nvSpPr>
-          <p:cNvPr id="22530" name="Folienbildplatzhalter 1"/>
-          <p:cNvSpPr>
-            <a:spLocks noGrp="1" noRot="1" noChangeAspect="1" noTextEdit="1"/>
-          </p:cNvSpPr>
-          <p:nvPr>
-            <p:ph type="sldImg"/>
-          </p:nvPr>
-        </p:nvSpPr>
-        <p:spPr>
-          <a:ln/>
-        </p:spPr>
-      </p:sp>
-      <p:sp>
-        <p:nvSpPr>
-          <p:cNvPr id="22531" name="Notizenplatzhalter 2"/>
-          <p:cNvSpPr>
-            <a:spLocks noGrp="1"/>
-          </p:cNvSpPr>
-          <p:nvPr>
-            <p:ph type="body" idx="1"/>
-          </p:nvPr>
-        </p:nvSpPr>
-        <p:spPr>
-          <a:noFill/>
-          <a:extLst>
-            <a:ext uri="{909E8E84-426E-40DD-AFC4-6F175D3DCCD1}">
-              <a14:hiddenFill xmlns:a14="http://schemas.microsoft.com/office/drawing/2010/main">
-                <a:solidFill>
-                  <a:srgbClr val="FFFFFF"/>
-                </a:solidFill>
-              </a14:hiddenFill>
-            </a:ext>
-            <a:ext uri="{91240B29-F687-4F45-9708-019B960494DF}">
-              <a14:hiddenLine xmlns:a14="http://schemas.microsoft.com/office/drawing/2010/main" w="9525">
-                <a:solidFill>
-                  <a:srgbClr val="000000"/>
-                </a:solidFill>
-                <a:miter lim="800000"/>
-                <a:headEnd/>
-                <a:tailEnd/>
-              </a14:hiddenLine>
-            </a:ext>
-          </a:extLst>
-        </p:spPr>
-        <p:txBody>
-          <a:bodyPr/>
-          <a:lstStyle/>
-          <a:p>
-            <a:endParaRPr lang="de-DE" altLang="de-DE" smtClean="0">
-              <a:latin typeface="Times New Roman" pitchFamily="16" charset="0"/>
-            </a:endParaRPr>
-          </a:p>
-        </p:txBody>
-      </p:sp>
-      <p:sp>
-        <p:nvSpPr>
-          <p:cNvPr id="22532" name="Datumsplatzhalter 3"/>
-          <p:cNvSpPr>
-            <a:spLocks noGrp="1"/>
-          </p:cNvSpPr>
-          <p:nvPr>
-            <p:ph type="dt" sz="quarter"/>
-          </p:nvPr>
-        </p:nvSpPr>
-        <p:spPr>
-          <a:noFill/>
-          <a:extLst>
-            <a:ext uri="{909E8E84-426E-40DD-AFC4-6F175D3DCCD1}">
-              <a14:hiddenFill xmlns:a14="http://schemas.microsoft.com/office/drawing/2010/main">
-                <a:solidFill>
-                  <a:srgbClr val="FFFFFF"/>
-                </a:solidFill>
-              </a14:hiddenFill>
-            </a:ext>
-            <a:ext uri="{91240B29-F687-4F45-9708-019B960494DF}">
-              <a14:hiddenLine xmlns:a14="http://schemas.microsoft.com/office/drawing/2010/main" w="9525">
-                <a:solidFill>
-                  <a:srgbClr val="000000"/>
-                </a:solidFill>
-                <a:miter lim="800000"/>
-                <a:headEnd/>
-                <a:tailEnd/>
-              </a14:hiddenLine>
-            </a:ext>
-          </a:extLst>
-        </p:spPr>
-        <p:txBody>
-          <a:bodyPr/>
-          <a:lstStyle>
-            <a:lvl1pPr algn="l" defTabSz="463550" eaLnBrk="0" hangingPunct="0">
-              <a:spcBef>
-                <a:spcPct val="30000"/>
-              </a:spcBef>
-              <a:buFont typeface="Times New Roman" pitchFamily="16" charset="0"/>
-              <a:tabLst>
-                <a:tab pos="746125" algn="l"/>
-                <a:tab pos="1492250" algn="l"/>
-              </a:tabLst>
-              <a:defRPr sz="1200">
-                <a:solidFill>
-                  <a:srgbClr val="000000"/>
-                </a:solidFill>
-                <a:latin typeface="Times New Roman" pitchFamily="16" charset="0"/>
-              </a:defRPr>
-            </a:lvl1pPr>
-            <a:lvl2pPr marL="742950" indent="-285750" algn="l" defTabSz="463550" eaLnBrk="0" hangingPunct="0">
-              <a:spcBef>
-                <a:spcPct val="30000"/>
-              </a:spcBef>
-              <a:buFont typeface="Times New Roman" pitchFamily="16" charset="0"/>
-              <a:tabLst>
-                <a:tab pos="746125" algn="l"/>
-                <a:tab pos="1492250" algn="l"/>
-              </a:tabLst>
-              <a:defRPr sz="1200">
-                <a:solidFill>
-                  <a:srgbClr val="000000"/>
-                </a:solidFill>
-                <a:latin typeface="Times New Roman" pitchFamily="16" charset="0"/>
-              </a:defRPr>
-            </a:lvl2pPr>
-            <a:lvl3pPr marL="1143000" indent="-228600" algn="l" defTabSz="463550" eaLnBrk="0" hangingPunct="0">
-              <a:spcBef>
-                <a:spcPct val="30000"/>
-              </a:spcBef>
-              <a:buFont typeface="Times New Roman" pitchFamily="16" charset="0"/>
-              <a:tabLst>
-                <a:tab pos="746125" algn="l"/>
-                <a:tab pos="1492250" algn="l"/>
-              </a:tabLst>
-              <a:defRPr sz="1200">
-                <a:solidFill>
-                  <a:srgbClr val="000000"/>
-                </a:solidFill>
-                <a:latin typeface="Times New Roman" pitchFamily="16" charset="0"/>
-              </a:defRPr>
-            </a:lvl3pPr>
-            <a:lvl4pPr marL="1600200" indent="-228600" algn="l" defTabSz="463550" eaLnBrk="0" hangingPunct="0">
-              <a:spcBef>
-                <a:spcPct val="30000"/>
-              </a:spcBef>
-              <a:buFont typeface="Times New Roman" pitchFamily="16" charset="0"/>
-              <a:tabLst>
-                <a:tab pos="746125" algn="l"/>
-                <a:tab pos="1492250" algn="l"/>
-              </a:tabLst>
-              <a:defRPr sz="1200">
-                <a:solidFill>
-                  <a:srgbClr val="000000"/>
-                </a:solidFill>
-                <a:latin typeface="Times New Roman" pitchFamily="16" charset="0"/>
-              </a:defRPr>
-            </a:lvl4pPr>
-            <a:lvl5pPr marL="2057400" indent="-228600" algn="l" defTabSz="463550" eaLnBrk="0" hangingPunct="0">
-              <a:spcBef>
-                <a:spcPct val="30000"/>
-              </a:spcBef>
-              <a:buFont typeface="Times New Roman" pitchFamily="16" charset="0"/>
-              <a:tabLst>
-                <a:tab pos="746125" algn="l"/>
-                <a:tab pos="1492250" algn="l"/>
-              </a:tabLst>
-              <a:defRPr sz="1200">
-                <a:solidFill>
-                  <a:srgbClr val="000000"/>
-                </a:solidFill>
-                <a:latin typeface="Times New Roman" pitchFamily="16" charset="0"/>
-              </a:defRPr>
-            </a:lvl5pPr>
-            <a:lvl6pPr marL="2514600" indent="-228600" defTabSz="463550" eaLnBrk="0" fontAlgn="base" hangingPunct="0">
-              <a:spcBef>
-                <a:spcPct val="30000"/>
-              </a:spcBef>
-              <a:spcAft>
-                <a:spcPct val="0"/>
-              </a:spcAft>
-              <a:buClr>
-                <a:srgbClr val="000000"/>
-              </a:buClr>
-              <a:buSzPct val="100000"/>
-              <a:buFont typeface="Times New Roman" pitchFamily="16" charset="0"/>
-              <a:tabLst>
-                <a:tab pos="746125" algn="l"/>
-                <a:tab pos="1492250" algn="l"/>
-              </a:tabLst>
-              <a:defRPr sz="1200">
-                <a:solidFill>
-                  <a:srgbClr val="000000"/>
-                </a:solidFill>
-                <a:latin typeface="Times New Roman" pitchFamily="16" charset="0"/>
-              </a:defRPr>
-            </a:lvl6pPr>
-            <a:lvl7pPr marL="2971800" indent="-228600" defTabSz="463550" eaLnBrk="0" fontAlgn="base" hangingPunct="0">
-              <a:spcBef>
-                <a:spcPct val="30000"/>
-              </a:spcBef>
-              <a:spcAft>
-                <a:spcPct val="0"/>
-              </a:spcAft>
-              <a:buClr>
-                <a:srgbClr val="000000"/>
-              </a:buClr>
-              <a:buSzPct val="100000"/>
-              <a:buFont typeface="Times New Roman" pitchFamily="16" charset="0"/>
-              <a:tabLst>
-                <a:tab pos="746125" algn="l"/>
-                <a:tab pos="1492250" algn="l"/>
-              </a:tabLst>
-              <a:defRPr sz="1200">
-                <a:solidFill>
-                  <a:srgbClr val="000000"/>
-                </a:solidFill>
-                <a:latin typeface="Times New Roman" pitchFamily="16" charset="0"/>
-              </a:defRPr>
-            </a:lvl7pPr>
-            <a:lvl8pPr marL="3429000" indent="-228600" defTabSz="463550" eaLnBrk="0" fontAlgn="base" hangingPunct="0">
-              <a:spcBef>
-                <a:spcPct val="30000"/>
-              </a:spcBef>
-              <a:spcAft>
-                <a:spcPct val="0"/>
-              </a:spcAft>
-              <a:buClr>
-                <a:srgbClr val="000000"/>
-              </a:buClr>
-              <a:buSzPct val="100000"/>
-              <a:buFont typeface="Times New Roman" pitchFamily="16" charset="0"/>
-              <a:tabLst>
-                <a:tab pos="746125" algn="l"/>
-                <a:tab pos="1492250" algn="l"/>
-              </a:tabLst>
-              <a:defRPr sz="1200">
-                <a:solidFill>
-                  <a:srgbClr val="000000"/>
-                </a:solidFill>
-                <a:latin typeface="Times New Roman" pitchFamily="16" charset="0"/>
-              </a:defRPr>
-            </a:lvl8pPr>
-            <a:lvl9pPr marL="3886200" indent="-228600" defTabSz="463550" eaLnBrk="0" fontAlgn="base" hangingPunct="0">
-              <a:spcBef>
-                <a:spcPct val="30000"/>
-              </a:spcBef>
-              <a:spcAft>
-                <a:spcPct val="0"/>
-              </a:spcAft>
-              <a:buClr>
-                <a:srgbClr val="000000"/>
-              </a:buClr>
-              <a:buSzPct val="100000"/>
-              <a:buFont typeface="Times New Roman" pitchFamily="16" charset="0"/>
-              <a:tabLst>
-                <a:tab pos="746125" algn="l"/>
-                <a:tab pos="1492250" algn="l"/>
-              </a:tabLst>
-              <a:defRPr sz="1200">
-                <a:solidFill>
-                  <a:srgbClr val="000000"/>
-                </a:solidFill>
-                <a:latin typeface="Times New Roman" pitchFamily="16" charset="0"/>
-              </a:defRPr>
-            </a:lvl9pPr>
-          </a:lstStyle>
-          <a:p>
-            <a:pPr eaLnBrk="1" hangingPunct="1">
-              <a:spcBef>
-                <a:spcPct val="0"/>
-              </a:spcBef>
-              <a:buFont typeface="Stafford" pitchFamily="2" charset="0"/>
-              <a:buNone/>
-            </a:pPr>
-            <a:r>
-              <a:rPr lang="en-US" altLang="de-DE" sz="1100" smtClean="0">
-                <a:latin typeface="Stafford" pitchFamily="2" charset="0"/>
-              </a:rPr>
-              <a:t>November 19, 2007</a:t>
-            </a:r>
-          </a:p>
-        </p:txBody>
-      </p:sp>
-      <p:sp>
-        <p:nvSpPr>
-          <p:cNvPr id="22533" name="Fußzeilenplatzhalter 4"/>
-          <p:cNvSpPr>
-            <a:spLocks noGrp="1"/>
-          </p:cNvSpPr>
-          <p:nvPr>
-            <p:ph type="ftr" sz="quarter"/>
-          </p:nvPr>
-        </p:nvSpPr>
-        <p:spPr>
-          <a:noFill/>
-          <a:extLst>
-            <a:ext uri="{909E8E84-426E-40DD-AFC4-6F175D3DCCD1}">
-              <a14:hiddenFill xmlns:a14="http://schemas.microsoft.com/office/drawing/2010/main">
-                <a:solidFill>
-                  <a:srgbClr val="FFFFFF"/>
-                </a:solidFill>
-              </a14:hiddenFill>
-            </a:ext>
-            <a:ext uri="{91240B29-F687-4F45-9708-019B960494DF}">
-              <a14:hiddenLine xmlns:a14="http://schemas.microsoft.com/office/drawing/2010/main" w="9525">
-                <a:solidFill>
-                  <a:srgbClr val="000000"/>
-                </a:solidFill>
-                <a:miter lim="800000"/>
-                <a:headEnd/>
-                <a:tailEnd/>
-              </a14:hiddenLine>
-            </a:ext>
-          </a:extLst>
-        </p:spPr>
-        <p:txBody>
-          <a:bodyPr/>
-          <a:lstStyle>
-            <a:lvl1pPr algn="l" defTabSz="463550" eaLnBrk="0" hangingPunct="0">
-              <a:spcBef>
-                <a:spcPct val="30000"/>
-              </a:spcBef>
-              <a:buFont typeface="Times New Roman" pitchFamily="16" charset="0"/>
-              <a:tabLst>
-                <a:tab pos="746125" algn="l"/>
-                <a:tab pos="1492250" algn="l"/>
-                <a:tab pos="2238375" algn="l"/>
-                <a:tab pos="2986088" algn="l"/>
-                <a:tab pos="3732213" algn="l"/>
-              </a:tabLst>
-              <a:defRPr sz="1200">
-                <a:solidFill>
-                  <a:srgbClr val="000000"/>
-                </a:solidFill>
-                <a:latin typeface="Times New Roman" pitchFamily="16" charset="0"/>
-              </a:defRPr>
-            </a:lvl1pPr>
-            <a:lvl2pPr marL="742950" indent="-285750" algn="l" defTabSz="463550" eaLnBrk="0" hangingPunct="0">
-              <a:spcBef>
-                <a:spcPct val="30000"/>
-              </a:spcBef>
-              <a:buFont typeface="Times New Roman" pitchFamily="16" charset="0"/>
-              <a:tabLst>
-                <a:tab pos="746125" algn="l"/>
-                <a:tab pos="1492250" algn="l"/>
-                <a:tab pos="2238375" algn="l"/>
-                <a:tab pos="2986088" algn="l"/>
-                <a:tab pos="3732213" algn="l"/>
-              </a:tabLst>
-              <a:defRPr sz="1200">
-                <a:solidFill>
-                  <a:srgbClr val="000000"/>
-                </a:solidFill>
-                <a:latin typeface="Times New Roman" pitchFamily="16" charset="0"/>
-              </a:defRPr>
-            </a:lvl2pPr>
-            <a:lvl3pPr marL="1143000" indent="-228600" algn="l" defTabSz="463550" eaLnBrk="0" hangingPunct="0">
-              <a:spcBef>
-                <a:spcPct val="30000"/>
-              </a:spcBef>
-              <a:buFont typeface="Times New Roman" pitchFamily="16" charset="0"/>
-              <a:tabLst>
-                <a:tab pos="746125" algn="l"/>
-                <a:tab pos="1492250" algn="l"/>
-                <a:tab pos="2238375" algn="l"/>
-                <a:tab pos="2986088" algn="l"/>
-                <a:tab pos="3732213" algn="l"/>
-              </a:tabLst>
-              <a:defRPr sz="1200">
-                <a:solidFill>
-                  <a:srgbClr val="000000"/>
-                </a:solidFill>
-                <a:latin typeface="Times New Roman" pitchFamily="16" charset="0"/>
-              </a:defRPr>
-            </a:lvl3pPr>
-            <a:lvl4pPr marL="1600200" indent="-228600" algn="l" defTabSz="463550" eaLnBrk="0" hangingPunct="0">
-              <a:spcBef>
-                <a:spcPct val="30000"/>
-              </a:spcBef>
-              <a:buFont typeface="Times New Roman" pitchFamily="16" charset="0"/>
-              <a:tabLst>
-                <a:tab pos="746125" algn="l"/>
-                <a:tab pos="1492250" algn="l"/>
-                <a:tab pos="2238375" algn="l"/>
-                <a:tab pos="2986088" algn="l"/>
-                <a:tab pos="3732213" algn="l"/>
-              </a:tabLst>
-              <a:defRPr sz="1200">
-                <a:solidFill>
-                  <a:srgbClr val="000000"/>
-                </a:solidFill>
-                <a:latin typeface="Times New Roman" pitchFamily="16" charset="0"/>
-              </a:defRPr>
-            </a:lvl4pPr>
-            <a:lvl5pPr marL="2057400" indent="-228600" algn="l" defTabSz="463550" eaLnBrk="0" hangingPunct="0">
-              <a:spcBef>
-                <a:spcPct val="30000"/>
-              </a:spcBef>
-              <a:buFont typeface="Times New Roman" pitchFamily="16" charset="0"/>
-              <a:tabLst>
-                <a:tab pos="746125" algn="l"/>
-                <a:tab pos="1492250" algn="l"/>
-                <a:tab pos="2238375" algn="l"/>
-                <a:tab pos="2986088" algn="l"/>
-                <a:tab pos="3732213" algn="l"/>
-              </a:tabLst>
-              <a:defRPr sz="1200">
-                <a:solidFill>
-                  <a:srgbClr val="000000"/>
-                </a:solidFill>
-                <a:latin typeface="Times New Roman" pitchFamily="16" charset="0"/>
-              </a:defRPr>
-            </a:lvl5pPr>
-            <a:lvl6pPr marL="2514600" indent="-228600" defTabSz="463550" eaLnBrk="0" fontAlgn="base" hangingPunct="0">
-              <a:spcBef>
-                <a:spcPct val="30000"/>
-              </a:spcBef>
-              <a:spcAft>
-                <a:spcPct val="0"/>
-              </a:spcAft>
-              <a:buClr>
-                <a:srgbClr val="000000"/>
-              </a:buClr>
-              <a:buSzPct val="100000"/>
-              <a:buFont typeface="Times New Roman" pitchFamily="16" charset="0"/>
-              <a:tabLst>
-                <a:tab pos="746125" algn="l"/>
-                <a:tab pos="1492250" algn="l"/>
-                <a:tab pos="2238375" algn="l"/>
-                <a:tab pos="2986088" algn="l"/>
-                <a:tab pos="3732213" algn="l"/>
-              </a:tabLst>
-              <a:defRPr sz="1200">
-                <a:solidFill>
-                  <a:srgbClr val="000000"/>
-                </a:solidFill>
-                <a:latin typeface="Times New Roman" pitchFamily="16" charset="0"/>
-              </a:defRPr>
-            </a:lvl6pPr>
-            <a:lvl7pPr marL="2971800" indent="-228600" defTabSz="463550" eaLnBrk="0" fontAlgn="base" hangingPunct="0">
-              <a:spcBef>
-                <a:spcPct val="30000"/>
-              </a:spcBef>
-              <a:spcAft>
-                <a:spcPct val="0"/>
-              </a:spcAft>
-              <a:buClr>
-                <a:srgbClr val="000000"/>
-              </a:buClr>
-              <a:buSzPct val="100000"/>
-              <a:buFont typeface="Times New Roman" pitchFamily="16" charset="0"/>
-              <a:tabLst>
-                <a:tab pos="746125" algn="l"/>
-                <a:tab pos="1492250" algn="l"/>
-                <a:tab pos="2238375" algn="l"/>
-                <a:tab pos="2986088" algn="l"/>
-                <a:tab pos="3732213" algn="l"/>
-              </a:tabLst>
-              <a:defRPr sz="1200">
-                <a:solidFill>
-                  <a:srgbClr val="000000"/>
-                </a:solidFill>
-                <a:latin typeface="Times New Roman" pitchFamily="16" charset="0"/>
-              </a:defRPr>
-            </a:lvl7pPr>
-            <a:lvl8pPr marL="3429000" indent="-228600" defTabSz="463550" eaLnBrk="0" fontAlgn="base" hangingPunct="0">
-              <a:spcBef>
-                <a:spcPct val="30000"/>
-              </a:spcBef>
-              <a:spcAft>
-                <a:spcPct val="0"/>
-              </a:spcAft>
-              <a:buClr>
-                <a:srgbClr val="000000"/>
-              </a:buClr>
-              <a:buSzPct val="100000"/>
-              <a:buFont typeface="Times New Roman" pitchFamily="16" charset="0"/>
-              <a:tabLst>
-                <a:tab pos="746125" algn="l"/>
-                <a:tab pos="1492250" algn="l"/>
-                <a:tab pos="2238375" algn="l"/>
-                <a:tab pos="2986088" algn="l"/>
-                <a:tab pos="3732213" algn="l"/>
-              </a:tabLst>
-              <a:defRPr sz="1200">
-                <a:solidFill>
-                  <a:srgbClr val="000000"/>
-                </a:solidFill>
-                <a:latin typeface="Times New Roman" pitchFamily="16" charset="0"/>
-              </a:defRPr>
-            </a:lvl8pPr>
-            <a:lvl9pPr marL="3886200" indent="-228600" defTabSz="463550" eaLnBrk="0" fontAlgn="base" hangingPunct="0">
-              <a:spcBef>
-                <a:spcPct val="30000"/>
-              </a:spcBef>
-              <a:spcAft>
-                <a:spcPct val="0"/>
-              </a:spcAft>
-              <a:buClr>
-                <a:srgbClr val="000000"/>
-              </a:buClr>
-              <a:buSzPct val="100000"/>
-              <a:buFont typeface="Times New Roman" pitchFamily="16" charset="0"/>
-              <a:tabLst>
-                <a:tab pos="746125" algn="l"/>
-                <a:tab pos="1492250" algn="l"/>
-                <a:tab pos="2238375" algn="l"/>
-                <a:tab pos="2986088" algn="l"/>
-                <a:tab pos="3732213" algn="l"/>
-              </a:tabLst>
-              <a:defRPr sz="1200">
-                <a:solidFill>
-                  <a:srgbClr val="000000"/>
-                </a:solidFill>
-                <a:latin typeface="Times New Roman" pitchFamily="16" charset="0"/>
-              </a:defRPr>
-            </a:lvl9pPr>
-          </a:lstStyle>
-          <a:p>
-            <a:pPr eaLnBrk="1" hangingPunct="1">
-              <a:spcBef>
-                <a:spcPct val="0"/>
-              </a:spcBef>
-              <a:buFont typeface="Stafford" pitchFamily="2" charset="0"/>
-              <a:buNone/>
-            </a:pPr>
-            <a:r>
-              <a:rPr lang="en-US" altLang="de-DE" sz="1100" smtClean="0">
-                <a:latin typeface="Stafford" pitchFamily="2" charset="0"/>
-              </a:rPr>
-              <a:t>|  </a:t>
-            </a:r>
-          </a:p>
-        </p:txBody>
-      </p:sp>
-      <p:sp>
-        <p:nvSpPr>
-          <p:cNvPr id="22534" name="Foliennummernplatzhalter 5"/>
-          <p:cNvSpPr>
-            <a:spLocks noGrp="1"/>
-          </p:cNvSpPr>
-          <p:nvPr>
-            <p:ph type="sldNum" sz="quarter"/>
-          </p:nvPr>
-        </p:nvSpPr>
-        <p:spPr>
-          <a:noFill/>
-          <a:extLst>
-            <a:ext uri="{909E8E84-426E-40DD-AFC4-6F175D3DCCD1}">
-              <a14:hiddenFill xmlns:a14="http://schemas.microsoft.com/office/drawing/2010/main">
-                <a:solidFill>
-                  <a:srgbClr val="FFFFFF"/>
-                </a:solidFill>
-              </a14:hiddenFill>
-            </a:ext>
-            <a:ext uri="{91240B29-F687-4F45-9708-019B960494DF}">
-              <a14:hiddenLine xmlns:a14="http://schemas.microsoft.com/office/drawing/2010/main" w="9525">
-                <a:solidFill>
-                  <a:srgbClr val="000000"/>
-                </a:solidFill>
-                <a:miter lim="800000"/>
-                <a:headEnd/>
-                <a:tailEnd/>
-              </a14:hiddenLine>
-            </a:ext>
-          </a:extLst>
-        </p:spPr>
-        <p:txBody>
-          <a:bodyPr/>
-          <a:lstStyle>
-            <a:lvl1pPr algn="l" defTabSz="463550" eaLnBrk="0" hangingPunct="0">
-              <a:spcBef>
-                <a:spcPct val="30000"/>
-              </a:spcBef>
-              <a:buFont typeface="Times New Roman" pitchFamily="16" charset="0"/>
-              <a:tabLst>
-                <a:tab pos="746125" algn="l"/>
-              </a:tabLst>
-              <a:defRPr sz="1200">
-                <a:solidFill>
-                  <a:srgbClr val="000000"/>
-                </a:solidFill>
-                <a:latin typeface="Times New Roman" pitchFamily="16" charset="0"/>
-              </a:defRPr>
-            </a:lvl1pPr>
-            <a:lvl2pPr marL="742950" indent="-285750" algn="l" defTabSz="463550" eaLnBrk="0" hangingPunct="0">
-              <a:spcBef>
-                <a:spcPct val="30000"/>
-              </a:spcBef>
-              <a:buFont typeface="Times New Roman" pitchFamily="16" charset="0"/>
-              <a:tabLst>
-                <a:tab pos="746125" algn="l"/>
-              </a:tabLst>
-              <a:defRPr sz="1200">
-                <a:solidFill>
-                  <a:srgbClr val="000000"/>
-                </a:solidFill>
-                <a:latin typeface="Times New Roman" pitchFamily="16" charset="0"/>
-              </a:defRPr>
-            </a:lvl2pPr>
-            <a:lvl3pPr marL="1143000" indent="-228600" algn="l" defTabSz="463550" eaLnBrk="0" hangingPunct="0">
-              <a:spcBef>
-                <a:spcPct val="30000"/>
-              </a:spcBef>
-              <a:buFont typeface="Times New Roman" pitchFamily="16" charset="0"/>
-              <a:tabLst>
-                <a:tab pos="746125" algn="l"/>
-              </a:tabLst>
-              <a:defRPr sz="1200">
-                <a:solidFill>
-                  <a:srgbClr val="000000"/>
-                </a:solidFill>
-                <a:latin typeface="Times New Roman" pitchFamily="16" charset="0"/>
-              </a:defRPr>
-            </a:lvl3pPr>
-            <a:lvl4pPr marL="1600200" indent="-228600" algn="l" defTabSz="463550" eaLnBrk="0" hangingPunct="0">
-              <a:spcBef>
-                <a:spcPct val="30000"/>
-              </a:spcBef>
-              <a:buFont typeface="Times New Roman" pitchFamily="16" charset="0"/>
-              <a:tabLst>
-                <a:tab pos="746125" algn="l"/>
-              </a:tabLst>
-              <a:defRPr sz="1200">
-                <a:solidFill>
-                  <a:srgbClr val="000000"/>
-                </a:solidFill>
-                <a:latin typeface="Times New Roman" pitchFamily="16" charset="0"/>
-              </a:defRPr>
-            </a:lvl4pPr>
-            <a:lvl5pPr marL="2057400" indent="-228600" algn="l" defTabSz="463550" eaLnBrk="0" hangingPunct="0">
-              <a:spcBef>
-                <a:spcPct val="30000"/>
-              </a:spcBef>
-              <a:buFont typeface="Times New Roman" pitchFamily="16" charset="0"/>
-              <a:tabLst>
-                <a:tab pos="746125" algn="l"/>
-              </a:tabLst>
-              <a:defRPr sz="1200">
-                <a:solidFill>
-                  <a:srgbClr val="000000"/>
-                </a:solidFill>
-                <a:latin typeface="Times New Roman" pitchFamily="16" charset="0"/>
-              </a:defRPr>
-            </a:lvl5pPr>
-            <a:lvl6pPr marL="2514600" indent="-228600" defTabSz="463550" eaLnBrk="0" fontAlgn="base" hangingPunct="0">
-              <a:spcBef>
-                <a:spcPct val="30000"/>
-              </a:spcBef>
-              <a:spcAft>
-                <a:spcPct val="0"/>
-              </a:spcAft>
-              <a:buClr>
-                <a:srgbClr val="000000"/>
-              </a:buClr>
-              <a:buSzPct val="100000"/>
-              <a:buFont typeface="Times New Roman" pitchFamily="16" charset="0"/>
-              <a:tabLst>
-                <a:tab pos="746125" algn="l"/>
-              </a:tabLst>
-              <a:defRPr sz="1200">
-                <a:solidFill>
-                  <a:srgbClr val="000000"/>
-                </a:solidFill>
-                <a:latin typeface="Times New Roman" pitchFamily="16" charset="0"/>
-              </a:defRPr>
-            </a:lvl6pPr>
-            <a:lvl7pPr marL="2971800" indent="-228600" defTabSz="463550" eaLnBrk="0" fontAlgn="base" hangingPunct="0">
-              <a:spcBef>
-                <a:spcPct val="30000"/>
-              </a:spcBef>
-              <a:spcAft>
-                <a:spcPct val="0"/>
-              </a:spcAft>
-              <a:buClr>
-                <a:srgbClr val="000000"/>
-              </a:buClr>
-              <a:buSzPct val="100000"/>
-              <a:buFont typeface="Times New Roman" pitchFamily="16" charset="0"/>
-              <a:tabLst>
-                <a:tab pos="746125" algn="l"/>
-              </a:tabLst>
-              <a:defRPr sz="1200">
-                <a:solidFill>
-                  <a:srgbClr val="000000"/>
-                </a:solidFill>
-                <a:latin typeface="Times New Roman" pitchFamily="16" charset="0"/>
-              </a:defRPr>
-            </a:lvl7pPr>
-            <a:lvl8pPr marL="3429000" indent="-228600" defTabSz="463550" eaLnBrk="0" fontAlgn="base" hangingPunct="0">
-              <a:spcBef>
-                <a:spcPct val="30000"/>
-              </a:spcBef>
-              <a:spcAft>
-                <a:spcPct val="0"/>
-              </a:spcAft>
-              <a:buClr>
-                <a:srgbClr val="000000"/>
-              </a:buClr>
-              <a:buSzPct val="100000"/>
-              <a:buFont typeface="Times New Roman" pitchFamily="16" charset="0"/>
-              <a:tabLst>
-                <a:tab pos="746125" algn="l"/>
-              </a:tabLst>
-              <a:defRPr sz="1200">
-                <a:solidFill>
-                  <a:srgbClr val="000000"/>
-                </a:solidFill>
-                <a:latin typeface="Times New Roman" pitchFamily="16" charset="0"/>
-              </a:defRPr>
-            </a:lvl8pPr>
-            <a:lvl9pPr marL="3886200" indent="-228600" defTabSz="463550" eaLnBrk="0" fontAlgn="base" hangingPunct="0">
-              <a:spcBef>
-                <a:spcPct val="30000"/>
-              </a:spcBef>
-              <a:spcAft>
-                <a:spcPct val="0"/>
-              </a:spcAft>
-              <a:buClr>
-                <a:srgbClr val="000000"/>
-              </a:buClr>
-              <a:buSzPct val="100000"/>
-              <a:buFont typeface="Times New Roman" pitchFamily="16" charset="0"/>
-              <a:tabLst>
-                <a:tab pos="746125" algn="l"/>
-              </a:tabLst>
-              <a:defRPr sz="1200">
-                <a:solidFill>
-                  <a:srgbClr val="000000"/>
-                </a:solidFill>
-                <a:latin typeface="Times New Roman" pitchFamily="16" charset="0"/>
-              </a:defRPr>
-            </a:lvl9pPr>
-          </a:lstStyle>
-          <a:p>
-            <a:pPr algn="r" eaLnBrk="1" hangingPunct="1">
-              <a:spcBef>
-                <a:spcPct val="0"/>
-              </a:spcBef>
-              <a:buFont typeface="Stafford" pitchFamily="2" charset="0"/>
-              <a:buNone/>
-            </a:pPr>
-            <a:r>
-              <a:rPr lang="en-US" altLang="de-DE" sz="1100" smtClean="0">
-                <a:latin typeface="Stafford" pitchFamily="2" charset="0"/>
-              </a:rPr>
-              <a:t>|  </a:t>
-            </a:r>
-            <a:fld id="{66AE9269-9060-4292-9F9B-0DC58C1C27A9}" type="slidenum">
-              <a:rPr lang="en-US" altLang="de-DE" sz="1100" smtClean="0">
-                <a:latin typeface="Stafford" pitchFamily="2" charset="0"/>
-              </a:rPr>
-              <a:pPr algn="r" eaLnBrk="1" hangingPunct="1">
-                <a:spcBef>
-                  <a:spcPct val="0"/>
-                </a:spcBef>
-                <a:buFont typeface="Stafford" pitchFamily="2" charset="0"/>
-                <a:buNone/>
-              </a:pPr>
-              <a:t>9</a:t>
-            </a:fld>
-            <a:endParaRPr lang="en-US" altLang="de-DE" sz="1100" smtClean="0">
-              <a:latin typeface="Stafford" pitchFamily="2" charset="0"/>
-            </a:endParaRPr>
-          </a:p>
-        </p:txBody>
-      </p:sp>
-    </p:spTree>
-    <p:extLst>
-      <p:ext uri="{BB962C8B-B14F-4D97-AF65-F5344CB8AC3E}">
-        <p14:creationId xmlns:p14="http://schemas.microsoft.com/office/powerpoint/2010/main" val="418795135"/>
-      </p:ext>
-    </p:extLst>
-  </p:cSld>
-  <p:clrMapOvr>
-    <a:masterClrMapping/>
-  </p:clrMapOvr>
-</p:notes>
-</file>
-
-<file path=ppt/notesSlides/notesSlide7.xml><?xml version="1.0" encoding="utf-8"?>
-<p:notes xmlns:a="http://schemas.openxmlformats.org/drawingml/2006/main" xmlns:r="http://schemas.openxmlformats.org/officeDocument/2006/relationships" xmlns:p="http://schemas.openxmlformats.org/presentationml/2006/main">
-  <p:cSld>
-    <p:spTree>
-      <p:nvGrpSpPr>
-        <p:cNvPr id="1" name=""/>
-        <p:cNvGrpSpPr/>
-        <p:nvPr/>
-      </p:nvGrpSpPr>
-      <p:grpSpPr>
-        <a:xfrm>
-          <a:off x="0" y="0"/>
-          <a:ext cx="0" cy="0"/>
-          <a:chOff x="0" y="0"/>
-          <a:chExt cx="0" cy="0"/>
-        </a:xfrm>
-      </p:grpSpPr>
-      <p:sp>
-        <p:nvSpPr>
-          <p:cNvPr id="2" name="Folienbildplatzhalter 1"/>
-          <p:cNvSpPr>
-            <a:spLocks noGrp="1" noRot="1" noChangeAspect="1"/>
-          </p:cNvSpPr>
-          <p:nvPr>
-            <p:ph type="sldImg"/>
-          </p:nvPr>
-        </p:nvSpPr>
-        <p:spPr/>
-      </p:sp>
-      <p:sp>
-        <p:nvSpPr>
-          <p:cNvPr id="3" name="Notizenplatzhalter 2"/>
-          <p:cNvSpPr>
-            <a:spLocks noGrp="1"/>
-          </p:cNvSpPr>
-          <p:nvPr>
-            <p:ph type="body" idx="1"/>
-          </p:nvPr>
-        </p:nvSpPr>
-        <p:spPr/>
-        <p:txBody>
-          <a:bodyPr/>
-          <a:lstStyle/>
-          <a:p>
-            <a:r>
-              <a:rPr lang="de-DE" dirty="0" smtClean="0"/>
-              <a:t>Links:</a:t>
-            </a:r>
-          </a:p>
-          <a:p>
-            <a:pPr marL="171450" indent="-171450">
-              <a:buFont typeface="Arial" panose="020B0604020202020204" pitchFamily="34" charset="0"/>
-              <a:buChar char="•"/>
-            </a:pPr>
-            <a:r>
-              <a:rPr lang="de-DE" dirty="0" smtClean="0"/>
-              <a:t>http://de.wikipedia.org/wiki/Geschichte_der_Programmiersprachen</a:t>
-            </a:r>
-          </a:p>
-          <a:p>
-            <a:pPr marL="171450" indent="-171450">
-              <a:buFont typeface="Arial" panose="020B0604020202020204" pitchFamily="34" charset="0"/>
-              <a:buChar char="•"/>
-            </a:pPr>
-            <a:r>
-              <a:rPr lang="de-DE" dirty="0" smtClean="0"/>
-              <a:t>Erstes Programm: 1842, Ada Lovelace für Analytical</a:t>
-            </a:r>
-            <a:r>
-              <a:rPr lang="de-DE" baseline="0" dirty="0" smtClean="0"/>
-              <a:t> Engine von Charles Babbage</a:t>
-            </a:r>
-            <a:endParaRPr lang="de-DE" dirty="0" smtClean="0"/>
-          </a:p>
-          <a:p>
-            <a:pPr marL="171450" indent="-171450">
-              <a:buFont typeface="Arial" panose="020B0604020202020204" pitchFamily="34" charset="0"/>
-              <a:buChar char="•"/>
-            </a:pPr>
-            <a:r>
-              <a:rPr lang="de-DE" dirty="0" err="1" smtClean="0"/>
-              <a:t>Simula</a:t>
-            </a:r>
-            <a:r>
-              <a:rPr lang="de-DE" dirty="0" smtClean="0"/>
-              <a:t> 67</a:t>
-            </a:r>
-          </a:p>
-          <a:p>
-            <a:pPr marL="914400" lvl="1" indent="-171450">
-              <a:buFont typeface="Arial" panose="020B0604020202020204" pitchFamily="34" charset="0"/>
-              <a:buChar char="•"/>
-            </a:pPr>
-            <a:r>
-              <a:rPr lang="de-DE" dirty="0" smtClean="0"/>
-              <a:t>Klassenkonzept</a:t>
-            </a:r>
-            <a:r>
-              <a:rPr lang="de-DE" baseline="0" dirty="0" smtClean="0"/>
-              <a:t>, um Parameterdschungel zu entgehen</a:t>
-            </a:r>
-            <a:endParaRPr lang="de-DE" dirty="0" smtClean="0"/>
-          </a:p>
-          <a:p>
-            <a:pPr marL="171450" indent="-171450">
-              <a:buFont typeface="Arial" panose="020B0604020202020204" pitchFamily="34" charset="0"/>
-              <a:buChar char="•"/>
-            </a:pPr>
-            <a:r>
-              <a:rPr lang="de-DE" dirty="0" smtClean="0"/>
-              <a:t>BCPL</a:t>
-            </a:r>
-          </a:p>
-          <a:p>
-            <a:pPr marL="914400" lvl="1" indent="-171450">
-              <a:buFont typeface="Arial" panose="020B0604020202020204" pitchFamily="34" charset="0"/>
-              <a:buChar char="•"/>
-            </a:pPr>
-            <a:r>
-              <a:rPr lang="de-DE" dirty="0" smtClean="0"/>
-              <a:t>1967, MIT, Martin Richards, einfach zu erlernende Sprache/Pioniersprache</a:t>
-            </a:r>
-          </a:p>
-          <a:p>
-            <a:pPr marL="914400" lvl="1" indent="-171450">
-              <a:buFont typeface="Arial" panose="020B0604020202020204" pitchFamily="34" charset="0"/>
-              <a:buChar char="•"/>
-            </a:pPr>
-            <a:r>
-              <a:rPr lang="de-DE" dirty="0" smtClean="0"/>
-              <a:t>nur ein Typ: Wort -&gt;</a:t>
-            </a:r>
-            <a:r>
-              <a:rPr lang="de-DE" baseline="0" dirty="0" smtClean="0"/>
-              <a:t> muss interpretiert werden</a:t>
-            </a:r>
-          </a:p>
-          <a:p>
-            <a:pPr marL="914400" lvl="1" indent="-171450">
-              <a:buFont typeface="Arial" panose="020B0604020202020204" pitchFamily="34" charset="0"/>
-              <a:buChar char="•"/>
-            </a:pPr>
-            <a:r>
-              <a:rPr lang="de-DE" baseline="0" dirty="0" smtClean="0"/>
-              <a:t>neue Idee: Zwischen-/Objektcode</a:t>
-            </a:r>
-          </a:p>
-          <a:p>
-            <a:pPr marL="914400" lvl="1" indent="-171450">
-              <a:buFont typeface="Arial" panose="020B0604020202020204" pitchFamily="34" charset="0"/>
-              <a:buChar char="•"/>
-            </a:pPr>
-            <a:r>
-              <a:rPr lang="de-DE" baseline="0" dirty="0" smtClean="0"/>
-              <a:t>eingesetzt zur Implementierung von </a:t>
-            </a:r>
-            <a:r>
-              <a:rPr lang="de-DE" baseline="0" dirty="0" err="1" smtClean="0"/>
-              <a:t>AmigaOS</a:t>
-            </a:r>
-            <a:endParaRPr lang="de-DE" baseline="0" dirty="0" smtClean="0"/>
-          </a:p>
-          <a:p>
-            <a:pPr marL="171450" lvl="0" indent="-171450">
-              <a:buFont typeface="Arial" panose="020B0604020202020204" pitchFamily="34" charset="0"/>
-              <a:buChar char="•"/>
-            </a:pPr>
-            <a:r>
-              <a:rPr lang="de-DE" baseline="0" dirty="0" smtClean="0"/>
-              <a:t>B</a:t>
-            </a:r>
-          </a:p>
-          <a:p>
-            <a:pPr marL="914400" lvl="1" indent="-171450">
-              <a:buFont typeface="Arial" panose="020B0604020202020204" pitchFamily="34" charset="0"/>
-              <a:buChar char="•"/>
-            </a:pPr>
-            <a:r>
-              <a:rPr lang="de-DE" baseline="0" dirty="0" smtClean="0"/>
-              <a:t>1969, Ken Thompson, Dennis </a:t>
-            </a:r>
-            <a:r>
-              <a:rPr lang="de-DE" baseline="0" dirty="0" err="1" smtClean="0"/>
-              <a:t>Ritchie</a:t>
-            </a:r>
-            <a:endParaRPr lang="de-DE" baseline="0" dirty="0" smtClean="0"/>
-          </a:p>
-          <a:p>
-            <a:pPr marL="914400" lvl="1" indent="-171450">
-              <a:buFont typeface="Arial" panose="020B0604020202020204" pitchFamily="34" charset="0"/>
-              <a:buChar char="•"/>
-            </a:pPr>
-            <a:r>
-              <a:rPr lang="de-DE" baseline="0" dirty="0" smtClean="0"/>
-              <a:t>interpretierter Zwischencode</a:t>
-            </a:r>
-          </a:p>
-          <a:p>
-            <a:pPr marL="914400" lvl="1" indent="-171450">
-              <a:buFont typeface="Arial" panose="020B0604020202020204" pitchFamily="34" charset="0"/>
-              <a:buChar char="•"/>
-            </a:pPr>
-            <a:r>
-              <a:rPr lang="de-DE" baseline="0" dirty="0" smtClean="0"/>
-              <a:t>manche Programme lassen sich tatsächlich mit C-Compiler übersetzen</a:t>
-            </a:r>
-            <a:endParaRPr lang="de-DE" dirty="0" smtClean="0"/>
-          </a:p>
-          <a:p>
-            <a:pPr marL="171450" indent="-171450">
-              <a:buFont typeface="Arial" panose="020B0604020202020204" pitchFamily="34" charset="0"/>
-              <a:buChar char="•"/>
-            </a:pPr>
-            <a:r>
-              <a:rPr lang="de-DE" dirty="0" smtClean="0"/>
-              <a:t>C</a:t>
-            </a:r>
-          </a:p>
-          <a:p>
-            <a:pPr marL="914400" lvl="1" indent="-171450">
-              <a:buFont typeface="Arial" panose="020B0604020202020204" pitchFamily="34" charset="0"/>
-              <a:buChar char="•"/>
-            </a:pPr>
-            <a:r>
-              <a:rPr lang="de-DE" dirty="0" smtClean="0"/>
-              <a:t>Standards: C89/C90, C95, C99, C11</a:t>
-            </a:r>
-          </a:p>
-          <a:p>
-            <a:pPr marL="914400" lvl="1" indent="-171450">
-              <a:buFont typeface="Arial" panose="020B0604020202020204" pitchFamily="34" charset="0"/>
-              <a:buChar char="•"/>
-            </a:pPr>
-            <a:r>
-              <a:rPr lang="de-DE" dirty="0" smtClean="0"/>
-              <a:t>1969-1973: Dennis </a:t>
-            </a:r>
-            <a:r>
-              <a:rPr lang="de-DE" dirty="0" err="1" smtClean="0"/>
-              <a:t>Ritchie</a:t>
-            </a:r>
-            <a:r>
-              <a:rPr lang="de-DE" dirty="0" smtClean="0"/>
-              <a:t>, Entwicklung von Unix (neu</a:t>
-            </a:r>
-            <a:r>
-              <a:rPr lang="de-DE" baseline="0" dirty="0" smtClean="0"/>
-              <a:t> implementiert in C im Jahr 1973)</a:t>
-            </a:r>
-          </a:p>
-          <a:p>
-            <a:pPr marL="914400" lvl="1" indent="-171450">
-              <a:buFont typeface="Arial" panose="020B0604020202020204" pitchFamily="34" charset="0"/>
-              <a:buChar char="•"/>
-            </a:pPr>
-            <a:r>
-              <a:rPr lang="de-DE" baseline="0" dirty="0" smtClean="0"/>
-              <a:t>1978: </a:t>
-            </a:r>
-            <a:r>
-              <a:rPr lang="de-DE" baseline="0" dirty="0" err="1" smtClean="0"/>
-              <a:t>Kernighan</a:t>
-            </a:r>
-            <a:r>
-              <a:rPr lang="de-DE" baseline="0" dirty="0" smtClean="0"/>
-              <a:t> </a:t>
-            </a:r>
-            <a:r>
-              <a:rPr lang="de-DE" baseline="0" dirty="0" err="1" smtClean="0"/>
-              <a:t>and</a:t>
-            </a:r>
-            <a:r>
-              <a:rPr lang="de-DE" baseline="0" dirty="0" smtClean="0"/>
-              <a:t> </a:t>
-            </a:r>
-            <a:r>
-              <a:rPr lang="de-DE" baseline="0" dirty="0" err="1" smtClean="0"/>
-              <a:t>Ritchie</a:t>
-            </a:r>
-            <a:r>
-              <a:rPr lang="de-DE" baseline="0" dirty="0" smtClean="0"/>
-              <a:t> (</a:t>
-            </a:r>
-            <a:r>
-              <a:rPr lang="de-DE" baseline="0" dirty="0" err="1" smtClean="0"/>
-              <a:t>unsigned</a:t>
-            </a:r>
-            <a:r>
-              <a:rPr lang="de-DE" baseline="0" dirty="0" smtClean="0"/>
-              <a:t> </a:t>
-            </a:r>
-            <a:r>
-              <a:rPr lang="de-DE" baseline="0" dirty="0" err="1" smtClean="0"/>
-              <a:t>long</a:t>
-            </a:r>
-            <a:r>
-              <a:rPr lang="de-DE" baseline="0" dirty="0" smtClean="0"/>
-              <a:t>/</a:t>
-            </a:r>
-            <a:r>
-              <a:rPr lang="de-DE" baseline="0" dirty="0" err="1" smtClean="0"/>
-              <a:t>int</a:t>
-            </a:r>
-            <a:r>
-              <a:rPr lang="de-DE" baseline="0" dirty="0" smtClean="0"/>
-              <a:t>, &lt;</a:t>
-            </a:r>
-            <a:r>
-              <a:rPr lang="de-DE" baseline="0" dirty="0" err="1" smtClean="0"/>
-              <a:t>stdio.h</a:t>
-            </a:r>
-            <a:r>
-              <a:rPr lang="de-DE" baseline="0" dirty="0" smtClean="0"/>
-              <a:t>&gt;)</a:t>
-            </a:r>
-          </a:p>
-          <a:p>
-            <a:pPr marL="914400" lvl="1" indent="-171450">
-              <a:buFont typeface="Arial" panose="020B0604020202020204" pitchFamily="34" charset="0"/>
-              <a:buChar char="•"/>
-            </a:pPr>
-            <a:r>
-              <a:rPr lang="de-DE" baseline="0" dirty="0" smtClean="0"/>
-              <a:t>1983-1989: Standardisierung durch ANSI; 1990: ISO</a:t>
-            </a:r>
-          </a:p>
-          <a:p>
-            <a:pPr marL="171450" lvl="0" indent="-171450">
-              <a:buFont typeface="Arial" panose="020B0604020202020204" pitchFamily="34" charset="0"/>
-              <a:buChar char="•"/>
-            </a:pPr>
-            <a:r>
-              <a:rPr lang="de-DE" baseline="0" dirty="0" smtClean="0"/>
-              <a:t>C++ </a:t>
-            </a:r>
-          </a:p>
-          <a:p>
-            <a:pPr marL="914400" lvl="1" indent="-171450">
-              <a:buFont typeface="Arial" panose="020B0604020202020204" pitchFamily="34" charset="0"/>
-              <a:buChar char="•"/>
-            </a:pPr>
-            <a:r>
-              <a:rPr lang="de-DE" baseline="0" dirty="0" smtClean="0"/>
-              <a:t>Bjarne </a:t>
-            </a:r>
-            <a:r>
-              <a:rPr lang="de-DE" baseline="0" dirty="0" err="1" smtClean="0"/>
-              <a:t>Stroustroup</a:t>
-            </a:r>
-            <a:r>
-              <a:rPr lang="de-DE" baseline="0" dirty="0" smtClean="0"/>
-              <a:t>: </a:t>
-            </a:r>
-          </a:p>
-          <a:p>
-            <a:pPr marL="1314450" lvl="2" indent="-171450">
-              <a:buFont typeface="Arial" panose="020B0604020202020204" pitchFamily="34" charset="0"/>
-              <a:buChar char="•"/>
-            </a:pPr>
-            <a:r>
-              <a:rPr lang="de-DE" baseline="0" dirty="0" err="1" smtClean="0"/>
-              <a:t>Simula</a:t>
-            </a:r>
-            <a:r>
-              <a:rPr lang="de-DE" baseline="0" dirty="0" smtClean="0"/>
-              <a:t> 2 gut zu programmieren, jedoch nicht für hocheffizienten Code geeignet</a:t>
-            </a:r>
-          </a:p>
-          <a:p>
-            <a:pPr marL="1314450" lvl="2" indent="-171450">
-              <a:buFont typeface="Arial" panose="020B0604020202020204" pitchFamily="34" charset="0"/>
-              <a:buChar char="•"/>
-            </a:pPr>
-            <a:r>
-              <a:rPr lang="de-DE" baseline="0" dirty="0" smtClean="0"/>
-              <a:t>BCPL: effizient, jedoch nicht für größere Projekte geeignet</a:t>
-            </a:r>
-          </a:p>
-          <a:p>
-            <a:pPr marL="1314450" lvl="2" indent="-171450">
-              <a:buFont typeface="Arial" panose="020B0604020202020204" pitchFamily="34" charset="0"/>
-              <a:buChar char="•"/>
-            </a:pPr>
-            <a:r>
-              <a:rPr lang="de-DE" baseline="0" dirty="0" smtClean="0"/>
-              <a:t>C: weit verbreitet</a:t>
-            </a:r>
-          </a:p>
-          <a:p>
-            <a:pPr marL="914400" lvl="1" indent="-171450">
-              <a:buFont typeface="Arial" panose="020B0604020202020204" pitchFamily="34" charset="0"/>
-              <a:buChar char="•"/>
-            </a:pPr>
-            <a:r>
-              <a:rPr lang="de-DE" baseline="0" dirty="0" err="1" smtClean="0"/>
-              <a:t>Erweiterugen</a:t>
-            </a:r>
-            <a:r>
-              <a:rPr lang="de-DE" baseline="0" dirty="0" smtClean="0"/>
-              <a:t>:</a:t>
-            </a:r>
-          </a:p>
-          <a:p>
-            <a:pPr marL="1314450" lvl="2" indent="-171450">
-              <a:buFont typeface="Arial" panose="020B0604020202020204" pitchFamily="34" charset="0"/>
-              <a:buChar char="•"/>
-            </a:pPr>
-            <a:r>
-              <a:rPr lang="de-DE" baseline="0" dirty="0" smtClean="0"/>
-              <a:t>Klassenkonzept (Simula-67) -&gt; </a:t>
-            </a:r>
-            <a:r>
-              <a:rPr lang="de-DE" i="1" baseline="0" dirty="0" smtClean="0"/>
-              <a:t>C </a:t>
-            </a:r>
-            <a:r>
-              <a:rPr lang="de-DE" i="1" baseline="0" dirty="0" err="1" smtClean="0"/>
-              <a:t>with</a:t>
-            </a:r>
-            <a:r>
-              <a:rPr lang="de-DE" i="1" baseline="0" dirty="0" smtClean="0"/>
-              <a:t> </a:t>
-            </a:r>
-            <a:r>
-              <a:rPr lang="de-DE" i="1" baseline="0" dirty="0" err="1" smtClean="0"/>
-              <a:t>Classes</a:t>
-            </a:r>
-            <a:r>
-              <a:rPr lang="de-DE" i="0" baseline="0" dirty="0" smtClean="0"/>
-              <a:t> (ab 1983: </a:t>
-            </a:r>
-            <a:r>
-              <a:rPr lang="de-DE" i="1" baseline="0" dirty="0" smtClean="0"/>
-              <a:t>C++</a:t>
-            </a:r>
-            <a:r>
-              <a:rPr lang="de-DE" i="0" baseline="0" dirty="0" smtClean="0"/>
-              <a:t>)</a:t>
-            </a:r>
-          </a:p>
-          <a:p>
-            <a:pPr marL="1314450" lvl="2" indent="-171450">
-              <a:buFont typeface="Arial" panose="020B0604020202020204" pitchFamily="34" charset="0"/>
-              <a:buChar char="•"/>
-            </a:pPr>
-            <a:r>
-              <a:rPr lang="de-DE" i="0" baseline="0" dirty="0" smtClean="0"/>
-              <a:t>1983: Überladen von Funktionen und Operatoren, Referenzen, Konstanten</a:t>
-            </a:r>
-          </a:p>
-          <a:p>
-            <a:pPr marL="1314450" lvl="2" indent="-171450">
-              <a:buFont typeface="Arial" panose="020B0604020202020204" pitchFamily="34" charset="0"/>
-              <a:buChar char="•"/>
-            </a:pPr>
-            <a:r>
-              <a:rPr lang="de-DE" i="0" baseline="0" dirty="0" smtClean="0"/>
-              <a:t>1985: Mehrfachvererbung, abstrakte Klassen, statische/konstante Funktionen, </a:t>
-            </a:r>
-            <a:r>
-              <a:rPr lang="de-DE" i="1" baseline="0" dirty="0" err="1" smtClean="0"/>
-              <a:t>protected</a:t>
-            </a:r>
-            <a:endParaRPr lang="de-DE" baseline="0" dirty="0" smtClean="0"/>
-          </a:p>
-          <a:p>
-            <a:pPr marL="914400" lvl="1" indent="-171450">
-              <a:buFont typeface="Arial" panose="020B0604020202020204" pitchFamily="34" charset="0"/>
-              <a:buChar char="•"/>
-            </a:pPr>
-            <a:r>
-              <a:rPr lang="de-DE" baseline="0" dirty="0" smtClean="0"/>
-              <a:t>Erster Compiler: </a:t>
-            </a:r>
-            <a:r>
-              <a:rPr lang="de-DE" i="1" baseline="0" dirty="0" err="1" smtClean="0"/>
-              <a:t>cfront</a:t>
-            </a:r>
-            <a:r>
-              <a:rPr lang="de-DE" i="0" baseline="0" dirty="0" smtClean="0"/>
-              <a:t> generiert C++-Code</a:t>
-            </a:r>
-          </a:p>
-          <a:p>
-            <a:pPr marL="914400" lvl="1" indent="-171450">
-              <a:buFont typeface="Arial" panose="020B0604020202020204" pitchFamily="34" charset="0"/>
-              <a:buChar char="•"/>
-            </a:pPr>
-            <a:r>
-              <a:rPr lang="de-DE" i="0" baseline="0" dirty="0" smtClean="0"/>
-              <a:t>Seit C++11: </a:t>
-            </a:r>
-            <a:r>
-              <a:rPr lang="de-DE" i="0" baseline="0" dirty="0" err="1" smtClean="0"/>
-              <a:t>foreach</a:t>
-            </a:r>
-            <a:r>
-              <a:rPr lang="de-DE" i="0" baseline="0" dirty="0" smtClean="0"/>
-              <a:t>, automatische Typableitung (</a:t>
-            </a:r>
-            <a:r>
-              <a:rPr lang="de-DE" i="1" baseline="0" dirty="0" err="1" smtClean="0"/>
-              <a:t>auto</a:t>
-            </a:r>
-            <a:r>
-              <a:rPr lang="de-DE" i="0" baseline="0" dirty="0" smtClean="0"/>
-              <a:t>), </a:t>
-            </a:r>
-            <a:r>
-              <a:rPr lang="de-DE" i="0" baseline="0" dirty="0" err="1" smtClean="0"/>
-              <a:t>Compilezeitchecks</a:t>
-            </a:r>
-            <a:r>
-              <a:rPr lang="de-DE" i="0" baseline="0" dirty="0" smtClean="0"/>
-              <a:t> (</a:t>
-            </a:r>
-            <a:r>
-              <a:rPr lang="de-DE" i="1" baseline="0" dirty="0" err="1" smtClean="0"/>
-              <a:t>static</a:t>
-            </a:r>
-            <a:r>
-              <a:rPr lang="de-DE" i="1" baseline="0" dirty="0" smtClean="0"/>
-              <a:t> </a:t>
-            </a:r>
-            <a:r>
-              <a:rPr lang="de-DE" i="1" baseline="0" dirty="0" err="1" smtClean="0"/>
-              <a:t>asserts</a:t>
-            </a:r>
-            <a:r>
-              <a:rPr lang="de-DE" i="0" baseline="0" dirty="0" smtClean="0"/>
-              <a:t>)</a:t>
-            </a:r>
-          </a:p>
-          <a:p>
-            <a:pPr marL="171450" lvl="0" indent="-171450">
-              <a:buFont typeface="Arial" panose="020B0604020202020204" pitchFamily="34" charset="0"/>
-              <a:buChar char="•"/>
-            </a:pPr>
-            <a:r>
-              <a:rPr lang="de-DE" dirty="0" smtClean="0"/>
-              <a:t>Java</a:t>
-            </a:r>
-          </a:p>
-          <a:p>
-            <a:pPr marL="914400" lvl="1" indent="-171450">
-              <a:buFont typeface="Arial" panose="020B0604020202020204" pitchFamily="34" charset="0"/>
-              <a:buChar char="•"/>
-            </a:pPr>
-            <a:r>
-              <a:rPr lang="de-DE" dirty="0" smtClean="0"/>
-              <a:t>1991/1992,</a:t>
-            </a:r>
-            <a:r>
-              <a:rPr lang="de-DE" baseline="0" dirty="0" smtClean="0"/>
-              <a:t> SUN, James </a:t>
-            </a:r>
-            <a:r>
-              <a:rPr lang="de-DE" baseline="0" dirty="0" err="1" smtClean="0"/>
-              <a:t>Gosling</a:t>
-            </a:r>
-            <a:r>
-              <a:rPr lang="de-DE" baseline="0" dirty="0" smtClean="0"/>
-              <a:t> et al.</a:t>
-            </a:r>
-          </a:p>
-          <a:p>
-            <a:pPr marL="914400" lvl="1" indent="-171450">
-              <a:buFont typeface="Arial" panose="020B0604020202020204" pitchFamily="34" charset="0"/>
-              <a:buChar char="•"/>
-            </a:pPr>
-            <a:r>
-              <a:rPr lang="de-DE" baseline="0" dirty="0" smtClean="0"/>
-              <a:t>Ursprünglicher Name: </a:t>
-            </a:r>
-            <a:r>
-              <a:rPr lang="de-DE" baseline="0" dirty="0" err="1" smtClean="0"/>
-              <a:t>Oak</a:t>
-            </a:r>
-            <a:r>
-              <a:rPr lang="de-DE" baseline="0" dirty="0" smtClean="0"/>
-              <a:t> (Eiche vor </a:t>
-            </a:r>
-            <a:r>
-              <a:rPr lang="de-DE" baseline="0" dirty="0" err="1" smtClean="0"/>
-              <a:t>Goslings</a:t>
-            </a:r>
-            <a:r>
-              <a:rPr lang="de-DE" baseline="0" dirty="0" smtClean="0"/>
-              <a:t> Fenster)</a:t>
-            </a:r>
-            <a:endParaRPr lang="en-US" dirty="0"/>
-          </a:p>
-        </p:txBody>
-      </p:sp>
-      <p:sp>
-        <p:nvSpPr>
-          <p:cNvPr id="4" name="Datumsplatzhalter 3"/>
-          <p:cNvSpPr>
-            <a:spLocks noGrp="1"/>
-          </p:cNvSpPr>
-          <p:nvPr>
-            <p:ph type="dt" idx="10"/>
-          </p:nvPr>
-        </p:nvSpPr>
-        <p:spPr/>
-        <p:txBody>
-          <a:bodyPr/>
-          <a:lstStyle/>
-          <a:p>
-            <a:pPr>
-              <a:defRPr/>
-            </a:pPr>
-            <a:r>
-              <a:rPr lang="en-US" smtClean="0"/>
-              <a:t>November 19, 2007</a:t>
-            </a:r>
-            <a:endParaRPr lang="en-US"/>
-          </a:p>
-        </p:txBody>
-      </p:sp>
-      <p:sp>
-        <p:nvSpPr>
-          <p:cNvPr id="5" name="Fußzeilenplatzhalter 4"/>
-          <p:cNvSpPr>
-            <a:spLocks noGrp="1"/>
-          </p:cNvSpPr>
-          <p:nvPr>
-            <p:ph type="ftr" idx="11"/>
-          </p:nvPr>
-        </p:nvSpPr>
-        <p:spPr/>
-        <p:txBody>
-          <a:bodyPr/>
-          <a:lstStyle/>
-          <a:p>
-            <a:pPr>
-              <a:defRPr/>
-            </a:pPr>
-            <a:r>
-              <a:rPr lang="en-US" smtClean="0"/>
-              <a:t>|  </a:t>
-            </a:r>
-            <a:endParaRPr lang="en-US"/>
-          </a:p>
-        </p:txBody>
-      </p:sp>
-      <p:sp>
-        <p:nvSpPr>
-          <p:cNvPr id="6" name="Foliennummernplatzhalter 5"/>
-          <p:cNvSpPr>
-            <a:spLocks noGrp="1"/>
-          </p:cNvSpPr>
-          <p:nvPr>
-            <p:ph type="sldNum" idx="12"/>
-          </p:nvPr>
-        </p:nvSpPr>
-        <p:spPr/>
-        <p:txBody>
-          <a:bodyPr/>
-          <a:lstStyle/>
-          <a:p>
-            <a:pPr>
-              <a:defRPr/>
-            </a:pPr>
-            <a:r>
-              <a:rPr lang="en-US" smtClean="0"/>
-              <a:t>|  </a:t>
-            </a:r>
-            <a:fld id="{1AC4CB2F-BC5A-454C-A55C-75DB3FC15FD2}" type="slidenum">
-              <a:rPr lang="en-US" smtClean="0"/>
-              <a:pPr>
-                <a:defRPr/>
-              </a:pPr>
-              <a:t>10</a:t>
             </a:fld>
             <a:endParaRPr lang="en-US"/>
           </a:p>
@@ -11699,7 +10756,7 @@
           <a:graphicData uri="http://schemas.openxmlformats.org/presentationml/2006/ole">
             <mc:AlternateContent xmlns:mc="http://schemas.openxmlformats.org/markup-compatibility/2006">
               <mc:Choice xmlns:v="urn:schemas-microsoft-com:vml" Requires="v">
-                <p:oleObj spid="_x0000_s27759" r:id="rId3" imgW="1038370" imgH="980952" progId="PBrush">
+                <p:oleObj spid="_x0000_s27761" r:id="rId3" imgW="1038370" imgH="980952" progId="PBrush">
                   <p:embed/>
                 </p:oleObj>
               </mc:Choice>
@@ -14693,7 +13750,7 @@
           <a:graphicData uri="http://schemas.openxmlformats.org/presentationml/2006/ole">
             <mc:AlternateContent xmlns:mc="http://schemas.openxmlformats.org/markup-compatibility/2006">
               <mc:Choice xmlns:v="urn:schemas-microsoft-com:vml" Requires="v">
-                <p:oleObj spid="_x0000_s1146" r:id="rId16" imgW="1038370" imgH="980952" progId="">
+                <p:oleObj spid="_x0000_s1148" r:id="rId16" imgW="1038370" imgH="980952" progId="">
                   <p:embed/>
                 </p:oleObj>
               </mc:Choice>
@@ -15131,7 +14188,7 @@
                 </a:lnSpc>
                 <a:defRPr/>
               </a:pPr>
-              <a:t>03.09.2014</a:t>
+              <a:t>08.09.2014</a:t>
             </a:fld>
             <a:r>
               <a:rPr lang="en-GB" altLang="de-DE" sz="1000" smtClean="0">
@@ -16639,7 +15696,7 @@
           <a:graphicData uri="http://schemas.openxmlformats.org/presentationml/2006/ole">
             <mc:AlternateContent xmlns:mc="http://schemas.openxmlformats.org/markup-compatibility/2006">
               <mc:Choice xmlns:v="urn:schemas-microsoft-com:vml" Requires="v">
-                <p:oleObj spid="_x0000_s2169" r:id="rId6" imgW="1038370" imgH="980952" progId="PBrush">
+                <p:oleObj spid="_x0000_s2171" r:id="rId6" imgW="1038370" imgH="980952" progId="PBrush">
                   <p:embed/>
                 </p:oleObj>
               </mc:Choice>
@@ -17532,7 +16589,7 @@
       </p:grpSpPr>
       <p:sp>
         <p:nvSpPr>
-          <p:cNvPr id="6146" name="Rectangle 2"/>
+          <p:cNvPr id="3074" name="Rectangle 2"/>
           <p:cNvSpPr>
             <a:spLocks noGrp="1" noChangeArrowheads="1"/>
           </p:cNvSpPr>
@@ -17547,19 +16604,15 @@
           <a:p>
             <a:pPr eaLnBrk="1" hangingPunct="1"/>
             <a:r>
-              <a:rPr lang="en-US" altLang="de-DE" dirty="0" err="1" smtClean="0"/>
-              <a:t>Programmierpraktikum</a:t>
-            </a:r>
-            <a:r>
-              <a:rPr lang="en-US" altLang="de-DE" smtClean="0"/>
-              <a:t> C und C++</a:t>
+              <a:rPr lang="de-DE" altLang="de-DE" smtClean="0"/>
+              <a:t>Programmierpraktikum C und C++</a:t>
             </a:r>
           </a:p>
         </p:txBody>
       </p:sp>
       <p:sp>
         <p:nvSpPr>
-          <p:cNvPr id="6147" name="Rectangle 3"/>
+          <p:cNvPr id="3075" name="Rectangle 3"/>
           <p:cNvSpPr>
             <a:spLocks noGrp="1" noChangeArrowheads="1"/>
           </p:cNvSpPr>
@@ -17570,7 +16623,7 @@
         <p:spPr>
           <a:xfrm>
             <a:off x="827088" y="1449388"/>
-            <a:ext cx="6734175" cy="944562"/>
+            <a:ext cx="6229350" cy="944562"/>
           </a:xfrm>
         </p:spPr>
         <p:txBody>
@@ -17579,13 +16632,19 @@
           <a:p>
             <a:pPr algn="l" eaLnBrk="1" hangingPunct="1"/>
             <a:r>
-              <a:rPr lang="en-US" altLang="de-DE" smtClean="0"/>
+              <a:rPr lang="de-DE" altLang="de-DE" smtClean="0"/>
               <a:t>Organisatorisches</a:t>
             </a:r>
+            <a:endParaRPr lang="de-DE" altLang="de-DE" dirty="0" smtClean="0"/>
           </a:p>
         </p:txBody>
       </p:sp>
     </p:spTree>
+    <p:extLst>
+      <p:ext uri="{BB962C8B-B14F-4D97-AF65-F5344CB8AC3E}">
+        <p14:creationId xmlns:p14="http://schemas.microsoft.com/office/powerpoint/2010/main" val="1921091419"/>
+      </p:ext>
+    </p:extLst>
   </p:cSld>
   <p:clrMapOvr>
     <a:masterClrMapping/>
@@ -17601,2903 +16660,6 @@
 </file>
 
 <file path=ppt/slides/slide10.xml><?xml version="1.0" encoding="utf-8"?>
-<p:sld xmlns:a="http://schemas.openxmlformats.org/drawingml/2006/main" xmlns:r="http://schemas.openxmlformats.org/officeDocument/2006/relationships" xmlns:p="http://schemas.openxmlformats.org/presentationml/2006/main">
-  <p:cSld>
-    <p:spTree>
-      <p:nvGrpSpPr>
-        <p:cNvPr id="1" name=""/>
-        <p:cNvGrpSpPr/>
-        <p:nvPr/>
-      </p:nvGrpSpPr>
-      <p:grpSpPr>
-        <a:xfrm>
-          <a:off x="0" y="0"/>
-          <a:ext cx="0" cy="0"/>
-          <a:chOff x="0" y="0"/>
-          <a:chExt cx="0" cy="0"/>
-        </a:xfrm>
-      </p:grpSpPr>
-      <p:sp>
-        <p:nvSpPr>
-          <p:cNvPr id="36" name="Rechteck 35"/>
-          <p:cNvSpPr/>
-          <p:nvPr/>
-        </p:nvSpPr>
-        <p:spPr bwMode="auto">
-          <a:xfrm>
-            <a:off x="3930491" y="4848874"/>
-            <a:ext cx="897886" cy="607602"/>
-          </a:xfrm>
-          <a:prstGeom prst="rect">
-            <a:avLst/>
-          </a:prstGeom>
-          <a:solidFill>
-            <a:schemeClr val="accent1"/>
-          </a:solidFill>
-          <a:ln w="9525" cap="flat" cmpd="sng" algn="ctr">
-            <a:noFill/>
-            <a:prstDash val="solid"/>
-            <a:round/>
-            <a:headEnd type="none" w="med" len="med"/>
-            <a:tailEnd type="none" w="med" len="med"/>
-          </a:ln>
-          <a:effectLst/>
-        </p:spPr>
-        <p:txBody>
-          <a:bodyPr vert="horz" wrap="none" lIns="91440" tIns="45720" rIns="91440" bIns="45720" numCol="1" rtlCol="0" anchor="ctr" anchorCtr="0" compatLnSpc="1">
-            <a:prstTxWarp prst="textNoShape">
-              <a:avLst/>
-            </a:prstTxWarp>
-          </a:bodyPr>
-          <a:lstStyle/>
-          <a:p>
-            <a:pPr marL="0" marR="0" indent="0" algn="ctr" defTabSz="449263" rtl="0" eaLnBrk="1" fontAlgn="base" latinLnBrk="0" hangingPunct="1">
-              <a:lnSpc>
-                <a:spcPct val="93000"/>
-              </a:lnSpc>
-              <a:spcBef>
-                <a:spcPct val="0"/>
-              </a:spcBef>
-              <a:spcAft>
-                <a:spcPct val="0"/>
-              </a:spcAft>
-              <a:buClr>
-                <a:srgbClr val="000000"/>
-              </a:buClr>
-              <a:buSzPct val="100000"/>
-              <a:buFont typeface="Arial" pitchFamily="-65" charset="0"/>
-              <a:buNone/>
-              <a:tabLst/>
-            </a:pPr>
-            <a:endParaRPr kumimoji="0" lang="en-US" sz="1800" b="0" i="0" u="none" strike="noStrike" cap="none" normalizeH="0" baseline="0">
-              <a:ln>
-                <a:noFill/>
-              </a:ln>
-              <a:solidFill>
-                <a:schemeClr val="tx1"/>
-              </a:solidFill>
-              <a:effectLst/>
-              <a:latin typeface="Arial" pitchFamily="-65" charset="0"/>
-              <a:ea typeface="Lucida Sans Unicode" pitchFamily="-65" charset="-52"/>
-              <a:cs typeface="Lucida Sans Unicode" pitchFamily="-65" charset="-52"/>
-            </a:endParaRPr>
-          </a:p>
-        </p:txBody>
-      </p:sp>
-      <p:sp>
-        <p:nvSpPr>
-          <p:cNvPr id="38" name="Rechteck 37"/>
-          <p:cNvSpPr/>
-          <p:nvPr/>
-        </p:nvSpPr>
-        <p:spPr bwMode="auto">
-          <a:xfrm>
-            <a:off x="4052081" y="5883289"/>
-            <a:ext cx="1135879" cy="607602"/>
-          </a:xfrm>
-          <a:prstGeom prst="rect">
-            <a:avLst/>
-          </a:prstGeom>
-          <a:solidFill>
-            <a:schemeClr val="accent1"/>
-          </a:solidFill>
-          <a:ln w="9525" cap="flat" cmpd="sng" algn="ctr">
-            <a:noFill/>
-            <a:prstDash val="solid"/>
-            <a:round/>
-            <a:headEnd type="none" w="med" len="med"/>
-            <a:tailEnd type="none" w="med" len="med"/>
-          </a:ln>
-          <a:effectLst/>
-        </p:spPr>
-        <p:txBody>
-          <a:bodyPr vert="horz" wrap="none" lIns="91440" tIns="45720" rIns="91440" bIns="45720" numCol="1" rtlCol="0" anchor="ctr" anchorCtr="0" compatLnSpc="1">
-            <a:prstTxWarp prst="textNoShape">
-              <a:avLst/>
-            </a:prstTxWarp>
-          </a:bodyPr>
-          <a:lstStyle/>
-          <a:p>
-            <a:pPr marL="0" marR="0" indent="0" algn="ctr" defTabSz="449263" rtl="0" eaLnBrk="1" fontAlgn="base" latinLnBrk="0" hangingPunct="1">
-              <a:lnSpc>
-                <a:spcPct val="93000"/>
-              </a:lnSpc>
-              <a:spcBef>
-                <a:spcPct val="0"/>
-              </a:spcBef>
-              <a:spcAft>
-                <a:spcPct val="0"/>
-              </a:spcAft>
-              <a:buClr>
-                <a:srgbClr val="000000"/>
-              </a:buClr>
-              <a:buSzPct val="100000"/>
-              <a:buFont typeface="Arial" pitchFamily="-65" charset="0"/>
-              <a:buNone/>
-              <a:tabLst/>
-            </a:pPr>
-            <a:endParaRPr kumimoji="0" lang="en-US" sz="1800" b="0" i="0" u="none" strike="noStrike" cap="none" normalizeH="0" baseline="0">
-              <a:ln>
-                <a:noFill/>
-              </a:ln>
-              <a:solidFill>
-                <a:schemeClr val="tx1"/>
-              </a:solidFill>
-              <a:effectLst/>
-              <a:latin typeface="Arial" pitchFamily="-65" charset="0"/>
-              <a:ea typeface="Lucida Sans Unicode" pitchFamily="-65" charset="-52"/>
-              <a:cs typeface="Lucida Sans Unicode" pitchFamily="-65" charset="-52"/>
-            </a:endParaRPr>
-          </a:p>
-        </p:txBody>
-      </p:sp>
-      <p:sp>
-        <p:nvSpPr>
-          <p:cNvPr id="3" name="Rechteck 2"/>
-          <p:cNvSpPr/>
-          <p:nvPr/>
-        </p:nvSpPr>
-        <p:spPr bwMode="auto">
-          <a:xfrm>
-            <a:off x="4040132" y="3738326"/>
-            <a:ext cx="638489" cy="607602"/>
-          </a:xfrm>
-          <a:prstGeom prst="rect">
-            <a:avLst/>
-          </a:prstGeom>
-          <a:solidFill>
-            <a:schemeClr val="accent1"/>
-          </a:solidFill>
-          <a:ln w="9525" cap="flat" cmpd="sng" algn="ctr">
-            <a:noFill/>
-            <a:prstDash val="solid"/>
-            <a:round/>
-            <a:headEnd type="none" w="med" len="med"/>
-            <a:tailEnd type="none" w="med" len="med"/>
-          </a:ln>
-          <a:effectLst/>
-        </p:spPr>
-        <p:txBody>
-          <a:bodyPr vert="horz" wrap="none" lIns="91440" tIns="45720" rIns="91440" bIns="45720" numCol="1" rtlCol="0" anchor="ctr" anchorCtr="0" compatLnSpc="1">
-            <a:prstTxWarp prst="textNoShape">
-              <a:avLst/>
-            </a:prstTxWarp>
-          </a:bodyPr>
-          <a:lstStyle/>
-          <a:p>
-            <a:pPr marL="0" marR="0" indent="0" algn="ctr" defTabSz="449263" rtl="0" eaLnBrk="1" fontAlgn="base" latinLnBrk="0" hangingPunct="1">
-              <a:lnSpc>
-                <a:spcPct val="93000"/>
-              </a:lnSpc>
-              <a:spcBef>
-                <a:spcPct val="0"/>
-              </a:spcBef>
-              <a:spcAft>
-                <a:spcPct val="0"/>
-              </a:spcAft>
-              <a:buClr>
-                <a:srgbClr val="000000"/>
-              </a:buClr>
-              <a:buSzPct val="100000"/>
-              <a:buFont typeface="Arial" pitchFamily="-65" charset="0"/>
-              <a:buNone/>
-              <a:tabLst/>
-            </a:pPr>
-            <a:endParaRPr kumimoji="0" lang="en-US" sz="1800" b="0" i="0" u="none" strike="noStrike" cap="none" normalizeH="0" baseline="0">
-              <a:ln>
-                <a:noFill/>
-              </a:ln>
-              <a:solidFill>
-                <a:schemeClr val="tx1"/>
-              </a:solidFill>
-              <a:effectLst/>
-              <a:latin typeface="Arial" pitchFamily="-65" charset="0"/>
-              <a:ea typeface="Lucida Sans Unicode" pitchFamily="-65" charset="-52"/>
-              <a:cs typeface="Lucida Sans Unicode" pitchFamily="-65" charset="-52"/>
-            </a:endParaRPr>
-          </a:p>
-        </p:txBody>
-      </p:sp>
-      <p:sp>
-        <p:nvSpPr>
-          <p:cNvPr id="14339" name="Titel 1"/>
-          <p:cNvSpPr>
-            <a:spLocks noGrp="1"/>
-          </p:cNvSpPr>
-          <p:nvPr>
-            <p:ph type="title"/>
-          </p:nvPr>
-        </p:nvSpPr>
-        <p:spPr/>
-        <p:txBody>
-          <a:bodyPr/>
-          <a:lstStyle/>
-          <a:p>
-            <a:r>
-              <a:rPr lang="de-DE" altLang="de-DE" dirty="0" smtClean="0">
-                <a:ea typeface="ＭＳ Ｐゴシック" pitchFamily="34" charset="-128"/>
-              </a:rPr>
-              <a:t>Eine </a:t>
-            </a:r>
-            <a:r>
-              <a:rPr lang="de-DE" altLang="de-DE" dirty="0" smtClean="0">
-                <a:ea typeface="ＭＳ Ｐゴシック" pitchFamily="34" charset="-128"/>
-              </a:rPr>
-              <a:t>kurze </a:t>
-            </a:r>
-            <a:r>
-              <a:rPr lang="de-DE" altLang="de-DE" dirty="0" smtClean="0">
-                <a:ea typeface="ＭＳ Ｐゴシック" pitchFamily="34" charset="-128"/>
-              </a:rPr>
-              <a:t>Geschichte von…</a:t>
-            </a:r>
-          </a:p>
-        </p:txBody>
-      </p:sp>
-      <p:sp>
-        <p:nvSpPr>
-          <p:cNvPr id="14340" name="Rectangle 45"/>
-          <p:cNvSpPr>
-            <a:spLocks noChangeArrowheads="1"/>
-          </p:cNvSpPr>
-          <p:nvPr/>
-        </p:nvSpPr>
-        <p:spPr bwMode="auto">
-          <a:xfrm>
-            <a:off x="2001838" y="1419225"/>
-            <a:ext cx="9144000" cy="0"/>
-          </a:xfrm>
-          <a:prstGeom prst="rect">
-            <a:avLst/>
-          </a:prstGeom>
-          <a:noFill/>
-          <a:ln>
-            <a:noFill/>
-          </a:ln>
-          <a:effectLst/>
-          <a:extLst>
-            <a:ext uri="{909E8E84-426E-40DD-AFC4-6F175D3DCCD1}">
-              <a14:hiddenFill xmlns:a14="http://schemas.microsoft.com/office/drawing/2010/main">
-                <a:solidFill>
-                  <a:schemeClr val="accent1"/>
-                </a:solidFill>
-              </a14:hiddenFill>
-            </a:ext>
-            <a:ext uri="{91240B29-F687-4F45-9708-019B960494DF}">
-              <a14:hiddenLine xmlns:a14="http://schemas.microsoft.com/office/drawing/2010/main" w="9525" algn="ctr">
-                <a:solidFill>
-                  <a:schemeClr val="tx1"/>
-                </a:solidFill>
-                <a:miter lim="800000"/>
-                <a:headEnd/>
-                <a:tailEnd/>
-              </a14:hiddenLine>
-            </a:ext>
-            <a:ext uri="{AF507438-7753-43E0-B8FC-AC1667EBCBE1}">
-              <a14:hiddenEffects xmlns:a14="http://schemas.microsoft.com/office/drawing/2010/main">
-                <a:effectLst>
-                  <a:outerShdw dist="35921" dir="2700000" algn="ctr" rotWithShape="0">
-                    <a:schemeClr val="bg2"/>
-                  </a:outerShdw>
-                </a:effectLst>
-              </a14:hiddenEffects>
-            </a:ext>
-          </a:extLst>
-        </p:spPr>
-        <p:txBody>
-          <a:bodyPr wrap="none" anchor="ctr">
-            <a:spAutoFit/>
-          </a:bodyPr>
-          <a:lstStyle>
-            <a:lvl1pPr algn="l" eaLnBrk="0" hangingPunct="0">
-              <a:spcBef>
-                <a:spcPct val="20000"/>
-              </a:spcBef>
-              <a:buFont typeface="Wingdings" pitchFamily="2" charset="2"/>
-              <a:defRPr sz="2000">
-                <a:solidFill>
-                  <a:schemeClr val="tx1"/>
-                </a:solidFill>
-                <a:latin typeface="Arial" charset="0"/>
-                <a:ea typeface="ＭＳ Ｐゴシック" pitchFamily="34" charset="-128"/>
-              </a:defRPr>
-            </a:lvl1pPr>
-            <a:lvl2pPr marL="742950" indent="-285750" algn="l" eaLnBrk="0" hangingPunct="0">
-              <a:spcBef>
-                <a:spcPct val="20000"/>
-              </a:spcBef>
-              <a:buFont typeface="Wingdings" pitchFamily="2" charset="2"/>
-              <a:buChar char="§"/>
-              <a:defRPr>
-                <a:solidFill>
-                  <a:schemeClr val="tx1"/>
-                </a:solidFill>
-                <a:latin typeface="Arial" charset="0"/>
-                <a:ea typeface="ＭＳ Ｐゴシック" pitchFamily="34" charset="-128"/>
-              </a:defRPr>
-            </a:lvl2pPr>
-            <a:lvl3pPr marL="1143000" indent="-228600" algn="l" eaLnBrk="0" hangingPunct="0">
-              <a:spcBef>
-                <a:spcPct val="20000"/>
-              </a:spcBef>
-              <a:buFont typeface="Wingdings" pitchFamily="2" charset="2"/>
-              <a:buChar char="§"/>
-              <a:defRPr>
-                <a:solidFill>
-                  <a:schemeClr val="tx1"/>
-                </a:solidFill>
-                <a:latin typeface="Arial" charset="0"/>
-                <a:ea typeface="ＭＳ Ｐゴシック" pitchFamily="34" charset="-128"/>
-              </a:defRPr>
-            </a:lvl3pPr>
-            <a:lvl4pPr marL="1600200" indent="-228600" algn="l" eaLnBrk="0" hangingPunct="0">
-              <a:spcBef>
-                <a:spcPct val="20000"/>
-              </a:spcBef>
-              <a:buFont typeface="Wingdings" pitchFamily="2" charset="2"/>
-              <a:buChar char="§"/>
-              <a:defRPr sz="1600">
-                <a:solidFill>
-                  <a:schemeClr val="tx1"/>
-                </a:solidFill>
-                <a:latin typeface="Arial" charset="0"/>
-                <a:ea typeface="ＭＳ Ｐゴシック" pitchFamily="34" charset="-128"/>
-              </a:defRPr>
-            </a:lvl4pPr>
-            <a:lvl5pPr marL="2057400" indent="-228600" algn="l" eaLnBrk="0" hangingPunct="0">
-              <a:spcBef>
-                <a:spcPct val="20000"/>
-              </a:spcBef>
-              <a:buFont typeface="Wingdings" pitchFamily="2" charset="2"/>
-              <a:buChar char="§"/>
-              <a:defRPr sz="1600">
-                <a:solidFill>
-                  <a:schemeClr val="tx1"/>
-                </a:solidFill>
-                <a:latin typeface="Arial" charset="0"/>
-                <a:ea typeface="ＭＳ Ｐゴシック" pitchFamily="34" charset="-128"/>
-              </a:defRPr>
-            </a:lvl5pPr>
-            <a:lvl6pPr marL="2514600" indent="-228600" defTabSz="449263" eaLnBrk="0" fontAlgn="base" hangingPunct="0">
-              <a:spcBef>
-                <a:spcPct val="20000"/>
-              </a:spcBef>
-              <a:spcAft>
-                <a:spcPct val="0"/>
-              </a:spcAft>
-              <a:buFont typeface="Wingdings" pitchFamily="2" charset="2"/>
-              <a:buChar char="§"/>
-              <a:defRPr sz="1600">
-                <a:solidFill>
-                  <a:schemeClr val="tx1"/>
-                </a:solidFill>
-                <a:latin typeface="Arial" charset="0"/>
-                <a:ea typeface="ＭＳ Ｐゴシック" pitchFamily="34" charset="-128"/>
-              </a:defRPr>
-            </a:lvl6pPr>
-            <a:lvl7pPr marL="2971800" indent="-228600" defTabSz="449263" eaLnBrk="0" fontAlgn="base" hangingPunct="0">
-              <a:spcBef>
-                <a:spcPct val="20000"/>
-              </a:spcBef>
-              <a:spcAft>
-                <a:spcPct val="0"/>
-              </a:spcAft>
-              <a:buFont typeface="Wingdings" pitchFamily="2" charset="2"/>
-              <a:buChar char="§"/>
-              <a:defRPr sz="1600">
-                <a:solidFill>
-                  <a:schemeClr val="tx1"/>
-                </a:solidFill>
-                <a:latin typeface="Arial" charset="0"/>
-                <a:ea typeface="ＭＳ Ｐゴシック" pitchFamily="34" charset="-128"/>
-              </a:defRPr>
-            </a:lvl7pPr>
-            <a:lvl8pPr marL="3429000" indent="-228600" defTabSz="449263" eaLnBrk="0" fontAlgn="base" hangingPunct="0">
-              <a:spcBef>
-                <a:spcPct val="20000"/>
-              </a:spcBef>
-              <a:spcAft>
-                <a:spcPct val="0"/>
-              </a:spcAft>
-              <a:buFont typeface="Wingdings" pitchFamily="2" charset="2"/>
-              <a:buChar char="§"/>
-              <a:defRPr sz="1600">
-                <a:solidFill>
-                  <a:schemeClr val="tx1"/>
-                </a:solidFill>
-                <a:latin typeface="Arial" charset="0"/>
-                <a:ea typeface="ＭＳ Ｐゴシック" pitchFamily="34" charset="-128"/>
-              </a:defRPr>
-            </a:lvl8pPr>
-            <a:lvl9pPr marL="3886200" indent="-228600" defTabSz="449263" eaLnBrk="0" fontAlgn="base" hangingPunct="0">
-              <a:spcBef>
-                <a:spcPct val="20000"/>
-              </a:spcBef>
-              <a:spcAft>
-                <a:spcPct val="0"/>
-              </a:spcAft>
-              <a:buFont typeface="Wingdings" pitchFamily="2" charset="2"/>
-              <a:buChar char="§"/>
-              <a:defRPr sz="1600">
-                <a:solidFill>
-                  <a:schemeClr val="tx1"/>
-                </a:solidFill>
-                <a:latin typeface="Arial" charset="0"/>
-                <a:ea typeface="ＭＳ Ｐゴシック" pitchFamily="34" charset="-128"/>
-              </a:defRPr>
-            </a:lvl9pPr>
-          </a:lstStyle>
-          <a:p>
-            <a:pPr algn="ctr">
-              <a:spcBef>
-                <a:spcPct val="0"/>
-              </a:spcBef>
-              <a:buSzTx/>
-              <a:buFont typeface="Arial" charset="0"/>
-              <a:buNone/>
-            </a:pPr>
-            <a:r>
-              <a:rPr lang="en-US" altLang="de-DE" sz="1800"/>
-              <a:t/>
-            </a:r>
-            <a:br>
-              <a:rPr lang="en-US" altLang="de-DE" sz="1800"/>
-            </a:br>
-            <a:endParaRPr lang="en-US" altLang="de-DE" sz="1800"/>
-          </a:p>
-        </p:txBody>
-      </p:sp>
-      <p:sp>
-        <p:nvSpPr>
-          <p:cNvPr id="2" name="Textfeld 1"/>
-          <p:cNvSpPr txBox="1"/>
-          <p:nvPr/>
-        </p:nvSpPr>
-        <p:spPr>
-          <a:xfrm>
-            <a:off x="3925874" y="3738326"/>
-            <a:ext cx="864096" cy="607602"/>
-          </a:xfrm>
-          <a:prstGeom prst="rect">
-            <a:avLst/>
-          </a:prstGeom>
-          <a:noFill/>
-        </p:spPr>
-        <p:txBody>
-          <a:bodyPr wrap="square" rtlCol="0">
-            <a:spAutoFit/>
-          </a:bodyPr>
-          <a:lstStyle/>
-          <a:p>
-            <a:r>
-              <a:rPr lang="de-DE" b="1" dirty="0" smtClean="0"/>
-              <a:t>C</a:t>
-            </a:r>
-            <a:br>
-              <a:rPr lang="de-DE" b="1" dirty="0" smtClean="0"/>
-            </a:br>
-            <a:r>
-              <a:rPr lang="de-DE" b="1" dirty="0" smtClean="0"/>
-              <a:t>1972</a:t>
-            </a:r>
-            <a:endParaRPr lang="en-US" b="1" dirty="0"/>
-          </a:p>
-        </p:txBody>
-      </p:sp>
-      <p:sp>
-        <p:nvSpPr>
-          <p:cNvPr id="9" name="Textfeld 8"/>
-          <p:cNvSpPr txBox="1"/>
-          <p:nvPr/>
-        </p:nvSpPr>
-        <p:spPr>
-          <a:xfrm>
-            <a:off x="5187961" y="5302766"/>
-            <a:ext cx="1071736" cy="607602"/>
-          </a:xfrm>
-          <a:prstGeom prst="rect">
-            <a:avLst/>
-          </a:prstGeom>
-          <a:noFill/>
-        </p:spPr>
-        <p:txBody>
-          <a:bodyPr wrap="square" rtlCol="0">
-            <a:spAutoFit/>
-          </a:bodyPr>
-          <a:lstStyle/>
-          <a:p>
-            <a:r>
-              <a:rPr lang="de-DE" b="1" dirty="0" smtClean="0"/>
-              <a:t>ANSI C</a:t>
-            </a:r>
-          </a:p>
-          <a:p>
-            <a:r>
-              <a:rPr lang="de-DE" b="1" dirty="0" smtClean="0"/>
-              <a:t>1989</a:t>
-            </a:r>
-            <a:endParaRPr lang="en-US" b="1" dirty="0"/>
-          </a:p>
-        </p:txBody>
-      </p:sp>
-      <p:sp>
-        <p:nvSpPr>
-          <p:cNvPr id="10" name="Textfeld 9"/>
-          <p:cNvSpPr txBox="1"/>
-          <p:nvPr/>
-        </p:nvSpPr>
-        <p:spPr>
-          <a:xfrm>
-            <a:off x="3851919" y="4832493"/>
-            <a:ext cx="1012005" cy="607602"/>
-          </a:xfrm>
-          <a:prstGeom prst="rect">
-            <a:avLst/>
-          </a:prstGeom>
-          <a:noFill/>
-        </p:spPr>
-        <p:txBody>
-          <a:bodyPr wrap="square" rtlCol="0">
-            <a:spAutoFit/>
-          </a:bodyPr>
-          <a:lstStyle/>
-          <a:p>
-            <a:r>
-              <a:rPr lang="de-DE" b="1" dirty="0" smtClean="0"/>
-              <a:t>C++</a:t>
-            </a:r>
-            <a:br>
-              <a:rPr lang="de-DE" b="1" dirty="0" smtClean="0"/>
-            </a:br>
-            <a:r>
-              <a:rPr lang="de-DE" b="1" dirty="0" smtClean="0"/>
-              <a:t>1980/85</a:t>
-            </a:r>
-            <a:endParaRPr lang="en-US" b="1" dirty="0"/>
-          </a:p>
-        </p:txBody>
-      </p:sp>
-      <p:cxnSp>
-        <p:nvCxnSpPr>
-          <p:cNvPr id="4" name="Gerade Verbindung mit Pfeil 3"/>
-          <p:cNvCxnSpPr>
-            <a:stCxn id="2" idx="2"/>
-            <a:endCxn id="10" idx="0"/>
-          </p:cNvCxnSpPr>
-          <p:nvPr/>
-        </p:nvCxnSpPr>
-        <p:spPr bwMode="auto">
-          <a:xfrm>
-            <a:off x="4357922" y="4345928"/>
-            <a:ext cx="0" cy="486565"/>
-          </a:xfrm>
-          <a:prstGeom prst="straightConnector1">
-            <a:avLst/>
-          </a:prstGeom>
-          <a:solidFill>
-            <a:schemeClr val="accent1"/>
-          </a:solidFill>
-          <a:ln w="9525" cap="flat" cmpd="sng" algn="ctr">
-            <a:solidFill>
-              <a:schemeClr val="tx1"/>
-            </a:solidFill>
-            <a:prstDash val="solid"/>
-            <a:round/>
-            <a:headEnd type="none" w="med" len="med"/>
-            <a:tailEnd type="triangle"/>
-          </a:ln>
-          <a:effectLst/>
-        </p:spPr>
-      </p:cxnSp>
-      <p:cxnSp>
-        <p:nvCxnSpPr>
-          <p:cNvPr id="15" name="Gerade Verbindung mit Pfeil 14"/>
-          <p:cNvCxnSpPr>
-            <a:stCxn id="2" idx="2"/>
-            <a:endCxn id="9" idx="0"/>
-          </p:cNvCxnSpPr>
-          <p:nvPr/>
-        </p:nvCxnSpPr>
-        <p:spPr bwMode="auto">
-          <a:xfrm>
-            <a:off x="4357922" y="4345928"/>
-            <a:ext cx="1365907" cy="956838"/>
-          </a:xfrm>
-          <a:prstGeom prst="straightConnector1">
-            <a:avLst/>
-          </a:prstGeom>
-          <a:solidFill>
-            <a:schemeClr val="accent1"/>
-          </a:solidFill>
-          <a:ln w="9525" cap="flat" cmpd="sng" algn="ctr">
-            <a:solidFill>
-              <a:schemeClr val="tx1"/>
-            </a:solidFill>
-            <a:prstDash val="solid"/>
-            <a:round/>
-            <a:headEnd type="none" w="med" len="med"/>
-            <a:tailEnd type="triangle"/>
-          </a:ln>
-          <a:effectLst/>
-        </p:spPr>
-      </p:cxnSp>
-      <p:cxnSp>
-        <p:nvCxnSpPr>
-          <p:cNvPr id="19" name="Gerade Verbindung mit Pfeil 18"/>
-          <p:cNvCxnSpPr>
-            <a:stCxn id="10" idx="2"/>
-            <a:endCxn id="22" idx="0"/>
-          </p:cNvCxnSpPr>
-          <p:nvPr/>
-        </p:nvCxnSpPr>
-        <p:spPr bwMode="auto">
-          <a:xfrm>
-            <a:off x="4357922" y="5440095"/>
-            <a:ext cx="2403" cy="471443"/>
-          </a:xfrm>
-          <a:prstGeom prst="straightConnector1">
-            <a:avLst/>
-          </a:prstGeom>
-          <a:solidFill>
-            <a:schemeClr val="accent1"/>
-          </a:solidFill>
-          <a:ln w="9525" cap="flat" cmpd="sng" algn="ctr">
-            <a:solidFill>
-              <a:schemeClr val="tx1"/>
-            </a:solidFill>
-            <a:prstDash val="solid"/>
-            <a:round/>
-            <a:headEnd type="none" w="med" len="med"/>
-            <a:tailEnd type="triangle"/>
-          </a:ln>
-          <a:effectLst/>
-        </p:spPr>
-      </p:cxnSp>
-      <p:sp>
-        <p:nvSpPr>
-          <p:cNvPr id="22" name="Textfeld 21"/>
-          <p:cNvSpPr txBox="1"/>
-          <p:nvPr/>
-        </p:nvSpPr>
-        <p:spPr>
-          <a:xfrm>
-            <a:off x="3892273" y="5911538"/>
-            <a:ext cx="936104" cy="607602"/>
-          </a:xfrm>
-          <a:prstGeom prst="rect">
-            <a:avLst/>
-          </a:prstGeom>
-          <a:noFill/>
-        </p:spPr>
-        <p:txBody>
-          <a:bodyPr wrap="square" rtlCol="0">
-            <a:spAutoFit/>
-          </a:bodyPr>
-          <a:lstStyle/>
-          <a:p>
-            <a:r>
-              <a:rPr lang="de-DE" b="1" dirty="0" smtClean="0"/>
-              <a:t>Java 1995</a:t>
-            </a:r>
-            <a:endParaRPr lang="en-US" b="1" dirty="0"/>
-          </a:p>
-        </p:txBody>
-      </p:sp>
-      <p:cxnSp>
-        <p:nvCxnSpPr>
-          <p:cNvPr id="32" name="Gerade Verbindung mit Pfeil 31"/>
-          <p:cNvCxnSpPr>
-            <a:stCxn id="10" idx="3"/>
-            <a:endCxn id="9" idx="0"/>
-          </p:cNvCxnSpPr>
-          <p:nvPr/>
-        </p:nvCxnSpPr>
-        <p:spPr bwMode="auto">
-          <a:xfrm>
-            <a:off x="4863924" y="5136294"/>
-            <a:ext cx="859905" cy="166472"/>
-          </a:xfrm>
-          <a:prstGeom prst="straightConnector1">
-            <a:avLst/>
-          </a:prstGeom>
-          <a:solidFill>
-            <a:schemeClr val="accent1"/>
-          </a:solidFill>
-          <a:ln w="9525" cap="flat" cmpd="sng" algn="ctr">
-            <a:solidFill>
-              <a:schemeClr val="tx1"/>
-            </a:solidFill>
-            <a:prstDash val="solid"/>
-            <a:round/>
-            <a:headEnd type="none" w="med" len="med"/>
-            <a:tailEnd type="triangle"/>
-          </a:ln>
-          <a:effectLst/>
-        </p:spPr>
-      </p:cxnSp>
-      <p:sp>
-        <p:nvSpPr>
-          <p:cNvPr id="37" name="Textfeld 36"/>
-          <p:cNvSpPr txBox="1"/>
-          <p:nvPr/>
-        </p:nvSpPr>
-        <p:spPr>
-          <a:xfrm>
-            <a:off x="3925874" y="2828208"/>
-            <a:ext cx="864096" cy="607602"/>
-          </a:xfrm>
-          <a:prstGeom prst="rect">
-            <a:avLst/>
-          </a:prstGeom>
-          <a:noFill/>
-        </p:spPr>
-        <p:txBody>
-          <a:bodyPr wrap="square" rtlCol="0">
-            <a:spAutoFit/>
-          </a:bodyPr>
-          <a:lstStyle/>
-          <a:p>
-            <a:r>
-              <a:rPr lang="de-DE" b="1" dirty="0"/>
-              <a:t>B</a:t>
-            </a:r>
-            <a:r>
-              <a:rPr lang="de-DE" b="1" dirty="0" smtClean="0"/>
-              <a:t/>
-            </a:r>
-            <a:br>
-              <a:rPr lang="de-DE" b="1" dirty="0" smtClean="0"/>
-            </a:br>
-            <a:r>
-              <a:rPr lang="de-DE" b="1" dirty="0" smtClean="0"/>
-              <a:t>1969</a:t>
-            </a:r>
-            <a:endParaRPr lang="en-US" b="1" dirty="0"/>
-          </a:p>
-        </p:txBody>
-      </p:sp>
-      <p:cxnSp>
-        <p:nvCxnSpPr>
-          <p:cNvPr id="31" name="Gerade Verbindung mit Pfeil 30"/>
-          <p:cNvCxnSpPr>
-            <a:stCxn id="37" idx="2"/>
-            <a:endCxn id="2" idx="0"/>
-          </p:cNvCxnSpPr>
-          <p:nvPr/>
-        </p:nvCxnSpPr>
-        <p:spPr bwMode="auto">
-          <a:xfrm>
-            <a:off x="4357922" y="3435810"/>
-            <a:ext cx="0" cy="302516"/>
-          </a:xfrm>
-          <a:prstGeom prst="straightConnector1">
-            <a:avLst/>
-          </a:prstGeom>
-          <a:solidFill>
-            <a:schemeClr val="accent1"/>
-          </a:solidFill>
-          <a:ln w="9525" cap="flat" cmpd="sng" algn="ctr">
-            <a:solidFill>
-              <a:schemeClr val="tx1"/>
-            </a:solidFill>
-            <a:prstDash val="solid"/>
-            <a:round/>
-            <a:headEnd type="none" w="med" len="med"/>
-            <a:tailEnd type="triangle"/>
-          </a:ln>
-          <a:effectLst/>
-        </p:spPr>
-      </p:cxnSp>
-      <p:sp>
-        <p:nvSpPr>
-          <p:cNvPr id="41" name="Textfeld 40"/>
-          <p:cNvSpPr txBox="1"/>
-          <p:nvPr/>
-        </p:nvSpPr>
-        <p:spPr>
-          <a:xfrm>
-            <a:off x="2541898" y="2418844"/>
-            <a:ext cx="1080120" cy="607602"/>
-          </a:xfrm>
-          <a:prstGeom prst="rect">
-            <a:avLst/>
-          </a:prstGeom>
-          <a:noFill/>
-        </p:spPr>
-        <p:txBody>
-          <a:bodyPr wrap="square" rtlCol="0">
-            <a:spAutoFit/>
-          </a:bodyPr>
-          <a:lstStyle/>
-          <a:p>
-            <a:r>
-              <a:rPr lang="de-DE" b="1" dirty="0" smtClean="0"/>
-              <a:t>Algol 58/60/68</a:t>
-            </a:r>
-            <a:endParaRPr lang="en-US" b="1" dirty="0"/>
-          </a:p>
-        </p:txBody>
-      </p:sp>
-      <p:cxnSp>
-        <p:nvCxnSpPr>
-          <p:cNvPr id="42" name="Gerade Verbindung mit Pfeil 41"/>
-          <p:cNvCxnSpPr>
-            <a:stCxn id="41" idx="2"/>
-            <a:endCxn id="2" idx="0"/>
-          </p:cNvCxnSpPr>
-          <p:nvPr/>
-        </p:nvCxnSpPr>
-        <p:spPr bwMode="auto">
-          <a:xfrm>
-            <a:off x="3081958" y="3026446"/>
-            <a:ext cx="1275964" cy="711880"/>
-          </a:xfrm>
-          <a:prstGeom prst="straightConnector1">
-            <a:avLst/>
-          </a:prstGeom>
-          <a:solidFill>
-            <a:schemeClr val="accent1"/>
-          </a:solidFill>
-          <a:ln w="9525" cap="flat" cmpd="sng" algn="ctr">
-            <a:solidFill>
-              <a:schemeClr val="tx1"/>
-            </a:solidFill>
-            <a:prstDash val="solid"/>
-            <a:round/>
-            <a:headEnd type="none" w="med" len="med"/>
-            <a:tailEnd type="triangle"/>
-          </a:ln>
-          <a:effectLst/>
-        </p:spPr>
-      </p:cxnSp>
-      <p:sp>
-        <p:nvSpPr>
-          <p:cNvPr id="47" name="Textfeld 46"/>
-          <p:cNvSpPr txBox="1"/>
-          <p:nvPr/>
-        </p:nvSpPr>
-        <p:spPr>
-          <a:xfrm>
-            <a:off x="755576" y="1675518"/>
-            <a:ext cx="1526046" cy="607602"/>
-          </a:xfrm>
-          <a:prstGeom prst="rect">
-            <a:avLst/>
-          </a:prstGeom>
-          <a:noFill/>
-        </p:spPr>
-        <p:txBody>
-          <a:bodyPr wrap="square" rtlCol="0">
-            <a:spAutoFit/>
-          </a:bodyPr>
-          <a:lstStyle/>
-          <a:p>
-            <a:r>
-              <a:rPr lang="de-DE" b="1" dirty="0" smtClean="0"/>
-              <a:t>FORTRAN I</a:t>
-            </a:r>
-            <a:br>
-              <a:rPr lang="de-DE" b="1" dirty="0" smtClean="0"/>
-            </a:br>
-            <a:r>
-              <a:rPr lang="de-DE" b="1" dirty="0" smtClean="0"/>
-              <a:t>1957</a:t>
-            </a:r>
-            <a:endParaRPr lang="en-US" b="1" dirty="0"/>
-          </a:p>
-        </p:txBody>
-      </p:sp>
-      <p:cxnSp>
-        <p:nvCxnSpPr>
-          <p:cNvPr id="44" name="Gerade Verbindung mit Pfeil 43"/>
-          <p:cNvCxnSpPr>
-            <a:stCxn id="47" idx="2"/>
-            <a:endCxn id="41" idx="1"/>
-          </p:cNvCxnSpPr>
-          <p:nvPr/>
-        </p:nvCxnSpPr>
-        <p:spPr bwMode="auto">
-          <a:xfrm>
-            <a:off x="1518599" y="2283120"/>
-            <a:ext cx="1023299" cy="439525"/>
-          </a:xfrm>
-          <a:prstGeom prst="straightConnector1">
-            <a:avLst/>
-          </a:prstGeom>
-          <a:solidFill>
-            <a:schemeClr val="accent1"/>
-          </a:solidFill>
-          <a:ln w="9525" cap="flat" cmpd="sng" algn="ctr">
-            <a:solidFill>
-              <a:schemeClr val="tx1"/>
-            </a:solidFill>
-            <a:prstDash val="solid"/>
-            <a:round/>
-            <a:headEnd type="none" w="med" len="med"/>
-            <a:tailEnd type="triangle"/>
-          </a:ln>
-          <a:effectLst/>
-        </p:spPr>
-      </p:cxnSp>
-      <p:sp>
-        <p:nvSpPr>
-          <p:cNvPr id="53" name="Textfeld 52"/>
-          <p:cNvSpPr txBox="1"/>
-          <p:nvPr/>
-        </p:nvSpPr>
-        <p:spPr>
-          <a:xfrm>
-            <a:off x="3925874" y="2005747"/>
-            <a:ext cx="864096" cy="607602"/>
-          </a:xfrm>
-          <a:prstGeom prst="rect">
-            <a:avLst/>
-          </a:prstGeom>
-          <a:noFill/>
-        </p:spPr>
-        <p:txBody>
-          <a:bodyPr wrap="square" rtlCol="0">
-            <a:spAutoFit/>
-          </a:bodyPr>
-          <a:lstStyle/>
-          <a:p>
-            <a:r>
-              <a:rPr lang="de-DE" b="1" dirty="0" smtClean="0"/>
-              <a:t>BCPL</a:t>
-            </a:r>
-            <a:br>
-              <a:rPr lang="de-DE" b="1" dirty="0" smtClean="0"/>
-            </a:br>
-            <a:r>
-              <a:rPr lang="de-DE" b="1" dirty="0" smtClean="0"/>
-              <a:t>1967</a:t>
-            </a:r>
-            <a:endParaRPr lang="en-US" b="1" dirty="0"/>
-          </a:p>
-        </p:txBody>
-      </p:sp>
-      <p:sp>
-        <p:nvSpPr>
-          <p:cNvPr id="54" name="Textfeld 53"/>
-          <p:cNvSpPr txBox="1"/>
-          <p:nvPr/>
-        </p:nvSpPr>
-        <p:spPr>
-          <a:xfrm>
-            <a:off x="3925874" y="1208537"/>
-            <a:ext cx="864096" cy="607602"/>
-          </a:xfrm>
-          <a:prstGeom prst="rect">
-            <a:avLst/>
-          </a:prstGeom>
-          <a:solidFill>
-            <a:schemeClr val="bg1"/>
-          </a:solidFill>
-        </p:spPr>
-        <p:txBody>
-          <a:bodyPr wrap="square" rtlCol="0">
-            <a:spAutoFit/>
-          </a:bodyPr>
-          <a:lstStyle/>
-          <a:p>
-            <a:r>
-              <a:rPr lang="de-DE" b="1" dirty="0" smtClean="0"/>
-              <a:t>CPL</a:t>
-            </a:r>
-            <a:br>
-              <a:rPr lang="de-DE" b="1" dirty="0" smtClean="0"/>
-            </a:br>
-            <a:r>
-              <a:rPr lang="de-DE" b="1" dirty="0" smtClean="0"/>
-              <a:t>1963</a:t>
-            </a:r>
-            <a:endParaRPr lang="en-US" b="1" dirty="0"/>
-          </a:p>
-        </p:txBody>
-      </p:sp>
-      <p:cxnSp>
-        <p:nvCxnSpPr>
-          <p:cNvPr id="59" name="Gerade Verbindung mit Pfeil 58"/>
-          <p:cNvCxnSpPr>
-            <a:stCxn id="53" idx="2"/>
-            <a:endCxn id="37" idx="0"/>
-          </p:cNvCxnSpPr>
-          <p:nvPr/>
-        </p:nvCxnSpPr>
-        <p:spPr bwMode="auto">
-          <a:xfrm>
-            <a:off x="4357922" y="2613349"/>
-            <a:ext cx="0" cy="214859"/>
-          </a:xfrm>
-          <a:prstGeom prst="straightConnector1">
-            <a:avLst/>
-          </a:prstGeom>
-          <a:solidFill>
-            <a:schemeClr val="accent1"/>
-          </a:solidFill>
-          <a:ln w="9525" cap="flat" cmpd="sng" algn="ctr">
-            <a:solidFill>
-              <a:schemeClr val="tx1"/>
-            </a:solidFill>
-            <a:prstDash val="solid"/>
-            <a:round/>
-            <a:headEnd type="none" w="med" len="med"/>
-            <a:tailEnd type="triangle"/>
-          </a:ln>
-          <a:effectLst/>
-        </p:spPr>
-      </p:cxnSp>
-      <p:cxnSp>
-        <p:nvCxnSpPr>
-          <p:cNvPr id="64" name="Gerade Verbindung mit Pfeil 63"/>
-          <p:cNvCxnSpPr>
-            <a:stCxn id="54" idx="2"/>
-            <a:endCxn id="53" idx="0"/>
-          </p:cNvCxnSpPr>
-          <p:nvPr/>
-        </p:nvCxnSpPr>
-        <p:spPr bwMode="auto">
-          <a:xfrm>
-            <a:off x="4357922" y="1816139"/>
-            <a:ext cx="0" cy="189608"/>
-          </a:xfrm>
-          <a:prstGeom prst="straightConnector1">
-            <a:avLst/>
-          </a:prstGeom>
-          <a:solidFill>
-            <a:schemeClr val="accent1"/>
-          </a:solidFill>
-          <a:ln w="9525" cap="flat" cmpd="sng" algn="ctr">
-            <a:solidFill>
-              <a:schemeClr val="tx1"/>
-            </a:solidFill>
-            <a:prstDash val="solid"/>
-            <a:round/>
-            <a:headEnd type="none" w="med" len="med"/>
-            <a:tailEnd type="triangle"/>
-          </a:ln>
-          <a:effectLst/>
-        </p:spPr>
-      </p:cxnSp>
-      <p:pic>
-        <p:nvPicPr>
-          <p:cNvPr id="28676" name="Picture 4" descr="http://upload.wikimedia.org/wikipedia/commons/thumb/9/95/The_C_Programming_Language%2C_First_Edition_Cover_%282%29.svg/546px-The_C_Programming_Language%2C_First_Edition_Cover_%282%29.svg.png"/>
-          <p:cNvPicPr>
-            <a:picLocks noChangeAspect="1" noChangeArrowheads="1"/>
-          </p:cNvPicPr>
-          <p:nvPr/>
-        </p:nvPicPr>
-        <p:blipFill>
-          <a:blip r:embed="rId3" cstate="print">
-            <a:extLst>
-              <a:ext uri="{28A0092B-C50C-407E-A947-70E740481C1C}">
-                <a14:useLocalDpi xmlns:a14="http://schemas.microsoft.com/office/drawing/2010/main" val="0"/>
-              </a:ext>
-            </a:extLst>
-          </a:blip>
-          <a:srcRect/>
-          <a:stretch>
-            <a:fillRect/>
-          </a:stretch>
-        </p:blipFill>
-        <p:spPr bwMode="auto">
-          <a:xfrm>
-            <a:off x="4743022" y="3590098"/>
-            <a:ext cx="675483" cy="948893"/>
-          </a:xfrm>
-          <a:prstGeom prst="rect">
-            <a:avLst/>
-          </a:prstGeom>
-          <a:noFill/>
-          <a:extLst>
-            <a:ext uri="{909E8E84-426E-40DD-AFC4-6F175D3DCCD1}">
-              <a14:hiddenFill xmlns:a14="http://schemas.microsoft.com/office/drawing/2010/main">
-                <a:solidFill>
-                  <a:srgbClr val="FFFFFF"/>
-                </a:solidFill>
-              </a14:hiddenFill>
-            </a:ext>
-          </a:extLst>
-        </p:spPr>
-      </p:pic>
-      <p:sp>
-        <p:nvSpPr>
-          <p:cNvPr id="71" name="Abgerundete rechteckige Legende 70"/>
-          <p:cNvSpPr/>
-          <p:nvPr/>
-        </p:nvSpPr>
-        <p:spPr>
-          <a:xfrm>
-            <a:off x="5889714" y="3825343"/>
-            <a:ext cx="2448272" cy="539579"/>
-          </a:xfrm>
-          <a:prstGeom prst="wedgeRoundRectCallout">
-            <a:avLst>
-              <a:gd name="adj1" fmla="val -67727"/>
-              <a:gd name="adj2" fmla="val -29444"/>
-              <a:gd name="adj3" fmla="val 16667"/>
-            </a:avLst>
-          </a:prstGeom>
-          <a:solidFill>
-            <a:schemeClr val="tx1"/>
-          </a:solidFill>
-          <a:ln>
-            <a:solidFill>
-              <a:schemeClr val="tx1"/>
-            </a:solidFill>
-          </a:ln>
-        </p:spPr>
-        <p:style>
-          <a:lnRef idx="1">
-            <a:schemeClr val="dk1"/>
-          </a:lnRef>
-          <a:fillRef idx="3">
-            <a:schemeClr val="dk1"/>
-          </a:fillRef>
-          <a:effectRef idx="2">
-            <a:schemeClr val="dk1"/>
-          </a:effectRef>
-          <a:fontRef idx="minor">
-            <a:schemeClr val="lt1"/>
-          </a:fontRef>
-        </p:style>
-        <p:txBody>
-          <a:bodyPr anchor="ctr"/>
-          <a:lstStyle/>
-          <a:p>
-            <a:pPr>
-              <a:defRPr/>
-            </a:pPr>
-            <a:r>
-              <a:rPr lang="de-DE" sz="1600" i="1" dirty="0" smtClean="0">
-                <a:solidFill>
-                  <a:schemeClr val="bg1"/>
-                </a:solidFill>
-              </a:rPr>
-              <a:t>The White Book</a:t>
-            </a:r>
-            <a:r>
-              <a:rPr lang="de-DE" sz="1600" dirty="0" smtClean="0">
-                <a:solidFill>
-                  <a:schemeClr val="bg1"/>
-                </a:solidFill>
-              </a:rPr>
-              <a:t> von </a:t>
-            </a:r>
-            <a:r>
-              <a:rPr lang="de-DE" sz="1600" dirty="0" err="1" smtClean="0">
-                <a:solidFill>
-                  <a:schemeClr val="bg1"/>
-                </a:solidFill>
-              </a:rPr>
-              <a:t>Kernighan</a:t>
-            </a:r>
-            <a:r>
-              <a:rPr lang="de-DE" sz="1600" dirty="0" smtClean="0">
-                <a:solidFill>
-                  <a:schemeClr val="bg1"/>
-                </a:solidFill>
-              </a:rPr>
-              <a:t> &amp; </a:t>
-            </a:r>
-            <a:r>
-              <a:rPr lang="de-DE" sz="1600" dirty="0" err="1" smtClean="0">
-                <a:solidFill>
-                  <a:schemeClr val="bg1"/>
-                </a:solidFill>
-              </a:rPr>
-              <a:t>Ritchie</a:t>
-            </a:r>
-            <a:endParaRPr lang="de-DE" sz="1600" i="1" dirty="0">
-              <a:solidFill>
-                <a:schemeClr val="bg1"/>
-              </a:solidFill>
-            </a:endParaRPr>
-          </a:p>
-        </p:txBody>
-      </p:sp>
-      <p:sp>
-        <p:nvSpPr>
-          <p:cNvPr id="72" name="Abgerundete rechteckige Legende 71"/>
-          <p:cNvSpPr/>
-          <p:nvPr/>
-        </p:nvSpPr>
-        <p:spPr>
-          <a:xfrm>
-            <a:off x="5222018" y="2671051"/>
-            <a:ext cx="2374318" cy="430057"/>
-          </a:xfrm>
-          <a:prstGeom prst="wedgeRoundRectCallout">
-            <a:avLst>
-              <a:gd name="adj1" fmla="val -79828"/>
-              <a:gd name="adj2" fmla="val 28012"/>
-              <a:gd name="adj3" fmla="val 16667"/>
-            </a:avLst>
-          </a:prstGeom>
-          <a:solidFill>
-            <a:schemeClr val="tx1"/>
-          </a:solidFill>
-          <a:ln>
-            <a:solidFill>
-              <a:schemeClr val="tx1"/>
-            </a:solidFill>
-          </a:ln>
-        </p:spPr>
-        <p:style>
-          <a:lnRef idx="1">
-            <a:schemeClr val="dk1"/>
-          </a:lnRef>
-          <a:fillRef idx="3">
-            <a:schemeClr val="dk1"/>
-          </a:fillRef>
-          <a:effectRef idx="2">
-            <a:schemeClr val="dk1"/>
-          </a:effectRef>
-          <a:fontRef idx="minor">
-            <a:schemeClr val="lt1"/>
-          </a:fontRef>
-        </p:style>
-        <p:txBody>
-          <a:bodyPr anchor="ctr"/>
-          <a:lstStyle/>
-          <a:p>
-            <a:pPr>
-              <a:defRPr/>
-            </a:pPr>
-            <a:r>
-              <a:rPr lang="de-DE" sz="1600" dirty="0" smtClean="0">
-                <a:solidFill>
-                  <a:schemeClr val="bg1"/>
-                </a:solidFill>
-              </a:rPr>
-              <a:t>Ken Thompson; </a:t>
-            </a:r>
-            <a:r>
-              <a:rPr lang="de-DE" sz="1600" dirty="0" smtClean="0">
-                <a:solidFill>
-                  <a:schemeClr val="bg1"/>
-                </a:solidFill>
-              </a:rPr>
-              <a:t>erste Fassung von Unix</a:t>
-            </a:r>
-            <a:endParaRPr lang="de-DE" sz="1600" dirty="0">
-              <a:solidFill>
-                <a:schemeClr val="bg1"/>
-              </a:solidFill>
-            </a:endParaRPr>
-          </a:p>
-        </p:txBody>
-      </p:sp>
-      <p:pic>
-        <p:nvPicPr>
-          <p:cNvPr id="28678" name="Picture 6" descr="http://www.cs.uah.edu/%7Ercoleman/Common/History/Images/CPPHistory07.jpg"/>
-          <p:cNvPicPr>
-            <a:picLocks noChangeAspect="1" noChangeArrowheads="1"/>
-          </p:cNvPicPr>
-          <p:nvPr/>
-        </p:nvPicPr>
-        <p:blipFill rotWithShape="1">
-          <a:blip r:embed="rId4" cstate="print">
-            <a:extLst>
-              <a:ext uri="{28A0092B-C50C-407E-A947-70E740481C1C}">
-                <a14:useLocalDpi xmlns:a14="http://schemas.microsoft.com/office/drawing/2010/main" val="0"/>
-              </a:ext>
-            </a:extLst>
-          </a:blip>
-          <a:srcRect b="8972"/>
-          <a:stretch/>
-        </p:blipFill>
-        <p:spPr bwMode="auto">
-          <a:xfrm>
-            <a:off x="3258889" y="4617293"/>
-            <a:ext cx="659373" cy="932185"/>
-          </a:xfrm>
-          <a:prstGeom prst="rect">
-            <a:avLst/>
-          </a:prstGeom>
-          <a:noFill/>
-          <a:extLst>
-            <a:ext uri="{909E8E84-426E-40DD-AFC4-6F175D3DCCD1}">
-              <a14:hiddenFill xmlns:a14="http://schemas.microsoft.com/office/drawing/2010/main">
-                <a:solidFill>
-                  <a:srgbClr val="FFFFFF"/>
-                </a:solidFill>
-              </a14:hiddenFill>
-            </a:ext>
-          </a:extLst>
-        </p:spPr>
-      </p:pic>
-      <p:sp>
-        <p:nvSpPr>
-          <p:cNvPr id="74" name="Abgerundete rechteckige Legende 73"/>
-          <p:cNvSpPr/>
-          <p:nvPr/>
-        </p:nvSpPr>
-        <p:spPr>
-          <a:xfrm>
-            <a:off x="370624" y="4596909"/>
-            <a:ext cx="2392213" cy="769899"/>
-          </a:xfrm>
-          <a:prstGeom prst="wedgeRoundRectCallout">
-            <a:avLst>
-              <a:gd name="adj1" fmla="val 68510"/>
-              <a:gd name="adj2" fmla="val -15993"/>
-              <a:gd name="adj3" fmla="val 16667"/>
-            </a:avLst>
-          </a:prstGeom>
-          <a:solidFill>
-            <a:schemeClr val="tx1"/>
-          </a:solidFill>
-          <a:ln>
-            <a:solidFill>
-              <a:schemeClr val="tx1"/>
-            </a:solidFill>
-          </a:ln>
-        </p:spPr>
-        <p:style>
-          <a:lnRef idx="1">
-            <a:schemeClr val="dk1"/>
-          </a:lnRef>
-          <a:fillRef idx="3">
-            <a:schemeClr val="dk1"/>
-          </a:fillRef>
-          <a:effectRef idx="2">
-            <a:schemeClr val="dk1"/>
-          </a:effectRef>
-          <a:fontRef idx="minor">
-            <a:schemeClr val="lt1"/>
-          </a:fontRef>
-        </p:style>
-        <p:txBody>
-          <a:bodyPr anchor="ctr"/>
-          <a:lstStyle/>
-          <a:p>
-            <a:pPr>
-              <a:defRPr/>
-            </a:pPr>
-            <a:r>
-              <a:rPr lang="de-DE" sz="1600" i="1" dirty="0" smtClean="0">
-                <a:solidFill>
-                  <a:schemeClr val="bg1"/>
-                </a:solidFill>
-              </a:rPr>
-              <a:t>The C++ </a:t>
-            </a:r>
-            <a:r>
-              <a:rPr lang="de-DE" sz="1600" i="1" dirty="0" err="1" smtClean="0">
-                <a:solidFill>
-                  <a:schemeClr val="bg1"/>
-                </a:solidFill>
-              </a:rPr>
-              <a:t>Programming</a:t>
-            </a:r>
-            <a:r>
-              <a:rPr lang="de-DE" sz="1600" i="1" dirty="0" smtClean="0">
-                <a:solidFill>
-                  <a:schemeClr val="bg1"/>
-                </a:solidFill>
-              </a:rPr>
-              <a:t> Language</a:t>
-            </a:r>
-            <a:r>
-              <a:rPr lang="de-DE" sz="1600" dirty="0" smtClean="0">
-                <a:solidFill>
-                  <a:schemeClr val="bg1"/>
-                </a:solidFill>
-              </a:rPr>
-              <a:t> von Bjarne </a:t>
-            </a:r>
-            <a:r>
-              <a:rPr lang="de-DE" sz="1600" dirty="0" err="1" smtClean="0">
-                <a:solidFill>
-                  <a:schemeClr val="bg1"/>
-                </a:solidFill>
-              </a:rPr>
-              <a:t>Stroustroup</a:t>
-            </a:r>
-            <a:endParaRPr lang="de-DE" sz="1600" i="1" dirty="0">
-              <a:solidFill>
-                <a:schemeClr val="bg1"/>
-              </a:solidFill>
-            </a:endParaRPr>
-          </a:p>
-        </p:txBody>
-      </p:sp>
-      <p:sp>
-        <p:nvSpPr>
-          <p:cNvPr id="81" name="Abgerundete rechteckige Legende 80"/>
-          <p:cNvSpPr/>
-          <p:nvPr/>
-        </p:nvSpPr>
-        <p:spPr>
-          <a:xfrm>
-            <a:off x="96535" y="2897613"/>
-            <a:ext cx="2208685" cy="658589"/>
-          </a:xfrm>
-          <a:prstGeom prst="wedgeRoundRectCallout">
-            <a:avLst>
-              <a:gd name="adj1" fmla="val -5283"/>
-              <a:gd name="adj2" fmla="val -189661"/>
-              <a:gd name="adj3" fmla="val 16667"/>
-            </a:avLst>
-          </a:prstGeom>
-          <a:solidFill>
-            <a:schemeClr val="tx1"/>
-          </a:solidFill>
-          <a:ln>
-            <a:solidFill>
-              <a:schemeClr val="tx1"/>
-            </a:solidFill>
-          </a:ln>
-        </p:spPr>
-        <p:style>
-          <a:lnRef idx="1">
-            <a:schemeClr val="dk1"/>
-          </a:lnRef>
-          <a:fillRef idx="3">
-            <a:schemeClr val="dk1"/>
-          </a:fillRef>
-          <a:effectRef idx="2">
-            <a:schemeClr val="dk1"/>
-          </a:effectRef>
-          <a:fontRef idx="minor">
-            <a:schemeClr val="lt1"/>
-          </a:fontRef>
-        </p:style>
-        <p:txBody>
-          <a:bodyPr anchor="ctr"/>
-          <a:lstStyle/>
-          <a:p>
-            <a:pPr>
-              <a:defRPr/>
-            </a:pPr>
-            <a:r>
-              <a:rPr lang="de-DE" sz="1600" dirty="0" smtClean="0">
-                <a:solidFill>
-                  <a:schemeClr val="bg1"/>
-                </a:solidFill>
-              </a:rPr>
-              <a:t>Erste höhere Programmiersprache – lebt bis heute!</a:t>
-            </a:r>
-            <a:endParaRPr lang="de-DE" sz="1600" dirty="0">
-              <a:solidFill>
-                <a:schemeClr val="bg1"/>
-              </a:solidFill>
-            </a:endParaRPr>
-          </a:p>
-        </p:txBody>
-      </p:sp>
-      <p:sp>
-        <p:nvSpPr>
-          <p:cNvPr id="82" name="Abgerundete rechteckige Legende 81"/>
-          <p:cNvSpPr/>
-          <p:nvPr/>
-        </p:nvSpPr>
-        <p:spPr>
-          <a:xfrm>
-            <a:off x="5360956" y="5991936"/>
-            <a:ext cx="3661154" cy="399787"/>
-          </a:xfrm>
-          <a:prstGeom prst="wedgeRoundRectCallout">
-            <a:avLst>
-              <a:gd name="adj1" fmla="val -54571"/>
-              <a:gd name="adj2" fmla="val -33080"/>
-              <a:gd name="adj3" fmla="val 16667"/>
-            </a:avLst>
-          </a:prstGeom>
-          <a:solidFill>
-            <a:schemeClr val="tx1"/>
-          </a:solidFill>
-          <a:ln>
-            <a:solidFill>
-              <a:schemeClr val="tx1"/>
-            </a:solidFill>
-          </a:ln>
-        </p:spPr>
-        <p:style>
-          <a:lnRef idx="1">
-            <a:schemeClr val="dk1"/>
-          </a:lnRef>
-          <a:fillRef idx="3">
-            <a:schemeClr val="dk1"/>
-          </a:fillRef>
-          <a:effectRef idx="2">
-            <a:schemeClr val="dk1"/>
-          </a:effectRef>
-          <a:fontRef idx="minor">
-            <a:schemeClr val="lt1"/>
-          </a:fontRef>
-        </p:style>
-        <p:txBody>
-          <a:bodyPr anchor="ctr"/>
-          <a:lstStyle/>
-          <a:p>
-            <a:pPr>
-              <a:defRPr/>
-            </a:pPr>
-            <a:r>
-              <a:rPr lang="de-DE" sz="1600" dirty="0" smtClean="0">
-                <a:solidFill>
-                  <a:schemeClr val="bg1"/>
-                </a:solidFill>
-              </a:rPr>
-              <a:t>James </a:t>
-            </a:r>
-            <a:r>
-              <a:rPr lang="de-DE" sz="1600" dirty="0" err="1" smtClean="0">
-                <a:solidFill>
-                  <a:schemeClr val="bg1"/>
-                </a:solidFill>
-              </a:rPr>
-              <a:t>Gosling</a:t>
-            </a:r>
-            <a:r>
-              <a:rPr lang="de-DE" sz="1600" dirty="0" smtClean="0">
-                <a:solidFill>
-                  <a:schemeClr val="bg1"/>
-                </a:solidFill>
-              </a:rPr>
-              <a:t>, Bill Joy et al. @ SUN</a:t>
-            </a:r>
-            <a:endParaRPr lang="de-DE" sz="1600" dirty="0">
-              <a:solidFill>
-                <a:schemeClr val="bg1"/>
-              </a:solidFill>
-            </a:endParaRPr>
-          </a:p>
-        </p:txBody>
-      </p:sp>
-      <p:sp>
-        <p:nvSpPr>
-          <p:cNvPr id="29" name="Textfeld 28"/>
-          <p:cNvSpPr txBox="1"/>
-          <p:nvPr/>
-        </p:nvSpPr>
-        <p:spPr>
-          <a:xfrm>
-            <a:off x="2583415" y="3984161"/>
-            <a:ext cx="1080120" cy="607602"/>
-          </a:xfrm>
-          <a:prstGeom prst="rect">
-            <a:avLst/>
-          </a:prstGeom>
-          <a:noFill/>
-        </p:spPr>
-        <p:txBody>
-          <a:bodyPr wrap="square" rtlCol="0">
-            <a:spAutoFit/>
-          </a:bodyPr>
-          <a:lstStyle/>
-          <a:p>
-            <a:r>
-              <a:rPr lang="de-DE" b="1" dirty="0" err="1" smtClean="0"/>
-              <a:t>Simula</a:t>
-            </a:r>
-            <a:r>
-              <a:rPr lang="de-DE" b="1" dirty="0" smtClean="0"/>
-              <a:t> 67</a:t>
-            </a:r>
-            <a:endParaRPr lang="en-US" b="1" dirty="0"/>
-          </a:p>
-        </p:txBody>
-      </p:sp>
-      <p:cxnSp>
-        <p:nvCxnSpPr>
-          <p:cNvPr id="30" name="Gerade Verbindung mit Pfeil 29"/>
-          <p:cNvCxnSpPr>
-            <a:stCxn id="29" idx="3"/>
-          </p:cNvCxnSpPr>
-          <p:nvPr/>
-        </p:nvCxnSpPr>
-        <p:spPr bwMode="auto">
-          <a:xfrm>
-            <a:off x="3663535" y="4287962"/>
-            <a:ext cx="548425" cy="536385"/>
-          </a:xfrm>
-          <a:prstGeom prst="straightConnector1">
-            <a:avLst/>
-          </a:prstGeom>
-          <a:solidFill>
-            <a:schemeClr val="accent1"/>
-          </a:solidFill>
-          <a:ln w="9525" cap="flat" cmpd="sng" algn="ctr">
-            <a:solidFill>
-              <a:schemeClr val="tx1"/>
-            </a:solidFill>
-            <a:prstDash val="solid"/>
-            <a:round/>
-            <a:headEnd type="none" w="med" len="med"/>
-            <a:tailEnd type="triangle"/>
-          </a:ln>
-          <a:effectLst/>
-        </p:spPr>
-      </p:cxnSp>
-      <p:sp>
-        <p:nvSpPr>
-          <p:cNvPr id="33" name="Textfeld 32"/>
-          <p:cNvSpPr txBox="1"/>
-          <p:nvPr/>
-        </p:nvSpPr>
-        <p:spPr>
-          <a:xfrm>
-            <a:off x="2374390" y="5549478"/>
-            <a:ext cx="1226082" cy="607602"/>
-          </a:xfrm>
-          <a:prstGeom prst="rect">
-            <a:avLst/>
-          </a:prstGeom>
-          <a:noFill/>
-        </p:spPr>
-        <p:txBody>
-          <a:bodyPr wrap="square" rtlCol="0">
-            <a:spAutoFit/>
-          </a:bodyPr>
-          <a:lstStyle/>
-          <a:p>
-            <a:r>
-              <a:rPr lang="de-DE" b="1" dirty="0" smtClean="0"/>
-              <a:t>Smalltalk</a:t>
-            </a:r>
-            <a:br>
-              <a:rPr lang="de-DE" b="1" dirty="0" smtClean="0"/>
-            </a:br>
-            <a:r>
-              <a:rPr lang="de-DE" b="1" dirty="0" smtClean="0"/>
-              <a:t>1972</a:t>
-            </a:r>
-            <a:endParaRPr lang="en-US" b="1" dirty="0"/>
-          </a:p>
-        </p:txBody>
-      </p:sp>
-      <p:cxnSp>
-        <p:nvCxnSpPr>
-          <p:cNvPr id="34" name="Gerade Verbindung mit Pfeil 33"/>
-          <p:cNvCxnSpPr>
-            <a:stCxn id="33" idx="3"/>
-          </p:cNvCxnSpPr>
-          <p:nvPr/>
-        </p:nvCxnSpPr>
-        <p:spPr bwMode="auto">
-          <a:xfrm>
-            <a:off x="3600472" y="5853279"/>
-            <a:ext cx="439660" cy="57089"/>
-          </a:xfrm>
-          <a:prstGeom prst="straightConnector1">
-            <a:avLst/>
-          </a:prstGeom>
-          <a:solidFill>
-            <a:schemeClr val="accent1"/>
-          </a:solidFill>
-          <a:ln w="9525" cap="flat" cmpd="sng" algn="ctr">
-            <a:solidFill>
-              <a:schemeClr val="tx1"/>
-            </a:solidFill>
-            <a:prstDash val="solid"/>
-            <a:round/>
-            <a:headEnd type="none" w="med" len="med"/>
-            <a:tailEnd type="triangle"/>
-          </a:ln>
-          <a:effectLst/>
-        </p:spPr>
-      </p:cxnSp>
-      <p:pic>
-        <p:nvPicPr>
-          <p:cNvPr id="28674" name="Picture 2" descr="http://upload.wikimedia.org/wikipedia/de/thumb/e/e1/Java-Logo.svg/100px-Java-Logo.svg.png"/>
-          <p:cNvPicPr>
-            <a:picLocks noChangeAspect="1" noChangeArrowheads="1"/>
-          </p:cNvPicPr>
-          <p:nvPr/>
-        </p:nvPicPr>
-        <p:blipFill rotWithShape="1">
-          <a:blip r:embed="rId5">
-            <a:extLst>
-              <a:ext uri="{28A0092B-C50C-407E-A947-70E740481C1C}">
-                <a14:useLocalDpi xmlns:a14="http://schemas.microsoft.com/office/drawing/2010/main" val="0"/>
-              </a:ext>
-            </a:extLst>
-          </a:blip>
-          <a:srcRect b="32926"/>
-          <a:stretch/>
-        </p:blipFill>
-        <p:spPr bwMode="auto">
-          <a:xfrm>
-            <a:off x="4678621" y="5853279"/>
-            <a:ext cx="439154" cy="579353"/>
-          </a:xfrm>
-          <a:prstGeom prst="rect">
-            <a:avLst/>
-          </a:prstGeom>
-          <a:noFill/>
-          <a:extLst>
-            <a:ext uri="{909E8E84-426E-40DD-AFC4-6F175D3DCCD1}">
-              <a14:hiddenFill xmlns:a14="http://schemas.microsoft.com/office/drawing/2010/main">
-                <a:solidFill>
-                  <a:srgbClr val="FFFFFF"/>
-                </a:solidFill>
-              </a14:hiddenFill>
-            </a:ext>
-          </a:extLst>
-        </p:spPr>
-      </p:pic>
-      <p:pic>
-        <p:nvPicPr>
-          <p:cNvPr id="11" name="Picture 4" descr="http://upload.wikimedia.org/wikipedia/de/2/28/Smalltalk-powered.gif"/>
-          <p:cNvPicPr>
-            <a:picLocks noChangeAspect="1" noChangeArrowheads="1"/>
-          </p:cNvPicPr>
-          <p:nvPr/>
-        </p:nvPicPr>
-        <p:blipFill>
-          <a:blip r:embed="rId6">
-            <a:extLst>
-              <a:ext uri="{28A0092B-C50C-407E-A947-70E740481C1C}">
-                <a14:useLocalDpi xmlns:a14="http://schemas.microsoft.com/office/drawing/2010/main" val="0"/>
-              </a:ext>
-            </a:extLst>
-          </a:blip>
-          <a:srcRect/>
-          <a:stretch>
-            <a:fillRect/>
-          </a:stretch>
-        </p:blipFill>
-        <p:spPr bwMode="auto">
-          <a:xfrm>
-            <a:off x="961881" y="5590305"/>
-            <a:ext cx="1476375" cy="533400"/>
-          </a:xfrm>
-          <a:prstGeom prst="rect">
-            <a:avLst/>
-          </a:prstGeom>
-          <a:noFill/>
-          <a:extLst>
-            <a:ext uri="{909E8E84-426E-40DD-AFC4-6F175D3DCCD1}">
-              <a14:hiddenFill xmlns:a14="http://schemas.microsoft.com/office/drawing/2010/main">
-                <a:solidFill>
-                  <a:srgbClr val="FFFFFF"/>
-                </a:solidFill>
-              </a14:hiddenFill>
-            </a:ext>
-          </a:extLst>
-        </p:spPr>
-      </p:pic>
-    </p:spTree>
-    <p:extLst>
-      <p:ext uri="{BB962C8B-B14F-4D97-AF65-F5344CB8AC3E}">
-        <p14:creationId xmlns:p14="http://schemas.microsoft.com/office/powerpoint/2010/main" val="1220814694"/>
-      </p:ext>
-    </p:extLst>
-  </p:cSld>
-  <p:clrMapOvr>
-    <a:masterClrMapping/>
-  </p:clrMapOvr>
-  <p:transition/>
-  <p:timing>
-    <p:tnLst>
-      <p:par>
-        <p:cTn id="1" dur="indefinite" restart="never" nodeType="tmRoot">
-          <p:childTnLst>
-            <p:seq concurrent="1" nextAc="seek">
-              <p:cTn id="2" dur="indefinite" nodeType="mainSeq">
-                <p:childTnLst>
-                  <p:par>
-                    <p:cTn id="3" fill="hold">
-                      <p:stCondLst>
-                        <p:cond delay="indefinite"/>
-                      </p:stCondLst>
-                      <p:childTnLst>
-                        <p:par>
-                          <p:cTn id="4" fill="hold">
-                            <p:stCondLst>
-                              <p:cond delay="0"/>
-                            </p:stCondLst>
-                            <p:childTnLst>
-                              <p:par>
-                                <p:cTn id="5" presetID="10" presetClass="entr" presetSubtype="0" fill="hold" grpId="0" nodeType="clickEffect">
-                                  <p:stCondLst>
-                                    <p:cond delay="0"/>
-                                  </p:stCondLst>
-                                  <p:childTnLst>
-                                    <p:set>
-                                      <p:cBhvr>
-                                        <p:cTn id="6" dur="1" fill="hold">
-                                          <p:stCondLst>
-                                            <p:cond delay="0"/>
-                                          </p:stCondLst>
-                                        </p:cTn>
-                                        <p:tgtEl>
-                                          <p:spTgt spid="71"/>
-                                        </p:tgtEl>
-                                        <p:attrNameLst>
-                                          <p:attrName>style.visibility</p:attrName>
-                                        </p:attrNameLst>
-                                      </p:cBhvr>
-                                      <p:to>
-                                        <p:strVal val="visible"/>
-                                      </p:to>
-                                    </p:set>
-                                    <p:animEffect transition="in" filter="fade">
-                                      <p:cBhvr>
-                                        <p:cTn id="7" dur="500"/>
-                                        <p:tgtEl>
-                                          <p:spTgt spid="71"/>
-                                        </p:tgtEl>
-                                      </p:cBhvr>
-                                    </p:animEffect>
-                                  </p:childTnLst>
-                                </p:cTn>
-                              </p:par>
-                            </p:childTnLst>
-                          </p:cTn>
-                        </p:par>
-                      </p:childTnLst>
-                    </p:cTn>
-                  </p:par>
-                  <p:par>
-                    <p:cTn id="8" fill="hold">
-                      <p:stCondLst>
-                        <p:cond delay="indefinite"/>
-                      </p:stCondLst>
-                      <p:childTnLst>
-                        <p:par>
-                          <p:cTn id="9" fill="hold">
-                            <p:stCondLst>
-                              <p:cond delay="0"/>
-                            </p:stCondLst>
-                            <p:childTnLst>
-                              <p:par>
-                                <p:cTn id="10" presetID="10" presetClass="entr" presetSubtype="0" fill="hold" grpId="0" nodeType="clickEffect">
-                                  <p:stCondLst>
-                                    <p:cond delay="0"/>
-                                  </p:stCondLst>
-                                  <p:childTnLst>
-                                    <p:set>
-                                      <p:cBhvr>
-                                        <p:cTn id="11" dur="1" fill="hold">
-                                          <p:stCondLst>
-                                            <p:cond delay="0"/>
-                                          </p:stCondLst>
-                                        </p:cTn>
-                                        <p:tgtEl>
-                                          <p:spTgt spid="72"/>
-                                        </p:tgtEl>
-                                        <p:attrNameLst>
-                                          <p:attrName>style.visibility</p:attrName>
-                                        </p:attrNameLst>
-                                      </p:cBhvr>
-                                      <p:to>
-                                        <p:strVal val="visible"/>
-                                      </p:to>
-                                    </p:set>
-                                    <p:animEffect transition="in" filter="fade">
-                                      <p:cBhvr>
-                                        <p:cTn id="12" dur="500"/>
-                                        <p:tgtEl>
-                                          <p:spTgt spid="72"/>
-                                        </p:tgtEl>
-                                      </p:cBhvr>
-                                    </p:animEffect>
-                                  </p:childTnLst>
-                                </p:cTn>
-                              </p:par>
-                            </p:childTnLst>
-                          </p:cTn>
-                        </p:par>
-                      </p:childTnLst>
-                    </p:cTn>
-                  </p:par>
-                  <p:par>
-                    <p:cTn id="13" fill="hold">
-                      <p:stCondLst>
-                        <p:cond delay="indefinite"/>
-                      </p:stCondLst>
-                      <p:childTnLst>
-                        <p:par>
-                          <p:cTn id="14" fill="hold">
-                            <p:stCondLst>
-                              <p:cond delay="0"/>
-                            </p:stCondLst>
-                            <p:childTnLst>
-                              <p:par>
-                                <p:cTn id="15" presetID="10" presetClass="entr" presetSubtype="0" fill="hold" grpId="0" nodeType="clickEffect">
-                                  <p:stCondLst>
-                                    <p:cond delay="0"/>
-                                  </p:stCondLst>
-                                  <p:childTnLst>
-                                    <p:set>
-                                      <p:cBhvr>
-                                        <p:cTn id="16" dur="1" fill="hold">
-                                          <p:stCondLst>
-                                            <p:cond delay="0"/>
-                                          </p:stCondLst>
-                                        </p:cTn>
-                                        <p:tgtEl>
-                                          <p:spTgt spid="74"/>
-                                        </p:tgtEl>
-                                        <p:attrNameLst>
-                                          <p:attrName>style.visibility</p:attrName>
-                                        </p:attrNameLst>
-                                      </p:cBhvr>
-                                      <p:to>
-                                        <p:strVal val="visible"/>
-                                      </p:to>
-                                    </p:set>
-                                    <p:animEffect transition="in" filter="fade">
-                                      <p:cBhvr>
-                                        <p:cTn id="17" dur="500"/>
-                                        <p:tgtEl>
-                                          <p:spTgt spid="74"/>
-                                        </p:tgtEl>
-                                      </p:cBhvr>
-                                    </p:animEffect>
-                                  </p:childTnLst>
-                                </p:cTn>
-                              </p:par>
-                            </p:childTnLst>
-                          </p:cTn>
-                        </p:par>
-                      </p:childTnLst>
-                    </p:cTn>
-                  </p:par>
-                  <p:par>
-                    <p:cTn id="18" fill="hold">
-                      <p:stCondLst>
-                        <p:cond delay="indefinite"/>
-                      </p:stCondLst>
-                      <p:childTnLst>
-                        <p:par>
-                          <p:cTn id="19" fill="hold">
-                            <p:stCondLst>
-                              <p:cond delay="0"/>
-                            </p:stCondLst>
-                            <p:childTnLst>
-                              <p:par>
-                                <p:cTn id="20" presetID="10" presetClass="entr" presetSubtype="0" fill="hold" grpId="0" nodeType="clickEffect">
-                                  <p:stCondLst>
-                                    <p:cond delay="0"/>
-                                  </p:stCondLst>
-                                  <p:childTnLst>
-                                    <p:set>
-                                      <p:cBhvr>
-                                        <p:cTn id="21" dur="1" fill="hold">
-                                          <p:stCondLst>
-                                            <p:cond delay="0"/>
-                                          </p:stCondLst>
-                                        </p:cTn>
-                                        <p:tgtEl>
-                                          <p:spTgt spid="81"/>
-                                        </p:tgtEl>
-                                        <p:attrNameLst>
-                                          <p:attrName>style.visibility</p:attrName>
-                                        </p:attrNameLst>
-                                      </p:cBhvr>
-                                      <p:to>
-                                        <p:strVal val="visible"/>
-                                      </p:to>
-                                    </p:set>
-                                    <p:animEffect transition="in" filter="fade">
-                                      <p:cBhvr>
-                                        <p:cTn id="22" dur="500"/>
-                                        <p:tgtEl>
-                                          <p:spTgt spid="81"/>
-                                        </p:tgtEl>
-                                      </p:cBhvr>
-                                    </p:animEffect>
-                                  </p:childTnLst>
-                                </p:cTn>
-                              </p:par>
-                            </p:childTnLst>
-                          </p:cTn>
-                        </p:par>
-                      </p:childTnLst>
-                    </p:cTn>
-                  </p:par>
-                  <p:par>
-                    <p:cTn id="23" fill="hold">
-                      <p:stCondLst>
-                        <p:cond delay="indefinite"/>
-                      </p:stCondLst>
-                      <p:childTnLst>
-                        <p:par>
-                          <p:cTn id="24" fill="hold">
-                            <p:stCondLst>
-                              <p:cond delay="0"/>
-                            </p:stCondLst>
-                            <p:childTnLst>
-                              <p:par>
-                                <p:cTn id="25" presetID="10" presetClass="entr" presetSubtype="0" fill="hold" grpId="0" nodeType="clickEffect">
-                                  <p:stCondLst>
-                                    <p:cond delay="0"/>
-                                  </p:stCondLst>
-                                  <p:childTnLst>
-                                    <p:set>
-                                      <p:cBhvr>
-                                        <p:cTn id="26" dur="1" fill="hold">
-                                          <p:stCondLst>
-                                            <p:cond delay="0"/>
-                                          </p:stCondLst>
-                                        </p:cTn>
-                                        <p:tgtEl>
-                                          <p:spTgt spid="82"/>
-                                        </p:tgtEl>
-                                        <p:attrNameLst>
-                                          <p:attrName>style.visibility</p:attrName>
-                                        </p:attrNameLst>
-                                      </p:cBhvr>
-                                      <p:to>
-                                        <p:strVal val="visible"/>
-                                      </p:to>
-                                    </p:set>
-                                    <p:animEffect transition="in" filter="fade">
-                                      <p:cBhvr>
-                                        <p:cTn id="27" dur="500"/>
-                                        <p:tgtEl>
-                                          <p:spTgt spid="82"/>
-                                        </p:tgtEl>
-                                      </p:cBhvr>
-                                    </p:animEffect>
-                                  </p:childTnLst>
-                                </p:cTn>
-                              </p:par>
-                            </p:childTnLst>
-                          </p:cTn>
-                        </p:par>
-                      </p:childTnLst>
-                    </p:cTn>
-                  </p:par>
-                </p:childTnLst>
-              </p:cTn>
-              <p:prevCondLst>
-                <p:cond evt="onPrev" delay="0">
-                  <p:tgtEl>
-                    <p:sldTgt/>
-                  </p:tgtEl>
-                </p:cond>
-              </p:prevCondLst>
-              <p:nextCondLst>
-                <p:cond evt="onNext" delay="0">
-                  <p:tgtEl>
-                    <p:sldTgt/>
-                  </p:tgtEl>
-                </p:cond>
-              </p:nextCondLst>
-            </p:seq>
-          </p:childTnLst>
-        </p:cTn>
-      </p:par>
-    </p:tnLst>
-    <p:bldLst>
-      <p:bldP spid="71" grpId="0" animBg="1"/>
-      <p:bldP spid="72" grpId="0" animBg="1"/>
-      <p:bldP spid="74" grpId="0" animBg="1"/>
-      <p:bldP spid="81" grpId="0" animBg="1"/>
-      <p:bldP spid="82" grpId="0" animBg="1"/>
-    </p:bldLst>
-  </p:timing>
-</p:sld>
-</file>
-
-<file path=ppt/slides/slide11.xml><?xml version="1.0" encoding="utf-8"?>
-<p:sld xmlns:a="http://schemas.openxmlformats.org/drawingml/2006/main" xmlns:r="http://schemas.openxmlformats.org/officeDocument/2006/relationships" xmlns:p="http://schemas.openxmlformats.org/presentationml/2006/main">
-  <p:cSld>
-    <p:spTree>
-      <p:nvGrpSpPr>
-        <p:cNvPr id="1" name=""/>
-        <p:cNvGrpSpPr/>
-        <p:nvPr/>
-      </p:nvGrpSpPr>
-      <p:grpSpPr>
-        <a:xfrm>
-          <a:off x="0" y="0"/>
-          <a:ext cx="0" cy="0"/>
-          <a:chOff x="0" y="0"/>
-          <a:chExt cx="0" cy="0"/>
-        </a:xfrm>
-      </p:grpSpPr>
-      <p:pic>
-        <p:nvPicPr>
-          <p:cNvPr id="14338" name="Picture 8"/>
-          <p:cNvPicPr>
-            <a:picLocks noChangeAspect="1" noChangeArrowheads="1"/>
-          </p:cNvPicPr>
-          <p:nvPr/>
-        </p:nvPicPr>
-        <p:blipFill>
-          <a:blip r:embed="rId2">
-            <a:extLst>
-              <a:ext uri="{28A0092B-C50C-407E-A947-70E740481C1C}">
-                <a14:useLocalDpi xmlns:a14="http://schemas.microsoft.com/office/drawing/2010/main" val="0"/>
-              </a:ext>
-            </a:extLst>
-          </a:blip>
-          <a:srcRect/>
-          <a:stretch>
-            <a:fillRect/>
-          </a:stretch>
-        </p:blipFill>
-        <p:spPr bwMode="auto">
-          <a:xfrm>
-            <a:off x="225425" y="1557338"/>
-            <a:ext cx="7524750" cy="4624387"/>
-          </a:xfrm>
-          <a:prstGeom prst="rect">
-            <a:avLst/>
-          </a:prstGeom>
-          <a:noFill/>
-          <a:ln>
-            <a:noFill/>
-          </a:ln>
-          <a:extLst>
-            <a:ext uri="{909E8E84-426E-40DD-AFC4-6F175D3DCCD1}">
-              <a14:hiddenFill xmlns:a14="http://schemas.microsoft.com/office/drawing/2010/main">
-                <a:solidFill>
-                  <a:schemeClr val="accent1"/>
-                </a:solidFill>
-              </a14:hiddenFill>
-            </a:ext>
-            <a:ext uri="{91240B29-F687-4F45-9708-019B960494DF}">
-              <a14:hiddenLine xmlns:a14="http://schemas.microsoft.com/office/drawing/2010/main" w="9525" algn="ctr">
-                <a:solidFill>
-                  <a:schemeClr val="tx1"/>
-                </a:solidFill>
-                <a:miter lim="800000"/>
-                <a:headEnd/>
-                <a:tailEnd/>
-              </a14:hiddenLine>
-            </a:ext>
-          </a:extLst>
-        </p:spPr>
-      </p:pic>
-      <p:sp>
-        <p:nvSpPr>
-          <p:cNvPr id="14339" name="Titel 1"/>
-          <p:cNvSpPr>
-            <a:spLocks noGrp="1"/>
-          </p:cNvSpPr>
-          <p:nvPr>
-            <p:ph type="title"/>
-          </p:nvPr>
-        </p:nvSpPr>
-        <p:spPr/>
-        <p:txBody>
-          <a:bodyPr/>
-          <a:lstStyle/>
-          <a:p>
-            <a:r>
-              <a:rPr lang="de-DE" altLang="de-DE" smtClean="0">
-                <a:ea typeface="ＭＳ Ｐゴシック" pitchFamily="34" charset="-128"/>
-              </a:rPr>
-              <a:t>Wie wichtig sind C/C++?</a:t>
-            </a:r>
-          </a:p>
-        </p:txBody>
-      </p:sp>
-      <p:sp>
-        <p:nvSpPr>
-          <p:cNvPr id="14340" name="Rectangle 45"/>
-          <p:cNvSpPr>
-            <a:spLocks noChangeArrowheads="1"/>
-          </p:cNvSpPr>
-          <p:nvPr/>
-        </p:nvSpPr>
-        <p:spPr bwMode="auto">
-          <a:xfrm>
-            <a:off x="2001838" y="1419225"/>
-            <a:ext cx="9144000" cy="0"/>
-          </a:xfrm>
-          <a:prstGeom prst="rect">
-            <a:avLst/>
-          </a:prstGeom>
-          <a:noFill/>
-          <a:ln>
-            <a:noFill/>
-          </a:ln>
-          <a:effectLst/>
-          <a:extLst>
-            <a:ext uri="{909E8E84-426E-40DD-AFC4-6F175D3DCCD1}">
-              <a14:hiddenFill xmlns:a14="http://schemas.microsoft.com/office/drawing/2010/main">
-                <a:solidFill>
-                  <a:schemeClr val="accent1"/>
-                </a:solidFill>
-              </a14:hiddenFill>
-            </a:ext>
-            <a:ext uri="{91240B29-F687-4F45-9708-019B960494DF}">
-              <a14:hiddenLine xmlns:a14="http://schemas.microsoft.com/office/drawing/2010/main" w="9525" algn="ctr">
-                <a:solidFill>
-                  <a:schemeClr val="tx1"/>
-                </a:solidFill>
-                <a:miter lim="800000"/>
-                <a:headEnd/>
-                <a:tailEnd/>
-              </a14:hiddenLine>
-            </a:ext>
-            <a:ext uri="{AF507438-7753-43E0-B8FC-AC1667EBCBE1}">
-              <a14:hiddenEffects xmlns:a14="http://schemas.microsoft.com/office/drawing/2010/main">
-                <a:effectLst>
-                  <a:outerShdw dist="35921" dir="2700000" algn="ctr" rotWithShape="0">
-                    <a:schemeClr val="bg2"/>
-                  </a:outerShdw>
-                </a:effectLst>
-              </a14:hiddenEffects>
-            </a:ext>
-          </a:extLst>
-        </p:spPr>
-        <p:txBody>
-          <a:bodyPr wrap="none" anchor="ctr">
-            <a:spAutoFit/>
-          </a:bodyPr>
-          <a:lstStyle>
-            <a:lvl1pPr algn="l" eaLnBrk="0" hangingPunct="0">
-              <a:spcBef>
-                <a:spcPct val="20000"/>
-              </a:spcBef>
-              <a:buFont typeface="Wingdings" pitchFamily="2" charset="2"/>
-              <a:defRPr sz="2000">
-                <a:solidFill>
-                  <a:schemeClr val="tx1"/>
-                </a:solidFill>
-                <a:latin typeface="Arial" charset="0"/>
-                <a:ea typeface="ＭＳ Ｐゴシック" pitchFamily="34" charset="-128"/>
-              </a:defRPr>
-            </a:lvl1pPr>
-            <a:lvl2pPr marL="742950" indent="-285750" algn="l" eaLnBrk="0" hangingPunct="0">
-              <a:spcBef>
-                <a:spcPct val="20000"/>
-              </a:spcBef>
-              <a:buFont typeface="Wingdings" pitchFamily="2" charset="2"/>
-              <a:buChar char="§"/>
-              <a:defRPr>
-                <a:solidFill>
-                  <a:schemeClr val="tx1"/>
-                </a:solidFill>
-                <a:latin typeface="Arial" charset="0"/>
-                <a:ea typeface="ＭＳ Ｐゴシック" pitchFamily="34" charset="-128"/>
-              </a:defRPr>
-            </a:lvl2pPr>
-            <a:lvl3pPr marL="1143000" indent="-228600" algn="l" eaLnBrk="0" hangingPunct="0">
-              <a:spcBef>
-                <a:spcPct val="20000"/>
-              </a:spcBef>
-              <a:buFont typeface="Wingdings" pitchFamily="2" charset="2"/>
-              <a:buChar char="§"/>
-              <a:defRPr>
-                <a:solidFill>
-                  <a:schemeClr val="tx1"/>
-                </a:solidFill>
-                <a:latin typeface="Arial" charset="0"/>
-                <a:ea typeface="ＭＳ Ｐゴシック" pitchFamily="34" charset="-128"/>
-              </a:defRPr>
-            </a:lvl3pPr>
-            <a:lvl4pPr marL="1600200" indent="-228600" algn="l" eaLnBrk="0" hangingPunct="0">
-              <a:spcBef>
-                <a:spcPct val="20000"/>
-              </a:spcBef>
-              <a:buFont typeface="Wingdings" pitchFamily="2" charset="2"/>
-              <a:buChar char="§"/>
-              <a:defRPr sz="1600">
-                <a:solidFill>
-                  <a:schemeClr val="tx1"/>
-                </a:solidFill>
-                <a:latin typeface="Arial" charset="0"/>
-                <a:ea typeface="ＭＳ Ｐゴシック" pitchFamily="34" charset="-128"/>
-              </a:defRPr>
-            </a:lvl4pPr>
-            <a:lvl5pPr marL="2057400" indent="-228600" algn="l" eaLnBrk="0" hangingPunct="0">
-              <a:spcBef>
-                <a:spcPct val="20000"/>
-              </a:spcBef>
-              <a:buFont typeface="Wingdings" pitchFamily="2" charset="2"/>
-              <a:buChar char="§"/>
-              <a:defRPr sz="1600">
-                <a:solidFill>
-                  <a:schemeClr val="tx1"/>
-                </a:solidFill>
-                <a:latin typeface="Arial" charset="0"/>
-                <a:ea typeface="ＭＳ Ｐゴシック" pitchFamily="34" charset="-128"/>
-              </a:defRPr>
-            </a:lvl5pPr>
-            <a:lvl6pPr marL="2514600" indent="-228600" defTabSz="449263" eaLnBrk="0" fontAlgn="base" hangingPunct="0">
-              <a:spcBef>
-                <a:spcPct val="20000"/>
-              </a:spcBef>
-              <a:spcAft>
-                <a:spcPct val="0"/>
-              </a:spcAft>
-              <a:buFont typeface="Wingdings" pitchFamily="2" charset="2"/>
-              <a:buChar char="§"/>
-              <a:defRPr sz="1600">
-                <a:solidFill>
-                  <a:schemeClr val="tx1"/>
-                </a:solidFill>
-                <a:latin typeface="Arial" charset="0"/>
-                <a:ea typeface="ＭＳ Ｐゴシック" pitchFamily="34" charset="-128"/>
-              </a:defRPr>
-            </a:lvl6pPr>
-            <a:lvl7pPr marL="2971800" indent="-228600" defTabSz="449263" eaLnBrk="0" fontAlgn="base" hangingPunct="0">
-              <a:spcBef>
-                <a:spcPct val="20000"/>
-              </a:spcBef>
-              <a:spcAft>
-                <a:spcPct val="0"/>
-              </a:spcAft>
-              <a:buFont typeface="Wingdings" pitchFamily="2" charset="2"/>
-              <a:buChar char="§"/>
-              <a:defRPr sz="1600">
-                <a:solidFill>
-                  <a:schemeClr val="tx1"/>
-                </a:solidFill>
-                <a:latin typeface="Arial" charset="0"/>
-                <a:ea typeface="ＭＳ Ｐゴシック" pitchFamily="34" charset="-128"/>
-              </a:defRPr>
-            </a:lvl7pPr>
-            <a:lvl8pPr marL="3429000" indent="-228600" defTabSz="449263" eaLnBrk="0" fontAlgn="base" hangingPunct="0">
-              <a:spcBef>
-                <a:spcPct val="20000"/>
-              </a:spcBef>
-              <a:spcAft>
-                <a:spcPct val="0"/>
-              </a:spcAft>
-              <a:buFont typeface="Wingdings" pitchFamily="2" charset="2"/>
-              <a:buChar char="§"/>
-              <a:defRPr sz="1600">
-                <a:solidFill>
-                  <a:schemeClr val="tx1"/>
-                </a:solidFill>
-                <a:latin typeface="Arial" charset="0"/>
-                <a:ea typeface="ＭＳ Ｐゴシック" pitchFamily="34" charset="-128"/>
-              </a:defRPr>
-            </a:lvl8pPr>
-            <a:lvl9pPr marL="3886200" indent="-228600" defTabSz="449263" eaLnBrk="0" fontAlgn="base" hangingPunct="0">
-              <a:spcBef>
-                <a:spcPct val="20000"/>
-              </a:spcBef>
-              <a:spcAft>
-                <a:spcPct val="0"/>
-              </a:spcAft>
-              <a:buFont typeface="Wingdings" pitchFamily="2" charset="2"/>
-              <a:buChar char="§"/>
-              <a:defRPr sz="1600">
-                <a:solidFill>
-                  <a:schemeClr val="tx1"/>
-                </a:solidFill>
-                <a:latin typeface="Arial" charset="0"/>
-                <a:ea typeface="ＭＳ Ｐゴシック" pitchFamily="34" charset="-128"/>
-              </a:defRPr>
-            </a:lvl9pPr>
-          </a:lstStyle>
-          <a:p>
-            <a:pPr algn="ctr">
-              <a:spcBef>
-                <a:spcPct val="0"/>
-              </a:spcBef>
-              <a:buSzTx/>
-              <a:buFont typeface="Arial" charset="0"/>
-              <a:buNone/>
-            </a:pPr>
-            <a:r>
-              <a:rPr lang="en-US" altLang="de-DE" sz="1800"/>
-              <a:t/>
-            </a:r>
-            <a:br>
-              <a:rPr lang="en-US" altLang="de-DE" sz="1800"/>
-            </a:br>
-            <a:endParaRPr lang="en-US" altLang="de-DE" sz="1800"/>
-          </a:p>
-        </p:txBody>
-      </p:sp>
-      <p:sp>
-        <p:nvSpPr>
-          <p:cNvPr id="50" name="Abgerundete rechteckige Legende 49"/>
-          <p:cNvSpPr/>
-          <p:nvPr/>
-        </p:nvSpPr>
-        <p:spPr>
-          <a:xfrm>
-            <a:off x="5940425" y="1989138"/>
-            <a:ext cx="2016125" cy="720725"/>
-          </a:xfrm>
-          <a:prstGeom prst="wedgeRoundRectCallout">
-            <a:avLst>
-              <a:gd name="adj1" fmla="val -82398"/>
-              <a:gd name="adj2" fmla="val 171812"/>
-              <a:gd name="adj3" fmla="val 16667"/>
-            </a:avLst>
-          </a:prstGeom>
-          <a:solidFill>
-            <a:schemeClr val="tx1"/>
-          </a:solidFill>
-          <a:ln/>
-        </p:spPr>
-        <p:style>
-          <a:lnRef idx="1">
-            <a:schemeClr val="dk1"/>
-          </a:lnRef>
-          <a:fillRef idx="3">
-            <a:schemeClr val="dk1"/>
-          </a:fillRef>
-          <a:effectRef idx="2">
-            <a:schemeClr val="dk1"/>
-          </a:effectRef>
-          <a:fontRef idx="minor">
-            <a:schemeClr val="lt1"/>
-          </a:fontRef>
-        </p:style>
-        <p:txBody>
-          <a:bodyPr anchor="ctr"/>
-          <a:lstStyle/>
-          <a:p>
-            <a:pPr>
-              <a:defRPr/>
-            </a:pPr>
-            <a:r>
-              <a:rPr lang="de-DE" dirty="0">
-                <a:solidFill>
-                  <a:schemeClr val="bg1"/>
-                </a:solidFill>
-              </a:rPr>
-              <a:t>C war und ist sehr beliebt.</a:t>
-            </a:r>
-          </a:p>
-        </p:txBody>
-      </p:sp>
-      <p:sp>
-        <p:nvSpPr>
-          <p:cNvPr id="14342" name="Rechteck 4"/>
-          <p:cNvSpPr>
-            <a:spLocks noChangeArrowheads="1"/>
-          </p:cNvSpPr>
-          <p:nvPr/>
-        </p:nvSpPr>
-        <p:spPr bwMode="auto">
-          <a:xfrm>
-            <a:off x="4067175" y="6219825"/>
-            <a:ext cx="4572000" cy="234950"/>
-          </a:xfrm>
-          <a:prstGeom prst="rect">
-            <a:avLst/>
-          </a:prstGeom>
-          <a:noFill/>
-          <a:ln>
-            <a:noFill/>
-          </a:ln>
-          <a:extLst>
-            <a:ext uri="{909E8E84-426E-40DD-AFC4-6F175D3DCCD1}">
-              <a14:hiddenFill xmlns:a14="http://schemas.microsoft.com/office/drawing/2010/main">
-                <a:solidFill>
-                  <a:srgbClr val="FFFFFF"/>
-                </a:solidFill>
-              </a14:hiddenFill>
-            </a:ext>
-            <a:ext uri="{91240B29-F687-4F45-9708-019B960494DF}">
-              <a14:hiddenLine xmlns:a14="http://schemas.microsoft.com/office/drawing/2010/main" w="9525">
-                <a:solidFill>
-                  <a:srgbClr val="000000"/>
-                </a:solidFill>
-                <a:miter lim="800000"/>
-                <a:headEnd/>
-                <a:tailEnd/>
-              </a14:hiddenLine>
-            </a:ext>
-          </a:extLst>
-        </p:spPr>
-        <p:txBody>
-          <a:bodyPr>
-            <a:spAutoFit/>
-          </a:bodyPr>
-          <a:lstStyle>
-            <a:lvl1pPr algn="l" eaLnBrk="0" hangingPunct="0">
-              <a:spcBef>
-                <a:spcPct val="20000"/>
-              </a:spcBef>
-              <a:buFont typeface="Wingdings" pitchFamily="2" charset="2"/>
-              <a:defRPr sz="2000">
-                <a:solidFill>
-                  <a:schemeClr val="tx1"/>
-                </a:solidFill>
-                <a:latin typeface="Arial" charset="0"/>
-                <a:ea typeface="ＭＳ Ｐゴシック" pitchFamily="34" charset="-128"/>
-              </a:defRPr>
-            </a:lvl1pPr>
-            <a:lvl2pPr marL="742950" indent="-285750" algn="l" eaLnBrk="0" hangingPunct="0">
-              <a:spcBef>
-                <a:spcPct val="20000"/>
-              </a:spcBef>
-              <a:buFont typeface="Wingdings" pitchFamily="2" charset="2"/>
-              <a:buChar char="§"/>
-              <a:defRPr>
-                <a:solidFill>
-                  <a:schemeClr val="tx1"/>
-                </a:solidFill>
-                <a:latin typeface="Arial" charset="0"/>
-                <a:ea typeface="ＭＳ Ｐゴシック" pitchFamily="34" charset="-128"/>
-              </a:defRPr>
-            </a:lvl2pPr>
-            <a:lvl3pPr marL="1143000" indent="-228600" algn="l" eaLnBrk="0" hangingPunct="0">
-              <a:spcBef>
-                <a:spcPct val="20000"/>
-              </a:spcBef>
-              <a:buFont typeface="Wingdings" pitchFamily="2" charset="2"/>
-              <a:buChar char="§"/>
-              <a:defRPr>
-                <a:solidFill>
-                  <a:schemeClr val="tx1"/>
-                </a:solidFill>
-                <a:latin typeface="Arial" charset="0"/>
-                <a:ea typeface="ＭＳ Ｐゴシック" pitchFamily="34" charset="-128"/>
-              </a:defRPr>
-            </a:lvl3pPr>
-            <a:lvl4pPr marL="1600200" indent="-228600" algn="l" eaLnBrk="0" hangingPunct="0">
-              <a:spcBef>
-                <a:spcPct val="20000"/>
-              </a:spcBef>
-              <a:buFont typeface="Wingdings" pitchFamily="2" charset="2"/>
-              <a:buChar char="§"/>
-              <a:defRPr sz="1600">
-                <a:solidFill>
-                  <a:schemeClr val="tx1"/>
-                </a:solidFill>
-                <a:latin typeface="Arial" charset="0"/>
-                <a:ea typeface="ＭＳ Ｐゴシック" pitchFamily="34" charset="-128"/>
-              </a:defRPr>
-            </a:lvl4pPr>
-            <a:lvl5pPr marL="2057400" indent="-228600" algn="l" eaLnBrk="0" hangingPunct="0">
-              <a:spcBef>
-                <a:spcPct val="20000"/>
-              </a:spcBef>
-              <a:buFont typeface="Wingdings" pitchFamily="2" charset="2"/>
-              <a:buChar char="§"/>
-              <a:defRPr sz="1600">
-                <a:solidFill>
-                  <a:schemeClr val="tx1"/>
-                </a:solidFill>
-                <a:latin typeface="Arial" charset="0"/>
-                <a:ea typeface="ＭＳ Ｐゴシック" pitchFamily="34" charset="-128"/>
-              </a:defRPr>
-            </a:lvl5pPr>
-            <a:lvl6pPr marL="2514600" indent="-228600" defTabSz="449263" eaLnBrk="0" fontAlgn="base" hangingPunct="0">
-              <a:spcBef>
-                <a:spcPct val="20000"/>
-              </a:spcBef>
-              <a:spcAft>
-                <a:spcPct val="0"/>
-              </a:spcAft>
-              <a:buFont typeface="Wingdings" pitchFamily="2" charset="2"/>
-              <a:buChar char="§"/>
-              <a:defRPr sz="1600">
-                <a:solidFill>
-                  <a:schemeClr val="tx1"/>
-                </a:solidFill>
-                <a:latin typeface="Arial" charset="0"/>
-                <a:ea typeface="ＭＳ Ｐゴシック" pitchFamily="34" charset="-128"/>
-              </a:defRPr>
-            </a:lvl6pPr>
-            <a:lvl7pPr marL="2971800" indent="-228600" defTabSz="449263" eaLnBrk="0" fontAlgn="base" hangingPunct="0">
-              <a:spcBef>
-                <a:spcPct val="20000"/>
-              </a:spcBef>
-              <a:spcAft>
-                <a:spcPct val="0"/>
-              </a:spcAft>
-              <a:buFont typeface="Wingdings" pitchFamily="2" charset="2"/>
-              <a:buChar char="§"/>
-              <a:defRPr sz="1600">
-                <a:solidFill>
-                  <a:schemeClr val="tx1"/>
-                </a:solidFill>
-                <a:latin typeface="Arial" charset="0"/>
-                <a:ea typeface="ＭＳ Ｐゴシック" pitchFamily="34" charset="-128"/>
-              </a:defRPr>
-            </a:lvl7pPr>
-            <a:lvl8pPr marL="3429000" indent="-228600" defTabSz="449263" eaLnBrk="0" fontAlgn="base" hangingPunct="0">
-              <a:spcBef>
-                <a:spcPct val="20000"/>
-              </a:spcBef>
-              <a:spcAft>
-                <a:spcPct val="0"/>
-              </a:spcAft>
-              <a:buFont typeface="Wingdings" pitchFamily="2" charset="2"/>
-              <a:buChar char="§"/>
-              <a:defRPr sz="1600">
-                <a:solidFill>
-                  <a:schemeClr val="tx1"/>
-                </a:solidFill>
-                <a:latin typeface="Arial" charset="0"/>
-                <a:ea typeface="ＭＳ Ｐゴシック" pitchFamily="34" charset="-128"/>
-              </a:defRPr>
-            </a:lvl8pPr>
-            <a:lvl9pPr marL="3886200" indent="-228600" defTabSz="449263" eaLnBrk="0" fontAlgn="base" hangingPunct="0">
-              <a:spcBef>
-                <a:spcPct val="20000"/>
-              </a:spcBef>
-              <a:spcAft>
-                <a:spcPct val="0"/>
-              </a:spcAft>
-              <a:buFont typeface="Wingdings" pitchFamily="2" charset="2"/>
-              <a:buChar char="§"/>
-              <a:defRPr sz="1600">
-                <a:solidFill>
-                  <a:schemeClr val="tx1"/>
-                </a:solidFill>
-                <a:latin typeface="Arial" charset="0"/>
-                <a:ea typeface="ＭＳ Ｐゴシック" pitchFamily="34" charset="-128"/>
-              </a:defRPr>
-            </a:lvl9pPr>
-          </a:lstStyle>
-          <a:p>
-            <a:pPr algn="ctr" eaLnBrk="1" hangingPunct="1">
-              <a:spcBef>
-                <a:spcPct val="0"/>
-              </a:spcBef>
-              <a:buSzTx/>
-              <a:buFont typeface="Arial" charset="0"/>
-              <a:buNone/>
-            </a:pPr>
-            <a:r>
-              <a:rPr lang="de-DE" altLang="de-DE" sz="1000" dirty="0">
-                <a:hlinkClick r:id="rId3"/>
-              </a:rPr>
-              <a:t>http://www.tiobe.com/index.php/content/paperinfo/tpci/index.html</a:t>
-            </a:r>
-            <a:endParaRPr lang="de-DE" altLang="de-DE" sz="1000" dirty="0"/>
-          </a:p>
-        </p:txBody>
-      </p:sp>
-      <p:sp>
-        <p:nvSpPr>
-          <p:cNvPr id="52" name="Abgerundete rechteckige Legende 51"/>
-          <p:cNvSpPr/>
-          <p:nvPr/>
-        </p:nvSpPr>
-        <p:spPr>
-          <a:xfrm>
-            <a:off x="6107113" y="5229225"/>
-            <a:ext cx="2635250" cy="720725"/>
-          </a:xfrm>
-          <a:prstGeom prst="wedgeRoundRectCallout">
-            <a:avLst>
-              <a:gd name="adj1" fmla="val -61137"/>
-              <a:gd name="adj2" fmla="val -81932"/>
-              <a:gd name="adj3" fmla="val 16667"/>
-            </a:avLst>
-          </a:prstGeom>
-          <a:solidFill>
-            <a:schemeClr val="tx1"/>
-          </a:solidFill>
-          <a:ln/>
-        </p:spPr>
-        <p:style>
-          <a:lnRef idx="1">
-            <a:schemeClr val="dk1"/>
-          </a:lnRef>
-          <a:fillRef idx="3">
-            <a:schemeClr val="dk1"/>
-          </a:fillRef>
-          <a:effectRef idx="2">
-            <a:schemeClr val="dk1"/>
-          </a:effectRef>
-          <a:fontRef idx="minor">
-            <a:schemeClr val="lt1"/>
-          </a:fontRef>
-        </p:style>
-        <p:txBody>
-          <a:bodyPr anchor="ctr"/>
-          <a:lstStyle/>
-          <a:p>
-            <a:pPr>
-              <a:defRPr/>
-            </a:pPr>
-            <a:r>
-              <a:rPr lang="de-DE" dirty="0">
-                <a:solidFill>
-                  <a:schemeClr val="bg1"/>
-                </a:solidFill>
-              </a:rPr>
-              <a:t>C++ = „C </a:t>
-            </a:r>
-            <a:r>
-              <a:rPr lang="de-DE" dirty="0" err="1">
-                <a:solidFill>
-                  <a:schemeClr val="bg1"/>
-                </a:solidFill>
-              </a:rPr>
-              <a:t>with</a:t>
-            </a:r>
-            <a:r>
-              <a:rPr lang="de-DE" dirty="0">
-                <a:solidFill>
-                  <a:schemeClr val="bg1"/>
-                </a:solidFill>
-              </a:rPr>
-              <a:t> </a:t>
-            </a:r>
-            <a:r>
-              <a:rPr lang="de-DE" dirty="0" err="1">
-                <a:solidFill>
-                  <a:schemeClr val="bg1"/>
-                </a:solidFill>
-              </a:rPr>
-              <a:t>objects</a:t>
-            </a:r>
-            <a:r>
-              <a:rPr lang="de-DE" dirty="0">
-                <a:solidFill>
-                  <a:schemeClr val="bg1"/>
-                </a:solidFill>
-              </a:rPr>
-              <a:t>“</a:t>
-            </a:r>
-          </a:p>
-        </p:txBody>
-      </p:sp>
-    </p:spTree>
-  </p:cSld>
-  <p:clrMapOvr>
-    <a:masterClrMapping/>
-  </p:clrMapOvr>
-  <p:transition/>
-  <p:timing>
-    <p:tnLst>
-      <p:par>
-        <p:cTn id="1" dur="indefinite" restart="never" nodeType="tmRoot">
-          <p:childTnLst>
-            <p:seq concurrent="1" nextAc="seek">
-              <p:cTn id="2" dur="indefinite" nodeType="mainSeq">
-                <p:childTnLst>
-                  <p:par>
-                    <p:cTn id="3" fill="hold" nodeType="clickPar">
-                      <p:stCondLst>
-                        <p:cond delay="indefinite"/>
-                      </p:stCondLst>
-                      <p:childTnLst>
-                        <p:par>
-                          <p:cTn id="4" fill="hold" nodeType="withGroup">
-                            <p:stCondLst>
-                              <p:cond delay="0"/>
-                            </p:stCondLst>
-                            <p:childTnLst>
-                              <p:par>
-                                <p:cTn id="5" presetID="10" presetClass="entr" presetSubtype="0" fill="hold" grpId="0" nodeType="clickEffect">
-                                  <p:stCondLst>
-                                    <p:cond delay="0"/>
-                                  </p:stCondLst>
-                                  <p:childTnLst>
-                                    <p:set>
-                                      <p:cBhvr>
-                                        <p:cTn id="6" dur="1" fill="hold">
-                                          <p:stCondLst>
-                                            <p:cond delay="0"/>
-                                          </p:stCondLst>
-                                        </p:cTn>
-                                        <p:tgtEl>
-                                          <p:spTgt spid="50"/>
-                                        </p:tgtEl>
-                                        <p:attrNameLst>
-                                          <p:attrName>style.visibility</p:attrName>
-                                        </p:attrNameLst>
-                                      </p:cBhvr>
-                                      <p:to>
-                                        <p:strVal val="visible"/>
-                                      </p:to>
-                                    </p:set>
-                                    <p:animEffect transition="in" filter="fade">
-                                      <p:cBhvr>
-                                        <p:cTn id="7" dur="500"/>
-                                        <p:tgtEl>
-                                          <p:spTgt spid="50"/>
-                                        </p:tgtEl>
-                                      </p:cBhvr>
-                                    </p:animEffect>
-                                  </p:childTnLst>
-                                </p:cTn>
-                              </p:par>
-                            </p:childTnLst>
-                          </p:cTn>
-                        </p:par>
-                      </p:childTnLst>
-                    </p:cTn>
-                  </p:par>
-                  <p:par>
-                    <p:cTn id="8" fill="hold" nodeType="clickPar">
-                      <p:stCondLst>
-                        <p:cond delay="indefinite"/>
-                      </p:stCondLst>
-                      <p:childTnLst>
-                        <p:par>
-                          <p:cTn id="9" fill="hold" nodeType="withGroup">
-                            <p:stCondLst>
-                              <p:cond delay="0"/>
-                            </p:stCondLst>
-                            <p:childTnLst>
-                              <p:par>
-                                <p:cTn id="10" presetID="10" presetClass="entr" presetSubtype="0" fill="hold" grpId="0" nodeType="clickEffect">
-                                  <p:stCondLst>
-                                    <p:cond delay="0"/>
-                                  </p:stCondLst>
-                                  <p:childTnLst>
-                                    <p:set>
-                                      <p:cBhvr>
-                                        <p:cTn id="11" dur="1" fill="hold">
-                                          <p:stCondLst>
-                                            <p:cond delay="0"/>
-                                          </p:stCondLst>
-                                        </p:cTn>
-                                        <p:tgtEl>
-                                          <p:spTgt spid="52"/>
-                                        </p:tgtEl>
-                                        <p:attrNameLst>
-                                          <p:attrName>style.visibility</p:attrName>
-                                        </p:attrNameLst>
-                                      </p:cBhvr>
-                                      <p:to>
-                                        <p:strVal val="visible"/>
-                                      </p:to>
-                                    </p:set>
-                                    <p:animEffect transition="in" filter="fade">
-                                      <p:cBhvr>
-                                        <p:cTn id="12" dur="500"/>
-                                        <p:tgtEl>
-                                          <p:spTgt spid="52"/>
-                                        </p:tgtEl>
-                                      </p:cBhvr>
-                                    </p:animEffect>
-                                  </p:childTnLst>
-                                </p:cTn>
-                              </p:par>
-                            </p:childTnLst>
-                          </p:cTn>
-                        </p:par>
-                      </p:childTnLst>
-                    </p:cTn>
-                  </p:par>
-                </p:childTnLst>
-              </p:cTn>
-              <p:prevCondLst>
-                <p:cond evt="onPrev" delay="0">
-                  <p:tgtEl>
-                    <p:sldTgt/>
-                  </p:tgtEl>
-                </p:cond>
-              </p:prevCondLst>
-              <p:nextCondLst>
-                <p:cond evt="onNext" delay="0">
-                  <p:tgtEl>
-                    <p:sldTgt/>
-                  </p:tgtEl>
-                </p:cond>
-              </p:nextCondLst>
-            </p:seq>
-          </p:childTnLst>
-        </p:cTn>
-      </p:par>
-    </p:tnLst>
-    <p:bldLst>
-      <p:bldP spid="50" grpId="0" animBg="1"/>
-      <p:bldP spid="52" grpId="0" animBg="1"/>
-    </p:bldLst>
-  </p:timing>
-</p:sld>
-</file>
-
-<file path=ppt/slides/slide12.xml><?xml version="1.0" encoding="utf-8"?>
 <p:sld xmlns:a="http://schemas.openxmlformats.org/drawingml/2006/main" xmlns:r="http://schemas.openxmlformats.org/officeDocument/2006/relationships" xmlns:p="http://schemas.openxmlformats.org/presentationml/2006/main">
   <p:cSld>
     <p:spTree>
@@ -21990,7 +18152,6 @@
               <a:rPr lang="de-DE" altLang="de-DE" dirty="0" smtClean="0"/>
               <a:t>Zielsetzung</a:t>
             </a:r>
-            <a:endParaRPr lang="de-DE" altLang="de-DE" dirty="0" smtClean="0"/>
           </a:p>
         </p:txBody>
       </p:sp>
@@ -22579,15 +18740,7 @@
             </a:pPr>
             <a:r>
               <a:rPr lang="de-DE" dirty="0" smtClean="0"/>
-              <a:t>09:00 – 11:30:  Frontalunterricht im </a:t>
-            </a:r>
-            <a:r>
-              <a:rPr lang="de-DE" dirty="0" smtClean="0"/>
-              <a:t>Hörsaal</a:t>
-            </a:r>
-            <a:r>
-              <a:rPr lang="de-DE" dirty="0" smtClean="0"/>
-              <a:t/>
+              <a:t>09:00 – 11:30:  Frontalunterricht im Hörsaal</a:t>
             </a:r>
             <a:br>
               <a:rPr lang="de-DE" dirty="0" smtClean="0"/>
@@ -22602,15 +18755,7 @@
             </a:pPr>
             <a:r>
               <a:rPr lang="de-DE" dirty="0" smtClean="0"/>
-              <a:t>13:00 – 16:00:  </a:t>
-            </a:r>
-            <a:r>
-              <a:rPr lang="de-DE" dirty="0" smtClean="0"/>
-              <a:t>praktische </a:t>
-            </a:r>
-            <a:r>
-              <a:rPr lang="de-DE" dirty="0" smtClean="0"/>
-              <a:t>Übungen im Pool</a:t>
+              <a:t>13:00 – 16:00:  praktische Übungen im Pool</a:t>
             </a:r>
             <a:endParaRPr lang="de-DE" dirty="0"/>
           </a:p>
@@ -22683,11 +18828,7 @@
             </a:pPr>
             <a:r>
               <a:rPr lang="de-DE" dirty="0" smtClean="0"/>
-              <a:t>Roland </a:t>
-            </a:r>
-            <a:r>
-              <a:rPr lang="de-DE" dirty="0" smtClean="0"/>
-              <a:t>Kluge (</a:t>
+              <a:t>Roland Kluge (</a:t>
             </a:r>
             <a:r>
               <a:rPr lang="de-DE" dirty="0" err="1" smtClean="0"/>
@@ -22696,10 +18837,6 @@
             <a:r>
               <a:rPr lang="de-DE" dirty="0" smtClean="0"/>
               <a:t>...),</a:t>
-            </a:r>
-            <a:r>
-              <a:rPr lang="de-DE" dirty="0" smtClean="0"/>
-              <a:t/>
             </a:r>
             <a:br>
               <a:rPr lang="de-DE" dirty="0" smtClean="0"/>
@@ -23832,11 +19969,7 @@
             </a:pPr>
             <a:r>
               <a:rPr lang="de-DE" dirty="0" smtClean="0"/>
-              <a:t>Eigenes Projekt erstellen mit SVN/Git</a:t>
-            </a:r>
-            <a:r>
-              <a:rPr lang="de-DE" dirty="0" smtClean="0"/>
-              <a:t>:</a:t>
+              <a:t>Eigenes Projekt erstellen mit SVN/Git:</a:t>
             </a:r>
           </a:p>
           <a:p>
@@ -23937,11 +20070,7 @@
             </a:r>
             <a:r>
               <a:rPr lang="de-DE" sz="1600" b="0" dirty="0" smtClean="0"/>
-              <a:t> (Git</a:t>
-            </a:r>
-            <a:r>
-              <a:rPr lang="de-DE" sz="1600" b="0" dirty="0" smtClean="0"/>
-              <a:t>)</a:t>
+              <a:t> (Git)</a:t>
             </a:r>
             <a:endParaRPr lang="de-DE" sz="1600" dirty="0" smtClean="0"/>
           </a:p>
@@ -24854,23 +20983,7 @@
                   <a:schemeClr val="bg1"/>
                 </a:solidFill>
               </a:rPr>
-              <a:t>Hauptsächlich </a:t>
-            </a:r>
-            <a:r>
-              <a:rPr lang="de-DE" dirty="0" smtClean="0">
-                <a:solidFill>
-                  <a:schemeClr val="bg1"/>
-                </a:solidFill>
-              </a:rPr>
-              <a:t>Grundlegendes </a:t>
-            </a:r>
-            <a:r>
-              <a:rPr lang="de-DE" dirty="0" smtClean="0">
-                <a:solidFill>
-                  <a:schemeClr val="bg1"/>
-                </a:solidFill>
-              </a:rPr>
-              <a:t>(Schleifen, etc.)</a:t>
+              <a:t>Hauptsächlich Grundlegendes (Schleifen, etc.)</a:t>
             </a:r>
             <a:endParaRPr lang="de-DE" dirty="0">
               <a:solidFill>
@@ -25104,7 +21217,208 @@
       </p:grpSpPr>
       <p:sp>
         <p:nvSpPr>
-          <p:cNvPr id="2" name="Titel 1"/>
+          <p:cNvPr id="36" name="Rechteck 35"/>
+          <p:cNvSpPr/>
+          <p:nvPr/>
+        </p:nvSpPr>
+        <p:spPr bwMode="auto">
+          <a:xfrm>
+            <a:off x="3930491" y="4848874"/>
+            <a:ext cx="897886" cy="607602"/>
+          </a:xfrm>
+          <a:prstGeom prst="rect">
+            <a:avLst/>
+          </a:prstGeom>
+          <a:solidFill>
+            <a:schemeClr val="accent1"/>
+          </a:solidFill>
+          <a:ln w="9525" cap="flat" cmpd="sng" algn="ctr">
+            <a:noFill/>
+            <a:prstDash val="solid"/>
+            <a:round/>
+            <a:headEnd type="none" w="med" len="med"/>
+            <a:tailEnd type="none" w="med" len="med"/>
+          </a:ln>
+          <a:effectLst/>
+        </p:spPr>
+        <p:txBody>
+          <a:bodyPr vert="horz" wrap="none" lIns="91440" tIns="45720" rIns="91440" bIns="45720" numCol="1" rtlCol="0" anchor="ctr" anchorCtr="0" compatLnSpc="1">
+            <a:prstTxWarp prst="textNoShape">
+              <a:avLst/>
+            </a:prstTxWarp>
+          </a:bodyPr>
+          <a:lstStyle/>
+          <a:p>
+            <a:pPr marL="0" marR="0" indent="0" algn="ctr" defTabSz="449263" rtl="0" eaLnBrk="1" fontAlgn="base" latinLnBrk="0" hangingPunct="1">
+              <a:lnSpc>
+                <a:spcPct val="93000"/>
+              </a:lnSpc>
+              <a:spcBef>
+                <a:spcPct val="0"/>
+              </a:spcBef>
+              <a:spcAft>
+                <a:spcPct val="0"/>
+              </a:spcAft>
+              <a:buClr>
+                <a:srgbClr val="000000"/>
+              </a:buClr>
+              <a:buSzPct val="100000"/>
+              <a:buFont typeface="Arial" pitchFamily="-65" charset="0"/>
+              <a:buNone/>
+              <a:tabLst/>
+            </a:pPr>
+            <a:endParaRPr kumimoji="0" lang="en-US" sz="1800" b="0" i="0" u="none" strike="noStrike" cap="none" normalizeH="0" baseline="0">
+              <a:ln>
+                <a:noFill/>
+              </a:ln>
+              <a:solidFill>
+                <a:schemeClr val="tx1"/>
+              </a:solidFill>
+              <a:effectLst/>
+              <a:latin typeface="Arial" pitchFamily="-65" charset="0"/>
+              <a:ea typeface="Lucida Sans Unicode" pitchFamily="-65" charset="-52"/>
+              <a:cs typeface="Lucida Sans Unicode" pitchFamily="-65" charset="-52"/>
+            </a:endParaRPr>
+          </a:p>
+        </p:txBody>
+      </p:sp>
+      <p:sp>
+        <p:nvSpPr>
+          <p:cNvPr id="38" name="Rechteck 37"/>
+          <p:cNvSpPr/>
+          <p:nvPr/>
+        </p:nvSpPr>
+        <p:spPr bwMode="auto">
+          <a:xfrm>
+            <a:off x="4052081" y="5883289"/>
+            <a:ext cx="1135879" cy="607602"/>
+          </a:xfrm>
+          <a:prstGeom prst="rect">
+            <a:avLst/>
+          </a:prstGeom>
+          <a:solidFill>
+            <a:schemeClr val="accent1"/>
+          </a:solidFill>
+          <a:ln w="9525" cap="flat" cmpd="sng" algn="ctr">
+            <a:noFill/>
+            <a:prstDash val="solid"/>
+            <a:round/>
+            <a:headEnd type="none" w="med" len="med"/>
+            <a:tailEnd type="none" w="med" len="med"/>
+          </a:ln>
+          <a:effectLst/>
+        </p:spPr>
+        <p:txBody>
+          <a:bodyPr vert="horz" wrap="none" lIns="91440" tIns="45720" rIns="91440" bIns="45720" numCol="1" rtlCol="0" anchor="ctr" anchorCtr="0" compatLnSpc="1">
+            <a:prstTxWarp prst="textNoShape">
+              <a:avLst/>
+            </a:prstTxWarp>
+          </a:bodyPr>
+          <a:lstStyle/>
+          <a:p>
+            <a:pPr marL="0" marR="0" indent="0" algn="ctr" defTabSz="449263" rtl="0" eaLnBrk="1" fontAlgn="base" latinLnBrk="0" hangingPunct="1">
+              <a:lnSpc>
+                <a:spcPct val="93000"/>
+              </a:lnSpc>
+              <a:spcBef>
+                <a:spcPct val="0"/>
+              </a:spcBef>
+              <a:spcAft>
+                <a:spcPct val="0"/>
+              </a:spcAft>
+              <a:buClr>
+                <a:srgbClr val="000000"/>
+              </a:buClr>
+              <a:buSzPct val="100000"/>
+              <a:buFont typeface="Arial" pitchFamily="-65" charset="0"/>
+              <a:buNone/>
+              <a:tabLst/>
+            </a:pPr>
+            <a:endParaRPr kumimoji="0" lang="en-US" sz="1800" b="0" i="0" u="none" strike="noStrike" cap="none" normalizeH="0" baseline="0">
+              <a:ln>
+                <a:noFill/>
+              </a:ln>
+              <a:solidFill>
+                <a:schemeClr val="tx1"/>
+              </a:solidFill>
+              <a:effectLst/>
+              <a:latin typeface="Arial" pitchFamily="-65" charset="0"/>
+              <a:ea typeface="Lucida Sans Unicode" pitchFamily="-65" charset="-52"/>
+              <a:cs typeface="Lucida Sans Unicode" pitchFamily="-65" charset="-52"/>
+            </a:endParaRPr>
+          </a:p>
+        </p:txBody>
+      </p:sp>
+      <p:sp>
+        <p:nvSpPr>
+          <p:cNvPr id="3" name="Rechteck 2"/>
+          <p:cNvSpPr/>
+          <p:nvPr/>
+        </p:nvSpPr>
+        <p:spPr bwMode="auto">
+          <a:xfrm>
+            <a:off x="4040132" y="3738326"/>
+            <a:ext cx="638489" cy="607602"/>
+          </a:xfrm>
+          <a:prstGeom prst="rect">
+            <a:avLst/>
+          </a:prstGeom>
+          <a:solidFill>
+            <a:schemeClr val="accent1"/>
+          </a:solidFill>
+          <a:ln w="9525" cap="flat" cmpd="sng" algn="ctr">
+            <a:noFill/>
+            <a:prstDash val="solid"/>
+            <a:round/>
+            <a:headEnd type="none" w="med" len="med"/>
+            <a:tailEnd type="none" w="med" len="med"/>
+          </a:ln>
+          <a:effectLst/>
+        </p:spPr>
+        <p:txBody>
+          <a:bodyPr vert="horz" wrap="none" lIns="91440" tIns="45720" rIns="91440" bIns="45720" numCol="1" rtlCol="0" anchor="ctr" anchorCtr="0" compatLnSpc="1">
+            <a:prstTxWarp prst="textNoShape">
+              <a:avLst/>
+            </a:prstTxWarp>
+          </a:bodyPr>
+          <a:lstStyle/>
+          <a:p>
+            <a:pPr marL="0" marR="0" indent="0" algn="ctr" defTabSz="449263" rtl="0" eaLnBrk="1" fontAlgn="base" latinLnBrk="0" hangingPunct="1">
+              <a:lnSpc>
+                <a:spcPct val="93000"/>
+              </a:lnSpc>
+              <a:spcBef>
+                <a:spcPct val="0"/>
+              </a:spcBef>
+              <a:spcAft>
+                <a:spcPct val="0"/>
+              </a:spcAft>
+              <a:buClr>
+                <a:srgbClr val="000000"/>
+              </a:buClr>
+              <a:buSzPct val="100000"/>
+              <a:buFont typeface="Arial" pitchFamily="-65" charset="0"/>
+              <a:buNone/>
+              <a:tabLst/>
+            </a:pPr>
+            <a:endParaRPr kumimoji="0" lang="en-US" sz="1800" b="0" i="0" u="none" strike="noStrike" cap="none" normalizeH="0" baseline="0">
+              <a:ln>
+                <a:noFill/>
+              </a:ln>
+              <a:solidFill>
+                <a:schemeClr val="tx1"/>
+              </a:solidFill>
+              <a:effectLst/>
+              <a:latin typeface="Arial" pitchFamily="-65" charset="0"/>
+              <a:ea typeface="Lucida Sans Unicode" pitchFamily="-65" charset="-52"/>
+              <a:cs typeface="Lucida Sans Unicode" pitchFamily="-65" charset="-52"/>
+            </a:endParaRPr>
+          </a:p>
+        </p:txBody>
+      </p:sp>
+      <p:sp>
+        <p:nvSpPr>
+          <p:cNvPr id="14339" name="Titel 1"/>
           <p:cNvSpPr>
             <a:spLocks noGrp="1"/>
           </p:cNvSpPr>
@@ -25118,39 +21432,855 @@
           <a:lstStyle/>
           <a:p>
             <a:r>
-              <a:rPr lang="en-US" dirty="0" smtClean="0">
-                <a:latin typeface="Arial" pitchFamily="34" charset="0"/>
-                <a:cs typeface="Arial" pitchFamily="34" charset="0"/>
+              <a:rPr lang="de-DE" altLang="de-DE" dirty="0" smtClean="0">
+                <a:ea typeface="ＭＳ Ｐゴシック" pitchFamily="34" charset="-128"/>
               </a:rPr>
-              <a:t>Projektseminar Echtzeitsysteme</a:t>
-            </a:r>
-            <a:br>
-              <a:rPr lang="en-US" dirty="0" smtClean="0">
-                <a:latin typeface="Arial" pitchFamily="34" charset="0"/>
-                <a:cs typeface="Arial" pitchFamily="34" charset="0"/>
-              </a:rPr>
-            </a:br>
-            <a:r>
-              <a:rPr lang="en-US" dirty="0" smtClean="0">
-                <a:latin typeface="Arial" pitchFamily="34" charset="0"/>
-                <a:cs typeface="Arial" pitchFamily="34" charset="0"/>
-              </a:rPr>
-              <a:t>WS 2014/15</a:t>
-            </a:r>
-            <a:endParaRPr lang="de-DE" dirty="0"/>
+              <a:t>Eine kurze Geschichte von…</a:t>
+            </a:r>
           </a:p>
         </p:txBody>
       </p:sp>
+      <p:sp>
+        <p:nvSpPr>
+          <p:cNvPr id="14340" name="Rectangle 45"/>
+          <p:cNvSpPr>
+            <a:spLocks noChangeArrowheads="1"/>
+          </p:cNvSpPr>
+          <p:nvPr/>
+        </p:nvSpPr>
+        <p:spPr bwMode="auto">
+          <a:xfrm>
+            <a:off x="2001838" y="1419225"/>
+            <a:ext cx="9144000" cy="0"/>
+          </a:xfrm>
+          <a:prstGeom prst="rect">
+            <a:avLst/>
+          </a:prstGeom>
+          <a:noFill/>
+          <a:ln>
+            <a:noFill/>
+          </a:ln>
+          <a:effectLst/>
+          <a:extLst>
+            <a:ext uri="{909E8E84-426E-40DD-AFC4-6F175D3DCCD1}">
+              <a14:hiddenFill xmlns:a14="http://schemas.microsoft.com/office/drawing/2010/main">
+                <a:solidFill>
+                  <a:schemeClr val="accent1"/>
+                </a:solidFill>
+              </a14:hiddenFill>
+            </a:ext>
+            <a:ext uri="{91240B29-F687-4F45-9708-019B960494DF}">
+              <a14:hiddenLine xmlns:a14="http://schemas.microsoft.com/office/drawing/2010/main" w="9525" algn="ctr">
+                <a:solidFill>
+                  <a:schemeClr val="tx1"/>
+                </a:solidFill>
+                <a:miter lim="800000"/>
+                <a:headEnd/>
+                <a:tailEnd/>
+              </a14:hiddenLine>
+            </a:ext>
+            <a:ext uri="{AF507438-7753-43E0-B8FC-AC1667EBCBE1}">
+              <a14:hiddenEffects xmlns:a14="http://schemas.microsoft.com/office/drawing/2010/main">
+                <a:effectLst>
+                  <a:outerShdw dist="35921" dir="2700000" algn="ctr" rotWithShape="0">
+                    <a:schemeClr val="bg2"/>
+                  </a:outerShdw>
+                </a:effectLst>
+              </a14:hiddenEffects>
+            </a:ext>
+          </a:extLst>
+        </p:spPr>
+        <p:txBody>
+          <a:bodyPr wrap="none" anchor="ctr">
+            <a:spAutoFit/>
+          </a:bodyPr>
+          <a:lstStyle>
+            <a:lvl1pPr algn="l" eaLnBrk="0" hangingPunct="0">
+              <a:spcBef>
+                <a:spcPct val="20000"/>
+              </a:spcBef>
+              <a:buFont typeface="Wingdings" pitchFamily="2" charset="2"/>
+              <a:defRPr sz="2000">
+                <a:solidFill>
+                  <a:schemeClr val="tx1"/>
+                </a:solidFill>
+                <a:latin typeface="Arial" charset="0"/>
+                <a:ea typeface="ＭＳ Ｐゴシック" pitchFamily="34" charset="-128"/>
+              </a:defRPr>
+            </a:lvl1pPr>
+            <a:lvl2pPr marL="742950" indent="-285750" algn="l" eaLnBrk="0" hangingPunct="0">
+              <a:spcBef>
+                <a:spcPct val="20000"/>
+              </a:spcBef>
+              <a:buFont typeface="Wingdings" pitchFamily="2" charset="2"/>
+              <a:buChar char="§"/>
+              <a:defRPr>
+                <a:solidFill>
+                  <a:schemeClr val="tx1"/>
+                </a:solidFill>
+                <a:latin typeface="Arial" charset="0"/>
+                <a:ea typeface="ＭＳ Ｐゴシック" pitchFamily="34" charset="-128"/>
+              </a:defRPr>
+            </a:lvl2pPr>
+            <a:lvl3pPr marL="1143000" indent="-228600" algn="l" eaLnBrk="0" hangingPunct="0">
+              <a:spcBef>
+                <a:spcPct val="20000"/>
+              </a:spcBef>
+              <a:buFont typeface="Wingdings" pitchFamily="2" charset="2"/>
+              <a:buChar char="§"/>
+              <a:defRPr>
+                <a:solidFill>
+                  <a:schemeClr val="tx1"/>
+                </a:solidFill>
+                <a:latin typeface="Arial" charset="0"/>
+                <a:ea typeface="ＭＳ Ｐゴシック" pitchFamily="34" charset="-128"/>
+              </a:defRPr>
+            </a:lvl3pPr>
+            <a:lvl4pPr marL="1600200" indent="-228600" algn="l" eaLnBrk="0" hangingPunct="0">
+              <a:spcBef>
+                <a:spcPct val="20000"/>
+              </a:spcBef>
+              <a:buFont typeface="Wingdings" pitchFamily="2" charset="2"/>
+              <a:buChar char="§"/>
+              <a:defRPr sz="1600">
+                <a:solidFill>
+                  <a:schemeClr val="tx1"/>
+                </a:solidFill>
+                <a:latin typeface="Arial" charset="0"/>
+                <a:ea typeface="ＭＳ Ｐゴシック" pitchFamily="34" charset="-128"/>
+              </a:defRPr>
+            </a:lvl4pPr>
+            <a:lvl5pPr marL="2057400" indent="-228600" algn="l" eaLnBrk="0" hangingPunct="0">
+              <a:spcBef>
+                <a:spcPct val="20000"/>
+              </a:spcBef>
+              <a:buFont typeface="Wingdings" pitchFamily="2" charset="2"/>
+              <a:buChar char="§"/>
+              <a:defRPr sz="1600">
+                <a:solidFill>
+                  <a:schemeClr val="tx1"/>
+                </a:solidFill>
+                <a:latin typeface="Arial" charset="0"/>
+                <a:ea typeface="ＭＳ Ｐゴシック" pitchFamily="34" charset="-128"/>
+              </a:defRPr>
+            </a:lvl5pPr>
+            <a:lvl6pPr marL="2514600" indent="-228600" defTabSz="449263" eaLnBrk="0" fontAlgn="base" hangingPunct="0">
+              <a:spcBef>
+                <a:spcPct val="20000"/>
+              </a:spcBef>
+              <a:spcAft>
+                <a:spcPct val="0"/>
+              </a:spcAft>
+              <a:buFont typeface="Wingdings" pitchFamily="2" charset="2"/>
+              <a:buChar char="§"/>
+              <a:defRPr sz="1600">
+                <a:solidFill>
+                  <a:schemeClr val="tx1"/>
+                </a:solidFill>
+                <a:latin typeface="Arial" charset="0"/>
+                <a:ea typeface="ＭＳ Ｐゴシック" pitchFamily="34" charset="-128"/>
+              </a:defRPr>
+            </a:lvl6pPr>
+            <a:lvl7pPr marL="2971800" indent="-228600" defTabSz="449263" eaLnBrk="0" fontAlgn="base" hangingPunct="0">
+              <a:spcBef>
+                <a:spcPct val="20000"/>
+              </a:spcBef>
+              <a:spcAft>
+                <a:spcPct val="0"/>
+              </a:spcAft>
+              <a:buFont typeface="Wingdings" pitchFamily="2" charset="2"/>
+              <a:buChar char="§"/>
+              <a:defRPr sz="1600">
+                <a:solidFill>
+                  <a:schemeClr val="tx1"/>
+                </a:solidFill>
+                <a:latin typeface="Arial" charset="0"/>
+                <a:ea typeface="ＭＳ Ｐゴシック" pitchFamily="34" charset="-128"/>
+              </a:defRPr>
+            </a:lvl7pPr>
+            <a:lvl8pPr marL="3429000" indent="-228600" defTabSz="449263" eaLnBrk="0" fontAlgn="base" hangingPunct="0">
+              <a:spcBef>
+                <a:spcPct val="20000"/>
+              </a:spcBef>
+              <a:spcAft>
+                <a:spcPct val="0"/>
+              </a:spcAft>
+              <a:buFont typeface="Wingdings" pitchFamily="2" charset="2"/>
+              <a:buChar char="§"/>
+              <a:defRPr sz="1600">
+                <a:solidFill>
+                  <a:schemeClr val="tx1"/>
+                </a:solidFill>
+                <a:latin typeface="Arial" charset="0"/>
+                <a:ea typeface="ＭＳ Ｐゴシック" pitchFamily="34" charset="-128"/>
+              </a:defRPr>
+            </a:lvl8pPr>
+            <a:lvl9pPr marL="3886200" indent="-228600" defTabSz="449263" eaLnBrk="0" fontAlgn="base" hangingPunct="0">
+              <a:spcBef>
+                <a:spcPct val="20000"/>
+              </a:spcBef>
+              <a:spcAft>
+                <a:spcPct val="0"/>
+              </a:spcAft>
+              <a:buFont typeface="Wingdings" pitchFamily="2" charset="2"/>
+              <a:buChar char="§"/>
+              <a:defRPr sz="1600">
+                <a:solidFill>
+                  <a:schemeClr val="tx1"/>
+                </a:solidFill>
+                <a:latin typeface="Arial" charset="0"/>
+                <a:ea typeface="ＭＳ Ｐゴシック" pitchFamily="34" charset="-128"/>
+              </a:defRPr>
+            </a:lvl9pPr>
+          </a:lstStyle>
+          <a:p>
+            <a:pPr algn="ctr">
+              <a:spcBef>
+                <a:spcPct val="0"/>
+              </a:spcBef>
+              <a:buSzTx/>
+              <a:buFont typeface="Arial" charset="0"/>
+              <a:buNone/>
+            </a:pPr>
+            <a:r>
+              <a:rPr lang="en-US" altLang="de-DE" sz="1800"/>
+              <a:t/>
+            </a:r>
+            <a:br>
+              <a:rPr lang="en-US" altLang="de-DE" sz="1800"/>
+            </a:br>
+            <a:endParaRPr lang="en-US" altLang="de-DE" sz="1800"/>
+          </a:p>
+        </p:txBody>
+      </p:sp>
+      <p:sp>
+        <p:nvSpPr>
+          <p:cNvPr id="2" name="Textfeld 1"/>
+          <p:cNvSpPr txBox="1"/>
+          <p:nvPr/>
+        </p:nvSpPr>
+        <p:spPr>
+          <a:xfrm>
+            <a:off x="3925874" y="3738326"/>
+            <a:ext cx="864096" cy="607602"/>
+          </a:xfrm>
+          <a:prstGeom prst="rect">
+            <a:avLst/>
+          </a:prstGeom>
+          <a:noFill/>
+        </p:spPr>
+        <p:txBody>
+          <a:bodyPr wrap="square" rtlCol="0">
+            <a:spAutoFit/>
+          </a:bodyPr>
+          <a:lstStyle/>
+          <a:p>
+            <a:r>
+              <a:rPr lang="de-DE" b="1" dirty="0" smtClean="0"/>
+              <a:t>C</a:t>
+            </a:r>
+            <a:br>
+              <a:rPr lang="de-DE" b="1" dirty="0" smtClean="0"/>
+            </a:br>
+            <a:r>
+              <a:rPr lang="de-DE" b="1" dirty="0" smtClean="0"/>
+              <a:t>1972</a:t>
+            </a:r>
+            <a:endParaRPr lang="en-US" b="1" dirty="0"/>
+          </a:p>
+        </p:txBody>
+      </p:sp>
+      <p:sp>
+        <p:nvSpPr>
+          <p:cNvPr id="9" name="Textfeld 8"/>
+          <p:cNvSpPr txBox="1"/>
+          <p:nvPr/>
+        </p:nvSpPr>
+        <p:spPr>
+          <a:xfrm>
+            <a:off x="5187961" y="5302766"/>
+            <a:ext cx="1071736" cy="607602"/>
+          </a:xfrm>
+          <a:prstGeom prst="rect">
+            <a:avLst/>
+          </a:prstGeom>
+          <a:noFill/>
+        </p:spPr>
+        <p:txBody>
+          <a:bodyPr wrap="square" rtlCol="0">
+            <a:spAutoFit/>
+          </a:bodyPr>
+          <a:lstStyle/>
+          <a:p>
+            <a:r>
+              <a:rPr lang="de-DE" b="1" dirty="0" smtClean="0"/>
+              <a:t>ANSI C</a:t>
+            </a:r>
+          </a:p>
+          <a:p>
+            <a:r>
+              <a:rPr lang="de-DE" b="1" dirty="0" smtClean="0"/>
+              <a:t>1989</a:t>
+            </a:r>
+            <a:endParaRPr lang="en-US" b="1" dirty="0"/>
+          </a:p>
+        </p:txBody>
+      </p:sp>
+      <p:sp>
+        <p:nvSpPr>
+          <p:cNvPr id="10" name="Textfeld 9"/>
+          <p:cNvSpPr txBox="1"/>
+          <p:nvPr/>
+        </p:nvSpPr>
+        <p:spPr>
+          <a:xfrm>
+            <a:off x="3851919" y="4832493"/>
+            <a:ext cx="1012005" cy="607602"/>
+          </a:xfrm>
+          <a:prstGeom prst="rect">
+            <a:avLst/>
+          </a:prstGeom>
+          <a:noFill/>
+        </p:spPr>
+        <p:txBody>
+          <a:bodyPr wrap="square" rtlCol="0">
+            <a:spAutoFit/>
+          </a:bodyPr>
+          <a:lstStyle/>
+          <a:p>
+            <a:r>
+              <a:rPr lang="de-DE" b="1" dirty="0" smtClean="0"/>
+              <a:t>C++</a:t>
+            </a:r>
+            <a:br>
+              <a:rPr lang="de-DE" b="1" dirty="0" smtClean="0"/>
+            </a:br>
+            <a:r>
+              <a:rPr lang="de-DE" b="1" dirty="0" smtClean="0"/>
+              <a:t>1980/85</a:t>
+            </a:r>
+            <a:endParaRPr lang="en-US" b="1" dirty="0"/>
+          </a:p>
+        </p:txBody>
+      </p:sp>
+      <p:cxnSp>
+        <p:nvCxnSpPr>
+          <p:cNvPr id="4" name="Gerade Verbindung mit Pfeil 3"/>
+          <p:cNvCxnSpPr>
+            <a:stCxn id="2" idx="2"/>
+            <a:endCxn id="10" idx="0"/>
+          </p:cNvCxnSpPr>
+          <p:nvPr/>
+        </p:nvCxnSpPr>
+        <p:spPr bwMode="auto">
+          <a:xfrm>
+            <a:off x="4357922" y="4345928"/>
+            <a:ext cx="0" cy="486565"/>
+          </a:xfrm>
+          <a:prstGeom prst="straightConnector1">
+            <a:avLst/>
+          </a:prstGeom>
+          <a:solidFill>
+            <a:schemeClr val="accent1"/>
+          </a:solidFill>
+          <a:ln w="9525" cap="flat" cmpd="sng" algn="ctr">
+            <a:solidFill>
+              <a:schemeClr val="tx1"/>
+            </a:solidFill>
+            <a:prstDash val="solid"/>
+            <a:round/>
+            <a:headEnd type="none" w="med" len="med"/>
+            <a:tailEnd type="triangle"/>
+          </a:ln>
+          <a:effectLst/>
+        </p:spPr>
+      </p:cxnSp>
+      <p:cxnSp>
+        <p:nvCxnSpPr>
+          <p:cNvPr id="15" name="Gerade Verbindung mit Pfeil 14"/>
+          <p:cNvCxnSpPr>
+            <a:stCxn id="2" idx="2"/>
+            <a:endCxn id="9" idx="0"/>
+          </p:cNvCxnSpPr>
+          <p:nvPr/>
+        </p:nvCxnSpPr>
+        <p:spPr bwMode="auto">
+          <a:xfrm>
+            <a:off x="4357922" y="4345928"/>
+            <a:ext cx="1365907" cy="956838"/>
+          </a:xfrm>
+          <a:prstGeom prst="straightConnector1">
+            <a:avLst/>
+          </a:prstGeom>
+          <a:solidFill>
+            <a:schemeClr val="accent1"/>
+          </a:solidFill>
+          <a:ln w="9525" cap="flat" cmpd="sng" algn="ctr">
+            <a:solidFill>
+              <a:schemeClr val="tx1"/>
+            </a:solidFill>
+            <a:prstDash val="solid"/>
+            <a:round/>
+            <a:headEnd type="none" w="med" len="med"/>
+            <a:tailEnd type="triangle"/>
+          </a:ln>
+          <a:effectLst/>
+        </p:spPr>
+      </p:cxnSp>
+      <p:cxnSp>
+        <p:nvCxnSpPr>
+          <p:cNvPr id="19" name="Gerade Verbindung mit Pfeil 18"/>
+          <p:cNvCxnSpPr>
+            <a:stCxn id="10" idx="2"/>
+            <a:endCxn id="22" idx="0"/>
+          </p:cNvCxnSpPr>
+          <p:nvPr/>
+        </p:nvCxnSpPr>
+        <p:spPr bwMode="auto">
+          <a:xfrm>
+            <a:off x="4357922" y="5440095"/>
+            <a:ext cx="2403" cy="471443"/>
+          </a:xfrm>
+          <a:prstGeom prst="straightConnector1">
+            <a:avLst/>
+          </a:prstGeom>
+          <a:solidFill>
+            <a:schemeClr val="accent1"/>
+          </a:solidFill>
+          <a:ln w="9525" cap="flat" cmpd="sng" algn="ctr">
+            <a:solidFill>
+              <a:schemeClr val="tx1"/>
+            </a:solidFill>
+            <a:prstDash val="solid"/>
+            <a:round/>
+            <a:headEnd type="none" w="med" len="med"/>
+            <a:tailEnd type="triangle"/>
+          </a:ln>
+          <a:effectLst/>
+        </p:spPr>
+      </p:cxnSp>
+      <p:sp>
+        <p:nvSpPr>
+          <p:cNvPr id="22" name="Textfeld 21"/>
+          <p:cNvSpPr txBox="1"/>
+          <p:nvPr/>
+        </p:nvSpPr>
+        <p:spPr>
+          <a:xfrm>
+            <a:off x="3892273" y="5911538"/>
+            <a:ext cx="936104" cy="607602"/>
+          </a:xfrm>
+          <a:prstGeom prst="rect">
+            <a:avLst/>
+          </a:prstGeom>
+          <a:noFill/>
+        </p:spPr>
+        <p:txBody>
+          <a:bodyPr wrap="square" rtlCol="0">
+            <a:spAutoFit/>
+          </a:bodyPr>
+          <a:lstStyle/>
+          <a:p>
+            <a:r>
+              <a:rPr lang="de-DE" b="1" dirty="0" smtClean="0"/>
+              <a:t>Java 1995</a:t>
+            </a:r>
+            <a:endParaRPr lang="en-US" b="1" dirty="0"/>
+          </a:p>
+        </p:txBody>
+      </p:sp>
+      <p:cxnSp>
+        <p:nvCxnSpPr>
+          <p:cNvPr id="32" name="Gerade Verbindung mit Pfeil 31"/>
+          <p:cNvCxnSpPr>
+            <a:stCxn id="10" idx="3"/>
+            <a:endCxn id="9" idx="0"/>
+          </p:cNvCxnSpPr>
+          <p:nvPr/>
+        </p:nvCxnSpPr>
+        <p:spPr bwMode="auto">
+          <a:xfrm>
+            <a:off x="4863924" y="5136294"/>
+            <a:ext cx="859905" cy="166472"/>
+          </a:xfrm>
+          <a:prstGeom prst="straightConnector1">
+            <a:avLst/>
+          </a:prstGeom>
+          <a:solidFill>
+            <a:schemeClr val="accent1"/>
+          </a:solidFill>
+          <a:ln w="9525" cap="flat" cmpd="sng" algn="ctr">
+            <a:solidFill>
+              <a:schemeClr val="tx1"/>
+            </a:solidFill>
+            <a:prstDash val="solid"/>
+            <a:round/>
+            <a:headEnd type="none" w="med" len="med"/>
+            <a:tailEnd type="triangle"/>
+          </a:ln>
+          <a:effectLst/>
+        </p:spPr>
+      </p:cxnSp>
+      <p:sp>
+        <p:nvSpPr>
+          <p:cNvPr id="37" name="Textfeld 36"/>
+          <p:cNvSpPr txBox="1"/>
+          <p:nvPr/>
+        </p:nvSpPr>
+        <p:spPr>
+          <a:xfrm>
+            <a:off x="3925874" y="2828208"/>
+            <a:ext cx="864096" cy="607602"/>
+          </a:xfrm>
+          <a:prstGeom prst="rect">
+            <a:avLst/>
+          </a:prstGeom>
+          <a:noFill/>
+        </p:spPr>
+        <p:txBody>
+          <a:bodyPr wrap="square" rtlCol="0">
+            <a:spAutoFit/>
+          </a:bodyPr>
+          <a:lstStyle/>
+          <a:p>
+            <a:r>
+              <a:rPr lang="de-DE" b="1" dirty="0"/>
+              <a:t>B</a:t>
+            </a:r>
+            <a:r>
+              <a:rPr lang="de-DE" b="1" dirty="0" smtClean="0"/>
+              <a:t/>
+            </a:r>
+            <a:br>
+              <a:rPr lang="de-DE" b="1" dirty="0" smtClean="0"/>
+            </a:br>
+            <a:r>
+              <a:rPr lang="de-DE" b="1" dirty="0" smtClean="0"/>
+              <a:t>1969</a:t>
+            </a:r>
+            <a:endParaRPr lang="en-US" b="1" dirty="0"/>
+          </a:p>
+        </p:txBody>
+      </p:sp>
+      <p:cxnSp>
+        <p:nvCxnSpPr>
+          <p:cNvPr id="31" name="Gerade Verbindung mit Pfeil 30"/>
+          <p:cNvCxnSpPr>
+            <a:stCxn id="37" idx="2"/>
+            <a:endCxn id="2" idx="0"/>
+          </p:cNvCxnSpPr>
+          <p:nvPr/>
+        </p:nvCxnSpPr>
+        <p:spPr bwMode="auto">
+          <a:xfrm>
+            <a:off x="4357922" y="3435810"/>
+            <a:ext cx="0" cy="302516"/>
+          </a:xfrm>
+          <a:prstGeom prst="straightConnector1">
+            <a:avLst/>
+          </a:prstGeom>
+          <a:solidFill>
+            <a:schemeClr val="accent1"/>
+          </a:solidFill>
+          <a:ln w="9525" cap="flat" cmpd="sng" algn="ctr">
+            <a:solidFill>
+              <a:schemeClr val="tx1"/>
+            </a:solidFill>
+            <a:prstDash val="solid"/>
+            <a:round/>
+            <a:headEnd type="none" w="med" len="med"/>
+            <a:tailEnd type="triangle"/>
+          </a:ln>
+          <a:effectLst/>
+        </p:spPr>
+      </p:cxnSp>
+      <p:sp>
+        <p:nvSpPr>
+          <p:cNvPr id="41" name="Textfeld 40"/>
+          <p:cNvSpPr txBox="1"/>
+          <p:nvPr/>
+        </p:nvSpPr>
+        <p:spPr>
+          <a:xfrm>
+            <a:off x="2541898" y="2418844"/>
+            <a:ext cx="1080120" cy="607602"/>
+          </a:xfrm>
+          <a:prstGeom prst="rect">
+            <a:avLst/>
+          </a:prstGeom>
+          <a:noFill/>
+        </p:spPr>
+        <p:txBody>
+          <a:bodyPr wrap="square" rtlCol="0">
+            <a:spAutoFit/>
+          </a:bodyPr>
+          <a:lstStyle/>
+          <a:p>
+            <a:r>
+              <a:rPr lang="de-DE" b="1" dirty="0" smtClean="0"/>
+              <a:t>Algol 58/60/68</a:t>
+            </a:r>
+            <a:endParaRPr lang="en-US" b="1" dirty="0"/>
+          </a:p>
+        </p:txBody>
+      </p:sp>
+      <p:cxnSp>
+        <p:nvCxnSpPr>
+          <p:cNvPr id="42" name="Gerade Verbindung mit Pfeil 41"/>
+          <p:cNvCxnSpPr>
+            <a:stCxn id="41" idx="2"/>
+            <a:endCxn id="2" idx="0"/>
+          </p:cNvCxnSpPr>
+          <p:nvPr/>
+        </p:nvCxnSpPr>
+        <p:spPr bwMode="auto">
+          <a:xfrm>
+            <a:off x="3081958" y="3026446"/>
+            <a:ext cx="1275964" cy="711880"/>
+          </a:xfrm>
+          <a:prstGeom prst="straightConnector1">
+            <a:avLst/>
+          </a:prstGeom>
+          <a:solidFill>
+            <a:schemeClr val="accent1"/>
+          </a:solidFill>
+          <a:ln w="9525" cap="flat" cmpd="sng" algn="ctr">
+            <a:solidFill>
+              <a:schemeClr val="tx1"/>
+            </a:solidFill>
+            <a:prstDash val="solid"/>
+            <a:round/>
+            <a:headEnd type="none" w="med" len="med"/>
+            <a:tailEnd type="triangle"/>
+          </a:ln>
+          <a:effectLst/>
+        </p:spPr>
+      </p:cxnSp>
+      <p:sp>
+        <p:nvSpPr>
+          <p:cNvPr id="47" name="Textfeld 46"/>
+          <p:cNvSpPr txBox="1"/>
+          <p:nvPr/>
+        </p:nvSpPr>
+        <p:spPr>
+          <a:xfrm>
+            <a:off x="755576" y="1675518"/>
+            <a:ext cx="1526046" cy="607602"/>
+          </a:xfrm>
+          <a:prstGeom prst="rect">
+            <a:avLst/>
+          </a:prstGeom>
+          <a:noFill/>
+        </p:spPr>
+        <p:txBody>
+          <a:bodyPr wrap="square" rtlCol="0">
+            <a:spAutoFit/>
+          </a:bodyPr>
+          <a:lstStyle/>
+          <a:p>
+            <a:r>
+              <a:rPr lang="de-DE" b="1" dirty="0" smtClean="0"/>
+              <a:t>FORTRAN I</a:t>
+            </a:r>
+            <a:br>
+              <a:rPr lang="de-DE" b="1" dirty="0" smtClean="0"/>
+            </a:br>
+            <a:r>
+              <a:rPr lang="de-DE" b="1" dirty="0" smtClean="0"/>
+              <a:t>1957</a:t>
+            </a:r>
+            <a:endParaRPr lang="en-US" b="1" dirty="0"/>
+          </a:p>
+        </p:txBody>
+      </p:sp>
+      <p:cxnSp>
+        <p:nvCxnSpPr>
+          <p:cNvPr id="44" name="Gerade Verbindung mit Pfeil 43"/>
+          <p:cNvCxnSpPr>
+            <a:stCxn id="47" idx="2"/>
+            <a:endCxn id="41" idx="1"/>
+          </p:cNvCxnSpPr>
+          <p:nvPr/>
+        </p:nvCxnSpPr>
+        <p:spPr bwMode="auto">
+          <a:xfrm>
+            <a:off x="1518599" y="2283120"/>
+            <a:ext cx="1023299" cy="439525"/>
+          </a:xfrm>
+          <a:prstGeom prst="straightConnector1">
+            <a:avLst/>
+          </a:prstGeom>
+          <a:solidFill>
+            <a:schemeClr val="accent1"/>
+          </a:solidFill>
+          <a:ln w="9525" cap="flat" cmpd="sng" algn="ctr">
+            <a:solidFill>
+              <a:schemeClr val="tx1"/>
+            </a:solidFill>
+            <a:prstDash val="solid"/>
+            <a:round/>
+            <a:headEnd type="none" w="med" len="med"/>
+            <a:tailEnd type="triangle"/>
+          </a:ln>
+          <a:effectLst/>
+        </p:spPr>
+      </p:cxnSp>
+      <p:sp>
+        <p:nvSpPr>
+          <p:cNvPr id="53" name="Textfeld 52"/>
+          <p:cNvSpPr txBox="1"/>
+          <p:nvPr/>
+        </p:nvSpPr>
+        <p:spPr>
+          <a:xfrm>
+            <a:off x="3925874" y="2005747"/>
+            <a:ext cx="864096" cy="607602"/>
+          </a:xfrm>
+          <a:prstGeom prst="rect">
+            <a:avLst/>
+          </a:prstGeom>
+          <a:noFill/>
+        </p:spPr>
+        <p:txBody>
+          <a:bodyPr wrap="square" rtlCol="0">
+            <a:spAutoFit/>
+          </a:bodyPr>
+          <a:lstStyle/>
+          <a:p>
+            <a:r>
+              <a:rPr lang="de-DE" b="1" dirty="0" smtClean="0"/>
+              <a:t>BCPL</a:t>
+            </a:r>
+            <a:br>
+              <a:rPr lang="de-DE" b="1" dirty="0" smtClean="0"/>
+            </a:br>
+            <a:r>
+              <a:rPr lang="de-DE" b="1" dirty="0" smtClean="0"/>
+              <a:t>1967</a:t>
+            </a:r>
+            <a:endParaRPr lang="en-US" b="1" dirty="0"/>
+          </a:p>
+        </p:txBody>
+      </p:sp>
+      <p:sp>
+        <p:nvSpPr>
+          <p:cNvPr id="54" name="Textfeld 53"/>
+          <p:cNvSpPr txBox="1"/>
+          <p:nvPr/>
+        </p:nvSpPr>
+        <p:spPr>
+          <a:xfrm>
+            <a:off x="3925874" y="1208537"/>
+            <a:ext cx="864096" cy="607602"/>
+          </a:xfrm>
+          <a:prstGeom prst="rect">
+            <a:avLst/>
+          </a:prstGeom>
+          <a:solidFill>
+            <a:schemeClr val="bg1"/>
+          </a:solidFill>
+        </p:spPr>
+        <p:txBody>
+          <a:bodyPr wrap="square" rtlCol="0">
+            <a:spAutoFit/>
+          </a:bodyPr>
+          <a:lstStyle/>
+          <a:p>
+            <a:r>
+              <a:rPr lang="de-DE" b="1" dirty="0" smtClean="0"/>
+              <a:t>CPL</a:t>
+            </a:r>
+            <a:br>
+              <a:rPr lang="de-DE" b="1" dirty="0" smtClean="0"/>
+            </a:br>
+            <a:r>
+              <a:rPr lang="de-DE" b="1" dirty="0" smtClean="0"/>
+              <a:t>1963</a:t>
+            </a:r>
+            <a:endParaRPr lang="en-US" b="1" dirty="0"/>
+          </a:p>
+        </p:txBody>
+      </p:sp>
+      <p:cxnSp>
+        <p:nvCxnSpPr>
+          <p:cNvPr id="59" name="Gerade Verbindung mit Pfeil 58"/>
+          <p:cNvCxnSpPr>
+            <a:stCxn id="53" idx="2"/>
+            <a:endCxn id="37" idx="0"/>
+          </p:cNvCxnSpPr>
+          <p:nvPr/>
+        </p:nvCxnSpPr>
+        <p:spPr bwMode="auto">
+          <a:xfrm>
+            <a:off x="4357922" y="2613349"/>
+            <a:ext cx="0" cy="214859"/>
+          </a:xfrm>
+          <a:prstGeom prst="straightConnector1">
+            <a:avLst/>
+          </a:prstGeom>
+          <a:solidFill>
+            <a:schemeClr val="accent1"/>
+          </a:solidFill>
+          <a:ln w="9525" cap="flat" cmpd="sng" algn="ctr">
+            <a:solidFill>
+              <a:schemeClr val="tx1"/>
+            </a:solidFill>
+            <a:prstDash val="solid"/>
+            <a:round/>
+            <a:headEnd type="none" w="med" len="med"/>
+            <a:tailEnd type="triangle"/>
+          </a:ln>
+          <a:effectLst/>
+        </p:spPr>
+      </p:cxnSp>
+      <p:cxnSp>
+        <p:nvCxnSpPr>
+          <p:cNvPr id="64" name="Gerade Verbindung mit Pfeil 63"/>
+          <p:cNvCxnSpPr>
+            <a:stCxn id="54" idx="2"/>
+            <a:endCxn id="53" idx="0"/>
+          </p:cNvCxnSpPr>
+          <p:nvPr/>
+        </p:nvCxnSpPr>
+        <p:spPr bwMode="auto">
+          <a:xfrm>
+            <a:off x="4357922" y="1816139"/>
+            <a:ext cx="0" cy="189608"/>
+          </a:xfrm>
+          <a:prstGeom prst="straightConnector1">
+            <a:avLst/>
+          </a:prstGeom>
+          <a:solidFill>
+            <a:schemeClr val="accent1"/>
+          </a:solidFill>
+          <a:ln w="9525" cap="flat" cmpd="sng" algn="ctr">
+            <a:solidFill>
+              <a:schemeClr val="tx1"/>
+            </a:solidFill>
+            <a:prstDash val="solid"/>
+            <a:round/>
+            <a:headEnd type="none" w="med" len="med"/>
+            <a:tailEnd type="triangle"/>
+          </a:ln>
+          <a:effectLst/>
+        </p:spPr>
+      </p:cxnSp>
       <p:pic>
         <p:nvPicPr>
-          <p:cNvPr id="15" name="Picture 1"/>
+          <p:cNvPr id="28676" name="Picture 4" descr="http://upload.wikimedia.org/wikipedia/commons/thumb/9/95/The_C_Programming_Language%2C_First_Edition_Cover_%282%29.svg/546px-The_C_Programming_Language%2C_First_Edition_Cover_%282%29.svg.png"/>
           <p:cNvPicPr>
             <a:picLocks noChangeAspect="1" noChangeArrowheads="1"/>
           </p:cNvPicPr>
           <p:nvPr/>
         </p:nvPicPr>
         <p:blipFill>
-          <a:blip r:embed="rId3"/>
+          <a:blip r:embed="rId3" cstate="print">
+            <a:extLst>
+              <a:ext uri="{28A0092B-C50C-407E-A947-70E740481C1C}">
+                <a14:useLocalDpi xmlns:a14="http://schemas.microsoft.com/office/drawing/2010/main" val="0"/>
+              </a:ext>
+            </a:extLst>
+          </a:blip>
           <a:srcRect/>
           <a:stretch>
             <a:fillRect/>
@@ -25158,818 +22288,50 @@
         </p:blipFill>
         <p:spPr bwMode="auto">
           <a:xfrm>
-            <a:off x="6059817" y="378115"/>
-            <a:ext cx="3253941" cy="2305671"/>
+            <a:off x="4743022" y="3590098"/>
+            <a:ext cx="675483" cy="948893"/>
           </a:xfrm>
           <a:prstGeom prst="rect">
             <a:avLst/>
           </a:prstGeom>
           <a:noFill/>
-          <a:ln w="12700">
-            <a:noFill/>
-            <a:miter lim="800000"/>
-            <a:headEnd/>
-            <a:tailEnd/>
-          </a:ln>
+          <a:extLst>
+            <a:ext uri="{909E8E84-426E-40DD-AFC4-6F175D3DCCD1}">
+              <a14:hiddenFill xmlns:a14="http://schemas.microsoft.com/office/drawing/2010/main">
+                <a:solidFill>
+                  <a:srgbClr val="FFFFFF"/>
+                </a:solidFill>
+              </a14:hiddenFill>
+            </a:ext>
+          </a:extLst>
         </p:spPr>
       </p:pic>
       <p:sp>
         <p:nvSpPr>
-          <p:cNvPr id="3" name="Textfeld 2"/>
-          <p:cNvSpPr txBox="1"/>
-          <p:nvPr/>
-        </p:nvSpPr>
-        <p:spPr>
-          <a:xfrm>
-            <a:off x="251520" y="1558533"/>
-            <a:ext cx="4097340" cy="1637756"/>
-          </a:xfrm>
-          <a:prstGeom prst="rect">
-            <a:avLst/>
-          </a:prstGeom>
-          <a:noFill/>
-        </p:spPr>
-        <p:txBody>
-          <a:bodyPr wrap="none" rtlCol="0">
-            <a:spAutoFit/>
-          </a:bodyPr>
-          <a:lstStyle/>
-          <a:p>
-            <a:pPr algn="l"/>
-            <a:r>
-              <a:rPr lang="de-DE" sz="1200" b="1" dirty="0"/>
-              <a:t>6</a:t>
-            </a:r>
-            <a:r>
-              <a:rPr lang="de-DE" sz="1200" b="1" dirty="0" smtClean="0"/>
-              <a:t>CPs</a:t>
-            </a:r>
-            <a:r>
-              <a:rPr lang="de-DE" sz="1200" dirty="0" smtClean="0"/>
-              <a:t> </a:t>
-            </a:r>
-            <a:r>
-              <a:rPr lang="de-DE" sz="1200" dirty="0"/>
-              <a:t>= </a:t>
-            </a:r>
-            <a:r>
-              <a:rPr lang="de-DE" sz="1200" dirty="0" smtClean="0"/>
-              <a:t>[160 - 200] </a:t>
-            </a:r>
-            <a:r>
-              <a:rPr lang="de-DE" sz="1200" dirty="0"/>
-              <a:t>Stunden im Semester</a:t>
-            </a:r>
-          </a:p>
-          <a:p>
-            <a:pPr algn="l">
-              <a:tabLst>
-                <a:tab pos="534988" algn="l"/>
-              </a:tabLst>
-            </a:pPr>
-            <a:r>
-              <a:rPr lang="de-DE" sz="1200" dirty="0" smtClean="0"/>
-              <a:t>	1 </a:t>
-            </a:r>
-            <a:r>
-              <a:rPr lang="de-DE" sz="1200" dirty="0"/>
-              <a:t>bis 2 Tag(e) pro Woche [ + Vorlesungsfreie </a:t>
-            </a:r>
-            <a:r>
-              <a:rPr lang="de-DE" sz="1200" dirty="0" smtClean="0"/>
-              <a:t>Zeit]</a:t>
-            </a:r>
-          </a:p>
-          <a:p>
-            <a:pPr algn="l"/>
-            <a:endParaRPr lang="de-DE" sz="1200" dirty="0" smtClean="0"/>
-          </a:p>
-          <a:p>
-            <a:pPr algn="l"/>
-            <a:r>
-              <a:rPr lang="de-DE" sz="1200" b="1" dirty="0" smtClean="0"/>
-              <a:t/>
-            </a:r>
-            <a:br>
-              <a:rPr lang="de-DE" sz="1200" b="1" dirty="0" smtClean="0"/>
-            </a:br>
-            <a:r>
-              <a:rPr lang="de-DE" sz="1200" b="1" dirty="0" smtClean="0"/>
-              <a:t/>
-            </a:r>
-            <a:br>
-              <a:rPr lang="de-DE" sz="1200" b="1" dirty="0" smtClean="0"/>
-            </a:br>
-            <a:r>
-              <a:rPr lang="de-DE" sz="1200" b="1" dirty="0" smtClean="0"/>
-              <a:t>Anmeldung:</a:t>
-            </a:r>
-          </a:p>
-          <a:p>
-            <a:pPr algn="l"/>
-            <a:r>
-              <a:rPr lang="de-DE" sz="1200" dirty="0" smtClean="0">
-                <a:hlinkClick r:id="rId4"/>
-              </a:rPr>
-              <a:t>http://www.es.tu-darmstadt.de</a:t>
-            </a:r>
-            <a:r>
-              <a:rPr lang="de-DE" sz="1200" dirty="0" smtClean="0"/>
-              <a:t> </a:t>
-            </a:r>
-          </a:p>
-          <a:p>
-            <a:pPr algn="l"/>
-            <a:r>
-              <a:rPr lang="de-DE" sz="1200" b="1" dirty="0" smtClean="0">
-                <a:solidFill>
-                  <a:srgbClr val="FF0000"/>
-                </a:solidFill>
-              </a:rPr>
-              <a:t>und</a:t>
-            </a:r>
-            <a:r>
-              <a:rPr lang="de-DE" sz="1200" dirty="0" smtClean="0">
-                <a:solidFill>
-                  <a:srgbClr val="FF0000"/>
-                </a:solidFill>
-              </a:rPr>
-              <a:t> </a:t>
-            </a:r>
-          </a:p>
-          <a:p>
-            <a:pPr algn="l"/>
-            <a:r>
-              <a:rPr lang="de-DE" sz="1200" dirty="0" smtClean="0"/>
-              <a:t>TUCaN</a:t>
-            </a:r>
-            <a:endParaRPr lang="de-DE" sz="1200" dirty="0"/>
-          </a:p>
-        </p:txBody>
-      </p:sp>
-      <p:pic>
-        <p:nvPicPr>
-          <p:cNvPr id="17" name="Picture 9" descr="\\fg\es\public\Dokumente\04_Grafiken\Cliparts\iStockphoto\iStock_000014344040Medium.jpg"/>
-          <p:cNvPicPr>
-            <a:picLocks noChangeAspect="1" noChangeArrowheads="1"/>
-          </p:cNvPicPr>
-          <p:nvPr/>
-        </p:nvPicPr>
-        <p:blipFill>
-          <a:blip r:embed="rId5" cstate="print"/>
-          <a:srcRect/>
-          <a:stretch>
-            <a:fillRect/>
-          </a:stretch>
-        </p:blipFill>
-        <p:spPr bwMode="auto">
-          <a:xfrm rot="21372910">
-            <a:off x="3132395" y="4865031"/>
-            <a:ext cx="1807455" cy="1203907"/>
-          </a:xfrm>
-          <a:prstGeom prst="rect">
-            <a:avLst/>
-          </a:prstGeom>
-          <a:noFill/>
-          <a:effectLst>
-            <a:glow rad="228600">
-              <a:schemeClr val="accent1">
-                <a:satMod val="175000"/>
-                <a:alpha val="40000"/>
-              </a:schemeClr>
-            </a:glow>
-          </a:effectLst>
-        </p:spPr>
-      </p:pic>
-      <p:grpSp>
-        <p:nvGrpSpPr>
-          <p:cNvPr id="18" name="Gruppieren 17"/>
-          <p:cNvGrpSpPr/>
-          <p:nvPr/>
-        </p:nvGrpSpPr>
-        <p:grpSpPr>
-          <a:xfrm>
-            <a:off x="6556003" y="4300626"/>
-            <a:ext cx="2261567" cy="1867640"/>
-            <a:chOff x="5430636" y="3114346"/>
-            <a:chExt cx="2561234" cy="2115110"/>
-          </a:xfrm>
-        </p:grpSpPr>
-        <p:pic>
-          <p:nvPicPr>
-            <p:cNvPr id="19" name="Picture 6" descr="\\fg\es\public\Dokumente\04_Grafiken\Cliparts\iStockphoto\iStock_000012535816XSmall.jpg"/>
-            <p:cNvPicPr>
-              <a:picLocks noChangeAspect="1" noChangeArrowheads="1"/>
-            </p:cNvPicPr>
-            <p:nvPr/>
-          </p:nvPicPr>
-          <p:blipFill>
-            <a:blip r:embed="rId6"/>
-            <a:srcRect/>
-            <a:stretch>
-              <a:fillRect/>
-            </a:stretch>
-          </p:blipFill>
-          <p:spPr bwMode="auto">
-            <a:xfrm>
-              <a:off x="6228184" y="3114346"/>
-              <a:ext cx="1763686" cy="1322766"/>
-            </a:xfrm>
-            <a:prstGeom prst="rect">
-              <a:avLst/>
-            </a:prstGeom>
-            <a:noFill/>
-          </p:spPr>
-        </p:pic>
-        <p:pic>
-          <p:nvPicPr>
-            <p:cNvPr id="20" name="Picture 2" descr="Z:\public\Dokumente\04_Grafiken\Cliparts\iStockphoto\iStock_000010348424XSmall.jpg"/>
-            <p:cNvPicPr>
-              <a:picLocks noChangeAspect="1" noChangeArrowheads="1"/>
-            </p:cNvPicPr>
-            <p:nvPr/>
-          </p:nvPicPr>
-          <p:blipFill>
-            <a:blip r:embed="rId7">
-              <a:clrChange>
-                <a:clrFrom>
-                  <a:srgbClr val="FFFFFF"/>
-                </a:clrFrom>
-                <a:clrTo>
-                  <a:srgbClr val="FFFFFF">
-                    <a:alpha val="0"/>
-                  </a:srgbClr>
-                </a:clrTo>
-              </a:clrChange>
-              <a:extLst>
-                <a:ext uri="{28A0092B-C50C-407E-A947-70E740481C1C}">
-                  <a14:useLocalDpi xmlns:a14="http://schemas.microsoft.com/office/drawing/2010/main" val="0"/>
-                </a:ext>
-              </a:extLst>
-            </a:blip>
-            <a:srcRect/>
-            <a:stretch>
-              <a:fillRect/>
-            </a:stretch>
-          </p:blipFill>
-          <p:spPr bwMode="auto">
-            <a:xfrm>
-              <a:off x="5430636" y="3429000"/>
-              <a:ext cx="1805660" cy="1800456"/>
-            </a:xfrm>
-            <a:prstGeom prst="rect">
-              <a:avLst/>
-            </a:prstGeom>
-            <a:noFill/>
-            <a:extLst>
-              <a:ext uri="{909E8E84-426E-40DD-AFC4-6F175D3DCCD1}">
-                <a14:hiddenFill xmlns:a14="http://schemas.microsoft.com/office/drawing/2010/main">
-                  <a:solidFill>
-                    <a:srgbClr val="FFFFFF"/>
-                  </a:solidFill>
-                </a14:hiddenFill>
-              </a:ext>
-            </a:extLst>
-          </p:spPr>
-        </p:pic>
-      </p:grpSp>
-      <p:grpSp>
-        <p:nvGrpSpPr>
-          <p:cNvPr id="22" name="Gruppieren 21"/>
-          <p:cNvGrpSpPr/>
-          <p:nvPr/>
-        </p:nvGrpSpPr>
-        <p:grpSpPr>
-          <a:xfrm>
-            <a:off x="3060726" y="1074728"/>
-            <a:ext cx="5043248" cy="3861836"/>
-            <a:chOff x="1918719" y="2181025"/>
-            <a:chExt cx="5043248" cy="3861836"/>
-          </a:xfrm>
-        </p:grpSpPr>
-        <p:pic>
-          <p:nvPicPr>
-            <p:cNvPr id="23" name="Picture 13" descr="\\fg\es\public\Dokumente\04_Grafiken\Cliparts\iStockphoto\iStock_000007760041XSmall.jpg"/>
-            <p:cNvPicPr>
-              <a:picLocks noChangeAspect="1" noChangeArrowheads="1"/>
-            </p:cNvPicPr>
-            <p:nvPr/>
-          </p:nvPicPr>
-          <p:blipFill>
-            <a:blip r:embed="rId8"/>
-            <a:srcRect/>
-            <a:stretch>
-              <a:fillRect/>
-            </a:stretch>
-          </p:blipFill>
-          <p:spPr bwMode="auto">
-            <a:xfrm>
-              <a:off x="3934690" y="4956234"/>
-              <a:ext cx="1274618" cy="778850"/>
-            </a:xfrm>
-            <a:prstGeom prst="rect">
-              <a:avLst/>
-            </a:prstGeom>
-            <a:noFill/>
-          </p:spPr>
-        </p:pic>
-        <p:pic>
-          <p:nvPicPr>
-            <p:cNvPr id="24" name="Picture 5"/>
-            <p:cNvPicPr>
-              <a:picLocks noChangeAspect="1" noChangeArrowheads="1"/>
-            </p:cNvPicPr>
-            <p:nvPr/>
-          </p:nvPicPr>
-          <p:blipFill>
-            <a:blip r:embed="rId9"/>
-            <a:srcRect/>
-            <a:stretch>
-              <a:fillRect/>
-            </a:stretch>
-          </p:blipFill>
-          <p:spPr bwMode="auto">
-            <a:xfrm>
-              <a:off x="3286125" y="2928938"/>
-              <a:ext cx="2755900" cy="2214562"/>
-            </a:xfrm>
-            <a:prstGeom prst="rect">
-              <a:avLst/>
-            </a:prstGeom>
-            <a:noFill/>
-            <a:ln w="12700">
-              <a:noFill/>
-              <a:miter lim="800000"/>
-              <a:headEnd/>
-              <a:tailEnd/>
-            </a:ln>
-          </p:spPr>
-        </p:pic>
-        <p:sp>
-          <p:nvSpPr>
-            <p:cNvPr id="25" name="Textfeld 8"/>
-            <p:cNvSpPr txBox="1">
-              <a:spLocks noChangeArrowheads="1"/>
-            </p:cNvSpPr>
-            <p:nvPr/>
-          </p:nvSpPr>
-          <p:spPr bwMode="auto">
-            <a:xfrm>
-              <a:off x="1918719" y="4558725"/>
-              <a:ext cx="1438214" cy="584775"/>
-            </a:xfrm>
-            <a:prstGeom prst="rect">
-              <a:avLst/>
-            </a:prstGeom>
-            <a:noFill/>
-            <a:ln w="9525">
-              <a:noFill/>
-              <a:miter lim="800000"/>
-              <a:headEnd/>
-              <a:tailEnd/>
-            </a:ln>
-          </p:spPr>
-          <p:txBody>
-            <a:bodyPr wrap="none">
-              <a:spAutoFit/>
-            </a:bodyPr>
-            <a:lstStyle/>
-            <a:p>
-              <a:pPr algn="ctr"/>
-              <a:r>
-                <a:rPr lang="de-DE" sz="1600" b="1" dirty="0" smtClean="0"/>
-                <a:t>Release-</a:t>
-              </a:r>
-            </a:p>
-            <a:p>
-              <a:pPr algn="ctr"/>
-              <a:r>
-                <a:rPr lang="de-DE" sz="1600" b="1" dirty="0"/>
-                <a:t>M</a:t>
-              </a:r>
-              <a:r>
-                <a:rPr lang="de-DE" sz="1600" b="1" dirty="0" smtClean="0"/>
-                <a:t>anagement</a:t>
-              </a:r>
-              <a:endParaRPr lang="de-DE" sz="1600" b="1" dirty="0"/>
-            </a:p>
-          </p:txBody>
-        </p:sp>
-        <p:sp>
-          <p:nvSpPr>
-            <p:cNvPr id="26" name="Textfeld 10"/>
-            <p:cNvSpPr txBox="1">
-              <a:spLocks noChangeArrowheads="1"/>
-            </p:cNvSpPr>
-            <p:nvPr/>
-          </p:nvSpPr>
-          <p:spPr bwMode="auto">
-            <a:xfrm>
-              <a:off x="5724128" y="4647877"/>
-              <a:ext cx="1237839" cy="307777"/>
-            </a:xfrm>
-            <a:prstGeom prst="rect">
-              <a:avLst/>
-            </a:prstGeom>
-            <a:noFill/>
-            <a:ln w="9525">
-              <a:noFill/>
-              <a:miter lim="800000"/>
-              <a:headEnd/>
-              <a:tailEnd/>
-            </a:ln>
-          </p:spPr>
-          <p:txBody>
-            <a:bodyPr wrap="none">
-              <a:spAutoFit/>
-            </a:bodyPr>
-            <a:lstStyle/>
-            <a:p>
-              <a:r>
-                <a:rPr lang="de-DE" sz="1400" b="1" dirty="0" smtClean="0"/>
-                <a:t>Entwicklung</a:t>
-              </a:r>
-              <a:endParaRPr lang="de-DE" sz="1400" b="1" dirty="0"/>
-            </a:p>
-          </p:txBody>
-        </p:sp>
-        <p:sp>
-          <p:nvSpPr>
-            <p:cNvPr id="27" name="Textfeld 11"/>
-            <p:cNvSpPr txBox="1">
-              <a:spLocks noChangeArrowheads="1"/>
-            </p:cNvSpPr>
-            <p:nvPr/>
-          </p:nvSpPr>
-          <p:spPr bwMode="auto">
-            <a:xfrm>
-              <a:off x="4150318" y="2759661"/>
-              <a:ext cx="829843" cy="338554"/>
-            </a:xfrm>
-            <a:prstGeom prst="rect">
-              <a:avLst/>
-            </a:prstGeom>
-            <a:noFill/>
-            <a:ln w="9525">
-              <a:noFill/>
-              <a:miter lim="800000"/>
-              <a:headEnd/>
-              <a:tailEnd/>
-            </a:ln>
-          </p:spPr>
-          <p:txBody>
-            <a:bodyPr wrap="none">
-              <a:spAutoFit/>
-            </a:bodyPr>
-            <a:lstStyle/>
-            <a:p>
-              <a:r>
-                <a:rPr lang="de-DE" sz="1600" b="1" dirty="0"/>
-                <a:t>Testen</a:t>
-              </a:r>
-            </a:p>
-          </p:txBody>
-        </p:sp>
-        <p:pic>
-          <p:nvPicPr>
-            <p:cNvPr id="28" name="Picture 8" descr="\\fg\es\public\Dokumente\04_Grafiken\Cliparts\iStockphoto\iStock_000009133360XSmall.jpg"/>
-            <p:cNvPicPr>
-              <a:picLocks noChangeAspect="1" noChangeArrowheads="1"/>
-            </p:cNvPicPr>
-            <p:nvPr/>
-          </p:nvPicPr>
-          <p:blipFill>
-            <a:blip r:embed="rId10"/>
-            <a:srcRect/>
-            <a:stretch>
-              <a:fillRect/>
-            </a:stretch>
-          </p:blipFill>
-          <p:spPr bwMode="auto">
-            <a:xfrm rot="21134934">
-              <a:off x="3861031" y="3787055"/>
-              <a:ext cx="1165475" cy="772698"/>
-            </a:xfrm>
-            <a:prstGeom prst="rect">
-              <a:avLst/>
-            </a:prstGeom>
-            <a:noFill/>
-            <a:effectLst>
-              <a:glow rad="139700">
-                <a:schemeClr val="accent1">
-                  <a:satMod val="175000"/>
-                  <a:alpha val="40000"/>
-                </a:schemeClr>
-              </a:glow>
-            </a:effectLst>
-          </p:spPr>
-        </p:pic>
-        <p:grpSp>
-          <p:nvGrpSpPr>
-            <p:cNvPr id="29" name="Gruppieren 28"/>
-            <p:cNvGrpSpPr/>
-            <p:nvPr/>
-          </p:nvGrpSpPr>
-          <p:grpSpPr>
-            <a:xfrm>
-              <a:off x="4260674" y="2181025"/>
-              <a:ext cx="622647" cy="578636"/>
-              <a:chOff x="5724128" y="1412776"/>
-              <a:chExt cx="2169580" cy="2016224"/>
-            </a:xfrm>
-          </p:grpSpPr>
-          <p:pic>
-            <p:nvPicPr>
-              <p:cNvPr id="34" name="Picture 14" descr="\\fg\es\public\Dokumente\04_Grafiken\Cliparts\iStockphoto\iStock_000004107449XSmall.jpg"/>
-              <p:cNvPicPr>
-                <a:picLocks noChangeAspect="1" noChangeArrowheads="1"/>
-              </p:cNvPicPr>
-              <p:nvPr/>
-            </p:nvPicPr>
-            <p:blipFill>
-              <a:blip r:embed="rId11">
-                <a:clrChange>
-                  <a:clrFrom>
-                    <a:srgbClr val="FFFFFF"/>
-                  </a:clrFrom>
-                  <a:clrTo>
-                    <a:srgbClr val="FFFFFF">
-                      <a:alpha val="0"/>
-                    </a:srgbClr>
-                  </a:clrTo>
-                </a:clrChange>
-              </a:blip>
-              <a:srcRect/>
-              <a:stretch>
-                <a:fillRect/>
-              </a:stretch>
-            </p:blipFill>
-            <p:spPr bwMode="auto">
-              <a:xfrm>
-                <a:off x="5724128" y="2060849"/>
-                <a:ext cx="994855" cy="936104"/>
-              </a:xfrm>
-              <a:prstGeom prst="rect">
-                <a:avLst/>
-              </a:prstGeom>
-              <a:noFill/>
-            </p:spPr>
-          </p:pic>
-          <p:pic>
-            <p:nvPicPr>
-              <p:cNvPr id="35" name="Picture 14" descr="\\fg\es\public\Dokumente\04_Grafiken\Cliparts\iStockphoto\iStock_000004107449XSmall.jpg"/>
-              <p:cNvPicPr>
-                <a:picLocks noChangeAspect="1" noChangeArrowheads="1"/>
-              </p:cNvPicPr>
-              <p:nvPr/>
-            </p:nvPicPr>
-            <p:blipFill>
-              <a:blip r:embed="rId11">
-                <a:clrChange>
-                  <a:clrFrom>
-                    <a:srgbClr val="FFFFFF"/>
-                  </a:clrFrom>
-                  <a:clrTo>
-                    <a:srgbClr val="FFFFFF">
-                      <a:alpha val="0"/>
-                    </a:srgbClr>
-                  </a:clrTo>
-                </a:clrChange>
-              </a:blip>
-              <a:srcRect/>
-              <a:stretch>
-                <a:fillRect/>
-              </a:stretch>
-            </p:blipFill>
-            <p:spPr bwMode="auto">
-              <a:xfrm>
-                <a:off x="6300192" y="1412776"/>
-                <a:ext cx="994855" cy="936104"/>
-              </a:xfrm>
-              <a:prstGeom prst="rect">
-                <a:avLst/>
-              </a:prstGeom>
-              <a:noFill/>
-            </p:spPr>
-          </p:pic>
-          <p:pic>
-            <p:nvPicPr>
-              <p:cNvPr id="36" name="Picture 14" descr="\\fg\es\public\Dokumente\04_Grafiken\Cliparts\iStockphoto\iStock_000004107449XSmall.jpg"/>
-              <p:cNvPicPr>
-                <a:picLocks noChangeAspect="1" noChangeArrowheads="1"/>
-              </p:cNvPicPr>
-              <p:nvPr/>
-            </p:nvPicPr>
-            <p:blipFill>
-              <a:blip r:embed="rId11">
-                <a:clrChange>
-                  <a:clrFrom>
-                    <a:srgbClr val="FFFFFF"/>
-                  </a:clrFrom>
-                  <a:clrTo>
-                    <a:srgbClr val="FFFFFF">
-                      <a:alpha val="0"/>
-                    </a:srgbClr>
-                  </a:clrTo>
-                </a:clrChange>
-              </a:blip>
-              <a:srcRect/>
-              <a:stretch>
-                <a:fillRect/>
-              </a:stretch>
-            </p:blipFill>
-            <p:spPr bwMode="auto">
-              <a:xfrm>
-                <a:off x="6516216" y="2132856"/>
-                <a:ext cx="1377492" cy="1296144"/>
-              </a:xfrm>
-              <a:prstGeom prst="rect">
-                <a:avLst/>
-              </a:prstGeom>
-              <a:noFill/>
-            </p:spPr>
-          </p:pic>
-        </p:grpSp>
-        <p:pic>
-          <p:nvPicPr>
-            <p:cNvPr id="30" name="Picture 15" descr="\\fg\es\public\Dokumente\04_Grafiken\Cliparts\iStockphoto\iStock_000003814755XSmall.jpg"/>
-            <p:cNvPicPr>
-              <a:picLocks noChangeAspect="1" noChangeArrowheads="1"/>
-            </p:cNvPicPr>
-            <p:nvPr/>
-          </p:nvPicPr>
-          <p:blipFill>
-            <a:blip r:embed="rId12"/>
-            <a:srcRect/>
-            <a:stretch>
-              <a:fillRect/>
-            </a:stretch>
-          </p:blipFill>
-          <p:spPr bwMode="auto">
-            <a:xfrm>
-              <a:off x="5851663" y="3645024"/>
-              <a:ext cx="609640" cy="913151"/>
-            </a:xfrm>
-            <a:prstGeom prst="rect">
-              <a:avLst/>
-            </a:prstGeom>
-            <a:noFill/>
-          </p:spPr>
-        </p:pic>
-        <p:pic>
-          <p:nvPicPr>
-            <p:cNvPr id="31" name="Picture 16" descr="\\fg\es\public\Dokumente\04_Grafiken\Cliparts\iStockphoto\iStock_000005031630XSmall.jpg"/>
-            <p:cNvPicPr>
-              <a:picLocks noChangeAspect="1" noChangeArrowheads="1"/>
-            </p:cNvPicPr>
-            <p:nvPr/>
-          </p:nvPicPr>
-          <p:blipFill>
-            <a:blip r:embed="rId13"/>
-            <a:srcRect/>
-            <a:stretch>
-              <a:fillRect/>
-            </a:stretch>
-          </p:blipFill>
-          <p:spPr bwMode="auto">
-            <a:xfrm>
-              <a:off x="1989527" y="3671783"/>
-              <a:ext cx="1296598" cy="859631"/>
-            </a:xfrm>
-            <a:prstGeom prst="rect">
-              <a:avLst/>
-            </a:prstGeom>
-            <a:noFill/>
-          </p:spPr>
-        </p:pic>
-        <p:sp>
-          <p:nvSpPr>
-            <p:cNvPr id="32" name="Textfeld 9"/>
-            <p:cNvSpPr txBox="1">
-              <a:spLocks noChangeArrowheads="1"/>
-            </p:cNvSpPr>
-            <p:nvPr/>
-          </p:nvSpPr>
-          <p:spPr bwMode="auto">
-            <a:xfrm>
-              <a:off x="3973918" y="5735084"/>
-              <a:ext cx="1196161" cy="307777"/>
-            </a:xfrm>
-            <a:prstGeom prst="rect">
-              <a:avLst/>
-            </a:prstGeom>
-            <a:noFill/>
-            <a:ln w="9525">
-              <a:noFill/>
-              <a:miter lim="800000"/>
-              <a:headEnd/>
-              <a:tailEnd/>
-            </a:ln>
-          </p:spPr>
-          <p:txBody>
-            <a:bodyPr wrap="none">
-              <a:spAutoFit/>
-            </a:bodyPr>
-            <a:lstStyle/>
-            <a:p>
-              <a:r>
-                <a:rPr lang="de-DE" sz="1400" b="1" dirty="0" smtClean="0"/>
-                <a:t>Zeitplanung</a:t>
-              </a:r>
-              <a:endParaRPr lang="de-DE" sz="1400" b="1" dirty="0"/>
-            </a:p>
-          </p:txBody>
-        </p:sp>
-        <p:pic>
-          <p:nvPicPr>
-            <p:cNvPr id="33" name="Picture 10" descr="\\fg\es\public\Dokumente\04_Grafiken\Cliparts\iStockphoto\iStock_000006916783XSmall.jpg"/>
-            <p:cNvPicPr>
-              <a:picLocks noChangeAspect="1" noChangeArrowheads="1"/>
-            </p:cNvPicPr>
-            <p:nvPr/>
-          </p:nvPicPr>
-          <p:blipFill>
-            <a:blip r:embed="rId14">
-              <a:clrChange>
-                <a:clrFrom>
-                  <a:srgbClr val="FFFFFF"/>
-                </a:clrFrom>
-                <a:clrTo>
-                  <a:srgbClr val="FFFFFF">
-                    <a:alpha val="0"/>
-                  </a:srgbClr>
-                </a:clrTo>
-              </a:clrChange>
-            </a:blip>
-            <a:srcRect/>
-            <a:stretch>
-              <a:fillRect/>
-            </a:stretch>
-          </p:blipFill>
-          <p:spPr bwMode="auto">
-            <a:xfrm>
-              <a:off x="4664075" y="4292257"/>
-              <a:ext cx="873068" cy="675852"/>
-            </a:xfrm>
-            <a:prstGeom prst="rect">
-              <a:avLst/>
-            </a:prstGeom>
-            <a:noFill/>
-          </p:spPr>
-        </p:pic>
-      </p:grpSp>
-      <p:pic>
-        <p:nvPicPr>
-          <p:cNvPr id="4" name="Grafik 3"/>
-          <p:cNvPicPr>
-            <a:picLocks noChangeAspect="1"/>
-          </p:cNvPicPr>
-          <p:nvPr/>
-        </p:nvPicPr>
-        <p:blipFill>
-          <a:blip r:embed="rId15">
-            <a:extLst>
-              <a:ext uri="{28A0092B-C50C-407E-A947-70E740481C1C}">
-                <a14:useLocalDpi xmlns:a14="http://schemas.microsoft.com/office/drawing/2010/main" val="0"/>
-              </a:ext>
-            </a:extLst>
-          </a:blip>
-          <a:stretch>
-            <a:fillRect/>
-          </a:stretch>
-        </p:blipFill>
-        <p:spPr>
-          <a:xfrm>
-            <a:off x="54994" y="3472792"/>
-            <a:ext cx="2821819" cy="2821819"/>
-          </a:xfrm>
-          <a:prstGeom prst="rect">
-            <a:avLst/>
-          </a:prstGeom>
-        </p:spPr>
-      </p:pic>
-      <p:sp>
-        <p:nvSpPr>
-          <p:cNvPr id="37" name="Abgerundete rechteckige Legende 36"/>
+          <p:cNvPr id="71" name="Abgerundete rechteckige Legende 70"/>
           <p:cNvSpPr/>
           <p:nvPr/>
         </p:nvSpPr>
         <p:spPr>
           <a:xfrm>
-            <a:off x="5180674" y="304455"/>
-            <a:ext cx="2341281" cy="478663"/>
+            <a:off x="5889714" y="3825343"/>
+            <a:ext cx="2448272" cy="539579"/>
           </a:xfrm>
           <a:prstGeom prst="wedgeRoundRectCallout">
             <a:avLst>
-              <a:gd name="adj1" fmla="val 34107"/>
-              <a:gd name="adj2" fmla="val 77807"/>
+              <a:gd name="adj1" fmla="val -67727"/>
+              <a:gd name="adj2" fmla="val -29444"/>
               <a:gd name="adj3" fmla="val 16667"/>
             </a:avLst>
           </a:prstGeom>
           <a:solidFill>
             <a:schemeClr val="tx1"/>
           </a:solidFill>
-          <a:ln/>
+          <a:ln>
+            <a:solidFill>
+              <a:schemeClr val="tx1"/>
+            </a:solidFill>
+          </a:ln>
         </p:spPr>
         <p:style>
           <a:lnRef idx="1">
@@ -25993,14 +22355,46 @@
               <a:defRPr/>
             </a:pPr>
             <a:r>
-              <a:rPr lang="de-DE" dirty="0" smtClean="0">
+              <a:rPr lang="de-DE" sz="1600" i="1" dirty="0" smtClean="0">
                 <a:solidFill>
                   <a:schemeClr val="bg1"/>
                 </a:solidFill>
               </a:rPr>
-              <a:t>Fujitsu Student Car</a:t>
-            </a:r>
-            <a:endParaRPr lang="de-DE" dirty="0">
+              <a:t>The White Book</a:t>
+            </a:r>
+            <a:r>
+              <a:rPr lang="de-DE" sz="1600" dirty="0" smtClean="0">
+                <a:solidFill>
+                  <a:schemeClr val="bg1"/>
+                </a:solidFill>
+              </a:rPr>
+              <a:t> von </a:t>
+            </a:r>
+            <a:r>
+              <a:rPr lang="de-DE" sz="1600" dirty="0" err="1" smtClean="0">
+                <a:solidFill>
+                  <a:schemeClr val="bg1"/>
+                </a:solidFill>
+              </a:rPr>
+              <a:t>Kernighan</a:t>
+            </a:r>
+            <a:r>
+              <a:rPr lang="de-DE" sz="1600" dirty="0" smtClean="0">
+                <a:solidFill>
+                  <a:schemeClr val="bg1"/>
+                </a:solidFill>
+              </a:rPr>
+              <a:t> &amp; </a:t>
+            </a:r>
+            <a:r>
+              <a:rPr lang="de-DE" sz="1600" dirty="0" err="1" smtClean="0">
+                <a:solidFill>
+                  <a:schemeClr val="bg1"/>
+                </a:solidFill>
+              </a:rPr>
+              <a:t>Ritchie</a:t>
+            </a:r>
+            <a:endParaRPr lang="de-DE" sz="1600" i="1" dirty="0">
               <a:solidFill>
                 <a:schemeClr val="bg1"/>
               </a:solidFill>
@@ -26008,16 +22402,573 @@
           </a:p>
         </p:txBody>
       </p:sp>
+      <p:sp>
+        <p:nvSpPr>
+          <p:cNvPr id="72" name="Abgerundete rechteckige Legende 71"/>
+          <p:cNvSpPr/>
+          <p:nvPr/>
+        </p:nvSpPr>
+        <p:spPr>
+          <a:xfrm>
+            <a:off x="5222018" y="2671051"/>
+            <a:ext cx="2374318" cy="430057"/>
+          </a:xfrm>
+          <a:prstGeom prst="wedgeRoundRectCallout">
+            <a:avLst>
+              <a:gd name="adj1" fmla="val -79828"/>
+              <a:gd name="adj2" fmla="val 28012"/>
+              <a:gd name="adj3" fmla="val 16667"/>
+            </a:avLst>
+          </a:prstGeom>
+          <a:solidFill>
+            <a:schemeClr val="tx1"/>
+          </a:solidFill>
+          <a:ln>
+            <a:solidFill>
+              <a:schemeClr val="tx1"/>
+            </a:solidFill>
+          </a:ln>
+        </p:spPr>
+        <p:style>
+          <a:lnRef idx="1">
+            <a:schemeClr val="dk1"/>
+          </a:lnRef>
+          <a:fillRef idx="3">
+            <a:schemeClr val="dk1"/>
+          </a:fillRef>
+          <a:effectRef idx="2">
+            <a:schemeClr val="dk1"/>
+          </a:effectRef>
+          <a:fontRef idx="minor">
+            <a:schemeClr val="lt1"/>
+          </a:fontRef>
+        </p:style>
+        <p:txBody>
+          <a:bodyPr anchor="ctr"/>
+          <a:lstStyle/>
+          <a:p>
+            <a:pPr>
+              <a:defRPr/>
+            </a:pPr>
+            <a:r>
+              <a:rPr lang="de-DE" sz="1600" dirty="0" smtClean="0">
+                <a:solidFill>
+                  <a:schemeClr val="bg1"/>
+                </a:solidFill>
+              </a:rPr>
+              <a:t>Ken Thompson; erste Fassung von Unix</a:t>
+            </a:r>
+            <a:endParaRPr lang="de-DE" sz="1600" dirty="0">
+              <a:solidFill>
+                <a:schemeClr val="bg1"/>
+              </a:solidFill>
+            </a:endParaRPr>
+          </a:p>
+        </p:txBody>
+      </p:sp>
+      <p:pic>
+        <p:nvPicPr>
+          <p:cNvPr id="28678" name="Picture 6" descr="http://www.cs.uah.edu/%7Ercoleman/Common/History/Images/CPPHistory07.jpg"/>
+          <p:cNvPicPr>
+            <a:picLocks noChangeAspect="1" noChangeArrowheads="1"/>
+          </p:cNvPicPr>
+          <p:nvPr/>
+        </p:nvPicPr>
+        <p:blipFill rotWithShape="1">
+          <a:blip r:embed="rId4" cstate="print">
+            <a:extLst>
+              <a:ext uri="{28A0092B-C50C-407E-A947-70E740481C1C}">
+                <a14:useLocalDpi xmlns:a14="http://schemas.microsoft.com/office/drawing/2010/main" val="0"/>
+              </a:ext>
+            </a:extLst>
+          </a:blip>
+          <a:srcRect b="8972"/>
+          <a:stretch/>
+        </p:blipFill>
+        <p:spPr bwMode="auto">
+          <a:xfrm>
+            <a:off x="3258889" y="4617293"/>
+            <a:ext cx="659373" cy="932185"/>
+          </a:xfrm>
+          <a:prstGeom prst="rect">
+            <a:avLst/>
+          </a:prstGeom>
+          <a:noFill/>
+          <a:extLst>
+            <a:ext uri="{909E8E84-426E-40DD-AFC4-6F175D3DCCD1}">
+              <a14:hiddenFill xmlns:a14="http://schemas.microsoft.com/office/drawing/2010/main">
+                <a:solidFill>
+                  <a:srgbClr val="FFFFFF"/>
+                </a:solidFill>
+              </a14:hiddenFill>
+            </a:ext>
+          </a:extLst>
+        </p:spPr>
+      </p:pic>
+      <p:sp>
+        <p:nvSpPr>
+          <p:cNvPr id="74" name="Abgerundete rechteckige Legende 73"/>
+          <p:cNvSpPr/>
+          <p:nvPr/>
+        </p:nvSpPr>
+        <p:spPr>
+          <a:xfrm>
+            <a:off x="370624" y="4596909"/>
+            <a:ext cx="2392213" cy="769899"/>
+          </a:xfrm>
+          <a:prstGeom prst="wedgeRoundRectCallout">
+            <a:avLst>
+              <a:gd name="adj1" fmla="val 68510"/>
+              <a:gd name="adj2" fmla="val -15993"/>
+              <a:gd name="adj3" fmla="val 16667"/>
+            </a:avLst>
+          </a:prstGeom>
+          <a:solidFill>
+            <a:schemeClr val="tx1"/>
+          </a:solidFill>
+          <a:ln>
+            <a:solidFill>
+              <a:schemeClr val="tx1"/>
+            </a:solidFill>
+          </a:ln>
+        </p:spPr>
+        <p:style>
+          <a:lnRef idx="1">
+            <a:schemeClr val="dk1"/>
+          </a:lnRef>
+          <a:fillRef idx="3">
+            <a:schemeClr val="dk1"/>
+          </a:fillRef>
+          <a:effectRef idx="2">
+            <a:schemeClr val="dk1"/>
+          </a:effectRef>
+          <a:fontRef idx="minor">
+            <a:schemeClr val="lt1"/>
+          </a:fontRef>
+        </p:style>
+        <p:txBody>
+          <a:bodyPr anchor="ctr"/>
+          <a:lstStyle/>
+          <a:p>
+            <a:pPr>
+              <a:defRPr/>
+            </a:pPr>
+            <a:r>
+              <a:rPr lang="de-DE" sz="1600" i="1" dirty="0" smtClean="0">
+                <a:solidFill>
+                  <a:schemeClr val="bg1"/>
+                </a:solidFill>
+              </a:rPr>
+              <a:t>The C++ </a:t>
+            </a:r>
+            <a:r>
+              <a:rPr lang="de-DE" sz="1600" i="1" dirty="0" err="1" smtClean="0">
+                <a:solidFill>
+                  <a:schemeClr val="bg1"/>
+                </a:solidFill>
+              </a:rPr>
+              <a:t>Programming</a:t>
+            </a:r>
+            <a:r>
+              <a:rPr lang="de-DE" sz="1600" i="1" dirty="0" smtClean="0">
+                <a:solidFill>
+                  <a:schemeClr val="bg1"/>
+                </a:solidFill>
+              </a:rPr>
+              <a:t> Language</a:t>
+            </a:r>
+            <a:r>
+              <a:rPr lang="de-DE" sz="1600" dirty="0" smtClean="0">
+                <a:solidFill>
+                  <a:schemeClr val="bg1"/>
+                </a:solidFill>
+              </a:rPr>
+              <a:t> von Bjarne </a:t>
+            </a:r>
+            <a:r>
+              <a:rPr lang="de-DE" sz="1600" dirty="0" err="1" smtClean="0">
+                <a:solidFill>
+                  <a:schemeClr val="bg1"/>
+                </a:solidFill>
+              </a:rPr>
+              <a:t>Stroustroup</a:t>
+            </a:r>
+            <a:endParaRPr lang="de-DE" sz="1600" i="1" dirty="0">
+              <a:solidFill>
+                <a:schemeClr val="bg1"/>
+              </a:solidFill>
+            </a:endParaRPr>
+          </a:p>
+        </p:txBody>
+      </p:sp>
+      <p:sp>
+        <p:nvSpPr>
+          <p:cNvPr id="81" name="Abgerundete rechteckige Legende 80"/>
+          <p:cNvSpPr/>
+          <p:nvPr/>
+        </p:nvSpPr>
+        <p:spPr>
+          <a:xfrm>
+            <a:off x="96535" y="2897613"/>
+            <a:ext cx="2208685" cy="658589"/>
+          </a:xfrm>
+          <a:prstGeom prst="wedgeRoundRectCallout">
+            <a:avLst>
+              <a:gd name="adj1" fmla="val -5283"/>
+              <a:gd name="adj2" fmla="val -189661"/>
+              <a:gd name="adj3" fmla="val 16667"/>
+            </a:avLst>
+          </a:prstGeom>
+          <a:solidFill>
+            <a:schemeClr val="tx1"/>
+          </a:solidFill>
+          <a:ln>
+            <a:solidFill>
+              <a:schemeClr val="tx1"/>
+            </a:solidFill>
+          </a:ln>
+        </p:spPr>
+        <p:style>
+          <a:lnRef idx="1">
+            <a:schemeClr val="dk1"/>
+          </a:lnRef>
+          <a:fillRef idx="3">
+            <a:schemeClr val="dk1"/>
+          </a:fillRef>
+          <a:effectRef idx="2">
+            <a:schemeClr val="dk1"/>
+          </a:effectRef>
+          <a:fontRef idx="minor">
+            <a:schemeClr val="lt1"/>
+          </a:fontRef>
+        </p:style>
+        <p:txBody>
+          <a:bodyPr anchor="ctr"/>
+          <a:lstStyle/>
+          <a:p>
+            <a:pPr>
+              <a:defRPr/>
+            </a:pPr>
+            <a:r>
+              <a:rPr lang="de-DE" sz="1600" dirty="0" smtClean="0">
+                <a:solidFill>
+                  <a:schemeClr val="bg1"/>
+                </a:solidFill>
+              </a:rPr>
+              <a:t>Erste höhere Programmiersprache – lebt bis heute!</a:t>
+            </a:r>
+            <a:endParaRPr lang="de-DE" sz="1600" dirty="0">
+              <a:solidFill>
+                <a:schemeClr val="bg1"/>
+              </a:solidFill>
+            </a:endParaRPr>
+          </a:p>
+        </p:txBody>
+      </p:sp>
+      <p:sp>
+        <p:nvSpPr>
+          <p:cNvPr id="82" name="Abgerundete rechteckige Legende 81"/>
+          <p:cNvSpPr/>
+          <p:nvPr/>
+        </p:nvSpPr>
+        <p:spPr>
+          <a:xfrm>
+            <a:off x="5360956" y="5991936"/>
+            <a:ext cx="3661154" cy="399787"/>
+          </a:xfrm>
+          <a:prstGeom prst="wedgeRoundRectCallout">
+            <a:avLst>
+              <a:gd name="adj1" fmla="val -54571"/>
+              <a:gd name="adj2" fmla="val -33080"/>
+              <a:gd name="adj3" fmla="val 16667"/>
+            </a:avLst>
+          </a:prstGeom>
+          <a:solidFill>
+            <a:schemeClr val="tx1"/>
+          </a:solidFill>
+          <a:ln>
+            <a:solidFill>
+              <a:schemeClr val="tx1"/>
+            </a:solidFill>
+          </a:ln>
+        </p:spPr>
+        <p:style>
+          <a:lnRef idx="1">
+            <a:schemeClr val="dk1"/>
+          </a:lnRef>
+          <a:fillRef idx="3">
+            <a:schemeClr val="dk1"/>
+          </a:fillRef>
+          <a:effectRef idx="2">
+            <a:schemeClr val="dk1"/>
+          </a:effectRef>
+          <a:fontRef idx="minor">
+            <a:schemeClr val="lt1"/>
+          </a:fontRef>
+        </p:style>
+        <p:txBody>
+          <a:bodyPr anchor="ctr"/>
+          <a:lstStyle/>
+          <a:p>
+            <a:pPr>
+              <a:defRPr/>
+            </a:pPr>
+            <a:r>
+              <a:rPr lang="de-DE" sz="1600" dirty="0" smtClean="0">
+                <a:solidFill>
+                  <a:schemeClr val="bg1"/>
+                </a:solidFill>
+              </a:rPr>
+              <a:t>James </a:t>
+            </a:r>
+            <a:r>
+              <a:rPr lang="de-DE" sz="1600" dirty="0" err="1" smtClean="0">
+                <a:solidFill>
+                  <a:schemeClr val="bg1"/>
+                </a:solidFill>
+              </a:rPr>
+              <a:t>Gosling</a:t>
+            </a:r>
+            <a:r>
+              <a:rPr lang="de-DE" sz="1600" dirty="0" smtClean="0">
+                <a:solidFill>
+                  <a:schemeClr val="bg1"/>
+                </a:solidFill>
+              </a:rPr>
+              <a:t>, Bill Joy et al. @ SUN</a:t>
+            </a:r>
+            <a:endParaRPr lang="de-DE" sz="1600" dirty="0">
+              <a:solidFill>
+                <a:schemeClr val="bg1"/>
+              </a:solidFill>
+            </a:endParaRPr>
+          </a:p>
+        </p:txBody>
+      </p:sp>
+      <p:sp>
+        <p:nvSpPr>
+          <p:cNvPr id="29" name="Textfeld 28"/>
+          <p:cNvSpPr txBox="1"/>
+          <p:nvPr/>
+        </p:nvSpPr>
+        <p:spPr>
+          <a:xfrm>
+            <a:off x="2583415" y="3984161"/>
+            <a:ext cx="1080120" cy="607602"/>
+          </a:xfrm>
+          <a:prstGeom prst="rect">
+            <a:avLst/>
+          </a:prstGeom>
+          <a:noFill/>
+        </p:spPr>
+        <p:txBody>
+          <a:bodyPr wrap="square" rtlCol="0">
+            <a:spAutoFit/>
+          </a:bodyPr>
+          <a:lstStyle/>
+          <a:p>
+            <a:r>
+              <a:rPr lang="de-DE" b="1" dirty="0" err="1" smtClean="0"/>
+              <a:t>Simula</a:t>
+            </a:r>
+            <a:r>
+              <a:rPr lang="de-DE" b="1" dirty="0" smtClean="0"/>
+              <a:t> 67</a:t>
+            </a:r>
+            <a:endParaRPr lang="en-US" b="1" dirty="0"/>
+          </a:p>
+        </p:txBody>
+      </p:sp>
+      <p:cxnSp>
+        <p:nvCxnSpPr>
+          <p:cNvPr id="30" name="Gerade Verbindung mit Pfeil 29"/>
+          <p:cNvCxnSpPr>
+            <a:stCxn id="29" idx="3"/>
+          </p:cNvCxnSpPr>
+          <p:nvPr/>
+        </p:nvCxnSpPr>
+        <p:spPr bwMode="auto">
+          <a:xfrm>
+            <a:off x="3663535" y="4287962"/>
+            <a:ext cx="548425" cy="536385"/>
+          </a:xfrm>
+          <a:prstGeom prst="straightConnector1">
+            <a:avLst/>
+          </a:prstGeom>
+          <a:solidFill>
+            <a:schemeClr val="accent1"/>
+          </a:solidFill>
+          <a:ln w="9525" cap="flat" cmpd="sng" algn="ctr">
+            <a:solidFill>
+              <a:schemeClr val="tx1"/>
+            </a:solidFill>
+            <a:prstDash val="solid"/>
+            <a:round/>
+            <a:headEnd type="none" w="med" len="med"/>
+            <a:tailEnd type="triangle"/>
+          </a:ln>
+          <a:effectLst/>
+        </p:spPr>
+      </p:cxnSp>
+      <p:sp>
+        <p:nvSpPr>
+          <p:cNvPr id="33" name="Textfeld 32"/>
+          <p:cNvSpPr txBox="1"/>
+          <p:nvPr/>
+        </p:nvSpPr>
+        <p:spPr>
+          <a:xfrm>
+            <a:off x="2374390" y="5549478"/>
+            <a:ext cx="1226082" cy="607602"/>
+          </a:xfrm>
+          <a:prstGeom prst="rect">
+            <a:avLst/>
+          </a:prstGeom>
+          <a:noFill/>
+        </p:spPr>
+        <p:txBody>
+          <a:bodyPr wrap="square" rtlCol="0">
+            <a:spAutoFit/>
+          </a:bodyPr>
+          <a:lstStyle/>
+          <a:p>
+            <a:r>
+              <a:rPr lang="de-DE" b="1" dirty="0" smtClean="0"/>
+              <a:t>Smalltalk</a:t>
+            </a:r>
+            <a:br>
+              <a:rPr lang="de-DE" b="1" dirty="0" smtClean="0"/>
+            </a:br>
+            <a:r>
+              <a:rPr lang="de-DE" b="1" dirty="0" smtClean="0"/>
+              <a:t>1972</a:t>
+            </a:r>
+            <a:endParaRPr lang="en-US" b="1" dirty="0"/>
+          </a:p>
+        </p:txBody>
+      </p:sp>
+      <p:cxnSp>
+        <p:nvCxnSpPr>
+          <p:cNvPr id="34" name="Gerade Verbindung mit Pfeil 33"/>
+          <p:cNvCxnSpPr>
+            <a:stCxn id="33" idx="3"/>
+          </p:cNvCxnSpPr>
+          <p:nvPr/>
+        </p:nvCxnSpPr>
+        <p:spPr bwMode="auto">
+          <a:xfrm>
+            <a:off x="3600472" y="5853279"/>
+            <a:ext cx="439660" cy="57089"/>
+          </a:xfrm>
+          <a:prstGeom prst="straightConnector1">
+            <a:avLst/>
+          </a:prstGeom>
+          <a:solidFill>
+            <a:schemeClr val="accent1"/>
+          </a:solidFill>
+          <a:ln w="9525" cap="flat" cmpd="sng" algn="ctr">
+            <a:solidFill>
+              <a:schemeClr val="tx1"/>
+            </a:solidFill>
+            <a:prstDash val="solid"/>
+            <a:round/>
+            <a:headEnd type="none" w="med" len="med"/>
+            <a:tailEnd type="triangle"/>
+          </a:ln>
+          <a:effectLst/>
+        </p:spPr>
+      </p:cxnSp>
+      <p:pic>
+        <p:nvPicPr>
+          <p:cNvPr id="28674" name="Picture 2" descr="http://upload.wikimedia.org/wikipedia/de/thumb/e/e1/Java-Logo.svg/100px-Java-Logo.svg.png"/>
+          <p:cNvPicPr>
+            <a:picLocks noChangeAspect="1" noChangeArrowheads="1"/>
+          </p:cNvPicPr>
+          <p:nvPr/>
+        </p:nvPicPr>
+        <p:blipFill rotWithShape="1">
+          <a:blip r:embed="rId5">
+            <a:extLst>
+              <a:ext uri="{28A0092B-C50C-407E-A947-70E740481C1C}">
+                <a14:useLocalDpi xmlns:a14="http://schemas.microsoft.com/office/drawing/2010/main" val="0"/>
+              </a:ext>
+            </a:extLst>
+          </a:blip>
+          <a:srcRect b="32926"/>
+          <a:stretch/>
+        </p:blipFill>
+        <p:spPr bwMode="auto">
+          <a:xfrm>
+            <a:off x="4678621" y="5853279"/>
+            <a:ext cx="439154" cy="579353"/>
+          </a:xfrm>
+          <a:prstGeom prst="rect">
+            <a:avLst/>
+          </a:prstGeom>
+          <a:noFill/>
+          <a:extLst>
+            <a:ext uri="{909E8E84-426E-40DD-AFC4-6F175D3DCCD1}">
+              <a14:hiddenFill xmlns:a14="http://schemas.microsoft.com/office/drawing/2010/main">
+                <a:solidFill>
+                  <a:srgbClr val="FFFFFF"/>
+                </a:solidFill>
+              </a14:hiddenFill>
+            </a:ext>
+          </a:extLst>
+        </p:spPr>
+      </p:pic>
+      <p:pic>
+        <p:nvPicPr>
+          <p:cNvPr id="11" name="Picture 4" descr="http://upload.wikimedia.org/wikipedia/de/2/28/Smalltalk-powered.gif"/>
+          <p:cNvPicPr>
+            <a:picLocks noChangeAspect="1" noChangeArrowheads="1"/>
+          </p:cNvPicPr>
+          <p:nvPr/>
+        </p:nvPicPr>
+        <p:blipFill>
+          <a:blip r:embed="rId6">
+            <a:extLst>
+              <a:ext uri="{28A0092B-C50C-407E-A947-70E740481C1C}">
+                <a14:useLocalDpi xmlns:a14="http://schemas.microsoft.com/office/drawing/2010/main" val="0"/>
+              </a:ext>
+            </a:extLst>
+          </a:blip>
+          <a:srcRect/>
+          <a:stretch>
+            <a:fillRect/>
+          </a:stretch>
+        </p:blipFill>
+        <p:spPr bwMode="auto">
+          <a:xfrm>
+            <a:off x="961881" y="5590305"/>
+            <a:ext cx="1476375" cy="533400"/>
+          </a:xfrm>
+          <a:prstGeom prst="rect">
+            <a:avLst/>
+          </a:prstGeom>
+          <a:noFill/>
+          <a:extLst>
+            <a:ext uri="{909E8E84-426E-40DD-AFC4-6F175D3DCCD1}">
+              <a14:hiddenFill xmlns:a14="http://schemas.microsoft.com/office/drawing/2010/main">
+                <a:solidFill>
+                  <a:srgbClr val="FFFFFF"/>
+                </a:solidFill>
+              </a14:hiddenFill>
+            </a:ext>
+          </a:extLst>
+        </p:spPr>
+      </p:pic>
     </p:spTree>
     <p:extLst>
       <p:ext uri="{BB962C8B-B14F-4D97-AF65-F5344CB8AC3E}">
-        <p14:creationId xmlns:p14="http://schemas.microsoft.com/office/powerpoint/2010/main" val="1563338378"/>
+        <p14:creationId xmlns:p14="http://schemas.microsoft.com/office/powerpoint/2010/main" val="1220814694"/>
       </p:ext>
     </p:extLst>
   </p:cSld>
   <p:clrMapOvr>
     <a:masterClrMapping/>
   </p:clrMapOvr>
+  <p:transition/>
   <p:timing>
     <p:tnLst>
       <p:par>
@@ -26039,7 +22990,7 @@
                             </p:stCondLst>
                             <p:childTnLst>
                               <p:par>
-                                <p:cTn id="5" presetID="1" presetClass="entr" presetSubtype="0" fill="hold" grpId="0" nodeType="clickEffect">
+                                <p:cTn id="5" presetID="10" presetClass="entr" presetSubtype="0" fill="hold" grpId="0" nodeType="clickEffect">
                                   <p:stCondLst>
                                     <p:cond delay="0"/>
                                   </p:stCondLst>
@@ -26052,7 +23003,7 @@
                                           </p:stCondLst>
                                         </p:cTn>
                                         <p:tgtEl>
-                                          <p:spTgt spid="37"/>
+                                          <p:spTgt spid="71"/>
                                         </p:tgtEl>
                                         <p:attrNameLst>
                                           <p:attrName>style.visibility</p:attrName>
@@ -26062,6 +23013,226 @@
                                         <p:strVal val="visible"/>
                                       </p:to>
                                     </p:set>
+                                    <p:animEffect transition="in" filter="fade">
+                                      <p:cBhvr>
+                                        <p:cTn id="7" dur="500"/>
+                                        <p:tgtEl>
+                                          <p:spTgt spid="71"/>
+                                        </p:tgtEl>
+                                      </p:cBhvr>
+                                    </p:animEffect>
+                                  </p:childTnLst>
+                                </p:cTn>
+                              </p:par>
+                            </p:childTnLst>
+                          </p:cTn>
+                        </p:par>
+                      </p:childTnLst>
+                    </p:cTn>
+                  </p:par>
+                  <p:par>
+                    <p:cTn id="8" fill="hold">
+                      <p:stCondLst>
+                        <p:cond delay="indefinite"/>
+                      </p:stCondLst>
+                      <p:childTnLst>
+                        <p:par>
+                          <p:cTn id="9" fill="hold">
+                            <p:stCondLst>
+                              <p:cond delay="0"/>
+                            </p:stCondLst>
+                            <p:childTnLst>
+                              <p:par>
+                                <p:cTn id="10" presetID="10" presetClass="entr" presetSubtype="0" fill="hold" grpId="0" nodeType="clickEffect">
+                                  <p:stCondLst>
+                                    <p:cond delay="0"/>
+                                  </p:stCondLst>
+                                  <p:childTnLst>
+                                    <p:set>
+                                      <p:cBhvr>
+                                        <p:cTn id="11" dur="1" fill="hold">
+                                          <p:stCondLst>
+                                            <p:cond delay="0"/>
+                                          </p:stCondLst>
+                                        </p:cTn>
+                                        <p:tgtEl>
+                                          <p:spTgt spid="72"/>
+                                        </p:tgtEl>
+                                        <p:attrNameLst>
+                                          <p:attrName>style.visibility</p:attrName>
+                                        </p:attrNameLst>
+                                      </p:cBhvr>
+                                      <p:to>
+                                        <p:strVal val="visible"/>
+                                      </p:to>
+                                    </p:set>
+                                    <p:animEffect transition="in" filter="fade">
+                                      <p:cBhvr>
+                                        <p:cTn id="12" dur="500"/>
+                                        <p:tgtEl>
+                                          <p:spTgt spid="72"/>
+                                        </p:tgtEl>
+                                      </p:cBhvr>
+                                    </p:animEffect>
+                                  </p:childTnLst>
+                                </p:cTn>
+                              </p:par>
+                            </p:childTnLst>
+                          </p:cTn>
+                        </p:par>
+                      </p:childTnLst>
+                    </p:cTn>
+                  </p:par>
+                  <p:par>
+                    <p:cTn id="13" fill="hold">
+                      <p:stCondLst>
+                        <p:cond delay="indefinite"/>
+                      </p:stCondLst>
+                      <p:childTnLst>
+                        <p:par>
+                          <p:cTn id="14" fill="hold">
+                            <p:stCondLst>
+                              <p:cond delay="0"/>
+                            </p:stCondLst>
+                            <p:childTnLst>
+                              <p:par>
+                                <p:cTn id="15" presetID="10" presetClass="entr" presetSubtype="0" fill="hold" grpId="0" nodeType="clickEffect">
+                                  <p:stCondLst>
+                                    <p:cond delay="0"/>
+                                  </p:stCondLst>
+                                  <p:childTnLst>
+                                    <p:set>
+                                      <p:cBhvr>
+                                        <p:cTn id="16" dur="1" fill="hold">
+                                          <p:stCondLst>
+                                            <p:cond delay="0"/>
+                                          </p:stCondLst>
+                                        </p:cTn>
+                                        <p:tgtEl>
+                                          <p:spTgt spid="74"/>
+                                        </p:tgtEl>
+                                        <p:attrNameLst>
+                                          <p:attrName>style.visibility</p:attrName>
+                                        </p:attrNameLst>
+                                      </p:cBhvr>
+                                      <p:to>
+                                        <p:strVal val="visible"/>
+                                      </p:to>
+                                    </p:set>
+                                    <p:animEffect transition="in" filter="fade">
+                                      <p:cBhvr>
+                                        <p:cTn id="17" dur="500"/>
+                                        <p:tgtEl>
+                                          <p:spTgt spid="74"/>
+                                        </p:tgtEl>
+                                      </p:cBhvr>
+                                    </p:animEffect>
+                                  </p:childTnLst>
+                                </p:cTn>
+                              </p:par>
+                            </p:childTnLst>
+                          </p:cTn>
+                        </p:par>
+                      </p:childTnLst>
+                    </p:cTn>
+                  </p:par>
+                  <p:par>
+                    <p:cTn id="18" fill="hold">
+                      <p:stCondLst>
+                        <p:cond delay="indefinite"/>
+                      </p:stCondLst>
+                      <p:childTnLst>
+                        <p:par>
+                          <p:cTn id="19" fill="hold">
+                            <p:stCondLst>
+                              <p:cond delay="0"/>
+                            </p:stCondLst>
+                            <p:childTnLst>
+                              <p:par>
+                                <p:cTn id="20" presetID="10" presetClass="entr" presetSubtype="0" fill="hold" grpId="0" nodeType="clickEffect">
+                                  <p:stCondLst>
+                                    <p:cond delay="0"/>
+                                  </p:stCondLst>
+                                  <p:childTnLst>
+                                    <p:set>
+                                      <p:cBhvr>
+                                        <p:cTn id="21" dur="1" fill="hold">
+                                          <p:stCondLst>
+                                            <p:cond delay="0"/>
+                                          </p:stCondLst>
+                                        </p:cTn>
+                                        <p:tgtEl>
+                                          <p:spTgt spid="81"/>
+                                        </p:tgtEl>
+                                        <p:attrNameLst>
+                                          <p:attrName>style.visibility</p:attrName>
+                                        </p:attrNameLst>
+                                      </p:cBhvr>
+                                      <p:to>
+                                        <p:strVal val="visible"/>
+                                      </p:to>
+                                    </p:set>
+                                    <p:animEffect transition="in" filter="fade">
+                                      <p:cBhvr>
+                                        <p:cTn id="22" dur="500"/>
+                                        <p:tgtEl>
+                                          <p:spTgt spid="81"/>
+                                        </p:tgtEl>
+                                      </p:cBhvr>
+                                    </p:animEffect>
+                                  </p:childTnLst>
+                                </p:cTn>
+                              </p:par>
+                            </p:childTnLst>
+                          </p:cTn>
+                        </p:par>
+                      </p:childTnLst>
+                    </p:cTn>
+                  </p:par>
+                  <p:par>
+                    <p:cTn id="23" fill="hold">
+                      <p:stCondLst>
+                        <p:cond delay="indefinite"/>
+                      </p:stCondLst>
+                      <p:childTnLst>
+                        <p:par>
+                          <p:cTn id="24" fill="hold">
+                            <p:stCondLst>
+                              <p:cond delay="0"/>
+                            </p:stCondLst>
+                            <p:childTnLst>
+                              <p:par>
+                                <p:cTn id="25" presetID="10" presetClass="entr" presetSubtype="0" fill="hold" grpId="0" nodeType="clickEffect">
+                                  <p:stCondLst>
+                                    <p:cond delay="0"/>
+                                  </p:stCondLst>
+                                  <p:childTnLst>
+                                    <p:set>
+                                      <p:cBhvr>
+                                        <p:cTn id="26" dur="1" fill="hold">
+                                          <p:stCondLst>
+                                            <p:cond delay="0"/>
+                                          </p:stCondLst>
+                                        </p:cTn>
+                                        <p:tgtEl>
+                                          <p:spTgt spid="82"/>
+                                        </p:tgtEl>
+                                        <p:attrNameLst>
+                                          <p:attrName>style.visibility</p:attrName>
+                                        </p:attrNameLst>
+                                      </p:cBhvr>
+                                      <p:to>
+                                        <p:strVal val="visible"/>
+                                      </p:to>
+                                    </p:set>
+                                    <p:animEffect transition="in" filter="fade">
+                                      <p:cBhvr>
+                                        <p:cTn id="27" dur="500"/>
+                                        <p:tgtEl>
+                                          <p:spTgt spid="82"/>
+                                        </p:tgtEl>
+                                      </p:cBhvr>
+                                    </p:animEffect>
                                   </p:childTnLst>
                                 </p:cTn>
                               </p:par>
@@ -26093,7 +23264,11 @@
       </p:par>
     </p:tnLst>
     <p:bldLst>
-      <p:bldP spid="37" grpId="0" animBg="1"/>
+      <p:bldP spid="71" grpId="0" animBg="1"/>
+      <p:bldP spid="72" grpId="0" animBg="1"/>
+      <p:bldP spid="74" grpId="0" animBg="1"/>
+      <p:bldP spid="81" grpId="0" animBg="1"/>
+      <p:bldP spid="82" grpId="0" animBg="1"/>
     </p:bldLst>
   </p:timing>
 </p:sld>
@@ -26118,355 +23293,14 @@
       </p:grpSpPr>
       <p:pic>
         <p:nvPicPr>
-          <p:cNvPr id="2" name="Grafik 1"/>
-          <p:cNvPicPr>
-            <a:picLocks noChangeAspect="1"/>
-          </p:cNvPicPr>
-          <p:nvPr/>
-        </p:nvPicPr>
-        <p:blipFill rotWithShape="1">
-          <a:blip r:embed="rId3">
-            <a:extLst>
-              <a:ext uri="{28A0092B-C50C-407E-A947-70E740481C1C}">
-                <a14:useLocalDpi xmlns:a14="http://schemas.microsoft.com/office/drawing/2010/main" val="0"/>
-              </a:ext>
-            </a:extLst>
-          </a:blip>
-          <a:srcRect l="7411" t="7591" r="5927" b="7591"/>
-          <a:stretch/>
-        </p:blipFill>
-        <p:spPr>
-          <a:xfrm>
-            <a:off x="250825" y="3623151"/>
-            <a:ext cx="2574780" cy="2520000"/>
-          </a:xfrm>
-          <a:prstGeom prst="rect">
-            <a:avLst/>
-          </a:prstGeom>
-        </p:spPr>
-      </p:pic>
-      <p:sp>
-        <p:nvSpPr>
-          <p:cNvPr id="13314" name="Titel 1"/>
-          <p:cNvSpPr>
-            <a:spLocks noGrp="1"/>
-          </p:cNvSpPr>
-          <p:nvPr>
-            <p:ph type="title"/>
-          </p:nvPr>
-        </p:nvSpPr>
-        <p:spPr/>
-        <p:txBody>
-          <a:bodyPr/>
-          <a:lstStyle/>
-          <a:p>
-            <a:pPr eaLnBrk="1" hangingPunct="1"/>
-            <a:r>
-              <a:rPr lang="en-US" altLang="de-DE" dirty="0" err="1" smtClean="0">
-                <a:ea typeface="ＭＳ Ｐゴシック" pitchFamily="34" charset="-128"/>
-                <a:cs typeface="Arial" charset="0"/>
-              </a:rPr>
-              <a:t>Projektseminar</a:t>
-            </a:r>
-            <a:r>
-              <a:rPr lang="en-US" altLang="de-DE" dirty="0" smtClean="0">
-                <a:ea typeface="ＭＳ Ｐゴシック" pitchFamily="34" charset="-128"/>
-                <a:cs typeface="Arial" charset="0"/>
-              </a:rPr>
-              <a:t> </a:t>
-            </a:r>
-            <a:r>
-              <a:rPr lang="en-US" altLang="de-DE" dirty="0" err="1" smtClean="0">
-                <a:ea typeface="ＭＳ Ｐゴシック" pitchFamily="34" charset="-128"/>
-                <a:cs typeface="Arial" charset="0"/>
-              </a:rPr>
-              <a:t>Softwaresysteme</a:t>
-            </a:r>
-            <a:r>
-              <a:rPr lang="en-US" altLang="de-DE" dirty="0" smtClean="0">
-                <a:ea typeface="ＭＳ Ｐゴシック" pitchFamily="34" charset="-128"/>
-                <a:cs typeface="Arial" charset="0"/>
-              </a:rPr>
-              <a:t/>
-            </a:r>
-            <a:br>
-              <a:rPr lang="en-US" altLang="de-DE" dirty="0" smtClean="0">
-                <a:ea typeface="ＭＳ Ｐゴシック" pitchFamily="34" charset="-128"/>
-                <a:cs typeface="Arial" charset="0"/>
-              </a:rPr>
-            </a:br>
-            <a:r>
-              <a:rPr lang="en-US" altLang="de-DE" dirty="0" smtClean="0">
-                <a:ea typeface="ＭＳ Ｐゴシック" pitchFamily="34" charset="-128"/>
-                <a:cs typeface="Arial" charset="0"/>
-              </a:rPr>
-              <a:t>WS 2013/14</a:t>
-            </a:r>
-            <a:endParaRPr lang="de-DE" altLang="de-DE" dirty="0" smtClean="0">
-              <a:ea typeface="ＭＳ Ｐゴシック" pitchFamily="34" charset="-128"/>
-            </a:endParaRPr>
-          </a:p>
-        </p:txBody>
-      </p:sp>
-      <p:sp>
-        <p:nvSpPr>
-          <p:cNvPr id="3" name="Textfeld 2"/>
-          <p:cNvSpPr txBox="1"/>
-          <p:nvPr/>
-        </p:nvSpPr>
-        <p:spPr>
-          <a:xfrm>
-            <a:off x="250825" y="1558925"/>
-            <a:ext cx="5578322" cy="1754326"/>
-          </a:xfrm>
-          <a:prstGeom prst="rect">
-            <a:avLst/>
-          </a:prstGeom>
-          <a:noFill/>
-        </p:spPr>
-        <p:txBody>
-          <a:bodyPr wrap="none">
-            <a:spAutoFit/>
-          </a:bodyPr>
-          <a:lstStyle/>
-          <a:p>
-            <a:pPr algn="l">
-              <a:lnSpc>
-                <a:spcPct val="100000"/>
-              </a:lnSpc>
-              <a:buClrTx/>
-              <a:buSzTx/>
-              <a:buFontTx/>
-              <a:buNone/>
-              <a:defRPr/>
-            </a:pPr>
-            <a:r>
-              <a:rPr lang="de-DE" sz="1200" b="1" dirty="0">
-                <a:solidFill>
-                  <a:srgbClr val="000000"/>
-                </a:solidFill>
-                <a:latin typeface="Arial" pitchFamily="34" charset="0"/>
-                <a:ea typeface="+mn-ea"/>
-              </a:rPr>
-              <a:t>8CPs</a:t>
-            </a:r>
-            <a:r>
-              <a:rPr lang="de-DE" sz="1200" dirty="0">
-                <a:solidFill>
-                  <a:srgbClr val="000000"/>
-                </a:solidFill>
-                <a:latin typeface="Arial" pitchFamily="34" charset="0"/>
-                <a:ea typeface="+mn-ea"/>
-              </a:rPr>
-              <a:t> = [200 - 240] Stunden im Semester</a:t>
-            </a:r>
-          </a:p>
-          <a:p>
-            <a:pPr algn="l">
-              <a:lnSpc>
-                <a:spcPct val="100000"/>
-              </a:lnSpc>
-              <a:buClrTx/>
-              <a:buSzTx/>
-              <a:buFontTx/>
-              <a:buNone/>
-              <a:tabLst>
-                <a:tab pos="534988" algn="l"/>
-              </a:tabLst>
-              <a:defRPr/>
-            </a:pPr>
-            <a:r>
-              <a:rPr lang="de-DE" sz="1200" dirty="0">
-                <a:solidFill>
-                  <a:srgbClr val="000000"/>
-                </a:solidFill>
-                <a:latin typeface="Arial" pitchFamily="34" charset="0"/>
-                <a:ea typeface="+mn-ea"/>
-              </a:rPr>
-              <a:t>	1 bis 2 Tag(e) pro Woche [ + </a:t>
-            </a:r>
-            <a:r>
-              <a:rPr lang="de-DE" sz="1200" dirty="0" smtClean="0">
-                <a:solidFill>
-                  <a:srgbClr val="000000"/>
-                </a:solidFill>
-                <a:latin typeface="Arial" pitchFamily="34" charset="0"/>
-                <a:ea typeface="+mn-ea"/>
-              </a:rPr>
-              <a:t>vorlesungsfreie </a:t>
-            </a:r>
-            <a:r>
-              <a:rPr lang="de-DE" sz="1200" dirty="0">
-                <a:solidFill>
-                  <a:srgbClr val="000000"/>
-                </a:solidFill>
-                <a:latin typeface="Arial" pitchFamily="34" charset="0"/>
-                <a:ea typeface="+mn-ea"/>
-              </a:rPr>
-              <a:t>Zeit]</a:t>
-            </a:r>
-          </a:p>
-          <a:p>
-            <a:pPr algn="l">
-              <a:lnSpc>
-                <a:spcPct val="100000"/>
-              </a:lnSpc>
-              <a:buClrTx/>
-              <a:buSzTx/>
-              <a:buFontTx/>
-              <a:buNone/>
-              <a:defRPr/>
-            </a:pPr>
-            <a:endParaRPr lang="de-DE" sz="1200" dirty="0">
-              <a:solidFill>
-                <a:srgbClr val="000000"/>
-              </a:solidFill>
-              <a:latin typeface="Arial" pitchFamily="34" charset="0"/>
-              <a:ea typeface="+mn-ea"/>
-            </a:endParaRPr>
-          </a:p>
-          <a:p>
-            <a:pPr algn="l">
-              <a:lnSpc>
-                <a:spcPct val="100000"/>
-              </a:lnSpc>
-              <a:buClrTx/>
-              <a:buSzTx/>
-              <a:buFontTx/>
-              <a:buNone/>
-              <a:defRPr/>
-            </a:pPr>
-            <a:endParaRPr lang="de-DE" sz="1200" dirty="0">
-              <a:solidFill>
-                <a:srgbClr val="000000"/>
-              </a:solidFill>
-              <a:latin typeface="Arial" pitchFamily="34" charset="0"/>
-              <a:ea typeface="+mn-ea"/>
-            </a:endParaRPr>
-          </a:p>
-          <a:p>
-            <a:pPr algn="l">
-              <a:lnSpc>
-                <a:spcPct val="100000"/>
-              </a:lnSpc>
-              <a:buClrTx/>
-              <a:buSzTx/>
-              <a:buFontTx/>
-              <a:buNone/>
-              <a:defRPr/>
-            </a:pPr>
-            <a:r>
-              <a:rPr lang="de-DE" sz="1200" b="1" dirty="0">
-                <a:solidFill>
-                  <a:srgbClr val="000000"/>
-                </a:solidFill>
-                <a:latin typeface="Arial" pitchFamily="34" charset="0"/>
-                <a:ea typeface="+mn-ea"/>
-              </a:rPr>
-              <a:t>Anmeldung:</a:t>
-            </a:r>
-          </a:p>
-          <a:p>
-            <a:pPr algn="l">
-              <a:lnSpc>
-                <a:spcPct val="100000"/>
-              </a:lnSpc>
-              <a:buClrTx/>
-              <a:buSzTx/>
-              <a:buFontTx/>
-              <a:buNone/>
-              <a:defRPr/>
-            </a:pPr>
-            <a:r>
-              <a:rPr lang="de-DE" sz="1200" dirty="0" smtClean="0">
-                <a:solidFill>
-                  <a:srgbClr val="000000"/>
-                </a:solidFill>
-                <a:latin typeface="Arial" pitchFamily="34" charset="0"/>
-                <a:ea typeface="+mn-ea"/>
-              </a:rPr>
-              <a:t>TUCaN</a:t>
-            </a:r>
-            <a:br>
-              <a:rPr lang="de-DE" sz="1200" dirty="0" smtClean="0">
-                <a:solidFill>
-                  <a:srgbClr val="000000"/>
-                </a:solidFill>
-                <a:latin typeface="Arial" pitchFamily="34" charset="0"/>
-                <a:ea typeface="+mn-ea"/>
-              </a:rPr>
-            </a:br>
-            <a:r>
-              <a:rPr lang="de-DE" sz="1200" dirty="0" smtClean="0">
-                <a:solidFill>
-                  <a:srgbClr val="000000"/>
-                </a:solidFill>
-                <a:latin typeface="Arial" pitchFamily="34" charset="0"/>
-                <a:ea typeface="+mn-ea"/>
-              </a:rPr>
-              <a:t/>
-            </a:r>
-            <a:br>
-              <a:rPr lang="de-DE" sz="1200" dirty="0" smtClean="0">
-                <a:solidFill>
-                  <a:srgbClr val="000000"/>
-                </a:solidFill>
-                <a:latin typeface="Arial" pitchFamily="34" charset="0"/>
-                <a:ea typeface="+mn-ea"/>
-              </a:rPr>
-            </a:br>
-            <a:r>
-              <a:rPr lang="de-DE" sz="1200" b="1" dirty="0" smtClean="0">
-                <a:solidFill>
-                  <a:srgbClr val="000000"/>
-                </a:solidFill>
-                <a:latin typeface="Arial" pitchFamily="34" charset="0"/>
-                <a:ea typeface="+mn-ea"/>
-              </a:rPr>
-              <a:t>Weitere Infos:</a:t>
-            </a:r>
-            <a:endParaRPr lang="de-DE" sz="1200" b="1" dirty="0">
-              <a:solidFill>
-                <a:srgbClr val="000000"/>
-              </a:solidFill>
-              <a:latin typeface="Arial" pitchFamily="34" charset="0"/>
-              <a:ea typeface="+mn-ea"/>
-            </a:endParaRPr>
-          </a:p>
-          <a:p>
-            <a:pPr algn="l">
-              <a:lnSpc>
-                <a:spcPct val="100000"/>
-              </a:lnSpc>
-              <a:buClrTx/>
-              <a:buSzTx/>
-              <a:buFontTx/>
-              <a:buNone/>
-              <a:defRPr/>
-            </a:pPr>
-            <a:r>
-              <a:rPr lang="de-DE" sz="1200" dirty="0">
-                <a:solidFill>
-                  <a:srgbClr val="000000"/>
-                </a:solidFill>
-                <a:latin typeface="Arial" pitchFamily="34" charset="0"/>
-                <a:ea typeface="+mn-ea"/>
-              </a:rPr>
-              <a:t>http://www.es.tu-darmstadt.de/lehre/projektseminar-softwaresysteme-wisesose/</a:t>
-            </a:r>
-          </a:p>
-        </p:txBody>
-      </p:sp>
-      <p:pic>
-        <p:nvPicPr>
-          <p:cNvPr id="13316" name="Picture 4"/>
+          <p:cNvPr id="14338" name="Picture 8"/>
           <p:cNvPicPr>
             <a:picLocks noChangeAspect="1" noChangeArrowheads="1"/>
           </p:cNvPicPr>
           <p:nvPr/>
         </p:nvPicPr>
         <p:blipFill>
-          <a:blip r:embed="rId4">
+          <a:blip r:embed="rId2">
             <a:extLst>
               <a:ext uri="{28A0092B-C50C-407E-A947-70E740481C1C}">
                 <a14:useLocalDpi xmlns:a14="http://schemas.microsoft.com/office/drawing/2010/main" val="0"/>
@@ -26480,8 +23314,73 @@
         </p:blipFill>
         <p:spPr bwMode="auto">
           <a:xfrm>
-            <a:off x="3621480" y="3682263"/>
-            <a:ext cx="2179638" cy="1092200"/>
+            <a:off x="225425" y="1557338"/>
+            <a:ext cx="7524750" cy="4624387"/>
+          </a:xfrm>
+          <a:prstGeom prst="rect">
+            <a:avLst/>
+          </a:prstGeom>
+          <a:noFill/>
+          <a:ln>
+            <a:noFill/>
+          </a:ln>
+          <a:extLst>
+            <a:ext uri="{909E8E84-426E-40DD-AFC4-6F175D3DCCD1}">
+              <a14:hiddenFill xmlns:a14="http://schemas.microsoft.com/office/drawing/2010/main">
+                <a:solidFill>
+                  <a:schemeClr val="accent1"/>
+                </a:solidFill>
+              </a14:hiddenFill>
+            </a:ext>
+            <a:ext uri="{91240B29-F687-4F45-9708-019B960494DF}">
+              <a14:hiddenLine xmlns:a14="http://schemas.microsoft.com/office/drawing/2010/main" w="9525" algn="ctr">
+                <a:solidFill>
+                  <a:schemeClr val="tx1"/>
+                </a:solidFill>
+                <a:miter lim="800000"/>
+                <a:headEnd/>
+                <a:tailEnd/>
+              </a14:hiddenLine>
+            </a:ext>
+          </a:extLst>
+        </p:spPr>
+      </p:pic>
+      <p:sp>
+        <p:nvSpPr>
+          <p:cNvPr id="14339" name="Titel 1"/>
+          <p:cNvSpPr>
+            <a:spLocks noGrp="1"/>
+          </p:cNvSpPr>
+          <p:nvPr>
+            <p:ph type="title"/>
+          </p:nvPr>
+        </p:nvSpPr>
+        <p:spPr/>
+        <p:txBody>
+          <a:bodyPr/>
+          <a:lstStyle/>
+          <a:p>
+            <a:r>
+              <a:rPr lang="de-DE" altLang="de-DE" smtClean="0">
+                <a:ea typeface="ＭＳ Ｐゴシック" pitchFamily="34" charset="-128"/>
+              </a:rPr>
+              <a:t>Wie wichtig sind C/C++?</a:t>
+            </a:r>
+          </a:p>
+        </p:txBody>
+      </p:sp>
+      <p:sp>
+        <p:nvSpPr>
+          <p:cNvPr id="14340" name="Rectangle 45"/>
+          <p:cNvSpPr>
+            <a:spLocks noChangeArrowheads="1"/>
+          </p:cNvSpPr>
+          <p:nvPr/>
+        </p:nvSpPr>
+        <p:spPr bwMode="auto">
+          <a:xfrm>
+            <a:off x="2001838" y="1419225"/>
+            <a:ext cx="9144000" cy="0"/>
           </a:xfrm>
           <a:prstGeom prst="rect">
             <a:avLst/>
@@ -26500,7 +23399,7 @@
               </a14:hiddenFill>
             </a:ext>
             <a:ext uri="{91240B29-F687-4F45-9708-019B960494DF}">
-              <a14:hiddenLine xmlns:a14="http://schemas.microsoft.com/office/drawing/2010/main" w="9525">
+              <a14:hiddenLine xmlns:a14="http://schemas.microsoft.com/office/drawing/2010/main" w="9525" algn="ctr">
                 <a:solidFill>
                   <a:schemeClr val="tx1"/>
                 </a:solidFill>
@@ -26520,336 +23419,184 @@
             </a:ext>
           </a:extLst>
         </p:spPr>
-      </p:pic>
-      <p:grpSp>
-        <p:nvGrpSpPr>
-          <p:cNvPr id="13317" name="Gruppieren 32"/>
-          <p:cNvGrpSpPr>
-            <a:grpSpLocks/>
-          </p:cNvGrpSpPr>
-          <p:nvPr/>
-        </p:nvGrpSpPr>
-        <p:grpSpPr bwMode="auto">
-          <a:xfrm>
-            <a:off x="5778238" y="4775347"/>
-            <a:ext cx="1631950" cy="1655763"/>
-            <a:chOff x="7308304" y="3068960"/>
-            <a:chExt cx="1632521" cy="1656184"/>
-          </a:xfrm>
-        </p:grpSpPr>
-        <p:pic>
-          <p:nvPicPr>
-            <p:cNvPr id="13319" name="Picture 7"/>
-            <p:cNvPicPr>
-              <a:picLocks noChangeAspect="1" noChangeArrowheads="1"/>
-            </p:cNvPicPr>
-            <p:nvPr/>
-          </p:nvPicPr>
-          <p:blipFill>
-            <a:blip r:embed="rId5">
-              <a:extLst>
-                <a:ext uri="{28A0092B-C50C-407E-A947-70E740481C1C}">
-                  <a14:useLocalDpi xmlns:a14="http://schemas.microsoft.com/office/drawing/2010/main" val="0"/>
-                </a:ext>
-              </a:extLst>
-            </a:blip>
-            <a:srcRect/>
-            <a:stretch>
-              <a:fillRect/>
-            </a:stretch>
-          </p:blipFill>
-          <p:spPr bwMode="auto">
-            <a:xfrm>
-              <a:off x="7380312" y="3501008"/>
-              <a:ext cx="1428750" cy="1057275"/>
-            </a:xfrm>
-            <a:prstGeom prst="rect">
-              <a:avLst/>
-            </a:prstGeom>
-            <a:noFill/>
-            <a:ln>
-              <a:noFill/>
-            </a:ln>
-            <a:extLst>
-              <a:ext uri="{909E8E84-426E-40DD-AFC4-6F175D3DCCD1}">
-                <a14:hiddenFill xmlns:a14="http://schemas.microsoft.com/office/drawing/2010/main">
-                  <a:solidFill>
-                    <a:srgbClr val="FFFFFF"/>
-                  </a:solidFill>
-                </a14:hiddenFill>
-              </a:ext>
-              <a:ext uri="{91240B29-F687-4F45-9708-019B960494DF}">
-                <a14:hiddenLine xmlns:a14="http://schemas.microsoft.com/office/drawing/2010/main" w="9525">
-                  <a:solidFill>
-                    <a:srgbClr val="000000"/>
-                  </a:solidFill>
-                  <a:miter lim="800000"/>
-                  <a:headEnd/>
-                  <a:tailEnd/>
-                </a14:hiddenLine>
-              </a:ext>
-            </a:extLst>
-          </p:spPr>
-        </p:pic>
-        <p:pic>
-          <p:nvPicPr>
-            <p:cNvPr id="13320" name="Picture 9" descr="C:\Dokumente und Einstellungen\anjorin.THORIN\Desktop\Reflective_Eclipse_IDE_Icon_by_dert07.png"/>
-            <p:cNvPicPr>
-              <a:picLocks noChangeAspect="1" noChangeArrowheads="1"/>
-            </p:cNvPicPr>
-            <p:nvPr/>
-          </p:nvPicPr>
-          <p:blipFill>
-            <a:blip r:embed="rId6" cstate="print">
-              <a:extLst>
-                <a:ext uri="{28A0092B-C50C-407E-A947-70E740481C1C}">
-                  <a14:useLocalDpi xmlns:a14="http://schemas.microsoft.com/office/drawing/2010/main" val="0"/>
-                </a:ext>
-              </a:extLst>
-            </a:blip>
-            <a:srcRect/>
-            <a:stretch>
-              <a:fillRect/>
-            </a:stretch>
-          </p:blipFill>
-          <p:spPr bwMode="auto">
-            <a:xfrm>
-              <a:off x="8100392" y="3068960"/>
-              <a:ext cx="840433" cy="840433"/>
-            </a:xfrm>
-            <a:prstGeom prst="rect">
-              <a:avLst/>
-            </a:prstGeom>
-            <a:noFill/>
-            <a:ln>
-              <a:noFill/>
-            </a:ln>
-            <a:extLst>
-              <a:ext uri="{909E8E84-426E-40DD-AFC4-6F175D3DCCD1}">
-                <a14:hiddenFill xmlns:a14="http://schemas.microsoft.com/office/drawing/2010/main">
-                  <a:solidFill>
-                    <a:srgbClr val="FFFFFF"/>
-                  </a:solidFill>
-                </a14:hiddenFill>
-              </a:ext>
-              <a:ext uri="{91240B29-F687-4F45-9708-019B960494DF}">
-                <a14:hiddenLine xmlns:a14="http://schemas.microsoft.com/office/drawing/2010/main" w="9525">
-                  <a:solidFill>
-                    <a:srgbClr val="000000"/>
-                  </a:solidFill>
-                  <a:miter lim="800000"/>
-                  <a:headEnd/>
-                  <a:tailEnd/>
-                </a14:hiddenLine>
-              </a:ext>
-            </a:extLst>
-          </p:spPr>
-        </p:pic>
-        <p:sp>
-          <p:nvSpPr>
-            <p:cNvPr id="13321" name="Rechteck 35"/>
-            <p:cNvSpPr>
-              <a:spLocks noChangeArrowheads="1"/>
-            </p:cNvSpPr>
-            <p:nvPr/>
-          </p:nvSpPr>
-          <p:spPr bwMode="auto">
-            <a:xfrm>
-              <a:off x="7308304" y="4437112"/>
-              <a:ext cx="1584176" cy="288032"/>
-            </a:xfrm>
-            <a:prstGeom prst="rect">
-              <a:avLst/>
-            </a:prstGeom>
-            <a:solidFill>
-              <a:schemeClr val="bg1"/>
-            </a:solidFill>
-            <a:ln>
-              <a:noFill/>
-            </a:ln>
-            <a:extLst>
-              <a:ext uri="{91240B29-F687-4F45-9708-019B960494DF}">
-                <a14:hiddenLine xmlns:a14="http://schemas.microsoft.com/office/drawing/2010/main" w="9525" algn="ctr">
-                  <a:solidFill>
-                    <a:srgbClr val="000000"/>
-                  </a:solidFill>
-                  <a:round/>
-                  <a:headEnd/>
-                  <a:tailEnd/>
-                </a14:hiddenLine>
-              </a:ext>
-            </a:extLst>
-          </p:spPr>
-          <p:txBody>
-            <a:bodyPr wrap="none" anchor="ctr"/>
-            <a:lstStyle>
-              <a:lvl1pPr algn="l" eaLnBrk="0" hangingPunct="0">
-                <a:spcBef>
-                  <a:spcPct val="20000"/>
-                </a:spcBef>
-                <a:buFont typeface="Wingdings" pitchFamily="2" charset="2"/>
-                <a:defRPr sz="2000">
-                  <a:solidFill>
-                    <a:schemeClr val="tx1"/>
-                  </a:solidFill>
-                  <a:latin typeface="Arial" charset="0"/>
-                  <a:ea typeface="ＭＳ Ｐゴシック" pitchFamily="34" charset="-128"/>
-                </a:defRPr>
-              </a:lvl1pPr>
-              <a:lvl2pPr marL="742950" indent="-285750" algn="l" eaLnBrk="0" hangingPunct="0">
-                <a:spcBef>
-                  <a:spcPct val="20000"/>
-                </a:spcBef>
-                <a:buFont typeface="Wingdings" pitchFamily="2" charset="2"/>
-                <a:buChar char="§"/>
-                <a:defRPr>
-                  <a:solidFill>
-                    <a:schemeClr val="tx1"/>
-                  </a:solidFill>
-                  <a:latin typeface="Arial" charset="0"/>
-                  <a:ea typeface="ＭＳ Ｐゴシック" pitchFamily="34" charset="-128"/>
-                </a:defRPr>
-              </a:lvl2pPr>
-              <a:lvl3pPr marL="1143000" indent="-228600" algn="l" eaLnBrk="0" hangingPunct="0">
-                <a:spcBef>
-                  <a:spcPct val="20000"/>
-                </a:spcBef>
-                <a:buFont typeface="Wingdings" pitchFamily="2" charset="2"/>
-                <a:buChar char="§"/>
-                <a:defRPr>
-                  <a:solidFill>
-                    <a:schemeClr val="tx1"/>
-                  </a:solidFill>
-                  <a:latin typeface="Arial" charset="0"/>
-                  <a:ea typeface="ＭＳ Ｐゴシック" pitchFamily="34" charset="-128"/>
-                </a:defRPr>
-              </a:lvl3pPr>
-              <a:lvl4pPr marL="1600200" indent="-228600" algn="l" eaLnBrk="0" hangingPunct="0">
-                <a:spcBef>
-                  <a:spcPct val="20000"/>
-                </a:spcBef>
-                <a:buFont typeface="Wingdings" pitchFamily="2" charset="2"/>
-                <a:buChar char="§"/>
-                <a:defRPr sz="1600">
-                  <a:solidFill>
-                    <a:schemeClr val="tx1"/>
-                  </a:solidFill>
-                  <a:latin typeface="Arial" charset="0"/>
-                  <a:ea typeface="ＭＳ Ｐゴシック" pitchFamily="34" charset="-128"/>
-                </a:defRPr>
-              </a:lvl4pPr>
-              <a:lvl5pPr marL="2057400" indent="-228600" algn="l" eaLnBrk="0" hangingPunct="0">
-                <a:spcBef>
-                  <a:spcPct val="20000"/>
-                </a:spcBef>
-                <a:buFont typeface="Wingdings" pitchFamily="2" charset="2"/>
-                <a:buChar char="§"/>
-                <a:defRPr sz="1600">
-                  <a:solidFill>
-                    <a:schemeClr val="tx1"/>
-                  </a:solidFill>
-                  <a:latin typeface="Arial" charset="0"/>
-                  <a:ea typeface="ＭＳ Ｐゴシック" pitchFamily="34" charset="-128"/>
-                </a:defRPr>
-              </a:lvl5pPr>
-              <a:lvl6pPr marL="2514600" indent="-228600" defTabSz="449263" eaLnBrk="0" fontAlgn="base" hangingPunct="0">
-                <a:spcBef>
-                  <a:spcPct val="20000"/>
-                </a:spcBef>
-                <a:spcAft>
-                  <a:spcPct val="0"/>
-                </a:spcAft>
-                <a:buFont typeface="Wingdings" pitchFamily="2" charset="2"/>
-                <a:buChar char="§"/>
-                <a:defRPr sz="1600">
-                  <a:solidFill>
-                    <a:schemeClr val="tx1"/>
-                  </a:solidFill>
-                  <a:latin typeface="Arial" charset="0"/>
-                  <a:ea typeface="ＭＳ Ｐゴシック" pitchFamily="34" charset="-128"/>
-                </a:defRPr>
-              </a:lvl6pPr>
-              <a:lvl7pPr marL="2971800" indent="-228600" defTabSz="449263" eaLnBrk="0" fontAlgn="base" hangingPunct="0">
-                <a:spcBef>
-                  <a:spcPct val="20000"/>
-                </a:spcBef>
-                <a:spcAft>
-                  <a:spcPct val="0"/>
-                </a:spcAft>
-                <a:buFont typeface="Wingdings" pitchFamily="2" charset="2"/>
-                <a:buChar char="§"/>
-                <a:defRPr sz="1600">
-                  <a:solidFill>
-                    <a:schemeClr val="tx1"/>
-                  </a:solidFill>
-                  <a:latin typeface="Arial" charset="0"/>
-                  <a:ea typeface="ＭＳ Ｐゴシック" pitchFamily="34" charset="-128"/>
-                </a:defRPr>
-              </a:lvl7pPr>
-              <a:lvl8pPr marL="3429000" indent="-228600" defTabSz="449263" eaLnBrk="0" fontAlgn="base" hangingPunct="0">
-                <a:spcBef>
-                  <a:spcPct val="20000"/>
-                </a:spcBef>
-                <a:spcAft>
-                  <a:spcPct val="0"/>
-                </a:spcAft>
-                <a:buFont typeface="Wingdings" pitchFamily="2" charset="2"/>
-                <a:buChar char="§"/>
-                <a:defRPr sz="1600">
-                  <a:solidFill>
-                    <a:schemeClr val="tx1"/>
-                  </a:solidFill>
-                  <a:latin typeface="Arial" charset="0"/>
-                  <a:ea typeface="ＭＳ Ｐゴシック" pitchFamily="34" charset="-128"/>
-                </a:defRPr>
-              </a:lvl8pPr>
-              <a:lvl9pPr marL="3886200" indent="-228600" defTabSz="449263" eaLnBrk="0" fontAlgn="base" hangingPunct="0">
-                <a:spcBef>
-                  <a:spcPct val="20000"/>
-                </a:spcBef>
-                <a:spcAft>
-                  <a:spcPct val="0"/>
-                </a:spcAft>
-                <a:buFont typeface="Wingdings" pitchFamily="2" charset="2"/>
-                <a:buChar char="§"/>
-                <a:defRPr sz="1600">
-                  <a:solidFill>
-                    <a:schemeClr val="tx1"/>
-                  </a:solidFill>
-                  <a:latin typeface="Arial" charset="0"/>
-                  <a:ea typeface="ＭＳ Ｐゴシック" pitchFamily="34" charset="-128"/>
-                </a:defRPr>
-              </a:lvl9pPr>
-            </a:lstStyle>
-            <a:p>
-              <a:pPr algn="ctr" eaLnBrk="1" hangingPunct="1">
-                <a:spcBef>
-                  <a:spcPct val="0"/>
-                </a:spcBef>
-                <a:buSzTx/>
-                <a:buFont typeface="Arial" charset="0"/>
-                <a:buNone/>
-              </a:pPr>
-              <a:endParaRPr lang="en-GB" altLang="de-DE" sz="1800"/>
-            </a:p>
-          </p:txBody>
-        </p:sp>
-      </p:grpSp>
+        <p:txBody>
+          <a:bodyPr wrap="none" anchor="ctr">
+            <a:spAutoFit/>
+          </a:bodyPr>
+          <a:lstStyle>
+            <a:lvl1pPr algn="l" eaLnBrk="0" hangingPunct="0">
+              <a:spcBef>
+                <a:spcPct val="20000"/>
+              </a:spcBef>
+              <a:buFont typeface="Wingdings" pitchFamily="2" charset="2"/>
+              <a:defRPr sz="2000">
+                <a:solidFill>
+                  <a:schemeClr val="tx1"/>
+                </a:solidFill>
+                <a:latin typeface="Arial" charset="0"/>
+                <a:ea typeface="ＭＳ Ｐゴシック" pitchFamily="34" charset="-128"/>
+              </a:defRPr>
+            </a:lvl1pPr>
+            <a:lvl2pPr marL="742950" indent="-285750" algn="l" eaLnBrk="0" hangingPunct="0">
+              <a:spcBef>
+                <a:spcPct val="20000"/>
+              </a:spcBef>
+              <a:buFont typeface="Wingdings" pitchFamily="2" charset="2"/>
+              <a:buChar char="§"/>
+              <a:defRPr>
+                <a:solidFill>
+                  <a:schemeClr val="tx1"/>
+                </a:solidFill>
+                <a:latin typeface="Arial" charset="0"/>
+                <a:ea typeface="ＭＳ Ｐゴシック" pitchFamily="34" charset="-128"/>
+              </a:defRPr>
+            </a:lvl2pPr>
+            <a:lvl3pPr marL="1143000" indent="-228600" algn="l" eaLnBrk="0" hangingPunct="0">
+              <a:spcBef>
+                <a:spcPct val="20000"/>
+              </a:spcBef>
+              <a:buFont typeface="Wingdings" pitchFamily="2" charset="2"/>
+              <a:buChar char="§"/>
+              <a:defRPr>
+                <a:solidFill>
+                  <a:schemeClr val="tx1"/>
+                </a:solidFill>
+                <a:latin typeface="Arial" charset="0"/>
+                <a:ea typeface="ＭＳ Ｐゴシック" pitchFamily="34" charset="-128"/>
+              </a:defRPr>
+            </a:lvl3pPr>
+            <a:lvl4pPr marL="1600200" indent="-228600" algn="l" eaLnBrk="0" hangingPunct="0">
+              <a:spcBef>
+                <a:spcPct val="20000"/>
+              </a:spcBef>
+              <a:buFont typeface="Wingdings" pitchFamily="2" charset="2"/>
+              <a:buChar char="§"/>
+              <a:defRPr sz="1600">
+                <a:solidFill>
+                  <a:schemeClr val="tx1"/>
+                </a:solidFill>
+                <a:latin typeface="Arial" charset="0"/>
+                <a:ea typeface="ＭＳ Ｐゴシック" pitchFamily="34" charset="-128"/>
+              </a:defRPr>
+            </a:lvl4pPr>
+            <a:lvl5pPr marL="2057400" indent="-228600" algn="l" eaLnBrk="0" hangingPunct="0">
+              <a:spcBef>
+                <a:spcPct val="20000"/>
+              </a:spcBef>
+              <a:buFont typeface="Wingdings" pitchFamily="2" charset="2"/>
+              <a:buChar char="§"/>
+              <a:defRPr sz="1600">
+                <a:solidFill>
+                  <a:schemeClr val="tx1"/>
+                </a:solidFill>
+                <a:latin typeface="Arial" charset="0"/>
+                <a:ea typeface="ＭＳ Ｐゴシック" pitchFamily="34" charset="-128"/>
+              </a:defRPr>
+            </a:lvl5pPr>
+            <a:lvl6pPr marL="2514600" indent="-228600" defTabSz="449263" eaLnBrk="0" fontAlgn="base" hangingPunct="0">
+              <a:spcBef>
+                <a:spcPct val="20000"/>
+              </a:spcBef>
+              <a:spcAft>
+                <a:spcPct val="0"/>
+              </a:spcAft>
+              <a:buFont typeface="Wingdings" pitchFamily="2" charset="2"/>
+              <a:buChar char="§"/>
+              <a:defRPr sz="1600">
+                <a:solidFill>
+                  <a:schemeClr val="tx1"/>
+                </a:solidFill>
+                <a:latin typeface="Arial" charset="0"/>
+                <a:ea typeface="ＭＳ Ｐゴシック" pitchFamily="34" charset="-128"/>
+              </a:defRPr>
+            </a:lvl6pPr>
+            <a:lvl7pPr marL="2971800" indent="-228600" defTabSz="449263" eaLnBrk="0" fontAlgn="base" hangingPunct="0">
+              <a:spcBef>
+                <a:spcPct val="20000"/>
+              </a:spcBef>
+              <a:spcAft>
+                <a:spcPct val="0"/>
+              </a:spcAft>
+              <a:buFont typeface="Wingdings" pitchFamily="2" charset="2"/>
+              <a:buChar char="§"/>
+              <a:defRPr sz="1600">
+                <a:solidFill>
+                  <a:schemeClr val="tx1"/>
+                </a:solidFill>
+                <a:latin typeface="Arial" charset="0"/>
+                <a:ea typeface="ＭＳ Ｐゴシック" pitchFamily="34" charset="-128"/>
+              </a:defRPr>
+            </a:lvl7pPr>
+            <a:lvl8pPr marL="3429000" indent="-228600" defTabSz="449263" eaLnBrk="0" fontAlgn="base" hangingPunct="0">
+              <a:spcBef>
+                <a:spcPct val="20000"/>
+              </a:spcBef>
+              <a:spcAft>
+                <a:spcPct val="0"/>
+              </a:spcAft>
+              <a:buFont typeface="Wingdings" pitchFamily="2" charset="2"/>
+              <a:buChar char="§"/>
+              <a:defRPr sz="1600">
+                <a:solidFill>
+                  <a:schemeClr val="tx1"/>
+                </a:solidFill>
+                <a:latin typeface="Arial" charset="0"/>
+                <a:ea typeface="ＭＳ Ｐゴシック" pitchFamily="34" charset="-128"/>
+              </a:defRPr>
+            </a:lvl8pPr>
+            <a:lvl9pPr marL="3886200" indent="-228600" defTabSz="449263" eaLnBrk="0" fontAlgn="base" hangingPunct="0">
+              <a:spcBef>
+                <a:spcPct val="20000"/>
+              </a:spcBef>
+              <a:spcAft>
+                <a:spcPct val="0"/>
+              </a:spcAft>
+              <a:buFont typeface="Wingdings" pitchFamily="2" charset="2"/>
+              <a:buChar char="§"/>
+              <a:defRPr sz="1600">
+                <a:solidFill>
+                  <a:schemeClr val="tx1"/>
+                </a:solidFill>
+                <a:latin typeface="Arial" charset="0"/>
+                <a:ea typeface="ＭＳ Ｐゴシック" pitchFamily="34" charset="-128"/>
+              </a:defRPr>
+            </a:lvl9pPr>
+          </a:lstStyle>
+          <a:p>
+            <a:pPr algn="ctr">
+              <a:spcBef>
+                <a:spcPct val="0"/>
+              </a:spcBef>
+              <a:buSzTx/>
+              <a:buFont typeface="Arial" charset="0"/>
+              <a:buNone/>
+            </a:pPr>
+            <a:r>
+              <a:rPr lang="en-US" altLang="de-DE" sz="1800"/>
+              <a:t/>
+            </a:r>
+            <a:br>
+              <a:rPr lang="en-US" altLang="de-DE" sz="1800"/>
+            </a:br>
+            <a:endParaRPr lang="en-US" altLang="de-DE" sz="1800"/>
+          </a:p>
+        </p:txBody>
+      </p:sp>
       <p:sp>
         <p:nvSpPr>
-          <p:cNvPr id="37" name="Abgerundete rechteckige Legende 36"/>
+          <p:cNvPr id="50" name="Abgerundete rechteckige Legende 49"/>
           <p:cNvSpPr/>
           <p:nvPr/>
         </p:nvSpPr>
         <p:spPr>
           <a:xfrm>
-            <a:off x="5801118" y="2646607"/>
-            <a:ext cx="3313112" cy="1296987"/>
+            <a:off x="5940425" y="1989138"/>
+            <a:ext cx="2016125" cy="720725"/>
           </a:xfrm>
           <a:prstGeom prst="wedgeRoundRectCallout">
             <a:avLst>
-              <a:gd name="adj1" fmla="val -41578"/>
-              <a:gd name="adj2" fmla="val -10566"/>
+              <a:gd name="adj1" fmla="val -82398"/>
+              <a:gd name="adj2" fmla="val 171812"/>
               <a:gd name="adj3" fmla="val 16667"/>
             </a:avLst>
           </a:prstGeom>
@@ -26885,7 +23632,296 @@
                   <a:schemeClr val="bg1"/>
                 </a:solidFill>
               </a:rPr>
-              <a:t>Sehr flexible Themen aus unterschiedlichen Bereichen (Software Engineering)</a:t>
+              <a:t>C war und ist sehr beliebt.</a:t>
+            </a:r>
+          </a:p>
+        </p:txBody>
+      </p:sp>
+      <p:sp>
+        <p:nvSpPr>
+          <p:cNvPr id="14342" name="Rechteck 4"/>
+          <p:cNvSpPr>
+            <a:spLocks noChangeArrowheads="1"/>
+          </p:cNvSpPr>
+          <p:nvPr/>
+        </p:nvSpPr>
+        <p:spPr bwMode="auto">
+          <a:xfrm>
+            <a:off x="4067175" y="6219825"/>
+            <a:ext cx="4572000" cy="234950"/>
+          </a:xfrm>
+          <a:prstGeom prst="rect">
+            <a:avLst/>
+          </a:prstGeom>
+          <a:noFill/>
+          <a:ln>
+            <a:noFill/>
+          </a:ln>
+          <a:extLst>
+            <a:ext uri="{909E8E84-426E-40DD-AFC4-6F175D3DCCD1}">
+              <a14:hiddenFill xmlns:a14="http://schemas.microsoft.com/office/drawing/2010/main">
+                <a:solidFill>
+                  <a:srgbClr val="FFFFFF"/>
+                </a:solidFill>
+              </a14:hiddenFill>
+            </a:ext>
+            <a:ext uri="{91240B29-F687-4F45-9708-019B960494DF}">
+              <a14:hiddenLine xmlns:a14="http://schemas.microsoft.com/office/drawing/2010/main" w="9525">
+                <a:solidFill>
+                  <a:srgbClr val="000000"/>
+                </a:solidFill>
+                <a:miter lim="800000"/>
+                <a:headEnd/>
+                <a:tailEnd/>
+              </a14:hiddenLine>
+            </a:ext>
+          </a:extLst>
+        </p:spPr>
+        <p:txBody>
+          <a:bodyPr>
+            <a:spAutoFit/>
+          </a:bodyPr>
+          <a:lstStyle>
+            <a:lvl1pPr algn="l" eaLnBrk="0" hangingPunct="0">
+              <a:spcBef>
+                <a:spcPct val="20000"/>
+              </a:spcBef>
+              <a:buFont typeface="Wingdings" pitchFamily="2" charset="2"/>
+              <a:defRPr sz="2000">
+                <a:solidFill>
+                  <a:schemeClr val="tx1"/>
+                </a:solidFill>
+                <a:latin typeface="Arial" charset="0"/>
+                <a:ea typeface="ＭＳ Ｐゴシック" pitchFamily="34" charset="-128"/>
+              </a:defRPr>
+            </a:lvl1pPr>
+            <a:lvl2pPr marL="742950" indent="-285750" algn="l" eaLnBrk="0" hangingPunct="0">
+              <a:spcBef>
+                <a:spcPct val="20000"/>
+              </a:spcBef>
+              <a:buFont typeface="Wingdings" pitchFamily="2" charset="2"/>
+              <a:buChar char="§"/>
+              <a:defRPr>
+                <a:solidFill>
+                  <a:schemeClr val="tx1"/>
+                </a:solidFill>
+                <a:latin typeface="Arial" charset="0"/>
+                <a:ea typeface="ＭＳ Ｐゴシック" pitchFamily="34" charset="-128"/>
+              </a:defRPr>
+            </a:lvl2pPr>
+            <a:lvl3pPr marL="1143000" indent="-228600" algn="l" eaLnBrk="0" hangingPunct="0">
+              <a:spcBef>
+                <a:spcPct val="20000"/>
+              </a:spcBef>
+              <a:buFont typeface="Wingdings" pitchFamily="2" charset="2"/>
+              <a:buChar char="§"/>
+              <a:defRPr>
+                <a:solidFill>
+                  <a:schemeClr val="tx1"/>
+                </a:solidFill>
+                <a:latin typeface="Arial" charset="0"/>
+                <a:ea typeface="ＭＳ Ｐゴシック" pitchFamily="34" charset="-128"/>
+              </a:defRPr>
+            </a:lvl3pPr>
+            <a:lvl4pPr marL="1600200" indent="-228600" algn="l" eaLnBrk="0" hangingPunct="0">
+              <a:spcBef>
+                <a:spcPct val="20000"/>
+              </a:spcBef>
+              <a:buFont typeface="Wingdings" pitchFamily="2" charset="2"/>
+              <a:buChar char="§"/>
+              <a:defRPr sz="1600">
+                <a:solidFill>
+                  <a:schemeClr val="tx1"/>
+                </a:solidFill>
+                <a:latin typeface="Arial" charset="0"/>
+                <a:ea typeface="ＭＳ Ｐゴシック" pitchFamily="34" charset="-128"/>
+              </a:defRPr>
+            </a:lvl4pPr>
+            <a:lvl5pPr marL="2057400" indent="-228600" algn="l" eaLnBrk="0" hangingPunct="0">
+              <a:spcBef>
+                <a:spcPct val="20000"/>
+              </a:spcBef>
+              <a:buFont typeface="Wingdings" pitchFamily="2" charset="2"/>
+              <a:buChar char="§"/>
+              <a:defRPr sz="1600">
+                <a:solidFill>
+                  <a:schemeClr val="tx1"/>
+                </a:solidFill>
+                <a:latin typeface="Arial" charset="0"/>
+                <a:ea typeface="ＭＳ Ｐゴシック" pitchFamily="34" charset="-128"/>
+              </a:defRPr>
+            </a:lvl5pPr>
+            <a:lvl6pPr marL="2514600" indent="-228600" defTabSz="449263" eaLnBrk="0" fontAlgn="base" hangingPunct="0">
+              <a:spcBef>
+                <a:spcPct val="20000"/>
+              </a:spcBef>
+              <a:spcAft>
+                <a:spcPct val="0"/>
+              </a:spcAft>
+              <a:buFont typeface="Wingdings" pitchFamily="2" charset="2"/>
+              <a:buChar char="§"/>
+              <a:defRPr sz="1600">
+                <a:solidFill>
+                  <a:schemeClr val="tx1"/>
+                </a:solidFill>
+                <a:latin typeface="Arial" charset="0"/>
+                <a:ea typeface="ＭＳ Ｐゴシック" pitchFamily="34" charset="-128"/>
+              </a:defRPr>
+            </a:lvl6pPr>
+            <a:lvl7pPr marL="2971800" indent="-228600" defTabSz="449263" eaLnBrk="0" fontAlgn="base" hangingPunct="0">
+              <a:spcBef>
+                <a:spcPct val="20000"/>
+              </a:spcBef>
+              <a:spcAft>
+                <a:spcPct val="0"/>
+              </a:spcAft>
+              <a:buFont typeface="Wingdings" pitchFamily="2" charset="2"/>
+              <a:buChar char="§"/>
+              <a:defRPr sz="1600">
+                <a:solidFill>
+                  <a:schemeClr val="tx1"/>
+                </a:solidFill>
+                <a:latin typeface="Arial" charset="0"/>
+                <a:ea typeface="ＭＳ Ｐゴシック" pitchFamily="34" charset="-128"/>
+              </a:defRPr>
+            </a:lvl7pPr>
+            <a:lvl8pPr marL="3429000" indent="-228600" defTabSz="449263" eaLnBrk="0" fontAlgn="base" hangingPunct="0">
+              <a:spcBef>
+                <a:spcPct val="20000"/>
+              </a:spcBef>
+              <a:spcAft>
+                <a:spcPct val="0"/>
+              </a:spcAft>
+              <a:buFont typeface="Wingdings" pitchFamily="2" charset="2"/>
+              <a:buChar char="§"/>
+              <a:defRPr sz="1600">
+                <a:solidFill>
+                  <a:schemeClr val="tx1"/>
+                </a:solidFill>
+                <a:latin typeface="Arial" charset="0"/>
+                <a:ea typeface="ＭＳ Ｐゴシック" pitchFamily="34" charset="-128"/>
+              </a:defRPr>
+            </a:lvl8pPr>
+            <a:lvl9pPr marL="3886200" indent="-228600" defTabSz="449263" eaLnBrk="0" fontAlgn="base" hangingPunct="0">
+              <a:spcBef>
+                <a:spcPct val="20000"/>
+              </a:spcBef>
+              <a:spcAft>
+                <a:spcPct val="0"/>
+              </a:spcAft>
+              <a:buFont typeface="Wingdings" pitchFamily="2" charset="2"/>
+              <a:buChar char="§"/>
+              <a:defRPr sz="1600">
+                <a:solidFill>
+                  <a:schemeClr val="tx1"/>
+                </a:solidFill>
+                <a:latin typeface="Arial" charset="0"/>
+                <a:ea typeface="ＭＳ Ｐゴシック" pitchFamily="34" charset="-128"/>
+              </a:defRPr>
+            </a:lvl9pPr>
+          </a:lstStyle>
+          <a:p>
+            <a:pPr algn="ctr" eaLnBrk="1" hangingPunct="1">
+              <a:spcBef>
+                <a:spcPct val="0"/>
+              </a:spcBef>
+              <a:buSzTx/>
+              <a:buFont typeface="Arial" charset="0"/>
+              <a:buNone/>
+            </a:pPr>
+            <a:r>
+              <a:rPr lang="de-DE" altLang="de-DE" sz="1000" dirty="0">
+                <a:hlinkClick r:id="rId3"/>
+              </a:rPr>
+              <a:t>http://www.tiobe.com/index.php/content/paperinfo/tpci/index.html</a:t>
+            </a:r>
+            <a:endParaRPr lang="de-DE" altLang="de-DE" sz="1000" dirty="0"/>
+          </a:p>
+        </p:txBody>
+      </p:sp>
+      <p:sp>
+        <p:nvSpPr>
+          <p:cNvPr id="52" name="Abgerundete rechteckige Legende 51"/>
+          <p:cNvSpPr/>
+          <p:nvPr/>
+        </p:nvSpPr>
+        <p:spPr>
+          <a:xfrm>
+            <a:off x="6107113" y="5229225"/>
+            <a:ext cx="2635250" cy="720725"/>
+          </a:xfrm>
+          <a:prstGeom prst="wedgeRoundRectCallout">
+            <a:avLst>
+              <a:gd name="adj1" fmla="val -61137"/>
+              <a:gd name="adj2" fmla="val -81932"/>
+              <a:gd name="adj3" fmla="val 16667"/>
+            </a:avLst>
+          </a:prstGeom>
+          <a:solidFill>
+            <a:schemeClr val="tx1"/>
+          </a:solidFill>
+          <a:ln/>
+        </p:spPr>
+        <p:style>
+          <a:lnRef idx="1">
+            <a:schemeClr val="dk1"/>
+          </a:lnRef>
+          <a:fillRef idx="3">
+            <a:schemeClr val="dk1"/>
+          </a:fillRef>
+          <a:effectRef idx="2">
+            <a:schemeClr val="dk1"/>
+          </a:effectRef>
+          <a:fontRef idx="minor">
+            <a:schemeClr val="lt1"/>
+          </a:fontRef>
+        </p:style>
+        <p:txBody>
+          <a:bodyPr anchor="ctr"/>
+          <a:lstStyle/>
+          <a:p>
+            <a:pPr>
+              <a:defRPr/>
+            </a:pPr>
+            <a:r>
+              <a:rPr lang="de-DE" dirty="0">
+                <a:solidFill>
+                  <a:schemeClr val="bg1"/>
+                </a:solidFill>
+              </a:rPr>
+              <a:t>C++ = „C </a:t>
+            </a:r>
+            <a:r>
+              <a:rPr lang="de-DE" dirty="0" err="1">
+                <a:solidFill>
+                  <a:schemeClr val="bg1"/>
+                </a:solidFill>
+              </a:rPr>
+              <a:t>with</a:t>
+            </a:r>
+            <a:r>
+              <a:rPr lang="de-DE" dirty="0">
+                <a:solidFill>
+                  <a:schemeClr val="bg1"/>
+                </a:solidFill>
+              </a:rPr>
+              <a:t> </a:t>
+            </a:r>
+            <a:r>
+              <a:rPr lang="de-DE" dirty="0" err="1">
+                <a:solidFill>
+                  <a:schemeClr val="bg1"/>
+                </a:solidFill>
+              </a:rPr>
+              <a:t>objects</a:t>
+            </a:r>
+            <a:r>
+              <a:rPr lang="de-DE" dirty="0">
+                <a:solidFill>
+                  <a:schemeClr val="bg1"/>
+                </a:solidFill>
+              </a:rPr>
+              <a:t>“</a:t>
             </a:r>
           </a:p>
         </p:txBody>
@@ -26930,7 +23966,7 @@
                                           </p:stCondLst>
                                         </p:cTn>
                                         <p:tgtEl>
-                                          <p:spTgt spid="37"/>
+                                          <p:spTgt spid="50"/>
                                         </p:tgtEl>
                                         <p:attrNameLst>
                                           <p:attrName>style.visibility</p:attrName>
@@ -26944,7 +23980,60 @@
                                       <p:cBhvr>
                                         <p:cTn id="7" dur="500"/>
                                         <p:tgtEl>
-                                          <p:spTgt spid="37"/>
+                                          <p:spTgt spid="50"/>
+                                        </p:tgtEl>
+                                      </p:cBhvr>
+                                    </p:animEffect>
+                                  </p:childTnLst>
+                                </p:cTn>
+                              </p:par>
+                            </p:childTnLst>
+                          </p:cTn>
+                        </p:par>
+                      </p:childTnLst>
+                    </p:cTn>
+                  </p:par>
+                  <p:par>
+                    <p:cTn id="8" fill="hold" nodeType="clickPar">
+                      <p:stCondLst>
+                        <p:cond delay="indefinite"/>
+                      </p:stCondLst>
+                      <p:childTnLst>
+                        <p:par>
+                          <p:cTn id="9" fill="hold" nodeType="withGroup">
+                            <p:stCondLst>
+                              <p:cond delay="0"/>
+                            </p:stCondLst>
+                            <p:childTnLst>
+                              <p:par>
+                                <p:cTn id="10" presetID="10" presetClass="entr" presetSubtype="0" fill="hold" grpId="0" nodeType="clickEffect">
+                                  <p:stCondLst>
+                                    <p:cond delay="0"/>
+                                  </p:stCondLst>
+                                  <p:childTnLst>
+                                    <p:set>
+                                      <p:cBhvr>
+                                        <p:cTn id="11" dur="1" fill="hold">
+                                          <p:stCondLst>
+                                            <p:cond delay="0"/>
+                                          </p:stCondLst>
+                                        </p:cTn>
+                                        <p:tgtEl>
+                                          <p:spTgt spid="52"/>
+                                        </p:tgtEl>
+                                        <p:attrNameLst>
+                                          <p:attrName>style.visibility</p:attrName>
+                                        </p:attrNameLst>
+                                      </p:cBhvr>
+                                      <p:to>
+                                        <p:strVal val="visible"/>
+                                      </p:to>
+                                    </p:set>
+                                    <p:animEffect transition="in" filter="fade">
+                                      <p:cBhvr>
+                                        <p:cTn id="12" dur="500"/>
+                                        <p:tgtEl>
+                                          <p:spTgt spid="52"/>
                                         </p:tgtEl>
                                       </p:cBhvr>
                                     </p:animEffect>
@@ -26979,7 +24068,8 @@
       </p:par>
     </p:tnLst>
     <p:bldLst>
-      <p:bldP spid="37" grpId="0" animBg="1"/>
+      <p:bldP spid="50" grpId="0" animBg="1"/>
+      <p:bldP spid="52" grpId="0" animBg="1"/>
     </p:bldLst>
   </p:timing>
 </p:sld>

--- a/Vorlesung/0 Organisatorisches.pptx
+++ b/Vorlesung/0 Organisatorisches.pptx
@@ -6,10 +6,10 @@
     <p:sldMasterId id="2147483988" r:id="rId2"/>
   </p:sldMasterIdLst>
   <p:notesMasterIdLst>
-    <p:notesMasterId r:id="rId13"/>
+    <p:notesMasterId r:id="rId14"/>
   </p:notesMasterIdLst>
   <p:handoutMasterIdLst>
-    <p:handoutMasterId r:id="rId14"/>
+    <p:handoutMasterId r:id="rId15"/>
   </p:handoutMasterIdLst>
   <p:sldIdLst>
     <p:sldId id="277" r:id="rId3"/>
@@ -17,11 +17,12 @@
     <p:sldId id="265" r:id="rId5"/>
     <p:sldId id="259" r:id="rId6"/>
     <p:sldId id="267" r:id="rId7"/>
-    <p:sldId id="275" r:id="rId8"/>
-    <p:sldId id="268" r:id="rId9"/>
-    <p:sldId id="274" r:id="rId10"/>
-    <p:sldId id="271" r:id="rId11"/>
-    <p:sldId id="272" r:id="rId12"/>
+    <p:sldId id="278" r:id="rId8"/>
+    <p:sldId id="275" r:id="rId9"/>
+    <p:sldId id="268" r:id="rId10"/>
+    <p:sldId id="274" r:id="rId11"/>
+    <p:sldId id="271" r:id="rId12"/>
+    <p:sldId id="272" r:id="rId13"/>
   </p:sldIdLst>
   <p:sldSz cx="9144000" cy="6858000" type="screen4x3"/>
   <p:notesSz cx="7099300" cy="10234613"/>
@@ -223,6 +224,875 @@
 </p:presentation>
 </file>
 
+<file path=ppt/charts/chart1.xml><?xml version="1.0" encoding="utf-8"?>
+<c:chartSpace xmlns:c="http://schemas.openxmlformats.org/drawingml/2006/chart" xmlns:a="http://schemas.openxmlformats.org/drawingml/2006/main" xmlns:r="http://schemas.openxmlformats.org/officeDocument/2006/relationships">
+  <c:date1904 val="0"/>
+  <c:lang val="de-DE"/>
+  <c:roundedCorners val="0"/>
+  <mc:AlternateContent xmlns:mc="http://schemas.openxmlformats.org/markup-compatibility/2006">
+    <mc:Choice xmlns:c14="http://schemas.microsoft.com/office/drawing/2007/8/2/chart" Requires="c14">
+      <c14:style val="102"/>
+    </mc:Choice>
+    <mc:Fallback>
+      <c:style val="2"/>
+    </mc:Fallback>
+  </mc:AlternateContent>
+  <c:chart>
+    <c:title>
+      <c:tx>
+        <c:rich>
+          <a:bodyPr rot="0" spcFirstLastPara="1" vertOverflow="ellipsis" vert="horz" wrap="square" anchor="ctr" anchorCtr="1"/>
+          <a:lstStyle/>
+          <a:p>
+            <a:pPr>
+              <a:defRPr sz="1862" b="0" i="0" u="none" strike="noStrike" kern="1200" spc="0" baseline="0">
+                <a:solidFill>
+                  <a:schemeClr val="tx1">
+                    <a:lumMod val="65000"/>
+                    <a:lumOff val="35000"/>
+                  </a:schemeClr>
+                </a:solidFill>
+                <a:latin typeface="+mn-lt"/>
+                <a:ea typeface="+mn-ea"/>
+                <a:cs typeface="+mn-cs"/>
+              </a:defRPr>
+            </a:pPr>
+            <a:r>
+              <a:rPr lang="en-US" b="1" dirty="0" err="1" smtClean="0">
+                <a:solidFill>
+                  <a:srgbClr val="005AA9"/>
+                </a:solidFill>
+              </a:rPr>
+              <a:t>Länge</a:t>
+            </a:r>
+            <a:r>
+              <a:rPr lang="en-US" b="1" dirty="0" smtClean="0">
+                <a:solidFill>
+                  <a:srgbClr val="005AA9"/>
+                </a:solidFill>
+              </a:rPr>
+              <a:t> der </a:t>
+            </a:r>
+            <a:r>
+              <a:rPr lang="en-US" b="1" dirty="0" err="1" smtClean="0">
+                <a:solidFill>
+                  <a:srgbClr val="005AA9"/>
+                </a:solidFill>
+              </a:rPr>
+              <a:t>Übungsblätter</a:t>
+            </a:r>
+            <a:r>
+              <a:rPr lang="en-US" b="1" dirty="0" smtClean="0">
+                <a:solidFill>
+                  <a:srgbClr val="005AA9"/>
+                </a:solidFill>
+              </a:rPr>
+              <a:t> </a:t>
+            </a:r>
+            <a:r>
+              <a:rPr lang="en-US" b="1" dirty="0" err="1" smtClean="0">
+                <a:solidFill>
+                  <a:srgbClr val="005AA9"/>
+                </a:solidFill>
+              </a:rPr>
+              <a:t>nach</a:t>
+            </a:r>
+            <a:r>
+              <a:rPr lang="en-US" b="1" dirty="0" smtClean="0">
+                <a:solidFill>
+                  <a:srgbClr val="005AA9"/>
+                </a:solidFill>
+              </a:rPr>
+              <a:t> Tag</a:t>
+            </a:r>
+            <a:endParaRPr lang="en-US" b="1" dirty="0">
+              <a:solidFill>
+                <a:srgbClr val="005AA9"/>
+              </a:solidFill>
+            </a:endParaRPr>
+          </a:p>
+        </c:rich>
+      </c:tx>
+      <c:layout/>
+      <c:overlay val="0"/>
+      <c:spPr>
+        <a:noFill/>
+        <a:ln>
+          <a:noFill/>
+        </a:ln>
+        <a:effectLst/>
+      </c:spPr>
+      <c:txPr>
+        <a:bodyPr rot="0" spcFirstLastPara="1" vertOverflow="ellipsis" vert="horz" wrap="square" anchor="ctr" anchorCtr="1"/>
+        <a:lstStyle/>
+        <a:p>
+          <a:pPr>
+            <a:defRPr sz="1862" b="0" i="0" u="none" strike="noStrike" kern="1200" spc="0" baseline="0">
+              <a:solidFill>
+                <a:schemeClr val="tx1">
+                  <a:lumMod val="65000"/>
+                  <a:lumOff val="35000"/>
+                </a:schemeClr>
+              </a:solidFill>
+              <a:latin typeface="+mn-lt"/>
+              <a:ea typeface="+mn-ea"/>
+              <a:cs typeface="+mn-cs"/>
+            </a:defRPr>
+          </a:pPr>
+          <a:endParaRPr lang="en-US"/>
+        </a:p>
+      </c:txPr>
+    </c:title>
+    <c:autoTitleDeleted val="0"/>
+    <c:plotArea>
+      <c:layout/>
+      <c:barChart>
+        <c:barDir val="col"/>
+        <c:grouping val="clustered"/>
+        <c:varyColors val="0"/>
+        <c:ser>
+          <c:idx val="0"/>
+          <c:order val="0"/>
+          <c:tx>
+            <c:strRef>
+              <c:f>Tabelle1!$B$1</c:f>
+              <c:strCache>
+                <c:ptCount val="1"/>
+                <c:pt idx="0">
+                  <c:v>Tag 1</c:v>
+                </c:pt>
+              </c:strCache>
+            </c:strRef>
+          </c:tx>
+          <c:spPr>
+            <a:solidFill>
+              <a:srgbClr val="005AA9"/>
+            </a:solidFill>
+            <a:ln>
+              <a:noFill/>
+            </a:ln>
+            <a:effectLst/>
+          </c:spPr>
+          <c:invertIfNegative val="0"/>
+          <c:cat>
+            <c:strRef>
+              <c:f>Tabelle1!$A$2:$A$6</c:f>
+              <c:strCache>
+                <c:ptCount val="5"/>
+                <c:pt idx="0">
+                  <c:v>Tag 1</c:v>
+                </c:pt>
+                <c:pt idx="1">
+                  <c:v>Tag 2</c:v>
+                </c:pt>
+                <c:pt idx="2">
+                  <c:v>Tag 3</c:v>
+                </c:pt>
+                <c:pt idx="3">
+                  <c:v>Tag 4</c:v>
+                </c:pt>
+                <c:pt idx="4">
+                  <c:v>Tag 5</c:v>
+                </c:pt>
+              </c:strCache>
+            </c:strRef>
+          </c:cat>
+          <c:val>
+            <c:numRef>
+              <c:f>Tabelle1!$B$2:$B$6</c:f>
+              <c:numCache>
+                <c:formatCode>General</c:formatCode>
+                <c:ptCount val="5"/>
+                <c:pt idx="0">
+                  <c:v>15</c:v>
+                </c:pt>
+                <c:pt idx="1">
+                  <c:v>14</c:v>
+                </c:pt>
+                <c:pt idx="2">
+                  <c:v>3</c:v>
+                </c:pt>
+                <c:pt idx="3">
+                  <c:v>17</c:v>
+                </c:pt>
+                <c:pt idx="4">
+                  <c:v>6</c:v>
+                </c:pt>
+              </c:numCache>
+            </c:numRef>
+          </c:val>
+        </c:ser>
+        <c:dLbls>
+          <c:showLegendKey val="0"/>
+          <c:showVal val="0"/>
+          <c:showCatName val="0"/>
+          <c:showSerName val="0"/>
+          <c:showPercent val="0"/>
+          <c:showBubbleSize val="0"/>
+        </c:dLbls>
+        <c:gapWidth val="219"/>
+        <c:overlap val="-27"/>
+        <c:axId val="1567337680"/>
+        <c:axId val="1567331152"/>
+      </c:barChart>
+      <c:catAx>
+        <c:axId val="1567337680"/>
+        <c:scaling>
+          <c:orientation val="minMax"/>
+        </c:scaling>
+        <c:delete val="0"/>
+        <c:axPos val="b"/>
+        <c:numFmt formatCode="General" sourceLinked="1"/>
+        <c:majorTickMark val="out"/>
+        <c:minorTickMark val="none"/>
+        <c:tickLblPos val="nextTo"/>
+        <c:spPr>
+          <a:noFill/>
+          <a:ln w="9525" cap="flat" cmpd="sng" algn="ctr">
+            <a:solidFill>
+              <a:schemeClr val="tx1">
+                <a:lumMod val="15000"/>
+                <a:lumOff val="85000"/>
+              </a:schemeClr>
+            </a:solidFill>
+            <a:round/>
+          </a:ln>
+          <a:effectLst/>
+        </c:spPr>
+        <c:txPr>
+          <a:bodyPr rot="-60000000" spcFirstLastPara="1" vertOverflow="ellipsis" vert="horz" wrap="square" anchor="ctr" anchorCtr="1"/>
+          <a:lstStyle/>
+          <a:p>
+            <a:pPr>
+              <a:defRPr sz="1197" b="0" i="0" u="none" strike="noStrike" kern="1200" baseline="0">
+                <a:solidFill>
+                  <a:schemeClr val="tx1">
+                    <a:lumMod val="65000"/>
+                    <a:lumOff val="35000"/>
+                  </a:schemeClr>
+                </a:solidFill>
+                <a:latin typeface="+mn-lt"/>
+                <a:ea typeface="+mn-ea"/>
+                <a:cs typeface="+mn-cs"/>
+              </a:defRPr>
+            </a:pPr>
+            <a:endParaRPr lang="en-US"/>
+          </a:p>
+        </c:txPr>
+        <c:crossAx val="1567331152"/>
+        <c:crosses val="autoZero"/>
+        <c:auto val="1"/>
+        <c:lblAlgn val="ctr"/>
+        <c:lblOffset val="100"/>
+        <c:noMultiLvlLbl val="0"/>
+      </c:catAx>
+      <c:valAx>
+        <c:axId val="1567331152"/>
+        <c:scaling>
+          <c:orientation val="minMax"/>
+        </c:scaling>
+        <c:delete val="1"/>
+        <c:axPos val="l"/>
+        <c:majorGridlines>
+          <c:spPr>
+            <a:ln w="9525" cap="flat" cmpd="sng" algn="ctr">
+              <a:solidFill>
+                <a:schemeClr val="tx1">
+                  <a:lumMod val="15000"/>
+                  <a:lumOff val="85000"/>
+                </a:schemeClr>
+              </a:solidFill>
+              <a:round/>
+            </a:ln>
+            <a:effectLst/>
+          </c:spPr>
+        </c:majorGridlines>
+        <c:numFmt formatCode="General" sourceLinked="1"/>
+        <c:majorTickMark val="out"/>
+        <c:minorTickMark val="none"/>
+        <c:tickLblPos val="nextTo"/>
+        <c:crossAx val="1567337680"/>
+        <c:crosses val="autoZero"/>
+        <c:crossBetween val="between"/>
+      </c:valAx>
+      <c:spPr>
+        <a:noFill/>
+        <a:ln>
+          <a:noFill/>
+        </a:ln>
+        <a:effectLst/>
+      </c:spPr>
+    </c:plotArea>
+    <c:plotVisOnly val="1"/>
+    <c:dispBlanksAs val="gap"/>
+    <c:showDLblsOverMax val="0"/>
+  </c:chart>
+  <c:spPr>
+    <a:noFill/>
+    <a:ln>
+      <a:noFill/>
+    </a:ln>
+    <a:effectLst/>
+  </c:spPr>
+  <c:txPr>
+    <a:bodyPr/>
+    <a:lstStyle/>
+    <a:p>
+      <a:pPr>
+        <a:defRPr/>
+      </a:pPr>
+      <a:endParaRPr lang="en-US"/>
+    </a:p>
+  </c:txPr>
+  <c:externalData r:id="rId3">
+    <c:autoUpdate val="0"/>
+  </c:externalData>
+</c:chartSpace>
+</file>
+
+<file path=ppt/charts/colors1.xml><?xml version="1.0" encoding="utf-8"?>
+<cs:colorStyle xmlns:cs="http://schemas.microsoft.com/office/drawing/2012/chartStyle" xmlns:a="http://schemas.openxmlformats.org/drawingml/2006/main" meth="cycle" id="10">
+  <a:schemeClr val="accent1"/>
+  <a:schemeClr val="accent2"/>
+  <a:schemeClr val="accent3"/>
+  <a:schemeClr val="accent4"/>
+  <a:schemeClr val="accent5"/>
+  <a:schemeClr val="accent6"/>
+  <cs:variation/>
+  <cs:variation>
+    <a:lumMod val="60000"/>
+  </cs:variation>
+  <cs:variation>
+    <a:lumMod val="80000"/>
+    <a:lumOff val="20000"/>
+  </cs:variation>
+  <cs:variation>
+    <a:lumMod val="80000"/>
+  </cs:variation>
+  <cs:variation>
+    <a:lumMod val="60000"/>
+    <a:lumOff val="40000"/>
+  </cs:variation>
+  <cs:variation>
+    <a:lumMod val="50000"/>
+  </cs:variation>
+  <cs:variation>
+    <a:lumMod val="70000"/>
+    <a:lumOff val="30000"/>
+  </cs:variation>
+  <cs:variation>
+    <a:lumMod val="70000"/>
+  </cs:variation>
+  <cs:variation>
+    <a:lumMod val="50000"/>
+    <a:lumOff val="50000"/>
+  </cs:variation>
+</cs:colorStyle>
+</file>
+
+<file path=ppt/charts/style1.xml><?xml version="1.0" encoding="utf-8"?>
+<cs:chartStyle xmlns:cs="http://schemas.microsoft.com/office/drawing/2012/chartStyle" xmlns:a="http://schemas.openxmlformats.org/drawingml/2006/main" id="201">
+  <cs:axisTitle>
+    <cs:lnRef idx="0"/>
+    <cs:fillRef idx="0"/>
+    <cs:effectRef idx="0"/>
+    <cs:fontRef idx="minor">
+      <a:schemeClr val="tx1">
+        <a:lumMod val="65000"/>
+        <a:lumOff val="35000"/>
+      </a:schemeClr>
+    </cs:fontRef>
+    <cs:defRPr sz="1330" kern="1200"/>
+  </cs:axisTitle>
+  <cs:categoryAxis>
+    <cs:lnRef idx="0"/>
+    <cs:fillRef idx="0"/>
+    <cs:effectRef idx="0"/>
+    <cs:fontRef idx="minor">
+      <a:schemeClr val="tx1">
+        <a:lumMod val="65000"/>
+        <a:lumOff val="35000"/>
+      </a:schemeClr>
+    </cs:fontRef>
+    <cs:spPr>
+      <a:ln w="9525" cap="flat" cmpd="sng" algn="ctr">
+        <a:solidFill>
+          <a:schemeClr val="tx1">
+            <a:lumMod val="15000"/>
+            <a:lumOff val="85000"/>
+          </a:schemeClr>
+        </a:solidFill>
+        <a:round/>
+      </a:ln>
+    </cs:spPr>
+    <cs:defRPr sz="1197" kern="1200"/>
+  </cs:categoryAxis>
+  <cs:chartArea mods="allowNoFillOverride allowNoLineOverride">
+    <cs:lnRef idx="0"/>
+    <cs:fillRef idx="0"/>
+    <cs:effectRef idx="0"/>
+    <cs:fontRef idx="minor">
+      <a:schemeClr val="tx1"/>
+    </cs:fontRef>
+    <cs:spPr>
+      <a:solidFill>
+        <a:schemeClr val="bg1"/>
+      </a:solidFill>
+      <a:ln w="9525" cap="flat" cmpd="sng" algn="ctr">
+        <a:solidFill>
+          <a:schemeClr val="tx1">
+            <a:lumMod val="15000"/>
+            <a:lumOff val="85000"/>
+          </a:schemeClr>
+        </a:solidFill>
+        <a:round/>
+      </a:ln>
+    </cs:spPr>
+    <cs:defRPr sz="1330" kern="1200"/>
+  </cs:chartArea>
+  <cs:dataLabel>
+    <cs:lnRef idx="0"/>
+    <cs:fillRef idx="0"/>
+    <cs:effectRef idx="0"/>
+    <cs:fontRef idx="minor">
+      <a:schemeClr val="tx1">
+        <a:lumMod val="75000"/>
+        <a:lumOff val="25000"/>
+      </a:schemeClr>
+    </cs:fontRef>
+    <cs:defRPr sz="1197" kern="1200"/>
+  </cs:dataLabel>
+  <cs:dataLabelCallout>
+    <cs:lnRef idx="0"/>
+    <cs:fillRef idx="0"/>
+    <cs:effectRef idx="0"/>
+    <cs:fontRef idx="minor">
+      <a:schemeClr val="dk1">
+        <a:lumMod val="65000"/>
+        <a:lumOff val="35000"/>
+      </a:schemeClr>
+    </cs:fontRef>
+    <cs:spPr>
+      <a:solidFill>
+        <a:schemeClr val="lt1"/>
+      </a:solidFill>
+      <a:ln>
+        <a:solidFill>
+          <a:schemeClr val="dk1">
+            <a:lumMod val="25000"/>
+            <a:lumOff val="75000"/>
+          </a:schemeClr>
+        </a:solidFill>
+      </a:ln>
+    </cs:spPr>
+    <cs:defRPr sz="1197" kern="1200"/>
+    <cs:bodyPr rot="0" spcFirstLastPara="1" vertOverflow="clip" horzOverflow="clip" vert="horz" wrap="square" lIns="36576" tIns="18288" rIns="36576" bIns="18288" anchor="ctr" anchorCtr="1">
+      <a:spAutoFit/>
+    </cs:bodyPr>
+  </cs:dataLabelCallout>
+  <cs:dataPoint>
+    <cs:lnRef idx="0"/>
+    <cs:fillRef idx="1">
+      <cs:styleClr val="auto"/>
+    </cs:fillRef>
+    <cs:effectRef idx="0"/>
+    <cs:fontRef idx="minor">
+      <a:schemeClr val="tx1"/>
+    </cs:fontRef>
+  </cs:dataPoint>
+  <cs:dataPoint3D>
+    <cs:lnRef idx="0"/>
+    <cs:fillRef idx="1">
+      <cs:styleClr val="auto"/>
+    </cs:fillRef>
+    <cs:effectRef idx="0"/>
+    <cs:fontRef idx="minor">
+      <a:schemeClr val="tx1"/>
+    </cs:fontRef>
+  </cs:dataPoint3D>
+  <cs:dataPointLine>
+    <cs:lnRef idx="0">
+      <cs:styleClr val="auto"/>
+    </cs:lnRef>
+    <cs:fillRef idx="1"/>
+    <cs:effectRef idx="0"/>
+    <cs:fontRef idx="minor">
+      <a:schemeClr val="tx1"/>
+    </cs:fontRef>
+    <cs:spPr>
+      <a:ln w="28575" cap="rnd">
+        <a:solidFill>
+          <a:schemeClr val="phClr"/>
+        </a:solidFill>
+        <a:round/>
+      </a:ln>
+    </cs:spPr>
+  </cs:dataPointLine>
+  <cs:dataPointMarker>
+    <cs:lnRef idx="0">
+      <cs:styleClr val="auto"/>
+    </cs:lnRef>
+    <cs:fillRef idx="1">
+      <cs:styleClr val="auto"/>
+    </cs:fillRef>
+    <cs:effectRef idx="0"/>
+    <cs:fontRef idx="minor">
+      <a:schemeClr val="tx1"/>
+    </cs:fontRef>
+    <cs:spPr>
+      <a:ln w="9525">
+        <a:solidFill>
+          <a:schemeClr val="phClr"/>
+        </a:solidFill>
+      </a:ln>
+    </cs:spPr>
+  </cs:dataPointMarker>
+  <cs:dataPointMarkerLayout symbol="circle" size="5"/>
+  <cs:dataPointWireframe>
+    <cs:lnRef idx="0">
+      <cs:styleClr val="auto"/>
+    </cs:lnRef>
+    <cs:fillRef idx="1"/>
+    <cs:effectRef idx="0"/>
+    <cs:fontRef idx="minor">
+      <a:schemeClr val="tx1"/>
+    </cs:fontRef>
+    <cs:spPr>
+      <a:ln w="9525" cap="rnd">
+        <a:solidFill>
+          <a:schemeClr val="phClr"/>
+        </a:solidFill>
+        <a:round/>
+      </a:ln>
+    </cs:spPr>
+  </cs:dataPointWireframe>
+  <cs:dataTable>
+    <cs:lnRef idx="0"/>
+    <cs:fillRef idx="0"/>
+    <cs:effectRef idx="0"/>
+    <cs:fontRef idx="minor">
+      <a:schemeClr val="tx1">
+        <a:lumMod val="65000"/>
+        <a:lumOff val="35000"/>
+      </a:schemeClr>
+    </cs:fontRef>
+    <cs:spPr>
+      <a:noFill/>
+      <a:ln w="9525" cap="flat" cmpd="sng" algn="ctr">
+        <a:solidFill>
+          <a:schemeClr val="tx1">
+            <a:lumMod val="15000"/>
+            <a:lumOff val="85000"/>
+          </a:schemeClr>
+        </a:solidFill>
+        <a:round/>
+      </a:ln>
+    </cs:spPr>
+    <cs:defRPr sz="1197" kern="1200"/>
+  </cs:dataTable>
+  <cs:downBar>
+    <cs:lnRef idx="0"/>
+    <cs:fillRef idx="0"/>
+    <cs:effectRef idx="0"/>
+    <cs:fontRef idx="minor">
+      <a:schemeClr val="dk1"/>
+    </cs:fontRef>
+    <cs:spPr>
+      <a:solidFill>
+        <a:schemeClr val="dk1">
+          <a:lumMod val="65000"/>
+          <a:lumOff val="35000"/>
+        </a:schemeClr>
+      </a:solidFill>
+      <a:ln w="9525">
+        <a:solidFill>
+          <a:schemeClr val="tx1">
+            <a:lumMod val="65000"/>
+            <a:lumOff val="35000"/>
+          </a:schemeClr>
+        </a:solidFill>
+      </a:ln>
+    </cs:spPr>
+  </cs:downBar>
+  <cs:dropLine>
+    <cs:lnRef idx="0"/>
+    <cs:fillRef idx="0"/>
+    <cs:effectRef idx="0"/>
+    <cs:fontRef idx="minor">
+      <a:schemeClr val="tx1"/>
+    </cs:fontRef>
+    <cs:spPr>
+      <a:ln w="9525" cap="flat" cmpd="sng" algn="ctr">
+        <a:solidFill>
+          <a:schemeClr val="tx1">
+            <a:lumMod val="35000"/>
+            <a:lumOff val="65000"/>
+          </a:schemeClr>
+        </a:solidFill>
+        <a:round/>
+      </a:ln>
+    </cs:spPr>
+  </cs:dropLine>
+  <cs:errorBar>
+    <cs:lnRef idx="0"/>
+    <cs:fillRef idx="0"/>
+    <cs:effectRef idx="0"/>
+    <cs:fontRef idx="minor">
+      <a:schemeClr val="tx1"/>
+    </cs:fontRef>
+    <cs:spPr>
+      <a:ln w="9525" cap="flat" cmpd="sng" algn="ctr">
+        <a:solidFill>
+          <a:schemeClr val="tx1">
+            <a:lumMod val="65000"/>
+            <a:lumOff val="35000"/>
+          </a:schemeClr>
+        </a:solidFill>
+        <a:round/>
+      </a:ln>
+    </cs:spPr>
+  </cs:errorBar>
+  <cs:floor>
+    <cs:lnRef idx="0"/>
+    <cs:fillRef idx="0"/>
+    <cs:effectRef idx="0"/>
+    <cs:fontRef idx="minor">
+      <a:schemeClr val="tx1"/>
+    </cs:fontRef>
+    <cs:spPr>
+      <a:noFill/>
+      <a:ln>
+        <a:noFill/>
+      </a:ln>
+    </cs:spPr>
+  </cs:floor>
+  <cs:gridlineMajor>
+    <cs:lnRef idx="0"/>
+    <cs:fillRef idx="0"/>
+    <cs:effectRef idx="0"/>
+    <cs:fontRef idx="minor">
+      <a:schemeClr val="tx1"/>
+    </cs:fontRef>
+    <cs:spPr>
+      <a:ln w="9525" cap="flat" cmpd="sng" algn="ctr">
+        <a:solidFill>
+          <a:schemeClr val="tx1">
+            <a:lumMod val="15000"/>
+            <a:lumOff val="85000"/>
+          </a:schemeClr>
+        </a:solidFill>
+        <a:round/>
+      </a:ln>
+    </cs:spPr>
+  </cs:gridlineMajor>
+  <cs:gridlineMinor>
+    <cs:lnRef idx="0"/>
+    <cs:fillRef idx="0"/>
+    <cs:effectRef idx="0"/>
+    <cs:fontRef idx="minor">
+      <a:schemeClr val="tx1"/>
+    </cs:fontRef>
+    <cs:spPr>
+      <a:ln w="9525" cap="flat" cmpd="sng" algn="ctr">
+        <a:solidFill>
+          <a:schemeClr val="tx1">
+            <a:lumMod val="5000"/>
+            <a:lumOff val="95000"/>
+          </a:schemeClr>
+        </a:solidFill>
+        <a:round/>
+      </a:ln>
+    </cs:spPr>
+  </cs:gridlineMinor>
+  <cs:hiLoLine>
+    <cs:lnRef idx="0"/>
+    <cs:fillRef idx="0"/>
+    <cs:effectRef idx="0"/>
+    <cs:fontRef idx="minor">
+      <a:schemeClr val="tx1"/>
+    </cs:fontRef>
+    <cs:spPr>
+      <a:ln w="9525" cap="flat" cmpd="sng" algn="ctr">
+        <a:solidFill>
+          <a:schemeClr val="tx1">
+            <a:lumMod val="75000"/>
+            <a:lumOff val="25000"/>
+          </a:schemeClr>
+        </a:solidFill>
+        <a:round/>
+      </a:ln>
+    </cs:spPr>
+  </cs:hiLoLine>
+  <cs:leaderLine>
+    <cs:lnRef idx="0"/>
+    <cs:fillRef idx="0"/>
+    <cs:effectRef idx="0"/>
+    <cs:fontRef idx="minor">
+      <a:schemeClr val="tx1"/>
+    </cs:fontRef>
+    <cs:spPr>
+      <a:ln w="9525" cap="flat" cmpd="sng" algn="ctr">
+        <a:solidFill>
+          <a:schemeClr val="tx1">
+            <a:lumMod val="35000"/>
+            <a:lumOff val="65000"/>
+          </a:schemeClr>
+        </a:solidFill>
+        <a:round/>
+      </a:ln>
+    </cs:spPr>
+  </cs:leaderLine>
+  <cs:legend>
+    <cs:lnRef idx="0"/>
+    <cs:fillRef idx="0"/>
+    <cs:effectRef idx="0"/>
+    <cs:fontRef idx="minor">
+      <a:schemeClr val="tx1">
+        <a:lumMod val="65000"/>
+        <a:lumOff val="35000"/>
+      </a:schemeClr>
+    </cs:fontRef>
+    <cs:defRPr sz="1197" kern="1200"/>
+  </cs:legend>
+  <cs:plotArea mods="allowNoFillOverride allowNoLineOverride">
+    <cs:lnRef idx="0"/>
+    <cs:fillRef idx="0"/>
+    <cs:effectRef idx="0"/>
+    <cs:fontRef idx="minor">
+      <a:schemeClr val="tx1"/>
+    </cs:fontRef>
+  </cs:plotArea>
+  <cs:plotArea3D mods="allowNoFillOverride allowNoLineOverride">
+    <cs:lnRef idx="0"/>
+    <cs:fillRef idx="0"/>
+    <cs:effectRef idx="0"/>
+    <cs:fontRef idx="minor">
+      <a:schemeClr val="tx1"/>
+    </cs:fontRef>
+  </cs:plotArea3D>
+  <cs:seriesAxis>
+    <cs:lnRef idx="0"/>
+    <cs:fillRef idx="0"/>
+    <cs:effectRef idx="0"/>
+    <cs:fontRef idx="minor">
+      <a:schemeClr val="tx1">
+        <a:lumMod val="65000"/>
+        <a:lumOff val="35000"/>
+      </a:schemeClr>
+    </cs:fontRef>
+    <cs:defRPr sz="1197" kern="1200"/>
+  </cs:seriesAxis>
+  <cs:seriesLine>
+    <cs:lnRef idx="0"/>
+    <cs:fillRef idx="0"/>
+    <cs:effectRef idx="0"/>
+    <cs:fontRef idx="minor">
+      <a:schemeClr val="tx1"/>
+    </cs:fontRef>
+    <cs:spPr>
+      <a:ln w="9525" cap="flat" cmpd="sng" algn="ctr">
+        <a:solidFill>
+          <a:schemeClr val="tx1">
+            <a:lumMod val="35000"/>
+            <a:lumOff val="65000"/>
+          </a:schemeClr>
+        </a:solidFill>
+        <a:round/>
+      </a:ln>
+    </cs:spPr>
+  </cs:seriesLine>
+  <cs:title>
+    <cs:lnRef idx="0"/>
+    <cs:fillRef idx="0"/>
+    <cs:effectRef idx="0"/>
+    <cs:fontRef idx="minor">
+      <a:schemeClr val="tx1">
+        <a:lumMod val="65000"/>
+        <a:lumOff val="35000"/>
+      </a:schemeClr>
+    </cs:fontRef>
+    <cs:defRPr sz="1862" b="0" kern="1200" spc="0" baseline="0"/>
+  </cs:title>
+  <cs:trendline>
+    <cs:lnRef idx="0">
+      <cs:styleClr val="auto"/>
+    </cs:lnRef>
+    <cs:fillRef idx="0"/>
+    <cs:effectRef idx="0"/>
+    <cs:fontRef idx="minor">
+      <a:schemeClr val="tx1"/>
+    </cs:fontRef>
+    <cs:spPr>
+      <a:ln w="19050" cap="rnd">
+        <a:solidFill>
+          <a:schemeClr val="phClr"/>
+        </a:solidFill>
+        <a:prstDash val="sysDot"/>
+      </a:ln>
+    </cs:spPr>
+  </cs:trendline>
+  <cs:trendlineLabel>
+    <cs:lnRef idx="0"/>
+    <cs:fillRef idx="0"/>
+    <cs:effectRef idx="0"/>
+    <cs:fontRef idx="minor">
+      <a:schemeClr val="tx1">
+        <a:lumMod val="65000"/>
+        <a:lumOff val="35000"/>
+      </a:schemeClr>
+    </cs:fontRef>
+    <cs:defRPr sz="1197" kern="1200"/>
+  </cs:trendlineLabel>
+  <cs:upBar>
+    <cs:lnRef idx="0"/>
+    <cs:fillRef idx="0"/>
+    <cs:effectRef idx="0"/>
+    <cs:fontRef idx="minor">
+      <a:schemeClr val="dk1"/>
+    </cs:fontRef>
+    <cs:spPr>
+      <a:solidFill>
+        <a:schemeClr val="lt1"/>
+      </a:solidFill>
+      <a:ln w="9525">
+        <a:solidFill>
+          <a:schemeClr val="tx1">
+            <a:lumMod val="15000"/>
+            <a:lumOff val="85000"/>
+          </a:schemeClr>
+        </a:solidFill>
+      </a:ln>
+    </cs:spPr>
+  </cs:upBar>
+  <cs:valueAxis>
+    <cs:lnRef idx="0"/>
+    <cs:fillRef idx="0"/>
+    <cs:effectRef idx="0"/>
+    <cs:fontRef idx="minor">
+      <a:schemeClr val="tx1">
+        <a:lumMod val="65000"/>
+        <a:lumOff val="35000"/>
+      </a:schemeClr>
+    </cs:fontRef>
+    <cs:defRPr sz="1197" kern="1200"/>
+  </cs:valueAxis>
+  <cs:wall>
+    <cs:lnRef idx="0"/>
+    <cs:fillRef idx="0"/>
+    <cs:effectRef idx="0"/>
+    <cs:fontRef idx="minor">
+      <a:schemeClr val="tx1"/>
+    </cs:fontRef>
+    <cs:spPr>
+      <a:noFill/>
+      <a:ln>
+        <a:noFill/>
+      </a:ln>
+    </cs:spPr>
+  </cs:wall>
+</cs:chartStyle>
+</file>
+
 <file path=ppt/handoutMasters/handoutMaster1.xml><?xml version="1.0" encoding="utf-8"?>
 <p:handoutMaster xmlns:a="http://schemas.openxmlformats.org/drawingml/2006/main" xmlns:r="http://schemas.openxmlformats.org/officeDocument/2006/relationships" xmlns:p="http://schemas.openxmlformats.org/presentationml/2006/main">
   <p:cSld>
@@ -5228,7 +6098,15 @@
             </a:pPr>
             <a:r>
               <a:rPr lang="de-DE" baseline="0" dirty="0" smtClean="0"/>
-              <a:t>manche Programme lassen sich tatsächlich mit C-Compiler übersetzen</a:t>
+              <a:t>manche Programme lassen sich tatsächlich mit C-Compiler </a:t>
+            </a:r>
+            <a:r>
+              <a:rPr lang="de-DE" baseline="0" dirty="0" smtClean="0"/>
+              <a:t>übersetzen </a:t>
+            </a:r>
+            <a:r>
+              <a:rPr lang="de-DE" baseline="0" smtClean="0"/>
+              <a:t>(Traditional Mode)</a:t>
             </a:r>
             <a:endParaRPr lang="de-DE" dirty="0" smtClean="0"/>
           </a:p>
@@ -5697,7 +6575,7 @@
               <a:pPr>
                 <a:defRPr/>
               </a:pPr>
-              <a:t>8</a:t>
+              <a:t>9</a:t>
             </a:fld>
             <a:endParaRPr lang="en-US"/>
           </a:p>
@@ -10756,7 +11634,7 @@
           <a:graphicData uri="http://schemas.openxmlformats.org/presentationml/2006/ole">
             <mc:AlternateContent xmlns:mc="http://schemas.openxmlformats.org/markup-compatibility/2006">
               <mc:Choice xmlns:v="urn:schemas-microsoft-com:vml" Requires="v">
-                <p:oleObj spid="_x0000_s27761" r:id="rId3" imgW="1038370" imgH="980952" progId="PBrush">
+                <p:oleObj spid="_x0000_s27780" r:id="rId3" imgW="1038370" imgH="980952" progId="PBrush">
                   <p:embed/>
                 </p:oleObj>
               </mc:Choice>
@@ -13750,7 +14628,7 @@
           <a:graphicData uri="http://schemas.openxmlformats.org/presentationml/2006/ole">
             <mc:AlternateContent xmlns:mc="http://schemas.openxmlformats.org/markup-compatibility/2006">
               <mc:Choice xmlns:v="urn:schemas-microsoft-com:vml" Requires="v">
-                <p:oleObj spid="_x0000_s1148" r:id="rId16" imgW="1038370" imgH="980952" progId="">
+                <p:oleObj spid="_x0000_s1167" r:id="rId16" imgW="1038370" imgH="980952" progId="">
                   <p:embed/>
                 </p:oleObj>
               </mc:Choice>
@@ -14188,7 +15066,7 @@
                 </a:lnSpc>
                 <a:defRPr/>
               </a:pPr>
-              <a:t>08.09.2014</a:t>
+              <a:t>18.09.2014</a:t>
             </a:fld>
             <a:r>
               <a:rPr lang="en-GB" altLang="de-DE" sz="1000" smtClean="0">
@@ -15696,7 +16574,7 @@
           <a:graphicData uri="http://schemas.openxmlformats.org/presentationml/2006/ole">
             <mc:AlternateContent xmlns:mc="http://schemas.openxmlformats.org/markup-compatibility/2006">
               <mc:Choice xmlns:v="urn:schemas-microsoft-com:vml" Requires="v">
-                <p:oleObj spid="_x0000_s2171" r:id="rId6" imgW="1038370" imgH="980952" progId="PBrush">
+                <p:oleObj spid="_x0000_s2190" r:id="rId6" imgW="1038370" imgH="980952" progId="PBrush">
                   <p:embed/>
                 </p:oleObj>
               </mc:Choice>
@@ -16676,6 +17554,807 @@
           <a:chExt cx="0" cy="0"/>
         </a:xfrm>
       </p:grpSpPr>
+      <p:pic>
+        <p:nvPicPr>
+          <p:cNvPr id="14338" name="Picture 8"/>
+          <p:cNvPicPr>
+            <a:picLocks noChangeAspect="1" noChangeArrowheads="1"/>
+          </p:cNvPicPr>
+          <p:nvPr/>
+        </p:nvPicPr>
+        <p:blipFill>
+          <a:blip r:embed="rId2">
+            <a:extLst>
+              <a:ext uri="{28A0092B-C50C-407E-A947-70E740481C1C}">
+                <a14:useLocalDpi xmlns:a14="http://schemas.microsoft.com/office/drawing/2010/main" val="0"/>
+              </a:ext>
+            </a:extLst>
+          </a:blip>
+          <a:srcRect/>
+          <a:stretch>
+            <a:fillRect/>
+          </a:stretch>
+        </p:blipFill>
+        <p:spPr bwMode="auto">
+          <a:xfrm>
+            <a:off x="225425" y="1557338"/>
+            <a:ext cx="7524750" cy="4624387"/>
+          </a:xfrm>
+          <a:prstGeom prst="rect">
+            <a:avLst/>
+          </a:prstGeom>
+          <a:noFill/>
+          <a:ln>
+            <a:noFill/>
+          </a:ln>
+          <a:extLst>
+            <a:ext uri="{909E8E84-426E-40DD-AFC4-6F175D3DCCD1}">
+              <a14:hiddenFill xmlns:a14="http://schemas.microsoft.com/office/drawing/2010/main">
+                <a:solidFill>
+                  <a:schemeClr val="accent1"/>
+                </a:solidFill>
+              </a14:hiddenFill>
+            </a:ext>
+            <a:ext uri="{91240B29-F687-4F45-9708-019B960494DF}">
+              <a14:hiddenLine xmlns:a14="http://schemas.microsoft.com/office/drawing/2010/main" w="9525" algn="ctr">
+                <a:solidFill>
+                  <a:schemeClr val="tx1"/>
+                </a:solidFill>
+                <a:miter lim="800000"/>
+                <a:headEnd/>
+                <a:tailEnd/>
+              </a14:hiddenLine>
+            </a:ext>
+          </a:extLst>
+        </p:spPr>
+      </p:pic>
+      <p:sp>
+        <p:nvSpPr>
+          <p:cNvPr id="14339" name="Titel 1"/>
+          <p:cNvSpPr>
+            <a:spLocks noGrp="1"/>
+          </p:cNvSpPr>
+          <p:nvPr>
+            <p:ph type="title"/>
+          </p:nvPr>
+        </p:nvSpPr>
+        <p:spPr/>
+        <p:txBody>
+          <a:bodyPr/>
+          <a:lstStyle/>
+          <a:p>
+            <a:r>
+              <a:rPr lang="de-DE" altLang="de-DE" smtClean="0">
+                <a:ea typeface="ＭＳ Ｐゴシック" pitchFamily="34" charset="-128"/>
+              </a:rPr>
+              <a:t>Wie wichtig sind C/C++?</a:t>
+            </a:r>
+          </a:p>
+        </p:txBody>
+      </p:sp>
+      <p:sp>
+        <p:nvSpPr>
+          <p:cNvPr id="14340" name="Rectangle 45"/>
+          <p:cNvSpPr>
+            <a:spLocks noChangeArrowheads="1"/>
+          </p:cNvSpPr>
+          <p:nvPr/>
+        </p:nvSpPr>
+        <p:spPr bwMode="auto">
+          <a:xfrm>
+            <a:off x="2001838" y="1419225"/>
+            <a:ext cx="9144000" cy="0"/>
+          </a:xfrm>
+          <a:prstGeom prst="rect">
+            <a:avLst/>
+          </a:prstGeom>
+          <a:noFill/>
+          <a:ln>
+            <a:noFill/>
+          </a:ln>
+          <a:effectLst/>
+          <a:extLst>
+            <a:ext uri="{909E8E84-426E-40DD-AFC4-6F175D3DCCD1}">
+              <a14:hiddenFill xmlns:a14="http://schemas.microsoft.com/office/drawing/2010/main">
+                <a:solidFill>
+                  <a:schemeClr val="accent1"/>
+                </a:solidFill>
+              </a14:hiddenFill>
+            </a:ext>
+            <a:ext uri="{91240B29-F687-4F45-9708-019B960494DF}">
+              <a14:hiddenLine xmlns:a14="http://schemas.microsoft.com/office/drawing/2010/main" w="9525" algn="ctr">
+                <a:solidFill>
+                  <a:schemeClr val="tx1"/>
+                </a:solidFill>
+                <a:miter lim="800000"/>
+                <a:headEnd/>
+                <a:tailEnd/>
+              </a14:hiddenLine>
+            </a:ext>
+            <a:ext uri="{AF507438-7753-43E0-B8FC-AC1667EBCBE1}">
+              <a14:hiddenEffects xmlns:a14="http://schemas.microsoft.com/office/drawing/2010/main">
+                <a:effectLst>
+                  <a:outerShdw dist="35921" dir="2700000" algn="ctr" rotWithShape="0">
+                    <a:schemeClr val="bg2"/>
+                  </a:outerShdw>
+                </a:effectLst>
+              </a14:hiddenEffects>
+            </a:ext>
+          </a:extLst>
+        </p:spPr>
+        <p:txBody>
+          <a:bodyPr wrap="none" anchor="ctr">
+            <a:spAutoFit/>
+          </a:bodyPr>
+          <a:lstStyle>
+            <a:lvl1pPr algn="l" eaLnBrk="0" hangingPunct="0">
+              <a:spcBef>
+                <a:spcPct val="20000"/>
+              </a:spcBef>
+              <a:buFont typeface="Wingdings" pitchFamily="2" charset="2"/>
+              <a:defRPr sz="2000">
+                <a:solidFill>
+                  <a:schemeClr val="tx1"/>
+                </a:solidFill>
+                <a:latin typeface="Arial" charset="0"/>
+                <a:ea typeface="ＭＳ Ｐゴシック" pitchFamily="34" charset="-128"/>
+              </a:defRPr>
+            </a:lvl1pPr>
+            <a:lvl2pPr marL="742950" indent="-285750" algn="l" eaLnBrk="0" hangingPunct="0">
+              <a:spcBef>
+                <a:spcPct val="20000"/>
+              </a:spcBef>
+              <a:buFont typeface="Wingdings" pitchFamily="2" charset="2"/>
+              <a:buChar char="§"/>
+              <a:defRPr>
+                <a:solidFill>
+                  <a:schemeClr val="tx1"/>
+                </a:solidFill>
+                <a:latin typeface="Arial" charset="0"/>
+                <a:ea typeface="ＭＳ Ｐゴシック" pitchFamily="34" charset="-128"/>
+              </a:defRPr>
+            </a:lvl2pPr>
+            <a:lvl3pPr marL="1143000" indent="-228600" algn="l" eaLnBrk="0" hangingPunct="0">
+              <a:spcBef>
+                <a:spcPct val="20000"/>
+              </a:spcBef>
+              <a:buFont typeface="Wingdings" pitchFamily="2" charset="2"/>
+              <a:buChar char="§"/>
+              <a:defRPr>
+                <a:solidFill>
+                  <a:schemeClr val="tx1"/>
+                </a:solidFill>
+                <a:latin typeface="Arial" charset="0"/>
+                <a:ea typeface="ＭＳ Ｐゴシック" pitchFamily="34" charset="-128"/>
+              </a:defRPr>
+            </a:lvl3pPr>
+            <a:lvl4pPr marL="1600200" indent="-228600" algn="l" eaLnBrk="0" hangingPunct="0">
+              <a:spcBef>
+                <a:spcPct val="20000"/>
+              </a:spcBef>
+              <a:buFont typeface="Wingdings" pitchFamily="2" charset="2"/>
+              <a:buChar char="§"/>
+              <a:defRPr sz="1600">
+                <a:solidFill>
+                  <a:schemeClr val="tx1"/>
+                </a:solidFill>
+                <a:latin typeface="Arial" charset="0"/>
+                <a:ea typeface="ＭＳ Ｐゴシック" pitchFamily="34" charset="-128"/>
+              </a:defRPr>
+            </a:lvl4pPr>
+            <a:lvl5pPr marL="2057400" indent="-228600" algn="l" eaLnBrk="0" hangingPunct="0">
+              <a:spcBef>
+                <a:spcPct val="20000"/>
+              </a:spcBef>
+              <a:buFont typeface="Wingdings" pitchFamily="2" charset="2"/>
+              <a:buChar char="§"/>
+              <a:defRPr sz="1600">
+                <a:solidFill>
+                  <a:schemeClr val="tx1"/>
+                </a:solidFill>
+                <a:latin typeface="Arial" charset="0"/>
+                <a:ea typeface="ＭＳ Ｐゴシック" pitchFamily="34" charset="-128"/>
+              </a:defRPr>
+            </a:lvl5pPr>
+            <a:lvl6pPr marL="2514600" indent="-228600" defTabSz="449263" eaLnBrk="0" fontAlgn="base" hangingPunct="0">
+              <a:spcBef>
+                <a:spcPct val="20000"/>
+              </a:spcBef>
+              <a:spcAft>
+                <a:spcPct val="0"/>
+              </a:spcAft>
+              <a:buFont typeface="Wingdings" pitchFamily="2" charset="2"/>
+              <a:buChar char="§"/>
+              <a:defRPr sz="1600">
+                <a:solidFill>
+                  <a:schemeClr val="tx1"/>
+                </a:solidFill>
+                <a:latin typeface="Arial" charset="0"/>
+                <a:ea typeface="ＭＳ Ｐゴシック" pitchFamily="34" charset="-128"/>
+              </a:defRPr>
+            </a:lvl6pPr>
+            <a:lvl7pPr marL="2971800" indent="-228600" defTabSz="449263" eaLnBrk="0" fontAlgn="base" hangingPunct="0">
+              <a:spcBef>
+                <a:spcPct val="20000"/>
+              </a:spcBef>
+              <a:spcAft>
+                <a:spcPct val="0"/>
+              </a:spcAft>
+              <a:buFont typeface="Wingdings" pitchFamily="2" charset="2"/>
+              <a:buChar char="§"/>
+              <a:defRPr sz="1600">
+                <a:solidFill>
+                  <a:schemeClr val="tx1"/>
+                </a:solidFill>
+                <a:latin typeface="Arial" charset="0"/>
+                <a:ea typeface="ＭＳ Ｐゴシック" pitchFamily="34" charset="-128"/>
+              </a:defRPr>
+            </a:lvl7pPr>
+            <a:lvl8pPr marL="3429000" indent="-228600" defTabSz="449263" eaLnBrk="0" fontAlgn="base" hangingPunct="0">
+              <a:spcBef>
+                <a:spcPct val="20000"/>
+              </a:spcBef>
+              <a:spcAft>
+                <a:spcPct val="0"/>
+              </a:spcAft>
+              <a:buFont typeface="Wingdings" pitchFamily="2" charset="2"/>
+              <a:buChar char="§"/>
+              <a:defRPr sz="1600">
+                <a:solidFill>
+                  <a:schemeClr val="tx1"/>
+                </a:solidFill>
+                <a:latin typeface="Arial" charset="0"/>
+                <a:ea typeface="ＭＳ Ｐゴシック" pitchFamily="34" charset="-128"/>
+              </a:defRPr>
+            </a:lvl8pPr>
+            <a:lvl9pPr marL="3886200" indent="-228600" defTabSz="449263" eaLnBrk="0" fontAlgn="base" hangingPunct="0">
+              <a:spcBef>
+                <a:spcPct val="20000"/>
+              </a:spcBef>
+              <a:spcAft>
+                <a:spcPct val="0"/>
+              </a:spcAft>
+              <a:buFont typeface="Wingdings" pitchFamily="2" charset="2"/>
+              <a:buChar char="§"/>
+              <a:defRPr sz="1600">
+                <a:solidFill>
+                  <a:schemeClr val="tx1"/>
+                </a:solidFill>
+                <a:latin typeface="Arial" charset="0"/>
+                <a:ea typeface="ＭＳ Ｐゴシック" pitchFamily="34" charset="-128"/>
+              </a:defRPr>
+            </a:lvl9pPr>
+          </a:lstStyle>
+          <a:p>
+            <a:pPr algn="ctr">
+              <a:spcBef>
+                <a:spcPct val="0"/>
+              </a:spcBef>
+              <a:buSzTx/>
+              <a:buFont typeface="Arial" charset="0"/>
+              <a:buNone/>
+            </a:pPr>
+            <a:r>
+              <a:rPr lang="en-US" altLang="de-DE" sz="1800"/>
+              <a:t/>
+            </a:r>
+            <a:br>
+              <a:rPr lang="en-US" altLang="de-DE" sz="1800"/>
+            </a:br>
+            <a:endParaRPr lang="en-US" altLang="de-DE" sz="1800"/>
+          </a:p>
+        </p:txBody>
+      </p:sp>
+      <p:sp>
+        <p:nvSpPr>
+          <p:cNvPr id="50" name="Abgerundete rechteckige Legende 49"/>
+          <p:cNvSpPr/>
+          <p:nvPr/>
+        </p:nvSpPr>
+        <p:spPr>
+          <a:xfrm>
+            <a:off x="5940425" y="1989138"/>
+            <a:ext cx="2016125" cy="720725"/>
+          </a:xfrm>
+          <a:prstGeom prst="wedgeRoundRectCallout">
+            <a:avLst>
+              <a:gd name="adj1" fmla="val -82398"/>
+              <a:gd name="adj2" fmla="val 171812"/>
+              <a:gd name="adj3" fmla="val 16667"/>
+            </a:avLst>
+          </a:prstGeom>
+          <a:solidFill>
+            <a:schemeClr val="tx1"/>
+          </a:solidFill>
+          <a:ln/>
+        </p:spPr>
+        <p:style>
+          <a:lnRef idx="1">
+            <a:schemeClr val="dk1"/>
+          </a:lnRef>
+          <a:fillRef idx="3">
+            <a:schemeClr val="dk1"/>
+          </a:fillRef>
+          <a:effectRef idx="2">
+            <a:schemeClr val="dk1"/>
+          </a:effectRef>
+          <a:fontRef idx="minor">
+            <a:schemeClr val="lt1"/>
+          </a:fontRef>
+        </p:style>
+        <p:txBody>
+          <a:bodyPr anchor="ctr"/>
+          <a:lstStyle/>
+          <a:p>
+            <a:pPr>
+              <a:defRPr/>
+            </a:pPr>
+            <a:r>
+              <a:rPr lang="de-DE" dirty="0">
+                <a:solidFill>
+                  <a:schemeClr val="bg1"/>
+                </a:solidFill>
+              </a:rPr>
+              <a:t>C war und ist sehr beliebt.</a:t>
+            </a:r>
+          </a:p>
+        </p:txBody>
+      </p:sp>
+      <p:sp>
+        <p:nvSpPr>
+          <p:cNvPr id="14342" name="Rechteck 4"/>
+          <p:cNvSpPr>
+            <a:spLocks noChangeArrowheads="1"/>
+          </p:cNvSpPr>
+          <p:nvPr/>
+        </p:nvSpPr>
+        <p:spPr bwMode="auto">
+          <a:xfrm>
+            <a:off x="4067175" y="6219825"/>
+            <a:ext cx="4572000" cy="234950"/>
+          </a:xfrm>
+          <a:prstGeom prst="rect">
+            <a:avLst/>
+          </a:prstGeom>
+          <a:noFill/>
+          <a:ln>
+            <a:noFill/>
+          </a:ln>
+          <a:extLst>
+            <a:ext uri="{909E8E84-426E-40DD-AFC4-6F175D3DCCD1}">
+              <a14:hiddenFill xmlns:a14="http://schemas.microsoft.com/office/drawing/2010/main">
+                <a:solidFill>
+                  <a:srgbClr val="FFFFFF"/>
+                </a:solidFill>
+              </a14:hiddenFill>
+            </a:ext>
+            <a:ext uri="{91240B29-F687-4F45-9708-019B960494DF}">
+              <a14:hiddenLine xmlns:a14="http://schemas.microsoft.com/office/drawing/2010/main" w="9525">
+                <a:solidFill>
+                  <a:srgbClr val="000000"/>
+                </a:solidFill>
+                <a:miter lim="800000"/>
+                <a:headEnd/>
+                <a:tailEnd/>
+              </a14:hiddenLine>
+            </a:ext>
+          </a:extLst>
+        </p:spPr>
+        <p:txBody>
+          <a:bodyPr>
+            <a:spAutoFit/>
+          </a:bodyPr>
+          <a:lstStyle>
+            <a:lvl1pPr algn="l" eaLnBrk="0" hangingPunct="0">
+              <a:spcBef>
+                <a:spcPct val="20000"/>
+              </a:spcBef>
+              <a:buFont typeface="Wingdings" pitchFamily="2" charset="2"/>
+              <a:defRPr sz="2000">
+                <a:solidFill>
+                  <a:schemeClr val="tx1"/>
+                </a:solidFill>
+                <a:latin typeface="Arial" charset="0"/>
+                <a:ea typeface="ＭＳ Ｐゴシック" pitchFamily="34" charset="-128"/>
+              </a:defRPr>
+            </a:lvl1pPr>
+            <a:lvl2pPr marL="742950" indent="-285750" algn="l" eaLnBrk="0" hangingPunct="0">
+              <a:spcBef>
+                <a:spcPct val="20000"/>
+              </a:spcBef>
+              <a:buFont typeface="Wingdings" pitchFamily="2" charset="2"/>
+              <a:buChar char="§"/>
+              <a:defRPr>
+                <a:solidFill>
+                  <a:schemeClr val="tx1"/>
+                </a:solidFill>
+                <a:latin typeface="Arial" charset="0"/>
+                <a:ea typeface="ＭＳ Ｐゴシック" pitchFamily="34" charset="-128"/>
+              </a:defRPr>
+            </a:lvl2pPr>
+            <a:lvl3pPr marL="1143000" indent="-228600" algn="l" eaLnBrk="0" hangingPunct="0">
+              <a:spcBef>
+                <a:spcPct val="20000"/>
+              </a:spcBef>
+              <a:buFont typeface="Wingdings" pitchFamily="2" charset="2"/>
+              <a:buChar char="§"/>
+              <a:defRPr>
+                <a:solidFill>
+                  <a:schemeClr val="tx1"/>
+                </a:solidFill>
+                <a:latin typeface="Arial" charset="0"/>
+                <a:ea typeface="ＭＳ Ｐゴシック" pitchFamily="34" charset="-128"/>
+              </a:defRPr>
+            </a:lvl3pPr>
+            <a:lvl4pPr marL="1600200" indent="-228600" algn="l" eaLnBrk="0" hangingPunct="0">
+              <a:spcBef>
+                <a:spcPct val="20000"/>
+              </a:spcBef>
+              <a:buFont typeface="Wingdings" pitchFamily="2" charset="2"/>
+              <a:buChar char="§"/>
+              <a:defRPr sz="1600">
+                <a:solidFill>
+                  <a:schemeClr val="tx1"/>
+                </a:solidFill>
+                <a:latin typeface="Arial" charset="0"/>
+                <a:ea typeface="ＭＳ Ｐゴシック" pitchFamily="34" charset="-128"/>
+              </a:defRPr>
+            </a:lvl4pPr>
+            <a:lvl5pPr marL="2057400" indent="-228600" algn="l" eaLnBrk="0" hangingPunct="0">
+              <a:spcBef>
+                <a:spcPct val="20000"/>
+              </a:spcBef>
+              <a:buFont typeface="Wingdings" pitchFamily="2" charset="2"/>
+              <a:buChar char="§"/>
+              <a:defRPr sz="1600">
+                <a:solidFill>
+                  <a:schemeClr val="tx1"/>
+                </a:solidFill>
+                <a:latin typeface="Arial" charset="0"/>
+                <a:ea typeface="ＭＳ Ｐゴシック" pitchFamily="34" charset="-128"/>
+              </a:defRPr>
+            </a:lvl5pPr>
+            <a:lvl6pPr marL="2514600" indent="-228600" defTabSz="449263" eaLnBrk="0" fontAlgn="base" hangingPunct="0">
+              <a:spcBef>
+                <a:spcPct val="20000"/>
+              </a:spcBef>
+              <a:spcAft>
+                <a:spcPct val="0"/>
+              </a:spcAft>
+              <a:buFont typeface="Wingdings" pitchFamily="2" charset="2"/>
+              <a:buChar char="§"/>
+              <a:defRPr sz="1600">
+                <a:solidFill>
+                  <a:schemeClr val="tx1"/>
+                </a:solidFill>
+                <a:latin typeface="Arial" charset="0"/>
+                <a:ea typeface="ＭＳ Ｐゴシック" pitchFamily="34" charset="-128"/>
+              </a:defRPr>
+            </a:lvl6pPr>
+            <a:lvl7pPr marL="2971800" indent="-228600" defTabSz="449263" eaLnBrk="0" fontAlgn="base" hangingPunct="0">
+              <a:spcBef>
+                <a:spcPct val="20000"/>
+              </a:spcBef>
+              <a:spcAft>
+                <a:spcPct val="0"/>
+              </a:spcAft>
+              <a:buFont typeface="Wingdings" pitchFamily="2" charset="2"/>
+              <a:buChar char="§"/>
+              <a:defRPr sz="1600">
+                <a:solidFill>
+                  <a:schemeClr val="tx1"/>
+                </a:solidFill>
+                <a:latin typeface="Arial" charset="0"/>
+                <a:ea typeface="ＭＳ Ｐゴシック" pitchFamily="34" charset="-128"/>
+              </a:defRPr>
+            </a:lvl7pPr>
+            <a:lvl8pPr marL="3429000" indent="-228600" defTabSz="449263" eaLnBrk="0" fontAlgn="base" hangingPunct="0">
+              <a:spcBef>
+                <a:spcPct val="20000"/>
+              </a:spcBef>
+              <a:spcAft>
+                <a:spcPct val="0"/>
+              </a:spcAft>
+              <a:buFont typeface="Wingdings" pitchFamily="2" charset="2"/>
+              <a:buChar char="§"/>
+              <a:defRPr sz="1600">
+                <a:solidFill>
+                  <a:schemeClr val="tx1"/>
+                </a:solidFill>
+                <a:latin typeface="Arial" charset="0"/>
+                <a:ea typeface="ＭＳ Ｐゴシック" pitchFamily="34" charset="-128"/>
+              </a:defRPr>
+            </a:lvl8pPr>
+            <a:lvl9pPr marL="3886200" indent="-228600" defTabSz="449263" eaLnBrk="0" fontAlgn="base" hangingPunct="0">
+              <a:spcBef>
+                <a:spcPct val="20000"/>
+              </a:spcBef>
+              <a:spcAft>
+                <a:spcPct val="0"/>
+              </a:spcAft>
+              <a:buFont typeface="Wingdings" pitchFamily="2" charset="2"/>
+              <a:buChar char="§"/>
+              <a:defRPr sz="1600">
+                <a:solidFill>
+                  <a:schemeClr val="tx1"/>
+                </a:solidFill>
+                <a:latin typeface="Arial" charset="0"/>
+                <a:ea typeface="ＭＳ Ｐゴシック" pitchFamily="34" charset="-128"/>
+              </a:defRPr>
+            </a:lvl9pPr>
+          </a:lstStyle>
+          <a:p>
+            <a:pPr algn="ctr" eaLnBrk="1" hangingPunct="1">
+              <a:spcBef>
+                <a:spcPct val="0"/>
+              </a:spcBef>
+              <a:buSzTx/>
+              <a:buFont typeface="Arial" charset="0"/>
+              <a:buNone/>
+            </a:pPr>
+            <a:r>
+              <a:rPr lang="de-DE" altLang="de-DE" sz="1000" dirty="0">
+                <a:hlinkClick r:id="rId3"/>
+              </a:rPr>
+              <a:t>http://www.tiobe.com/index.php/content/paperinfo/tpci/index.html</a:t>
+            </a:r>
+            <a:endParaRPr lang="de-DE" altLang="de-DE" sz="1000" dirty="0"/>
+          </a:p>
+        </p:txBody>
+      </p:sp>
+      <p:sp>
+        <p:nvSpPr>
+          <p:cNvPr id="52" name="Abgerundete rechteckige Legende 51"/>
+          <p:cNvSpPr/>
+          <p:nvPr/>
+        </p:nvSpPr>
+        <p:spPr>
+          <a:xfrm>
+            <a:off x="6107113" y="5229225"/>
+            <a:ext cx="2635250" cy="720725"/>
+          </a:xfrm>
+          <a:prstGeom prst="wedgeRoundRectCallout">
+            <a:avLst>
+              <a:gd name="adj1" fmla="val -61137"/>
+              <a:gd name="adj2" fmla="val -81932"/>
+              <a:gd name="adj3" fmla="val 16667"/>
+            </a:avLst>
+          </a:prstGeom>
+          <a:solidFill>
+            <a:schemeClr val="tx1"/>
+          </a:solidFill>
+          <a:ln/>
+        </p:spPr>
+        <p:style>
+          <a:lnRef idx="1">
+            <a:schemeClr val="dk1"/>
+          </a:lnRef>
+          <a:fillRef idx="3">
+            <a:schemeClr val="dk1"/>
+          </a:fillRef>
+          <a:effectRef idx="2">
+            <a:schemeClr val="dk1"/>
+          </a:effectRef>
+          <a:fontRef idx="minor">
+            <a:schemeClr val="lt1"/>
+          </a:fontRef>
+        </p:style>
+        <p:txBody>
+          <a:bodyPr anchor="ctr"/>
+          <a:lstStyle/>
+          <a:p>
+            <a:pPr>
+              <a:defRPr/>
+            </a:pPr>
+            <a:r>
+              <a:rPr lang="de-DE" dirty="0">
+                <a:solidFill>
+                  <a:schemeClr val="bg1"/>
+                </a:solidFill>
+              </a:rPr>
+              <a:t>C++ = „C </a:t>
+            </a:r>
+            <a:r>
+              <a:rPr lang="de-DE" dirty="0" err="1">
+                <a:solidFill>
+                  <a:schemeClr val="bg1"/>
+                </a:solidFill>
+              </a:rPr>
+              <a:t>with</a:t>
+            </a:r>
+            <a:r>
+              <a:rPr lang="de-DE" dirty="0">
+                <a:solidFill>
+                  <a:schemeClr val="bg1"/>
+                </a:solidFill>
+              </a:rPr>
+              <a:t> </a:t>
+            </a:r>
+            <a:r>
+              <a:rPr lang="de-DE" dirty="0" err="1">
+                <a:solidFill>
+                  <a:schemeClr val="bg1"/>
+                </a:solidFill>
+              </a:rPr>
+              <a:t>objects</a:t>
+            </a:r>
+            <a:r>
+              <a:rPr lang="de-DE" dirty="0">
+                <a:solidFill>
+                  <a:schemeClr val="bg1"/>
+                </a:solidFill>
+              </a:rPr>
+              <a:t>“</a:t>
+            </a:r>
+          </a:p>
+        </p:txBody>
+      </p:sp>
+    </p:spTree>
+  </p:cSld>
+  <p:clrMapOvr>
+    <a:masterClrMapping/>
+  </p:clrMapOvr>
+  <p:transition/>
+  <p:timing>
+    <p:tnLst>
+      <p:par>
+        <p:cTn id="1" dur="indefinite" restart="never" nodeType="tmRoot">
+          <p:childTnLst>
+            <p:seq concurrent="1" nextAc="seek">
+              <p:cTn id="2" dur="indefinite" nodeType="mainSeq">
+                <p:childTnLst>
+                  <p:par>
+                    <p:cTn id="3" fill="hold" nodeType="clickPar">
+                      <p:stCondLst>
+                        <p:cond delay="indefinite"/>
+                      </p:stCondLst>
+                      <p:childTnLst>
+                        <p:par>
+                          <p:cTn id="4" fill="hold" nodeType="withGroup">
+                            <p:stCondLst>
+                              <p:cond delay="0"/>
+                            </p:stCondLst>
+                            <p:childTnLst>
+                              <p:par>
+                                <p:cTn id="5" presetID="10" presetClass="entr" presetSubtype="0" fill="hold" grpId="0" nodeType="clickEffect">
+                                  <p:stCondLst>
+                                    <p:cond delay="0"/>
+                                  </p:stCondLst>
+                                  <p:childTnLst>
+                                    <p:set>
+                                      <p:cBhvr>
+                                        <p:cTn id="6" dur="1" fill="hold">
+                                          <p:stCondLst>
+                                            <p:cond delay="0"/>
+                                          </p:stCondLst>
+                                        </p:cTn>
+                                        <p:tgtEl>
+                                          <p:spTgt spid="50"/>
+                                        </p:tgtEl>
+                                        <p:attrNameLst>
+                                          <p:attrName>style.visibility</p:attrName>
+                                        </p:attrNameLst>
+                                      </p:cBhvr>
+                                      <p:to>
+                                        <p:strVal val="visible"/>
+                                      </p:to>
+                                    </p:set>
+                                    <p:animEffect transition="in" filter="fade">
+                                      <p:cBhvr>
+                                        <p:cTn id="7" dur="500"/>
+                                        <p:tgtEl>
+                                          <p:spTgt spid="50"/>
+                                        </p:tgtEl>
+                                      </p:cBhvr>
+                                    </p:animEffect>
+                                  </p:childTnLst>
+                                </p:cTn>
+                              </p:par>
+                            </p:childTnLst>
+                          </p:cTn>
+                        </p:par>
+                      </p:childTnLst>
+                    </p:cTn>
+                  </p:par>
+                  <p:par>
+                    <p:cTn id="8" fill="hold" nodeType="clickPar">
+                      <p:stCondLst>
+                        <p:cond delay="indefinite"/>
+                      </p:stCondLst>
+                      <p:childTnLst>
+                        <p:par>
+                          <p:cTn id="9" fill="hold" nodeType="withGroup">
+                            <p:stCondLst>
+                              <p:cond delay="0"/>
+                            </p:stCondLst>
+                            <p:childTnLst>
+                              <p:par>
+                                <p:cTn id="10" presetID="10" presetClass="entr" presetSubtype="0" fill="hold" grpId="0" nodeType="clickEffect">
+                                  <p:stCondLst>
+                                    <p:cond delay="0"/>
+                                  </p:stCondLst>
+                                  <p:childTnLst>
+                                    <p:set>
+                                      <p:cBhvr>
+                                        <p:cTn id="11" dur="1" fill="hold">
+                                          <p:stCondLst>
+                                            <p:cond delay="0"/>
+                                          </p:stCondLst>
+                                        </p:cTn>
+                                        <p:tgtEl>
+                                          <p:spTgt spid="52"/>
+                                        </p:tgtEl>
+                                        <p:attrNameLst>
+                                          <p:attrName>style.visibility</p:attrName>
+                                        </p:attrNameLst>
+                                      </p:cBhvr>
+                                      <p:to>
+                                        <p:strVal val="visible"/>
+                                      </p:to>
+                                    </p:set>
+                                    <p:animEffect transition="in" filter="fade">
+                                      <p:cBhvr>
+                                        <p:cTn id="12" dur="500"/>
+                                        <p:tgtEl>
+                                          <p:spTgt spid="52"/>
+                                        </p:tgtEl>
+                                      </p:cBhvr>
+                                    </p:animEffect>
+                                  </p:childTnLst>
+                                </p:cTn>
+                              </p:par>
+                            </p:childTnLst>
+                          </p:cTn>
+                        </p:par>
+                      </p:childTnLst>
+                    </p:cTn>
+                  </p:par>
+                </p:childTnLst>
+              </p:cTn>
+              <p:prevCondLst>
+                <p:cond evt="onPrev" delay="0">
+                  <p:tgtEl>
+                    <p:sldTgt/>
+                  </p:tgtEl>
+                </p:cond>
+              </p:prevCondLst>
+              <p:nextCondLst>
+                <p:cond evt="onNext" delay="0">
+                  <p:tgtEl>
+                    <p:sldTgt/>
+                  </p:tgtEl>
+                </p:cond>
+              </p:nextCondLst>
+            </p:seq>
+          </p:childTnLst>
+        </p:cTn>
+      </p:par>
+    </p:tnLst>
+    <p:bldLst>
+      <p:bldP spid="50" grpId="0" animBg="1"/>
+      <p:bldP spid="52" grpId="0" animBg="1"/>
+    </p:bldLst>
+  </p:timing>
+</p:sld>
+</file>
+
+<file path=ppt/slides/slide11.xml><?xml version="1.0" encoding="utf-8"?>
+<p:sld xmlns:a="http://schemas.openxmlformats.org/drawingml/2006/main" xmlns:r="http://schemas.openxmlformats.org/officeDocument/2006/relationships" xmlns:p="http://schemas.openxmlformats.org/presentationml/2006/main" show="0">
+  <p:cSld>
+    <p:spTree>
+      <p:nvGrpSpPr>
+        <p:cNvPr id="1" name=""/>
+        <p:cNvGrpSpPr/>
+        <p:nvPr/>
+      </p:nvGrpSpPr>
+      <p:grpSpPr>
+        <a:xfrm>
+          <a:off x="0" y="0"/>
+          <a:ext cx="0" cy="0"/>
+          <a:chOff x="0" y="0"/>
+          <a:chExt cx="0" cy="0"/>
+        </a:xfrm>
+      </p:grpSpPr>
       <p:sp>
         <p:nvSpPr>
           <p:cNvPr id="15362" name="Titel 1"/>
@@ -19854,7 +21533,7 @@
         </p:nvSpPr>
         <p:spPr>
           <a:xfrm>
-            <a:off x="468313" y="1557338"/>
+            <a:off x="468313" y="1556792"/>
             <a:ext cx="8640762" cy="4032250"/>
           </a:xfrm>
         </p:spPr>
@@ -19869,7 +21548,11 @@
             </a:pPr>
             <a:r>
               <a:rPr lang="de-DE" dirty="0" smtClean="0"/>
-              <a:t>Der praktische Teil findet statt im Raum 67</a:t>
+              <a:t>Übung (nachmittags) im </a:t>
+            </a:r>
+            <a:r>
+              <a:rPr lang="de-DE" dirty="0" smtClean="0"/>
+              <a:t>Raum 67</a:t>
             </a:r>
           </a:p>
           <a:p>
@@ -19978,8 +21661,8 @@
               <a:defRPr/>
             </a:pPr>
             <a:r>
-              <a:rPr lang="de-DE" dirty="0" smtClean="0"/>
-              <a:t>  </a:t>
+              <a:rPr lang="de-DE" sz="1600" b="0" dirty="0" smtClean="0"/>
+              <a:t>  Einführung in SVN: </a:t>
             </a:r>
             <a:r>
               <a:rPr lang="de-DE" sz="1600" b="0" dirty="0" smtClean="0">
@@ -20000,21 +21683,27 @@
               <a:t>svnbook.red-bean.com/index.de.html</a:t>
             </a:r>
             <a:r>
-              <a:rPr lang="de-DE" sz="1600" b="0" dirty="0"/>
+              <a:rPr lang="de-DE" sz="1600" b="0" dirty="0" smtClean="0"/>
               <a:t/>
             </a:r>
             <a:br>
-              <a:rPr lang="de-DE" sz="1600" b="0" dirty="0"/>
+              <a:rPr lang="de-DE" sz="1600" b="0" dirty="0" smtClean="0"/>
             </a:br>
             <a:r>
-              <a:rPr lang="de-DE" sz="1600" b="0" dirty="0"/>
-              <a:t>  </a:t>
+              <a:rPr lang="de-DE" sz="1600" b="0" dirty="0" smtClean="0"/>
+              <a:t>  Einführung in Git: </a:t>
+            </a:r>
+            <a:r>
+              <a:rPr lang="de-DE" sz="1600" b="0" dirty="0" smtClean="0">
+                <a:hlinkClick r:id="rId5"/>
+              </a:rPr>
+              <a:t>http</a:t>
             </a:r>
             <a:r>
               <a:rPr lang="de-DE" sz="1600" b="0" dirty="0">
                 <a:hlinkClick r:id="rId5"/>
               </a:rPr>
-              <a:t>http://</a:t>
+              <a:t>://</a:t>
             </a:r>
             <a:r>
               <a:rPr lang="de-DE" sz="1600" b="0" dirty="0" smtClean="0">
@@ -20031,24 +21720,40 @@
             </a:br>
             <a:r>
               <a:rPr lang="de-DE" sz="1600" b="0" dirty="0" smtClean="0"/>
-              <a:t>  </a:t>
+              <a:t>  Git/SVN @ Google: </a:t>
             </a:r>
             <a:r>
               <a:rPr lang="de-DE" sz="1600" b="0" dirty="0" smtClean="0">
                 <a:hlinkClick r:id="rId6"/>
               </a:rPr>
-              <a:t>https://code.google.com/</a:t>
+              <a:t>https</a:t>
+            </a:r>
+            <a:r>
+              <a:rPr lang="de-DE" sz="1600" b="0" dirty="0" smtClean="0">
+                <a:hlinkClick r:id="rId6"/>
+              </a:rPr>
+              <a:t>://code.google.com</a:t>
+            </a:r>
+            <a:r>
+              <a:rPr lang="de-DE" sz="1600" b="0" dirty="0" smtClean="0">
+                <a:hlinkClick r:id="rId6"/>
+              </a:rPr>
+              <a:t>/</a:t>
             </a:r>
             <a:r>
               <a:rPr lang="de-DE" sz="1600" b="0" dirty="0" smtClean="0"/>
-              <a:t> (Git oder SVN)</a:t>
+              <a:t/>
             </a:r>
             <a:br>
               <a:rPr lang="de-DE" sz="1600" b="0" dirty="0" smtClean="0"/>
             </a:br>
             <a:r>
               <a:rPr lang="de-DE" sz="1600" b="0" dirty="0" smtClean="0"/>
-              <a:t>  </a:t>
+              <a:t>  Git @ GitHub:</a:t>
+            </a:r>
+            <a:r>
+              <a:rPr lang="de-DE" sz="1600" b="0" dirty="0" smtClean="0"/>
+              <a:t> </a:t>
             </a:r>
             <a:r>
               <a:rPr lang="de-DE" sz="1600" b="0" dirty="0" smtClean="0">
@@ -20070,7 +21775,7 @@
             </a:r>
             <a:r>
               <a:rPr lang="de-DE" sz="1600" b="0" dirty="0" smtClean="0"/>
-              <a:t> (Git)</a:t>
+              <a:t> </a:t>
             </a:r>
             <a:endParaRPr lang="de-DE" sz="1600" dirty="0" smtClean="0"/>
           </a:p>
@@ -20091,26 +21796,27 @@
               <a:defRPr/>
             </a:pPr>
             <a:r>
+              <a:rPr lang="de-DE" dirty="0" smtClean="0">
+                <a:hlinkClick r:id="rId8"/>
+              </a:rPr>
+              <a:t>https</a:t>
+            </a:r>
+            <a:r>
               <a:rPr lang="de-DE" dirty="0">
                 <a:hlinkClick r:id="rId8"/>
               </a:rPr>
-              <a:t>https://</a:t>
+              <a:t>://</a:t>
             </a:r>
             <a:r>
               <a:rPr lang="de-DE" dirty="0" smtClean="0">
                 <a:hlinkClick r:id="rId8"/>
               </a:rPr>
-              <a:t>moodle.tu-darmstadt.de/mod/forum/view.php?id=98263</a:t>
+              <a:t>moodle.tu-darmstadt.de/mod/forum/view.php?id=101856</a:t>
             </a:r>
             <a:r>
               <a:rPr lang="de-DE" dirty="0" smtClean="0"/>
               <a:t> </a:t>
             </a:r>
-          </a:p>
-          <a:p>
-            <a:pPr lvl="1" eaLnBrk="1" hangingPunct="1">
-              <a:defRPr/>
-            </a:pPr>
             <a:endParaRPr lang="de-DE" dirty="0" smtClean="0"/>
           </a:p>
         </p:txBody>
@@ -20124,7 +21830,7 @@
         <p:spPr>
           <a:xfrm>
             <a:off x="6054725" y="3668713"/>
-            <a:ext cx="2578100" cy="720725"/>
+            <a:ext cx="2578100" cy="768399"/>
           </a:xfrm>
           <a:prstGeom prst="wedgeRoundRectCallout">
             <a:avLst>
@@ -20162,8 +21868,21 @@
                   <a:schemeClr val="bg1"/>
                 </a:solidFill>
               </a:rPr>
-              <a:t>Am besten regelmäßig aktualisieren</a:t>
-            </a:r>
+              <a:t>Am besten regelmäßig </a:t>
+            </a:r>
+            <a:r>
+              <a:rPr lang="de-DE" dirty="0" smtClean="0">
+                <a:solidFill>
+                  <a:schemeClr val="bg1"/>
+                </a:solidFill>
+              </a:rPr>
+              <a:t>aktualisieren – siehe Übungsblatt 1</a:t>
+            </a:r>
+            <a:endParaRPr lang="de-DE" dirty="0">
+              <a:solidFill>
+                <a:schemeClr val="bg1"/>
+              </a:solidFill>
+            </a:endParaRPr>
           </a:p>
         </p:txBody>
       </p:sp>
@@ -20383,6 +22102,145 @@
       </p:grpSpPr>
       <p:sp>
         <p:nvSpPr>
+          <p:cNvPr id="10242" name="Rectangle 2"/>
+          <p:cNvSpPr>
+            <a:spLocks noGrp="1" noChangeArrowheads="1"/>
+          </p:cNvSpPr>
+          <p:nvPr>
+            <p:ph type="title"/>
+          </p:nvPr>
+        </p:nvSpPr>
+        <p:spPr/>
+        <p:txBody>
+          <a:bodyPr/>
+          <a:lstStyle/>
+          <a:p>
+            <a:pPr eaLnBrk="1" hangingPunct="1"/>
+            <a:r>
+              <a:rPr lang="de-DE" altLang="de-DE" dirty="0" smtClean="0"/>
+              <a:t>Ein Wort zu den Übungsblättern</a:t>
+            </a:r>
+            <a:endParaRPr lang="de-DE" altLang="de-DE" dirty="0" smtClean="0"/>
+          </a:p>
+        </p:txBody>
+      </p:sp>
+      <p:sp>
+        <p:nvSpPr>
+          <p:cNvPr id="9219" name="Rectangle 3"/>
+          <p:cNvSpPr>
+            <a:spLocks noGrp="1" noChangeArrowheads="1"/>
+          </p:cNvSpPr>
+          <p:nvPr>
+            <p:ph type="body" idx="1"/>
+          </p:nvPr>
+        </p:nvSpPr>
+        <p:spPr>
+          <a:xfrm>
+            <a:off x="468313" y="1556792"/>
+            <a:ext cx="8424167" cy="4032250"/>
+          </a:xfrm>
+        </p:spPr>
+        <p:txBody>
+          <a:bodyPr/>
+          <a:lstStyle/>
+          <a:p>
+            <a:pPr eaLnBrk="1" hangingPunct="1">
+              <a:defRPr/>
+            </a:pPr>
+            <a:r>
+              <a:rPr lang="de-DE" b="0" dirty="0" smtClean="0"/>
+              <a:t>Alle </a:t>
+            </a:r>
+            <a:r>
+              <a:rPr lang="de-DE" dirty="0" smtClean="0"/>
+              <a:t>nicht-optionalen</a:t>
+            </a:r>
+            <a:r>
+              <a:rPr lang="de-DE" b="0" dirty="0" smtClean="0"/>
+              <a:t> Übungsaufgaben sind </a:t>
+            </a:r>
+            <a:r>
+              <a:rPr lang="de-DE" dirty="0" smtClean="0"/>
+              <a:t>klausurrelevant</a:t>
+            </a:r>
+            <a:r>
+              <a:rPr lang="de-DE" b="0" dirty="0" smtClean="0"/>
+              <a:t>.</a:t>
+            </a:r>
+          </a:p>
+          <a:p>
+            <a:pPr eaLnBrk="1" hangingPunct="1">
+              <a:defRPr/>
+            </a:pPr>
+            <a:r>
+              <a:rPr lang="de-DE" b="0" dirty="0" smtClean="0"/>
+              <a:t>Die Aufgabenblätter sind unterschiedlich lang – man muss nicht immer am Tagesende mit dem Blatt fertig sein!</a:t>
+            </a:r>
+            <a:endParaRPr lang="de-DE" b="0" dirty="0" smtClean="0"/>
+          </a:p>
+        </p:txBody>
+      </p:sp>
+      <p:graphicFrame>
+        <p:nvGraphicFramePr>
+          <p:cNvPr id="6" name="Diagramm 5"/>
+          <p:cNvGraphicFramePr/>
+          <p:nvPr>
+            <p:extLst>
+              <p:ext uri="{D42A27DB-BD31-4B8C-83A1-F6EECF244321}">
+                <p14:modId xmlns:p14="http://schemas.microsoft.com/office/powerpoint/2010/main" val="2958530886"/>
+              </p:ext>
+            </p:extLst>
+          </p:nvPr>
+        </p:nvGraphicFramePr>
+        <p:xfrm>
+          <a:off x="358774" y="2689578"/>
+          <a:ext cx="8173665" cy="3691749"/>
+        </p:xfrm>
+        <a:graphic>
+          <a:graphicData uri="http://schemas.openxmlformats.org/drawingml/2006/chart">
+            <c:chart xmlns:c="http://schemas.openxmlformats.org/drawingml/2006/chart" xmlns:r="http://schemas.openxmlformats.org/officeDocument/2006/relationships" r:id="rId2"/>
+          </a:graphicData>
+        </a:graphic>
+      </p:graphicFrame>
+    </p:spTree>
+    <p:extLst>
+      <p:ext uri="{BB962C8B-B14F-4D97-AF65-F5344CB8AC3E}">
+        <p14:creationId xmlns:p14="http://schemas.microsoft.com/office/powerpoint/2010/main" val="873420656"/>
+      </p:ext>
+    </p:extLst>
+  </p:cSld>
+  <p:clrMapOvr>
+    <a:masterClrMapping/>
+  </p:clrMapOvr>
+  <p:timing>
+    <p:tnLst>
+      <p:par>
+        <p:cTn id="1" dur="indefinite" restart="never" nodeType="tmRoot"/>
+      </p:par>
+    </p:tnLst>
+  </p:timing>
+</p:sld>
+</file>
+
+<file path=ppt/slides/slide7.xml><?xml version="1.0" encoding="utf-8"?>
+<p:sld xmlns:a="http://schemas.openxmlformats.org/drawingml/2006/main" xmlns:r="http://schemas.openxmlformats.org/officeDocument/2006/relationships" xmlns:p="http://schemas.openxmlformats.org/presentationml/2006/main">
+  <p:cSld>
+    <p:spTree>
+      <p:nvGrpSpPr>
+        <p:cNvPr id="1" name=""/>
+        <p:cNvGrpSpPr/>
+        <p:nvPr/>
+      </p:nvGrpSpPr>
+      <p:grpSpPr>
+        <a:xfrm>
+          <a:off x="0" y="0"/>
+          <a:ext cx="0" cy="0"/>
+          <a:chOff x="0" y="0"/>
+          <a:chExt cx="0" cy="0"/>
+        </a:xfrm>
+      </p:grpSpPr>
+      <p:sp>
+        <p:nvSpPr>
           <p:cNvPr id="11266" name="Titel 1"/>
           <p:cNvSpPr>
             <a:spLocks noGrp="1"/>
@@ -20718,7 +22576,7 @@
 </p:sld>
 </file>
 
-<file path=ppt/slides/slide7.xml><?xml version="1.0" encoding="utf-8"?>
+<file path=ppt/slides/slide8.xml><?xml version="1.0" encoding="utf-8"?>
 <p:sld xmlns:a="http://schemas.openxmlformats.org/drawingml/2006/main" xmlns:r="http://schemas.openxmlformats.org/officeDocument/2006/relationships" xmlns:p="http://schemas.openxmlformats.org/presentationml/2006/main">
   <p:cSld>
     <p:spTree>
@@ -21198,7 +23056,7 @@
 </p:sld>
 </file>
 
-<file path=ppt/slides/slide8.xml><?xml version="1.0" encoding="utf-8"?>
+<file path=ppt/slides/slide9.xml><?xml version="1.0" encoding="utf-8"?>
 <p:sld xmlns:a="http://schemas.openxmlformats.org/drawingml/2006/main" xmlns:r="http://schemas.openxmlformats.org/officeDocument/2006/relationships" xmlns:p="http://schemas.openxmlformats.org/presentationml/2006/main">
   <p:cSld>
     <p:spTree>
@@ -21230,7 +23088,9 @@
             <a:avLst/>
           </a:prstGeom>
           <a:solidFill>
-            <a:schemeClr val="accent1"/>
+            <a:schemeClr val="bg1">
+              <a:lumMod val="65000"/>
+            </a:schemeClr>
           </a:solidFill>
           <a:ln w="9525" cap="flat" cmpd="sng" algn="ctr">
             <a:noFill/>
@@ -21290,14 +23150,16 @@
         </p:nvSpPr>
         <p:spPr bwMode="auto">
           <a:xfrm>
-            <a:off x="4052081" y="5883289"/>
-            <a:ext cx="1135879" cy="607602"/>
+            <a:off x="3925875" y="5883289"/>
+            <a:ext cx="1262086" cy="607602"/>
           </a:xfrm>
           <a:prstGeom prst="rect">
             <a:avLst/>
           </a:prstGeom>
           <a:solidFill>
-            <a:schemeClr val="accent1"/>
+            <a:schemeClr val="bg1">
+              <a:lumMod val="65000"/>
+            </a:schemeClr>
           </a:solidFill>
           <a:ln w="9525" cap="flat" cmpd="sng" algn="ctr">
             <a:noFill/>
@@ -21435,8 +23297,11 @@
               <a:rPr lang="de-DE" altLang="de-DE" dirty="0" smtClean="0">
                 <a:ea typeface="ＭＳ Ｐゴシック" pitchFamily="34" charset="-128"/>
               </a:rPr>
-              <a:t>Eine kurze Geschichte von…</a:t>
-            </a:r>
+              <a:t>C, C++ und Java</a:t>
+            </a:r>
+            <a:endParaRPr lang="de-DE" altLang="de-DE" dirty="0" smtClean="0">
+              <a:ea typeface="ＭＳ Ｐゴシック" pitchFamily="34" charset="-128"/>
+            </a:endParaRPr>
           </a:p>
         </p:txBody>
       </p:sp>
@@ -21667,7 +23532,11 @@
           <a:prstGeom prst="rect">
             <a:avLst/>
           </a:prstGeom>
-          <a:noFill/>
+          <a:solidFill>
+            <a:schemeClr val="bg1">
+              <a:lumMod val="65000"/>
+            </a:schemeClr>
+          </a:solidFill>
         </p:spPr>
         <p:txBody>
           <a:bodyPr wrap="square" rtlCol="0">
@@ -21832,14 +23701,13 @@
           <p:cNvPr id="19" name="Gerade Verbindung mit Pfeil 18"/>
           <p:cNvCxnSpPr>
             <a:stCxn id="10" idx="2"/>
-            <a:endCxn id="22" idx="0"/>
           </p:cNvCxnSpPr>
           <p:nvPr/>
         </p:nvCxnSpPr>
         <p:spPr bwMode="auto">
-          <a:xfrm>
-            <a:off x="4357922" y="5440095"/>
-            <a:ext cx="2403" cy="471443"/>
+          <a:xfrm flipH="1">
+            <a:off x="4354584" y="5440095"/>
+            <a:ext cx="3338" cy="426813"/>
           </a:xfrm>
           <a:prstGeom prst="straightConnector1">
             <a:avLst/>
@@ -21900,8 +23768,8 @@
         </p:nvCxnSpPr>
         <p:spPr bwMode="auto">
           <a:xfrm>
-            <a:off x="4863924" y="5136294"/>
-            <a:ext cx="859905" cy="166472"/>
+            <a:off x="4863924" y="5118682"/>
+            <a:ext cx="859905" cy="184084"/>
           </a:xfrm>
           <a:prstGeom prst="straightConnector1">
             <a:avLst/>
@@ -22288,7 +24156,7 @@
         </p:blipFill>
         <p:spPr bwMode="auto">
           <a:xfrm>
-            <a:off x="4743022" y="3590098"/>
+            <a:off x="4824583" y="3589165"/>
             <a:ext cx="675483" cy="948893"/>
           </a:xfrm>
           <a:prstGeom prst="rect">
@@ -22858,7 +24726,7 @@
         <p:spPr bwMode="auto">
           <a:xfrm>
             <a:off x="3600472" y="5853279"/>
-            <a:ext cx="439660" cy="57089"/>
+            <a:ext cx="289398" cy="57089"/>
           </a:xfrm>
           <a:prstGeom prst="straightConnector1">
             <a:avLst/>
@@ -23003,7 +24871,7 @@
                                           </p:stCondLst>
                                         </p:cTn>
                                         <p:tgtEl>
-                                          <p:spTgt spid="71"/>
+                                          <p:spTgt spid="81"/>
                                         </p:tgtEl>
                                         <p:attrNameLst>
                                           <p:attrName>style.visibility</p:attrName>
@@ -23017,40 +24885,372 @@
                                       <p:cBhvr>
                                         <p:cTn id="7" dur="500"/>
                                         <p:tgtEl>
-                                          <p:spTgt spid="71"/>
+                                          <p:spTgt spid="81"/>
                                         </p:tgtEl>
                                       </p:cBhvr>
                                     </p:animEffect>
                                   </p:childTnLst>
                                 </p:cTn>
                               </p:par>
-                            </p:childTnLst>
-                          </p:cTn>
-                        </p:par>
-                      </p:childTnLst>
-                    </p:cTn>
-                  </p:par>
-                  <p:par>
-                    <p:cTn id="8" fill="hold">
-                      <p:stCondLst>
-                        <p:cond delay="indefinite"/>
-                      </p:stCondLst>
-                      <p:childTnLst>
-                        <p:par>
-                          <p:cTn id="9" fill="hold">
-                            <p:stCondLst>
-                              <p:cond delay="0"/>
-                            </p:stCondLst>
-                            <p:childTnLst>
                               <p:par>
-                                <p:cTn id="10" presetID="10" presetClass="entr" presetSubtype="0" fill="hold" grpId="0" nodeType="clickEffect">
+                                <p:cTn id="8" presetID="10" presetClass="entr" presetSubtype="0" fill="hold" grpId="0" nodeType="withEffect">
                                   <p:stCondLst>
                                     <p:cond delay="0"/>
                                   </p:stCondLst>
                                   <p:childTnLst>
                                     <p:set>
                                       <p:cBhvr>
-                                        <p:cTn id="11" dur="1" fill="hold">
+                                        <p:cTn id="9" dur="1" fill="hold">
+                                          <p:stCondLst>
+                                            <p:cond delay="0"/>
+                                          </p:stCondLst>
+                                        </p:cTn>
+                                        <p:tgtEl>
+                                          <p:spTgt spid="47"/>
+                                        </p:tgtEl>
+                                        <p:attrNameLst>
+                                          <p:attrName>style.visibility</p:attrName>
+                                        </p:attrNameLst>
+                                      </p:cBhvr>
+                                      <p:to>
+                                        <p:strVal val="visible"/>
+                                      </p:to>
+                                    </p:set>
+                                    <p:animEffect transition="in" filter="fade">
+                                      <p:cBhvr>
+                                        <p:cTn id="10" dur="500"/>
+                                        <p:tgtEl>
+                                          <p:spTgt spid="47"/>
+                                        </p:tgtEl>
+                                      </p:cBhvr>
+                                    </p:animEffect>
+                                  </p:childTnLst>
+                                </p:cTn>
+                              </p:par>
+                              <p:par>
+                                <p:cTn id="11" presetID="10" presetClass="entr" presetSubtype="0" fill="hold" nodeType="withEffect">
+                                  <p:stCondLst>
+                                    <p:cond delay="0"/>
+                                  </p:stCondLst>
+                                  <p:childTnLst>
+                                    <p:set>
+                                      <p:cBhvr>
+                                        <p:cTn id="12" dur="1" fill="hold">
+                                          <p:stCondLst>
+                                            <p:cond delay="0"/>
+                                          </p:stCondLst>
+                                        </p:cTn>
+                                        <p:tgtEl>
+                                          <p:spTgt spid="44"/>
+                                        </p:tgtEl>
+                                        <p:attrNameLst>
+                                          <p:attrName>style.visibility</p:attrName>
+                                        </p:attrNameLst>
+                                      </p:cBhvr>
+                                      <p:to>
+                                        <p:strVal val="visible"/>
+                                      </p:to>
+                                    </p:set>
+                                    <p:animEffect transition="in" filter="fade">
+                                      <p:cBhvr>
+                                        <p:cTn id="13" dur="500"/>
+                                        <p:tgtEl>
+                                          <p:spTgt spid="44"/>
+                                        </p:tgtEl>
+                                      </p:cBhvr>
+                                    </p:animEffect>
+                                  </p:childTnLst>
+                                </p:cTn>
+                              </p:par>
+                              <p:par>
+                                <p:cTn id="14" presetID="10" presetClass="entr" presetSubtype="0" fill="hold" grpId="0" nodeType="withEffect">
+                                  <p:stCondLst>
+                                    <p:cond delay="0"/>
+                                  </p:stCondLst>
+                                  <p:childTnLst>
+                                    <p:set>
+                                      <p:cBhvr>
+                                        <p:cTn id="15" dur="1" fill="hold">
+                                          <p:stCondLst>
+                                            <p:cond delay="0"/>
+                                          </p:stCondLst>
+                                        </p:cTn>
+                                        <p:tgtEl>
+                                          <p:spTgt spid="41"/>
+                                        </p:tgtEl>
+                                        <p:attrNameLst>
+                                          <p:attrName>style.visibility</p:attrName>
+                                        </p:attrNameLst>
+                                      </p:cBhvr>
+                                      <p:to>
+                                        <p:strVal val="visible"/>
+                                      </p:to>
+                                    </p:set>
+                                    <p:animEffect transition="in" filter="fade">
+                                      <p:cBhvr>
+                                        <p:cTn id="16" dur="500"/>
+                                        <p:tgtEl>
+                                          <p:spTgt spid="41"/>
+                                        </p:tgtEl>
+                                      </p:cBhvr>
+                                    </p:animEffect>
+                                  </p:childTnLst>
+                                </p:cTn>
+                              </p:par>
+                              <p:par>
+                                <p:cTn id="17" presetID="10" presetClass="entr" presetSubtype="0" fill="hold" nodeType="withEffect">
+                                  <p:stCondLst>
+                                    <p:cond delay="0"/>
+                                  </p:stCondLst>
+                                  <p:childTnLst>
+                                    <p:set>
+                                      <p:cBhvr>
+                                        <p:cTn id="18" dur="1" fill="hold">
+                                          <p:stCondLst>
+                                            <p:cond delay="0"/>
+                                          </p:stCondLst>
+                                        </p:cTn>
+                                        <p:tgtEl>
+                                          <p:spTgt spid="42"/>
+                                        </p:tgtEl>
+                                        <p:attrNameLst>
+                                          <p:attrName>style.visibility</p:attrName>
+                                        </p:attrNameLst>
+                                      </p:cBhvr>
+                                      <p:to>
+                                        <p:strVal val="visible"/>
+                                      </p:to>
+                                    </p:set>
+                                    <p:animEffect transition="in" filter="fade">
+                                      <p:cBhvr>
+                                        <p:cTn id="19" dur="500"/>
+                                        <p:tgtEl>
+                                          <p:spTgt spid="42"/>
+                                        </p:tgtEl>
+                                      </p:cBhvr>
+                                    </p:animEffect>
+                                  </p:childTnLst>
+                                </p:cTn>
+                              </p:par>
+                              <p:par>
+                                <p:cTn id="20" presetID="10" presetClass="entr" presetSubtype="0" fill="hold" nodeType="withEffect">
+                                  <p:stCondLst>
+                                    <p:cond delay="0"/>
+                                  </p:stCondLst>
+                                  <p:childTnLst>
+                                    <p:set>
+                                      <p:cBhvr>
+                                        <p:cTn id="21" dur="1" fill="hold">
+                                          <p:stCondLst>
+                                            <p:cond delay="0"/>
+                                          </p:stCondLst>
+                                        </p:cTn>
+                                        <p:tgtEl>
+                                          <p:spTgt spid="31"/>
+                                        </p:tgtEl>
+                                        <p:attrNameLst>
+                                          <p:attrName>style.visibility</p:attrName>
+                                        </p:attrNameLst>
+                                      </p:cBhvr>
+                                      <p:to>
+                                        <p:strVal val="visible"/>
+                                      </p:to>
+                                    </p:set>
+                                    <p:animEffect transition="in" filter="fade">
+                                      <p:cBhvr>
+                                        <p:cTn id="22" dur="500"/>
+                                        <p:tgtEl>
+                                          <p:spTgt spid="31"/>
+                                        </p:tgtEl>
+                                      </p:cBhvr>
+                                    </p:animEffect>
+                                  </p:childTnLst>
+                                </p:cTn>
+                              </p:par>
+                              <p:par>
+                                <p:cTn id="23" presetID="10" presetClass="entr" presetSubtype="0" fill="hold" grpId="0" nodeType="withEffect">
+                                  <p:stCondLst>
+                                    <p:cond delay="0"/>
+                                  </p:stCondLst>
+                                  <p:childTnLst>
+                                    <p:set>
+                                      <p:cBhvr>
+                                        <p:cTn id="24" dur="1" fill="hold">
+                                          <p:stCondLst>
+                                            <p:cond delay="0"/>
+                                          </p:stCondLst>
+                                        </p:cTn>
+                                        <p:tgtEl>
+                                          <p:spTgt spid="37"/>
+                                        </p:tgtEl>
+                                        <p:attrNameLst>
+                                          <p:attrName>style.visibility</p:attrName>
+                                        </p:attrNameLst>
+                                      </p:cBhvr>
+                                      <p:to>
+                                        <p:strVal val="visible"/>
+                                      </p:to>
+                                    </p:set>
+                                    <p:animEffect transition="in" filter="fade">
+                                      <p:cBhvr>
+                                        <p:cTn id="25" dur="500"/>
+                                        <p:tgtEl>
+                                          <p:spTgt spid="37"/>
+                                        </p:tgtEl>
+                                      </p:cBhvr>
+                                    </p:animEffect>
+                                  </p:childTnLst>
+                                </p:cTn>
+                              </p:par>
+                              <p:par>
+                                <p:cTn id="26" presetID="10" presetClass="entr" presetSubtype="0" fill="hold" nodeType="withEffect">
+                                  <p:stCondLst>
+                                    <p:cond delay="0"/>
+                                  </p:stCondLst>
+                                  <p:childTnLst>
+                                    <p:set>
+                                      <p:cBhvr>
+                                        <p:cTn id="27" dur="1" fill="hold">
+                                          <p:stCondLst>
+                                            <p:cond delay="0"/>
+                                          </p:stCondLst>
+                                        </p:cTn>
+                                        <p:tgtEl>
+                                          <p:spTgt spid="59"/>
+                                        </p:tgtEl>
+                                        <p:attrNameLst>
+                                          <p:attrName>style.visibility</p:attrName>
+                                        </p:attrNameLst>
+                                      </p:cBhvr>
+                                      <p:to>
+                                        <p:strVal val="visible"/>
+                                      </p:to>
+                                    </p:set>
+                                    <p:animEffect transition="in" filter="fade">
+                                      <p:cBhvr>
+                                        <p:cTn id="28" dur="500"/>
+                                        <p:tgtEl>
+                                          <p:spTgt spid="59"/>
+                                        </p:tgtEl>
+                                      </p:cBhvr>
+                                    </p:animEffect>
+                                  </p:childTnLst>
+                                </p:cTn>
+                              </p:par>
+                              <p:par>
+                                <p:cTn id="29" presetID="10" presetClass="entr" presetSubtype="0" fill="hold" grpId="0" nodeType="withEffect">
+                                  <p:stCondLst>
+                                    <p:cond delay="0"/>
+                                  </p:stCondLst>
+                                  <p:childTnLst>
+                                    <p:set>
+                                      <p:cBhvr>
+                                        <p:cTn id="30" dur="1" fill="hold">
+                                          <p:stCondLst>
+                                            <p:cond delay="0"/>
+                                          </p:stCondLst>
+                                        </p:cTn>
+                                        <p:tgtEl>
+                                          <p:spTgt spid="53"/>
+                                        </p:tgtEl>
+                                        <p:attrNameLst>
+                                          <p:attrName>style.visibility</p:attrName>
+                                        </p:attrNameLst>
+                                      </p:cBhvr>
+                                      <p:to>
+                                        <p:strVal val="visible"/>
+                                      </p:to>
+                                    </p:set>
+                                    <p:animEffect transition="in" filter="fade">
+                                      <p:cBhvr>
+                                        <p:cTn id="31" dur="500"/>
+                                        <p:tgtEl>
+                                          <p:spTgt spid="53"/>
+                                        </p:tgtEl>
+                                      </p:cBhvr>
+                                    </p:animEffect>
+                                  </p:childTnLst>
+                                </p:cTn>
+                              </p:par>
+                              <p:par>
+                                <p:cTn id="32" presetID="10" presetClass="entr" presetSubtype="0" fill="hold" nodeType="withEffect">
+                                  <p:stCondLst>
+                                    <p:cond delay="0"/>
+                                  </p:stCondLst>
+                                  <p:childTnLst>
+                                    <p:set>
+                                      <p:cBhvr>
+                                        <p:cTn id="33" dur="1" fill="hold">
+                                          <p:stCondLst>
+                                            <p:cond delay="0"/>
+                                          </p:stCondLst>
+                                        </p:cTn>
+                                        <p:tgtEl>
+                                          <p:spTgt spid="64"/>
+                                        </p:tgtEl>
+                                        <p:attrNameLst>
+                                          <p:attrName>style.visibility</p:attrName>
+                                        </p:attrNameLst>
+                                      </p:cBhvr>
+                                      <p:to>
+                                        <p:strVal val="visible"/>
+                                      </p:to>
+                                    </p:set>
+                                    <p:animEffect transition="in" filter="fade">
+                                      <p:cBhvr>
+                                        <p:cTn id="34" dur="500"/>
+                                        <p:tgtEl>
+                                          <p:spTgt spid="64"/>
+                                        </p:tgtEl>
+                                      </p:cBhvr>
+                                    </p:animEffect>
+                                  </p:childTnLst>
+                                </p:cTn>
+                              </p:par>
+                              <p:par>
+                                <p:cTn id="35" presetID="10" presetClass="entr" presetSubtype="0" fill="hold" grpId="0" nodeType="withEffect">
+                                  <p:stCondLst>
+                                    <p:cond delay="0"/>
+                                  </p:stCondLst>
+                                  <p:childTnLst>
+                                    <p:set>
+                                      <p:cBhvr>
+                                        <p:cTn id="36" dur="1" fill="hold">
+                                          <p:stCondLst>
+                                            <p:cond delay="0"/>
+                                          </p:stCondLst>
+                                        </p:cTn>
+                                        <p:tgtEl>
+                                          <p:spTgt spid="54"/>
+                                        </p:tgtEl>
+                                        <p:attrNameLst>
+                                          <p:attrName>style.visibility</p:attrName>
+                                        </p:attrNameLst>
+                                      </p:cBhvr>
+                                      <p:to>
+                                        <p:strVal val="visible"/>
+                                      </p:to>
+                                    </p:set>
+                                    <p:animEffect transition="in" filter="fade">
+                                      <p:cBhvr>
+                                        <p:cTn id="37" dur="500"/>
+                                        <p:tgtEl>
+                                          <p:spTgt spid="54"/>
+                                        </p:tgtEl>
+                                      </p:cBhvr>
+                                    </p:animEffect>
+                                  </p:childTnLst>
+                                </p:cTn>
+                              </p:par>
+                              <p:par>
+                                <p:cTn id="38" presetID="10" presetClass="entr" presetSubtype="0" fill="hold" grpId="0" nodeType="withEffect">
+                                  <p:stCondLst>
+                                    <p:cond delay="0"/>
+                                  </p:stCondLst>
+                                  <p:childTnLst>
+                                    <p:set>
+                                      <p:cBhvr>
+                                        <p:cTn id="39" dur="1" fill="hold">
                                           <p:stCondLst>
                                             <p:cond delay="0"/>
                                           </p:stCondLst>
@@ -23068,7 +25268,7 @@
                                     </p:set>
                                     <p:animEffect transition="in" filter="fade">
                                       <p:cBhvr>
-                                        <p:cTn id="12" dur="500"/>
+                                        <p:cTn id="40" dur="500"/>
                                         <p:tgtEl>
                                           <p:spTgt spid="72"/>
                                         </p:tgtEl>
@@ -23084,26 +25284,201 @@
                     </p:cTn>
                   </p:par>
                   <p:par>
-                    <p:cTn id="13" fill="hold">
+                    <p:cTn id="41" fill="hold">
                       <p:stCondLst>
                         <p:cond delay="indefinite"/>
                       </p:stCondLst>
                       <p:childTnLst>
                         <p:par>
-                          <p:cTn id="14" fill="hold">
+                          <p:cTn id="42" fill="hold">
                             <p:stCondLst>
                               <p:cond delay="0"/>
                             </p:stCondLst>
                             <p:childTnLst>
                               <p:par>
-                                <p:cTn id="15" presetID="10" presetClass="entr" presetSubtype="0" fill="hold" grpId="0" nodeType="clickEffect">
+                                <p:cTn id="43" presetID="10" presetClass="entr" presetSubtype="0" fill="hold" nodeType="clickEffect">
                                   <p:stCondLst>
                                     <p:cond delay="0"/>
                                   </p:stCondLst>
                                   <p:childTnLst>
                                     <p:set>
                                       <p:cBhvr>
-                                        <p:cTn id="16" dur="1" fill="hold">
+                                        <p:cTn id="44" dur="1" fill="hold">
+                                          <p:stCondLst>
+                                            <p:cond delay="0"/>
+                                          </p:stCondLst>
+                                        </p:cTn>
+                                        <p:tgtEl>
+                                          <p:spTgt spid="4"/>
+                                        </p:tgtEl>
+                                        <p:attrNameLst>
+                                          <p:attrName>style.visibility</p:attrName>
+                                        </p:attrNameLst>
+                                      </p:cBhvr>
+                                      <p:to>
+                                        <p:strVal val="visible"/>
+                                      </p:to>
+                                    </p:set>
+                                    <p:animEffect transition="in" filter="fade">
+                                      <p:cBhvr>
+                                        <p:cTn id="45" dur="500"/>
+                                        <p:tgtEl>
+                                          <p:spTgt spid="4"/>
+                                        </p:tgtEl>
+                                      </p:cBhvr>
+                                    </p:animEffect>
+                                  </p:childTnLst>
+                                </p:cTn>
+                              </p:par>
+                              <p:par>
+                                <p:cTn id="46" presetID="10" presetClass="entr" presetSubtype="0" fill="hold" grpId="0" nodeType="withEffect">
+                                  <p:stCondLst>
+                                    <p:cond delay="0"/>
+                                  </p:stCondLst>
+                                  <p:childTnLst>
+                                    <p:set>
+                                      <p:cBhvr>
+                                        <p:cTn id="47" dur="1" fill="hold">
+                                          <p:stCondLst>
+                                            <p:cond delay="0"/>
+                                          </p:stCondLst>
+                                        </p:cTn>
+                                        <p:tgtEl>
+                                          <p:spTgt spid="10"/>
+                                        </p:tgtEl>
+                                        <p:attrNameLst>
+                                          <p:attrName>style.visibility</p:attrName>
+                                        </p:attrNameLst>
+                                      </p:cBhvr>
+                                      <p:to>
+                                        <p:strVal val="visible"/>
+                                      </p:to>
+                                    </p:set>
+                                    <p:animEffect transition="in" filter="fade">
+                                      <p:cBhvr>
+                                        <p:cTn id="48" dur="500"/>
+                                        <p:tgtEl>
+                                          <p:spTgt spid="10"/>
+                                        </p:tgtEl>
+                                      </p:cBhvr>
+                                    </p:animEffect>
+                                  </p:childTnLst>
+                                </p:cTn>
+                              </p:par>
+                              <p:par>
+                                <p:cTn id="49" presetID="10" presetClass="entr" presetSubtype="0" fill="hold" nodeType="withEffect">
+                                  <p:stCondLst>
+                                    <p:cond delay="0"/>
+                                  </p:stCondLst>
+                                  <p:childTnLst>
+                                    <p:set>
+                                      <p:cBhvr>
+                                        <p:cTn id="50" dur="1" fill="hold">
+                                          <p:stCondLst>
+                                            <p:cond delay="0"/>
+                                          </p:stCondLst>
+                                        </p:cTn>
+                                        <p:tgtEl>
+                                          <p:spTgt spid="30"/>
+                                        </p:tgtEl>
+                                        <p:attrNameLst>
+                                          <p:attrName>style.visibility</p:attrName>
+                                        </p:attrNameLst>
+                                      </p:cBhvr>
+                                      <p:to>
+                                        <p:strVal val="visible"/>
+                                      </p:to>
+                                    </p:set>
+                                    <p:animEffect transition="in" filter="fade">
+                                      <p:cBhvr>
+                                        <p:cTn id="51" dur="500"/>
+                                        <p:tgtEl>
+                                          <p:spTgt spid="30"/>
+                                        </p:tgtEl>
+                                      </p:cBhvr>
+                                    </p:animEffect>
+                                  </p:childTnLst>
+                                </p:cTn>
+                              </p:par>
+                              <p:par>
+                                <p:cTn id="52" presetID="10" presetClass="entr" presetSubtype="0" fill="hold" grpId="0" nodeType="withEffect">
+                                  <p:stCondLst>
+                                    <p:cond delay="0"/>
+                                  </p:stCondLst>
+                                  <p:childTnLst>
+                                    <p:set>
+                                      <p:cBhvr>
+                                        <p:cTn id="53" dur="1" fill="hold">
+                                          <p:stCondLst>
+                                            <p:cond delay="0"/>
+                                          </p:stCondLst>
+                                        </p:cTn>
+                                        <p:tgtEl>
+                                          <p:spTgt spid="29"/>
+                                        </p:tgtEl>
+                                        <p:attrNameLst>
+                                          <p:attrName>style.visibility</p:attrName>
+                                        </p:attrNameLst>
+                                      </p:cBhvr>
+                                      <p:to>
+                                        <p:strVal val="visible"/>
+                                      </p:to>
+                                    </p:set>
+                                    <p:animEffect transition="in" filter="fade">
+                                      <p:cBhvr>
+                                        <p:cTn id="54" dur="500"/>
+                                        <p:tgtEl>
+                                          <p:spTgt spid="29"/>
+                                        </p:tgtEl>
+                                      </p:cBhvr>
+                                    </p:animEffect>
+                                  </p:childTnLst>
+                                </p:cTn>
+                              </p:par>
+                              <p:par>
+                                <p:cTn id="55" presetID="10" presetClass="entr" presetSubtype="0" fill="hold" nodeType="withEffect">
+                                  <p:stCondLst>
+                                    <p:cond delay="0"/>
+                                  </p:stCondLst>
+                                  <p:childTnLst>
+                                    <p:set>
+                                      <p:cBhvr>
+                                        <p:cTn id="56" dur="1" fill="hold">
+                                          <p:stCondLst>
+                                            <p:cond delay="0"/>
+                                          </p:stCondLst>
+                                        </p:cTn>
+                                        <p:tgtEl>
+                                          <p:spTgt spid="28678"/>
+                                        </p:tgtEl>
+                                        <p:attrNameLst>
+                                          <p:attrName>style.visibility</p:attrName>
+                                        </p:attrNameLst>
+                                      </p:cBhvr>
+                                      <p:to>
+                                        <p:strVal val="visible"/>
+                                      </p:to>
+                                    </p:set>
+                                    <p:animEffect transition="in" filter="fade">
+                                      <p:cBhvr>
+                                        <p:cTn id="57" dur="500"/>
+                                        <p:tgtEl>
+                                          <p:spTgt spid="28678"/>
+                                        </p:tgtEl>
+                                      </p:cBhvr>
+                                    </p:animEffect>
+                                  </p:childTnLst>
+                                </p:cTn>
+                              </p:par>
+                              <p:par>
+                                <p:cTn id="58" presetID="10" presetClass="entr" presetSubtype="0" fill="hold" grpId="0" nodeType="withEffect">
+                                  <p:stCondLst>
+                                    <p:cond delay="0"/>
+                                  </p:stCondLst>
+                                  <p:childTnLst>
+                                    <p:set>
+                                      <p:cBhvr>
+                                        <p:cTn id="59" dur="1" fill="hold">
                                           <p:stCondLst>
                                             <p:cond delay="0"/>
                                           </p:stCondLst>
@@ -23121,9 +25496,44 @@
                                     </p:set>
                                     <p:animEffect transition="in" filter="fade">
                                       <p:cBhvr>
-                                        <p:cTn id="17" dur="500"/>
+                                        <p:cTn id="60" dur="500"/>
                                         <p:tgtEl>
                                           <p:spTgt spid="74"/>
+                                        </p:tgtEl>
+                                      </p:cBhvr>
+                                    </p:animEffect>
+                                  </p:childTnLst>
+                                </p:cTn>
+                              </p:par>
+                              <p:par>
+                                <p:cTn id="61" presetID="10" presetClass="entr" presetSubtype="0" fill="hold" grpId="0" nodeType="withEffect">
+                                  <p:stCondLst>
+                                    <p:cond delay="0"/>
+                                  </p:stCondLst>
+                                  <p:childTnLst>
+                                    <p:set>
+                                      <p:cBhvr>
+                                        <p:cTn id="62" dur="1" fill="hold">
+                                          <p:stCondLst>
+                                            <p:cond delay="0"/>
+                                          </p:stCondLst>
+                                        </p:cTn>
+                                        <p:tgtEl>
+                                          <p:spTgt spid="36"/>
+                                        </p:tgtEl>
+                                        <p:attrNameLst>
+                                          <p:attrName>style.visibility</p:attrName>
+                                        </p:attrNameLst>
+                                      </p:cBhvr>
+                                      <p:to>
+                                        <p:strVal val="visible"/>
+                                      </p:to>
+                                    </p:set>
+                                    <p:animEffect transition="in" filter="fade">
+                                      <p:cBhvr>
+                                        <p:cTn id="63" dur="500"/>
+                                        <p:tgtEl>
+                                          <p:spTgt spid="36"/>
                                         </p:tgtEl>
                                       </p:cBhvr>
                                     </p:animEffect>
@@ -23137,32 +25547,32 @@
                     </p:cTn>
                   </p:par>
                   <p:par>
-                    <p:cTn id="18" fill="hold">
+                    <p:cTn id="64" fill="hold">
                       <p:stCondLst>
                         <p:cond delay="indefinite"/>
                       </p:stCondLst>
                       <p:childTnLst>
                         <p:par>
-                          <p:cTn id="19" fill="hold">
+                          <p:cTn id="65" fill="hold">
                             <p:stCondLst>
                               <p:cond delay="0"/>
                             </p:stCondLst>
                             <p:childTnLst>
                               <p:par>
-                                <p:cTn id="20" presetID="10" presetClass="entr" presetSubtype="0" fill="hold" grpId="0" nodeType="clickEffect">
+                                <p:cTn id="66" presetID="10" presetClass="entr" presetSubtype="0" fill="hold" nodeType="clickEffect">
                                   <p:stCondLst>
                                     <p:cond delay="0"/>
                                   </p:stCondLst>
                                   <p:childTnLst>
                                     <p:set>
                                       <p:cBhvr>
-                                        <p:cTn id="21" dur="1" fill="hold">
+                                        <p:cTn id="67" dur="1" fill="hold">
                                           <p:stCondLst>
                                             <p:cond delay="0"/>
                                           </p:stCondLst>
                                         </p:cTn>
                                         <p:tgtEl>
-                                          <p:spTgt spid="81"/>
+                                          <p:spTgt spid="32"/>
                                         </p:tgtEl>
                                         <p:attrNameLst>
                                           <p:attrName>style.visibility</p:attrName>
@@ -23174,9 +25584,79 @@
                                     </p:set>
                                     <p:animEffect transition="in" filter="fade">
                                       <p:cBhvr>
-                                        <p:cTn id="22" dur="500"/>
+                                        <p:cTn id="68" dur="500"/>
                                         <p:tgtEl>
-                                          <p:spTgt spid="81"/>
+                                          <p:spTgt spid="32"/>
+                                        </p:tgtEl>
+                                      </p:cBhvr>
+                                    </p:animEffect>
+                                  </p:childTnLst>
+                                </p:cTn>
+                              </p:par>
+                              <p:par>
+                                <p:cTn id="69" presetID="10" presetClass="entr" presetSubtype="0" fill="hold" nodeType="withEffect">
+                                  <p:stCondLst>
+                                    <p:cond delay="0"/>
+                                  </p:stCondLst>
+                                  <p:childTnLst>
+                                    <p:set>
+                                      <p:cBhvr>
+                                        <p:cTn id="70" dur="1" fill="hold">
+                                          <p:stCondLst>
+                                            <p:cond delay="0"/>
+                                          </p:stCondLst>
+                                        </p:cTn>
+                                        <p:tgtEl>
+                                          <p:spTgt spid="15"/>
+                                        </p:tgtEl>
+                                        <p:attrNameLst>
+                                          <p:attrName>style.visibility</p:attrName>
+                                        </p:attrNameLst>
+                                      </p:cBhvr>
+                                      <p:to>
+                                        <p:strVal val="visible"/>
+                                      </p:to>
+                                    </p:set>
+                                    <p:animEffect transition="in" filter="fade">
+                                      <p:cBhvr>
+                                        <p:cTn id="71" dur="500"/>
+                                        <p:tgtEl>
+                                          <p:spTgt spid="15"/>
+                                        </p:tgtEl>
+                                      </p:cBhvr>
+                                    </p:animEffect>
+                                  </p:childTnLst>
+                                </p:cTn>
+                              </p:par>
+                              <p:par>
+                                <p:cTn id="72" presetID="10" presetClass="entr" presetSubtype="0" fill="hold" grpId="0" nodeType="withEffect">
+                                  <p:stCondLst>
+                                    <p:cond delay="0"/>
+                                  </p:stCondLst>
+                                  <p:childTnLst>
+                                    <p:set>
+                                      <p:cBhvr>
+                                        <p:cTn id="73" dur="1" fill="hold">
+                                          <p:stCondLst>
+                                            <p:cond delay="0"/>
+                                          </p:stCondLst>
+                                        </p:cTn>
+                                        <p:tgtEl>
+                                          <p:spTgt spid="9"/>
+                                        </p:tgtEl>
+                                        <p:attrNameLst>
+                                          <p:attrName>style.visibility</p:attrName>
+                                        </p:attrNameLst>
+                                      </p:cBhvr>
+                                      <p:to>
+                                        <p:strVal val="visible"/>
+                                      </p:to>
+                                    </p:set>
+                                    <p:animEffect transition="in" filter="fade">
+                                      <p:cBhvr>
+                                        <p:cTn id="74" dur="500"/>
+                                        <p:tgtEl>
+                                          <p:spTgt spid="9"/>
                                         </p:tgtEl>
                                       </p:cBhvr>
                                     </p:animEffect>
@@ -23190,26 +25670,201 @@
                     </p:cTn>
                   </p:par>
                   <p:par>
-                    <p:cTn id="23" fill="hold">
+                    <p:cTn id="75" fill="hold">
                       <p:stCondLst>
                         <p:cond delay="indefinite"/>
                       </p:stCondLst>
                       <p:childTnLst>
                         <p:par>
-                          <p:cTn id="24" fill="hold">
+                          <p:cTn id="76" fill="hold">
                             <p:stCondLst>
                               <p:cond delay="0"/>
                             </p:stCondLst>
                             <p:childTnLst>
                               <p:par>
-                                <p:cTn id="25" presetID="10" presetClass="entr" presetSubtype="0" fill="hold" grpId="0" nodeType="clickEffect">
+                                <p:cTn id="77" presetID="10" presetClass="entr" presetSubtype="0" fill="hold" grpId="0" nodeType="clickEffect">
                                   <p:stCondLst>
                                     <p:cond delay="0"/>
                                   </p:stCondLst>
                                   <p:childTnLst>
                                     <p:set>
                                       <p:cBhvr>
-                                        <p:cTn id="26" dur="1" fill="hold">
+                                        <p:cTn id="78" dur="1" fill="hold">
+                                          <p:stCondLst>
+                                            <p:cond delay="0"/>
+                                          </p:stCondLst>
+                                        </p:cTn>
+                                        <p:tgtEl>
+                                          <p:spTgt spid="33"/>
+                                        </p:tgtEl>
+                                        <p:attrNameLst>
+                                          <p:attrName>style.visibility</p:attrName>
+                                        </p:attrNameLst>
+                                      </p:cBhvr>
+                                      <p:to>
+                                        <p:strVal val="visible"/>
+                                      </p:to>
+                                    </p:set>
+                                    <p:animEffect transition="in" filter="fade">
+                                      <p:cBhvr>
+                                        <p:cTn id="79" dur="500"/>
+                                        <p:tgtEl>
+                                          <p:spTgt spid="33"/>
+                                        </p:tgtEl>
+                                      </p:cBhvr>
+                                    </p:animEffect>
+                                  </p:childTnLst>
+                                </p:cTn>
+                              </p:par>
+                              <p:par>
+                                <p:cTn id="80" presetID="10" presetClass="entr" presetSubtype="0" fill="hold" nodeType="withEffect">
+                                  <p:stCondLst>
+                                    <p:cond delay="0"/>
+                                  </p:stCondLst>
+                                  <p:childTnLst>
+                                    <p:set>
+                                      <p:cBhvr>
+                                        <p:cTn id="81" dur="1" fill="hold">
+                                          <p:stCondLst>
+                                            <p:cond delay="0"/>
+                                          </p:stCondLst>
+                                        </p:cTn>
+                                        <p:tgtEl>
+                                          <p:spTgt spid="11"/>
+                                        </p:tgtEl>
+                                        <p:attrNameLst>
+                                          <p:attrName>style.visibility</p:attrName>
+                                        </p:attrNameLst>
+                                      </p:cBhvr>
+                                      <p:to>
+                                        <p:strVal val="visible"/>
+                                      </p:to>
+                                    </p:set>
+                                    <p:animEffect transition="in" filter="fade">
+                                      <p:cBhvr>
+                                        <p:cTn id="82" dur="500"/>
+                                        <p:tgtEl>
+                                          <p:spTgt spid="11"/>
+                                        </p:tgtEl>
+                                      </p:cBhvr>
+                                    </p:animEffect>
+                                  </p:childTnLst>
+                                </p:cTn>
+                              </p:par>
+                              <p:par>
+                                <p:cTn id="83" presetID="10" presetClass="entr" presetSubtype="0" fill="hold" nodeType="withEffect">
+                                  <p:stCondLst>
+                                    <p:cond delay="0"/>
+                                  </p:stCondLst>
+                                  <p:childTnLst>
+                                    <p:set>
+                                      <p:cBhvr>
+                                        <p:cTn id="84" dur="1" fill="hold">
+                                          <p:stCondLst>
+                                            <p:cond delay="0"/>
+                                          </p:stCondLst>
+                                        </p:cTn>
+                                        <p:tgtEl>
+                                          <p:spTgt spid="34"/>
+                                        </p:tgtEl>
+                                        <p:attrNameLst>
+                                          <p:attrName>style.visibility</p:attrName>
+                                        </p:attrNameLst>
+                                      </p:cBhvr>
+                                      <p:to>
+                                        <p:strVal val="visible"/>
+                                      </p:to>
+                                    </p:set>
+                                    <p:animEffect transition="in" filter="fade">
+                                      <p:cBhvr>
+                                        <p:cTn id="85" dur="500"/>
+                                        <p:tgtEl>
+                                          <p:spTgt spid="34"/>
+                                        </p:tgtEl>
+                                      </p:cBhvr>
+                                    </p:animEffect>
+                                  </p:childTnLst>
+                                </p:cTn>
+                              </p:par>
+                              <p:par>
+                                <p:cTn id="86" presetID="10" presetClass="entr" presetSubtype="0" fill="hold" grpId="0" nodeType="withEffect">
+                                  <p:stCondLst>
+                                    <p:cond delay="0"/>
+                                  </p:stCondLst>
+                                  <p:childTnLst>
+                                    <p:set>
+                                      <p:cBhvr>
+                                        <p:cTn id="87" dur="1" fill="hold">
+                                          <p:stCondLst>
+                                            <p:cond delay="0"/>
+                                          </p:stCondLst>
+                                        </p:cTn>
+                                        <p:tgtEl>
+                                          <p:spTgt spid="38"/>
+                                        </p:tgtEl>
+                                        <p:attrNameLst>
+                                          <p:attrName>style.visibility</p:attrName>
+                                        </p:attrNameLst>
+                                      </p:cBhvr>
+                                      <p:to>
+                                        <p:strVal val="visible"/>
+                                      </p:to>
+                                    </p:set>
+                                    <p:animEffect transition="in" filter="fade">
+                                      <p:cBhvr>
+                                        <p:cTn id="88" dur="500"/>
+                                        <p:tgtEl>
+                                          <p:spTgt spid="38"/>
+                                        </p:tgtEl>
+                                      </p:cBhvr>
+                                    </p:animEffect>
+                                  </p:childTnLst>
+                                </p:cTn>
+                              </p:par>
+                              <p:par>
+                                <p:cTn id="89" presetID="10" presetClass="entr" presetSubtype="0" fill="hold" grpId="0" nodeType="withEffect">
+                                  <p:stCondLst>
+                                    <p:cond delay="0"/>
+                                  </p:stCondLst>
+                                  <p:childTnLst>
+                                    <p:set>
+                                      <p:cBhvr>
+                                        <p:cTn id="90" dur="1" fill="hold">
+                                          <p:stCondLst>
+                                            <p:cond delay="0"/>
+                                          </p:stCondLst>
+                                        </p:cTn>
+                                        <p:tgtEl>
+                                          <p:spTgt spid="22"/>
+                                        </p:tgtEl>
+                                        <p:attrNameLst>
+                                          <p:attrName>style.visibility</p:attrName>
+                                        </p:attrNameLst>
+                                      </p:cBhvr>
+                                      <p:to>
+                                        <p:strVal val="visible"/>
+                                      </p:to>
+                                    </p:set>
+                                    <p:animEffect transition="in" filter="fade">
+                                      <p:cBhvr>
+                                        <p:cTn id="91" dur="500"/>
+                                        <p:tgtEl>
+                                          <p:spTgt spid="22"/>
+                                        </p:tgtEl>
+                                      </p:cBhvr>
+                                    </p:animEffect>
+                                  </p:childTnLst>
+                                </p:cTn>
+                              </p:par>
+                              <p:par>
+                                <p:cTn id="92" presetID="10" presetClass="entr" presetSubtype="0" fill="hold" grpId="0" nodeType="withEffect">
+                                  <p:stCondLst>
+                                    <p:cond delay="0"/>
+                                  </p:stCondLst>
+                                  <p:childTnLst>
+                                    <p:set>
+                                      <p:cBhvr>
+                                        <p:cTn id="93" dur="1" fill="hold">
                                           <p:stCondLst>
                                             <p:cond delay="0"/>
                                           </p:stCondLst>
@@ -23227,9 +25882,79 @@
                                     </p:set>
                                     <p:animEffect transition="in" filter="fade">
                                       <p:cBhvr>
-                                        <p:cTn id="27" dur="500"/>
+                                        <p:cTn id="94" dur="500"/>
                                         <p:tgtEl>
                                           <p:spTgt spid="82"/>
+                                        </p:tgtEl>
+                                      </p:cBhvr>
+                                    </p:animEffect>
+                                  </p:childTnLst>
+                                </p:cTn>
+                              </p:par>
+                              <p:par>
+                                <p:cTn id="95" presetID="10" presetClass="entr" presetSubtype="0" fill="hold" nodeType="withEffect">
+                                  <p:stCondLst>
+                                    <p:cond delay="0"/>
+                                  </p:stCondLst>
+                                  <p:childTnLst>
+                                    <p:set>
+                                      <p:cBhvr>
+                                        <p:cTn id="96" dur="1" fill="hold">
+                                          <p:stCondLst>
+                                            <p:cond delay="0"/>
+                                          </p:stCondLst>
+                                        </p:cTn>
+                                        <p:tgtEl>
+                                          <p:spTgt spid="19"/>
+                                        </p:tgtEl>
+                                        <p:attrNameLst>
+                                          <p:attrName>style.visibility</p:attrName>
+                                        </p:attrNameLst>
+                                      </p:cBhvr>
+                                      <p:to>
+                                        <p:strVal val="visible"/>
+                                      </p:to>
+                                    </p:set>
+                                    <p:animEffect transition="in" filter="fade">
+                                      <p:cBhvr>
+                                        <p:cTn id="97" dur="500"/>
+                                        <p:tgtEl>
+                                          <p:spTgt spid="19"/>
+                                        </p:tgtEl>
+                                      </p:cBhvr>
+                                    </p:animEffect>
+                                  </p:childTnLst>
+                                </p:cTn>
+                              </p:par>
+                              <p:par>
+                                <p:cTn id="98" presetID="10" presetClass="entr" presetSubtype="0" fill="hold" nodeType="withEffect">
+                                  <p:stCondLst>
+                                    <p:cond delay="0"/>
+                                  </p:stCondLst>
+                                  <p:childTnLst>
+                                    <p:set>
+                                      <p:cBhvr>
+                                        <p:cTn id="99" dur="1" fill="hold">
+                                          <p:stCondLst>
+                                            <p:cond delay="0"/>
+                                          </p:stCondLst>
+                                        </p:cTn>
+                                        <p:tgtEl>
+                                          <p:spTgt spid="28674"/>
+                                        </p:tgtEl>
+                                        <p:attrNameLst>
+                                          <p:attrName>style.visibility</p:attrName>
+                                        </p:attrNameLst>
+                                      </p:cBhvr>
+                                      <p:to>
+                                        <p:strVal val="visible"/>
+                                      </p:to>
+                                    </p:set>
+                                    <p:animEffect transition="in" filter="fade">
+                                      <p:cBhvr>
+                                        <p:cTn id="100" dur="500"/>
+                                        <p:tgtEl>
+                                          <p:spTgt spid="28674"/>
                                         </p:tgtEl>
                                       </p:cBhvr>
                                     </p:animEffect>
@@ -23264,812 +25989,22 @@
       </p:par>
     </p:tnLst>
     <p:bldLst>
-      <p:bldP spid="71" grpId="0" animBg="1"/>
+      <p:bldP spid="36" grpId="0" animBg="1"/>
+      <p:bldP spid="38" grpId="0" animBg="1"/>
+      <p:bldP spid="9" grpId="0"/>
+      <p:bldP spid="10" grpId="0"/>
+      <p:bldP spid="22" grpId="0"/>
+      <p:bldP spid="37" grpId="0"/>
+      <p:bldP spid="41" grpId="0"/>
+      <p:bldP spid="47" grpId="0"/>
+      <p:bldP spid="53" grpId="0"/>
+      <p:bldP spid="54" grpId="0" animBg="1"/>
       <p:bldP spid="72" grpId="0" animBg="1"/>
       <p:bldP spid="74" grpId="0" animBg="1"/>
       <p:bldP spid="81" grpId="0" animBg="1"/>
       <p:bldP spid="82" grpId="0" animBg="1"/>
-    </p:bldLst>
-  </p:timing>
-</p:sld>
-</file>
-
-<file path=ppt/slides/slide9.xml><?xml version="1.0" encoding="utf-8"?>
-<p:sld xmlns:a="http://schemas.openxmlformats.org/drawingml/2006/main" xmlns:r="http://schemas.openxmlformats.org/officeDocument/2006/relationships" xmlns:p="http://schemas.openxmlformats.org/presentationml/2006/main">
-  <p:cSld>
-    <p:spTree>
-      <p:nvGrpSpPr>
-        <p:cNvPr id="1" name=""/>
-        <p:cNvGrpSpPr/>
-        <p:nvPr/>
-      </p:nvGrpSpPr>
-      <p:grpSpPr>
-        <a:xfrm>
-          <a:off x="0" y="0"/>
-          <a:ext cx="0" cy="0"/>
-          <a:chOff x="0" y="0"/>
-          <a:chExt cx="0" cy="0"/>
-        </a:xfrm>
-      </p:grpSpPr>
-      <p:pic>
-        <p:nvPicPr>
-          <p:cNvPr id="14338" name="Picture 8"/>
-          <p:cNvPicPr>
-            <a:picLocks noChangeAspect="1" noChangeArrowheads="1"/>
-          </p:cNvPicPr>
-          <p:nvPr/>
-        </p:nvPicPr>
-        <p:blipFill>
-          <a:blip r:embed="rId2">
-            <a:extLst>
-              <a:ext uri="{28A0092B-C50C-407E-A947-70E740481C1C}">
-                <a14:useLocalDpi xmlns:a14="http://schemas.microsoft.com/office/drawing/2010/main" val="0"/>
-              </a:ext>
-            </a:extLst>
-          </a:blip>
-          <a:srcRect/>
-          <a:stretch>
-            <a:fillRect/>
-          </a:stretch>
-        </p:blipFill>
-        <p:spPr bwMode="auto">
-          <a:xfrm>
-            <a:off x="225425" y="1557338"/>
-            <a:ext cx="7524750" cy="4624387"/>
-          </a:xfrm>
-          <a:prstGeom prst="rect">
-            <a:avLst/>
-          </a:prstGeom>
-          <a:noFill/>
-          <a:ln>
-            <a:noFill/>
-          </a:ln>
-          <a:extLst>
-            <a:ext uri="{909E8E84-426E-40DD-AFC4-6F175D3DCCD1}">
-              <a14:hiddenFill xmlns:a14="http://schemas.microsoft.com/office/drawing/2010/main">
-                <a:solidFill>
-                  <a:schemeClr val="accent1"/>
-                </a:solidFill>
-              </a14:hiddenFill>
-            </a:ext>
-            <a:ext uri="{91240B29-F687-4F45-9708-019B960494DF}">
-              <a14:hiddenLine xmlns:a14="http://schemas.microsoft.com/office/drawing/2010/main" w="9525" algn="ctr">
-                <a:solidFill>
-                  <a:schemeClr val="tx1"/>
-                </a:solidFill>
-                <a:miter lim="800000"/>
-                <a:headEnd/>
-                <a:tailEnd/>
-              </a14:hiddenLine>
-            </a:ext>
-          </a:extLst>
-        </p:spPr>
-      </p:pic>
-      <p:sp>
-        <p:nvSpPr>
-          <p:cNvPr id="14339" name="Titel 1"/>
-          <p:cNvSpPr>
-            <a:spLocks noGrp="1"/>
-          </p:cNvSpPr>
-          <p:nvPr>
-            <p:ph type="title"/>
-          </p:nvPr>
-        </p:nvSpPr>
-        <p:spPr/>
-        <p:txBody>
-          <a:bodyPr/>
-          <a:lstStyle/>
-          <a:p>
-            <a:r>
-              <a:rPr lang="de-DE" altLang="de-DE" smtClean="0">
-                <a:ea typeface="ＭＳ Ｐゴシック" pitchFamily="34" charset="-128"/>
-              </a:rPr>
-              <a:t>Wie wichtig sind C/C++?</a:t>
-            </a:r>
-          </a:p>
-        </p:txBody>
-      </p:sp>
-      <p:sp>
-        <p:nvSpPr>
-          <p:cNvPr id="14340" name="Rectangle 45"/>
-          <p:cNvSpPr>
-            <a:spLocks noChangeArrowheads="1"/>
-          </p:cNvSpPr>
-          <p:nvPr/>
-        </p:nvSpPr>
-        <p:spPr bwMode="auto">
-          <a:xfrm>
-            <a:off x="2001838" y="1419225"/>
-            <a:ext cx="9144000" cy="0"/>
-          </a:xfrm>
-          <a:prstGeom prst="rect">
-            <a:avLst/>
-          </a:prstGeom>
-          <a:noFill/>
-          <a:ln>
-            <a:noFill/>
-          </a:ln>
-          <a:effectLst/>
-          <a:extLst>
-            <a:ext uri="{909E8E84-426E-40DD-AFC4-6F175D3DCCD1}">
-              <a14:hiddenFill xmlns:a14="http://schemas.microsoft.com/office/drawing/2010/main">
-                <a:solidFill>
-                  <a:schemeClr val="accent1"/>
-                </a:solidFill>
-              </a14:hiddenFill>
-            </a:ext>
-            <a:ext uri="{91240B29-F687-4F45-9708-019B960494DF}">
-              <a14:hiddenLine xmlns:a14="http://schemas.microsoft.com/office/drawing/2010/main" w="9525" algn="ctr">
-                <a:solidFill>
-                  <a:schemeClr val="tx1"/>
-                </a:solidFill>
-                <a:miter lim="800000"/>
-                <a:headEnd/>
-                <a:tailEnd/>
-              </a14:hiddenLine>
-            </a:ext>
-            <a:ext uri="{AF507438-7753-43E0-B8FC-AC1667EBCBE1}">
-              <a14:hiddenEffects xmlns:a14="http://schemas.microsoft.com/office/drawing/2010/main">
-                <a:effectLst>
-                  <a:outerShdw dist="35921" dir="2700000" algn="ctr" rotWithShape="0">
-                    <a:schemeClr val="bg2"/>
-                  </a:outerShdw>
-                </a:effectLst>
-              </a14:hiddenEffects>
-            </a:ext>
-          </a:extLst>
-        </p:spPr>
-        <p:txBody>
-          <a:bodyPr wrap="none" anchor="ctr">
-            <a:spAutoFit/>
-          </a:bodyPr>
-          <a:lstStyle>
-            <a:lvl1pPr algn="l" eaLnBrk="0" hangingPunct="0">
-              <a:spcBef>
-                <a:spcPct val="20000"/>
-              </a:spcBef>
-              <a:buFont typeface="Wingdings" pitchFamily="2" charset="2"/>
-              <a:defRPr sz="2000">
-                <a:solidFill>
-                  <a:schemeClr val="tx1"/>
-                </a:solidFill>
-                <a:latin typeface="Arial" charset="0"/>
-                <a:ea typeface="ＭＳ Ｐゴシック" pitchFamily="34" charset="-128"/>
-              </a:defRPr>
-            </a:lvl1pPr>
-            <a:lvl2pPr marL="742950" indent="-285750" algn="l" eaLnBrk="0" hangingPunct="0">
-              <a:spcBef>
-                <a:spcPct val="20000"/>
-              </a:spcBef>
-              <a:buFont typeface="Wingdings" pitchFamily="2" charset="2"/>
-              <a:buChar char="§"/>
-              <a:defRPr>
-                <a:solidFill>
-                  <a:schemeClr val="tx1"/>
-                </a:solidFill>
-                <a:latin typeface="Arial" charset="0"/>
-                <a:ea typeface="ＭＳ Ｐゴシック" pitchFamily="34" charset="-128"/>
-              </a:defRPr>
-            </a:lvl2pPr>
-            <a:lvl3pPr marL="1143000" indent="-228600" algn="l" eaLnBrk="0" hangingPunct="0">
-              <a:spcBef>
-                <a:spcPct val="20000"/>
-              </a:spcBef>
-              <a:buFont typeface="Wingdings" pitchFamily="2" charset="2"/>
-              <a:buChar char="§"/>
-              <a:defRPr>
-                <a:solidFill>
-                  <a:schemeClr val="tx1"/>
-                </a:solidFill>
-                <a:latin typeface="Arial" charset="0"/>
-                <a:ea typeface="ＭＳ Ｐゴシック" pitchFamily="34" charset="-128"/>
-              </a:defRPr>
-            </a:lvl3pPr>
-            <a:lvl4pPr marL="1600200" indent="-228600" algn="l" eaLnBrk="0" hangingPunct="0">
-              <a:spcBef>
-                <a:spcPct val="20000"/>
-              </a:spcBef>
-              <a:buFont typeface="Wingdings" pitchFamily="2" charset="2"/>
-              <a:buChar char="§"/>
-              <a:defRPr sz="1600">
-                <a:solidFill>
-                  <a:schemeClr val="tx1"/>
-                </a:solidFill>
-                <a:latin typeface="Arial" charset="0"/>
-                <a:ea typeface="ＭＳ Ｐゴシック" pitchFamily="34" charset="-128"/>
-              </a:defRPr>
-            </a:lvl4pPr>
-            <a:lvl5pPr marL="2057400" indent="-228600" algn="l" eaLnBrk="0" hangingPunct="0">
-              <a:spcBef>
-                <a:spcPct val="20000"/>
-              </a:spcBef>
-              <a:buFont typeface="Wingdings" pitchFamily="2" charset="2"/>
-              <a:buChar char="§"/>
-              <a:defRPr sz="1600">
-                <a:solidFill>
-                  <a:schemeClr val="tx1"/>
-                </a:solidFill>
-                <a:latin typeface="Arial" charset="0"/>
-                <a:ea typeface="ＭＳ Ｐゴシック" pitchFamily="34" charset="-128"/>
-              </a:defRPr>
-            </a:lvl5pPr>
-            <a:lvl6pPr marL="2514600" indent="-228600" defTabSz="449263" eaLnBrk="0" fontAlgn="base" hangingPunct="0">
-              <a:spcBef>
-                <a:spcPct val="20000"/>
-              </a:spcBef>
-              <a:spcAft>
-                <a:spcPct val="0"/>
-              </a:spcAft>
-              <a:buFont typeface="Wingdings" pitchFamily="2" charset="2"/>
-              <a:buChar char="§"/>
-              <a:defRPr sz="1600">
-                <a:solidFill>
-                  <a:schemeClr val="tx1"/>
-                </a:solidFill>
-                <a:latin typeface="Arial" charset="0"/>
-                <a:ea typeface="ＭＳ Ｐゴシック" pitchFamily="34" charset="-128"/>
-              </a:defRPr>
-            </a:lvl6pPr>
-            <a:lvl7pPr marL="2971800" indent="-228600" defTabSz="449263" eaLnBrk="0" fontAlgn="base" hangingPunct="0">
-              <a:spcBef>
-                <a:spcPct val="20000"/>
-              </a:spcBef>
-              <a:spcAft>
-                <a:spcPct val="0"/>
-              </a:spcAft>
-              <a:buFont typeface="Wingdings" pitchFamily="2" charset="2"/>
-              <a:buChar char="§"/>
-              <a:defRPr sz="1600">
-                <a:solidFill>
-                  <a:schemeClr val="tx1"/>
-                </a:solidFill>
-                <a:latin typeface="Arial" charset="0"/>
-                <a:ea typeface="ＭＳ Ｐゴシック" pitchFamily="34" charset="-128"/>
-              </a:defRPr>
-            </a:lvl7pPr>
-            <a:lvl8pPr marL="3429000" indent="-228600" defTabSz="449263" eaLnBrk="0" fontAlgn="base" hangingPunct="0">
-              <a:spcBef>
-                <a:spcPct val="20000"/>
-              </a:spcBef>
-              <a:spcAft>
-                <a:spcPct val="0"/>
-              </a:spcAft>
-              <a:buFont typeface="Wingdings" pitchFamily="2" charset="2"/>
-              <a:buChar char="§"/>
-              <a:defRPr sz="1600">
-                <a:solidFill>
-                  <a:schemeClr val="tx1"/>
-                </a:solidFill>
-                <a:latin typeface="Arial" charset="0"/>
-                <a:ea typeface="ＭＳ Ｐゴシック" pitchFamily="34" charset="-128"/>
-              </a:defRPr>
-            </a:lvl8pPr>
-            <a:lvl9pPr marL="3886200" indent="-228600" defTabSz="449263" eaLnBrk="0" fontAlgn="base" hangingPunct="0">
-              <a:spcBef>
-                <a:spcPct val="20000"/>
-              </a:spcBef>
-              <a:spcAft>
-                <a:spcPct val="0"/>
-              </a:spcAft>
-              <a:buFont typeface="Wingdings" pitchFamily="2" charset="2"/>
-              <a:buChar char="§"/>
-              <a:defRPr sz="1600">
-                <a:solidFill>
-                  <a:schemeClr val="tx1"/>
-                </a:solidFill>
-                <a:latin typeface="Arial" charset="0"/>
-                <a:ea typeface="ＭＳ Ｐゴシック" pitchFamily="34" charset="-128"/>
-              </a:defRPr>
-            </a:lvl9pPr>
-          </a:lstStyle>
-          <a:p>
-            <a:pPr algn="ctr">
-              <a:spcBef>
-                <a:spcPct val="0"/>
-              </a:spcBef>
-              <a:buSzTx/>
-              <a:buFont typeface="Arial" charset="0"/>
-              <a:buNone/>
-            </a:pPr>
-            <a:r>
-              <a:rPr lang="en-US" altLang="de-DE" sz="1800"/>
-              <a:t/>
-            </a:r>
-            <a:br>
-              <a:rPr lang="en-US" altLang="de-DE" sz="1800"/>
-            </a:br>
-            <a:endParaRPr lang="en-US" altLang="de-DE" sz="1800"/>
-          </a:p>
-        </p:txBody>
-      </p:sp>
-      <p:sp>
-        <p:nvSpPr>
-          <p:cNvPr id="50" name="Abgerundete rechteckige Legende 49"/>
-          <p:cNvSpPr/>
-          <p:nvPr/>
-        </p:nvSpPr>
-        <p:spPr>
-          <a:xfrm>
-            <a:off x="5940425" y="1989138"/>
-            <a:ext cx="2016125" cy="720725"/>
-          </a:xfrm>
-          <a:prstGeom prst="wedgeRoundRectCallout">
-            <a:avLst>
-              <a:gd name="adj1" fmla="val -82398"/>
-              <a:gd name="adj2" fmla="val 171812"/>
-              <a:gd name="adj3" fmla="val 16667"/>
-            </a:avLst>
-          </a:prstGeom>
-          <a:solidFill>
-            <a:schemeClr val="tx1"/>
-          </a:solidFill>
-          <a:ln/>
-        </p:spPr>
-        <p:style>
-          <a:lnRef idx="1">
-            <a:schemeClr val="dk1"/>
-          </a:lnRef>
-          <a:fillRef idx="3">
-            <a:schemeClr val="dk1"/>
-          </a:fillRef>
-          <a:effectRef idx="2">
-            <a:schemeClr val="dk1"/>
-          </a:effectRef>
-          <a:fontRef idx="minor">
-            <a:schemeClr val="lt1"/>
-          </a:fontRef>
-        </p:style>
-        <p:txBody>
-          <a:bodyPr anchor="ctr"/>
-          <a:lstStyle/>
-          <a:p>
-            <a:pPr>
-              <a:defRPr/>
-            </a:pPr>
-            <a:r>
-              <a:rPr lang="de-DE" dirty="0">
-                <a:solidFill>
-                  <a:schemeClr val="bg1"/>
-                </a:solidFill>
-              </a:rPr>
-              <a:t>C war und ist sehr beliebt.</a:t>
-            </a:r>
-          </a:p>
-        </p:txBody>
-      </p:sp>
-      <p:sp>
-        <p:nvSpPr>
-          <p:cNvPr id="14342" name="Rechteck 4"/>
-          <p:cNvSpPr>
-            <a:spLocks noChangeArrowheads="1"/>
-          </p:cNvSpPr>
-          <p:nvPr/>
-        </p:nvSpPr>
-        <p:spPr bwMode="auto">
-          <a:xfrm>
-            <a:off x="4067175" y="6219825"/>
-            <a:ext cx="4572000" cy="234950"/>
-          </a:xfrm>
-          <a:prstGeom prst="rect">
-            <a:avLst/>
-          </a:prstGeom>
-          <a:noFill/>
-          <a:ln>
-            <a:noFill/>
-          </a:ln>
-          <a:extLst>
-            <a:ext uri="{909E8E84-426E-40DD-AFC4-6F175D3DCCD1}">
-              <a14:hiddenFill xmlns:a14="http://schemas.microsoft.com/office/drawing/2010/main">
-                <a:solidFill>
-                  <a:srgbClr val="FFFFFF"/>
-                </a:solidFill>
-              </a14:hiddenFill>
-            </a:ext>
-            <a:ext uri="{91240B29-F687-4F45-9708-019B960494DF}">
-              <a14:hiddenLine xmlns:a14="http://schemas.microsoft.com/office/drawing/2010/main" w="9525">
-                <a:solidFill>
-                  <a:srgbClr val="000000"/>
-                </a:solidFill>
-                <a:miter lim="800000"/>
-                <a:headEnd/>
-                <a:tailEnd/>
-              </a14:hiddenLine>
-            </a:ext>
-          </a:extLst>
-        </p:spPr>
-        <p:txBody>
-          <a:bodyPr>
-            <a:spAutoFit/>
-          </a:bodyPr>
-          <a:lstStyle>
-            <a:lvl1pPr algn="l" eaLnBrk="0" hangingPunct="0">
-              <a:spcBef>
-                <a:spcPct val="20000"/>
-              </a:spcBef>
-              <a:buFont typeface="Wingdings" pitchFamily="2" charset="2"/>
-              <a:defRPr sz="2000">
-                <a:solidFill>
-                  <a:schemeClr val="tx1"/>
-                </a:solidFill>
-                <a:latin typeface="Arial" charset="0"/>
-                <a:ea typeface="ＭＳ Ｐゴシック" pitchFamily="34" charset="-128"/>
-              </a:defRPr>
-            </a:lvl1pPr>
-            <a:lvl2pPr marL="742950" indent="-285750" algn="l" eaLnBrk="0" hangingPunct="0">
-              <a:spcBef>
-                <a:spcPct val="20000"/>
-              </a:spcBef>
-              <a:buFont typeface="Wingdings" pitchFamily="2" charset="2"/>
-              <a:buChar char="§"/>
-              <a:defRPr>
-                <a:solidFill>
-                  <a:schemeClr val="tx1"/>
-                </a:solidFill>
-                <a:latin typeface="Arial" charset="0"/>
-                <a:ea typeface="ＭＳ Ｐゴシック" pitchFamily="34" charset="-128"/>
-              </a:defRPr>
-            </a:lvl2pPr>
-            <a:lvl3pPr marL="1143000" indent="-228600" algn="l" eaLnBrk="0" hangingPunct="0">
-              <a:spcBef>
-                <a:spcPct val="20000"/>
-              </a:spcBef>
-              <a:buFont typeface="Wingdings" pitchFamily="2" charset="2"/>
-              <a:buChar char="§"/>
-              <a:defRPr>
-                <a:solidFill>
-                  <a:schemeClr val="tx1"/>
-                </a:solidFill>
-                <a:latin typeface="Arial" charset="0"/>
-                <a:ea typeface="ＭＳ Ｐゴシック" pitchFamily="34" charset="-128"/>
-              </a:defRPr>
-            </a:lvl3pPr>
-            <a:lvl4pPr marL="1600200" indent="-228600" algn="l" eaLnBrk="0" hangingPunct="0">
-              <a:spcBef>
-                <a:spcPct val="20000"/>
-              </a:spcBef>
-              <a:buFont typeface="Wingdings" pitchFamily="2" charset="2"/>
-              <a:buChar char="§"/>
-              <a:defRPr sz="1600">
-                <a:solidFill>
-                  <a:schemeClr val="tx1"/>
-                </a:solidFill>
-                <a:latin typeface="Arial" charset="0"/>
-                <a:ea typeface="ＭＳ Ｐゴシック" pitchFamily="34" charset="-128"/>
-              </a:defRPr>
-            </a:lvl4pPr>
-            <a:lvl5pPr marL="2057400" indent="-228600" algn="l" eaLnBrk="0" hangingPunct="0">
-              <a:spcBef>
-                <a:spcPct val="20000"/>
-              </a:spcBef>
-              <a:buFont typeface="Wingdings" pitchFamily="2" charset="2"/>
-              <a:buChar char="§"/>
-              <a:defRPr sz="1600">
-                <a:solidFill>
-                  <a:schemeClr val="tx1"/>
-                </a:solidFill>
-                <a:latin typeface="Arial" charset="0"/>
-                <a:ea typeface="ＭＳ Ｐゴシック" pitchFamily="34" charset="-128"/>
-              </a:defRPr>
-            </a:lvl5pPr>
-            <a:lvl6pPr marL="2514600" indent="-228600" defTabSz="449263" eaLnBrk="0" fontAlgn="base" hangingPunct="0">
-              <a:spcBef>
-                <a:spcPct val="20000"/>
-              </a:spcBef>
-              <a:spcAft>
-                <a:spcPct val="0"/>
-              </a:spcAft>
-              <a:buFont typeface="Wingdings" pitchFamily="2" charset="2"/>
-              <a:buChar char="§"/>
-              <a:defRPr sz="1600">
-                <a:solidFill>
-                  <a:schemeClr val="tx1"/>
-                </a:solidFill>
-                <a:latin typeface="Arial" charset="0"/>
-                <a:ea typeface="ＭＳ Ｐゴシック" pitchFamily="34" charset="-128"/>
-              </a:defRPr>
-            </a:lvl6pPr>
-            <a:lvl7pPr marL="2971800" indent="-228600" defTabSz="449263" eaLnBrk="0" fontAlgn="base" hangingPunct="0">
-              <a:spcBef>
-                <a:spcPct val="20000"/>
-              </a:spcBef>
-              <a:spcAft>
-                <a:spcPct val="0"/>
-              </a:spcAft>
-              <a:buFont typeface="Wingdings" pitchFamily="2" charset="2"/>
-              <a:buChar char="§"/>
-              <a:defRPr sz="1600">
-                <a:solidFill>
-                  <a:schemeClr val="tx1"/>
-                </a:solidFill>
-                <a:latin typeface="Arial" charset="0"/>
-                <a:ea typeface="ＭＳ Ｐゴシック" pitchFamily="34" charset="-128"/>
-              </a:defRPr>
-            </a:lvl7pPr>
-            <a:lvl8pPr marL="3429000" indent="-228600" defTabSz="449263" eaLnBrk="0" fontAlgn="base" hangingPunct="0">
-              <a:spcBef>
-                <a:spcPct val="20000"/>
-              </a:spcBef>
-              <a:spcAft>
-                <a:spcPct val="0"/>
-              </a:spcAft>
-              <a:buFont typeface="Wingdings" pitchFamily="2" charset="2"/>
-              <a:buChar char="§"/>
-              <a:defRPr sz="1600">
-                <a:solidFill>
-                  <a:schemeClr val="tx1"/>
-                </a:solidFill>
-                <a:latin typeface="Arial" charset="0"/>
-                <a:ea typeface="ＭＳ Ｐゴシック" pitchFamily="34" charset="-128"/>
-              </a:defRPr>
-            </a:lvl8pPr>
-            <a:lvl9pPr marL="3886200" indent="-228600" defTabSz="449263" eaLnBrk="0" fontAlgn="base" hangingPunct="0">
-              <a:spcBef>
-                <a:spcPct val="20000"/>
-              </a:spcBef>
-              <a:spcAft>
-                <a:spcPct val="0"/>
-              </a:spcAft>
-              <a:buFont typeface="Wingdings" pitchFamily="2" charset="2"/>
-              <a:buChar char="§"/>
-              <a:defRPr sz="1600">
-                <a:solidFill>
-                  <a:schemeClr val="tx1"/>
-                </a:solidFill>
-                <a:latin typeface="Arial" charset="0"/>
-                <a:ea typeface="ＭＳ Ｐゴシック" pitchFamily="34" charset="-128"/>
-              </a:defRPr>
-            </a:lvl9pPr>
-          </a:lstStyle>
-          <a:p>
-            <a:pPr algn="ctr" eaLnBrk="1" hangingPunct="1">
-              <a:spcBef>
-                <a:spcPct val="0"/>
-              </a:spcBef>
-              <a:buSzTx/>
-              <a:buFont typeface="Arial" charset="0"/>
-              <a:buNone/>
-            </a:pPr>
-            <a:r>
-              <a:rPr lang="de-DE" altLang="de-DE" sz="1000" dirty="0">
-                <a:hlinkClick r:id="rId3"/>
-              </a:rPr>
-              <a:t>http://www.tiobe.com/index.php/content/paperinfo/tpci/index.html</a:t>
-            </a:r>
-            <a:endParaRPr lang="de-DE" altLang="de-DE" sz="1000" dirty="0"/>
-          </a:p>
-        </p:txBody>
-      </p:sp>
-      <p:sp>
-        <p:nvSpPr>
-          <p:cNvPr id="52" name="Abgerundete rechteckige Legende 51"/>
-          <p:cNvSpPr/>
-          <p:nvPr/>
-        </p:nvSpPr>
-        <p:spPr>
-          <a:xfrm>
-            <a:off x="6107113" y="5229225"/>
-            <a:ext cx="2635250" cy="720725"/>
-          </a:xfrm>
-          <a:prstGeom prst="wedgeRoundRectCallout">
-            <a:avLst>
-              <a:gd name="adj1" fmla="val -61137"/>
-              <a:gd name="adj2" fmla="val -81932"/>
-              <a:gd name="adj3" fmla="val 16667"/>
-            </a:avLst>
-          </a:prstGeom>
-          <a:solidFill>
-            <a:schemeClr val="tx1"/>
-          </a:solidFill>
-          <a:ln/>
-        </p:spPr>
-        <p:style>
-          <a:lnRef idx="1">
-            <a:schemeClr val="dk1"/>
-          </a:lnRef>
-          <a:fillRef idx="3">
-            <a:schemeClr val="dk1"/>
-          </a:fillRef>
-          <a:effectRef idx="2">
-            <a:schemeClr val="dk1"/>
-          </a:effectRef>
-          <a:fontRef idx="minor">
-            <a:schemeClr val="lt1"/>
-          </a:fontRef>
-        </p:style>
-        <p:txBody>
-          <a:bodyPr anchor="ctr"/>
-          <a:lstStyle/>
-          <a:p>
-            <a:pPr>
-              <a:defRPr/>
-            </a:pPr>
-            <a:r>
-              <a:rPr lang="de-DE" dirty="0">
-                <a:solidFill>
-                  <a:schemeClr val="bg1"/>
-                </a:solidFill>
-              </a:rPr>
-              <a:t>C++ = „C </a:t>
-            </a:r>
-            <a:r>
-              <a:rPr lang="de-DE" dirty="0" err="1">
-                <a:solidFill>
-                  <a:schemeClr val="bg1"/>
-                </a:solidFill>
-              </a:rPr>
-              <a:t>with</a:t>
-            </a:r>
-            <a:r>
-              <a:rPr lang="de-DE" dirty="0">
-                <a:solidFill>
-                  <a:schemeClr val="bg1"/>
-                </a:solidFill>
-              </a:rPr>
-              <a:t> </a:t>
-            </a:r>
-            <a:r>
-              <a:rPr lang="de-DE" dirty="0" err="1">
-                <a:solidFill>
-                  <a:schemeClr val="bg1"/>
-                </a:solidFill>
-              </a:rPr>
-              <a:t>objects</a:t>
-            </a:r>
-            <a:r>
-              <a:rPr lang="de-DE" dirty="0">
-                <a:solidFill>
-                  <a:schemeClr val="bg1"/>
-                </a:solidFill>
-              </a:rPr>
-              <a:t>“</a:t>
-            </a:r>
-          </a:p>
-        </p:txBody>
-      </p:sp>
-    </p:spTree>
-  </p:cSld>
-  <p:clrMapOvr>
-    <a:masterClrMapping/>
-  </p:clrMapOvr>
-  <p:transition/>
-  <p:timing>
-    <p:tnLst>
-      <p:par>
-        <p:cTn id="1" dur="indefinite" restart="never" nodeType="tmRoot">
-          <p:childTnLst>
-            <p:seq concurrent="1" nextAc="seek">
-              <p:cTn id="2" dur="indefinite" nodeType="mainSeq">
-                <p:childTnLst>
-                  <p:par>
-                    <p:cTn id="3" fill="hold" nodeType="clickPar">
-                      <p:stCondLst>
-                        <p:cond delay="indefinite"/>
-                      </p:stCondLst>
-                      <p:childTnLst>
-                        <p:par>
-                          <p:cTn id="4" fill="hold" nodeType="withGroup">
-                            <p:stCondLst>
-                              <p:cond delay="0"/>
-                            </p:stCondLst>
-                            <p:childTnLst>
-                              <p:par>
-                                <p:cTn id="5" presetID="10" presetClass="entr" presetSubtype="0" fill="hold" grpId="0" nodeType="clickEffect">
-                                  <p:stCondLst>
-                                    <p:cond delay="0"/>
-                                  </p:stCondLst>
-                                  <p:childTnLst>
-                                    <p:set>
-                                      <p:cBhvr>
-                                        <p:cTn id="6" dur="1" fill="hold">
-                                          <p:stCondLst>
-                                            <p:cond delay="0"/>
-                                          </p:stCondLst>
-                                        </p:cTn>
-                                        <p:tgtEl>
-                                          <p:spTgt spid="50"/>
-                                        </p:tgtEl>
-                                        <p:attrNameLst>
-                                          <p:attrName>style.visibility</p:attrName>
-                                        </p:attrNameLst>
-                                      </p:cBhvr>
-                                      <p:to>
-                                        <p:strVal val="visible"/>
-                                      </p:to>
-                                    </p:set>
-                                    <p:animEffect transition="in" filter="fade">
-                                      <p:cBhvr>
-                                        <p:cTn id="7" dur="500"/>
-                                        <p:tgtEl>
-                                          <p:spTgt spid="50"/>
-                                        </p:tgtEl>
-                                      </p:cBhvr>
-                                    </p:animEffect>
-                                  </p:childTnLst>
-                                </p:cTn>
-                              </p:par>
-                            </p:childTnLst>
-                          </p:cTn>
-                        </p:par>
-                      </p:childTnLst>
-                    </p:cTn>
-                  </p:par>
-                  <p:par>
-                    <p:cTn id="8" fill="hold" nodeType="clickPar">
-                      <p:stCondLst>
-                        <p:cond delay="indefinite"/>
-                      </p:stCondLst>
-                      <p:childTnLst>
-                        <p:par>
-                          <p:cTn id="9" fill="hold" nodeType="withGroup">
-                            <p:stCondLst>
-                              <p:cond delay="0"/>
-                            </p:stCondLst>
-                            <p:childTnLst>
-                              <p:par>
-                                <p:cTn id="10" presetID="10" presetClass="entr" presetSubtype="0" fill="hold" grpId="0" nodeType="clickEffect">
-                                  <p:stCondLst>
-                                    <p:cond delay="0"/>
-                                  </p:stCondLst>
-                                  <p:childTnLst>
-                                    <p:set>
-                                      <p:cBhvr>
-                                        <p:cTn id="11" dur="1" fill="hold">
-                                          <p:stCondLst>
-                                            <p:cond delay="0"/>
-                                          </p:stCondLst>
-                                        </p:cTn>
-                                        <p:tgtEl>
-                                          <p:spTgt spid="52"/>
-                                        </p:tgtEl>
-                                        <p:attrNameLst>
-                                          <p:attrName>style.visibility</p:attrName>
-                                        </p:attrNameLst>
-                                      </p:cBhvr>
-                                      <p:to>
-                                        <p:strVal val="visible"/>
-                                      </p:to>
-                                    </p:set>
-                                    <p:animEffect transition="in" filter="fade">
-                                      <p:cBhvr>
-                                        <p:cTn id="12" dur="500"/>
-                                        <p:tgtEl>
-                                          <p:spTgt spid="52"/>
-                                        </p:tgtEl>
-                                      </p:cBhvr>
-                                    </p:animEffect>
-                                  </p:childTnLst>
-                                </p:cTn>
-                              </p:par>
-                            </p:childTnLst>
-                          </p:cTn>
-                        </p:par>
-                      </p:childTnLst>
-                    </p:cTn>
-                  </p:par>
-                </p:childTnLst>
-              </p:cTn>
-              <p:prevCondLst>
-                <p:cond evt="onPrev" delay="0">
-                  <p:tgtEl>
-                    <p:sldTgt/>
-                  </p:tgtEl>
-                </p:cond>
-              </p:prevCondLst>
-              <p:nextCondLst>
-                <p:cond evt="onNext" delay="0">
-                  <p:tgtEl>
-                    <p:sldTgt/>
-                  </p:tgtEl>
-                </p:cond>
-              </p:nextCondLst>
-            </p:seq>
-          </p:childTnLst>
-        </p:cTn>
-      </p:par>
-    </p:tnLst>
-    <p:bldLst>
-      <p:bldP spid="50" grpId="0" animBg="1"/>
-      <p:bldP spid="52" grpId="0" animBg="1"/>
+      <p:bldP spid="29" grpId="0"/>
+      <p:bldP spid="33" grpId="0"/>
     </p:bldLst>
   </p:timing>
 </p:sld>

--- a/Vorlesung/0 Organisatorisches.pptx
+++ b/Vorlesung/0 Organisatorisches.pptx
@@ -432,11 +432,11 @@
         </c:dLbls>
         <c:gapWidth val="219"/>
         <c:overlap val="-27"/>
-        <c:axId val="1567337680"/>
-        <c:axId val="1567331152"/>
+        <c:axId val="-1662764912"/>
+        <c:axId val="-1662756752"/>
       </c:barChart>
       <c:catAx>
-        <c:axId val="1567337680"/>
+        <c:axId val="-1662764912"/>
         <c:scaling>
           <c:orientation val="minMax"/>
         </c:scaling>
@@ -479,7 +479,7 @@
             <a:endParaRPr lang="en-US"/>
           </a:p>
         </c:txPr>
-        <c:crossAx val="1567331152"/>
+        <c:crossAx val="-1662756752"/>
         <c:crosses val="autoZero"/>
         <c:auto val="1"/>
         <c:lblAlgn val="ctr"/>
@@ -487,7 +487,7 @@
         <c:noMultiLvlLbl val="0"/>
       </c:catAx>
       <c:valAx>
-        <c:axId val="1567331152"/>
+        <c:axId val="-1662756752"/>
         <c:scaling>
           <c:orientation val="minMax"/>
         </c:scaling>
@@ -511,7 +511,7 @@
         <c:majorTickMark val="out"/>
         <c:minorTickMark val="none"/>
         <c:tickLblPos val="nextTo"/>
-        <c:crossAx val="1567337680"/>
+        <c:crossAx val="-1662764912"/>
         <c:crosses val="autoZero"/>
         <c:crossBetween val="between"/>
       </c:valAx>
@@ -6098,11 +6098,7 @@
             </a:pPr>
             <a:r>
               <a:rPr lang="de-DE" baseline="0" dirty="0" smtClean="0"/>
-              <a:t>manche Programme lassen sich tatsächlich mit C-Compiler </a:t>
-            </a:r>
-            <a:r>
-              <a:rPr lang="de-DE" baseline="0" dirty="0" smtClean="0"/>
-              <a:t>übersetzen </a:t>
+              <a:t>manche Programme lassen sich tatsächlich mit C-Compiler übersetzen </a:t>
             </a:r>
             <a:r>
               <a:rPr lang="de-DE" baseline="0" smtClean="0"/>
@@ -11634,7 +11630,7 @@
           <a:graphicData uri="http://schemas.openxmlformats.org/presentationml/2006/ole">
             <mc:AlternateContent xmlns:mc="http://schemas.openxmlformats.org/markup-compatibility/2006">
               <mc:Choice xmlns:v="urn:schemas-microsoft-com:vml" Requires="v">
-                <p:oleObj spid="_x0000_s27780" r:id="rId3" imgW="1038370" imgH="980952" progId="PBrush">
+                <p:oleObj spid="_x0000_s27784" r:id="rId3" imgW="1038370" imgH="980952" progId="PBrush">
                   <p:embed/>
                 </p:oleObj>
               </mc:Choice>
@@ -14628,7 +14624,7 @@
           <a:graphicData uri="http://schemas.openxmlformats.org/presentationml/2006/ole">
             <mc:AlternateContent xmlns:mc="http://schemas.openxmlformats.org/markup-compatibility/2006">
               <mc:Choice xmlns:v="urn:schemas-microsoft-com:vml" Requires="v">
-                <p:oleObj spid="_x0000_s1167" r:id="rId16" imgW="1038370" imgH="980952" progId="">
+                <p:oleObj spid="_x0000_s1171" r:id="rId16" imgW="1038370" imgH="980952" progId="">
                   <p:embed/>
                 </p:oleObj>
               </mc:Choice>
@@ -15066,7 +15062,7 @@
                 </a:lnSpc>
                 <a:defRPr/>
               </a:pPr>
-              <a:t>18.09.2014</a:t>
+              <a:t>23.09.2014</a:t>
             </a:fld>
             <a:r>
               <a:rPr lang="en-GB" altLang="de-DE" sz="1000" smtClean="0">
@@ -16574,7 +16570,7 @@
           <a:graphicData uri="http://schemas.openxmlformats.org/presentationml/2006/ole">
             <mc:AlternateContent xmlns:mc="http://schemas.openxmlformats.org/markup-compatibility/2006">
               <mc:Choice xmlns:v="urn:schemas-microsoft-com:vml" Requires="v">
-                <p:oleObj spid="_x0000_s2190" r:id="rId6" imgW="1038370" imgH="980952" progId="PBrush">
+                <p:oleObj spid="_x0000_s2194" r:id="rId6" imgW="1038370" imgH="980952" progId="PBrush">
                   <p:embed/>
                 </p:oleObj>
               </mc:Choice>
@@ -21548,11 +21544,7 @@
             </a:pPr>
             <a:r>
               <a:rPr lang="de-DE" dirty="0" smtClean="0"/>
-              <a:t>Übung (nachmittags) im </a:t>
-            </a:r>
-            <a:r>
-              <a:rPr lang="de-DE" dirty="0" smtClean="0"/>
-              <a:t>Raum 67</a:t>
+              <a:t>Übung (nachmittags) im Raum 67</a:t>
             </a:r>
           </a:p>
           <a:p>
@@ -21726,19 +21718,7 @@
               <a:rPr lang="de-DE" sz="1600" b="0" dirty="0" smtClean="0">
                 <a:hlinkClick r:id="rId6"/>
               </a:rPr>
-              <a:t>https</a:t>
-            </a:r>
-            <a:r>
-              <a:rPr lang="de-DE" sz="1600" b="0" dirty="0" smtClean="0">
-                <a:hlinkClick r:id="rId6"/>
-              </a:rPr>
-              <a:t>://code.google.com</a:t>
-            </a:r>
-            <a:r>
-              <a:rPr lang="de-DE" sz="1600" b="0" dirty="0" smtClean="0">
-                <a:hlinkClick r:id="rId6"/>
-              </a:rPr>
-              <a:t>/</a:t>
+              <a:t>https://code.google.com/</a:t>
             </a:r>
             <a:r>
               <a:rPr lang="de-DE" sz="1600" b="0" dirty="0" smtClean="0"/>
@@ -21749,11 +21729,7 @@
             </a:br>
             <a:r>
               <a:rPr lang="de-DE" sz="1600" b="0" dirty="0" smtClean="0"/>
-              <a:t>  Git @ GitHub:</a:t>
-            </a:r>
-            <a:r>
-              <a:rPr lang="de-DE" sz="1600" b="0" dirty="0" smtClean="0"/>
-              <a:t> </a:t>
+              <a:t>  Git @ GitHub: </a:t>
             </a:r>
             <a:r>
               <a:rPr lang="de-DE" sz="1600" b="0" dirty="0" smtClean="0">
@@ -21817,7 +21793,6 @@
               <a:rPr lang="de-DE" dirty="0" smtClean="0"/>
               <a:t> </a:t>
             </a:r>
-            <a:endParaRPr lang="de-DE" dirty="0" smtClean="0"/>
           </a:p>
         </p:txBody>
       </p:sp>
@@ -22120,7 +22095,6 @@
               <a:rPr lang="de-DE" altLang="de-DE" dirty="0" smtClean="0"/>
               <a:t>Ein Wort zu den Übungsblättern</a:t>
             </a:r>
-            <a:endParaRPr lang="de-DE" altLang="de-DE" dirty="0" smtClean="0"/>
           </a:p>
         </p:txBody>
       </p:sp>
@@ -22176,7 +22150,6 @@
               <a:rPr lang="de-DE" b="0" dirty="0" smtClean="0"/>
               <a:t>Die Aufgabenblätter sind unterschiedlich lang – man muss nicht immer am Tagesende mit dem Blatt fertig sein!</a:t>
             </a:r>
-            <a:endParaRPr lang="de-DE" b="0" dirty="0" smtClean="0"/>
           </a:p>
         </p:txBody>
       </p:sp>
@@ -22380,6 +22353,25 @@
             </a:r>
             <a:r>
               <a:rPr lang="de-DE" altLang="de-DE" dirty="0" smtClean="0"/>
+              <a:t> C</a:t>
+            </a:r>
+            <a:r>
+              <a:rPr lang="de-DE" altLang="de-DE" dirty="0" smtClean="0"/>
+              <a:t>++ </a:t>
+            </a:r>
+            <a:br>
+              <a:rPr lang="de-DE" altLang="de-DE" dirty="0" smtClean="0"/>
+            </a:br>
+            <a:r>
+              <a:rPr lang="de-DE" altLang="de-DE" dirty="0" smtClean="0"/>
+              <a:t>Scott Meyers: More </a:t>
+            </a:r>
+            <a:r>
+              <a:rPr lang="de-DE" altLang="de-DE" dirty="0" err="1" smtClean="0"/>
+              <a:t>Effective</a:t>
+            </a:r>
+            <a:r>
+              <a:rPr lang="de-DE" altLang="de-DE" dirty="0" smtClean="0"/>
               <a:t> C++</a:t>
             </a:r>
             <a:br>
@@ -22390,18 +22382,59 @@
           <a:p>
             <a:r>
               <a:rPr lang="de-DE" altLang="de-DE" dirty="0" smtClean="0"/>
-              <a:t>Scott Meyers: More </a:t>
+              <a:t>Helmut </a:t>
             </a:r>
             <a:r>
               <a:rPr lang="de-DE" altLang="de-DE" dirty="0" err="1" smtClean="0"/>
-              <a:t>Effective</a:t>
+              <a:t>Schellong</a:t>
             </a:r>
             <a:r>
               <a:rPr lang="de-DE" altLang="de-DE" dirty="0" smtClean="0"/>
-              <a:t> C++</a:t>
-            </a:r>
-          </a:p>
-          <a:p>
+              <a:t>: Moderne C Programmierung [Springer]</a:t>
+            </a:r>
+            <a:br>
+              <a:rPr lang="de-DE" altLang="de-DE" dirty="0" smtClean="0"/>
+            </a:br>
+            <a:r>
+              <a:rPr lang="de-DE" altLang="de-DE" dirty="0" smtClean="0"/>
+              <a:t>Ralf Schneeweiß: Moderne C</a:t>
+            </a:r>
+            <a:r>
+              <a:rPr lang="de-DE" altLang="de-DE" dirty="0"/>
+              <a:t>++ Programmierung [Springer]</a:t>
+            </a:r>
+            <a:r>
+              <a:rPr lang="de-DE" altLang="de-DE" dirty="0" smtClean="0"/>
+              <a:t/>
+            </a:r>
+            <a:br>
+              <a:rPr lang="de-DE" altLang="de-DE" dirty="0" smtClean="0"/>
+            </a:br>
+            <a:endParaRPr lang="de-DE" altLang="de-DE" dirty="0" smtClean="0"/>
+          </a:p>
+          <a:p>
+            <a:r>
+              <a:rPr lang="de-DE" altLang="de-DE" dirty="0" smtClean="0"/>
+              <a:t>Jürgen Wolf: Grundkurs C [Galileo]</a:t>
+            </a:r>
+            <a:br>
+              <a:rPr lang="de-DE" altLang="de-DE" dirty="0" smtClean="0"/>
+            </a:br>
+            <a:r>
+              <a:rPr lang="de-DE" altLang="de-DE" dirty="0" smtClean="0"/>
+              <a:t>Jürgen Wolf: Grundkurs C++ </a:t>
+            </a:r>
+            <a:r>
+              <a:rPr lang="de-DE" altLang="de-DE" dirty="0"/>
+              <a:t>[Galileo]</a:t>
+            </a:r>
+            <a:r>
+              <a:rPr lang="de-DE" altLang="de-DE" dirty="0" smtClean="0"/>
+              <a:t/>
+            </a:r>
+            <a:br>
+              <a:rPr lang="de-DE" altLang="de-DE" dirty="0" smtClean="0"/>
+            </a:br>
             <a:endParaRPr lang="de-DE" altLang="de-DE" dirty="0" smtClean="0"/>
           </a:p>
           <a:p>
@@ -22468,6 +22501,136 @@
                 </a:solidFill>
               </a:rPr>
               <a:t>Alles Klausurrelevante wird während der 6 Tage vermittelt.</a:t>
+            </a:r>
+            <a:endParaRPr lang="de-DE" dirty="0">
+              <a:solidFill>
+                <a:schemeClr val="bg1"/>
+              </a:solidFill>
+            </a:endParaRPr>
+          </a:p>
+        </p:txBody>
+      </p:sp>
+      <p:sp>
+        <p:nvSpPr>
+          <p:cNvPr id="5" name="Abgerundete rechteckige Legende 4"/>
+          <p:cNvSpPr/>
+          <p:nvPr/>
+        </p:nvSpPr>
+        <p:spPr>
+          <a:xfrm>
+            <a:off x="5292080" y="3573016"/>
+            <a:ext cx="3599508" cy="559789"/>
+          </a:xfrm>
+          <a:prstGeom prst="wedgeRoundRectCallout">
+            <a:avLst>
+              <a:gd name="adj1" fmla="val -35660"/>
+              <a:gd name="adj2" fmla="val 67144"/>
+              <a:gd name="adj3" fmla="val 16667"/>
+            </a:avLst>
+          </a:prstGeom>
+          <a:ln/>
+        </p:spPr>
+        <p:style>
+          <a:lnRef idx="1">
+            <a:schemeClr val="dk1"/>
+          </a:lnRef>
+          <a:fillRef idx="3">
+            <a:schemeClr val="dk1"/>
+          </a:fillRef>
+          <a:effectRef idx="2">
+            <a:schemeClr val="dk1"/>
+          </a:effectRef>
+          <a:fontRef idx="minor">
+            <a:schemeClr val="lt1"/>
+          </a:fontRef>
+        </p:style>
+        <p:txBody>
+          <a:bodyPr anchor="ctr"/>
+          <a:lstStyle/>
+          <a:p>
+            <a:pPr>
+              <a:defRPr/>
+            </a:pPr>
+            <a:r>
+              <a:rPr lang="de-DE" dirty="0" smtClean="0">
+                <a:solidFill>
+                  <a:schemeClr val="bg1"/>
+                </a:solidFill>
+              </a:rPr>
+              <a:t>Aus dem </a:t>
+            </a:r>
+            <a:r>
+              <a:rPr lang="de-DE" dirty="0" err="1" smtClean="0">
+                <a:solidFill>
+                  <a:schemeClr val="bg1"/>
+                </a:solidFill>
+              </a:rPr>
+              <a:t>Uninetz</a:t>
+            </a:r>
+            <a:r>
+              <a:rPr lang="de-DE" dirty="0" smtClean="0">
+                <a:solidFill>
+                  <a:schemeClr val="bg1"/>
+                </a:solidFill>
+              </a:rPr>
+              <a:t> frei zugänglich.</a:t>
+            </a:r>
+            <a:endParaRPr lang="de-DE" dirty="0">
+              <a:solidFill>
+                <a:schemeClr val="bg1"/>
+              </a:solidFill>
+            </a:endParaRPr>
+          </a:p>
+        </p:txBody>
+      </p:sp>
+      <p:sp>
+        <p:nvSpPr>
+          <p:cNvPr id="6" name="Abgerundete rechteckige Legende 5"/>
+          <p:cNvSpPr/>
+          <p:nvPr/>
+        </p:nvSpPr>
+        <p:spPr>
+          <a:xfrm>
+            <a:off x="5288835" y="5229200"/>
+            <a:ext cx="2595533" cy="559789"/>
+          </a:xfrm>
+          <a:prstGeom prst="wedgeRoundRectCallout">
+            <a:avLst>
+              <a:gd name="adj1" fmla="val -59131"/>
+              <a:gd name="adj2" fmla="val -25183"/>
+              <a:gd name="adj3" fmla="val 16667"/>
+            </a:avLst>
+          </a:prstGeom>
+          <a:ln/>
+        </p:spPr>
+        <p:style>
+          <a:lnRef idx="1">
+            <a:schemeClr val="dk1"/>
+          </a:lnRef>
+          <a:fillRef idx="3">
+            <a:schemeClr val="dk1"/>
+          </a:fillRef>
+          <a:effectRef idx="2">
+            <a:schemeClr val="dk1"/>
+          </a:effectRef>
+          <a:fontRef idx="minor">
+            <a:schemeClr val="lt1"/>
+          </a:fontRef>
+        </p:style>
+        <p:txBody>
+          <a:bodyPr anchor="ctr"/>
+          <a:lstStyle/>
+          <a:p>
+            <a:pPr>
+              <a:defRPr/>
+            </a:pPr>
+            <a:r>
+              <a:rPr lang="de-DE" dirty="0" smtClean="0">
+                <a:solidFill>
+                  <a:schemeClr val="bg1"/>
+                </a:solidFill>
+              </a:rPr>
+              <a:t>Kompakt und günstig</a:t>
             </a:r>
             <a:endParaRPr lang="de-DE" dirty="0">
               <a:solidFill>
@@ -22548,6 +22711,112 @@
                       </p:childTnLst>
                     </p:cTn>
                   </p:par>
+                  <p:par>
+                    <p:cTn id="8" fill="hold">
+                      <p:stCondLst>
+                        <p:cond delay="indefinite"/>
+                      </p:stCondLst>
+                      <p:childTnLst>
+                        <p:par>
+                          <p:cTn id="9" fill="hold">
+                            <p:stCondLst>
+                              <p:cond delay="0"/>
+                            </p:stCondLst>
+                            <p:childTnLst>
+                              <p:par>
+                                <p:cTn id="10" presetID="10" presetClass="entr" presetSubtype="0" fill="hold" grpId="0" nodeType="clickEffect">
+                                  <p:stCondLst>
+                                    <p:cond delay="0"/>
+                                  </p:stCondLst>
+                                  <p:childTnLst>
+                                    <p:set>
+                                      <p:cBhvr>
+                                        <p:cTn id="11" dur="1" fill="hold">
+                                          <p:stCondLst>
+                                            <p:cond delay="0"/>
+                                          </p:stCondLst>
+                                        </p:cTn>
+                                        <p:tgtEl>
+                                          <p:spTgt spid="5"/>
+                                        </p:tgtEl>
+                                        <p:attrNameLst>
+                                          <p:attrName>style.visibility</p:attrName>
+                                        </p:attrNameLst>
+                                      </p:cBhvr>
+                                      <p:to>
+                                        <p:strVal val="visible"/>
+                                      </p:to>
+                                    </p:set>
+                                    <p:animEffect transition="in" filter="fade">
+                                      <p:cBhvr>
+                                        <p:cTn id="12" dur="500"/>
+                                        <p:tgtEl>
+                                          <p:spTgt spid="5"/>
+                                        </p:tgtEl>
+                                      </p:cBhvr>
+                                    </p:animEffect>
+                                  </p:childTnLst>
+                                </p:cTn>
+                              </p:par>
+                            </p:childTnLst>
+                          </p:cTn>
+                        </p:par>
+                      </p:childTnLst>
+                    </p:cTn>
+                  </p:par>
+                  <p:par>
+                    <p:cTn id="13" fill="hold">
+                      <p:stCondLst>
+                        <p:cond delay="indefinite"/>
+                      </p:stCondLst>
+                      <p:childTnLst>
+                        <p:par>
+                          <p:cTn id="14" fill="hold">
+                            <p:stCondLst>
+                              <p:cond delay="0"/>
+                            </p:stCondLst>
+                            <p:childTnLst>
+                              <p:par>
+                                <p:cTn id="15" presetID="10" presetClass="entr" presetSubtype="0" fill="hold" grpId="0" nodeType="clickEffect">
+                                  <p:stCondLst>
+                                    <p:cond delay="0"/>
+                                  </p:stCondLst>
+                                  <p:childTnLst>
+                                    <p:set>
+                                      <p:cBhvr>
+                                        <p:cTn id="16" dur="1" fill="hold">
+                                          <p:stCondLst>
+                                            <p:cond delay="0"/>
+                                          </p:stCondLst>
+                                        </p:cTn>
+                                        <p:tgtEl>
+                                          <p:spTgt spid="6"/>
+                                        </p:tgtEl>
+                                        <p:attrNameLst>
+                                          <p:attrName>style.visibility</p:attrName>
+                                        </p:attrNameLst>
+                                      </p:cBhvr>
+                                      <p:to>
+                                        <p:strVal val="visible"/>
+                                      </p:to>
+                                    </p:set>
+                                    <p:animEffect transition="in" filter="fade">
+                                      <p:cBhvr>
+                                        <p:cTn id="17" dur="500"/>
+                                        <p:tgtEl>
+                                          <p:spTgt spid="6"/>
+                                        </p:tgtEl>
+                                      </p:cBhvr>
+                                    </p:animEffect>
+                                  </p:childTnLst>
+                                </p:cTn>
+                              </p:par>
+                            </p:childTnLst>
+                          </p:cTn>
+                        </p:par>
+                      </p:childTnLst>
+                    </p:cTn>
+                  </p:par>
                 </p:childTnLst>
               </p:cTn>
               <p:prevCondLst>
@@ -22571,6 +22840,8 @@
     </p:tnLst>
     <p:bldLst>
       <p:bldP spid="4" grpId="0" animBg="1"/>
+      <p:bldP spid="5" grpId="0" animBg="1"/>
+      <p:bldP spid="6" grpId="0" animBg="1"/>
     </p:bldLst>
   </p:timing>
 </p:sld>
@@ -23299,9 +23570,6 @@
               </a:rPr>
               <a:t>C, C++ und Java</a:t>
             </a:r>
-            <a:endParaRPr lang="de-DE" altLang="de-DE" dirty="0" smtClean="0">
-              <a:ea typeface="ＭＳ Ｐゴシック" pitchFamily="34" charset="-128"/>
-            </a:endParaRPr>
           </a:p>
         </p:txBody>
       </p:sp>
